--- a/ch6-anomaly.pptx
+++ b/ch6-anomaly.pptx
@@ -5,10 +5,10 @@
     <p:sldMasterId id="2147483660" r:id="rId1"/>
   </p:sldMasterIdLst>
   <p:notesMasterIdLst>
-    <p:notesMasterId r:id="rId32"/>
+    <p:notesMasterId r:id="rId34"/>
   </p:notesMasterIdLst>
   <p:handoutMasterIdLst>
-    <p:handoutMasterId r:id="rId33"/>
+    <p:handoutMasterId r:id="rId35"/>
   </p:handoutMasterIdLst>
   <p:sldIdLst>
     <p:sldId id="256" r:id="rId2"/>
@@ -41,6 +41,8 @@
     <p:sldId id="269" r:id="rId29"/>
     <p:sldId id="273" r:id="rId30"/>
     <p:sldId id="323" r:id="rId31"/>
+    <p:sldId id="324" r:id="rId32"/>
+    <p:sldId id="325" r:id="rId33"/>
   </p:sldIdLst>
   <p:sldSz cx="9144000" cy="6858000" type="screen4x3"/>
   <p:notesSz cx="6858000" cy="9144000"/>
@@ -220,6 +222,8 @@
             <p14:sldId id="269"/>
             <p14:sldId id="273"/>
             <p14:sldId id="323"/>
+            <p14:sldId id="324"/>
+            <p14:sldId id="325"/>
           </p14:sldIdLst>
         </p14:section>
       </p14:sectionLst>
@@ -335,7 +339,7 @@
               <a:pPr>
                 <a:defRPr/>
               </a:pPr>
-              <a:t>2016-08-25</a:t>
+              <a:t>16-09-15</a:t>
             </a:fld>
             <a:endParaRPr lang="en-US"/>
           </a:p>
@@ -551,7 +555,7 @@
               <a:pPr>
                 <a:defRPr/>
               </a:pPr>
-              <a:t>2016-08-25</a:t>
+              <a:t>16-09-15</a:t>
             </a:fld>
             <a:endParaRPr lang="en-US"/>
           </a:p>
@@ -1918,6 +1922,96 @@
 </p:notes>
 </file>
 
+<file path=ppt/notesSlides/notesSlide15.xml><?xml version="1.0" encoding="utf-8"?>
+<p:notes xmlns:a="http://schemas.openxmlformats.org/drawingml/2006/main" xmlns:r="http://schemas.openxmlformats.org/officeDocument/2006/relationships" xmlns:p="http://schemas.openxmlformats.org/presentationml/2006/main">
+  <p:cSld>
+    <p:spTree>
+      <p:nvGrpSpPr>
+        <p:cNvPr id="1" name=""/>
+        <p:cNvGrpSpPr/>
+        <p:nvPr/>
+      </p:nvGrpSpPr>
+      <p:grpSpPr>
+        <a:xfrm>
+          <a:off x="0" y="0"/>
+          <a:ext cx="0" cy="0"/>
+          <a:chOff x="0" y="0"/>
+          <a:chExt cx="0" cy="0"/>
+        </a:xfrm>
+      </p:grpSpPr>
+      <p:sp>
+        <p:nvSpPr>
+          <p:cNvPr id="2" name="Slide Image Placeholder 1"/>
+          <p:cNvSpPr>
+            <a:spLocks noGrp="1" noRot="1" noChangeAspect="1"/>
+          </p:cNvSpPr>
+          <p:nvPr>
+            <p:ph type="sldImg"/>
+          </p:nvPr>
+        </p:nvSpPr>
+        <p:spPr/>
+      </p:sp>
+      <p:sp>
+        <p:nvSpPr>
+          <p:cNvPr id="3" name="Notes Placeholder 2"/>
+          <p:cNvSpPr>
+            <a:spLocks noGrp="1"/>
+          </p:cNvSpPr>
+          <p:nvPr>
+            <p:ph type="body" idx="1"/>
+          </p:nvPr>
+        </p:nvSpPr>
+        <p:spPr/>
+        <p:txBody>
+          <a:bodyPr/>
+          <a:lstStyle/>
+          <a:p>
+            <a:endParaRPr lang="en-US" dirty="0"/>
+          </a:p>
+        </p:txBody>
+      </p:sp>
+      <p:sp>
+        <p:nvSpPr>
+          <p:cNvPr id="4" name="Slide Number Placeholder 3"/>
+          <p:cNvSpPr>
+            <a:spLocks noGrp="1"/>
+          </p:cNvSpPr>
+          <p:nvPr>
+            <p:ph type="sldNum" sz="quarter" idx="10"/>
+          </p:nvPr>
+        </p:nvSpPr>
+        <p:spPr/>
+        <p:txBody>
+          <a:bodyPr/>
+          <a:lstStyle/>
+          <a:p>
+            <a:pPr>
+              <a:defRPr/>
+            </a:pPr>
+            <a:fld id="{57BE7C63-45E8-3348-B2F7-0B0BBCE77ABE}" type="slidenum">
+              <a:rPr lang="en-US" smtClean="0"/>
+              <a:pPr>
+                <a:defRPr/>
+              </a:pPr>
+              <a:t>32</a:t>
+            </a:fld>
+            <a:endParaRPr lang="en-US"/>
+          </a:p>
+        </p:txBody>
+      </p:sp>
+    </p:spTree>
+    <p:extLst>
+      <p:ext uri="{BB962C8B-B14F-4D97-AF65-F5344CB8AC3E}">
+        <p14:creationId xmlns:p14="http://schemas.microsoft.com/office/powerpoint/2010/main" val="601182641"/>
+      </p:ext>
+    </p:extLst>
+  </p:cSld>
+  <p:clrMapOvr>
+    <a:masterClrMapping/>
+  </p:clrMapOvr>
+</p:notes>
+</file>
+
 <file path=ppt/notesSlides/notesSlide2.xml><?xml version="1.0" encoding="utf-8"?>
 <p:notes xmlns:a="http://schemas.openxmlformats.org/drawingml/2006/main" xmlns:r="http://schemas.openxmlformats.org/officeDocument/2006/relationships" xmlns:p="http://schemas.openxmlformats.org/presentationml/2006/main">
   <p:cSld>
@@ -3177,7 +3271,7 @@
               <a:pPr>
                 <a:defRPr/>
               </a:pPr>
-              <a:t>2016-08-25</a:t>
+              <a:t>16-09-15</a:t>
             </a:fld>
             <a:endParaRPr lang="en-US"/>
           </a:p>
@@ -3377,7 +3471,7 @@
               <a:pPr>
                 <a:defRPr/>
               </a:pPr>
-              <a:t>2016-08-25</a:t>
+              <a:t>16-09-15</a:t>
             </a:fld>
             <a:endParaRPr lang="en-US"/>
           </a:p>
@@ -3587,7 +3681,7 @@
               <a:pPr>
                 <a:defRPr/>
               </a:pPr>
-              <a:t>2016-08-25</a:t>
+              <a:t>16-09-15</a:t>
             </a:fld>
             <a:endParaRPr lang="en-US"/>
           </a:p>
@@ -3792,7 +3886,7 @@
               <a:pPr>
                 <a:defRPr/>
               </a:pPr>
-              <a:t>2016-08-25</a:t>
+              <a:t>16-09-15</a:t>
             </a:fld>
             <a:endParaRPr lang="en-US"/>
           </a:p>
@@ -4310,7 +4404,7 @@
               <a:pPr>
                 <a:defRPr/>
               </a:pPr>
-              <a:t>2016-08-25</a:t>
+              <a:t>16-09-15</a:t>
             </a:fld>
             <a:endParaRPr lang="en-US"/>
           </a:p>
@@ -4582,7 +4676,7 @@
               <a:pPr>
                 <a:defRPr/>
               </a:pPr>
-              <a:t>2016-08-25</a:t>
+              <a:t>16-09-15</a:t>
             </a:fld>
             <a:endParaRPr lang="en-US"/>
           </a:p>
@@ -4979,7 +5073,7 @@
               <a:pPr>
                 <a:defRPr/>
               </a:pPr>
-              <a:t>2016-08-25</a:t>
+              <a:t>16-09-15</a:t>
             </a:fld>
             <a:endParaRPr lang="en-US"/>
           </a:p>
@@ -5127,7 +5221,7 @@
               <a:pPr>
                 <a:defRPr/>
               </a:pPr>
-              <a:t>2016-08-25</a:t>
+              <a:t>16-09-15</a:t>
             </a:fld>
             <a:endParaRPr lang="en-US"/>
           </a:p>
@@ -5252,7 +5346,7 @@
               <a:pPr>
                 <a:defRPr/>
               </a:pPr>
-              <a:t>2016-08-25</a:t>
+              <a:t>16-09-15</a:t>
             </a:fld>
             <a:endParaRPr lang="en-US"/>
           </a:p>
@@ -5627,7 +5721,7 @@
               <a:pPr>
                 <a:defRPr/>
               </a:pPr>
-              <a:t>2016-08-25</a:t>
+              <a:t>16-09-15</a:t>
             </a:fld>
             <a:endParaRPr lang="en-US"/>
           </a:p>
@@ -6049,7 +6143,7 @@
               <a:pPr>
                 <a:defRPr/>
               </a:pPr>
-              <a:t>2016-08-25</a:t>
+              <a:t>16-09-15</a:t>
             </a:fld>
             <a:endParaRPr lang="en-US"/>
           </a:p>
@@ -6468,7 +6562,7 @@
               <a:pPr>
                 <a:defRPr/>
               </a:pPr>
-              <a:t>2016-08-25</a:t>
+              <a:t>16-09-15</a:t>
             </a:fld>
             <a:endParaRPr lang="en-US"/>
           </a:p>
@@ -10350,11 +10444,7 @@
             </a:r>
             <a:r>
               <a:rPr lang="en-US" dirty="0"/>
-              <a:t>=</a:t>
-            </a:r>
-            <a:r>
-              <a:rPr lang="en-US" dirty="0"/>
-              <a:t>P</a:t>
+              <a:t>=P</a:t>
             </a:r>
             <a:r>
               <a:rPr lang="en-US" baseline="-25000" dirty="0"/>
@@ -10400,7 +10490,7 @@
           <a:graphicData uri="http://schemas.openxmlformats.org/presentationml/2006/ole">
             <mc:AlternateContent xmlns:mc="http://schemas.openxmlformats.org/markup-compatibility/2006">
               <mc:Choice xmlns:v="urn:schemas-microsoft-com:vml" Requires="v">
-                <p:oleObj spid="_x0000_s2100" name="Equation" r:id="rId3" imgW="2260600" imgH="215900" progId="Equation.3">
+                <p:oleObj spid="_x0000_s2108" name="Equation" r:id="rId3" imgW="2260600" imgH="215900" progId="Equation.3">
                   <p:embed/>
                 </p:oleObj>
               </mc:Choice>
@@ -10462,7 +10552,7 @@
           <a:graphicData uri="http://schemas.openxmlformats.org/presentationml/2006/ole">
             <mc:AlternateContent xmlns:mc="http://schemas.openxmlformats.org/markup-compatibility/2006">
               <mc:Choice xmlns:v="urn:schemas-microsoft-com:vml" Requires="v">
-                <p:oleObj spid="_x0000_s2101" name="Equation" r:id="rId5" imgW="4686300" imgH="698500" progId="Equation.3">
+                <p:oleObj spid="_x0000_s2109" name="Equation" r:id="rId5" imgW="4686300" imgH="698500" progId="Equation.3">
                   <p:embed/>
                 </p:oleObj>
               </mc:Choice>
@@ -11867,7 +11957,7 @@
           <a:graphicData uri="http://schemas.openxmlformats.org/presentationml/2006/ole">
             <mc:AlternateContent xmlns:mc="http://schemas.openxmlformats.org/markup-compatibility/2006">
               <mc:Choice xmlns:v="urn:schemas-microsoft-com:vml" Requires="v">
-                <p:oleObj spid="_x0000_s5148" name="Equation" r:id="rId4" imgW="6184900" imgH="1054100" progId="Equation.3">
+                <p:oleObj spid="_x0000_s5153" name="Equation" r:id="rId4" imgW="6184900" imgH="1054100" progId="Equation.3">
                   <p:embed/>
                 </p:oleObj>
               </mc:Choice>
@@ -12323,7 +12413,7 @@
           <a:graphicData uri="http://schemas.openxmlformats.org/presentationml/2006/ole">
             <mc:AlternateContent xmlns:mc="http://schemas.openxmlformats.org/markup-compatibility/2006">
               <mc:Choice xmlns:v="urn:schemas-microsoft-com:vml" Requires="v">
-                <p:oleObj spid="_x0000_s4126" name="Equation" r:id="rId3" imgW="6184900" imgH="1054100" progId="Equation.3">
+                <p:oleObj spid="_x0000_s4131" name="Equation" r:id="rId3" imgW="6184900" imgH="1054100" progId="Equation.3">
                   <p:embed/>
                 </p:oleObj>
               </mc:Choice>
@@ -17824,7 +17914,6 @@
               <a:rPr lang="en-US" dirty="0"/>
               <a:t>lift = ln(38%/50%) =-0.27 </a:t>
             </a:r>
-            <a:endParaRPr lang="en-US" dirty="0"/>
           </a:p>
         </p:txBody>
       </p:sp>
@@ -20061,6 +20150,324 @@
   <p:clrMapOvr>
     <a:masterClrMapping/>
   </p:clrMapOvr>
+</p:sld>
+</file>
+
+<file path=ppt/slides/slide31.xml><?xml version="1.0" encoding="utf-8"?>
+<p:sld xmlns:a="http://schemas.openxmlformats.org/drawingml/2006/main" xmlns:r="http://schemas.openxmlformats.org/officeDocument/2006/relationships" xmlns:p="http://schemas.openxmlformats.org/presentationml/2006/main">
+  <p:cSld>
+    <p:spTree>
+      <p:nvGrpSpPr>
+        <p:cNvPr id="1" name=""/>
+        <p:cNvGrpSpPr/>
+        <p:nvPr/>
+      </p:nvGrpSpPr>
+      <p:grpSpPr>
+        <a:xfrm>
+          <a:off x="0" y="0"/>
+          <a:ext cx="0" cy="0"/>
+          <a:chOff x="0" y="0"/>
+          <a:chExt cx="0" cy="0"/>
+        </a:xfrm>
+      </p:grpSpPr>
+      <p:sp>
+        <p:nvSpPr>
+          <p:cNvPr id="2" name="Title 1"/>
+          <p:cNvSpPr>
+            <a:spLocks noGrp="1"/>
+          </p:cNvSpPr>
+          <p:nvPr>
+            <p:ph type="title"/>
+          </p:nvPr>
+        </p:nvSpPr>
+        <p:spPr/>
+        <p:txBody>
+          <a:bodyPr/>
+          <a:lstStyle/>
+          <a:p>
+            <a:r>
+              <a:rPr lang="en-US" dirty="0" smtClean="0"/>
+              <a:t>Tutorial Conclusion: First-Order Bayesian Networks</a:t>
+            </a:r>
+            <a:endParaRPr lang="en-US" dirty="0"/>
+          </a:p>
+        </p:txBody>
+      </p:sp>
+      <p:sp>
+        <p:nvSpPr>
+          <p:cNvPr id="3" name="Content Placeholder 2"/>
+          <p:cNvSpPr>
+            <a:spLocks noGrp="1"/>
+          </p:cNvSpPr>
+          <p:nvPr>
+            <p:ph sz="quarter" idx="1"/>
+          </p:nvPr>
+        </p:nvSpPr>
+        <p:spPr/>
+        <p:txBody>
+          <a:bodyPr/>
+          <a:lstStyle/>
+          <a:p>
+            <a:r>
+              <a:rPr lang="en-US" sz="2800" dirty="0" smtClean="0"/>
+              <a:t>Many organizations maintain structured data in relational databases.</a:t>
+            </a:r>
+          </a:p>
+          <a:p>
+            <a:r>
+              <a:rPr lang="en-US" sz="2800" dirty="0" smtClean="0"/>
+              <a:t>First-order Bayesian networks model probabilistic associations across the entire database.</a:t>
+            </a:r>
+          </a:p>
+          <a:p>
+            <a:r>
+              <a:rPr lang="en-US" sz="2800" dirty="0" smtClean="0"/>
+              <a:t>Halpern/Bacchus probabilistic logic unifies logic and probability.</a:t>
+            </a:r>
+          </a:p>
+          <a:p>
+            <a:pPr>
+              <a:buFont typeface="Wingdings" charset="2"/>
+              <a:buChar char="Ø"/>
+            </a:pPr>
+            <a:r>
+              <a:rPr lang="en-US" sz="2800" dirty="0" smtClean="0"/>
+              <a:t>random selection semantics for Bayesian networks: can query frequencies across the entire database.</a:t>
+            </a:r>
+            <a:endParaRPr lang="en-US" sz="2800" dirty="0"/>
+          </a:p>
+        </p:txBody>
+      </p:sp>
+      <p:sp>
+        <p:nvSpPr>
+          <p:cNvPr id="4" name="Footer Placeholder 3"/>
+          <p:cNvSpPr>
+            <a:spLocks noGrp="1"/>
+          </p:cNvSpPr>
+          <p:nvPr>
+            <p:ph type="ftr" sz="quarter" idx="11"/>
+          </p:nvPr>
+        </p:nvSpPr>
+        <p:spPr/>
+        <p:txBody>
+          <a:bodyPr/>
+          <a:lstStyle/>
+          <a:p>
+            <a:pPr>
+              <a:defRPr/>
+            </a:pPr>
+            <a:r>
+              <a:rPr lang="en-US" smtClean="0"/>
+              <a:t>Learning Bayesian Networks for Relational Data</a:t>
+            </a:r>
+            <a:endParaRPr lang="en-US" dirty="0"/>
+          </a:p>
+        </p:txBody>
+      </p:sp>
+    </p:spTree>
+    <p:extLst>
+      <p:ext uri="{BB962C8B-B14F-4D97-AF65-F5344CB8AC3E}">
+        <p14:creationId xmlns:p14="http://schemas.microsoft.com/office/powerpoint/2010/main" val="2415735507"/>
+      </p:ext>
+    </p:extLst>
+  </p:cSld>
+  <p:clrMapOvr>
+    <a:masterClrMapping/>
+  </p:clrMapOvr>
+  <p:timing>
+    <p:tnLst>
+      <p:par>
+        <p:cTn xmlns:p14="http://schemas.microsoft.com/office/powerpoint/2010/main" id="1" dur="indefinite" restart="never" nodeType="tmRoot"/>
+      </p:par>
+    </p:tnLst>
+  </p:timing>
+</p:sld>
+</file>
+
+<file path=ppt/slides/slide32.xml><?xml version="1.0" encoding="utf-8"?>
+<p:sld xmlns:a="http://schemas.openxmlformats.org/drawingml/2006/main" xmlns:r="http://schemas.openxmlformats.org/officeDocument/2006/relationships" xmlns:p="http://schemas.openxmlformats.org/presentationml/2006/main">
+  <p:cSld>
+    <p:spTree>
+      <p:nvGrpSpPr>
+        <p:cNvPr id="1" name=""/>
+        <p:cNvGrpSpPr/>
+        <p:nvPr/>
+      </p:nvGrpSpPr>
+      <p:grpSpPr>
+        <a:xfrm>
+          <a:off x="0" y="0"/>
+          <a:ext cx="0" cy="0"/>
+          <a:chOff x="0" y="0"/>
+          <a:chExt cx="0" cy="0"/>
+        </a:xfrm>
+      </p:grpSpPr>
+      <p:sp>
+        <p:nvSpPr>
+          <p:cNvPr id="2" name="Title 1"/>
+          <p:cNvSpPr>
+            <a:spLocks noGrp="1"/>
+          </p:cNvSpPr>
+          <p:nvPr>
+            <p:ph type="title"/>
+          </p:nvPr>
+        </p:nvSpPr>
+        <p:spPr/>
+        <p:txBody>
+          <a:bodyPr/>
+          <a:lstStyle/>
+          <a:p>
+            <a:r>
+              <a:rPr lang="en-US" dirty="0" smtClean="0"/>
+              <a:t>Conclusion: Learning First-Order Bayesian Networks</a:t>
+            </a:r>
+            <a:endParaRPr lang="en-US" dirty="0"/>
+          </a:p>
+        </p:txBody>
+      </p:sp>
+      <p:sp>
+        <p:nvSpPr>
+          <p:cNvPr id="3" name="Content Placeholder 2"/>
+          <p:cNvSpPr>
+            <a:spLocks noGrp="1"/>
+          </p:cNvSpPr>
+          <p:nvPr>
+            <p:ph sz="quarter" idx="1"/>
+          </p:nvPr>
+        </p:nvSpPr>
+        <p:spPr>
+          <a:xfrm>
+            <a:off x="914400" y="1447800"/>
+            <a:ext cx="7772400" cy="4724400"/>
+          </a:xfrm>
+        </p:spPr>
+        <p:txBody>
+          <a:bodyPr/>
+          <a:lstStyle/>
+          <a:p>
+            <a:r>
+              <a:rPr lang="en-US" sz="2800" dirty="0" smtClean="0"/>
+              <a:t>Extend Halpern/Bacchus random selection semantics to statistical concepts</a:t>
+            </a:r>
+          </a:p>
+          <a:p>
+            <a:pPr>
+              <a:buFont typeface="Wingdings" charset="2"/>
+              <a:buChar char="Ø"/>
+            </a:pPr>
+            <a:r>
+              <a:rPr lang="en-US" sz="2800" dirty="0" smtClean="0"/>
+              <a:t>new random selection likelihood function</a:t>
+            </a:r>
+          </a:p>
+          <a:p>
+            <a:pPr>
+              <a:buFont typeface="Wingdings" charset="2"/>
+              <a:buChar char="Ø"/>
+            </a:pPr>
+            <a:r>
+              <a:rPr lang="en-US" sz="2800" dirty="0" smtClean="0"/>
+              <a:t>tractable parameter and structure learning</a:t>
+            </a:r>
+          </a:p>
+          <a:p>
+            <a:pPr lvl="1">
+              <a:buFont typeface="Arial"/>
+              <a:buChar char="•"/>
+            </a:pPr>
+            <a:r>
+              <a:rPr lang="en-US" dirty="0" smtClean="0"/>
+              <a:t>can also be used to learn Markov Logic Networks</a:t>
+            </a:r>
+          </a:p>
+          <a:p>
+            <a:pPr>
+              <a:buFont typeface="Wingdings" charset="2"/>
+              <a:buChar char="Ø"/>
+            </a:pPr>
+            <a:r>
+              <a:rPr lang="en-US" sz="2800" dirty="0" smtClean="0"/>
+              <a:t>relational Bayesian network classification formula</a:t>
+            </a:r>
+          </a:p>
+          <a:p>
+            <a:pPr lvl="1"/>
+            <a:r>
+              <a:rPr lang="en-US" dirty="0" smtClean="0"/>
+              <a:t>log-linear model whose predictors are the proportions of Bayesian network features.</a:t>
+            </a:r>
+          </a:p>
+          <a:p>
+            <a:pPr>
+              <a:buFont typeface="Wingdings" charset="2"/>
+              <a:buChar char="Ø"/>
+            </a:pPr>
+            <a:r>
+              <a:rPr lang="en-US" dirty="0" smtClean="0"/>
+              <a:t>New approach to relational anomaly detection</a:t>
+            </a:r>
+          </a:p>
+          <a:p>
+            <a:pPr lvl="1">
+              <a:buFont typeface="Arial"/>
+              <a:buChar char="•"/>
+            </a:pPr>
+            <a:r>
+              <a:rPr lang="en-US" dirty="0" smtClean="0"/>
+              <a:t>compare probability distribution of potential outlier with distribution for reference class</a:t>
+            </a:r>
+          </a:p>
+          <a:p>
+            <a:pPr>
+              <a:buFont typeface="Wingdings" charset="2"/>
+              <a:buChar char="Ø"/>
+            </a:pPr>
+            <a:endParaRPr lang="en-US" dirty="0"/>
+          </a:p>
+        </p:txBody>
+      </p:sp>
+      <p:sp>
+        <p:nvSpPr>
+          <p:cNvPr id="4" name="Footer Placeholder 3"/>
+          <p:cNvSpPr>
+            <a:spLocks noGrp="1"/>
+          </p:cNvSpPr>
+          <p:nvPr>
+            <p:ph type="ftr" sz="quarter" idx="11"/>
+          </p:nvPr>
+        </p:nvSpPr>
+        <p:spPr/>
+        <p:txBody>
+          <a:bodyPr/>
+          <a:lstStyle/>
+          <a:p>
+            <a:pPr>
+              <a:defRPr/>
+            </a:pPr>
+            <a:r>
+              <a:rPr lang="en-US" smtClean="0"/>
+              <a:t>Learning Bayesian Networks for Relational Data</a:t>
+            </a:r>
+            <a:endParaRPr lang="en-US" dirty="0"/>
+          </a:p>
+        </p:txBody>
+      </p:sp>
+    </p:spTree>
+    <p:extLst>
+      <p:ext uri="{BB962C8B-B14F-4D97-AF65-F5344CB8AC3E}">
+        <p14:creationId xmlns:p14="http://schemas.microsoft.com/office/powerpoint/2010/main" val="292465049"/>
+      </p:ext>
+    </p:extLst>
+  </p:cSld>
+  <p:clrMapOvr>
+    <a:masterClrMapping/>
+  </p:clrMapOvr>
+  <p:timing>
+    <p:tnLst>
+      <p:par>
+        <p:cTn xmlns:p14="http://schemas.microsoft.com/office/powerpoint/2010/main" id="1" dur="indefinite" restart="never" nodeType="tmRoot"/>
+      </p:par>
+    </p:tnLst>
+  </p:timing>
 </p:sld>
 </file>
 

--- a/ch6-anomaly.pptx
+++ b/ch6-anomaly.pptx
@@ -5,10 +5,10 @@
     <p:sldMasterId id="2147483660" r:id="rId1"/>
   </p:sldMasterIdLst>
   <p:notesMasterIdLst>
-    <p:notesMasterId r:id="rId34"/>
+    <p:notesMasterId r:id="rId32"/>
   </p:notesMasterIdLst>
   <p:handoutMasterIdLst>
-    <p:handoutMasterId r:id="rId35"/>
+    <p:handoutMasterId r:id="rId33"/>
   </p:handoutMasterIdLst>
   <p:sldIdLst>
     <p:sldId id="256" r:id="rId2"/>
@@ -31,18 +31,16 @@
     <p:sldId id="309" r:id="rId19"/>
     <p:sldId id="308" r:id="rId20"/>
     <p:sldId id="321" r:id="rId21"/>
-    <p:sldId id="288" r:id="rId22"/>
-    <p:sldId id="257" r:id="rId23"/>
-    <p:sldId id="322" r:id="rId24"/>
-    <p:sldId id="262" r:id="rId25"/>
-    <p:sldId id="261" r:id="rId26"/>
-    <p:sldId id="267" r:id="rId27"/>
-    <p:sldId id="268" r:id="rId28"/>
-    <p:sldId id="269" r:id="rId29"/>
-    <p:sldId id="273" r:id="rId30"/>
-    <p:sldId id="323" r:id="rId31"/>
-    <p:sldId id="324" r:id="rId32"/>
-    <p:sldId id="325" r:id="rId33"/>
+    <p:sldId id="322" r:id="rId22"/>
+    <p:sldId id="262" r:id="rId23"/>
+    <p:sldId id="261" r:id="rId24"/>
+    <p:sldId id="267" r:id="rId25"/>
+    <p:sldId id="268" r:id="rId26"/>
+    <p:sldId id="269" r:id="rId27"/>
+    <p:sldId id="273" r:id="rId28"/>
+    <p:sldId id="323" r:id="rId29"/>
+    <p:sldId id="324" r:id="rId30"/>
+    <p:sldId id="325" r:id="rId31"/>
   </p:sldIdLst>
   <p:sldSz cx="9144000" cy="6858000" type="screen4x3"/>
   <p:notesSz cx="6858000" cy="9144000"/>
@@ -208,12 +206,6 @@
         </p14:section>
         <p14:section name="Empirical Evaluation" id="{FDD031BB-72FE-EB42-BFC9-07C122E7D940}">
           <p14:sldIdLst>
-            <p14:sldId id="288"/>
-            <p14:sldId id="257"/>
-          </p14:sldIdLst>
-        </p14:section>
-        <p14:section name="Model-Based Outlier Metrics" id="{4825DA23-BB66-DB48-86FB-AB84A293B7AF}">
-          <p14:sldIdLst>
             <p14:sldId id="322"/>
             <p14:sldId id="262"/>
             <p14:sldId id="261"/>
@@ -339,7 +331,7 @@
               <a:pPr>
                 <a:defRPr/>
               </a:pPr>
-              <a:t>16-09-15</a:t>
+              <a:t>2016-09-23</a:t>
             </a:fld>
             <a:endParaRPr lang="en-US"/>
           </a:p>
@@ -555,7 +547,7 @@
               <a:pPr>
                 <a:defRPr/>
               </a:pPr>
-              <a:t>16-09-15</a:t>
+              <a:t>2016-09-23</a:t>
             </a:fld>
             <a:endParaRPr lang="en-US"/>
           </a:p>
@@ -1284,14 +1276,18 @@
           <a:lstStyle/>
           <a:p>
             <a:r>
-              <a:rPr lang="en-US" smtClean="0"/>
-              <a:t>STOP</a:t>
-            </a:r>
-            <a:r>
-              <a:rPr lang="en-US" baseline="0" smtClean="0"/>
-              <a:t> HERE</a:t>
-            </a:r>
-            <a:endParaRPr lang="en-US"/>
+              <a:rPr lang="en-US" dirty="0" smtClean="0"/>
+              <a:t>cite </a:t>
+            </a:r>
+            <a:r>
+              <a:rPr lang="en-US" dirty="0" err="1" smtClean="0"/>
+              <a:t>Jiawei</a:t>
+            </a:r>
+            <a:r>
+              <a:rPr lang="en-US" dirty="0" smtClean="0"/>
+              <a:t> Han</a:t>
+            </a:r>
+            <a:endParaRPr lang="en-US" dirty="0"/>
           </a:p>
         </p:txBody>
       </p:sp>
@@ -1310,24 +1306,23 @@
           <a:bodyPr/>
           <a:lstStyle/>
           <a:p>
-            <a:pPr>
-              <a:defRPr/>
-            </a:pPr>
-            <a:fld id="{57BE7C63-45E8-3348-B2F7-0B0BBCE77ABE}" type="slidenum">
+            <a:fld id="{31CEF2A7-706F-47EC-B2B0-90C3D4759446}" type="slidenum">
               <a:rPr lang="en-US" smtClean="0"/>
-              <a:pPr>
-                <a:defRPr/>
-              </a:pPr>
-              <a:t>21</a:t>
+              <a:pPr/>
+              <a:t>22</a:t>
             </a:fld>
-            <a:endParaRPr lang="en-US"/>
+            <a:r>
+              <a:rPr lang="en-US" smtClean="0"/>
+              <a:t>/20</a:t>
+            </a:r>
+            <a:endParaRPr lang="en-US" dirty="0"/>
           </a:p>
         </p:txBody>
       </p:sp>
     </p:spTree>
     <p:extLst>
       <p:ext uri="{BB962C8B-B14F-4D97-AF65-F5344CB8AC3E}">
-        <p14:creationId xmlns:p14="http://schemas.microsoft.com/office/powerpoint/2010/main" val="487944112"/>
+        <p14:creationId xmlns:p14="http://schemas.microsoft.com/office/powerpoint/2010/main" val="1472732775"/>
       </p:ext>
     </p:extLst>
   </p:cSld>
@@ -1383,16 +1378,192 @@
           <a:p>
             <a:r>
               <a:rPr lang="en-US" dirty="0" smtClean="0"/>
-              <a:t>cite </a:t>
-            </a:r>
-            <a:r>
-              <a:rPr lang="en-US" dirty="0" err="1" smtClean="0"/>
-              <a:t>Jiawei</a:t>
-            </a:r>
-            <a:r>
-              <a:rPr lang="en-US" dirty="0" smtClean="0"/>
-              <a:t> Han</a:t>
-            </a:r>
+              <a:t>we also know the ground truth about the Bayesian network</a:t>
+            </a:r>
+          </a:p>
+          <a:p>
+            <a:endParaRPr lang="en-US" dirty="0" smtClean="0"/>
+          </a:p>
+          <a:p>
+            <a:r>
+              <a:rPr lang="en-CA" sz="1200" b="0" i="0" u="none" strike="noStrike" kern="1200" baseline="0" dirty="0" smtClean="0">
+                <a:solidFill>
+                  <a:schemeClr val="tx1"/>
+                </a:solidFill>
+                <a:latin typeface="+mn-lt"/>
+                <a:ea typeface="+mn-ea"/>
+                <a:cs typeface="+mn-cs"/>
+              </a:rPr>
+              <a:t>We generated three synthetic datasets for a soccer domain with normal and outlier players using the distributions represented in the three Bayesian networks</a:t>
+            </a:r>
+          </a:p>
+          <a:p>
+            <a:r>
+              <a:rPr lang="en-CA" sz="1200" b="0" i="0" u="none" strike="noStrike" kern="1200" baseline="0" dirty="0" smtClean="0">
+                <a:solidFill>
+                  <a:schemeClr val="tx1"/>
+                </a:solidFill>
+                <a:latin typeface="+mn-lt"/>
+                <a:ea typeface="+mn-ea"/>
+                <a:cs typeface="+mn-cs"/>
+              </a:rPr>
+              <a:t>of Figure 2. Each player participates in 38 matches. Each match assigns a value to each attribute Fi; </a:t>
+            </a:r>
+            <a:r>
+              <a:rPr lang="en-CA" sz="1200" b="0" i="0" u="none" strike="noStrike" kern="1200" baseline="0" dirty="0" err="1" smtClean="0">
+                <a:solidFill>
+                  <a:schemeClr val="tx1"/>
+                </a:solidFill>
+                <a:latin typeface="+mn-lt"/>
+                <a:ea typeface="+mn-ea"/>
+                <a:cs typeface="+mn-cs"/>
+              </a:rPr>
+              <a:t>i</a:t>
+            </a:r>
+            <a:r>
+              <a:rPr lang="en-CA" sz="1200" b="0" i="0" u="none" strike="noStrike" kern="1200" baseline="0" dirty="0" smtClean="0">
+                <a:solidFill>
+                  <a:schemeClr val="tx1"/>
+                </a:solidFill>
+                <a:latin typeface="+mn-lt"/>
+                <a:ea typeface="+mn-ea"/>
+                <a:cs typeface="+mn-cs"/>
+              </a:rPr>
+              <a:t> = 1; 2 for each player.</a:t>
+            </a:r>
+          </a:p>
+          <a:p>
+            <a:r>
+              <a:rPr lang="en-CA" sz="1200" b="0" i="0" u="none" strike="noStrike" kern="1200" baseline="0" dirty="0" smtClean="0">
+                <a:solidFill>
+                  <a:schemeClr val="tx1"/>
+                </a:solidFill>
+                <a:latin typeface="+mn-lt"/>
+                <a:ea typeface="+mn-ea"/>
+                <a:cs typeface="+mn-cs"/>
+              </a:rPr>
+              <a:t>High Correlation Normal individuals exhibit a strong association between their attributes, outliers no association. Both </a:t>
+            </a:r>
+            <a:r>
+              <a:rPr lang="en-CA" sz="1200" b="0" i="0" u="none" strike="noStrike" kern="1200" baseline="0" dirty="0" err="1" smtClean="0">
+                <a:solidFill>
+                  <a:schemeClr val="tx1"/>
+                </a:solidFill>
+                <a:latin typeface="+mn-lt"/>
+                <a:ea typeface="+mn-ea"/>
+                <a:cs typeface="+mn-cs"/>
+              </a:rPr>
+              <a:t>normals</a:t>
+            </a:r>
+            <a:r>
+              <a:rPr lang="en-CA" sz="1200" b="0" i="0" u="none" strike="noStrike" kern="1200" baseline="0" dirty="0" smtClean="0">
+                <a:solidFill>
+                  <a:schemeClr val="tx1"/>
+                </a:solidFill>
+                <a:latin typeface="+mn-lt"/>
+                <a:ea typeface="+mn-ea"/>
+                <a:cs typeface="+mn-cs"/>
+              </a:rPr>
+              <a:t> and outliers have a</a:t>
+            </a:r>
+          </a:p>
+          <a:p>
+            <a:r>
+              <a:rPr lang="en-CA" sz="1200" b="0" i="0" u="none" strike="noStrike" kern="1200" baseline="0" dirty="0" smtClean="0">
+                <a:solidFill>
+                  <a:schemeClr val="tx1"/>
+                </a:solidFill>
+                <a:latin typeface="+mn-lt"/>
+                <a:ea typeface="+mn-ea"/>
+                <a:cs typeface="+mn-cs"/>
+              </a:rPr>
+              <a:t>close to uniform distribution over single attributes. See Figure 2(a). Low Correlation Normal individuals exhibit no association between their at-</a:t>
+            </a:r>
+          </a:p>
+          <a:p>
+            <a:r>
+              <a:rPr lang="en-CA" sz="1200" b="0" i="0" u="none" strike="noStrike" kern="1200" baseline="0" dirty="0" smtClean="0">
+                <a:solidFill>
+                  <a:schemeClr val="tx1"/>
+                </a:solidFill>
+                <a:latin typeface="+mn-lt"/>
+                <a:ea typeface="+mn-ea"/>
+                <a:cs typeface="+mn-cs"/>
+              </a:rPr>
+              <a:t>tributes, outliers have a strong association. Both </a:t>
+            </a:r>
+            <a:r>
+              <a:rPr lang="en-CA" sz="1200" b="0" i="0" u="none" strike="noStrike" kern="1200" baseline="0" dirty="0" err="1" smtClean="0">
+                <a:solidFill>
+                  <a:schemeClr val="tx1"/>
+                </a:solidFill>
+                <a:latin typeface="+mn-lt"/>
+                <a:ea typeface="+mn-ea"/>
+                <a:cs typeface="+mn-cs"/>
+              </a:rPr>
+              <a:t>normals</a:t>
+            </a:r>
+            <a:r>
+              <a:rPr lang="en-CA" sz="1200" b="0" i="0" u="none" strike="noStrike" kern="1200" baseline="0" dirty="0" smtClean="0">
+                <a:solidFill>
+                  <a:schemeClr val="tx1"/>
+                </a:solidFill>
+                <a:latin typeface="+mn-lt"/>
+                <a:ea typeface="+mn-ea"/>
+                <a:cs typeface="+mn-cs"/>
+              </a:rPr>
+              <a:t> and outliers have a close to uniform distribution over single attributes. See Figure 2(b).</a:t>
+            </a:r>
+          </a:p>
+          <a:p>
+            <a:r>
+              <a:rPr lang="en-CA" sz="1200" b="0" i="0" u="none" strike="noStrike" kern="1200" baseline="0" dirty="0" smtClean="0">
+                <a:solidFill>
+                  <a:schemeClr val="tx1"/>
+                </a:solidFill>
+                <a:latin typeface="+mn-lt"/>
+                <a:ea typeface="+mn-ea"/>
+                <a:cs typeface="+mn-cs"/>
+              </a:rPr>
+              <a:t>Single attributes Both normal and outlier individuals exhibit a strong association between their attributes. In </a:t>
+            </a:r>
+            <a:r>
+              <a:rPr lang="en-CA" sz="1200" b="0" i="0" u="none" strike="noStrike" kern="1200" baseline="0" dirty="0" err="1" smtClean="0">
+                <a:solidFill>
+                  <a:schemeClr val="tx1"/>
+                </a:solidFill>
+                <a:latin typeface="+mn-lt"/>
+                <a:ea typeface="+mn-ea"/>
+                <a:cs typeface="+mn-cs"/>
+              </a:rPr>
+              <a:t>normals</a:t>
+            </a:r>
+            <a:r>
+              <a:rPr lang="en-CA" sz="1200" b="0" i="0" u="none" strike="noStrike" kern="1200" baseline="0" dirty="0" smtClean="0">
+                <a:solidFill>
+                  <a:schemeClr val="tx1"/>
+                </a:solidFill>
+                <a:latin typeface="+mn-lt"/>
+                <a:ea typeface="+mn-ea"/>
+                <a:cs typeface="+mn-cs"/>
+              </a:rPr>
+              <a:t>, 50% of the time, attribute 1</a:t>
+            </a:r>
+          </a:p>
+          <a:p>
+            <a:r>
+              <a:rPr lang="en-CA" sz="1200" b="0" i="0" u="none" strike="noStrike" kern="1200" baseline="0" dirty="0" smtClean="0">
+                <a:solidFill>
+                  <a:schemeClr val="tx1"/>
+                </a:solidFill>
+                <a:latin typeface="+mn-lt"/>
+                <a:ea typeface="+mn-ea"/>
+                <a:cs typeface="+mn-cs"/>
+              </a:rPr>
+              <a:t>has value 0. For outliers, attribute 1 has value 0 only 10% of the time. See Figure 2(c).</a:t>
+            </a:r>
+          </a:p>
+          <a:p>
             <a:endParaRPr lang="en-US" dirty="0"/>
           </a:p>
         </p:txBody>
@@ -1415,7 +1586,7 @@
             <a:fld id="{31CEF2A7-706F-47EC-B2B0-90C3D4759446}" type="slidenum">
               <a:rPr lang="en-US" smtClean="0"/>
               <a:pPr/>
-              <a:t>24</a:t>
+              <a:t>23</a:t>
             </a:fld>
             <a:r>
               <a:rPr lang="en-US" smtClean="0"/>
@@ -1428,7 +1599,7 @@
     </p:spTree>
     <p:extLst>
       <p:ext uri="{BB962C8B-B14F-4D97-AF65-F5344CB8AC3E}">
-        <p14:creationId xmlns:p14="http://schemas.microsoft.com/office/powerpoint/2010/main" val="1472732775"/>
+        <p14:creationId xmlns:p14="http://schemas.microsoft.com/office/powerpoint/2010/main" val="1231205391"/>
       </p:ext>
     </p:extLst>
   </p:cSld>
@@ -1484,192 +1655,16 @@
           <a:p>
             <a:r>
               <a:rPr lang="en-US" dirty="0" smtClean="0"/>
-              <a:t>we also know the ground truth about the Bayesian network</a:t>
-            </a:r>
-          </a:p>
-          <a:p>
-            <a:endParaRPr lang="en-US" dirty="0" smtClean="0"/>
-          </a:p>
-          <a:p>
-            <a:r>
-              <a:rPr lang="en-CA" sz="1200" b="0" i="0" u="none" strike="noStrike" kern="1200" baseline="0" dirty="0" smtClean="0">
-                <a:solidFill>
-                  <a:schemeClr val="tx1"/>
-                </a:solidFill>
-                <a:latin typeface="+mn-lt"/>
-                <a:ea typeface="+mn-ea"/>
-                <a:cs typeface="+mn-cs"/>
-              </a:rPr>
-              <a:t>We generated three synthetic datasets for a soccer domain with normal and outlier players using the distributions represented in the three Bayesian networks</a:t>
-            </a:r>
-          </a:p>
-          <a:p>
-            <a:r>
-              <a:rPr lang="en-CA" sz="1200" b="0" i="0" u="none" strike="noStrike" kern="1200" baseline="0" dirty="0" smtClean="0">
-                <a:solidFill>
-                  <a:schemeClr val="tx1"/>
-                </a:solidFill>
-                <a:latin typeface="+mn-lt"/>
-                <a:ea typeface="+mn-ea"/>
-                <a:cs typeface="+mn-cs"/>
-              </a:rPr>
-              <a:t>of Figure 2. Each player participates in 38 matches. Each match assigns a value to each attribute Fi; </a:t>
-            </a:r>
-            <a:r>
-              <a:rPr lang="en-CA" sz="1200" b="0" i="0" u="none" strike="noStrike" kern="1200" baseline="0" dirty="0" err="1" smtClean="0">
-                <a:solidFill>
-                  <a:schemeClr val="tx1"/>
-                </a:solidFill>
-                <a:latin typeface="+mn-lt"/>
-                <a:ea typeface="+mn-ea"/>
-                <a:cs typeface="+mn-cs"/>
-              </a:rPr>
-              <a:t>i</a:t>
-            </a:r>
-            <a:r>
-              <a:rPr lang="en-CA" sz="1200" b="0" i="0" u="none" strike="noStrike" kern="1200" baseline="0" dirty="0" smtClean="0">
-                <a:solidFill>
-                  <a:schemeClr val="tx1"/>
-                </a:solidFill>
-                <a:latin typeface="+mn-lt"/>
-                <a:ea typeface="+mn-ea"/>
-                <a:cs typeface="+mn-cs"/>
-              </a:rPr>
-              <a:t> = 1; 2 for each player.</a:t>
-            </a:r>
-          </a:p>
-          <a:p>
-            <a:r>
-              <a:rPr lang="en-CA" sz="1200" b="0" i="0" u="none" strike="noStrike" kern="1200" baseline="0" dirty="0" smtClean="0">
-                <a:solidFill>
-                  <a:schemeClr val="tx1"/>
-                </a:solidFill>
-                <a:latin typeface="+mn-lt"/>
-                <a:ea typeface="+mn-ea"/>
-                <a:cs typeface="+mn-cs"/>
-              </a:rPr>
-              <a:t>High Correlation Normal individuals exhibit a strong association between their attributes, outliers no association. Both </a:t>
-            </a:r>
-            <a:r>
-              <a:rPr lang="en-CA" sz="1200" b="0" i="0" u="none" strike="noStrike" kern="1200" baseline="0" dirty="0" err="1" smtClean="0">
-                <a:solidFill>
-                  <a:schemeClr val="tx1"/>
-                </a:solidFill>
-                <a:latin typeface="+mn-lt"/>
-                <a:ea typeface="+mn-ea"/>
-                <a:cs typeface="+mn-cs"/>
-              </a:rPr>
-              <a:t>normals</a:t>
-            </a:r>
-            <a:r>
-              <a:rPr lang="en-CA" sz="1200" b="0" i="0" u="none" strike="noStrike" kern="1200" baseline="0" dirty="0" smtClean="0">
-                <a:solidFill>
-                  <a:schemeClr val="tx1"/>
-                </a:solidFill>
-                <a:latin typeface="+mn-lt"/>
-                <a:ea typeface="+mn-ea"/>
-                <a:cs typeface="+mn-cs"/>
-              </a:rPr>
-              <a:t> and outliers have a</a:t>
-            </a:r>
-          </a:p>
-          <a:p>
-            <a:r>
-              <a:rPr lang="en-CA" sz="1200" b="0" i="0" u="none" strike="noStrike" kern="1200" baseline="0" dirty="0" smtClean="0">
-                <a:solidFill>
-                  <a:schemeClr val="tx1"/>
-                </a:solidFill>
-                <a:latin typeface="+mn-lt"/>
-                <a:ea typeface="+mn-ea"/>
-                <a:cs typeface="+mn-cs"/>
-              </a:rPr>
-              <a:t>close to uniform distribution over single attributes. See Figure 2(a). Low Correlation Normal individuals exhibit no association between their at-</a:t>
-            </a:r>
-          </a:p>
-          <a:p>
-            <a:r>
-              <a:rPr lang="en-CA" sz="1200" b="0" i="0" u="none" strike="noStrike" kern="1200" baseline="0" dirty="0" smtClean="0">
-                <a:solidFill>
-                  <a:schemeClr val="tx1"/>
-                </a:solidFill>
-                <a:latin typeface="+mn-lt"/>
-                <a:ea typeface="+mn-ea"/>
-                <a:cs typeface="+mn-cs"/>
-              </a:rPr>
-              <a:t>tributes, outliers have a strong association. Both </a:t>
-            </a:r>
-            <a:r>
-              <a:rPr lang="en-CA" sz="1200" b="0" i="0" u="none" strike="noStrike" kern="1200" baseline="0" dirty="0" err="1" smtClean="0">
-                <a:solidFill>
-                  <a:schemeClr val="tx1"/>
-                </a:solidFill>
-                <a:latin typeface="+mn-lt"/>
-                <a:ea typeface="+mn-ea"/>
-                <a:cs typeface="+mn-cs"/>
-              </a:rPr>
-              <a:t>normals</a:t>
-            </a:r>
-            <a:r>
-              <a:rPr lang="en-CA" sz="1200" b="0" i="0" u="none" strike="noStrike" kern="1200" baseline="0" dirty="0" smtClean="0">
-                <a:solidFill>
-                  <a:schemeClr val="tx1"/>
-                </a:solidFill>
-                <a:latin typeface="+mn-lt"/>
-                <a:ea typeface="+mn-ea"/>
-                <a:cs typeface="+mn-cs"/>
-              </a:rPr>
-              <a:t> and outliers have a close to uniform distribution over single attributes. See Figure 2(b).</a:t>
-            </a:r>
-          </a:p>
-          <a:p>
-            <a:r>
-              <a:rPr lang="en-CA" sz="1200" b="0" i="0" u="none" strike="noStrike" kern="1200" baseline="0" dirty="0" smtClean="0">
-                <a:solidFill>
-                  <a:schemeClr val="tx1"/>
-                </a:solidFill>
-                <a:latin typeface="+mn-lt"/>
-                <a:ea typeface="+mn-ea"/>
-                <a:cs typeface="+mn-cs"/>
-              </a:rPr>
-              <a:t>Single attributes Both normal and outlier individuals exhibit a strong association between their attributes. In </a:t>
-            </a:r>
-            <a:r>
-              <a:rPr lang="en-CA" sz="1200" b="0" i="0" u="none" strike="noStrike" kern="1200" baseline="0" dirty="0" err="1" smtClean="0">
-                <a:solidFill>
-                  <a:schemeClr val="tx1"/>
-                </a:solidFill>
-                <a:latin typeface="+mn-lt"/>
-                <a:ea typeface="+mn-ea"/>
-                <a:cs typeface="+mn-cs"/>
-              </a:rPr>
-              <a:t>normals</a:t>
-            </a:r>
-            <a:r>
-              <a:rPr lang="en-CA" sz="1200" b="0" i="0" u="none" strike="noStrike" kern="1200" baseline="0" dirty="0" smtClean="0">
-                <a:solidFill>
-                  <a:schemeClr val="tx1"/>
-                </a:solidFill>
-                <a:latin typeface="+mn-lt"/>
-                <a:ea typeface="+mn-ea"/>
-                <a:cs typeface="+mn-cs"/>
-              </a:rPr>
-              <a:t>, 50% of the time, attribute 1</a:t>
-            </a:r>
-          </a:p>
-          <a:p>
-            <a:r>
-              <a:rPr lang="en-CA" sz="1200" b="0" i="0" u="none" strike="noStrike" kern="1200" baseline="0" dirty="0" smtClean="0">
-                <a:solidFill>
-                  <a:schemeClr val="tx1"/>
-                </a:solidFill>
-                <a:latin typeface="+mn-lt"/>
-                <a:ea typeface="+mn-ea"/>
-                <a:cs typeface="+mn-cs"/>
-              </a:rPr>
-              <a:t>has value 0. For outliers, attribute 1 has value 0 only 10% of the time. See Figure 2(c).</a:t>
-            </a:r>
-          </a:p>
-          <a:p>
+              <a:t>cite </a:t>
+            </a:r>
+            <a:r>
+              <a:rPr lang="en-US" dirty="0" err="1" smtClean="0"/>
+              <a:t>Jiawei</a:t>
+            </a:r>
+            <a:r>
+              <a:rPr lang="en-US" dirty="0" smtClean="0"/>
+              <a:t> Han</a:t>
+            </a:r>
             <a:endParaRPr lang="en-US" dirty="0"/>
           </a:p>
         </p:txBody>
@@ -1692,7 +1687,7 @@
             <a:fld id="{31CEF2A7-706F-47EC-B2B0-90C3D4759446}" type="slidenum">
               <a:rPr lang="en-US" smtClean="0"/>
               <a:pPr/>
-              <a:t>25</a:t>
+              <a:t>24</a:t>
             </a:fld>
             <a:r>
               <a:rPr lang="en-US" smtClean="0"/>
@@ -1705,7 +1700,7 @@
     </p:spTree>
     <p:extLst>
       <p:ext uri="{BB962C8B-B14F-4D97-AF65-F5344CB8AC3E}">
-        <p14:creationId xmlns:p14="http://schemas.microsoft.com/office/powerpoint/2010/main" val="1231205391"/>
+        <p14:creationId xmlns:p14="http://schemas.microsoft.com/office/powerpoint/2010/main" val="1472732775"/>
       </p:ext>
     </p:extLst>
   </p:cSld>
@@ -1760,16 +1755,34 @@
           <a:lstStyle/>
           <a:p>
             <a:r>
+              <a:rPr lang="en-US" dirty="0" err="1" smtClean="0"/>
+              <a:t>eld</a:t>
+            </a:r>
+            <a:r>
               <a:rPr lang="en-US" dirty="0" smtClean="0"/>
-              <a:t>cite </a:t>
-            </a:r>
+              <a:t> maps outliers to largest range</a:t>
+            </a:r>
+          </a:p>
+          <a:p>
             <a:r>
               <a:rPr lang="en-US" dirty="0" err="1" smtClean="0"/>
-              <a:t>Jiawei</a:t>
+              <a:t>todo</a:t>
             </a:r>
             <a:r>
               <a:rPr lang="en-US" dirty="0" smtClean="0"/>
-              <a:t> Han</a:t>
+              <a:t>:</a:t>
+            </a:r>
+          </a:p>
+          <a:p>
+            <a:r>
+              <a:rPr lang="en-US" dirty="0" smtClean="0"/>
+              <a:t>*Eventually want to order as follows: LOG, FD, LR, |LR|, ELD</a:t>
+            </a:r>
+          </a:p>
+          <a:p>
+            <a:r>
+              <a:rPr lang="en-US" dirty="0" smtClean="0"/>
+              <a:t>*replace by Sarah’s new jitter plots</a:t>
             </a:r>
             <a:endParaRPr lang="en-US" dirty="0"/>
           </a:p>
@@ -1793,7 +1806,7 @@
             <a:fld id="{31CEF2A7-706F-47EC-B2B0-90C3D4759446}" type="slidenum">
               <a:rPr lang="en-US" smtClean="0"/>
               <a:pPr/>
-              <a:t>26</a:t>
+              <a:t>25</a:t>
             </a:fld>
             <a:r>
               <a:rPr lang="en-US" smtClean="0"/>
@@ -1806,7 +1819,7 @@
     </p:spTree>
     <p:extLst>
       <p:ext uri="{BB962C8B-B14F-4D97-AF65-F5344CB8AC3E}">
-        <p14:creationId xmlns:p14="http://schemas.microsoft.com/office/powerpoint/2010/main" val="1472732775"/>
+        <p14:creationId xmlns:p14="http://schemas.microsoft.com/office/powerpoint/2010/main" val="1188382161"/>
       </p:ext>
     </p:extLst>
   </p:cSld>
@@ -1861,21 +1874,28 @@
           <a:lstStyle/>
           <a:p>
             <a:r>
+              <a:rPr lang="en-US" dirty="0" smtClean="0"/>
+              <a:t>so </a:t>
+            </a:r>
+            <a:r>
               <a:rPr lang="en-US" dirty="0" err="1" smtClean="0"/>
-              <a:t>eld</a:t>
+              <a:t>Edin</a:t>
             </a:r>
             <a:r>
               <a:rPr lang="en-US" dirty="0" smtClean="0"/>
-              <a:t> maps outliers to largest range</a:t>
-            </a:r>
-          </a:p>
-          <a:p>
-            <a:endParaRPr lang="en-US" dirty="0" smtClean="0"/>
-          </a:p>
-          <a:p>
+              <a:t> </a:t>
+            </a:r>
+            <a:r>
+              <a:rPr lang="en-US" dirty="0" err="1" smtClean="0"/>
+              <a:t>Dzeko</a:t>
+            </a:r>
             <a:r>
               <a:rPr lang="en-US" dirty="0" smtClean="0"/>
-              <a:t>Eventually want to order as follows: LOG, FD, LR, |LR|, ELD</a:t>
+              <a:t> has</a:t>
+            </a:r>
+            <a:r>
+              <a:rPr lang="en-US" baseline="0" dirty="0" smtClean="0"/>
+              <a:t> a stronger association</a:t>
             </a:r>
             <a:endParaRPr lang="en-US" dirty="0"/>
           </a:p>
@@ -1896,23 +1916,24 @@
           <a:bodyPr/>
           <a:lstStyle/>
           <a:p>
-            <a:fld id="{31CEF2A7-706F-47EC-B2B0-90C3D4759446}" type="slidenum">
+            <a:pPr>
+              <a:defRPr/>
+            </a:pPr>
+            <a:fld id="{57BE7C63-45E8-3348-B2F7-0B0BBCE77ABE}" type="slidenum">
               <a:rPr lang="en-US" smtClean="0"/>
-              <a:pPr/>
+              <a:pPr>
+                <a:defRPr/>
+              </a:pPr>
               <a:t>27</a:t>
             </a:fld>
-            <a:r>
-              <a:rPr lang="en-US" smtClean="0"/>
-              <a:t>/20</a:t>
-            </a:r>
-            <a:endParaRPr lang="en-US" dirty="0"/>
+            <a:endParaRPr lang="en-US"/>
           </a:p>
         </p:txBody>
       </p:sp>
     </p:spTree>
     <p:extLst>
       <p:ext uri="{BB962C8B-B14F-4D97-AF65-F5344CB8AC3E}">
-        <p14:creationId xmlns:p14="http://schemas.microsoft.com/office/powerpoint/2010/main" val="1188382161"/>
+        <p14:creationId xmlns:p14="http://schemas.microsoft.com/office/powerpoint/2010/main" val="976277791"/>
       </p:ext>
     </p:extLst>
   </p:cSld>
@@ -1993,7 +2014,7 @@
               <a:pPr>
                 <a:defRPr/>
               </a:pPr>
-              <a:t>32</a:t>
+              <a:t>30</a:t>
             </a:fld>
             <a:endParaRPr lang="en-US"/>
           </a:p>
@@ -2672,21 +2693,11 @@
           <a:p>
             <a:r>
               <a:rPr lang="en-US" dirty="0" smtClean="0"/>
-              <a:t>cite </a:t>
-            </a:r>
-            <a:r>
-              <a:rPr lang="en-US" dirty="0" err="1" smtClean="0"/>
-              <a:t>Blockeel</a:t>
-            </a:r>
-            <a:r>
-              <a:rPr lang="en-US" dirty="0" smtClean="0"/>
-              <a:t> on learning from interpretations</a:t>
-            </a:r>
-          </a:p>
-          <a:p>
-            <a:r>
-              <a:rPr lang="en-US" dirty="0" smtClean="0"/>
-              <a:t>like learning from interpretations</a:t>
+              <a:t>related to subgroup discovery:</a:t>
+            </a:r>
+            <a:r>
+              <a:rPr lang="en-US" baseline="0" dirty="0" smtClean="0"/>
+              <a:t> anomaly is like subgroup of size 1</a:t>
             </a:r>
             <a:endParaRPr lang="en-US" dirty="0"/>
           </a:p>
@@ -3271,7 +3282,7 @@
               <a:pPr>
                 <a:defRPr/>
               </a:pPr>
-              <a:t>16-09-15</a:t>
+              <a:t>2016-09-23</a:t>
             </a:fld>
             <a:endParaRPr lang="en-US"/>
           </a:p>
@@ -3300,9 +3311,10 @@
               <a:defRPr/>
             </a:pPr>
             <a:r>
-              <a:rPr lang="en-US"/>
-              <a:t>Presentation Title At Venue</a:t>
-            </a:r>
+              <a:rPr lang="en-US" dirty="0" smtClean="0"/>
+              <a:t>Learning Bayesian Networks for Complex Relational Data</a:t>
+            </a:r>
+            <a:endParaRPr lang="en-US" dirty="0"/>
           </a:p>
         </p:txBody>
       </p:sp>
@@ -3316,7 +3328,15 @@
             <p:ph type="sldNum" sz="quarter" idx="12"/>
           </p:nvPr>
         </p:nvSpPr>
-        <p:spPr/>
+        <p:spPr>
+          <a:xfrm>
+            <a:off x="146050" y="6210300"/>
+            <a:ext cx="457200" cy="457200"/>
+          </a:xfrm>
+          <a:prstGeom prst="ellipse">
+            <a:avLst/>
+          </a:prstGeom>
+        </p:spPr>
         <p:txBody>
           <a:bodyPr/>
           <a:lstStyle>
@@ -3471,7 +3491,7 @@
               <a:pPr>
                 <a:defRPr/>
               </a:pPr>
-              <a:t>16-09-15</a:t>
+              <a:t>2016-09-23</a:t>
             </a:fld>
             <a:endParaRPr lang="en-US"/>
           </a:p>
@@ -3500,9 +3520,10 @@
               <a:defRPr/>
             </a:pPr>
             <a:r>
-              <a:rPr lang="en-US"/>
-              <a:t>Presentation Title At Venue</a:t>
-            </a:r>
+              <a:rPr lang="en-US" dirty="0" smtClean="0"/>
+              <a:t>Learning Bayesian Networks for Complex Relational Data</a:t>
+            </a:r>
+            <a:endParaRPr lang="en-US" dirty="0"/>
           </a:p>
         </p:txBody>
       </p:sp>
@@ -3516,7 +3537,15 @@
             <p:ph type="sldNum" sz="quarter" idx="12"/>
           </p:nvPr>
         </p:nvSpPr>
-        <p:spPr/>
+        <p:spPr>
+          <a:xfrm>
+            <a:off x="146050" y="6210300"/>
+            <a:ext cx="457200" cy="457200"/>
+          </a:xfrm>
+          <a:prstGeom prst="ellipse">
+            <a:avLst/>
+          </a:prstGeom>
+        </p:spPr>
         <p:txBody>
           <a:bodyPr/>
           <a:lstStyle>
@@ -3681,7 +3710,7 @@
               <a:pPr>
                 <a:defRPr/>
               </a:pPr>
-              <a:t>16-09-15</a:t>
+              <a:t>2016-09-23</a:t>
             </a:fld>
             <a:endParaRPr lang="en-US"/>
           </a:p>
@@ -3710,9 +3739,10 @@
               <a:defRPr/>
             </a:pPr>
             <a:r>
-              <a:rPr lang="en-US"/>
-              <a:t>Presentation Title At Venue</a:t>
-            </a:r>
+              <a:rPr lang="en-US" dirty="0" smtClean="0"/>
+              <a:t>Learning Bayesian Networks for Complex Relational Data</a:t>
+            </a:r>
+            <a:endParaRPr lang="en-US" dirty="0"/>
           </a:p>
         </p:txBody>
       </p:sp>
@@ -3726,7 +3756,15 @@
             <p:ph type="sldNum" sz="quarter" idx="12"/>
           </p:nvPr>
         </p:nvSpPr>
-        <p:spPr/>
+        <p:spPr>
+          <a:xfrm>
+            <a:off x="146050" y="6210300"/>
+            <a:ext cx="457200" cy="457200"/>
+          </a:xfrm>
+          <a:prstGeom prst="ellipse">
+            <a:avLst/>
+          </a:prstGeom>
+        </p:spPr>
         <p:txBody>
           <a:bodyPr/>
           <a:lstStyle>
@@ -3886,7 +3924,7 @@
               <a:pPr>
                 <a:defRPr/>
               </a:pPr>
-              <a:t>16-09-15</a:t>
+              <a:t>2016-09-23</a:t>
             </a:fld>
             <a:endParaRPr lang="en-US"/>
           </a:p>
@@ -3915,9 +3953,10 @@
               <a:defRPr/>
             </a:pPr>
             <a:r>
-              <a:rPr lang="en-US"/>
-              <a:t>Presentation Title At Venue</a:t>
-            </a:r>
+              <a:rPr lang="en-US" dirty="0" smtClean="0"/>
+              <a:t>Learning Bayesian Networks for Complex Relational Data</a:t>
+            </a:r>
+            <a:endParaRPr lang="en-US" dirty="0"/>
           </a:p>
         </p:txBody>
       </p:sp>
@@ -3931,7 +3970,15 @@
             <p:ph type="sldNum" sz="quarter" idx="12"/>
           </p:nvPr>
         </p:nvSpPr>
-        <p:spPr/>
+        <p:spPr>
+          <a:xfrm>
+            <a:off x="146050" y="6210300"/>
+            <a:ext cx="457200" cy="457200"/>
+          </a:xfrm>
+          <a:prstGeom prst="ellipse">
+            <a:avLst/>
+          </a:prstGeom>
+        </p:spPr>
         <p:txBody>
           <a:bodyPr/>
           <a:lstStyle>
@@ -4404,7 +4451,7 @@
               <a:pPr>
                 <a:defRPr/>
               </a:pPr>
-              <a:t>16-09-15</a:t>
+              <a:t>2016-09-23</a:t>
             </a:fld>
             <a:endParaRPr lang="en-US"/>
           </a:p>
@@ -4438,9 +4485,10 @@
               <a:defRPr/>
             </a:pPr>
             <a:r>
-              <a:rPr lang="en-US"/>
-              <a:t>Presentation Title At Venue</a:t>
-            </a:r>
+              <a:rPr lang="en-US" dirty="0" smtClean="0"/>
+              <a:t>Learning Bayesian Networks for Complex Relational Data</a:t>
+            </a:r>
+            <a:endParaRPr lang="en-US" dirty="0"/>
           </a:p>
         </p:txBody>
       </p:sp>
@@ -4459,6 +4507,9 @@
             <a:off x="146050" y="6208713"/>
             <a:ext cx="457200" cy="457200"/>
           </a:xfrm>
+          <a:prstGeom prst="ellipse">
+            <a:avLst/>
+          </a:prstGeom>
         </p:spPr>
         <p:txBody>
           <a:bodyPr/>
@@ -4676,7 +4727,7 @@
               <a:pPr>
                 <a:defRPr/>
               </a:pPr>
-              <a:t>16-09-15</a:t>
+              <a:t>2016-09-23</a:t>
             </a:fld>
             <a:endParaRPr lang="en-US"/>
           </a:p>
@@ -4705,9 +4756,10 @@
               <a:defRPr/>
             </a:pPr>
             <a:r>
-              <a:rPr lang="en-US"/>
-              <a:t>Presentation Title At Venue</a:t>
-            </a:r>
+              <a:rPr lang="en-US" dirty="0" smtClean="0"/>
+              <a:t>Learning Bayesian Networks for Complex Relational Data</a:t>
+            </a:r>
+            <a:endParaRPr lang="en-US" dirty="0"/>
           </a:p>
         </p:txBody>
       </p:sp>
@@ -4721,7 +4773,15 @@
             <p:ph type="sldNum" sz="quarter" idx="12"/>
           </p:nvPr>
         </p:nvSpPr>
-        <p:spPr/>
+        <p:spPr>
+          <a:xfrm>
+            <a:off x="146050" y="6210300"/>
+            <a:ext cx="457200" cy="457200"/>
+          </a:xfrm>
+          <a:prstGeom prst="ellipse">
+            <a:avLst/>
+          </a:prstGeom>
+        </p:spPr>
         <p:txBody>
           <a:bodyPr/>
           <a:lstStyle>
@@ -5073,7 +5133,7 @@
               <a:pPr>
                 <a:defRPr/>
               </a:pPr>
-              <a:t>16-09-15</a:t>
+              <a:t>2016-09-23</a:t>
             </a:fld>
             <a:endParaRPr lang="en-US"/>
           </a:p>
@@ -5102,9 +5162,10 @@
               <a:defRPr/>
             </a:pPr>
             <a:r>
-              <a:rPr lang="en-US"/>
-              <a:t>Presentation Title At Venue</a:t>
-            </a:r>
+              <a:rPr lang="en-US" dirty="0" smtClean="0"/>
+              <a:t>Learning Bayesian Networks for Complex Relational Data</a:t>
+            </a:r>
+            <a:endParaRPr lang="en-US" dirty="0"/>
           </a:p>
         </p:txBody>
       </p:sp>
@@ -5118,7 +5179,15 @@
             <p:ph type="sldNum" sz="quarter" idx="12"/>
           </p:nvPr>
         </p:nvSpPr>
-        <p:spPr/>
+        <p:spPr>
+          <a:xfrm>
+            <a:off x="146050" y="6210300"/>
+            <a:ext cx="457200" cy="457200"/>
+          </a:xfrm>
+          <a:prstGeom prst="ellipse">
+            <a:avLst/>
+          </a:prstGeom>
+        </p:spPr>
         <p:txBody>
           <a:bodyPr/>
           <a:lstStyle>
@@ -5221,7 +5290,7 @@
               <a:pPr>
                 <a:defRPr/>
               </a:pPr>
-              <a:t>16-09-15</a:t>
+              <a:t>2016-09-23</a:t>
             </a:fld>
             <a:endParaRPr lang="en-US"/>
           </a:p>
@@ -5250,9 +5319,10 @@
               <a:defRPr/>
             </a:pPr>
             <a:r>
-              <a:rPr lang="en-US"/>
-              <a:t>Presentation Title At Venue</a:t>
-            </a:r>
+              <a:rPr lang="en-US" dirty="0" smtClean="0"/>
+              <a:t>Learning Bayesian Networks for Complex Relational Data</a:t>
+            </a:r>
+            <a:endParaRPr lang="en-US" dirty="0"/>
           </a:p>
         </p:txBody>
       </p:sp>
@@ -5266,7 +5336,15 @@
             <p:ph type="sldNum" sz="quarter" idx="12"/>
           </p:nvPr>
         </p:nvSpPr>
-        <p:spPr/>
+        <p:spPr>
+          <a:xfrm>
+            <a:off x="146050" y="6210300"/>
+            <a:ext cx="457200" cy="457200"/>
+          </a:xfrm>
+          <a:prstGeom prst="ellipse">
+            <a:avLst/>
+          </a:prstGeom>
+        </p:spPr>
         <p:txBody>
           <a:bodyPr/>
           <a:lstStyle>
@@ -5346,7 +5424,7 @@
               <a:pPr>
                 <a:defRPr/>
               </a:pPr>
-              <a:t>16-09-15</a:t>
+              <a:t>2016-09-23</a:t>
             </a:fld>
             <a:endParaRPr lang="en-US"/>
           </a:p>
@@ -5375,9 +5453,10 @@
               <a:defRPr/>
             </a:pPr>
             <a:r>
-              <a:rPr lang="en-US"/>
-              <a:t>Presentation Title At Venue</a:t>
-            </a:r>
+              <a:rPr lang="en-US" dirty="0" smtClean="0"/>
+              <a:t>Learning Bayesian Networks for Complex Relational Data</a:t>
+            </a:r>
+            <a:endParaRPr lang="en-US" dirty="0"/>
           </a:p>
         </p:txBody>
       </p:sp>
@@ -5391,7 +5470,15 @@
             <p:ph type="sldNum" sz="quarter" idx="12"/>
           </p:nvPr>
         </p:nvSpPr>
-        <p:spPr/>
+        <p:spPr>
+          <a:xfrm>
+            <a:off x="146050" y="6210300"/>
+            <a:ext cx="457200" cy="457200"/>
+          </a:xfrm>
+          <a:prstGeom prst="ellipse">
+            <a:avLst/>
+          </a:prstGeom>
+        </p:spPr>
         <p:txBody>
           <a:bodyPr/>
           <a:lstStyle>
@@ -5721,7 +5808,7 @@
               <a:pPr>
                 <a:defRPr/>
               </a:pPr>
-              <a:t>16-09-15</a:t>
+              <a:t>2016-09-23</a:t>
             </a:fld>
             <a:endParaRPr lang="en-US"/>
           </a:p>
@@ -5750,9 +5837,10 @@
               <a:defRPr/>
             </a:pPr>
             <a:r>
-              <a:rPr lang="en-US"/>
-              <a:t>Presentation Title At Venue</a:t>
-            </a:r>
+              <a:rPr lang="en-US" dirty="0" smtClean="0"/>
+              <a:t>Learning Bayesian Networks for Complex Relational Data</a:t>
+            </a:r>
+            <a:endParaRPr lang="en-US" dirty="0"/>
           </a:p>
         </p:txBody>
       </p:sp>
@@ -5766,7 +5854,15 @@
             <p:ph type="sldNum" sz="quarter" idx="12"/>
           </p:nvPr>
         </p:nvSpPr>
-        <p:spPr/>
+        <p:spPr>
+          <a:xfrm>
+            <a:off x="146050" y="6210300"/>
+            <a:ext cx="457200" cy="457200"/>
+          </a:xfrm>
+          <a:prstGeom prst="ellipse">
+            <a:avLst/>
+          </a:prstGeom>
+        </p:spPr>
         <p:txBody>
           <a:bodyPr/>
           <a:lstStyle>
@@ -6143,7 +6239,7 @@
               <a:pPr>
                 <a:defRPr/>
               </a:pPr>
-              <a:t>16-09-15</a:t>
+              <a:t>2016-09-23</a:t>
             </a:fld>
             <a:endParaRPr lang="en-US"/>
           </a:p>
@@ -6177,9 +6273,10 @@
               <a:defRPr/>
             </a:pPr>
             <a:r>
-              <a:rPr lang="en-US"/>
-              <a:t>Presentation Title At Venue</a:t>
-            </a:r>
+              <a:rPr lang="en-US" dirty="0" smtClean="0"/>
+              <a:t>Learning Bayesian Networks for Complex Relational Data</a:t>
+            </a:r>
+            <a:endParaRPr lang="en-US" dirty="0"/>
           </a:p>
         </p:txBody>
       </p:sp>
@@ -6198,6 +6295,9 @@
             <a:off x="146050" y="6208713"/>
             <a:ext cx="457200" cy="457200"/>
           </a:xfrm>
+          <a:prstGeom prst="ellipse">
+            <a:avLst/>
+          </a:prstGeom>
         </p:spPr>
         <p:txBody>
           <a:bodyPr/>
@@ -6562,7 +6662,7 @@
               <a:pPr>
                 <a:defRPr/>
               </a:pPr>
-              <a:t>16-09-15</a:t>
+              <a:t>2016-09-23</a:t>
             </a:fld>
             <a:endParaRPr lang="en-US"/>
           </a:p>
@@ -6608,63 +6708,10 @@
               <a:defRPr/>
             </a:pPr>
             <a:r>
-              <a:rPr lang="en-US"/>
-              <a:t>Presentation Title At Venue</a:t>
-            </a:r>
-          </a:p>
-        </p:txBody>
-      </p:sp>
-      <p:sp>
-        <p:nvSpPr>
-          <p:cNvPr id="23" name="Slide Number Placeholder 22"/>
-          <p:cNvSpPr>
-            <a:spLocks noGrp="1"/>
-          </p:cNvSpPr>
-          <p:nvPr>
-            <p:ph type="sldNum" sz="quarter" idx="4"/>
-          </p:nvPr>
-        </p:nvSpPr>
-        <p:spPr>
-          <a:xfrm>
-            <a:off x="146050" y="6210300"/>
-            <a:ext cx="457200" cy="457200"/>
-          </a:xfrm>
-          <a:prstGeom prst="ellipse">
-            <a:avLst/>
-          </a:prstGeom>
-          <a:solidFill>
-            <a:schemeClr val="accent1"/>
-          </a:solidFill>
-        </p:spPr>
-        <p:txBody>
-          <a:bodyPr vert="horz" wrap="none" lIns="0" tIns="0" rIns="0" bIns="0" numCol="1" anchor="ctr" anchorCtr="1" compatLnSpc="1">
-            <a:prstTxWarp prst="textNoShape">
-              <a:avLst/>
-            </a:prstTxWarp>
-            <a:noAutofit/>
-          </a:bodyPr>
-          <a:lstStyle>
-            <a:lvl1pPr algn="ctr">
-              <a:defRPr sz="1400" smtClean="0">
-                <a:solidFill>
-                  <a:srgbClr val="FFFFFF"/>
-                </a:solidFill>
-                <a:latin typeface="Franklin Gothic Book" charset="0"/>
-              </a:defRPr>
-            </a:lvl1pPr>
-          </a:lstStyle>
-          <a:p>
-            <a:pPr>
-              <a:defRPr/>
-            </a:pPr>
-            <a:fld id="{7CEF2234-60CD-F14D-A018-E190E338742A}" type="slidenum">
-              <a:rPr lang="en-US"/>
-              <a:pPr>
-                <a:defRPr/>
-              </a:pPr>
-              <a:t>‹#›</a:t>
-            </a:fld>
-            <a:endParaRPr lang="en-US"/>
+              <a:rPr lang="en-US" dirty="0" smtClean="0"/>
+              <a:t>Learning Bayesian Networks for Complex Relational Data</a:t>
+            </a:r>
+            <a:endParaRPr lang="en-US" dirty="0"/>
           </a:p>
         </p:txBody>
       </p:sp>
@@ -6823,18 +6870,15 @@
           <a:p>
             <a:pPr eaLnBrk="1" hangingPunct="1"/>
             <a:fld id="{24B99B7F-2E64-2646-91C2-380EEC053FFA}" type="slidenum">
-              <a:rPr lang="en-US" sz="1400">
+              <a:rPr lang="en-US" sz="1400" smtClean="0">
                 <a:latin typeface="Perpetua" charset="0"/>
               </a:rPr>
               <a:pPr eaLnBrk="1" hangingPunct="1"/>
               <a:t>‹#›</a:t>
             </a:fld>
-            <a:r>
-              <a:rPr lang="en-US" sz="1400">
-                <a:latin typeface="Perpetua" charset="0"/>
-              </a:rPr>
-              <a:t>/n</a:t>
-            </a:r>
+            <a:endParaRPr lang="en-US" sz="1400" dirty="0">
+              <a:latin typeface="Perpetua" charset="0"/>
+            </a:endParaRPr>
           </a:p>
         </p:txBody>
       </p:sp>
@@ -7645,7 +7689,12 @@
             <p:ph type="ftr" sz="quarter" idx="11"/>
           </p:nvPr>
         </p:nvSpPr>
-        <p:spPr/>
+        <p:spPr>
+          <a:xfrm>
+            <a:off x="239059" y="5856937"/>
+            <a:ext cx="8676754" cy="872565"/>
+          </a:xfrm>
+        </p:spPr>
         <p:txBody>
           <a:bodyPr/>
           <a:lstStyle/>
@@ -7654,9 +7703,79 @@
               <a:defRPr/>
             </a:pPr>
             <a:r>
-              <a:rPr lang="en-US" dirty="0" smtClean="0"/>
-              <a:t>cite oddball</a:t>
-            </a:r>
+              <a:rPr lang="en-US" dirty="0" err="1"/>
+              <a:t>Akoglu</a:t>
+            </a:r>
+            <a:r>
+              <a:rPr lang="en-US" dirty="0"/>
+              <a:t>, L.; </a:t>
+            </a:r>
+            <a:r>
+              <a:rPr lang="en-US" dirty="0" err="1"/>
+              <a:t>Mcglohon</a:t>
+            </a:r>
+            <a:r>
+              <a:rPr lang="en-US" dirty="0"/>
+              <a:t>, M. &amp; </a:t>
+            </a:r>
+            <a:r>
+              <a:rPr lang="en-US" dirty="0" err="1"/>
+              <a:t>Faloutsos</a:t>
+            </a:r>
+            <a:r>
+              <a:rPr lang="en-US" dirty="0"/>
+              <a:t>, C. (2010), </a:t>
+            </a:r>
+            <a:r>
+              <a:rPr lang="en-US" dirty="0" err="1"/>
+              <a:t>OddBall</a:t>
+            </a:r>
+            <a:r>
+              <a:rPr lang="en-US" dirty="0"/>
+              <a:t>: Spotting Anomalies in Weighted Graphs, </a:t>
+            </a:r>
+            <a:r>
+              <a:rPr lang="en-US" i="1" dirty="0"/>
+              <a:t>in 'PAKDD', pp. 410-</a:t>
+            </a:r>
+            <a:r>
+              <a:rPr lang="en-US" i="1" dirty="0" smtClean="0"/>
+              <a:t>421</a:t>
+            </a:r>
+          </a:p>
+          <a:p>
+            <a:r>
+              <a:rPr lang="en-US" dirty="0" err="1"/>
+              <a:t>Akoglu</a:t>
+            </a:r>
+            <a:r>
+              <a:rPr lang="en-US" dirty="0"/>
+              <a:t>, L.; Tong, H. &amp; </a:t>
+            </a:r>
+            <a:r>
+              <a:rPr lang="en-US" dirty="0" err="1"/>
+              <a:t>Koutra</a:t>
+            </a:r>
+            <a:r>
+              <a:rPr lang="en-US" dirty="0"/>
+              <a:t>, D. (2015), 'Graph based anomaly detection and description: a survey', </a:t>
+            </a:r>
+            <a:r>
+              <a:rPr lang="en-US" i="1" dirty="0"/>
+              <a:t>Data Mining and Knowledge Discovery </a:t>
+            </a:r>
+            <a:r>
+              <a:rPr lang="en-US" b="1" i="1" dirty="0"/>
+              <a:t>29(3), 626--688.</a:t>
+            </a:r>
+          </a:p>
+          <a:p>
+            <a:endParaRPr lang="en-US" dirty="0"/>
+          </a:p>
+          <a:p>
+            <a:pPr>
+              <a:defRPr/>
+            </a:pPr>
             <a:endParaRPr lang="en-US" dirty="0"/>
           </a:p>
         </p:txBody>
@@ -7752,10 +7871,10 @@
               <a:defRPr/>
             </a:pPr>
             <a:r>
-              <a:rPr lang="en-US" smtClean="0"/>
-              <a:t>Presentation Title At Venue</a:t>
-            </a:r>
-            <a:endParaRPr lang="en-US"/>
+              <a:rPr lang="en-US" dirty="0" smtClean="0"/>
+              <a:t>Learning Bayesian Networks for Complex Relational Data</a:t>
+            </a:r>
+            <a:endParaRPr lang="en-US" dirty="0"/>
           </a:p>
         </p:txBody>
       </p:sp>
@@ -7861,28 +7980,6 @@
           </a:p>
           <a:p>
             <a:r>
-              <a:rPr lang="en-US" sz="2800" dirty="0" smtClean="0"/>
-              <a:t>[cite </a:t>
-            </a:r>
-            <a:r>
-              <a:rPr lang="en-US" sz="2800" dirty="0" err="1" smtClean="0"/>
-              <a:t>Aggrawal</a:t>
-            </a:r>
-            <a:r>
-              <a:rPr lang="en-US" sz="2800" dirty="0" smtClean="0"/>
-              <a:t> or </a:t>
-            </a:r>
-            <a:r>
-              <a:rPr lang="en-US" sz="2800" dirty="0" err="1" smtClean="0"/>
-              <a:t>damdi</a:t>
-            </a:r>
-            <a:r>
-              <a:rPr lang="en-US" sz="2800" dirty="0" smtClean="0"/>
-              <a:t> paper]</a:t>
-            </a:r>
-          </a:p>
-          <a:p>
-            <a:r>
               <a:rPr lang="en-US" sz="2800" b="1" dirty="0" smtClean="0"/>
               <a:t>Idea</a:t>
             </a:r>
@@ -7904,19 +8001,43 @@
             <p:ph type="ftr" sz="quarter" idx="11"/>
           </p:nvPr>
         </p:nvSpPr>
-        <p:spPr/>
+        <p:spPr>
+          <a:xfrm>
+            <a:off x="914399" y="6036235"/>
+            <a:ext cx="6720541" cy="457200"/>
+          </a:xfrm>
+        </p:spPr>
         <p:txBody>
           <a:bodyPr/>
           <a:lstStyle/>
           <a:p>
-            <a:pPr>
-              <a:defRPr/>
-            </a:pPr>
-            <a:r>
-              <a:rPr lang="en-US" smtClean="0"/>
-              <a:t>Presentation Title At Venue</a:t>
-            </a:r>
-            <a:endParaRPr lang="en-US"/>
+            <a:r>
+              <a:rPr lang="en-US" dirty="0" err="1"/>
+              <a:t>Akoglu</a:t>
+            </a:r>
+            <a:r>
+              <a:rPr lang="en-US" dirty="0"/>
+              <a:t>, L.; Tong, H. &amp; </a:t>
+            </a:r>
+            <a:r>
+              <a:rPr lang="en-US" dirty="0" err="1"/>
+              <a:t>Koutra</a:t>
+            </a:r>
+            <a:r>
+              <a:rPr lang="en-US" dirty="0"/>
+              <a:t>, D. (2015), 'Graph based anomaly detection and description: a survey', </a:t>
+            </a:r>
+            <a:r>
+              <a:rPr lang="en-US" i="1" dirty="0"/>
+              <a:t>Data Mining and Knowledge Discovery </a:t>
+            </a:r>
+            <a:r>
+              <a:rPr lang="en-US" b="1" i="1" dirty="0"/>
+              <a:t>29(3), 626--688.</a:t>
+            </a:r>
+          </a:p>
+          <a:p>
+            <a:endParaRPr lang="en-US" dirty="0"/>
           </a:p>
         </p:txBody>
       </p:sp>
@@ -8586,14 +8707,6 @@
               <a:rPr lang="en-US" dirty="0"/>
               <a:t> and Schulte (2015). IEEE SSCI. </a:t>
             </a:r>
-            <a:br>
-              <a:rPr lang="en-US" dirty="0"/>
-            </a:br>
-            <a:r>
-              <a:rPr lang="en-US" dirty="0" smtClean="0"/>
-              <a:t>Cite exceptional model mining.</a:t>
-            </a:r>
-            <a:endParaRPr lang="en-US" dirty="0"/>
           </a:p>
         </p:txBody>
       </p:sp>
@@ -10358,10 +10471,10 @@
               <a:defRPr/>
             </a:pPr>
             <a:r>
-              <a:rPr lang="en-US" smtClean="0"/>
-              <a:t>Presentation Title At Venue</a:t>
-            </a:r>
-            <a:endParaRPr lang="en-US"/>
+              <a:rPr lang="en-US" dirty="0" smtClean="0"/>
+              <a:t>Learning Bayesian Networks for Complex Relational Data</a:t>
+            </a:r>
+            <a:endParaRPr lang="en-US" dirty="0"/>
           </a:p>
         </p:txBody>
       </p:sp>
@@ -10490,7 +10603,7 @@
           <a:graphicData uri="http://schemas.openxmlformats.org/presentationml/2006/ole">
             <mc:AlternateContent xmlns:mc="http://schemas.openxmlformats.org/markup-compatibility/2006">
               <mc:Choice xmlns:v="urn:schemas-microsoft-com:vml" Requires="v">
-                <p:oleObj spid="_x0000_s2108" name="Equation" r:id="rId3" imgW="2260600" imgH="215900" progId="Equation.3">
+                <p:oleObj spid="_x0000_s2126" name="Equation" r:id="rId3" imgW="2260600" imgH="215900" progId="Equation.3">
                   <p:embed/>
                 </p:oleObj>
               </mc:Choice>
@@ -10552,7 +10665,7 @@
           <a:graphicData uri="http://schemas.openxmlformats.org/presentationml/2006/ole">
             <mc:AlternateContent xmlns:mc="http://schemas.openxmlformats.org/markup-compatibility/2006">
               <mc:Choice xmlns:v="urn:schemas-microsoft-com:vml" Requires="v">
-                <p:oleObj spid="_x0000_s2109" name="Equation" r:id="rId5" imgW="4686300" imgH="698500" progId="Equation.3">
+                <p:oleObj spid="_x0000_s2127" name="Equation" r:id="rId5" imgW="4686300" imgH="698500" progId="Equation.3">
                   <p:embed/>
                 </p:oleObj>
               </mc:Choice>
@@ -10664,10 +10777,10 @@
               <a:defRPr/>
             </a:pPr>
             <a:r>
-              <a:rPr lang="en-US" smtClean="0"/>
-              <a:t>Presentation Title At Venue</a:t>
-            </a:r>
-            <a:endParaRPr lang="en-US"/>
+              <a:rPr lang="en-US" dirty="0" smtClean="0"/>
+              <a:t>Learning Bayesian Networks for Complex Relational Data</a:t>
+            </a:r>
+            <a:endParaRPr lang="en-US" dirty="0"/>
           </a:p>
         </p:txBody>
       </p:sp>
@@ -11002,7 +11115,7 @@
           <p:nvPr>
             <p:extLst>
               <p:ext uri="{D42A27DB-BD31-4B8C-83A1-F6EECF244321}">
-                <p14:modId xmlns:p14="http://schemas.microsoft.com/office/powerpoint/2010/main" val="3476725142"/>
+                <p14:modId xmlns:p14="http://schemas.microsoft.com/office/powerpoint/2010/main" val="3682977195"/>
               </p:ext>
             </p:extLst>
           </p:nvPr>
@@ -11470,15 +11583,22 @@
                     <a:p>
                       <a:pPr algn="r" fontAlgn="b"/>
                       <a:r>
-                        <a:rPr lang="en-US" sz="1200" b="0" i="0" u="none" strike="noStrike">
+                        <a:rPr lang="en-US" sz="1200" b="0" i="0" u="none" strike="noStrike" dirty="0" smtClean="0">
                           <a:solidFill>
                             <a:srgbClr val="000000"/>
                           </a:solidFill>
                           <a:effectLst/>
                           <a:latin typeface="Calibri"/>
                         </a:rPr>
-                        <a:t>0.5</a:t>
+                        <a:t>1/2</a:t>
                       </a:r>
+                      <a:endParaRPr lang="en-US" sz="1200" b="0" i="0" u="none" strike="noStrike" dirty="0">
+                        <a:solidFill>
+                          <a:srgbClr val="000000"/>
+                        </a:solidFill>
+                        <a:effectLst/>
+                        <a:latin typeface="Calibri"/>
+                      </a:endParaRPr>
                     </a:p>
                   </a:txBody>
                   <a:tcPr marL="12700" marR="12700" marT="12700" marB="0" anchor="b"/>
@@ -11642,7 +11762,7 @@
                     <a:lstStyle/>
                     <a:p>
                       <a:pPr algn="l" fontAlgn="b"/>
-                      <a:endParaRPr lang="en-US" sz="1200" b="0" i="0" u="none" strike="noStrike">
+                      <a:endParaRPr lang="en-US" sz="1200" b="0" i="0" u="none" strike="noStrike" dirty="0">
                         <a:solidFill>
                           <a:srgbClr val="000000"/>
                         </a:solidFill>
@@ -11884,10 +12004,10 @@
               <a:defRPr/>
             </a:pPr>
             <a:r>
-              <a:rPr lang="en-US" smtClean="0"/>
-              <a:t>Presentation Title At Venue</a:t>
-            </a:r>
-            <a:endParaRPr lang="en-US"/>
+              <a:rPr lang="en-US" dirty="0" smtClean="0"/>
+              <a:t>Learning Bayesian Networks for Complex Relational Data</a:t>
+            </a:r>
+            <a:endParaRPr lang="en-US" dirty="0"/>
           </a:p>
         </p:txBody>
       </p:sp>
@@ -11957,7 +12077,7 @@
           <a:graphicData uri="http://schemas.openxmlformats.org/presentationml/2006/ole">
             <mc:AlternateContent xmlns:mc="http://schemas.openxmlformats.org/markup-compatibility/2006">
               <mc:Choice xmlns:v="urn:schemas-microsoft-com:vml" Requires="v">
-                <p:oleObj spid="_x0000_s5153" name="Equation" r:id="rId4" imgW="6184900" imgH="1054100" progId="Equation.3">
+                <p:oleObj spid="_x0000_s5163" name="Equation" r:id="rId4" imgW="6184900" imgH="1054100" progId="Equation.3">
                   <p:embed/>
                 </p:oleObj>
               </mc:Choice>
@@ -12328,10 +12448,10 @@
               <a:defRPr/>
             </a:pPr>
             <a:r>
-              <a:rPr lang="en-US" smtClean="0"/>
-              <a:t>Presentation Title At Venue</a:t>
-            </a:r>
-            <a:endParaRPr lang="en-US"/>
+              <a:rPr lang="en-US" dirty="0" smtClean="0"/>
+              <a:t>Learning Bayesian Networks for Complex Relational Data</a:t>
+            </a:r>
+            <a:endParaRPr lang="en-US" dirty="0"/>
           </a:p>
         </p:txBody>
       </p:sp>
@@ -12413,7 +12533,7 @@
           <a:graphicData uri="http://schemas.openxmlformats.org/presentationml/2006/ole">
             <mc:AlternateContent xmlns:mc="http://schemas.openxmlformats.org/markup-compatibility/2006">
               <mc:Choice xmlns:v="urn:schemas-microsoft-com:vml" Requires="v">
-                <p:oleObj spid="_x0000_s4131" name="Equation" r:id="rId3" imgW="6184900" imgH="1054100" progId="Equation.3">
+                <p:oleObj spid="_x0000_s4141" name="Equation" r:id="rId3" imgW="6184900" imgH="1054100" progId="Equation.3">
                   <p:embed/>
                 </p:oleObj>
               </mc:Choice>
@@ -12992,6 +13112,34 @@
             </a:r>
           </a:p>
           <a:p>
+            <a:pPr lvl="1"/>
+            <a:r>
+              <a:rPr lang="en-US" dirty="0" err="1" smtClean="0"/>
+              <a:t>DribbleEfficiency</a:t>
+            </a:r>
+            <a:r>
+              <a:rPr lang="en-US" dirty="0" smtClean="0"/>
+              <a:t>  </a:t>
+            </a:r>
+            <a:r>
+              <a:rPr lang="en-US" dirty="0" smtClean="0">
+                <a:latin typeface="Wingdings"/>
+                <a:ea typeface="Wingdings"/>
+                <a:cs typeface="Wingdings"/>
+                <a:sym typeface="Wingdings"/>
+              </a:rPr>
+              <a:t></a:t>
+            </a:r>
+            <a:r>
+              <a:rPr lang="en-US" dirty="0">
+                <a:sym typeface="Wingdings"/>
+              </a:rPr>
+              <a:t> </a:t>
+            </a:r>
+            <a:r>
+              <a:rPr lang="en-US" dirty="0" smtClean="0"/>
+              <a:t>Win</a:t>
+            </a:r>
             <a:endParaRPr lang="en-US" sz="2800" dirty="0" smtClean="0"/>
           </a:p>
           <a:p>
@@ -13018,10 +13166,10 @@
               <a:defRPr/>
             </a:pPr>
             <a:r>
-              <a:rPr lang="en-US" smtClean="0"/>
-              <a:t>Presentation Title At Venue</a:t>
-            </a:r>
-            <a:endParaRPr lang="en-US"/>
+              <a:rPr lang="en-US" dirty="0" smtClean="0"/>
+              <a:t>Learning Bayesian Networks for Complex Relational Data</a:t>
+            </a:r>
+            <a:endParaRPr lang="en-US" dirty="0"/>
           </a:p>
         </p:txBody>
       </p:sp>
@@ -13039,1591 +13187,6 @@
 </file>
 
 <file path=ppt/slides/slide21.xml><?xml version="1.0" encoding="utf-8"?>
-<p:sld xmlns:a="http://schemas.openxmlformats.org/drawingml/2006/main" xmlns:r="http://schemas.openxmlformats.org/officeDocument/2006/relationships" xmlns:p="http://schemas.openxmlformats.org/presentationml/2006/main" show="0">
-  <p:cSld>
-    <p:spTree>
-      <p:nvGrpSpPr>
-        <p:cNvPr id="1" name=""/>
-        <p:cNvGrpSpPr/>
-        <p:nvPr/>
-      </p:nvGrpSpPr>
-      <p:grpSpPr>
-        <a:xfrm>
-          <a:off x="0" y="0"/>
-          <a:ext cx="0" cy="0"/>
-          <a:chOff x="0" y="0"/>
-          <a:chExt cx="0" cy="0"/>
-        </a:xfrm>
-      </p:grpSpPr>
-      <p:sp>
-        <p:nvSpPr>
-          <p:cNvPr id="2" name="Title 1"/>
-          <p:cNvSpPr>
-            <a:spLocks noGrp="1"/>
-          </p:cNvSpPr>
-          <p:nvPr>
-            <p:ph type="title"/>
-          </p:nvPr>
-        </p:nvSpPr>
-        <p:spPr/>
-        <p:txBody>
-          <a:bodyPr/>
-          <a:lstStyle/>
-          <a:p>
-            <a:r>
-              <a:rPr lang="en-US" dirty="0" smtClean="0"/>
-              <a:t>Feature Vector View</a:t>
-            </a:r>
-            <a:endParaRPr lang="en-US" dirty="0"/>
-          </a:p>
-        </p:txBody>
-      </p:sp>
-      <p:sp>
-        <p:nvSpPr>
-          <p:cNvPr id="4" name="Footer Placeholder 3"/>
-          <p:cNvSpPr>
-            <a:spLocks noGrp="1"/>
-          </p:cNvSpPr>
-          <p:nvPr>
-            <p:ph type="ftr" sz="quarter" idx="11"/>
-          </p:nvPr>
-        </p:nvSpPr>
-        <p:spPr/>
-        <p:txBody>
-          <a:bodyPr/>
-          <a:lstStyle/>
-          <a:p>
-            <a:pPr>
-              <a:defRPr/>
-            </a:pPr>
-            <a:r>
-              <a:rPr lang="en-US" smtClean="0"/>
-              <a:t>Presentation Title At Venue</a:t>
-            </a:r>
-            <a:endParaRPr lang="en-US"/>
-          </a:p>
-        </p:txBody>
-      </p:sp>
-      <p:graphicFrame>
-        <p:nvGraphicFramePr>
-          <p:cNvPr id="5" name="Content Placeholder 4"/>
-          <p:cNvGraphicFramePr>
-            <a:graphicFrameLocks/>
-          </p:cNvGraphicFramePr>
-          <p:nvPr>
-            <p:extLst>
-              <p:ext uri="{D42A27DB-BD31-4B8C-83A1-F6EECF244321}">
-                <p14:modId xmlns:p14="http://schemas.microsoft.com/office/powerpoint/2010/main" val="3361146059"/>
-              </p:ext>
-            </p:extLst>
-          </p:nvPr>
-        </p:nvGraphicFramePr>
-        <p:xfrm>
-          <a:off x="264755" y="2037392"/>
-          <a:ext cx="8289762" cy="1402080"/>
-        </p:xfrm>
-        <a:graphic>
-          <a:graphicData uri="http://schemas.openxmlformats.org/drawingml/2006/table">
-            <a:tbl>
-              <a:tblPr firstRow="1" bandRow="1">
-                <a:tableStyleId>{5C22544A-7EE6-4342-B048-85BDC9FD1C3A}</a:tableStyleId>
-              </a:tblPr>
-              <a:tblGrid>
-                <a:gridCol w="1359723"/>
-                <a:gridCol w="1880450"/>
-                <a:gridCol w="2611341"/>
-                <a:gridCol w="2438248"/>
-              </a:tblGrid>
-              <a:tr h="370840">
-                <a:tc>
-                  <a:txBody>
-                    <a:bodyPr/>
-                    <a:lstStyle/>
-                    <a:p>
-                      <a:r>
-                        <a:rPr lang="en-US" sz="2000" dirty="0" err="1" smtClean="0"/>
-                        <a:t>UserID</a:t>
-                      </a:r>
-                      <a:endParaRPr lang="en-US" sz="2000" dirty="0"/>
-                    </a:p>
-                  </a:txBody>
-                  <a:tcPr/>
-                </a:tc>
-                <a:tc>
-                  <a:txBody>
-                    <a:bodyPr/>
-                    <a:lstStyle/>
-                    <a:p>
-                      <a:r>
-                        <a:rPr lang="en-US" sz="2000" dirty="0" smtClean="0"/>
-                        <a:t>gender(U) =M</a:t>
-                      </a:r>
-                      <a:endParaRPr lang="en-US" sz="2000" dirty="0"/>
-                    </a:p>
-                  </a:txBody>
-                  <a:tcPr/>
-                </a:tc>
-                <a:tc>
-                  <a:txBody>
-                    <a:bodyPr/>
-                    <a:lstStyle/>
-                    <a:p>
-                      <a:pPr marL="0" marR="0" indent="0" algn="l" defTabSz="914400" rtl="0" eaLnBrk="1" fontAlgn="auto" latinLnBrk="0" hangingPunct="1">
-                        <a:lnSpc>
-                          <a:spcPct val="100000"/>
-                        </a:lnSpc>
-                        <a:spcBef>
-                          <a:spcPts val="0"/>
-                        </a:spcBef>
-                        <a:spcAft>
-                          <a:spcPts val="0"/>
-                        </a:spcAft>
-                        <a:buClrTx/>
-                        <a:buSzTx/>
-                        <a:buFontTx/>
-                        <a:buNone/>
-                        <a:tabLst/>
-                        <a:defRPr/>
-                      </a:pPr>
-                      <a:r>
-                        <a:rPr lang="en-US" sz="2000" dirty="0" err="1" smtClean="0"/>
-                        <a:t>HasRated</a:t>
-                      </a:r>
-                      <a:r>
-                        <a:rPr lang="en-US" sz="2000" dirty="0" smtClean="0"/>
-                        <a:t>(U,AM)</a:t>
-                      </a:r>
-                    </a:p>
-                    <a:p>
-                      <a:pPr marL="0" marR="0" indent="0" algn="l" defTabSz="914400" rtl="0" eaLnBrk="1" fontAlgn="auto" latinLnBrk="0" hangingPunct="1">
-                        <a:lnSpc>
-                          <a:spcPct val="100000"/>
-                        </a:lnSpc>
-                        <a:spcBef>
-                          <a:spcPts val="0"/>
-                        </a:spcBef>
-                        <a:spcAft>
-                          <a:spcPts val="0"/>
-                        </a:spcAft>
-                        <a:buClrTx/>
-                        <a:buSzTx/>
-                        <a:buFontTx/>
-                        <a:buNone/>
-                        <a:tabLst/>
-                        <a:defRPr/>
-                      </a:pPr>
-                      <a:r>
-                        <a:rPr lang="en-US" sz="2000" dirty="0" smtClean="0"/>
-                        <a:t>=T</a:t>
-                      </a:r>
-                    </a:p>
-                    <a:p>
-                      <a:endParaRPr lang="en-US" sz="2000" dirty="0"/>
-                    </a:p>
-                  </a:txBody>
-                  <a:tcPr/>
-                </a:tc>
-                <a:tc>
-                  <a:txBody>
-                    <a:bodyPr/>
-                    <a:lstStyle/>
-                    <a:p>
-                      <a:pPr marL="0" marR="0" indent="0" algn="l" defTabSz="914400" rtl="0" eaLnBrk="1" fontAlgn="auto" latinLnBrk="0" hangingPunct="1">
-                        <a:lnSpc>
-                          <a:spcPct val="100000"/>
-                        </a:lnSpc>
-                        <a:spcBef>
-                          <a:spcPts val="0"/>
-                        </a:spcBef>
-                        <a:spcAft>
-                          <a:spcPts val="0"/>
-                        </a:spcAft>
-                        <a:buClrTx/>
-                        <a:buSzTx/>
-                        <a:buFontTx/>
-                        <a:buNone/>
-                        <a:tabLst/>
-                        <a:defRPr/>
-                      </a:pPr>
-                      <a:r>
-                        <a:rPr lang="en-US" sz="2000" dirty="0" err="1" smtClean="0"/>
-                        <a:t>HasRated</a:t>
-                      </a:r>
-                      <a:r>
-                        <a:rPr lang="en-US" sz="2000" dirty="0" smtClean="0"/>
-                        <a:t>(U,AM)</a:t>
-                      </a:r>
-                    </a:p>
-                    <a:p>
-                      <a:pPr marL="0" marR="0" indent="0" algn="l" defTabSz="914400" rtl="0" eaLnBrk="1" fontAlgn="auto" latinLnBrk="0" hangingPunct="1">
-                        <a:lnSpc>
-                          <a:spcPct val="100000"/>
-                        </a:lnSpc>
-                        <a:spcBef>
-                          <a:spcPts val="0"/>
-                        </a:spcBef>
-                        <a:spcAft>
-                          <a:spcPts val="0"/>
-                        </a:spcAft>
-                        <a:buClrTx/>
-                        <a:buSzTx/>
-                        <a:buFontTx/>
-                        <a:buNone/>
-                        <a:tabLst/>
-                        <a:defRPr/>
-                      </a:pPr>
-                      <a:r>
-                        <a:rPr lang="en-US" sz="2000" dirty="0" smtClean="0"/>
-                        <a:t>=F</a:t>
-                      </a:r>
-                    </a:p>
-                    <a:p>
-                      <a:endParaRPr lang="en-US" sz="2000" dirty="0"/>
-                    </a:p>
-                  </a:txBody>
-                  <a:tcPr/>
-                </a:tc>
-              </a:tr>
-              <a:tr h="370840">
-                <a:tc>
-                  <a:txBody>
-                    <a:bodyPr/>
-                    <a:lstStyle/>
-                    <a:p>
-                      <a:r>
-                        <a:rPr lang="en-US" sz="2000" dirty="0" smtClean="0"/>
-                        <a:t>user1</a:t>
-                      </a:r>
-                      <a:endParaRPr lang="en-US" sz="2000" dirty="0"/>
-                    </a:p>
-                  </a:txBody>
-                  <a:tcPr/>
-                </a:tc>
-                <a:tc>
-                  <a:txBody>
-                    <a:bodyPr/>
-                    <a:lstStyle/>
-                    <a:p>
-                      <a:r>
-                        <a:rPr lang="en-US" sz="2000" dirty="0" smtClean="0"/>
-                        <a:t>1</a:t>
-                      </a:r>
-                      <a:endParaRPr lang="en-US" sz="2000" dirty="0"/>
-                    </a:p>
-                  </a:txBody>
-                  <a:tcPr/>
-                </a:tc>
-                <a:tc>
-                  <a:txBody>
-                    <a:bodyPr/>
-                    <a:lstStyle/>
-                    <a:p>
-                      <a:r>
-                        <a:rPr lang="en-US" sz="2000" dirty="0" smtClean="0"/>
-                        <a:t>0.1</a:t>
-                      </a:r>
-                      <a:endParaRPr lang="en-US" sz="2000" dirty="0"/>
-                    </a:p>
-                  </a:txBody>
-                  <a:tcPr/>
-                </a:tc>
-                <a:tc>
-                  <a:txBody>
-                    <a:bodyPr/>
-                    <a:lstStyle/>
-                    <a:p>
-                      <a:r>
-                        <a:rPr lang="en-US" sz="2000" dirty="0" smtClean="0"/>
-                        <a:t>0.9</a:t>
-                      </a:r>
-                      <a:endParaRPr lang="en-US" sz="2000" dirty="0"/>
-                    </a:p>
-                  </a:txBody>
-                  <a:tcPr/>
-                </a:tc>
-              </a:tr>
-            </a:tbl>
-          </a:graphicData>
-        </a:graphic>
-      </p:graphicFrame>
-      <p:graphicFrame>
-        <p:nvGraphicFramePr>
-          <p:cNvPr id="7" name="Content Placeholder 4"/>
-          <p:cNvGraphicFramePr>
-            <a:graphicFrameLocks/>
-          </p:cNvGraphicFramePr>
-          <p:nvPr>
-            <p:extLst>
-              <p:ext uri="{D42A27DB-BD31-4B8C-83A1-F6EECF244321}">
-                <p14:modId xmlns:p14="http://schemas.microsoft.com/office/powerpoint/2010/main" val="4122079945"/>
-              </p:ext>
-            </p:extLst>
-          </p:nvPr>
-        </p:nvGraphicFramePr>
-        <p:xfrm>
-          <a:off x="264755" y="4056956"/>
-          <a:ext cx="8289762" cy="1402080"/>
-        </p:xfrm>
-        <a:graphic>
-          <a:graphicData uri="http://schemas.openxmlformats.org/drawingml/2006/table">
-            <a:tbl>
-              <a:tblPr firstRow="1" bandRow="1">
-                <a:tableStyleId>{5C22544A-7EE6-4342-B048-85BDC9FD1C3A}</a:tableStyleId>
-              </a:tblPr>
-              <a:tblGrid>
-                <a:gridCol w="1769310"/>
-                <a:gridCol w="1769310"/>
-                <a:gridCol w="2457002"/>
-                <a:gridCol w="2294140"/>
-              </a:tblGrid>
-              <a:tr h="370840">
-                <a:tc>
-                  <a:txBody>
-                    <a:bodyPr/>
-                    <a:lstStyle/>
-                    <a:p>
-                      <a:r>
-                        <a:rPr lang="en-US" sz="2000" dirty="0" smtClean="0"/>
-                        <a:t>gender(U) =M</a:t>
-                      </a:r>
-                      <a:endParaRPr lang="en-US" sz="2000" dirty="0"/>
-                    </a:p>
-                  </a:txBody>
-                  <a:tcPr/>
-                </a:tc>
-                <a:tc>
-                  <a:txBody>
-                    <a:bodyPr/>
-                    <a:lstStyle/>
-                    <a:p>
-                      <a:r>
-                        <a:rPr lang="en-US" sz="2000" dirty="0" smtClean="0"/>
-                        <a:t>gender(U)=W</a:t>
-                      </a:r>
-                      <a:endParaRPr lang="en-US" sz="2000" dirty="0"/>
-                    </a:p>
-                  </a:txBody>
-                  <a:tcPr/>
-                </a:tc>
-                <a:tc>
-                  <a:txBody>
-                    <a:bodyPr/>
-                    <a:lstStyle/>
-                    <a:p>
-                      <a:pPr marL="0" marR="0" indent="0" algn="l" defTabSz="914400" rtl="0" eaLnBrk="1" fontAlgn="auto" latinLnBrk="0" hangingPunct="1">
-                        <a:lnSpc>
-                          <a:spcPct val="100000"/>
-                        </a:lnSpc>
-                        <a:spcBef>
-                          <a:spcPts val="0"/>
-                        </a:spcBef>
-                        <a:spcAft>
-                          <a:spcPts val="0"/>
-                        </a:spcAft>
-                        <a:buClrTx/>
-                        <a:buSzTx/>
-                        <a:buFontTx/>
-                        <a:buNone/>
-                        <a:tabLst/>
-                        <a:defRPr/>
-                      </a:pPr>
-                      <a:r>
-                        <a:rPr lang="en-US" sz="2000" dirty="0" err="1" smtClean="0"/>
-                        <a:t>HasRated</a:t>
-                      </a:r>
-                      <a:r>
-                        <a:rPr lang="en-US" sz="2000" dirty="0" smtClean="0"/>
-                        <a:t>(U,AM)</a:t>
-                      </a:r>
-                    </a:p>
-                    <a:p>
-                      <a:pPr marL="0" marR="0" indent="0" algn="l" defTabSz="914400" rtl="0" eaLnBrk="1" fontAlgn="auto" latinLnBrk="0" hangingPunct="1">
-                        <a:lnSpc>
-                          <a:spcPct val="100000"/>
-                        </a:lnSpc>
-                        <a:spcBef>
-                          <a:spcPts val="0"/>
-                        </a:spcBef>
-                        <a:spcAft>
-                          <a:spcPts val="0"/>
-                        </a:spcAft>
-                        <a:buClrTx/>
-                        <a:buSzTx/>
-                        <a:buFontTx/>
-                        <a:buNone/>
-                        <a:tabLst/>
-                        <a:defRPr/>
-                      </a:pPr>
-                      <a:r>
-                        <a:rPr lang="en-US" sz="2000" dirty="0" smtClean="0"/>
-                        <a:t>=T</a:t>
-                      </a:r>
-                    </a:p>
-                    <a:p>
-                      <a:endParaRPr lang="en-US" sz="2000" dirty="0"/>
-                    </a:p>
-                  </a:txBody>
-                  <a:tcPr/>
-                </a:tc>
-                <a:tc>
-                  <a:txBody>
-                    <a:bodyPr/>
-                    <a:lstStyle/>
-                    <a:p>
-                      <a:pPr marL="0" marR="0" indent="0" algn="l" defTabSz="914400" rtl="0" eaLnBrk="1" fontAlgn="auto" latinLnBrk="0" hangingPunct="1">
-                        <a:lnSpc>
-                          <a:spcPct val="100000"/>
-                        </a:lnSpc>
-                        <a:spcBef>
-                          <a:spcPts val="0"/>
-                        </a:spcBef>
-                        <a:spcAft>
-                          <a:spcPts val="0"/>
-                        </a:spcAft>
-                        <a:buClrTx/>
-                        <a:buSzTx/>
-                        <a:buFontTx/>
-                        <a:buNone/>
-                        <a:tabLst/>
-                        <a:defRPr/>
-                      </a:pPr>
-                      <a:r>
-                        <a:rPr lang="en-US" sz="2000" dirty="0" err="1" smtClean="0"/>
-                        <a:t>HasRated</a:t>
-                      </a:r>
-                      <a:r>
-                        <a:rPr lang="en-US" sz="2000" dirty="0" smtClean="0"/>
-                        <a:t>(U,AM)</a:t>
-                      </a:r>
-                    </a:p>
-                    <a:p>
-                      <a:pPr marL="0" marR="0" indent="0" algn="l" defTabSz="914400" rtl="0" eaLnBrk="1" fontAlgn="auto" latinLnBrk="0" hangingPunct="1">
-                        <a:lnSpc>
-                          <a:spcPct val="100000"/>
-                        </a:lnSpc>
-                        <a:spcBef>
-                          <a:spcPts val="0"/>
-                        </a:spcBef>
-                        <a:spcAft>
-                          <a:spcPts val="0"/>
-                        </a:spcAft>
-                        <a:buClrTx/>
-                        <a:buSzTx/>
-                        <a:buFontTx/>
-                        <a:buNone/>
-                        <a:tabLst/>
-                        <a:defRPr/>
-                      </a:pPr>
-                      <a:r>
-                        <a:rPr lang="en-US" sz="2000" dirty="0" smtClean="0"/>
-                        <a:t>=F</a:t>
-                      </a:r>
-                    </a:p>
-                    <a:p>
-                      <a:endParaRPr lang="en-US" sz="2000" dirty="0"/>
-                    </a:p>
-                  </a:txBody>
-                  <a:tcPr/>
-                </a:tc>
-              </a:tr>
-              <a:tr h="370840">
-                <a:tc>
-                  <a:txBody>
-                    <a:bodyPr/>
-                    <a:lstStyle/>
-                    <a:p>
-                      <a:r>
-                        <a:rPr lang="en-US" sz="2000" dirty="0" smtClean="0"/>
-                        <a:t>0.5</a:t>
-                      </a:r>
-                      <a:endParaRPr lang="en-US" sz="2000" dirty="0"/>
-                    </a:p>
-                  </a:txBody>
-                  <a:tcPr/>
-                </a:tc>
-                <a:tc>
-                  <a:txBody>
-                    <a:bodyPr/>
-                    <a:lstStyle/>
-                    <a:p>
-                      <a:r>
-                        <a:rPr lang="en-US" sz="2000" dirty="0" smtClean="0"/>
-                        <a:t>0.5</a:t>
-                      </a:r>
-                      <a:endParaRPr lang="en-US" sz="2000" dirty="0"/>
-                    </a:p>
-                  </a:txBody>
-                  <a:tcPr/>
-                </a:tc>
-                <a:tc>
-                  <a:txBody>
-                    <a:bodyPr/>
-                    <a:lstStyle/>
-                    <a:p>
-                      <a:r>
-                        <a:rPr lang="en-US" sz="2000" dirty="0" smtClean="0"/>
-                        <a:t>0.09</a:t>
-                      </a:r>
-                      <a:endParaRPr lang="en-US" sz="2000" dirty="0"/>
-                    </a:p>
-                  </a:txBody>
-                  <a:tcPr/>
-                </a:tc>
-                <a:tc>
-                  <a:txBody>
-                    <a:bodyPr/>
-                    <a:lstStyle/>
-                    <a:p>
-                      <a:r>
-                        <a:rPr lang="en-US" sz="2000" dirty="0" smtClean="0"/>
-                        <a:t>0.91</a:t>
-                      </a:r>
-                      <a:endParaRPr lang="en-US" sz="2000" dirty="0"/>
-                    </a:p>
-                  </a:txBody>
-                  <a:tcPr/>
-                </a:tc>
-              </a:tr>
-            </a:tbl>
-          </a:graphicData>
-        </a:graphic>
-      </p:graphicFrame>
-      <p:sp>
-        <p:nvSpPr>
-          <p:cNvPr id="8" name="TextBox 7"/>
-          <p:cNvSpPr txBox="1"/>
-          <p:nvPr/>
-        </p:nvSpPr>
-        <p:spPr>
-          <a:xfrm>
-            <a:off x="264755" y="1445249"/>
-            <a:ext cx="4401291" cy="461665"/>
-          </a:xfrm>
-          <a:prstGeom prst="rect">
-            <a:avLst/>
-          </a:prstGeom>
-          <a:noFill/>
-        </p:spPr>
-        <p:txBody>
-          <a:bodyPr wrap="square" rtlCol="0">
-            <a:spAutoFit/>
-          </a:bodyPr>
-          <a:lstStyle/>
-          <a:p>
-            <a:r>
-              <a:rPr lang="en-US" sz="2400" dirty="0" smtClean="0">
-                <a:latin typeface="+mn-lt"/>
-              </a:rPr>
-              <a:t>feature frequencies for user 1</a:t>
-            </a:r>
-            <a:endParaRPr lang="en-US" sz="2400" dirty="0">
-              <a:latin typeface="+mn-lt"/>
-            </a:endParaRPr>
-          </a:p>
-        </p:txBody>
-      </p:sp>
-      <p:sp>
-        <p:nvSpPr>
-          <p:cNvPr id="9" name="TextBox 8"/>
-          <p:cNvSpPr txBox="1"/>
-          <p:nvPr/>
-        </p:nvSpPr>
-        <p:spPr>
-          <a:xfrm>
-            <a:off x="264755" y="3532297"/>
-            <a:ext cx="7355533" cy="461665"/>
-          </a:xfrm>
-          <a:prstGeom prst="rect">
-            <a:avLst/>
-          </a:prstGeom>
-          <a:noFill/>
-        </p:spPr>
-        <p:txBody>
-          <a:bodyPr wrap="square" rtlCol="0">
-            <a:spAutoFit/>
-          </a:bodyPr>
-          <a:lstStyle/>
-          <a:p>
-            <a:r>
-              <a:rPr lang="en-US" sz="2400" dirty="0" smtClean="0">
-                <a:latin typeface="+mn-lt"/>
-              </a:rPr>
-              <a:t>feature frequencies for a randomly selected user</a:t>
-            </a:r>
-            <a:endParaRPr lang="en-US" sz="2400" dirty="0">
-              <a:latin typeface="+mn-lt"/>
-            </a:endParaRPr>
-          </a:p>
-        </p:txBody>
-      </p:sp>
-      <p:sp>
-        <p:nvSpPr>
-          <p:cNvPr id="10" name="TextBox 9"/>
-          <p:cNvSpPr txBox="1"/>
-          <p:nvPr/>
-        </p:nvSpPr>
-        <p:spPr>
-          <a:xfrm>
-            <a:off x="264755" y="5710535"/>
-            <a:ext cx="7562606" cy="461665"/>
-          </a:xfrm>
-          <a:prstGeom prst="rect">
-            <a:avLst/>
-          </a:prstGeom>
-          <a:noFill/>
-        </p:spPr>
-        <p:txBody>
-          <a:bodyPr wrap="square" rtlCol="0">
-            <a:spAutoFit/>
-          </a:bodyPr>
-          <a:lstStyle/>
-          <a:p>
-            <a:r>
-              <a:rPr lang="en-US" sz="2400" dirty="0" smtClean="0">
-                <a:latin typeface="+mn-lt"/>
-              </a:rPr>
-              <a:t>Outlier Metric for user1: how different are these two vectors?</a:t>
-            </a:r>
-          </a:p>
-        </p:txBody>
-      </p:sp>
-    </p:spTree>
-    <p:extLst>
-      <p:ext uri="{BB962C8B-B14F-4D97-AF65-F5344CB8AC3E}">
-        <p14:creationId xmlns:p14="http://schemas.microsoft.com/office/powerpoint/2010/main" val="2262598300"/>
-      </p:ext>
-    </p:extLst>
-  </p:cSld>
-  <p:clrMapOvr>
-    <a:masterClrMapping/>
-  </p:clrMapOvr>
-  <mc:AlternateContent xmlns:mc="http://schemas.openxmlformats.org/markup-compatibility/2006">
-    <mc:Choice xmlns:p14="http://schemas.microsoft.com/office/powerpoint/2010/main" Requires="p14">
-      <p:transition spd="slow" p14:dur="2000"/>
-    </mc:Choice>
-    <mc:Fallback>
-      <p:transition xmlns:p14="http://schemas.microsoft.com/office/powerpoint/2010/main" spd="slow"/>
-    </mc:Fallback>
-  </mc:AlternateContent>
-</p:sld>
-</file>
-
-<file path=ppt/slides/slide22.xml><?xml version="1.0" encoding="utf-8"?>
-<p:sld xmlns:a="http://schemas.openxmlformats.org/drawingml/2006/main" xmlns:r="http://schemas.openxmlformats.org/officeDocument/2006/relationships" xmlns:p="http://schemas.openxmlformats.org/presentationml/2006/main" show="0">
-  <p:cSld>
-    <p:spTree>
-      <p:nvGrpSpPr>
-        <p:cNvPr id="1" name=""/>
-        <p:cNvGrpSpPr/>
-        <p:nvPr/>
-      </p:nvGrpSpPr>
-      <p:grpSpPr>
-        <a:xfrm>
-          <a:off x="0" y="0"/>
-          <a:ext cx="0" cy="0"/>
-          <a:chOff x="0" y="0"/>
-          <a:chExt cx="0" cy="0"/>
-        </a:xfrm>
-      </p:grpSpPr>
-      <p:sp>
-        <p:nvSpPr>
-          <p:cNvPr id="5" name="Title 4"/>
-          <p:cNvSpPr>
-            <a:spLocks noGrp="1"/>
-          </p:cNvSpPr>
-          <p:nvPr>
-            <p:ph type="title"/>
-          </p:nvPr>
-        </p:nvSpPr>
-        <p:spPr>
-          <a:xfrm>
-            <a:off x="358584" y="80405"/>
-            <a:ext cx="9067800" cy="1143000"/>
-          </a:xfrm>
-        </p:spPr>
-        <p:txBody>
-          <a:bodyPr>
-            <a:normAutofit/>
-          </a:bodyPr>
-          <a:lstStyle/>
-          <a:p>
-            <a:r>
-              <a:rPr lang="en-US" sz="2800" dirty="0" smtClean="0"/>
-              <a:t>Model-Based Outlier Detection for I.I.D. data</a:t>
-            </a:r>
-            <a:endParaRPr lang="en-US" sz="2800" dirty="0"/>
-          </a:p>
-        </p:txBody>
-      </p:sp>
-      <p:graphicFrame>
-        <p:nvGraphicFramePr>
-          <p:cNvPr id="7" name="Content Placeholder 6"/>
-          <p:cNvGraphicFramePr>
-            <a:graphicFrameLocks noGrp="1"/>
-          </p:cNvGraphicFramePr>
-          <p:nvPr>
-            <p:ph sz="quarter" idx="1"/>
-            <p:extLst>
-              <p:ext uri="{D42A27DB-BD31-4B8C-83A1-F6EECF244321}">
-                <p14:modId xmlns:p14="http://schemas.microsoft.com/office/powerpoint/2010/main" val="3524136647"/>
-              </p:ext>
-            </p:extLst>
-          </p:nvPr>
-        </p:nvGraphicFramePr>
-        <p:xfrm>
-          <a:off x="5544986" y="3876435"/>
-          <a:ext cx="3013354" cy="741680"/>
-        </p:xfrm>
-        <a:graphic>
-          <a:graphicData uri="http://schemas.openxmlformats.org/drawingml/2006/table">
-            <a:tbl>
-              <a:tblPr firstRow="1" bandRow="1">
-                <a:tableStyleId>{5C22544A-7EE6-4342-B048-85BDC9FD1C3A}</a:tableStyleId>
-              </a:tblPr>
-              <a:tblGrid>
-                <a:gridCol w="646331"/>
-                <a:gridCol w="597441"/>
-                <a:gridCol w="597441"/>
-                <a:gridCol w="1172141"/>
-              </a:tblGrid>
-              <a:tr h="370840">
-                <a:tc>
-                  <a:txBody>
-                    <a:bodyPr/>
-                    <a:lstStyle/>
-                    <a:p>
-                      <a:r>
-                        <a:rPr lang="en-US" dirty="0" smtClean="0"/>
-                        <a:t>ID</a:t>
-                      </a:r>
-                      <a:endParaRPr lang="en-US" dirty="0"/>
-                    </a:p>
-                  </a:txBody>
-                  <a:tcPr/>
-                </a:tc>
-                <a:tc>
-                  <a:txBody>
-                    <a:bodyPr/>
-                    <a:lstStyle/>
-                    <a:p>
-                      <a:r>
-                        <a:rPr lang="en-US" dirty="0" smtClean="0"/>
-                        <a:t>Att1</a:t>
-                      </a:r>
-                      <a:endParaRPr lang="en-US" dirty="0"/>
-                    </a:p>
-                  </a:txBody>
-                  <a:tcPr/>
-                </a:tc>
-                <a:tc>
-                  <a:txBody>
-                    <a:bodyPr/>
-                    <a:lstStyle/>
-                    <a:p>
-                      <a:r>
-                        <a:rPr lang="en-US" dirty="0" smtClean="0"/>
-                        <a:t>Att2</a:t>
-                      </a:r>
-                      <a:endParaRPr lang="en-US" dirty="0"/>
-                    </a:p>
-                  </a:txBody>
-                  <a:tcPr/>
-                </a:tc>
-                <a:tc>
-                  <a:txBody>
-                    <a:bodyPr/>
-                    <a:lstStyle/>
-                    <a:p>
-                      <a:r>
-                        <a:rPr lang="en-US" dirty="0" smtClean="0"/>
-                        <a:t>Att3</a:t>
-                      </a:r>
-                      <a:endParaRPr lang="en-US" dirty="0"/>
-                    </a:p>
-                  </a:txBody>
-                  <a:tcPr/>
-                </a:tc>
-              </a:tr>
-              <a:tr h="370840">
-                <a:tc>
-                  <a:txBody>
-                    <a:bodyPr/>
-                    <a:lstStyle/>
-                    <a:p>
-                      <a:r>
-                        <a:rPr lang="en-US" dirty="0" smtClean="0"/>
-                        <a:t>1000</a:t>
-                      </a:r>
-                      <a:endParaRPr lang="en-US" dirty="0"/>
-                    </a:p>
-                  </a:txBody>
-                  <a:tcPr/>
-                </a:tc>
-                <a:tc>
-                  <a:txBody>
-                    <a:bodyPr/>
-                    <a:lstStyle/>
-                    <a:p>
-                      <a:r>
-                        <a:rPr lang="en-US" dirty="0" smtClean="0"/>
-                        <a:t>M</a:t>
-                      </a:r>
-                      <a:endParaRPr lang="en-US" dirty="0"/>
-                    </a:p>
-                  </a:txBody>
-                  <a:tcPr/>
-                </a:tc>
-                <a:tc>
-                  <a:txBody>
-                    <a:bodyPr/>
-                    <a:lstStyle/>
-                    <a:p>
-                      <a:r>
-                        <a:rPr lang="en-US" dirty="0" smtClean="0"/>
-                        <a:t>rich</a:t>
-                      </a:r>
-                      <a:endParaRPr lang="en-US" dirty="0"/>
-                    </a:p>
-                  </a:txBody>
-                  <a:tcPr/>
-                </a:tc>
-                <a:tc>
-                  <a:txBody>
-                    <a:bodyPr/>
-                    <a:lstStyle/>
-                    <a:p>
-                      <a:r>
-                        <a:rPr lang="en-US" dirty="0" smtClean="0"/>
-                        <a:t>8</a:t>
-                      </a:r>
-                      <a:endParaRPr lang="en-US" dirty="0"/>
-                    </a:p>
-                  </a:txBody>
-                  <a:tcPr/>
-                </a:tc>
-              </a:tr>
-            </a:tbl>
-          </a:graphicData>
-        </a:graphic>
-      </p:graphicFrame>
-      <p:sp>
-        <p:nvSpPr>
-          <p:cNvPr id="4" name="Footer Placeholder 3"/>
-          <p:cNvSpPr>
-            <a:spLocks noGrp="1"/>
-          </p:cNvSpPr>
-          <p:nvPr>
-            <p:ph type="ftr" sz="quarter" idx="11"/>
-          </p:nvPr>
-        </p:nvSpPr>
-        <p:spPr>
-          <a:xfrm>
-            <a:off x="355611" y="6172200"/>
-            <a:ext cx="7282395" cy="457200"/>
-          </a:xfrm>
-        </p:spPr>
-        <p:txBody>
-          <a:bodyPr/>
-          <a:lstStyle/>
-          <a:p>
-            <a:r>
-              <a:rPr lang="en-US" dirty="0" err="1"/>
-              <a:t>Cansado</a:t>
-            </a:r>
-            <a:r>
-              <a:rPr lang="en-US" dirty="0"/>
-              <a:t>, A. &amp; Soto, A. (2008), 'Unsupervised anomaly detection in large databases using Bayesian networks', </a:t>
-            </a:r>
-            <a:r>
-              <a:rPr lang="en-US" i="1" dirty="0"/>
-              <a:t>Applied </a:t>
-            </a:r>
-            <a:r>
-              <a:rPr lang="en-US" i="1" dirty="0" err="1"/>
-              <a:t>Artifical</a:t>
-            </a:r>
-            <a:r>
-              <a:rPr lang="en-US" i="1" dirty="0"/>
-              <a:t> Intelligence </a:t>
-            </a:r>
-            <a:r>
-              <a:rPr lang="en-US" b="1" i="1" dirty="0"/>
-              <a:t>22(4), 309--330.</a:t>
-            </a:r>
-          </a:p>
-          <a:p>
-            <a:endParaRPr lang="en-US" dirty="0"/>
-          </a:p>
-        </p:txBody>
-      </p:sp>
-      <p:sp>
-        <p:nvSpPr>
-          <p:cNvPr id="8" name="Down Arrow 7"/>
-          <p:cNvSpPr/>
-          <p:nvPr/>
-        </p:nvSpPr>
-        <p:spPr>
-          <a:xfrm>
-            <a:off x="2483156" y="3338620"/>
-            <a:ext cx="248171" cy="581678"/>
-          </a:xfrm>
-          <a:prstGeom prst="downArrow">
-            <a:avLst/>
-          </a:prstGeom>
-          <a:solidFill>
-            <a:srgbClr val="3366FF"/>
-          </a:solidFill>
-          <a:ln>
-            <a:solidFill>
-              <a:srgbClr val="0000FF"/>
-            </a:solidFill>
-          </a:ln>
-        </p:spPr>
-        <p:style>
-          <a:lnRef idx="1">
-            <a:schemeClr val="accent1"/>
-          </a:lnRef>
-          <a:fillRef idx="3">
-            <a:schemeClr val="accent1"/>
-          </a:fillRef>
-          <a:effectRef idx="2">
-            <a:schemeClr val="accent1"/>
-          </a:effectRef>
-          <a:fontRef idx="minor">
-            <a:schemeClr val="lt1"/>
-          </a:fontRef>
-        </p:style>
-        <p:txBody>
-          <a:bodyPr rtlCol="0" anchor="ctr"/>
-          <a:lstStyle/>
-          <a:p>
-            <a:pPr algn="ctr"/>
-            <a:endParaRPr lang="en-US"/>
-          </a:p>
-        </p:txBody>
-      </p:sp>
-      <p:sp>
-        <p:nvSpPr>
-          <p:cNvPr id="10" name="TextBox 9"/>
-          <p:cNvSpPr txBox="1"/>
-          <p:nvPr/>
-        </p:nvSpPr>
-        <p:spPr>
-          <a:xfrm>
-            <a:off x="701969" y="4117414"/>
-            <a:ext cx="1582031" cy="400110"/>
-          </a:xfrm>
-          <a:prstGeom prst="rect">
-            <a:avLst/>
-          </a:prstGeom>
-          <a:noFill/>
-          <a:ln>
-            <a:solidFill>
-              <a:schemeClr val="tx1"/>
-            </a:solidFill>
-          </a:ln>
-        </p:spPr>
-        <p:txBody>
-          <a:bodyPr wrap="square" rtlCol="0">
-            <a:spAutoFit/>
-          </a:bodyPr>
-          <a:lstStyle/>
-          <a:p>
-            <a:r>
-              <a:rPr lang="en-US" sz="2000" dirty="0" smtClean="0">
-                <a:latin typeface="+mn-lt"/>
-              </a:rPr>
-              <a:t>Attribute1</a:t>
-            </a:r>
-            <a:endParaRPr lang="en-US" sz="2000" dirty="0">
-              <a:latin typeface="+mn-lt"/>
-            </a:endParaRPr>
-          </a:p>
-        </p:txBody>
-      </p:sp>
-      <p:sp>
-        <p:nvSpPr>
-          <p:cNvPr id="11" name="TextBox 10"/>
-          <p:cNvSpPr txBox="1"/>
-          <p:nvPr/>
-        </p:nvSpPr>
-        <p:spPr>
-          <a:xfrm>
-            <a:off x="1915879" y="5013763"/>
-            <a:ext cx="1556060" cy="400110"/>
-          </a:xfrm>
-          <a:prstGeom prst="rect">
-            <a:avLst/>
-          </a:prstGeom>
-          <a:noFill/>
-          <a:ln>
-            <a:solidFill>
-              <a:schemeClr val="tx1"/>
-            </a:solidFill>
-          </a:ln>
-        </p:spPr>
-        <p:txBody>
-          <a:bodyPr wrap="square" rtlCol="0">
-            <a:spAutoFit/>
-          </a:bodyPr>
-          <a:lstStyle/>
-          <a:p>
-            <a:r>
-              <a:rPr lang="en-US" sz="2000" dirty="0" smtClean="0">
-                <a:latin typeface="+mn-lt"/>
-              </a:rPr>
-              <a:t>Attribute3</a:t>
-            </a:r>
-            <a:endParaRPr lang="en-US" sz="2000" dirty="0">
-              <a:latin typeface="+mn-lt"/>
-            </a:endParaRPr>
-          </a:p>
-        </p:txBody>
-      </p:sp>
-      <p:sp>
-        <p:nvSpPr>
-          <p:cNvPr id="12" name="TextBox 11"/>
-          <p:cNvSpPr txBox="1"/>
-          <p:nvPr/>
-        </p:nvSpPr>
-        <p:spPr>
-          <a:xfrm>
-            <a:off x="3169568" y="4117414"/>
-            <a:ext cx="1485493" cy="400110"/>
-          </a:xfrm>
-          <a:prstGeom prst="rect">
-            <a:avLst/>
-          </a:prstGeom>
-          <a:noFill/>
-          <a:ln>
-            <a:solidFill>
-              <a:schemeClr val="tx1"/>
-            </a:solidFill>
-          </a:ln>
-        </p:spPr>
-        <p:txBody>
-          <a:bodyPr wrap="square" rtlCol="0">
-            <a:spAutoFit/>
-          </a:bodyPr>
-          <a:lstStyle/>
-          <a:p>
-            <a:r>
-              <a:rPr lang="en-US" sz="2000" dirty="0" smtClean="0">
-                <a:latin typeface="+mn-lt"/>
-              </a:rPr>
-              <a:t>Attribute2</a:t>
-            </a:r>
-            <a:endParaRPr lang="en-US" sz="2000" dirty="0">
-              <a:latin typeface="+mn-lt"/>
-            </a:endParaRPr>
-          </a:p>
-        </p:txBody>
-      </p:sp>
-      <p:cxnSp>
-        <p:nvCxnSpPr>
-          <p:cNvPr id="13" name="Straight Arrow Connector 12"/>
-          <p:cNvCxnSpPr/>
-          <p:nvPr/>
-        </p:nvCxnSpPr>
-        <p:spPr>
-          <a:xfrm>
-            <a:off x="1165862" y="4486746"/>
-            <a:ext cx="1242937" cy="527017"/>
-          </a:xfrm>
-          <a:prstGeom prst="straightConnector1">
-            <a:avLst/>
-          </a:prstGeom>
-          <a:ln>
-            <a:tailEnd type="arrow"/>
-          </a:ln>
-        </p:spPr>
-        <p:style>
-          <a:lnRef idx="2">
-            <a:schemeClr val="accent1"/>
-          </a:lnRef>
-          <a:fillRef idx="0">
-            <a:schemeClr val="accent1"/>
-          </a:fillRef>
-          <a:effectRef idx="1">
-            <a:schemeClr val="accent1"/>
-          </a:effectRef>
-          <a:fontRef idx="minor">
-            <a:schemeClr val="tx1"/>
-          </a:fontRef>
-        </p:style>
-      </p:cxnSp>
-      <p:cxnSp>
-        <p:nvCxnSpPr>
-          <p:cNvPr id="14" name="Straight Arrow Connector 13"/>
-          <p:cNvCxnSpPr>
-            <a:stCxn id="12" idx="2"/>
-            <a:endCxn id="11" idx="0"/>
-          </p:cNvCxnSpPr>
-          <p:nvPr/>
-        </p:nvCxnSpPr>
-        <p:spPr>
-          <a:xfrm flipH="1">
-            <a:off x="2693909" y="4517524"/>
-            <a:ext cx="1218406" cy="496239"/>
-          </a:xfrm>
-          <a:prstGeom prst="straightConnector1">
-            <a:avLst/>
-          </a:prstGeom>
-          <a:ln>
-            <a:tailEnd type="arrow"/>
-          </a:ln>
-        </p:spPr>
-        <p:style>
-          <a:lnRef idx="2">
-            <a:schemeClr val="accent1"/>
-          </a:lnRef>
-          <a:fillRef idx="0">
-            <a:schemeClr val="accent1"/>
-          </a:fillRef>
-          <a:effectRef idx="1">
-            <a:schemeClr val="accent1"/>
-          </a:effectRef>
-          <a:fontRef idx="minor">
-            <a:schemeClr val="tx1"/>
-          </a:fontRef>
-        </p:style>
-      </p:cxnSp>
-      <p:sp>
-        <p:nvSpPr>
-          <p:cNvPr id="22" name="TextBox 21"/>
-          <p:cNvSpPr txBox="1"/>
-          <p:nvPr/>
-        </p:nvSpPr>
-        <p:spPr>
-          <a:xfrm>
-            <a:off x="2922855" y="3507103"/>
-            <a:ext cx="1732206" cy="400110"/>
-          </a:xfrm>
-          <a:prstGeom prst="rect">
-            <a:avLst/>
-          </a:prstGeom>
-          <a:noFill/>
-        </p:spPr>
-        <p:txBody>
-          <a:bodyPr wrap="square" rtlCol="0">
-            <a:spAutoFit/>
-          </a:bodyPr>
-          <a:lstStyle/>
-          <a:p>
-            <a:r>
-              <a:rPr lang="en-US" sz="2000" dirty="0" smtClean="0">
-                <a:latin typeface="+mn-lt"/>
-              </a:rPr>
-              <a:t>Learning</a:t>
-            </a:r>
-            <a:endParaRPr lang="en-US" sz="2000" dirty="0">
-              <a:latin typeface="+mn-lt"/>
-            </a:endParaRPr>
-          </a:p>
-        </p:txBody>
-      </p:sp>
-      <p:graphicFrame>
-        <p:nvGraphicFramePr>
-          <p:cNvPr id="24" name="Content Placeholder 6"/>
-          <p:cNvGraphicFramePr>
-            <a:graphicFrameLocks noGrp="1"/>
-          </p:cNvGraphicFramePr>
-          <p:nvPr>
-            <p:ph sz="quarter" idx="1"/>
-            <p:extLst>
-              <p:ext uri="{D42A27DB-BD31-4B8C-83A1-F6EECF244321}">
-                <p14:modId xmlns:p14="http://schemas.microsoft.com/office/powerpoint/2010/main" val="2694164429"/>
-              </p:ext>
-            </p:extLst>
-          </p:nvPr>
-        </p:nvGraphicFramePr>
-        <p:xfrm>
-          <a:off x="355611" y="2116148"/>
-          <a:ext cx="4451492" cy="1112520"/>
-        </p:xfrm>
-        <a:graphic>
-          <a:graphicData uri="http://schemas.openxmlformats.org/drawingml/2006/table">
-            <a:tbl>
-              <a:tblPr firstRow="1" bandRow="1">
-                <a:tableStyleId>{5C22544A-7EE6-4342-B048-85BDC9FD1C3A}</a:tableStyleId>
-              </a:tblPr>
-              <a:tblGrid>
-                <a:gridCol w="430790"/>
-                <a:gridCol w="1200083"/>
-                <a:gridCol w="1200083"/>
-                <a:gridCol w="1620536"/>
-              </a:tblGrid>
-              <a:tr h="370840">
-                <a:tc>
-                  <a:txBody>
-                    <a:bodyPr/>
-                    <a:lstStyle/>
-                    <a:p>
-                      <a:r>
-                        <a:rPr lang="en-US" dirty="0" smtClean="0"/>
-                        <a:t>ID</a:t>
-                      </a:r>
-                      <a:endParaRPr lang="en-US" dirty="0"/>
-                    </a:p>
-                  </a:txBody>
-                  <a:tcPr/>
-                </a:tc>
-                <a:tc>
-                  <a:txBody>
-                    <a:bodyPr/>
-                    <a:lstStyle/>
-                    <a:p>
-                      <a:r>
-                        <a:rPr lang="en-US" dirty="0" smtClean="0"/>
-                        <a:t>Attribute1</a:t>
-                      </a:r>
-                      <a:endParaRPr lang="en-US" dirty="0"/>
-                    </a:p>
-                  </a:txBody>
-                  <a:tcPr/>
-                </a:tc>
-                <a:tc>
-                  <a:txBody>
-                    <a:bodyPr/>
-                    <a:lstStyle/>
-                    <a:p>
-                      <a:r>
-                        <a:rPr lang="en-US" dirty="0" smtClean="0"/>
-                        <a:t>Attribute2</a:t>
-                      </a:r>
-                      <a:endParaRPr lang="en-US" dirty="0"/>
-                    </a:p>
-                  </a:txBody>
-                  <a:tcPr/>
-                </a:tc>
-                <a:tc>
-                  <a:txBody>
-                    <a:bodyPr/>
-                    <a:lstStyle/>
-                    <a:p>
-                      <a:r>
-                        <a:rPr lang="en-US" dirty="0" smtClean="0"/>
-                        <a:t>Attribute3</a:t>
-                      </a:r>
-                      <a:endParaRPr lang="en-US" dirty="0"/>
-                    </a:p>
-                  </a:txBody>
-                  <a:tcPr/>
-                </a:tc>
-              </a:tr>
-              <a:tr h="370840">
-                <a:tc>
-                  <a:txBody>
-                    <a:bodyPr/>
-                    <a:lstStyle/>
-                    <a:p>
-                      <a:r>
-                        <a:rPr lang="en-US" dirty="0" smtClean="0"/>
-                        <a:t>1</a:t>
-                      </a:r>
-                      <a:endParaRPr lang="en-US" dirty="0"/>
-                    </a:p>
-                  </a:txBody>
-                  <a:tcPr/>
-                </a:tc>
-                <a:tc>
-                  <a:txBody>
-                    <a:bodyPr/>
-                    <a:lstStyle/>
-                    <a:p>
-                      <a:r>
-                        <a:rPr lang="en-US" dirty="0" smtClean="0"/>
-                        <a:t>W</a:t>
-                      </a:r>
-                      <a:endParaRPr lang="en-US" dirty="0"/>
-                    </a:p>
-                  </a:txBody>
-                  <a:tcPr/>
-                </a:tc>
-                <a:tc>
-                  <a:txBody>
-                    <a:bodyPr/>
-                    <a:lstStyle/>
-                    <a:p>
-                      <a:r>
-                        <a:rPr lang="en-US" dirty="0" smtClean="0"/>
-                        <a:t>rich</a:t>
-                      </a:r>
-                      <a:endParaRPr lang="en-US" dirty="0"/>
-                    </a:p>
-                  </a:txBody>
-                  <a:tcPr/>
-                </a:tc>
-                <a:tc>
-                  <a:txBody>
-                    <a:bodyPr/>
-                    <a:lstStyle/>
-                    <a:p>
-                      <a:r>
-                        <a:rPr lang="en-US" dirty="0" smtClean="0"/>
-                        <a:t>10</a:t>
-                      </a:r>
-                      <a:endParaRPr lang="en-US" dirty="0"/>
-                    </a:p>
-                  </a:txBody>
-                  <a:tcPr/>
-                </a:tc>
-              </a:tr>
-              <a:tr h="370840">
-                <a:tc>
-                  <a:txBody>
-                    <a:bodyPr/>
-                    <a:lstStyle/>
-                    <a:p>
-                      <a:r>
-                        <a:rPr lang="en-US" dirty="0" smtClean="0"/>
-                        <a:t>2</a:t>
-                      </a:r>
-                      <a:endParaRPr lang="en-US" dirty="0"/>
-                    </a:p>
-                  </a:txBody>
-                  <a:tcPr/>
-                </a:tc>
-                <a:tc>
-                  <a:txBody>
-                    <a:bodyPr/>
-                    <a:lstStyle/>
-                    <a:p>
-                      <a:r>
-                        <a:rPr lang="en-US" dirty="0" smtClean="0"/>
-                        <a:t>....</a:t>
-                      </a:r>
-                      <a:endParaRPr lang="en-US" dirty="0"/>
-                    </a:p>
-                  </a:txBody>
-                  <a:tcPr/>
-                </a:tc>
-                <a:tc>
-                  <a:txBody>
-                    <a:bodyPr/>
-                    <a:lstStyle/>
-                    <a:p>
-                      <a:r>
-                        <a:rPr lang="en-US" dirty="0" smtClean="0"/>
-                        <a:t>...</a:t>
-                      </a:r>
-                      <a:endParaRPr lang="en-US" dirty="0"/>
-                    </a:p>
-                  </a:txBody>
-                  <a:tcPr/>
-                </a:tc>
-                <a:tc>
-                  <a:txBody>
-                    <a:bodyPr/>
-                    <a:lstStyle/>
-                    <a:p>
-                      <a:r>
-                        <a:rPr lang="en-US" dirty="0" smtClean="0"/>
-                        <a:t>...</a:t>
-                      </a:r>
-                      <a:endParaRPr lang="en-US" dirty="0"/>
-                    </a:p>
-                  </a:txBody>
-                  <a:tcPr/>
-                </a:tc>
-              </a:tr>
-            </a:tbl>
-          </a:graphicData>
-        </a:graphic>
-      </p:graphicFrame>
-      <p:sp>
-        <p:nvSpPr>
-          <p:cNvPr id="25" name="TextBox 24"/>
-          <p:cNvSpPr txBox="1"/>
-          <p:nvPr/>
-        </p:nvSpPr>
-        <p:spPr>
-          <a:xfrm>
-            <a:off x="4112154" y="5240495"/>
-            <a:ext cx="4574646" cy="830997"/>
-          </a:xfrm>
-          <a:prstGeom prst="rect">
-            <a:avLst/>
-          </a:prstGeom>
-          <a:noFill/>
-          <a:ln>
-            <a:solidFill>
-              <a:schemeClr val="tx1"/>
-            </a:solidFill>
-          </a:ln>
-        </p:spPr>
-        <p:txBody>
-          <a:bodyPr wrap="square" rtlCol="0">
-            <a:spAutoFit/>
-          </a:bodyPr>
-          <a:lstStyle/>
-          <a:p>
-            <a:r>
-              <a:rPr lang="en-US" sz="2400" dirty="0">
-                <a:latin typeface="+mn-lt"/>
-              </a:rPr>
-              <a:t>L</a:t>
-            </a:r>
-            <a:r>
-              <a:rPr lang="en-US" sz="2400" dirty="0" smtClean="0">
-                <a:latin typeface="+mn-lt"/>
-              </a:rPr>
-              <a:t>ikelihood of potential outlier</a:t>
-            </a:r>
-          </a:p>
-          <a:p>
-            <a:r>
-              <a:rPr lang="en-US" sz="2400" dirty="0" smtClean="0">
-                <a:latin typeface="+mn-lt"/>
-              </a:rPr>
-              <a:t>low likelihood </a:t>
-            </a:r>
-            <a:r>
-              <a:rPr lang="en-US" sz="2400" dirty="0" smtClean="0">
-                <a:latin typeface="+mn-lt"/>
-                <a:ea typeface="Wingdings"/>
-                <a:cs typeface="Wingdings"/>
-                <a:sym typeface="Wingdings"/>
-              </a:rPr>
-              <a:t></a:t>
-            </a:r>
-            <a:r>
-              <a:rPr lang="en-US" sz="2400" dirty="0" smtClean="0">
-                <a:latin typeface="+mn-lt"/>
-              </a:rPr>
-              <a:t>outlier</a:t>
-            </a:r>
-            <a:endParaRPr lang="en-US" sz="2400" dirty="0">
-              <a:latin typeface="+mn-lt"/>
-            </a:endParaRPr>
-          </a:p>
-        </p:txBody>
-      </p:sp>
-      <p:cxnSp>
-        <p:nvCxnSpPr>
-          <p:cNvPr id="27" name="Straight Arrow Connector 26"/>
-          <p:cNvCxnSpPr/>
-          <p:nvPr/>
-        </p:nvCxnSpPr>
-        <p:spPr>
-          <a:xfrm>
-            <a:off x="4112154" y="4517524"/>
-            <a:ext cx="1189300" cy="722971"/>
-          </a:xfrm>
-          <a:prstGeom prst="straightConnector1">
-            <a:avLst/>
-          </a:prstGeom>
-          <a:ln>
-            <a:tailEnd type="arrow"/>
-          </a:ln>
-        </p:spPr>
-        <p:style>
-          <a:lnRef idx="2">
-            <a:schemeClr val="accent1"/>
-          </a:lnRef>
-          <a:fillRef idx="0">
-            <a:schemeClr val="accent1"/>
-          </a:fillRef>
-          <a:effectRef idx="1">
-            <a:schemeClr val="accent1"/>
-          </a:effectRef>
-          <a:fontRef idx="minor">
-            <a:schemeClr val="tx1"/>
-          </a:fontRef>
-        </p:style>
-      </p:cxnSp>
-      <p:cxnSp>
-        <p:nvCxnSpPr>
-          <p:cNvPr id="29" name="Straight Arrow Connector 28"/>
-          <p:cNvCxnSpPr/>
-          <p:nvPr/>
-        </p:nvCxnSpPr>
-        <p:spPr>
-          <a:xfrm>
-            <a:off x="6732645" y="4618115"/>
-            <a:ext cx="0" cy="622380"/>
-          </a:xfrm>
-          <a:prstGeom prst="straightConnector1">
-            <a:avLst/>
-          </a:prstGeom>
-          <a:ln>
-            <a:tailEnd type="arrow"/>
-          </a:ln>
-        </p:spPr>
-        <p:style>
-          <a:lnRef idx="2">
-            <a:schemeClr val="accent1"/>
-          </a:lnRef>
-          <a:fillRef idx="0">
-            <a:schemeClr val="accent1"/>
-          </a:fillRef>
-          <a:effectRef idx="1">
-            <a:schemeClr val="accent1"/>
-          </a:effectRef>
-          <a:fontRef idx="minor">
-            <a:schemeClr val="tx1"/>
-          </a:fontRef>
-        </p:style>
-      </p:cxnSp>
-      <p:pic>
-        <p:nvPicPr>
-          <p:cNvPr id="2" name="Picture 1" descr="andrew_ng.jpg"/>
-          <p:cNvPicPr>
-            <a:picLocks noChangeAspect="1"/>
-          </p:cNvPicPr>
-          <p:nvPr/>
-        </p:nvPicPr>
-        <p:blipFill>
-          <a:blip r:embed="rId2" cstate="print">
-            <a:extLst>
-              <a:ext uri="{28A0092B-C50C-407E-A947-70E740481C1C}">
-                <a14:useLocalDpi xmlns:a14="http://schemas.microsoft.com/office/drawing/2010/main" val="0"/>
-              </a:ext>
-            </a:extLst>
-          </a:blip>
-          <a:stretch>
-            <a:fillRect/>
-          </a:stretch>
-        </p:blipFill>
-        <p:spPr>
-          <a:xfrm>
-            <a:off x="5601729" y="1417638"/>
-            <a:ext cx="2261832" cy="1704414"/>
-          </a:xfrm>
-          <a:prstGeom prst="rect">
-            <a:avLst/>
-          </a:prstGeom>
-        </p:spPr>
-      </p:pic>
-    </p:spTree>
-    <p:extLst>
-      <p:ext uri="{BB962C8B-B14F-4D97-AF65-F5344CB8AC3E}">
-        <p14:creationId xmlns:p14="http://schemas.microsoft.com/office/powerpoint/2010/main" val="949920631"/>
-      </p:ext>
-    </p:extLst>
-  </p:cSld>
-  <p:clrMapOvr>
-    <a:masterClrMapping/>
-  </p:clrMapOvr>
-  <mc:AlternateContent xmlns:mc="http://schemas.openxmlformats.org/markup-compatibility/2006">
-    <mc:Choice xmlns:p14="http://schemas.microsoft.com/office/powerpoint/2010/main" Requires="p14">
-      <p:transition spd="slow" p14:dur="2000"/>
-    </mc:Choice>
-    <mc:Fallback>
-      <p:transition xmlns:p14="http://schemas.microsoft.com/office/powerpoint/2010/main" spd="slow"/>
-    </mc:Fallback>
-  </mc:AlternateContent>
-  <p:timing>
-    <p:tnLst>
-      <p:par>
-        <p:cTn xmlns:p14="http://schemas.microsoft.com/office/powerpoint/2010/main" id="1" dur="indefinite" restart="never" nodeType="tmRoot"/>
-      </p:par>
-    </p:tnLst>
-  </p:timing>
-</p:sld>
-</file>
-
-<file path=ppt/slides/slide23.xml><?xml version="1.0" encoding="utf-8"?>
 <p:sld xmlns:a="http://schemas.openxmlformats.org/drawingml/2006/main" xmlns:r="http://schemas.openxmlformats.org/officeDocument/2006/relationships" xmlns:p="http://schemas.openxmlformats.org/presentationml/2006/main">
   <p:cSld>
     <p:spTree>
@@ -14771,9 +13334,10 @@
               <a:defRPr/>
             </a:pPr>
             <a:r>
-              <a:rPr lang="en-US"/>
-              <a:t>Presentation Title At Venue</a:t>
-            </a:r>
+              <a:rPr lang="en-US" dirty="0" smtClean="0"/>
+              <a:t>Learning Bayesian Networks for Complex Relational Data</a:t>
+            </a:r>
+            <a:endParaRPr lang="en-US" dirty="0"/>
           </a:p>
         </p:txBody>
       </p:sp>
@@ -14790,7 +13354,7 @@
 </p:sld>
 </file>
 
-<file path=ppt/slides/slide24.xml><?xml version="1.0" encoding="utf-8"?>
+<file path=ppt/slides/slide22.xml><?xml version="1.0" encoding="utf-8"?>
 <p:sld xmlns:a="http://schemas.openxmlformats.org/drawingml/2006/main" xmlns:r="http://schemas.openxmlformats.org/officeDocument/2006/relationships" xmlns:p="http://schemas.openxmlformats.org/presentationml/2006/main">
   <p:cSld>
     <p:spTree>
@@ -14879,34 +13443,6 @@
       </p:sp>
       <p:sp>
         <p:nvSpPr>
-          <p:cNvPr id="4" name="Slide Number Placeholder 3"/>
-          <p:cNvSpPr>
-            <a:spLocks noGrp="1"/>
-          </p:cNvSpPr>
-          <p:nvPr>
-            <p:ph type="sldNum" sz="quarter" idx="12"/>
-          </p:nvPr>
-        </p:nvSpPr>
-        <p:spPr/>
-        <p:txBody>
-          <a:bodyPr/>
-          <a:lstStyle/>
-          <a:p>
-            <a:fld id="{B6F15528-21DE-4FAA-801E-634DDDAF4B2B}" type="slidenum">
-              <a:rPr lang="en-US" smtClean="0"/>
-              <a:pPr/>
-              <a:t>24</a:t>
-            </a:fld>
-            <a:r>
-              <a:rPr lang="en-US" smtClean="0"/>
-              <a:t>/19</a:t>
-            </a:r>
-            <a:endParaRPr lang="en-US" dirty="0"/>
-          </a:p>
-        </p:txBody>
-      </p:sp>
-      <p:sp>
-        <p:nvSpPr>
           <p:cNvPr id="5" name="Footer Placeholder 4"/>
           <p:cNvSpPr>
             <a:spLocks noGrp="1"/>
@@ -14917,7 +13453,7 @@
         </p:nvSpPr>
         <p:spPr>
           <a:xfrm>
-            <a:off x="152400" y="6356350"/>
+            <a:off x="152400" y="5768975"/>
             <a:ext cx="7924800" cy="501649"/>
           </a:xfrm>
         </p:spPr>
@@ -15154,7 +13690,7 @@
 </p:sld>
 </file>
 
-<file path=ppt/slides/slide25.xml><?xml version="1.0" encoding="utf-8"?>
+<file path=ppt/slides/slide23.xml><?xml version="1.0" encoding="utf-8"?>
 <p:sld xmlns:a="http://schemas.openxmlformats.org/drawingml/2006/main" xmlns:r="http://schemas.openxmlformats.org/officeDocument/2006/relationships" xmlns:p="http://schemas.openxmlformats.org/presentationml/2006/main">
   <p:cSld>
     <p:spTree>
@@ -16122,7 +14658,7 @@
 </p:sld>
 </file>
 
-<file path=ppt/slides/slide26.xml><?xml version="1.0" encoding="utf-8"?>
+<file path=ppt/slides/slide24.xml><?xml version="1.0" encoding="utf-8"?>
 <p:sld xmlns:a="http://schemas.openxmlformats.org/drawingml/2006/main" xmlns:r="http://schemas.openxmlformats.org/officeDocument/2006/relationships" xmlns:p="http://schemas.openxmlformats.org/presentationml/2006/main">
   <p:cSld>
     <p:spTree>
@@ -16232,7 +14768,7 @@
             <a:fld id="{B6F15528-21DE-4FAA-801E-634DDDAF4B2B}" type="slidenum">
               <a:rPr lang="en-US" smtClean="0"/>
               <a:pPr/>
-              <a:t>26</a:t>
+              <a:t>24</a:t>
             </a:fld>
             <a:r>
               <a:rPr lang="en-US" smtClean="0"/>
@@ -16294,7 +14830,7 @@
 </p:sld>
 </file>
 
-<file path=ppt/slides/slide27.xml><?xml version="1.0" encoding="utf-8"?>
+<file path=ppt/slides/slide25.xml><?xml version="1.0" encoding="utf-8"?>
 <p:sld xmlns:a="http://schemas.openxmlformats.org/drawingml/2006/main" xmlns:r="http://schemas.openxmlformats.org/officeDocument/2006/relationships" xmlns:p="http://schemas.openxmlformats.org/presentationml/2006/main">
   <p:cSld>
     <p:spTree>
@@ -16357,7 +14893,7 @@
             <a:fld id="{B6F15528-21DE-4FAA-801E-634DDDAF4B2B}" type="slidenum">
               <a:rPr lang="en-US" smtClean="0"/>
               <a:pPr/>
-              <a:t>27</a:t>
+              <a:t>25</a:t>
             </a:fld>
             <a:r>
               <a:rPr lang="en-US" smtClean="0"/>
@@ -16477,7 +15013,7 @@
 </p:sld>
 </file>
 
-<file path=ppt/slides/slide28.xml><?xml version="1.0" encoding="utf-8"?>
+<file path=ppt/slides/slide26.xml><?xml version="1.0" encoding="utf-8"?>
 <p:sld xmlns:a="http://schemas.openxmlformats.org/drawingml/2006/main" xmlns:r="http://schemas.openxmlformats.org/officeDocument/2006/relationships" xmlns:p="http://schemas.openxmlformats.org/presentationml/2006/main">
   <p:cSld>
     <p:spTree>
@@ -17127,7 +15663,7 @@
             <a:fld id="{B6F15528-21DE-4FAA-801E-634DDDAF4B2B}" type="slidenum">
               <a:rPr lang="en-US" smtClean="0"/>
               <a:pPr/>
-              <a:t>28</a:t>
+              <a:t>26</a:t>
             </a:fld>
             <a:r>
               <a:rPr lang="en-US" smtClean="0"/>
@@ -17761,6 +16297,348 @@
 </p:sld>
 </file>
 
+<file path=ppt/slides/slide27.xml><?xml version="1.0" encoding="utf-8"?>
+<p:sld xmlns:a="http://schemas.openxmlformats.org/drawingml/2006/main" xmlns:r="http://schemas.openxmlformats.org/officeDocument/2006/relationships" xmlns:p="http://schemas.openxmlformats.org/presentationml/2006/main">
+  <p:cSld>
+    <p:spTree>
+      <p:nvGrpSpPr>
+        <p:cNvPr id="1" name=""/>
+        <p:cNvGrpSpPr/>
+        <p:nvPr/>
+      </p:nvGrpSpPr>
+      <p:grpSpPr>
+        <a:xfrm>
+          <a:off x="0" y="0"/>
+          <a:ext cx="0" cy="0"/>
+          <a:chOff x="0" y="0"/>
+          <a:chExt cx="0" cy="0"/>
+        </a:xfrm>
+      </p:grpSpPr>
+      <p:sp>
+        <p:nvSpPr>
+          <p:cNvPr id="2" name="Title 1"/>
+          <p:cNvSpPr>
+            <a:spLocks noGrp="1"/>
+          </p:cNvSpPr>
+          <p:nvPr>
+            <p:ph type="title"/>
+          </p:nvPr>
+        </p:nvSpPr>
+        <p:spPr/>
+        <p:txBody>
+          <a:bodyPr/>
+          <a:lstStyle/>
+          <a:p>
+            <a:r>
+              <a:rPr lang="en-US" dirty="0" smtClean="0"/>
+              <a:t>Mutual </a:t>
+            </a:r>
+            <a:r>
+              <a:rPr lang="en-US" smtClean="0"/>
+              <a:t>Information Example</a:t>
+            </a:r>
+            <a:endParaRPr lang="en-US" dirty="0"/>
+          </a:p>
+        </p:txBody>
+      </p:sp>
+      <p:sp>
+        <p:nvSpPr>
+          <p:cNvPr id="3" name="Content Placeholder 2"/>
+          <p:cNvSpPr>
+            <a:spLocks noGrp="1"/>
+          </p:cNvSpPr>
+          <p:nvPr>
+            <p:ph sz="quarter" idx="1"/>
+          </p:nvPr>
+        </p:nvSpPr>
+        <p:spPr/>
+        <p:txBody>
+          <a:bodyPr/>
+          <a:lstStyle/>
+          <a:p>
+            <a:r>
+              <a:rPr lang="en-US" sz="2800" dirty="0" smtClean="0"/>
+              <a:t>For </a:t>
+            </a:r>
+            <a:r>
+              <a:rPr lang="en-US" sz="2800" dirty="0" err="1" smtClean="0"/>
+              <a:t>Edin</a:t>
+            </a:r>
+            <a:r>
+              <a:rPr lang="en-US" sz="2800" dirty="0" smtClean="0"/>
+              <a:t> </a:t>
+            </a:r>
+            <a:r>
+              <a:rPr lang="en-US" sz="2800" dirty="0" err="1" smtClean="0"/>
+              <a:t>Dzeko</a:t>
+            </a:r>
+            <a:r>
+              <a:rPr lang="en-US" sz="2800" dirty="0" smtClean="0"/>
+              <a:t/>
+            </a:r>
+            <a:br>
+              <a:rPr lang="en-US" sz="2800" dirty="0" smtClean="0"/>
+            </a:br>
+            <a:r>
+              <a:rPr lang="en-US" sz="2800" dirty="0" err="1" smtClean="0"/>
+              <a:t>Shotefficiency</a:t>
+            </a:r>
+            <a:r>
+              <a:rPr lang="en-US" sz="2800" dirty="0" smtClean="0"/>
+              <a:t> = high, </a:t>
+            </a:r>
+            <a:r>
+              <a:rPr lang="en-US" sz="2800" dirty="0" err="1" smtClean="0"/>
+              <a:t>TackleEfficiency</a:t>
+            </a:r>
+            <a:r>
+              <a:rPr lang="en-US" sz="2800" dirty="0" smtClean="0"/>
+              <a:t> = medium </a:t>
+            </a:r>
+            <a:r>
+              <a:rPr lang="en-US" sz="2800" dirty="0" smtClean="0">
+                <a:latin typeface="Wingdings"/>
+                <a:ea typeface="Wingdings"/>
+                <a:cs typeface="Wingdings"/>
+                <a:sym typeface="Wingdings"/>
+              </a:rPr>
+              <a:t></a:t>
+            </a:r>
+            <a:r>
+              <a:rPr lang="en-US" sz="2800" dirty="0" err="1" smtClean="0"/>
+              <a:t>DribbleEffiency</a:t>
+            </a:r>
+            <a:r>
+              <a:rPr lang="en-US" sz="2800" dirty="0" smtClean="0"/>
+              <a:t> = low</a:t>
+            </a:r>
+          </a:p>
+          <a:p>
+            <a:pPr lvl="1"/>
+            <a:r>
+              <a:rPr lang="en-US" dirty="0" smtClean="0"/>
+              <a:t>confidence = 50%</a:t>
+            </a:r>
+          </a:p>
+          <a:p>
+            <a:pPr lvl="1"/>
+            <a:r>
+              <a:rPr lang="en-US" dirty="0" smtClean="0"/>
+              <a:t>lift = ln(50%/16%)=1.13</a:t>
+            </a:r>
+          </a:p>
+          <a:p>
+            <a:r>
+              <a:rPr lang="en-US" sz="2800" dirty="0" smtClean="0"/>
+              <a:t>For random striker</a:t>
+            </a:r>
+          </a:p>
+          <a:p>
+            <a:pPr lvl="1"/>
+            <a:r>
+              <a:rPr lang="en-US" dirty="0"/>
+              <a:t>c</a:t>
+            </a:r>
+            <a:r>
+              <a:rPr lang="en-US" dirty="0" smtClean="0"/>
+              <a:t>onfidence = 38%</a:t>
+            </a:r>
+          </a:p>
+          <a:p>
+            <a:pPr lvl="1"/>
+            <a:r>
+              <a:rPr lang="en-US" dirty="0"/>
+              <a:t>lift = ln(38%/50%) =-0.27 </a:t>
+            </a:r>
+          </a:p>
+        </p:txBody>
+      </p:sp>
+      <p:sp>
+        <p:nvSpPr>
+          <p:cNvPr id="4" name="Footer Placeholder 3"/>
+          <p:cNvSpPr>
+            <a:spLocks noGrp="1"/>
+          </p:cNvSpPr>
+          <p:nvPr>
+            <p:ph type="ftr" sz="quarter" idx="11"/>
+          </p:nvPr>
+        </p:nvSpPr>
+        <p:spPr/>
+        <p:txBody>
+          <a:bodyPr/>
+          <a:lstStyle/>
+          <a:p>
+            <a:pPr>
+              <a:defRPr/>
+            </a:pPr>
+            <a:r>
+              <a:rPr lang="en-US" dirty="0" smtClean="0"/>
+              <a:t>Learning Bayesian Networks for Complex Relational Data</a:t>
+            </a:r>
+            <a:endParaRPr lang="en-US" dirty="0"/>
+          </a:p>
+        </p:txBody>
+      </p:sp>
+    </p:spTree>
+    <p:extLst>
+      <p:ext uri="{BB962C8B-B14F-4D97-AF65-F5344CB8AC3E}">
+        <p14:creationId xmlns:p14="http://schemas.microsoft.com/office/powerpoint/2010/main" val="2841139290"/>
+      </p:ext>
+    </p:extLst>
+  </p:cSld>
+  <p:clrMapOvr>
+    <a:masterClrMapping/>
+  </p:clrMapOvr>
+</p:sld>
+</file>
+
+<file path=ppt/slides/slide28.xml><?xml version="1.0" encoding="utf-8"?>
+<p:sld xmlns:a="http://schemas.openxmlformats.org/drawingml/2006/main" xmlns:r="http://schemas.openxmlformats.org/officeDocument/2006/relationships" xmlns:p="http://schemas.openxmlformats.org/presentationml/2006/main">
+  <p:cSld>
+    <p:spTree>
+      <p:nvGrpSpPr>
+        <p:cNvPr id="1" name=""/>
+        <p:cNvGrpSpPr/>
+        <p:nvPr/>
+      </p:nvGrpSpPr>
+      <p:grpSpPr>
+        <a:xfrm>
+          <a:off x="0" y="0"/>
+          <a:ext cx="0" cy="0"/>
+          <a:chOff x="0" y="0"/>
+          <a:chExt cx="0" cy="0"/>
+        </a:xfrm>
+      </p:grpSpPr>
+      <p:sp>
+        <p:nvSpPr>
+          <p:cNvPr id="2" name="Title 1"/>
+          <p:cNvSpPr>
+            <a:spLocks noGrp="1"/>
+          </p:cNvSpPr>
+          <p:nvPr>
+            <p:ph type="title"/>
+          </p:nvPr>
+        </p:nvSpPr>
+        <p:spPr/>
+        <p:txBody>
+          <a:bodyPr/>
+          <a:lstStyle/>
+          <a:p>
+            <a:r>
+              <a:rPr lang="en-US"/>
+              <a:t>Conclusion</a:t>
+            </a:r>
+          </a:p>
+        </p:txBody>
+      </p:sp>
+      <p:sp>
+        <p:nvSpPr>
+          <p:cNvPr id="3" name="Content Placeholder 2"/>
+          <p:cNvSpPr>
+            <a:spLocks noGrp="1"/>
+          </p:cNvSpPr>
+          <p:nvPr>
+            <p:ph sz="quarter" idx="1"/>
+          </p:nvPr>
+        </p:nvSpPr>
+        <p:spPr/>
+        <p:txBody>
+          <a:bodyPr/>
+          <a:lstStyle/>
+          <a:p>
+            <a:r>
+              <a:rPr lang="en-US"/>
+              <a:t>Relational outlier detection: two approaches for leveraging BN structure learning</a:t>
+            </a:r>
+          </a:p>
+          <a:p>
+            <a:r>
+              <a:rPr lang="en-US"/>
+              <a:t>Propositionalization</a:t>
+            </a:r>
+          </a:p>
+          <a:p>
+            <a:pPr lvl="1"/>
+            <a:r>
+              <a:rPr lang="en-US"/>
+              <a:t>BN structure defines features for single-table outlier detection</a:t>
+            </a:r>
+          </a:p>
+          <a:p>
+            <a:r>
+              <a:rPr lang="en-US"/>
+              <a:t>Relational Outlierness metric</a:t>
+            </a:r>
+          </a:p>
+          <a:p>
+            <a:pPr lvl="1"/>
+            <a:r>
+              <a:rPr lang="en-US"/>
+              <a:t>Use divergence between database distribution for target individual and random individual</a:t>
+            </a:r>
+          </a:p>
+          <a:p>
+            <a:pPr lvl="1"/>
+            <a:r>
+              <a:rPr lang="en-US"/>
+              <a:t>Novel variant of Kullback-Leibler divergence works well:</a:t>
+            </a:r>
+          </a:p>
+          <a:p>
+            <a:pPr lvl="2"/>
+            <a:r>
+              <a:rPr lang="en-US"/>
+              <a:t>interpretable </a:t>
+            </a:r>
+          </a:p>
+          <a:p>
+            <a:pPr lvl="2"/>
+            <a:r>
+              <a:rPr lang="en-US"/>
+              <a:t>accurate </a:t>
+            </a:r>
+          </a:p>
+        </p:txBody>
+      </p:sp>
+      <p:sp>
+        <p:nvSpPr>
+          <p:cNvPr id="4" name="Footer Placeholder 3"/>
+          <p:cNvSpPr>
+            <a:spLocks noGrp="1"/>
+          </p:cNvSpPr>
+          <p:nvPr>
+            <p:ph type="ftr" sz="quarter" idx="11"/>
+          </p:nvPr>
+        </p:nvSpPr>
+        <p:spPr/>
+        <p:txBody>
+          <a:bodyPr/>
+          <a:lstStyle/>
+          <a:p>
+            <a:pPr>
+              <a:defRPr/>
+            </a:pPr>
+            <a:r>
+              <a:rPr lang="en-US" dirty="0" smtClean="0"/>
+              <a:t>Learning Bayesian Networks for Complex Relational Data</a:t>
+            </a:r>
+            <a:endParaRPr lang="en-US" dirty="0"/>
+          </a:p>
+        </p:txBody>
+      </p:sp>
+    </p:spTree>
+    <p:extLst>
+      <p:ext uri="{BB962C8B-B14F-4D97-AF65-F5344CB8AC3E}">
+        <p14:creationId xmlns:p14="http://schemas.microsoft.com/office/powerpoint/2010/main" val="61140085"/>
+      </p:ext>
+    </p:extLst>
+  </p:cSld>
+  <p:clrMapOvr>
+    <a:masterClrMapping/>
+  </p:clrMapOvr>
+</p:sld>
+</file>
+
 <file path=ppt/slides/slide29.xml><?xml version="1.0" encoding="utf-8"?>
 <p:sld xmlns:a="http://schemas.openxmlformats.org/drawingml/2006/main" xmlns:r="http://schemas.openxmlformats.org/officeDocument/2006/relationships" xmlns:p="http://schemas.openxmlformats.org/presentationml/2006/main">
   <p:cSld>
@@ -17795,11 +16673,7 @@
           <a:p>
             <a:r>
               <a:rPr lang="en-US" dirty="0" smtClean="0"/>
-              <a:t>Mutual </a:t>
-            </a:r>
-            <a:r>
-              <a:rPr lang="en-US" smtClean="0"/>
-              <a:t>Information Example</a:t>
+              <a:t>Tutorial Conclusion: First-Order Bayesian Networks</a:t>
             </a:r>
             <a:endParaRPr lang="en-US" dirty="0"/>
           </a:p>
@@ -17822,98 +16696,31 @@
           <a:p>
             <a:r>
               <a:rPr lang="en-US" sz="2800" dirty="0" smtClean="0"/>
-              <a:t>For </a:t>
-            </a:r>
-            <a:r>
-              <a:rPr lang="en-US" sz="2800" dirty="0" err="1" smtClean="0"/>
-              <a:t>Edin</a:t>
-            </a:r>
+              <a:t>Many organizations maintain structured data in relational databases.</a:t>
+            </a:r>
+          </a:p>
+          <a:p>
             <a:r>
               <a:rPr lang="en-US" sz="2800" dirty="0" smtClean="0"/>
-              <a:t> </a:t>
-            </a:r>
-            <a:r>
-              <a:rPr lang="en-US" sz="2800" dirty="0" err="1" smtClean="0"/>
-              <a:t>Dzeko</a:t>
-            </a:r>
+              <a:t>First-order Bayesian networks model probabilistic associations across the entire database.</a:t>
+            </a:r>
+          </a:p>
+          <a:p>
             <a:r>
               <a:rPr lang="en-US" sz="2800" dirty="0" smtClean="0"/>
-              <a:t/>
-            </a:r>
-            <a:br>
+              <a:t>Halpern/Bacchus probabilistic logic unifies logic and probability.</a:t>
+            </a:r>
+          </a:p>
+          <a:p>
+            <a:pPr>
+              <a:buFont typeface="Wingdings" charset="2"/>
+              <a:buChar char="Ø"/>
+            </a:pPr>
+            <a:r>
               <a:rPr lang="en-US" sz="2800" dirty="0" smtClean="0"/>
-            </a:br>
-            <a:r>
-              <a:rPr lang="en-US" sz="2800" dirty="0" err="1" smtClean="0"/>
-              <a:t>Shotefficiency</a:t>
-            </a:r>
-            <a:r>
-              <a:rPr lang="en-US" sz="2800" dirty="0" smtClean="0"/>
-              <a:t> = high, </a:t>
-            </a:r>
-            <a:r>
-              <a:rPr lang="en-US" sz="2800" dirty="0" err="1" smtClean="0"/>
-              <a:t>TackleEfficiency</a:t>
-            </a:r>
-            <a:r>
-              <a:rPr lang="en-US" sz="2800" dirty="0" smtClean="0"/>
-              <a:t> = medium </a:t>
-            </a:r>
-            <a:r>
-              <a:rPr lang="en-US" sz="2800" dirty="0" smtClean="0">
-                <a:latin typeface="Wingdings"/>
-                <a:ea typeface="Wingdings"/>
-                <a:cs typeface="Wingdings"/>
-                <a:sym typeface="Wingdings"/>
-              </a:rPr>
-              <a:t></a:t>
-            </a:r>
-            <a:r>
-              <a:rPr lang="en-US" sz="2800" dirty="0" err="1" smtClean="0"/>
-              <a:t>DribbleEffiency</a:t>
-            </a:r>
-            <a:r>
-              <a:rPr lang="en-US" sz="2800" dirty="0" smtClean="0"/>
-              <a:t> = low</a:t>
-            </a:r>
-          </a:p>
-          <a:p>
-            <a:pPr lvl="1"/>
-            <a:r>
-              <a:rPr lang="en-US" dirty="0" smtClean="0"/>
-              <a:t>confidence = 50%</a:t>
-            </a:r>
-          </a:p>
-          <a:p>
-            <a:pPr lvl="1"/>
-            <a:r>
-              <a:rPr lang="en-US" dirty="0" smtClean="0"/>
-              <a:t>lift = ln(50%/16%)=1.13</a:t>
-            </a:r>
-          </a:p>
-          <a:p>
-            <a:r>
-              <a:rPr lang="en-US" sz="2800" dirty="0" smtClean="0"/>
-              <a:t>For random striker</a:t>
-            </a:r>
-          </a:p>
-          <a:p>
-            <a:pPr lvl="1"/>
-            <a:r>
-              <a:rPr lang="en-US" dirty="0"/>
-              <a:t>c</a:t>
-            </a:r>
-            <a:r>
-              <a:rPr lang="en-US" dirty="0" smtClean="0"/>
-              <a:t>onfidence = 38%</a:t>
-            </a:r>
-          </a:p>
-          <a:p>
-            <a:pPr lvl="1"/>
-            <a:r>
-              <a:rPr lang="en-US" dirty="0"/>
-              <a:t>lift = ln(38%/50%) =-0.27 </a:t>
-            </a:r>
+              <a:t>random selection semantics for Bayesian networks: can query frequencies across the entire database.</a:t>
+            </a:r>
+            <a:endParaRPr lang="en-US" sz="2800" dirty="0"/>
           </a:p>
         </p:txBody>
       </p:sp>
@@ -17937,22 +16744,29 @@
             </a:pPr>
             <a:r>
               <a:rPr lang="en-US" smtClean="0"/>
-              <a:t>Presentation Title At Venue</a:t>
-            </a:r>
-            <a:endParaRPr lang="en-US"/>
+              <a:t>Learning Bayesian Networks for Relational Data</a:t>
+            </a:r>
+            <a:endParaRPr lang="en-US" dirty="0"/>
           </a:p>
         </p:txBody>
       </p:sp>
     </p:spTree>
     <p:extLst>
       <p:ext uri="{BB962C8B-B14F-4D97-AF65-F5344CB8AC3E}">
-        <p14:creationId xmlns:p14="http://schemas.microsoft.com/office/powerpoint/2010/main" val="2841139290"/>
+        <p14:creationId xmlns:p14="http://schemas.microsoft.com/office/powerpoint/2010/main" val="2415735507"/>
       </p:ext>
     </p:extLst>
   </p:cSld>
   <p:clrMapOvr>
     <a:masterClrMapping/>
   </p:clrMapOvr>
+  <p:timing>
+    <p:tnLst>
+      <p:par>
+        <p:cTn xmlns:p14="http://schemas.microsoft.com/office/powerpoint/2010/main" id="1" dur="indefinite" restart="never" nodeType="tmRoot"/>
+      </p:par>
+    </p:tnLst>
+  </p:timing>
 </p:sld>
 </file>
 
@@ -20040,283 +18854,6 @@
           <a:lstStyle/>
           <a:p>
             <a:r>
-              <a:rPr lang="en-US"/>
-              <a:t>Conclusion</a:t>
-            </a:r>
-          </a:p>
-        </p:txBody>
-      </p:sp>
-      <p:sp>
-        <p:nvSpPr>
-          <p:cNvPr id="3" name="Content Placeholder 2"/>
-          <p:cNvSpPr>
-            <a:spLocks noGrp="1"/>
-          </p:cNvSpPr>
-          <p:nvPr>
-            <p:ph sz="quarter" idx="1"/>
-          </p:nvPr>
-        </p:nvSpPr>
-        <p:spPr/>
-        <p:txBody>
-          <a:bodyPr/>
-          <a:lstStyle/>
-          <a:p>
-            <a:r>
-              <a:rPr lang="en-US"/>
-              <a:t>Relational outlier detection: two approaches for leveraging BN structure learning</a:t>
-            </a:r>
-          </a:p>
-          <a:p>
-            <a:r>
-              <a:rPr lang="en-US"/>
-              <a:t>Propositionalization</a:t>
-            </a:r>
-          </a:p>
-          <a:p>
-            <a:pPr lvl="1"/>
-            <a:r>
-              <a:rPr lang="en-US"/>
-              <a:t>BN structure defines features for single-table outlier detection</a:t>
-            </a:r>
-          </a:p>
-          <a:p>
-            <a:r>
-              <a:rPr lang="en-US"/>
-              <a:t>Relational Outlierness metric</a:t>
-            </a:r>
-          </a:p>
-          <a:p>
-            <a:pPr lvl="1"/>
-            <a:r>
-              <a:rPr lang="en-US"/>
-              <a:t>Use divergence between database distribution for target individual and random individual</a:t>
-            </a:r>
-          </a:p>
-          <a:p>
-            <a:pPr lvl="1"/>
-            <a:r>
-              <a:rPr lang="en-US"/>
-              <a:t>Novel variant of Kullback-Leibler divergence works well:</a:t>
-            </a:r>
-          </a:p>
-          <a:p>
-            <a:pPr lvl="2"/>
-            <a:r>
-              <a:rPr lang="en-US"/>
-              <a:t>interpretable </a:t>
-            </a:r>
-          </a:p>
-          <a:p>
-            <a:pPr lvl="2"/>
-            <a:r>
-              <a:rPr lang="en-US"/>
-              <a:t>accurate </a:t>
-            </a:r>
-          </a:p>
-        </p:txBody>
-      </p:sp>
-      <p:sp>
-        <p:nvSpPr>
-          <p:cNvPr id="4" name="Footer Placeholder 3"/>
-          <p:cNvSpPr>
-            <a:spLocks noGrp="1"/>
-          </p:cNvSpPr>
-          <p:nvPr>
-            <p:ph type="ftr" sz="quarter" idx="11"/>
-          </p:nvPr>
-        </p:nvSpPr>
-        <p:spPr/>
-        <p:txBody>
-          <a:bodyPr/>
-          <a:lstStyle/>
-          <a:p>
-            <a:pPr>
-              <a:defRPr/>
-            </a:pPr>
-            <a:r>
-              <a:rPr lang="en-US"/>
-              <a:t>Presentation Title At Venue</a:t>
-            </a:r>
-          </a:p>
-        </p:txBody>
-      </p:sp>
-    </p:spTree>
-    <p:extLst>
-      <p:ext uri="{BB962C8B-B14F-4D97-AF65-F5344CB8AC3E}">
-        <p14:creationId xmlns:p14="http://schemas.microsoft.com/office/powerpoint/2010/main" val="61140085"/>
-      </p:ext>
-    </p:extLst>
-  </p:cSld>
-  <p:clrMapOvr>
-    <a:masterClrMapping/>
-  </p:clrMapOvr>
-</p:sld>
-</file>
-
-<file path=ppt/slides/slide31.xml><?xml version="1.0" encoding="utf-8"?>
-<p:sld xmlns:a="http://schemas.openxmlformats.org/drawingml/2006/main" xmlns:r="http://schemas.openxmlformats.org/officeDocument/2006/relationships" xmlns:p="http://schemas.openxmlformats.org/presentationml/2006/main">
-  <p:cSld>
-    <p:spTree>
-      <p:nvGrpSpPr>
-        <p:cNvPr id="1" name=""/>
-        <p:cNvGrpSpPr/>
-        <p:nvPr/>
-      </p:nvGrpSpPr>
-      <p:grpSpPr>
-        <a:xfrm>
-          <a:off x="0" y="0"/>
-          <a:ext cx="0" cy="0"/>
-          <a:chOff x="0" y="0"/>
-          <a:chExt cx="0" cy="0"/>
-        </a:xfrm>
-      </p:grpSpPr>
-      <p:sp>
-        <p:nvSpPr>
-          <p:cNvPr id="2" name="Title 1"/>
-          <p:cNvSpPr>
-            <a:spLocks noGrp="1"/>
-          </p:cNvSpPr>
-          <p:nvPr>
-            <p:ph type="title"/>
-          </p:nvPr>
-        </p:nvSpPr>
-        <p:spPr/>
-        <p:txBody>
-          <a:bodyPr/>
-          <a:lstStyle/>
-          <a:p>
-            <a:r>
-              <a:rPr lang="en-US" dirty="0" smtClean="0"/>
-              <a:t>Tutorial Conclusion: First-Order Bayesian Networks</a:t>
-            </a:r>
-            <a:endParaRPr lang="en-US" dirty="0"/>
-          </a:p>
-        </p:txBody>
-      </p:sp>
-      <p:sp>
-        <p:nvSpPr>
-          <p:cNvPr id="3" name="Content Placeholder 2"/>
-          <p:cNvSpPr>
-            <a:spLocks noGrp="1"/>
-          </p:cNvSpPr>
-          <p:nvPr>
-            <p:ph sz="quarter" idx="1"/>
-          </p:nvPr>
-        </p:nvSpPr>
-        <p:spPr/>
-        <p:txBody>
-          <a:bodyPr/>
-          <a:lstStyle/>
-          <a:p>
-            <a:r>
-              <a:rPr lang="en-US" sz="2800" dirty="0" smtClean="0"/>
-              <a:t>Many organizations maintain structured data in relational databases.</a:t>
-            </a:r>
-          </a:p>
-          <a:p>
-            <a:r>
-              <a:rPr lang="en-US" sz="2800" dirty="0" smtClean="0"/>
-              <a:t>First-order Bayesian networks model probabilistic associations across the entire database.</a:t>
-            </a:r>
-          </a:p>
-          <a:p>
-            <a:r>
-              <a:rPr lang="en-US" sz="2800" dirty="0" smtClean="0"/>
-              <a:t>Halpern/Bacchus probabilistic logic unifies logic and probability.</a:t>
-            </a:r>
-          </a:p>
-          <a:p>
-            <a:pPr>
-              <a:buFont typeface="Wingdings" charset="2"/>
-              <a:buChar char="Ø"/>
-            </a:pPr>
-            <a:r>
-              <a:rPr lang="en-US" sz="2800" dirty="0" smtClean="0"/>
-              <a:t>random selection semantics for Bayesian networks: can query frequencies across the entire database.</a:t>
-            </a:r>
-            <a:endParaRPr lang="en-US" sz="2800" dirty="0"/>
-          </a:p>
-        </p:txBody>
-      </p:sp>
-      <p:sp>
-        <p:nvSpPr>
-          <p:cNvPr id="4" name="Footer Placeholder 3"/>
-          <p:cNvSpPr>
-            <a:spLocks noGrp="1"/>
-          </p:cNvSpPr>
-          <p:nvPr>
-            <p:ph type="ftr" sz="quarter" idx="11"/>
-          </p:nvPr>
-        </p:nvSpPr>
-        <p:spPr/>
-        <p:txBody>
-          <a:bodyPr/>
-          <a:lstStyle/>
-          <a:p>
-            <a:pPr>
-              <a:defRPr/>
-            </a:pPr>
-            <a:r>
-              <a:rPr lang="en-US" smtClean="0"/>
-              <a:t>Learning Bayesian Networks for Relational Data</a:t>
-            </a:r>
-            <a:endParaRPr lang="en-US" dirty="0"/>
-          </a:p>
-        </p:txBody>
-      </p:sp>
-    </p:spTree>
-    <p:extLst>
-      <p:ext uri="{BB962C8B-B14F-4D97-AF65-F5344CB8AC3E}">
-        <p14:creationId xmlns:p14="http://schemas.microsoft.com/office/powerpoint/2010/main" val="2415735507"/>
-      </p:ext>
-    </p:extLst>
-  </p:cSld>
-  <p:clrMapOvr>
-    <a:masterClrMapping/>
-  </p:clrMapOvr>
-  <p:timing>
-    <p:tnLst>
-      <p:par>
-        <p:cTn xmlns:p14="http://schemas.microsoft.com/office/powerpoint/2010/main" id="1" dur="indefinite" restart="never" nodeType="tmRoot"/>
-      </p:par>
-    </p:tnLst>
-  </p:timing>
-</p:sld>
-</file>
-
-<file path=ppt/slides/slide32.xml><?xml version="1.0" encoding="utf-8"?>
-<p:sld xmlns:a="http://schemas.openxmlformats.org/drawingml/2006/main" xmlns:r="http://schemas.openxmlformats.org/officeDocument/2006/relationships" xmlns:p="http://schemas.openxmlformats.org/presentationml/2006/main">
-  <p:cSld>
-    <p:spTree>
-      <p:nvGrpSpPr>
-        <p:cNvPr id="1" name=""/>
-        <p:cNvGrpSpPr/>
-        <p:nvPr/>
-      </p:nvGrpSpPr>
-      <p:grpSpPr>
-        <a:xfrm>
-          <a:off x="0" y="0"/>
-          <a:ext cx="0" cy="0"/>
-          <a:chOff x="0" y="0"/>
-          <a:chExt cx="0" cy="0"/>
-        </a:xfrm>
-      </p:grpSpPr>
-      <p:sp>
-        <p:nvSpPr>
-          <p:cNvPr id="2" name="Title 1"/>
-          <p:cNvSpPr>
-            <a:spLocks noGrp="1"/>
-          </p:cNvSpPr>
-          <p:nvPr>
-            <p:ph type="title"/>
-          </p:nvPr>
-        </p:nvSpPr>
-        <p:spPr/>
-        <p:txBody>
-          <a:bodyPr/>
-          <a:lstStyle/>
-          <a:p>
-            <a:r>
               <a:rPr lang="en-US" dirty="0" smtClean="0"/>
               <a:t>Conclusion: Learning First-Order Bayesian Networks</a:t>
             </a:r>
@@ -21639,10 +20176,10 @@
               <a:defRPr/>
             </a:pPr>
             <a:r>
-              <a:rPr lang="en-US" smtClean="0"/>
-              <a:t>Presentation Title At Venue</a:t>
-            </a:r>
-            <a:endParaRPr lang="en-US"/>
+              <a:rPr lang="en-US" dirty="0" smtClean="0"/>
+              <a:t>Learning Bayesian Networks for Complex Relational Data</a:t>
+            </a:r>
+            <a:endParaRPr lang="en-US" dirty="0"/>
           </a:p>
         </p:txBody>
       </p:sp>
@@ -21737,8 +20274,8 @@
         </p:nvSpPr>
         <p:spPr>
           <a:xfrm>
-            <a:off x="295586" y="5913722"/>
-            <a:ext cx="7882285" cy="715677"/>
+            <a:off x="295586" y="5734430"/>
+            <a:ext cx="8370296" cy="715677"/>
           </a:xfrm>
         </p:spPr>
         <p:txBody>
@@ -21757,14 +20294,11 @@
               <a:rPr lang="en-US" dirty="0"/>
               <a:t> and Schulte (2015). IEEE SSCI. </a:t>
             </a:r>
-            <a:br>
-              <a:rPr lang="en-US" dirty="0"/>
-            </a:br>
-            <a:r>
-              <a:rPr lang="en-US" dirty="0" smtClean="0"/>
-              <a:t>Cite oddball system.</a:t>
-            </a:r>
-            <a:endParaRPr lang="en-US" dirty="0"/>
+            <a:r>
+              <a:rPr lang="en-US" i="1" dirty="0" smtClean="0"/>
+              <a:t>.</a:t>
+            </a:r>
+            <a:endParaRPr lang="en-US" i="1" dirty="0"/>
           </a:p>
         </p:txBody>
       </p:sp>
@@ -21875,7 +20409,7 @@
         </p:nvSpPr>
         <p:spPr>
           <a:xfrm>
-            <a:off x="295586" y="4900979"/>
+            <a:off x="295586" y="4661923"/>
             <a:ext cx="7685590" cy="1200328"/>
           </a:xfrm>
           <a:prstGeom prst="rect">
@@ -22355,10 +20889,10 @@
               <a:defRPr/>
             </a:pPr>
             <a:r>
-              <a:rPr lang="en-US" smtClean="0"/>
-              <a:t>Presentation Title At Venue</a:t>
-            </a:r>
-            <a:endParaRPr lang="en-US"/>
+              <a:rPr lang="en-US" dirty="0" smtClean="0"/>
+              <a:t>Learning Bayesian Networks for Complex Relational Data</a:t>
+            </a:r>
+            <a:endParaRPr lang="en-US" dirty="0"/>
           </a:p>
         </p:txBody>
       </p:sp>
@@ -22641,10 +21175,10 @@
               <a:defRPr/>
             </a:pPr>
             <a:r>
-              <a:rPr lang="en-US" smtClean="0"/>
-              <a:t>Presentation Title At Venue</a:t>
-            </a:r>
-            <a:endParaRPr lang="en-US"/>
+              <a:rPr lang="en-US" dirty="0" smtClean="0"/>
+              <a:t>Learning Bayesian Networks for Complex Relational Data</a:t>
+            </a:r>
+            <a:endParaRPr lang="en-US" dirty="0"/>
           </a:p>
         </p:txBody>
       </p:sp>

--- a/ch6-anomaly.pptx
+++ b/ch6-anomaly.pptx
@@ -5,10 +5,10 @@
     <p:sldMasterId id="2147483660" r:id="rId1"/>
   </p:sldMasterIdLst>
   <p:notesMasterIdLst>
-    <p:notesMasterId r:id="rId32"/>
+    <p:notesMasterId r:id="rId33"/>
   </p:notesMasterIdLst>
   <p:handoutMasterIdLst>
-    <p:handoutMasterId r:id="rId33"/>
+    <p:handoutMasterId r:id="rId34"/>
   </p:handoutMasterIdLst>
   <p:sldIdLst>
     <p:sldId id="256" r:id="rId2"/>
@@ -31,16 +31,17 @@
     <p:sldId id="309" r:id="rId19"/>
     <p:sldId id="308" r:id="rId20"/>
     <p:sldId id="321" r:id="rId21"/>
-    <p:sldId id="288" r:id="rId22"/>
-    <p:sldId id="257" r:id="rId23"/>
+    <p:sldId id="326" r:id="rId22"/>
+    <p:sldId id="327" r:id="rId23"/>
     <p:sldId id="322" r:id="rId24"/>
     <p:sldId id="262" r:id="rId25"/>
     <p:sldId id="261" r:id="rId26"/>
     <p:sldId id="267" r:id="rId27"/>
     <p:sldId id="268" r:id="rId28"/>
     <p:sldId id="269" r:id="rId29"/>
-    <p:sldId id="273" r:id="rId30"/>
-    <p:sldId id="323" r:id="rId31"/>
+    <p:sldId id="323" r:id="rId30"/>
+    <p:sldId id="324" r:id="rId31"/>
+    <p:sldId id="325" r:id="rId32"/>
   </p:sldIdLst>
   <p:sldSz cx="9144000" cy="6858000" type="screen4x3"/>
   <p:notesSz cx="6858000" cy="9144000"/>
@@ -202,15 +203,11 @@
             <p14:sldId id="309"/>
             <p14:sldId id="308"/>
             <p14:sldId id="321"/>
+            <p14:sldId id="326"/>
+            <p14:sldId id="327"/>
           </p14:sldIdLst>
         </p14:section>
         <p14:section name="Empirical Evaluation" id="{FDD031BB-72FE-EB42-BFC9-07C122E7D940}">
-          <p14:sldIdLst>
-            <p14:sldId id="288"/>
-            <p14:sldId id="257"/>
-          </p14:sldIdLst>
-        </p14:section>
-        <p14:section name="Model-Based Outlier Metrics" id="{4825DA23-BB66-DB48-86FB-AB84A293B7AF}">
           <p14:sldIdLst>
             <p14:sldId id="322"/>
             <p14:sldId id="262"/>
@@ -218,8 +215,9 @@
             <p14:sldId id="267"/>
             <p14:sldId id="268"/>
             <p14:sldId id="269"/>
-            <p14:sldId id="273"/>
             <p14:sldId id="323"/>
+            <p14:sldId id="324"/>
+            <p14:sldId id="325"/>
           </p14:sldIdLst>
         </p14:section>
       </p14:sectionLst>
@@ -335,7 +333,7 @@
               <a:pPr>
                 <a:defRPr/>
               </a:pPr>
-              <a:t>2016-08-25</a:t>
+              <a:t>2016-09-30</a:t>
             </a:fld>
             <a:endParaRPr lang="en-US"/>
           </a:p>
@@ -551,7 +549,7 @@
               <a:pPr>
                 <a:defRPr/>
               </a:pPr>
-              <a:t>2016-08-25</a:t>
+              <a:t>2016-09-30</a:t>
             </a:fld>
             <a:endParaRPr lang="en-US"/>
           </a:p>
@@ -973,98 +971,7 @@
                 <a:spcPct val="0"/>
               </a:spcBef>
             </a:pPr>
-            <a:r>
-              <a:rPr lang="en-US">
-                <a:latin typeface="Calibri" charset="0"/>
-              </a:rPr>
-              <a:t>If you use </a:t>
-            </a:r>
-            <a:r>
-              <a:rPr lang="ja-JP" altLang="en-US">
-                <a:latin typeface="Calibri" charset="0"/>
-              </a:rPr>
-              <a:t>“</a:t>
-            </a:r>
-            <a:r>
-              <a:rPr lang="en-US" altLang="ja-JP">
-                <a:latin typeface="Calibri" charset="0"/>
-              </a:rPr>
-              <a:t>insert slide number</a:t>
-            </a:r>
-            <a:r>
-              <a:rPr lang="ja-JP" altLang="en-US">
-                <a:latin typeface="Calibri" charset="0"/>
-              </a:rPr>
-              <a:t>”</a:t>
-            </a:r>
-            <a:r>
-              <a:rPr lang="en-US" altLang="ja-JP">
-                <a:latin typeface="Calibri" charset="0"/>
-              </a:rPr>
-              <a:t> under </a:t>
-            </a:r>
-            <a:r>
-              <a:rPr lang="ja-JP" altLang="en-US">
-                <a:latin typeface="Calibri" charset="0"/>
-              </a:rPr>
-              <a:t>“</a:t>
-            </a:r>
-            <a:r>
-              <a:rPr lang="en-US" altLang="ja-JP">
-                <a:latin typeface="Calibri" charset="0"/>
-              </a:rPr>
-              <a:t>Footer</a:t>
-            </a:r>
-            <a:r>
-              <a:rPr lang="ja-JP" altLang="en-US">
-                <a:latin typeface="Calibri" charset="0"/>
-              </a:rPr>
-              <a:t>”</a:t>
-            </a:r>
-            <a:r>
-              <a:rPr lang="en-US" altLang="ja-JP">
-                <a:latin typeface="Calibri" charset="0"/>
-              </a:rPr>
-              <a:t>, that text box only displays the slide number, not the total number of slides. So I use a new textbox for the slide number in the master.</a:t>
-            </a:r>
-          </a:p>
-          <a:p>
-            <a:pPr eaLnBrk="1" hangingPunct="1">
-              <a:spcBef>
-                <a:spcPct val="0"/>
-              </a:spcBef>
-            </a:pPr>
-            <a:r>
-              <a:rPr lang="en-US">
-                <a:latin typeface="Calibri" charset="0"/>
-              </a:rPr>
-              <a:t>This is a version of </a:t>
-            </a:r>
-            <a:r>
-              <a:rPr lang="ja-JP" altLang="en-US">
-                <a:latin typeface="Calibri" charset="0"/>
-              </a:rPr>
-              <a:t>“</a:t>
-            </a:r>
-            <a:r>
-              <a:rPr lang="en-US" altLang="ja-JP">
-                <a:latin typeface="Calibri" charset="0"/>
-              </a:rPr>
-              <a:t>Equity</a:t>
-            </a:r>
-            <a:r>
-              <a:rPr lang="ja-JP" altLang="en-US">
-                <a:latin typeface="Calibri" charset="0"/>
-              </a:rPr>
-              <a:t>”</a:t>
-            </a:r>
-            <a:r>
-              <a:rPr lang="en-US" altLang="ja-JP">
-                <a:latin typeface="Calibri" charset="0"/>
-              </a:rPr>
-              <a:t>.</a:t>
-            </a:r>
-            <a:endParaRPr lang="en-US">
+            <a:endParaRPr lang="en-US" dirty="0">
               <a:latin typeface="Calibri" charset="0"/>
             </a:endParaRPr>
           </a:p>
@@ -1280,14 +1187,14 @@
           <a:lstStyle/>
           <a:p>
             <a:r>
-              <a:rPr lang="en-US" smtClean="0"/>
-              <a:t>STOP</a:t>
-            </a:r>
-            <a:r>
-              <a:rPr lang="en-US" baseline="0" smtClean="0"/>
-              <a:t> HERE</a:t>
-            </a:r>
-            <a:endParaRPr lang="en-US"/>
+              <a:rPr lang="en-US" dirty="0" smtClean="0"/>
+              <a:t>KLD</a:t>
+            </a:r>
+            <a:r>
+              <a:rPr lang="en-US" baseline="0" dirty="0" smtClean="0"/>
+              <a:t> = expected log-difference in probabilities</a:t>
+            </a:r>
+            <a:endParaRPr lang="en-US" dirty="0"/>
           </a:p>
         </p:txBody>
       </p:sp>
@@ -1314,7 +1221,7 @@
               <a:pPr>
                 <a:defRPr/>
               </a:pPr>
-              <a:t>21</a:t>
+              <a:t>16</a:t>
             </a:fld>
             <a:endParaRPr lang="en-US"/>
           </a:p>
@@ -1323,7 +1230,7 @@
     </p:spTree>
     <p:extLst>
       <p:ext uri="{BB962C8B-B14F-4D97-AF65-F5344CB8AC3E}">
-        <p14:creationId xmlns:p14="http://schemas.microsoft.com/office/powerpoint/2010/main" val="487944112"/>
+        <p14:creationId xmlns:p14="http://schemas.microsoft.com/office/powerpoint/2010/main" val="4089948416"/>
       </p:ext>
     </p:extLst>
   </p:cSld>
@@ -1379,15 +1286,27 @@
           <a:p>
             <a:r>
               <a:rPr lang="en-US" dirty="0" smtClean="0"/>
-              <a:t>cite </a:t>
+              <a:t>so </a:t>
             </a:r>
             <a:r>
               <a:rPr lang="en-US" dirty="0" err="1" smtClean="0"/>
-              <a:t>Jiawei</a:t>
+              <a:t>Edin</a:t>
             </a:r>
             <a:r>
               <a:rPr lang="en-US" dirty="0" smtClean="0"/>
-              <a:t> Han</a:t>
+              <a:t> </a:t>
+            </a:r>
+            <a:r>
+              <a:rPr lang="en-US" dirty="0" err="1" smtClean="0"/>
+              <a:t>Dzeko</a:t>
+            </a:r>
+            <a:r>
+              <a:rPr lang="en-US" dirty="0" smtClean="0"/>
+              <a:t> has</a:t>
+            </a:r>
+            <a:r>
+              <a:rPr lang="en-US" baseline="0" dirty="0" smtClean="0"/>
+              <a:t> a stronger association</a:t>
             </a:r>
             <a:endParaRPr lang="en-US" dirty="0"/>
           </a:p>
@@ -1408,23 +1327,24 @@
           <a:bodyPr/>
           <a:lstStyle/>
           <a:p>
-            <a:fld id="{31CEF2A7-706F-47EC-B2B0-90C3D4759446}" type="slidenum">
+            <a:pPr>
+              <a:defRPr/>
+            </a:pPr>
+            <a:fld id="{57BE7C63-45E8-3348-B2F7-0B0BBCE77ABE}" type="slidenum">
               <a:rPr lang="en-US" smtClean="0"/>
-              <a:pPr/>
-              <a:t>24</a:t>
+              <a:pPr>
+                <a:defRPr/>
+              </a:pPr>
+              <a:t>21</a:t>
             </a:fld>
-            <a:r>
-              <a:rPr lang="en-US" smtClean="0"/>
-              <a:t>/20</a:t>
-            </a:r>
-            <a:endParaRPr lang="en-US" dirty="0"/>
+            <a:endParaRPr lang="en-US"/>
           </a:p>
         </p:txBody>
       </p:sp>
     </p:spTree>
     <p:extLst>
       <p:ext uri="{BB962C8B-B14F-4D97-AF65-F5344CB8AC3E}">
-        <p14:creationId xmlns:p14="http://schemas.microsoft.com/office/powerpoint/2010/main" val="1472732775"/>
+        <p14:creationId xmlns:p14="http://schemas.microsoft.com/office/powerpoint/2010/main" val="976277791"/>
       </p:ext>
     </p:extLst>
   </p:cSld>
@@ -1480,193 +1400,28 @@
           <a:p>
             <a:r>
               <a:rPr lang="en-US" dirty="0" smtClean="0"/>
-              <a:t>we also know the ground truth about the Bayesian network</a:t>
-            </a:r>
-          </a:p>
-          <a:p>
-            <a:endParaRPr lang="en-US" dirty="0" smtClean="0"/>
-          </a:p>
-          <a:p>
-            <a:r>
-              <a:rPr lang="en-CA" sz="1200" b="0" i="0" u="none" strike="noStrike" kern="1200" baseline="0" dirty="0" smtClean="0">
-                <a:solidFill>
-                  <a:schemeClr val="tx1"/>
-                </a:solidFill>
-                <a:latin typeface="+mn-lt"/>
-                <a:ea typeface="+mn-ea"/>
-                <a:cs typeface="+mn-cs"/>
-              </a:rPr>
-              <a:t>We generated three synthetic datasets for a soccer domain with normal and outlier players using the distributions represented in the three Bayesian networks</a:t>
-            </a:r>
-          </a:p>
-          <a:p>
-            <a:r>
-              <a:rPr lang="en-CA" sz="1200" b="0" i="0" u="none" strike="noStrike" kern="1200" baseline="0" dirty="0" smtClean="0">
-                <a:solidFill>
-                  <a:schemeClr val="tx1"/>
-                </a:solidFill>
-                <a:latin typeface="+mn-lt"/>
-                <a:ea typeface="+mn-ea"/>
-                <a:cs typeface="+mn-cs"/>
-              </a:rPr>
-              <a:t>of Figure 2. Each player participates in 38 matches. Each match assigns a value to each attribute Fi; </a:t>
-            </a:r>
-            <a:r>
-              <a:rPr lang="en-CA" sz="1200" b="0" i="0" u="none" strike="noStrike" kern="1200" baseline="0" dirty="0" err="1" smtClean="0">
-                <a:solidFill>
-                  <a:schemeClr val="tx1"/>
-                </a:solidFill>
-                <a:latin typeface="+mn-lt"/>
-                <a:ea typeface="+mn-ea"/>
-                <a:cs typeface="+mn-cs"/>
-              </a:rPr>
-              <a:t>i</a:t>
-            </a:r>
-            <a:r>
-              <a:rPr lang="en-CA" sz="1200" b="0" i="0" u="none" strike="noStrike" kern="1200" baseline="0" dirty="0" smtClean="0">
-                <a:solidFill>
-                  <a:schemeClr val="tx1"/>
-                </a:solidFill>
-                <a:latin typeface="+mn-lt"/>
-                <a:ea typeface="+mn-ea"/>
-                <a:cs typeface="+mn-cs"/>
-              </a:rPr>
-              <a:t> = 1; 2 for each player.</a:t>
-            </a:r>
-          </a:p>
-          <a:p>
-            <a:r>
-              <a:rPr lang="en-CA" sz="1200" b="0" i="0" u="none" strike="noStrike" kern="1200" baseline="0" dirty="0" smtClean="0">
-                <a:solidFill>
-                  <a:schemeClr val="tx1"/>
-                </a:solidFill>
-                <a:latin typeface="+mn-lt"/>
-                <a:ea typeface="+mn-ea"/>
-                <a:cs typeface="+mn-cs"/>
-              </a:rPr>
-              <a:t>High Correlation Normal individuals exhibit a strong association between their attributes, outliers no association. Both </a:t>
-            </a:r>
-            <a:r>
-              <a:rPr lang="en-CA" sz="1200" b="0" i="0" u="none" strike="noStrike" kern="1200" baseline="0" dirty="0" err="1" smtClean="0">
-                <a:solidFill>
-                  <a:schemeClr val="tx1"/>
-                </a:solidFill>
-                <a:latin typeface="+mn-lt"/>
-                <a:ea typeface="+mn-ea"/>
-                <a:cs typeface="+mn-cs"/>
-              </a:rPr>
-              <a:t>normals</a:t>
-            </a:r>
-            <a:r>
-              <a:rPr lang="en-CA" sz="1200" b="0" i="0" u="none" strike="noStrike" kern="1200" baseline="0" dirty="0" smtClean="0">
-                <a:solidFill>
-                  <a:schemeClr val="tx1"/>
-                </a:solidFill>
-                <a:latin typeface="+mn-lt"/>
-                <a:ea typeface="+mn-ea"/>
-                <a:cs typeface="+mn-cs"/>
-              </a:rPr>
-              <a:t> and outliers have a</a:t>
-            </a:r>
-          </a:p>
-          <a:p>
-            <a:r>
-              <a:rPr lang="en-CA" sz="1200" b="0" i="0" u="none" strike="noStrike" kern="1200" baseline="0" dirty="0" smtClean="0">
-                <a:solidFill>
-                  <a:schemeClr val="tx1"/>
-                </a:solidFill>
-                <a:latin typeface="+mn-lt"/>
-                <a:ea typeface="+mn-ea"/>
-                <a:cs typeface="+mn-cs"/>
-              </a:rPr>
-              <a:t>close to uniform distribution over single attributes. See Figure 2(a). Low Correlation Normal individuals exhibit no association between their at-</a:t>
-            </a:r>
-          </a:p>
-          <a:p>
-            <a:r>
-              <a:rPr lang="en-CA" sz="1200" b="0" i="0" u="none" strike="noStrike" kern="1200" baseline="0" dirty="0" smtClean="0">
-                <a:solidFill>
-                  <a:schemeClr val="tx1"/>
-                </a:solidFill>
-                <a:latin typeface="+mn-lt"/>
-                <a:ea typeface="+mn-ea"/>
-                <a:cs typeface="+mn-cs"/>
-              </a:rPr>
-              <a:t>tributes, outliers have a strong association. Both </a:t>
-            </a:r>
-            <a:r>
-              <a:rPr lang="en-CA" sz="1200" b="0" i="0" u="none" strike="noStrike" kern="1200" baseline="0" dirty="0" err="1" smtClean="0">
-                <a:solidFill>
-                  <a:schemeClr val="tx1"/>
-                </a:solidFill>
-                <a:latin typeface="+mn-lt"/>
-                <a:ea typeface="+mn-ea"/>
-                <a:cs typeface="+mn-cs"/>
-              </a:rPr>
-              <a:t>normals</a:t>
-            </a:r>
-            <a:r>
-              <a:rPr lang="en-CA" sz="1200" b="0" i="0" u="none" strike="noStrike" kern="1200" baseline="0" dirty="0" smtClean="0">
-                <a:solidFill>
-                  <a:schemeClr val="tx1"/>
-                </a:solidFill>
-                <a:latin typeface="+mn-lt"/>
-                <a:ea typeface="+mn-ea"/>
-                <a:cs typeface="+mn-cs"/>
-              </a:rPr>
-              <a:t> and outliers have a close to uniform distribution over single attributes. See Figure 2(b).</a:t>
-            </a:r>
-          </a:p>
-          <a:p>
-            <a:r>
-              <a:rPr lang="en-CA" sz="1200" b="0" i="0" u="none" strike="noStrike" kern="1200" baseline="0" dirty="0" smtClean="0">
-                <a:solidFill>
-                  <a:schemeClr val="tx1"/>
-                </a:solidFill>
-                <a:latin typeface="+mn-lt"/>
-                <a:ea typeface="+mn-ea"/>
-                <a:cs typeface="+mn-cs"/>
-              </a:rPr>
-              <a:t>Single attributes Both normal and outlier individuals exhibit a strong association between their attributes. In </a:t>
-            </a:r>
-            <a:r>
-              <a:rPr lang="en-CA" sz="1200" b="0" i="0" u="none" strike="noStrike" kern="1200" baseline="0" dirty="0" err="1" smtClean="0">
-                <a:solidFill>
-                  <a:schemeClr val="tx1"/>
-                </a:solidFill>
-                <a:latin typeface="+mn-lt"/>
-                <a:ea typeface="+mn-ea"/>
-                <a:cs typeface="+mn-cs"/>
-              </a:rPr>
-              <a:t>normals</a:t>
-            </a:r>
-            <a:r>
-              <a:rPr lang="en-CA" sz="1200" b="0" i="0" u="none" strike="noStrike" kern="1200" baseline="0" dirty="0" smtClean="0">
-                <a:solidFill>
-                  <a:schemeClr val="tx1"/>
-                </a:solidFill>
-                <a:latin typeface="+mn-lt"/>
-                <a:ea typeface="+mn-ea"/>
-                <a:cs typeface="+mn-cs"/>
-              </a:rPr>
-              <a:t>, 50% of the time, attribute 1</a:t>
-            </a:r>
-          </a:p>
-          <a:p>
-            <a:r>
-              <a:rPr lang="en-CA" sz="1200" b="0" i="0" u="none" strike="noStrike" kern="1200" baseline="0" dirty="0" smtClean="0">
-                <a:solidFill>
-                  <a:schemeClr val="tx1"/>
-                </a:solidFill>
-                <a:latin typeface="+mn-lt"/>
-                <a:ea typeface="+mn-ea"/>
-                <a:cs typeface="+mn-cs"/>
-              </a:rPr>
-              <a:t>has value 0. For outliers, attribute 1 has value 0 only 10% of the time. See Figure 2(c).</a:t>
-            </a:r>
-          </a:p>
-          <a:p>
-            <a:endParaRPr lang="en-US" dirty="0"/>
+              <a:t>so </a:t>
+            </a:r>
+            <a:r>
+              <a:rPr lang="en-US" dirty="0" err="1" smtClean="0"/>
+              <a:t>Edin</a:t>
+            </a:r>
+            <a:r>
+              <a:rPr lang="en-US" dirty="0" smtClean="0"/>
+              <a:t> </a:t>
+            </a:r>
+            <a:r>
+              <a:rPr lang="en-US" dirty="0" err="1" smtClean="0"/>
+              <a:t>Dzeko</a:t>
+            </a:r>
+            <a:r>
+              <a:rPr lang="en-US" dirty="0" smtClean="0"/>
+              <a:t> has</a:t>
+            </a:r>
+            <a:r>
+              <a:rPr lang="en-US" baseline="0" dirty="0" smtClean="0"/>
+              <a:t> a stronger association and in the opposite direction</a:t>
+            </a:r>
           </a:p>
         </p:txBody>
       </p:sp>
@@ -1685,23 +1440,24 @@
           <a:bodyPr/>
           <a:lstStyle/>
           <a:p>
-            <a:fld id="{31CEF2A7-706F-47EC-B2B0-90C3D4759446}" type="slidenum">
+            <a:pPr>
+              <a:defRPr/>
+            </a:pPr>
+            <a:fld id="{57BE7C63-45E8-3348-B2F7-0B0BBCE77ABE}" type="slidenum">
               <a:rPr lang="en-US" smtClean="0"/>
-              <a:pPr/>
-              <a:t>25</a:t>
+              <a:pPr>
+                <a:defRPr/>
+              </a:pPr>
+              <a:t>22</a:t>
             </a:fld>
-            <a:r>
-              <a:rPr lang="en-US" smtClean="0"/>
-              <a:t>/20</a:t>
-            </a:r>
-            <a:endParaRPr lang="en-US" dirty="0"/>
+            <a:endParaRPr lang="en-US"/>
           </a:p>
         </p:txBody>
       </p:sp>
     </p:spTree>
     <p:extLst>
       <p:ext uri="{BB962C8B-B14F-4D97-AF65-F5344CB8AC3E}">
-        <p14:creationId xmlns:p14="http://schemas.microsoft.com/office/powerpoint/2010/main" val="1231205391"/>
+        <p14:creationId xmlns:p14="http://schemas.microsoft.com/office/powerpoint/2010/main" val="976277791"/>
       </p:ext>
     </p:extLst>
   </p:cSld>
@@ -1789,7 +1545,7 @@
             <a:fld id="{31CEF2A7-706F-47EC-B2B0-90C3D4759446}" type="slidenum">
               <a:rPr lang="en-US" smtClean="0"/>
               <a:pPr/>
-              <a:t>26</a:t>
+              <a:t>24</a:t>
             </a:fld>
             <a:r>
               <a:rPr lang="en-US" smtClean="0"/>
@@ -1857,12 +1613,8 @@
           <a:lstStyle/>
           <a:p>
             <a:r>
-              <a:rPr lang="en-US" dirty="0" err="1" smtClean="0"/>
-              <a:t>eld</a:t>
-            </a:r>
-            <a:r>
               <a:rPr lang="en-US" dirty="0" smtClean="0"/>
-              <a:t> maps outliers to largest range</a:t>
+              <a:t>we also know the ground truth about the Bayesian network</a:t>
             </a:r>
           </a:p>
           <a:p>
@@ -1870,9 +1622,184 @@
           </a:p>
           <a:p>
             <a:r>
-              <a:rPr lang="en-US" dirty="0" smtClean="0"/>
-              <a:t>Eventually want to order as follows: LOG, FD, LR, |LR|, ELD</a:t>
-            </a:r>
+              <a:rPr lang="en-CA" sz="1200" b="0" i="0" u="none" strike="noStrike" kern="1200" baseline="0" dirty="0" smtClean="0">
+                <a:solidFill>
+                  <a:schemeClr val="tx1"/>
+                </a:solidFill>
+                <a:latin typeface="+mn-lt"/>
+                <a:ea typeface="+mn-ea"/>
+                <a:cs typeface="+mn-cs"/>
+              </a:rPr>
+              <a:t>We generated three synthetic datasets for a soccer domain with normal and outlier players using the distributions represented in the three Bayesian networks</a:t>
+            </a:r>
+          </a:p>
+          <a:p>
+            <a:r>
+              <a:rPr lang="en-CA" sz="1200" b="0" i="0" u="none" strike="noStrike" kern="1200" baseline="0" dirty="0" smtClean="0">
+                <a:solidFill>
+                  <a:schemeClr val="tx1"/>
+                </a:solidFill>
+                <a:latin typeface="+mn-lt"/>
+                <a:ea typeface="+mn-ea"/>
+                <a:cs typeface="+mn-cs"/>
+              </a:rPr>
+              <a:t>of Figure 2. Each player participates in 38 matches. Each match assigns a value to each attribute Fi; </a:t>
+            </a:r>
+            <a:r>
+              <a:rPr lang="en-CA" sz="1200" b="0" i="0" u="none" strike="noStrike" kern="1200" baseline="0" dirty="0" err="1" smtClean="0">
+                <a:solidFill>
+                  <a:schemeClr val="tx1"/>
+                </a:solidFill>
+                <a:latin typeface="+mn-lt"/>
+                <a:ea typeface="+mn-ea"/>
+                <a:cs typeface="+mn-cs"/>
+              </a:rPr>
+              <a:t>i</a:t>
+            </a:r>
+            <a:r>
+              <a:rPr lang="en-CA" sz="1200" b="0" i="0" u="none" strike="noStrike" kern="1200" baseline="0" dirty="0" smtClean="0">
+                <a:solidFill>
+                  <a:schemeClr val="tx1"/>
+                </a:solidFill>
+                <a:latin typeface="+mn-lt"/>
+                <a:ea typeface="+mn-ea"/>
+                <a:cs typeface="+mn-cs"/>
+              </a:rPr>
+              <a:t> = 1; 2 for each player.</a:t>
+            </a:r>
+          </a:p>
+          <a:p>
+            <a:r>
+              <a:rPr lang="en-CA" sz="1200" b="0" i="0" u="none" strike="noStrike" kern="1200" baseline="0" dirty="0" smtClean="0">
+                <a:solidFill>
+                  <a:schemeClr val="tx1"/>
+                </a:solidFill>
+                <a:latin typeface="+mn-lt"/>
+                <a:ea typeface="+mn-ea"/>
+                <a:cs typeface="+mn-cs"/>
+              </a:rPr>
+              <a:t>High Correlation Normal individuals exhibit a strong association between their attributes, outliers no association. Both </a:t>
+            </a:r>
+            <a:r>
+              <a:rPr lang="en-CA" sz="1200" b="0" i="0" u="none" strike="noStrike" kern="1200" baseline="0" dirty="0" err="1" smtClean="0">
+                <a:solidFill>
+                  <a:schemeClr val="tx1"/>
+                </a:solidFill>
+                <a:latin typeface="+mn-lt"/>
+                <a:ea typeface="+mn-ea"/>
+                <a:cs typeface="+mn-cs"/>
+              </a:rPr>
+              <a:t>normals</a:t>
+            </a:r>
+            <a:r>
+              <a:rPr lang="en-CA" sz="1200" b="0" i="0" u="none" strike="noStrike" kern="1200" baseline="0" dirty="0" smtClean="0">
+                <a:solidFill>
+                  <a:schemeClr val="tx1"/>
+                </a:solidFill>
+                <a:latin typeface="+mn-lt"/>
+                <a:ea typeface="+mn-ea"/>
+                <a:cs typeface="+mn-cs"/>
+              </a:rPr>
+              <a:t> and outliers have a</a:t>
+            </a:r>
+          </a:p>
+          <a:p>
+            <a:r>
+              <a:rPr lang="en-CA" sz="1200" b="0" i="0" u="none" strike="noStrike" kern="1200" baseline="0" dirty="0" smtClean="0">
+                <a:solidFill>
+                  <a:schemeClr val="tx1"/>
+                </a:solidFill>
+                <a:latin typeface="+mn-lt"/>
+                <a:ea typeface="+mn-ea"/>
+                <a:cs typeface="+mn-cs"/>
+              </a:rPr>
+              <a:t>close to uniform distribution over single attributes. See Figure 2(a). Low Correlation Normal individuals exhibit no association between their at-</a:t>
+            </a:r>
+          </a:p>
+          <a:p>
+            <a:r>
+              <a:rPr lang="en-CA" sz="1200" b="0" i="0" u="none" strike="noStrike" kern="1200" baseline="0" dirty="0" smtClean="0">
+                <a:solidFill>
+                  <a:schemeClr val="tx1"/>
+                </a:solidFill>
+                <a:latin typeface="+mn-lt"/>
+                <a:ea typeface="+mn-ea"/>
+                <a:cs typeface="+mn-cs"/>
+              </a:rPr>
+              <a:t>tributes, outliers have a strong association. Both </a:t>
+            </a:r>
+            <a:r>
+              <a:rPr lang="en-CA" sz="1200" b="0" i="0" u="none" strike="noStrike" kern="1200" baseline="0" dirty="0" err="1" smtClean="0">
+                <a:solidFill>
+                  <a:schemeClr val="tx1"/>
+                </a:solidFill>
+                <a:latin typeface="+mn-lt"/>
+                <a:ea typeface="+mn-ea"/>
+                <a:cs typeface="+mn-cs"/>
+              </a:rPr>
+              <a:t>normals</a:t>
+            </a:r>
+            <a:r>
+              <a:rPr lang="en-CA" sz="1200" b="0" i="0" u="none" strike="noStrike" kern="1200" baseline="0" dirty="0" smtClean="0">
+                <a:solidFill>
+                  <a:schemeClr val="tx1"/>
+                </a:solidFill>
+                <a:latin typeface="+mn-lt"/>
+                <a:ea typeface="+mn-ea"/>
+                <a:cs typeface="+mn-cs"/>
+              </a:rPr>
+              <a:t> and outliers have a close to uniform distribution over single attributes. See Figure 2(b).</a:t>
+            </a:r>
+          </a:p>
+          <a:p>
+            <a:r>
+              <a:rPr lang="en-CA" sz="1200" b="0" i="0" u="none" strike="noStrike" kern="1200" baseline="0" dirty="0" smtClean="0">
+                <a:solidFill>
+                  <a:schemeClr val="tx1"/>
+                </a:solidFill>
+                <a:latin typeface="+mn-lt"/>
+                <a:ea typeface="+mn-ea"/>
+                <a:cs typeface="+mn-cs"/>
+              </a:rPr>
+              <a:t>Single attributes Both normal and outlier individuals exhibit a strong association between their attributes. In </a:t>
+            </a:r>
+            <a:r>
+              <a:rPr lang="en-CA" sz="1200" b="0" i="0" u="none" strike="noStrike" kern="1200" baseline="0" dirty="0" err="1" smtClean="0">
+                <a:solidFill>
+                  <a:schemeClr val="tx1"/>
+                </a:solidFill>
+                <a:latin typeface="+mn-lt"/>
+                <a:ea typeface="+mn-ea"/>
+                <a:cs typeface="+mn-cs"/>
+              </a:rPr>
+              <a:t>normals</a:t>
+            </a:r>
+            <a:r>
+              <a:rPr lang="en-CA" sz="1200" b="0" i="0" u="none" strike="noStrike" kern="1200" baseline="0" dirty="0" smtClean="0">
+                <a:solidFill>
+                  <a:schemeClr val="tx1"/>
+                </a:solidFill>
+                <a:latin typeface="+mn-lt"/>
+                <a:ea typeface="+mn-ea"/>
+                <a:cs typeface="+mn-cs"/>
+              </a:rPr>
+              <a:t>, 50% of the time, attribute 1</a:t>
+            </a:r>
+          </a:p>
+          <a:p>
+            <a:r>
+              <a:rPr lang="en-CA" sz="1200" b="0" i="0" u="none" strike="noStrike" kern="1200" baseline="0" dirty="0" smtClean="0">
+                <a:solidFill>
+                  <a:schemeClr val="tx1"/>
+                </a:solidFill>
+                <a:latin typeface="+mn-lt"/>
+                <a:ea typeface="+mn-ea"/>
+                <a:cs typeface="+mn-cs"/>
+              </a:rPr>
+              <a:t>has value 0. For outliers, attribute 1 has value 0 only 10% of the time. See Figure 2(c).</a:t>
+            </a:r>
+          </a:p>
+          <a:p>
             <a:endParaRPr lang="en-US" dirty="0"/>
           </a:p>
         </p:txBody>
@@ -1895,6 +1822,211 @@
             <a:fld id="{31CEF2A7-706F-47EC-B2B0-90C3D4759446}" type="slidenum">
               <a:rPr lang="en-US" smtClean="0"/>
               <a:pPr/>
+              <a:t>25</a:t>
+            </a:fld>
+            <a:r>
+              <a:rPr lang="en-US" smtClean="0"/>
+              <a:t>/20</a:t>
+            </a:r>
+            <a:endParaRPr lang="en-US" dirty="0"/>
+          </a:p>
+        </p:txBody>
+      </p:sp>
+    </p:spTree>
+    <p:extLst>
+      <p:ext uri="{BB962C8B-B14F-4D97-AF65-F5344CB8AC3E}">
+        <p14:creationId xmlns:p14="http://schemas.microsoft.com/office/powerpoint/2010/main" val="1231205391"/>
+      </p:ext>
+    </p:extLst>
+  </p:cSld>
+  <p:clrMapOvr>
+    <a:masterClrMapping/>
+  </p:clrMapOvr>
+</p:notes>
+</file>
+
+<file path=ppt/notesSlides/notesSlide15.xml><?xml version="1.0" encoding="utf-8"?>
+<p:notes xmlns:a="http://schemas.openxmlformats.org/drawingml/2006/main" xmlns:r="http://schemas.openxmlformats.org/officeDocument/2006/relationships" xmlns:p="http://schemas.openxmlformats.org/presentationml/2006/main">
+  <p:cSld>
+    <p:spTree>
+      <p:nvGrpSpPr>
+        <p:cNvPr id="1" name=""/>
+        <p:cNvGrpSpPr/>
+        <p:nvPr/>
+      </p:nvGrpSpPr>
+      <p:grpSpPr>
+        <a:xfrm>
+          <a:off x="0" y="0"/>
+          <a:ext cx="0" cy="0"/>
+          <a:chOff x="0" y="0"/>
+          <a:chExt cx="0" cy="0"/>
+        </a:xfrm>
+      </p:grpSpPr>
+      <p:sp>
+        <p:nvSpPr>
+          <p:cNvPr id="2" name="Slide Image Placeholder 1"/>
+          <p:cNvSpPr>
+            <a:spLocks noGrp="1" noRot="1" noChangeAspect="1"/>
+          </p:cNvSpPr>
+          <p:nvPr>
+            <p:ph type="sldImg"/>
+          </p:nvPr>
+        </p:nvSpPr>
+        <p:spPr/>
+      </p:sp>
+      <p:sp>
+        <p:nvSpPr>
+          <p:cNvPr id="3" name="Notes Placeholder 2"/>
+          <p:cNvSpPr>
+            <a:spLocks noGrp="1"/>
+          </p:cNvSpPr>
+          <p:nvPr>
+            <p:ph type="body" idx="1"/>
+          </p:nvPr>
+        </p:nvSpPr>
+        <p:spPr/>
+        <p:txBody>
+          <a:bodyPr/>
+          <a:lstStyle/>
+          <a:p>
+            <a:r>
+              <a:rPr lang="en-US" sz="2800" dirty="0" smtClean="0"/>
+              <a:t>Use precision as evaluation metric</a:t>
+            </a:r>
+          </a:p>
+          <a:p>
+            <a:pPr lvl="1"/>
+            <a:r>
+              <a:rPr lang="en-US" dirty="0" smtClean="0"/>
+              <a:t>Set the percentages of outliers to be 1% and 5%</a:t>
+            </a:r>
+          </a:p>
+          <a:p>
+            <a:pPr lvl="1"/>
+            <a:r>
+              <a:rPr lang="en-US" dirty="0" smtClean="0"/>
+              <a:t>How many outliers were correctly recognized</a:t>
+            </a:r>
+          </a:p>
+          <a:p>
+            <a:endParaRPr lang="en-US" dirty="0"/>
+          </a:p>
+        </p:txBody>
+      </p:sp>
+      <p:sp>
+        <p:nvSpPr>
+          <p:cNvPr id="4" name="Slide Number Placeholder 3"/>
+          <p:cNvSpPr>
+            <a:spLocks noGrp="1"/>
+          </p:cNvSpPr>
+          <p:nvPr>
+            <p:ph type="sldNum" sz="quarter" idx="10"/>
+          </p:nvPr>
+        </p:nvSpPr>
+        <p:spPr/>
+        <p:txBody>
+          <a:bodyPr/>
+          <a:lstStyle/>
+          <a:p>
+            <a:fld id="{31CEF2A7-706F-47EC-B2B0-90C3D4759446}" type="slidenum">
+              <a:rPr lang="en-US" smtClean="0"/>
+              <a:pPr/>
+              <a:t>26</a:t>
+            </a:fld>
+            <a:r>
+              <a:rPr lang="en-US" smtClean="0"/>
+              <a:t>/20</a:t>
+            </a:r>
+            <a:endParaRPr lang="en-US" dirty="0"/>
+          </a:p>
+        </p:txBody>
+      </p:sp>
+    </p:spTree>
+    <p:extLst>
+      <p:ext uri="{BB962C8B-B14F-4D97-AF65-F5344CB8AC3E}">
+        <p14:creationId xmlns:p14="http://schemas.microsoft.com/office/powerpoint/2010/main" val="1472732775"/>
+      </p:ext>
+    </p:extLst>
+  </p:cSld>
+  <p:clrMapOvr>
+    <a:masterClrMapping/>
+  </p:clrMapOvr>
+</p:notes>
+</file>
+
+<file path=ppt/notesSlides/notesSlide16.xml><?xml version="1.0" encoding="utf-8"?>
+<p:notes xmlns:a="http://schemas.openxmlformats.org/drawingml/2006/main" xmlns:r="http://schemas.openxmlformats.org/officeDocument/2006/relationships" xmlns:p="http://schemas.openxmlformats.org/presentationml/2006/main">
+  <p:cSld>
+    <p:spTree>
+      <p:nvGrpSpPr>
+        <p:cNvPr id="1" name=""/>
+        <p:cNvGrpSpPr/>
+        <p:nvPr/>
+      </p:nvGrpSpPr>
+      <p:grpSpPr>
+        <a:xfrm>
+          <a:off x="0" y="0"/>
+          <a:ext cx="0" cy="0"/>
+          <a:chOff x="0" y="0"/>
+          <a:chExt cx="0" cy="0"/>
+        </a:xfrm>
+      </p:grpSpPr>
+      <p:sp>
+        <p:nvSpPr>
+          <p:cNvPr id="2" name="Slide Image Placeholder 1"/>
+          <p:cNvSpPr>
+            <a:spLocks noGrp="1" noRot="1" noChangeAspect="1"/>
+          </p:cNvSpPr>
+          <p:nvPr>
+            <p:ph type="sldImg"/>
+          </p:nvPr>
+        </p:nvSpPr>
+        <p:spPr/>
+      </p:sp>
+      <p:sp>
+        <p:nvSpPr>
+          <p:cNvPr id="3" name="Notes Placeholder 2"/>
+          <p:cNvSpPr>
+            <a:spLocks noGrp="1"/>
+          </p:cNvSpPr>
+          <p:nvPr>
+            <p:ph type="body" idx="1"/>
+          </p:nvPr>
+        </p:nvSpPr>
+        <p:spPr/>
+        <p:txBody>
+          <a:bodyPr/>
+          <a:lstStyle/>
+          <a:p>
+            <a:r>
+              <a:rPr lang="en-US" dirty="0" err="1" smtClean="0"/>
+              <a:t>eld</a:t>
+            </a:r>
+            <a:r>
+              <a:rPr lang="en-US" dirty="0" smtClean="0"/>
+              <a:t> maps outliers to largest range</a:t>
+            </a:r>
+          </a:p>
+        </p:txBody>
+      </p:sp>
+      <p:sp>
+        <p:nvSpPr>
+          <p:cNvPr id="4" name="Slide Number Placeholder 3"/>
+          <p:cNvSpPr>
+            <a:spLocks noGrp="1"/>
+          </p:cNvSpPr>
+          <p:nvPr>
+            <p:ph type="sldNum" sz="quarter" idx="10"/>
+          </p:nvPr>
+        </p:nvSpPr>
+        <p:spPr/>
+        <p:txBody>
+          <a:bodyPr/>
+          <a:lstStyle/>
+          <a:p>
+            <a:fld id="{31CEF2A7-706F-47EC-B2B0-90C3D4759446}" type="slidenum">
+              <a:rPr lang="en-US" smtClean="0"/>
+              <a:pPr/>
               <a:t>27</a:t>
             </a:fld>
             <a:r>
@@ -1909,6 +2041,96 @@
     <p:extLst>
       <p:ext uri="{BB962C8B-B14F-4D97-AF65-F5344CB8AC3E}">
         <p14:creationId xmlns:p14="http://schemas.microsoft.com/office/powerpoint/2010/main" val="1188382161"/>
+      </p:ext>
+    </p:extLst>
+  </p:cSld>
+  <p:clrMapOvr>
+    <a:masterClrMapping/>
+  </p:clrMapOvr>
+</p:notes>
+</file>
+
+<file path=ppt/notesSlides/notesSlide17.xml><?xml version="1.0" encoding="utf-8"?>
+<p:notes xmlns:a="http://schemas.openxmlformats.org/drawingml/2006/main" xmlns:r="http://schemas.openxmlformats.org/officeDocument/2006/relationships" xmlns:p="http://schemas.openxmlformats.org/presentationml/2006/main">
+  <p:cSld>
+    <p:spTree>
+      <p:nvGrpSpPr>
+        <p:cNvPr id="1" name=""/>
+        <p:cNvGrpSpPr/>
+        <p:nvPr/>
+      </p:nvGrpSpPr>
+      <p:grpSpPr>
+        <a:xfrm>
+          <a:off x="0" y="0"/>
+          <a:ext cx="0" cy="0"/>
+          <a:chOff x="0" y="0"/>
+          <a:chExt cx="0" cy="0"/>
+        </a:xfrm>
+      </p:grpSpPr>
+      <p:sp>
+        <p:nvSpPr>
+          <p:cNvPr id="2" name="Slide Image Placeholder 1"/>
+          <p:cNvSpPr>
+            <a:spLocks noGrp="1" noRot="1" noChangeAspect="1"/>
+          </p:cNvSpPr>
+          <p:nvPr>
+            <p:ph type="sldImg"/>
+          </p:nvPr>
+        </p:nvSpPr>
+        <p:spPr/>
+      </p:sp>
+      <p:sp>
+        <p:nvSpPr>
+          <p:cNvPr id="3" name="Notes Placeholder 2"/>
+          <p:cNvSpPr>
+            <a:spLocks noGrp="1"/>
+          </p:cNvSpPr>
+          <p:nvPr>
+            <p:ph type="body" idx="1"/>
+          </p:nvPr>
+        </p:nvSpPr>
+        <p:spPr/>
+        <p:txBody>
+          <a:bodyPr/>
+          <a:lstStyle/>
+          <a:p>
+            <a:endParaRPr lang="en-US" dirty="0"/>
+          </a:p>
+        </p:txBody>
+      </p:sp>
+      <p:sp>
+        <p:nvSpPr>
+          <p:cNvPr id="4" name="Slide Number Placeholder 3"/>
+          <p:cNvSpPr>
+            <a:spLocks noGrp="1"/>
+          </p:cNvSpPr>
+          <p:nvPr>
+            <p:ph type="sldNum" sz="quarter" idx="10"/>
+          </p:nvPr>
+        </p:nvSpPr>
+        <p:spPr/>
+        <p:txBody>
+          <a:bodyPr/>
+          <a:lstStyle/>
+          <a:p>
+            <a:pPr>
+              <a:defRPr/>
+            </a:pPr>
+            <a:fld id="{57BE7C63-45E8-3348-B2F7-0B0BBCE77ABE}" type="slidenum">
+              <a:rPr lang="en-US" smtClean="0"/>
+              <a:pPr>
+                <a:defRPr/>
+              </a:pPr>
+              <a:t>31</a:t>
+            </a:fld>
+            <a:endParaRPr lang="en-US"/>
+          </a:p>
+        </p:txBody>
+      </p:sp>
+    </p:spTree>
+    <p:extLst>
+      <p:ext uri="{BB962C8B-B14F-4D97-AF65-F5344CB8AC3E}">
+        <p14:creationId xmlns:p14="http://schemas.microsoft.com/office/powerpoint/2010/main" val="601182641"/>
       </p:ext>
     </p:extLst>
   </p:cSld>
@@ -2578,21 +2800,11 @@
           <a:p>
             <a:r>
               <a:rPr lang="en-US" dirty="0" smtClean="0"/>
-              <a:t>cite </a:t>
-            </a:r>
-            <a:r>
-              <a:rPr lang="en-US" dirty="0" err="1" smtClean="0"/>
-              <a:t>Blockeel</a:t>
-            </a:r>
-            <a:r>
-              <a:rPr lang="en-US" dirty="0" smtClean="0"/>
-              <a:t> on learning from interpretations</a:t>
-            </a:r>
-          </a:p>
-          <a:p>
-            <a:r>
-              <a:rPr lang="en-US" dirty="0" smtClean="0"/>
-              <a:t>like learning from interpretations</a:t>
+              <a:t>related to subgroup discovery:</a:t>
+            </a:r>
+            <a:r>
+              <a:rPr lang="en-US" baseline="0" dirty="0" smtClean="0"/>
+              <a:t> anomaly is like subgroup of size 1</a:t>
             </a:r>
             <a:endParaRPr lang="en-US" dirty="0"/>
           </a:p>
@@ -3177,7 +3389,7 @@
               <a:pPr>
                 <a:defRPr/>
               </a:pPr>
-              <a:t>2016-08-25</a:t>
+              <a:t>2016-09-30</a:t>
             </a:fld>
             <a:endParaRPr lang="en-US"/>
           </a:p>
@@ -3206,9 +3418,10 @@
               <a:defRPr/>
             </a:pPr>
             <a:r>
-              <a:rPr lang="en-US"/>
-              <a:t>Presentation Title At Venue</a:t>
-            </a:r>
+              <a:rPr lang="en-US" dirty="0" smtClean="0"/>
+              <a:t>Learning Bayesian Networks for Complex Relational Data</a:t>
+            </a:r>
+            <a:endParaRPr lang="en-US" dirty="0"/>
           </a:p>
         </p:txBody>
       </p:sp>
@@ -3222,7 +3435,15 @@
             <p:ph type="sldNum" sz="quarter" idx="12"/>
           </p:nvPr>
         </p:nvSpPr>
-        <p:spPr/>
+        <p:spPr>
+          <a:xfrm>
+            <a:off x="146050" y="6210300"/>
+            <a:ext cx="457200" cy="457200"/>
+          </a:xfrm>
+          <a:prstGeom prst="ellipse">
+            <a:avLst/>
+          </a:prstGeom>
+        </p:spPr>
         <p:txBody>
           <a:bodyPr/>
           <a:lstStyle>
@@ -3377,7 +3598,7 @@
               <a:pPr>
                 <a:defRPr/>
               </a:pPr>
-              <a:t>2016-08-25</a:t>
+              <a:t>2016-09-30</a:t>
             </a:fld>
             <a:endParaRPr lang="en-US"/>
           </a:p>
@@ -3406,9 +3627,10 @@
               <a:defRPr/>
             </a:pPr>
             <a:r>
-              <a:rPr lang="en-US"/>
-              <a:t>Presentation Title At Venue</a:t>
-            </a:r>
+              <a:rPr lang="en-US" dirty="0" smtClean="0"/>
+              <a:t>Learning Bayesian Networks for Complex Relational Data</a:t>
+            </a:r>
+            <a:endParaRPr lang="en-US" dirty="0"/>
           </a:p>
         </p:txBody>
       </p:sp>
@@ -3422,7 +3644,15 @@
             <p:ph type="sldNum" sz="quarter" idx="12"/>
           </p:nvPr>
         </p:nvSpPr>
-        <p:spPr/>
+        <p:spPr>
+          <a:xfrm>
+            <a:off x="146050" y="6210300"/>
+            <a:ext cx="457200" cy="457200"/>
+          </a:xfrm>
+          <a:prstGeom prst="ellipse">
+            <a:avLst/>
+          </a:prstGeom>
+        </p:spPr>
         <p:txBody>
           <a:bodyPr/>
           <a:lstStyle>
@@ -3587,7 +3817,7 @@
               <a:pPr>
                 <a:defRPr/>
               </a:pPr>
-              <a:t>2016-08-25</a:t>
+              <a:t>2016-09-30</a:t>
             </a:fld>
             <a:endParaRPr lang="en-US"/>
           </a:p>
@@ -3616,9 +3846,10 @@
               <a:defRPr/>
             </a:pPr>
             <a:r>
-              <a:rPr lang="en-US"/>
-              <a:t>Presentation Title At Venue</a:t>
-            </a:r>
+              <a:rPr lang="en-US" dirty="0" smtClean="0"/>
+              <a:t>Learning Bayesian Networks for Complex Relational Data</a:t>
+            </a:r>
+            <a:endParaRPr lang="en-US" dirty="0"/>
           </a:p>
         </p:txBody>
       </p:sp>
@@ -3632,7 +3863,15 @@
             <p:ph type="sldNum" sz="quarter" idx="12"/>
           </p:nvPr>
         </p:nvSpPr>
-        <p:spPr/>
+        <p:spPr>
+          <a:xfrm>
+            <a:off x="146050" y="6210300"/>
+            <a:ext cx="457200" cy="457200"/>
+          </a:xfrm>
+          <a:prstGeom prst="ellipse">
+            <a:avLst/>
+          </a:prstGeom>
+        </p:spPr>
         <p:txBody>
           <a:bodyPr/>
           <a:lstStyle>
@@ -3792,7 +4031,7 @@
               <a:pPr>
                 <a:defRPr/>
               </a:pPr>
-              <a:t>2016-08-25</a:t>
+              <a:t>2016-09-30</a:t>
             </a:fld>
             <a:endParaRPr lang="en-US"/>
           </a:p>
@@ -3821,9 +4060,10 @@
               <a:defRPr/>
             </a:pPr>
             <a:r>
-              <a:rPr lang="en-US"/>
-              <a:t>Presentation Title At Venue</a:t>
-            </a:r>
+              <a:rPr lang="en-US" dirty="0" smtClean="0"/>
+              <a:t>Learning Bayesian Networks for Complex Relational Data</a:t>
+            </a:r>
+            <a:endParaRPr lang="en-US" dirty="0"/>
           </a:p>
         </p:txBody>
       </p:sp>
@@ -3837,7 +4077,15 @@
             <p:ph type="sldNum" sz="quarter" idx="12"/>
           </p:nvPr>
         </p:nvSpPr>
-        <p:spPr/>
+        <p:spPr>
+          <a:xfrm>
+            <a:off x="146050" y="6210300"/>
+            <a:ext cx="457200" cy="457200"/>
+          </a:xfrm>
+          <a:prstGeom prst="ellipse">
+            <a:avLst/>
+          </a:prstGeom>
+        </p:spPr>
         <p:txBody>
           <a:bodyPr/>
           <a:lstStyle>
@@ -4310,7 +4558,7 @@
               <a:pPr>
                 <a:defRPr/>
               </a:pPr>
-              <a:t>2016-08-25</a:t>
+              <a:t>2016-09-30</a:t>
             </a:fld>
             <a:endParaRPr lang="en-US"/>
           </a:p>
@@ -4344,9 +4592,10 @@
               <a:defRPr/>
             </a:pPr>
             <a:r>
-              <a:rPr lang="en-US"/>
-              <a:t>Presentation Title At Venue</a:t>
-            </a:r>
+              <a:rPr lang="en-US" dirty="0" smtClean="0"/>
+              <a:t>Learning Bayesian Networks for Complex Relational Data</a:t>
+            </a:r>
+            <a:endParaRPr lang="en-US" dirty="0"/>
           </a:p>
         </p:txBody>
       </p:sp>
@@ -4365,6 +4614,9 @@
             <a:off x="146050" y="6208713"/>
             <a:ext cx="457200" cy="457200"/>
           </a:xfrm>
+          <a:prstGeom prst="ellipse">
+            <a:avLst/>
+          </a:prstGeom>
         </p:spPr>
         <p:txBody>
           <a:bodyPr/>
@@ -4582,7 +4834,7 @@
               <a:pPr>
                 <a:defRPr/>
               </a:pPr>
-              <a:t>2016-08-25</a:t>
+              <a:t>2016-09-30</a:t>
             </a:fld>
             <a:endParaRPr lang="en-US"/>
           </a:p>
@@ -4611,9 +4863,10 @@
               <a:defRPr/>
             </a:pPr>
             <a:r>
-              <a:rPr lang="en-US"/>
-              <a:t>Presentation Title At Venue</a:t>
-            </a:r>
+              <a:rPr lang="en-US" dirty="0" smtClean="0"/>
+              <a:t>Learning Bayesian Networks for Complex Relational Data</a:t>
+            </a:r>
+            <a:endParaRPr lang="en-US" dirty="0"/>
           </a:p>
         </p:txBody>
       </p:sp>
@@ -4627,7 +4880,15 @@
             <p:ph type="sldNum" sz="quarter" idx="12"/>
           </p:nvPr>
         </p:nvSpPr>
-        <p:spPr/>
+        <p:spPr>
+          <a:xfrm>
+            <a:off x="146050" y="6210300"/>
+            <a:ext cx="457200" cy="457200"/>
+          </a:xfrm>
+          <a:prstGeom prst="ellipse">
+            <a:avLst/>
+          </a:prstGeom>
+        </p:spPr>
         <p:txBody>
           <a:bodyPr/>
           <a:lstStyle>
@@ -4979,7 +5240,7 @@
               <a:pPr>
                 <a:defRPr/>
               </a:pPr>
-              <a:t>2016-08-25</a:t>
+              <a:t>2016-09-30</a:t>
             </a:fld>
             <a:endParaRPr lang="en-US"/>
           </a:p>
@@ -5008,9 +5269,10 @@
               <a:defRPr/>
             </a:pPr>
             <a:r>
-              <a:rPr lang="en-US"/>
-              <a:t>Presentation Title At Venue</a:t>
-            </a:r>
+              <a:rPr lang="en-US" dirty="0" smtClean="0"/>
+              <a:t>Learning Bayesian Networks for Complex Relational Data</a:t>
+            </a:r>
+            <a:endParaRPr lang="en-US" dirty="0"/>
           </a:p>
         </p:txBody>
       </p:sp>
@@ -5024,7 +5286,15 @@
             <p:ph type="sldNum" sz="quarter" idx="12"/>
           </p:nvPr>
         </p:nvSpPr>
-        <p:spPr/>
+        <p:spPr>
+          <a:xfrm>
+            <a:off x="146050" y="6210300"/>
+            <a:ext cx="457200" cy="457200"/>
+          </a:xfrm>
+          <a:prstGeom prst="ellipse">
+            <a:avLst/>
+          </a:prstGeom>
+        </p:spPr>
         <p:txBody>
           <a:bodyPr/>
           <a:lstStyle>
@@ -5127,7 +5397,7 @@
               <a:pPr>
                 <a:defRPr/>
               </a:pPr>
-              <a:t>2016-08-25</a:t>
+              <a:t>2016-09-30</a:t>
             </a:fld>
             <a:endParaRPr lang="en-US"/>
           </a:p>
@@ -5156,9 +5426,10 @@
               <a:defRPr/>
             </a:pPr>
             <a:r>
-              <a:rPr lang="en-US"/>
-              <a:t>Presentation Title At Venue</a:t>
-            </a:r>
+              <a:rPr lang="en-US" dirty="0" smtClean="0"/>
+              <a:t>Learning Bayesian Networks for Complex Relational Data</a:t>
+            </a:r>
+            <a:endParaRPr lang="en-US" dirty="0"/>
           </a:p>
         </p:txBody>
       </p:sp>
@@ -5172,7 +5443,15 @@
             <p:ph type="sldNum" sz="quarter" idx="12"/>
           </p:nvPr>
         </p:nvSpPr>
-        <p:spPr/>
+        <p:spPr>
+          <a:xfrm>
+            <a:off x="146050" y="6210300"/>
+            <a:ext cx="457200" cy="457200"/>
+          </a:xfrm>
+          <a:prstGeom prst="ellipse">
+            <a:avLst/>
+          </a:prstGeom>
+        </p:spPr>
         <p:txBody>
           <a:bodyPr/>
           <a:lstStyle>
@@ -5252,7 +5531,7 @@
               <a:pPr>
                 <a:defRPr/>
               </a:pPr>
-              <a:t>2016-08-25</a:t>
+              <a:t>2016-09-30</a:t>
             </a:fld>
             <a:endParaRPr lang="en-US"/>
           </a:p>
@@ -5281,9 +5560,10 @@
               <a:defRPr/>
             </a:pPr>
             <a:r>
-              <a:rPr lang="en-US"/>
-              <a:t>Presentation Title At Venue</a:t>
-            </a:r>
+              <a:rPr lang="en-US" dirty="0" smtClean="0"/>
+              <a:t>Learning Bayesian Networks for Complex Relational Data</a:t>
+            </a:r>
+            <a:endParaRPr lang="en-US" dirty="0"/>
           </a:p>
         </p:txBody>
       </p:sp>
@@ -5297,7 +5577,15 @@
             <p:ph type="sldNum" sz="quarter" idx="12"/>
           </p:nvPr>
         </p:nvSpPr>
-        <p:spPr/>
+        <p:spPr>
+          <a:xfrm>
+            <a:off x="146050" y="6210300"/>
+            <a:ext cx="457200" cy="457200"/>
+          </a:xfrm>
+          <a:prstGeom prst="ellipse">
+            <a:avLst/>
+          </a:prstGeom>
+        </p:spPr>
         <p:txBody>
           <a:bodyPr/>
           <a:lstStyle>
@@ -5627,7 +5915,7 @@
               <a:pPr>
                 <a:defRPr/>
               </a:pPr>
-              <a:t>2016-08-25</a:t>
+              <a:t>2016-09-30</a:t>
             </a:fld>
             <a:endParaRPr lang="en-US"/>
           </a:p>
@@ -5656,9 +5944,10 @@
               <a:defRPr/>
             </a:pPr>
             <a:r>
-              <a:rPr lang="en-US"/>
-              <a:t>Presentation Title At Venue</a:t>
-            </a:r>
+              <a:rPr lang="en-US" dirty="0" smtClean="0"/>
+              <a:t>Learning Bayesian Networks for Complex Relational Data</a:t>
+            </a:r>
+            <a:endParaRPr lang="en-US" dirty="0"/>
           </a:p>
         </p:txBody>
       </p:sp>
@@ -5672,7 +5961,15 @@
             <p:ph type="sldNum" sz="quarter" idx="12"/>
           </p:nvPr>
         </p:nvSpPr>
-        <p:spPr/>
+        <p:spPr>
+          <a:xfrm>
+            <a:off x="146050" y="6210300"/>
+            <a:ext cx="457200" cy="457200"/>
+          </a:xfrm>
+          <a:prstGeom prst="ellipse">
+            <a:avLst/>
+          </a:prstGeom>
+        </p:spPr>
         <p:txBody>
           <a:bodyPr/>
           <a:lstStyle>
@@ -6049,7 +6346,7 @@
               <a:pPr>
                 <a:defRPr/>
               </a:pPr>
-              <a:t>2016-08-25</a:t>
+              <a:t>2016-09-30</a:t>
             </a:fld>
             <a:endParaRPr lang="en-US"/>
           </a:p>
@@ -6083,9 +6380,10 @@
               <a:defRPr/>
             </a:pPr>
             <a:r>
-              <a:rPr lang="en-US"/>
-              <a:t>Presentation Title At Venue</a:t>
-            </a:r>
+              <a:rPr lang="en-US" dirty="0" smtClean="0"/>
+              <a:t>Learning Bayesian Networks for Complex Relational Data</a:t>
+            </a:r>
+            <a:endParaRPr lang="en-US" dirty="0"/>
           </a:p>
         </p:txBody>
       </p:sp>
@@ -6104,6 +6402,9 @@
             <a:off x="146050" y="6208713"/>
             <a:ext cx="457200" cy="457200"/>
           </a:xfrm>
+          <a:prstGeom prst="ellipse">
+            <a:avLst/>
+          </a:prstGeom>
         </p:spPr>
         <p:txBody>
           <a:bodyPr/>
@@ -6468,7 +6769,7 @@
               <a:pPr>
                 <a:defRPr/>
               </a:pPr>
-              <a:t>2016-08-25</a:t>
+              <a:t>2016-09-30</a:t>
             </a:fld>
             <a:endParaRPr lang="en-US"/>
           </a:p>
@@ -6514,63 +6815,10 @@
               <a:defRPr/>
             </a:pPr>
             <a:r>
-              <a:rPr lang="en-US"/>
-              <a:t>Presentation Title At Venue</a:t>
-            </a:r>
-          </a:p>
-        </p:txBody>
-      </p:sp>
-      <p:sp>
-        <p:nvSpPr>
-          <p:cNvPr id="23" name="Slide Number Placeholder 22"/>
-          <p:cNvSpPr>
-            <a:spLocks noGrp="1"/>
-          </p:cNvSpPr>
-          <p:nvPr>
-            <p:ph type="sldNum" sz="quarter" idx="4"/>
-          </p:nvPr>
-        </p:nvSpPr>
-        <p:spPr>
-          <a:xfrm>
-            <a:off x="146050" y="6210300"/>
-            <a:ext cx="457200" cy="457200"/>
-          </a:xfrm>
-          <a:prstGeom prst="ellipse">
-            <a:avLst/>
-          </a:prstGeom>
-          <a:solidFill>
-            <a:schemeClr val="accent1"/>
-          </a:solidFill>
-        </p:spPr>
-        <p:txBody>
-          <a:bodyPr vert="horz" wrap="none" lIns="0" tIns="0" rIns="0" bIns="0" numCol="1" anchor="ctr" anchorCtr="1" compatLnSpc="1">
-            <a:prstTxWarp prst="textNoShape">
-              <a:avLst/>
-            </a:prstTxWarp>
-            <a:noAutofit/>
-          </a:bodyPr>
-          <a:lstStyle>
-            <a:lvl1pPr algn="ctr">
-              <a:defRPr sz="1400" smtClean="0">
-                <a:solidFill>
-                  <a:srgbClr val="FFFFFF"/>
-                </a:solidFill>
-                <a:latin typeface="Franklin Gothic Book" charset="0"/>
-              </a:defRPr>
-            </a:lvl1pPr>
-          </a:lstStyle>
-          <a:p>
-            <a:pPr>
-              <a:defRPr/>
-            </a:pPr>
-            <a:fld id="{7CEF2234-60CD-F14D-A018-E190E338742A}" type="slidenum">
-              <a:rPr lang="en-US"/>
-              <a:pPr>
-                <a:defRPr/>
-              </a:pPr>
-              <a:t>‹#›</a:t>
-            </a:fld>
-            <a:endParaRPr lang="en-US"/>
+              <a:rPr lang="en-US" dirty="0" smtClean="0"/>
+              <a:t>Learning Bayesian Networks for Complex Relational Data</a:t>
+            </a:r>
+            <a:endParaRPr lang="en-US" dirty="0"/>
           </a:p>
         </p:txBody>
       </p:sp>
@@ -6729,18 +6977,15 @@
           <a:p>
             <a:pPr eaLnBrk="1" hangingPunct="1"/>
             <a:fld id="{24B99B7F-2E64-2646-91C2-380EEC053FFA}" type="slidenum">
-              <a:rPr lang="en-US" sz="1400">
+              <a:rPr lang="en-US" sz="1400" smtClean="0">
                 <a:latin typeface="Perpetua" charset="0"/>
               </a:rPr>
               <a:pPr eaLnBrk="1" hangingPunct="1"/>
               <a:t>‹#›</a:t>
             </a:fld>
-            <a:r>
-              <a:rPr lang="en-US" sz="1400">
-                <a:latin typeface="Perpetua" charset="0"/>
-              </a:rPr>
-              <a:t>/n</a:t>
-            </a:r>
+            <a:endParaRPr lang="en-US" sz="1400" dirty="0">
+              <a:latin typeface="Perpetua" charset="0"/>
+            </a:endParaRPr>
           </a:p>
         </p:txBody>
       </p:sp>
@@ -7501,13 +7746,21 @@
           <a:p>
             <a:r>
               <a:rPr lang="en-US" dirty="0" smtClean="0"/>
-              <a:t>Bayesian network learning discovers relevant conjunctive  features.</a:t>
+              <a:t>Bayesian network learning discovers relevant conjunctive  features</a:t>
             </a:r>
           </a:p>
           <a:p>
             <a:r>
               <a:rPr lang="en-US" dirty="0" smtClean="0"/>
-              <a:t>Related work: The Oddball system also extracts a feature matrix from relational information based on network analysis.</a:t>
+              <a:t>Related work: The Oddball system also extracts a feature matrix from relational information based on network analysis (</a:t>
+            </a:r>
+            <a:r>
+              <a:rPr lang="en-US" dirty="0" err="1" smtClean="0"/>
+              <a:t>Akoglu</a:t>
+            </a:r>
+            <a:r>
+              <a:rPr lang="en-US" dirty="0" smtClean="0"/>
+              <a:t> et al. 2010)</a:t>
             </a:r>
           </a:p>
           <a:p>
@@ -7525,7 +7778,7 @@
             </a:r>
             <a:r>
               <a:rPr lang="en-US" dirty="0" smtClean="0"/>
-              <a:t>. outlier detection methods.</a:t>
+              <a:t>. outlier detection methods</a:t>
             </a:r>
           </a:p>
           <a:p>
@@ -7551,7 +7804,12 @@
             <p:ph type="ftr" sz="quarter" idx="11"/>
           </p:nvPr>
         </p:nvSpPr>
-        <p:spPr/>
+        <p:spPr>
+          <a:xfrm>
+            <a:off x="239059" y="5856937"/>
+            <a:ext cx="8676754" cy="872565"/>
+          </a:xfrm>
+        </p:spPr>
         <p:txBody>
           <a:bodyPr/>
           <a:lstStyle/>
@@ -7560,9 +7818,79 @@
               <a:defRPr/>
             </a:pPr>
             <a:r>
-              <a:rPr lang="en-US" dirty="0" smtClean="0"/>
-              <a:t>cite oddball</a:t>
-            </a:r>
+              <a:rPr lang="en-US" dirty="0" err="1"/>
+              <a:t>Akoglu</a:t>
+            </a:r>
+            <a:r>
+              <a:rPr lang="en-US" dirty="0"/>
+              <a:t>, L.; </a:t>
+            </a:r>
+            <a:r>
+              <a:rPr lang="en-US" dirty="0" err="1"/>
+              <a:t>Mcglohon</a:t>
+            </a:r>
+            <a:r>
+              <a:rPr lang="en-US" dirty="0"/>
+              <a:t>, M. &amp; </a:t>
+            </a:r>
+            <a:r>
+              <a:rPr lang="en-US" dirty="0" err="1"/>
+              <a:t>Faloutsos</a:t>
+            </a:r>
+            <a:r>
+              <a:rPr lang="en-US" dirty="0"/>
+              <a:t>, C. (2010), </a:t>
+            </a:r>
+            <a:r>
+              <a:rPr lang="en-US" dirty="0" err="1"/>
+              <a:t>OddBall</a:t>
+            </a:r>
+            <a:r>
+              <a:rPr lang="en-US" dirty="0"/>
+              <a:t>: Spotting Anomalies in Weighted Graphs, </a:t>
+            </a:r>
+            <a:r>
+              <a:rPr lang="en-US" i="1" dirty="0"/>
+              <a:t>in 'PAKDD', pp. 410-</a:t>
+            </a:r>
+            <a:r>
+              <a:rPr lang="en-US" i="1" dirty="0" smtClean="0"/>
+              <a:t>421</a:t>
+            </a:r>
+          </a:p>
+          <a:p>
+            <a:r>
+              <a:rPr lang="en-US" dirty="0" err="1"/>
+              <a:t>Akoglu</a:t>
+            </a:r>
+            <a:r>
+              <a:rPr lang="en-US" dirty="0"/>
+              <a:t>, L.; Tong, H. &amp; </a:t>
+            </a:r>
+            <a:r>
+              <a:rPr lang="en-US" dirty="0" err="1"/>
+              <a:t>Koutra</a:t>
+            </a:r>
+            <a:r>
+              <a:rPr lang="en-US" dirty="0"/>
+              <a:t>, D. (2015), 'Graph based anomaly detection and description: a survey', </a:t>
+            </a:r>
+            <a:r>
+              <a:rPr lang="en-US" i="1" dirty="0"/>
+              <a:t>Data Mining and Knowledge Discovery </a:t>
+            </a:r>
+            <a:r>
+              <a:rPr lang="en-US" b="1" i="1" dirty="0"/>
+              <a:t>29(3), 626--688.</a:t>
+            </a:r>
+          </a:p>
+          <a:p>
+            <a:endParaRPr lang="en-US" dirty="0"/>
+          </a:p>
+          <a:p>
+            <a:pPr>
+              <a:defRPr/>
+            </a:pPr>
             <a:endParaRPr lang="en-US" dirty="0"/>
           </a:p>
         </p:txBody>
@@ -7658,10 +7986,10 @@
               <a:defRPr/>
             </a:pPr>
             <a:r>
-              <a:rPr lang="en-US" smtClean="0"/>
-              <a:t>Presentation Title At Venue</a:t>
-            </a:r>
-            <a:endParaRPr lang="en-US"/>
+              <a:rPr lang="en-US" dirty="0" smtClean="0"/>
+              <a:t>Learning Bayesian Networks for Complex Relational Data</a:t>
+            </a:r>
+            <a:endParaRPr lang="en-US" dirty="0"/>
           </a:p>
         </p:txBody>
       </p:sp>
@@ -7767,28 +8095,6 @@
           </a:p>
           <a:p>
             <a:r>
-              <a:rPr lang="en-US" sz="2800" dirty="0" smtClean="0"/>
-              <a:t>[cite </a:t>
-            </a:r>
-            <a:r>
-              <a:rPr lang="en-US" sz="2800" dirty="0" err="1" smtClean="0"/>
-              <a:t>Aggrawal</a:t>
-            </a:r>
-            <a:r>
-              <a:rPr lang="en-US" sz="2800" dirty="0" smtClean="0"/>
-              <a:t> or </a:t>
-            </a:r>
-            <a:r>
-              <a:rPr lang="en-US" sz="2800" dirty="0" err="1" smtClean="0"/>
-              <a:t>damdi</a:t>
-            </a:r>
-            <a:r>
-              <a:rPr lang="en-US" sz="2800" dirty="0" smtClean="0"/>
-              <a:t> paper]</a:t>
-            </a:r>
-          </a:p>
-          <a:p>
-            <a:r>
               <a:rPr lang="en-US" sz="2800" b="1" dirty="0" smtClean="0"/>
               <a:t>Idea</a:t>
             </a:r>
@@ -7810,19 +8116,43 @@
             <p:ph type="ftr" sz="quarter" idx="11"/>
           </p:nvPr>
         </p:nvSpPr>
-        <p:spPr/>
+        <p:spPr>
+          <a:xfrm>
+            <a:off x="914399" y="6036235"/>
+            <a:ext cx="6720541" cy="457200"/>
+          </a:xfrm>
+        </p:spPr>
         <p:txBody>
           <a:bodyPr/>
           <a:lstStyle/>
           <a:p>
-            <a:pPr>
-              <a:defRPr/>
-            </a:pPr>
-            <a:r>
-              <a:rPr lang="en-US" smtClean="0"/>
-              <a:t>Presentation Title At Venue</a:t>
-            </a:r>
-            <a:endParaRPr lang="en-US"/>
+            <a:r>
+              <a:rPr lang="en-US" dirty="0" err="1"/>
+              <a:t>Akoglu</a:t>
+            </a:r>
+            <a:r>
+              <a:rPr lang="en-US" dirty="0"/>
+              <a:t>, L.; Tong, H. &amp; </a:t>
+            </a:r>
+            <a:r>
+              <a:rPr lang="en-US" dirty="0" err="1"/>
+              <a:t>Koutra</a:t>
+            </a:r>
+            <a:r>
+              <a:rPr lang="en-US" dirty="0"/>
+              <a:t>, D. (2015), 'Graph based anomaly detection and description: a survey', </a:t>
+            </a:r>
+            <a:r>
+              <a:rPr lang="en-US" i="1" dirty="0"/>
+              <a:t>Data Mining and Knowledge Discovery </a:t>
+            </a:r>
+            <a:r>
+              <a:rPr lang="en-US" b="1" i="1" dirty="0"/>
+              <a:t>29(3), 626--688.</a:t>
+            </a:r>
+          </a:p>
+          <a:p>
+            <a:endParaRPr lang="en-US" dirty="0"/>
           </a:p>
         </p:txBody>
       </p:sp>
@@ -8492,14 +8822,6 @@
               <a:rPr lang="en-US" dirty="0"/>
               <a:t> and Schulte (2015). IEEE SSCI. </a:t>
             </a:r>
-            <a:br>
-              <a:rPr lang="en-US" dirty="0"/>
-            </a:br>
-            <a:r>
-              <a:rPr lang="en-US" dirty="0" smtClean="0"/>
-              <a:t>Cite exceptional model mining.</a:t>
-            </a:r>
-            <a:endParaRPr lang="en-US" dirty="0"/>
           </a:p>
         </p:txBody>
       </p:sp>
@@ -10264,10 +10586,10 @@
               <a:defRPr/>
             </a:pPr>
             <a:r>
-              <a:rPr lang="en-US" smtClean="0"/>
-              <a:t>Presentation Title At Venue</a:t>
-            </a:r>
-            <a:endParaRPr lang="en-US"/>
+              <a:rPr lang="en-US" dirty="0" smtClean="0"/>
+              <a:t>Learning Bayesian Networks for Complex Relational Data</a:t>
+            </a:r>
+            <a:endParaRPr lang="en-US" dirty="0"/>
           </a:p>
         </p:txBody>
       </p:sp>
@@ -10350,11 +10672,7 @@
             </a:r>
             <a:r>
               <a:rPr lang="en-US" dirty="0"/>
-              <a:t>=</a:t>
-            </a:r>
-            <a:r>
-              <a:rPr lang="en-US" dirty="0"/>
-              <a:t>P</a:t>
+              <a:t>=P</a:t>
             </a:r>
             <a:r>
               <a:rPr lang="en-US" baseline="-25000" dirty="0"/>
@@ -10400,12 +10718,12 @@
           <a:graphicData uri="http://schemas.openxmlformats.org/presentationml/2006/ole">
             <mc:AlternateContent xmlns:mc="http://schemas.openxmlformats.org/markup-compatibility/2006">
               <mc:Choice xmlns:v="urn:schemas-microsoft-com:vml" Requires="v">
-                <p:oleObj spid="_x0000_s2100" name="Equation" r:id="rId3" imgW="2260600" imgH="215900" progId="Equation.3">
+                <p:oleObj spid="_x0000_s2175" name="Equation" r:id="rId4" imgW="2260600" imgH="215900" progId="Equation.3">
                   <p:embed/>
                 </p:oleObj>
               </mc:Choice>
               <mc:Fallback>
-                <p:oleObj name="Equation" r:id="rId3" imgW="2260600" imgH="215900" progId="Equation.3">
+                <p:oleObj name="Equation" r:id="rId4" imgW="2260600" imgH="215900" progId="Equation.3">
                   <p:embed/>
                   <p:pic>
                     <p:nvPicPr>
@@ -10416,7 +10734,7 @@
                       <p:nvPr/>
                     </p:nvPicPr>
                     <p:blipFill>
-                      <a:blip r:embed="rId4"/>
+                      <a:blip r:embed="rId5"/>
                       <a:srcRect/>
                       <a:stretch>
                         <a:fillRect/>
@@ -10462,12 +10780,12 @@
           <a:graphicData uri="http://schemas.openxmlformats.org/presentationml/2006/ole">
             <mc:AlternateContent xmlns:mc="http://schemas.openxmlformats.org/markup-compatibility/2006">
               <mc:Choice xmlns:v="urn:schemas-microsoft-com:vml" Requires="v">
-                <p:oleObj spid="_x0000_s2101" name="Equation" r:id="rId5" imgW="4686300" imgH="698500" progId="Equation.3">
+                <p:oleObj spid="_x0000_s2176" name="Equation" r:id="rId6" imgW="4686300" imgH="698500" progId="Equation.3">
                   <p:embed/>
                 </p:oleObj>
               </mc:Choice>
               <mc:Fallback>
-                <p:oleObj name="Equation" r:id="rId5" imgW="4686300" imgH="698500" progId="Equation.3">
+                <p:oleObj name="Equation" r:id="rId6" imgW="4686300" imgH="698500" progId="Equation.3">
                   <p:embed/>
                   <p:pic>
                     <p:nvPicPr>
@@ -10478,7 +10796,7 @@
                       <p:nvPr/>
                     </p:nvPicPr>
                     <p:blipFill>
-                      <a:blip r:embed="rId6"/>
+                      <a:blip r:embed="rId7"/>
                       <a:srcRect/>
                       <a:stretch>
                         <a:fillRect/>
@@ -10574,10 +10892,10 @@
               <a:defRPr/>
             </a:pPr>
             <a:r>
-              <a:rPr lang="en-US" smtClean="0"/>
-              <a:t>Presentation Title At Venue</a:t>
-            </a:r>
-            <a:endParaRPr lang="en-US"/>
+              <a:rPr lang="en-US" dirty="0" smtClean="0"/>
+              <a:t>Learning Bayesian Networks for Complex Relational Data</a:t>
+            </a:r>
+            <a:endParaRPr lang="en-US" dirty="0"/>
           </a:p>
         </p:txBody>
       </p:sp>
@@ -10591,14 +10909,14 @@
             <p:ph sz="quarter" idx="1"/>
             <p:extLst>
               <p:ext uri="{D42A27DB-BD31-4B8C-83A1-F6EECF244321}">
-                <p14:modId xmlns:p14="http://schemas.microsoft.com/office/powerpoint/2010/main" val="3604527329"/>
+                <p14:modId xmlns:p14="http://schemas.microsoft.com/office/powerpoint/2010/main" val="4095528125"/>
               </p:ext>
             </p:extLst>
           </p:nvPr>
         </p:nvGraphicFramePr>
         <p:xfrm>
           <a:off x="411728" y="1633017"/>
-          <a:ext cx="7772401" cy="741680"/>
+          <a:ext cx="7894989" cy="932180"/>
         </p:xfrm>
         <a:graphic>
           <a:graphicData uri="http://schemas.openxmlformats.org/drawingml/2006/table">
@@ -10611,8 +10929,8 @@
                 <a:gridCol w="1110343"/>
                 <a:gridCol w="1110343"/>
                 <a:gridCol w="1110343"/>
-                <a:gridCol w="1110343"/>
-                <a:gridCol w="1110343"/>
+                <a:gridCol w="1125426"/>
+                <a:gridCol w="1217848"/>
                 <a:gridCol w="1110343"/>
               </a:tblGrid>
               <a:tr h="370840">
@@ -10623,12 +10941,12 @@
                     <a:p>
                       <a:pPr algn="l" fontAlgn="b"/>
                       <a:r>
-                        <a:rPr lang="en-US" sz="1200" b="0" i="0" u="none" strike="noStrike" dirty="0">
+                        <a:rPr lang="en-US" sz="1800" b="0" i="0" u="none" strike="noStrike" dirty="0">
                           <a:solidFill>
                             <a:srgbClr val="000000"/>
                           </a:solidFill>
                           <a:effectLst/>
-                          <a:latin typeface="Calibri"/>
+                          <a:latin typeface="+mn-lt"/>
                         </a:rPr>
                         <a:t>gender(A)</a:t>
                       </a:r>
@@ -10643,12 +10961,12 @@
                     <a:p>
                       <a:pPr algn="l" fontAlgn="b"/>
                       <a:r>
-                        <a:rPr lang="en-US" sz="1200" b="0" i="0" u="none" strike="noStrike">
+                        <a:rPr lang="en-US" sz="1800" b="0" i="0" u="none" strike="noStrike">
                           <a:solidFill>
                             <a:srgbClr val="000000"/>
                           </a:solidFill>
                           <a:effectLst/>
-                          <a:latin typeface="Calibri"/>
+                          <a:latin typeface="+mn-lt"/>
                         </a:rPr>
                         <a:t>individual joint</a:t>
                       </a:r>
@@ -10663,12 +10981,12 @@
                     <a:p>
                       <a:pPr algn="l" fontAlgn="b"/>
                       <a:r>
-                        <a:rPr lang="en-US" sz="1200" b="0" i="0" u="none" strike="noStrike">
+                        <a:rPr lang="en-US" sz="1800" b="0" i="0" u="none" strike="noStrike">
                           <a:solidFill>
                             <a:srgbClr val="000000"/>
                           </a:solidFill>
                           <a:effectLst/>
-                          <a:latin typeface="Calibri"/>
+                          <a:latin typeface="+mn-lt"/>
                         </a:rPr>
                         <a:t>individual cond</a:t>
                       </a:r>
@@ -10683,12 +11001,12 @@
                     <a:p>
                       <a:pPr algn="l" fontAlgn="b"/>
                       <a:r>
-                        <a:rPr lang="en-US" sz="1200" b="0" i="0" u="none" strike="noStrike">
+                        <a:rPr lang="en-US" sz="1800" b="0" i="0" u="none" strike="noStrike">
                           <a:solidFill>
                             <a:srgbClr val="000000"/>
                           </a:solidFill>
                           <a:effectLst/>
-                          <a:latin typeface="Calibri"/>
+                          <a:latin typeface="+mn-lt"/>
                         </a:rPr>
                         <a:t>class cond</a:t>
                       </a:r>
@@ -10703,12 +11021,12 @@
                     <a:p>
                       <a:pPr algn="l" fontAlgn="b"/>
                       <a:r>
-                        <a:rPr lang="en-US" sz="1200" b="0" i="0" u="none" strike="noStrike">
+                        <a:rPr lang="en-US" sz="1800" b="0" i="0" u="none" strike="noStrike">
                           <a:solidFill>
                             <a:srgbClr val="000000"/>
                           </a:solidFill>
                           <a:effectLst/>
-                          <a:latin typeface="Calibri"/>
+                          <a:latin typeface="+mn-lt"/>
                         </a:rPr>
                         <a:t>ln(ind.cond.)</a:t>
                       </a:r>
@@ -10723,12 +11041,12 @@
                     <a:p>
                       <a:pPr algn="l" fontAlgn="b"/>
                       <a:r>
-                        <a:rPr lang="en-US" sz="1200" b="0" i="0" u="none" strike="noStrike">
+                        <a:rPr lang="en-US" sz="1800" b="0" i="0" u="none" strike="noStrike">
                           <a:solidFill>
                             <a:srgbClr val="000000"/>
                           </a:solidFill>
                           <a:effectLst/>
-                          <a:latin typeface="Calibri"/>
+                          <a:latin typeface="+mn-lt"/>
                         </a:rPr>
                         <a:t>ln(class cond.)</a:t>
                       </a:r>
@@ -10743,12 +11061,12 @@
                     <a:p>
                       <a:pPr algn="l" fontAlgn="b"/>
                       <a:r>
-                        <a:rPr lang="en-US" sz="1200" b="0" i="0" u="none" strike="noStrike">
+                        <a:rPr lang="en-US" sz="1800" b="0" i="0" u="none" strike="noStrike">
                           <a:solidFill>
                             <a:srgbClr val="000000"/>
                           </a:solidFill>
                           <a:effectLst/>
-                          <a:latin typeface="Calibri"/>
+                          <a:latin typeface="+mn-lt"/>
                         </a:rPr>
                         <a:t>KLD</a:t>
                       </a:r>
@@ -10765,12 +11083,12 @@
                     <a:p>
                       <a:pPr algn="l" fontAlgn="b"/>
                       <a:r>
-                        <a:rPr lang="en-US" sz="1200" b="0" i="0" u="none" strike="noStrike">
+                        <a:rPr lang="en-US" sz="1800" b="0" i="0" u="none" strike="noStrike">
                           <a:solidFill>
                             <a:srgbClr val="000000"/>
                           </a:solidFill>
                           <a:effectLst/>
-                          <a:latin typeface="Calibri"/>
+                          <a:latin typeface="+mn-lt"/>
                         </a:rPr>
                         <a:t>M</a:t>
                       </a:r>
@@ -10785,12 +11103,12 @@
                     <a:p>
                       <a:pPr algn="r" fontAlgn="b"/>
                       <a:r>
-                        <a:rPr lang="en-US" sz="1200" b="0" i="0" u="none" strike="noStrike">
+                        <a:rPr lang="en-US" sz="1800" b="0" i="0" u="none" strike="noStrike">
                           <a:solidFill>
                             <a:srgbClr val="000000"/>
                           </a:solidFill>
                           <a:effectLst/>
-                          <a:latin typeface="Calibri"/>
+                          <a:latin typeface="+mn-lt"/>
                         </a:rPr>
                         <a:t>1</a:t>
                       </a:r>
@@ -10805,12 +11123,12 @@
                     <a:p>
                       <a:pPr algn="r" fontAlgn="b"/>
                       <a:r>
-                        <a:rPr lang="en-US" sz="1200" b="0" i="0" u="none" strike="noStrike">
+                        <a:rPr lang="en-US" sz="1800" b="0" i="0" u="none" strike="noStrike">
                           <a:solidFill>
                             <a:srgbClr val="000000"/>
                           </a:solidFill>
                           <a:effectLst/>
-                          <a:latin typeface="Calibri"/>
+                          <a:latin typeface="+mn-lt"/>
                         </a:rPr>
                         <a:t>1</a:t>
                       </a:r>
@@ -10825,12 +11143,12 @@
                     <a:p>
                       <a:pPr algn="r" fontAlgn="b"/>
                       <a:r>
-                        <a:rPr lang="en-US" sz="1200" b="0" i="0" u="none" strike="noStrike">
+                        <a:rPr lang="en-US" sz="1800" b="0" i="0" u="none" strike="noStrike">
                           <a:solidFill>
                             <a:srgbClr val="000000"/>
                           </a:solidFill>
                           <a:effectLst/>
-                          <a:latin typeface="Calibri"/>
+                          <a:latin typeface="+mn-lt"/>
                         </a:rPr>
                         <a:t>0.5</a:t>
                       </a:r>
@@ -10845,12 +11163,12 @@
                     <a:p>
                       <a:pPr algn="r" fontAlgn="b"/>
                       <a:r>
-                        <a:rPr lang="en-US" sz="1200" b="0" i="0" u="none" strike="noStrike">
+                        <a:rPr lang="en-US" sz="1800" b="0" i="0" u="none" strike="noStrike">
                           <a:solidFill>
                             <a:srgbClr val="000000"/>
                           </a:solidFill>
                           <a:effectLst/>
-                          <a:latin typeface="Calibri"/>
+                          <a:latin typeface="+mn-lt"/>
                         </a:rPr>
                         <a:t>0</a:t>
                       </a:r>
@@ -10865,12 +11183,12 @@
                     <a:p>
                       <a:pPr algn="r" fontAlgn="b"/>
                       <a:r>
-                        <a:rPr lang="en-US" sz="1200" b="0" i="0" u="none" strike="noStrike">
+                        <a:rPr lang="en-US" sz="1800" b="0" i="0" u="none" strike="noStrike">
                           <a:solidFill>
                             <a:srgbClr val="000000"/>
                           </a:solidFill>
                           <a:effectLst/>
-                          <a:latin typeface="Calibri"/>
+                          <a:latin typeface="+mn-lt"/>
                         </a:rPr>
                         <a:t>-0.69</a:t>
                       </a:r>
@@ -10885,12 +11203,12 @@
                     <a:p>
                       <a:pPr algn="r" fontAlgn="b"/>
                       <a:r>
-                        <a:rPr lang="en-US" sz="1200" b="0" i="0" u="none" strike="noStrike" dirty="0">
+                        <a:rPr lang="en-US" sz="1800" b="0" i="0" u="none" strike="noStrike" dirty="0">
                           <a:solidFill>
                             <a:srgbClr val="000000"/>
                           </a:solidFill>
                           <a:effectLst/>
-                          <a:latin typeface="Calibri"/>
+                          <a:latin typeface="+mn-lt"/>
                         </a:rPr>
                         <a:t>0.69</a:t>
                       </a:r>
@@ -10912,14 +11230,14 @@
           <p:nvPr>
             <p:extLst>
               <p:ext uri="{D42A27DB-BD31-4B8C-83A1-F6EECF244321}">
-                <p14:modId xmlns:p14="http://schemas.microsoft.com/office/powerpoint/2010/main" val="3476725142"/>
+                <p14:modId xmlns:p14="http://schemas.microsoft.com/office/powerpoint/2010/main" val="2141492348"/>
               </p:ext>
             </p:extLst>
           </p:nvPr>
         </p:nvGraphicFramePr>
         <p:xfrm>
-          <a:off x="411728" y="2891967"/>
-          <a:ext cx="7869132" cy="1982796"/>
+          <a:off x="220372" y="2891967"/>
+          <a:ext cx="8695854" cy="2048437"/>
         </p:xfrm>
         <a:graphic>
           <a:graphicData uri="http://schemas.openxmlformats.org/drawingml/2006/table">
@@ -10928,14 +11246,14 @@
                 <a:tableStyleId>{5C22544A-7EE6-4342-B048-85BDC9FD1C3A}</a:tableStyleId>
               </a:tblPr>
               <a:tblGrid>
+                <a:gridCol w="1073522"/>
+                <a:gridCol w="874348"/>
+                <a:gridCol w="907318"/>
                 <a:gridCol w="874348"/>
                 <a:gridCol w="874348"/>
                 <a:gridCol w="874348"/>
-                <a:gridCol w="874348"/>
-                <a:gridCol w="874348"/>
-                <a:gridCol w="874348"/>
-                <a:gridCol w="874348"/>
-                <a:gridCol w="874348"/>
+                <a:gridCol w="1125426"/>
+                <a:gridCol w="1217848"/>
                 <a:gridCol w="874348"/>
               </a:tblGrid>
               <a:tr h="495699">
@@ -10946,22 +11264,22 @@
                     <a:p>
                       <a:pPr algn="l" fontAlgn="b"/>
                       <a:r>
-                        <a:rPr lang="en-US" sz="1200" b="0" i="0" u="none" strike="noStrike" dirty="0" err="1">
+                        <a:rPr lang="en-US" sz="1800" b="0" i="0" u="none" strike="noStrike" dirty="0" err="1">
                           <a:solidFill>
                             <a:srgbClr val="000000"/>
                           </a:solidFill>
                           <a:effectLst/>
-                          <a:latin typeface="Calibri"/>
+                          <a:latin typeface="+mn-lt"/>
                         </a:rPr>
                         <a:t>ActsIn</a:t>
                       </a:r>
                       <a:r>
-                        <a:rPr lang="en-US" sz="1200" b="0" i="0" u="none" strike="noStrike" dirty="0">
+                        <a:rPr lang="en-US" sz="1800" b="0" i="0" u="none" strike="noStrike" dirty="0">
                           <a:solidFill>
                             <a:srgbClr val="000000"/>
                           </a:solidFill>
                           <a:effectLst/>
-                          <a:latin typeface="Calibri"/>
+                          <a:latin typeface="+mn-lt"/>
                         </a:rPr>
                         <a:t>(A,M)</a:t>
                       </a:r>
@@ -10976,12 +11294,12 @@
                     <a:p>
                       <a:pPr algn="l" fontAlgn="b"/>
                       <a:r>
-                        <a:rPr lang="en-US" sz="1200" b="0" i="0" u="none" strike="noStrike">
+                        <a:rPr lang="en-US" sz="1800" b="0" i="0" u="none" strike="noStrike" dirty="0">
                           <a:solidFill>
                             <a:srgbClr val="000000"/>
                           </a:solidFill>
                           <a:effectLst/>
-                          <a:latin typeface="Calibri"/>
+                          <a:latin typeface="+mn-lt"/>
                         </a:rPr>
                         <a:t>gender(A)</a:t>
                       </a:r>
@@ -10996,12 +11314,12 @@
                     <a:p>
                       <a:pPr algn="l" fontAlgn="b"/>
                       <a:r>
-                        <a:rPr lang="en-US" sz="1200" b="0" i="0" u="none" strike="noStrike">
+                        <a:rPr lang="en-US" sz="1800" b="0" i="0" u="none" strike="noStrike">
                           <a:solidFill>
                             <a:srgbClr val="000000"/>
                           </a:solidFill>
                           <a:effectLst/>
-                          <a:latin typeface="Calibri"/>
+                          <a:latin typeface="+mn-lt"/>
                         </a:rPr>
                         <a:t>Drama(M)</a:t>
                       </a:r>
@@ -11016,12 +11334,12 @@
                     <a:p>
                       <a:pPr algn="l" fontAlgn="b"/>
                       <a:r>
-                        <a:rPr lang="en-US" sz="1200" b="0" i="0" u="none" strike="noStrike">
+                        <a:rPr lang="en-US" sz="1800" b="0" i="0" u="none" strike="noStrike">
                           <a:solidFill>
                             <a:srgbClr val="000000"/>
                           </a:solidFill>
                           <a:effectLst/>
-                          <a:latin typeface="Calibri"/>
+                          <a:latin typeface="+mn-lt"/>
                         </a:rPr>
                         <a:t>individual joint</a:t>
                       </a:r>
@@ -11036,12 +11354,12 @@
                     <a:p>
                       <a:pPr algn="l" fontAlgn="b"/>
                       <a:r>
-                        <a:rPr lang="en-US" sz="1200" b="0" i="0" u="none" strike="noStrike">
+                        <a:rPr lang="en-US" sz="1800" b="0" i="0" u="none" strike="noStrike">
                           <a:solidFill>
                             <a:srgbClr val="000000"/>
                           </a:solidFill>
                           <a:effectLst/>
-                          <a:latin typeface="Calibri"/>
+                          <a:latin typeface="+mn-lt"/>
                         </a:rPr>
                         <a:t>individual cond</a:t>
                       </a:r>
@@ -11056,12 +11374,12 @@
                     <a:p>
                       <a:pPr algn="l" fontAlgn="b"/>
                       <a:r>
-                        <a:rPr lang="en-US" sz="1200" b="0" i="0" u="none" strike="noStrike">
+                        <a:rPr lang="en-US" sz="1800" b="0" i="0" u="none" strike="noStrike">
                           <a:solidFill>
                             <a:srgbClr val="000000"/>
                           </a:solidFill>
                           <a:effectLst/>
-                          <a:latin typeface="Calibri"/>
+                          <a:latin typeface="+mn-lt"/>
                         </a:rPr>
                         <a:t>class cond</a:t>
                       </a:r>
@@ -11076,12 +11394,12 @@
                     <a:p>
                       <a:pPr algn="l" fontAlgn="b"/>
                       <a:r>
-                        <a:rPr lang="en-US" sz="1200" b="0" i="0" u="none" strike="noStrike">
+                        <a:rPr lang="en-US" sz="1800" b="0" i="0" u="none" strike="noStrike">
                           <a:solidFill>
                             <a:srgbClr val="000000"/>
                           </a:solidFill>
                           <a:effectLst/>
-                          <a:latin typeface="Calibri"/>
+                          <a:latin typeface="+mn-lt"/>
                         </a:rPr>
                         <a:t>ln(ind.cond.)</a:t>
                       </a:r>
@@ -11096,12 +11414,12 @@
                     <a:p>
                       <a:pPr algn="l" fontAlgn="b"/>
                       <a:r>
-                        <a:rPr lang="en-US" sz="1200" b="0" i="0" u="none" strike="noStrike">
+                        <a:rPr lang="en-US" sz="1800" b="0" i="0" u="none" strike="noStrike">
                           <a:solidFill>
                             <a:srgbClr val="000000"/>
                           </a:solidFill>
                           <a:effectLst/>
-                          <a:latin typeface="Calibri"/>
+                          <a:latin typeface="+mn-lt"/>
                         </a:rPr>
                         <a:t>ln(class cond.)</a:t>
                       </a:r>
@@ -11116,12 +11434,12 @@
                     <a:p>
                       <a:pPr algn="l" fontAlgn="b"/>
                       <a:r>
-                        <a:rPr lang="en-US" sz="1200" b="0" i="0" u="none" strike="noStrike">
+                        <a:rPr lang="en-US" sz="1800" b="0" i="0" u="none" strike="noStrike">
                           <a:solidFill>
                             <a:srgbClr val="000000"/>
                           </a:solidFill>
                           <a:effectLst/>
-                          <a:latin typeface="Calibri"/>
+                          <a:latin typeface="+mn-lt"/>
                         </a:rPr>
                         <a:t>KLD</a:t>
                       </a:r>
@@ -11138,12 +11456,12 @@
                     <a:p>
                       <a:pPr algn="l" fontAlgn="b"/>
                       <a:r>
-                        <a:rPr lang="en-US" sz="1200" b="0" i="0" u="none" strike="noStrike">
+                        <a:rPr lang="en-US" sz="1800" b="0" i="0" u="none" strike="noStrike">
                           <a:solidFill>
                             <a:srgbClr val="000000"/>
                           </a:solidFill>
                           <a:effectLst/>
-                          <a:latin typeface="Calibri"/>
+                          <a:latin typeface="+mn-lt"/>
                         </a:rPr>
                         <a:t>F</a:t>
                       </a:r>
@@ -11158,12 +11476,12 @@
                     <a:p>
                       <a:pPr algn="l" fontAlgn="b"/>
                       <a:r>
-                        <a:rPr lang="en-US" sz="1200" b="0" i="0" u="none" strike="noStrike">
+                        <a:rPr lang="en-US" sz="1800" b="0" i="0" u="none" strike="noStrike">
                           <a:solidFill>
                             <a:srgbClr val="000000"/>
                           </a:solidFill>
                           <a:effectLst/>
-                          <a:latin typeface="Calibri"/>
+                          <a:latin typeface="+mn-lt"/>
                         </a:rPr>
                         <a:t>M</a:t>
                       </a:r>
@@ -11178,12 +11496,12 @@
                     <a:p>
                       <a:pPr algn="l" fontAlgn="b"/>
                       <a:r>
-                        <a:rPr lang="en-US" sz="1200" b="0" i="0" u="none" strike="noStrike">
+                        <a:rPr lang="en-US" sz="1800" b="0" i="0" u="none" strike="noStrike">
                           <a:solidFill>
                             <a:srgbClr val="000000"/>
                           </a:solidFill>
                           <a:effectLst/>
-                          <a:latin typeface="Calibri"/>
+                          <a:latin typeface="+mn-lt"/>
                         </a:rPr>
                         <a:t>T</a:t>
                       </a:r>
@@ -11198,12 +11516,12 @@
                     <a:p>
                       <a:pPr algn="r" fontAlgn="b"/>
                       <a:r>
-                        <a:rPr lang="en-US" sz="1200" b="0" i="0" u="none" strike="noStrike">
+                        <a:rPr lang="en-US" sz="1800" b="0" i="0" u="none" strike="noStrike">
                           <a:solidFill>
                             <a:srgbClr val="000000"/>
                           </a:solidFill>
                           <a:effectLst/>
-                          <a:latin typeface="Calibri"/>
+                          <a:latin typeface="+mn-lt"/>
                         </a:rPr>
                         <a:t> 1/2</a:t>
                       </a:r>
@@ -11218,12 +11536,12 @@
                     <a:p>
                       <a:pPr algn="r" fontAlgn="b"/>
                       <a:r>
-                        <a:rPr lang="en-US" sz="1200" b="0" i="0" u="none" strike="noStrike">
+                        <a:rPr lang="en-US" sz="1800" b="0" i="0" u="none" strike="noStrike">
                           <a:solidFill>
                             <a:srgbClr val="000000"/>
                           </a:solidFill>
                           <a:effectLst/>
-                          <a:latin typeface="Calibri"/>
+                          <a:latin typeface="+mn-lt"/>
                         </a:rPr>
                         <a:t>1</a:t>
                       </a:r>
@@ -11238,12 +11556,12 @@
                     <a:p>
                       <a:pPr algn="r" fontAlgn="b"/>
                       <a:r>
-                        <a:rPr lang="en-US" sz="1200" b="0" i="0" u="none" strike="noStrike">
+                        <a:rPr lang="en-US" sz="1800" b="0" i="0" u="none" strike="noStrike">
                           <a:solidFill>
                             <a:srgbClr val="000000"/>
                           </a:solidFill>
                           <a:effectLst/>
-                          <a:latin typeface="Calibri"/>
+                          <a:latin typeface="+mn-lt"/>
                         </a:rPr>
                         <a:t>0.5</a:t>
                       </a:r>
@@ -11258,12 +11576,12 @@
                     <a:p>
                       <a:pPr algn="r" fontAlgn="b"/>
                       <a:r>
-                        <a:rPr lang="en-US" sz="1200" b="0" i="0" u="none" strike="noStrike">
+                        <a:rPr lang="en-US" sz="1800" b="0" i="0" u="none" strike="noStrike">
                           <a:solidFill>
                             <a:srgbClr val="000000"/>
                           </a:solidFill>
                           <a:effectLst/>
-                          <a:latin typeface="Calibri"/>
+                          <a:latin typeface="+mn-lt"/>
                         </a:rPr>
                         <a:t>0</a:t>
                       </a:r>
@@ -11278,12 +11596,12 @@
                     <a:p>
                       <a:pPr algn="r" fontAlgn="b"/>
                       <a:r>
-                        <a:rPr lang="en-US" sz="1200" b="0" i="0" u="none" strike="noStrike">
+                        <a:rPr lang="en-US" sz="1800" b="0" i="0" u="none" strike="noStrike">
                           <a:solidFill>
                             <a:srgbClr val="000000"/>
                           </a:solidFill>
                           <a:effectLst/>
-                          <a:latin typeface="Calibri"/>
+                          <a:latin typeface="+mn-lt"/>
                         </a:rPr>
                         <a:t>-0.69</a:t>
                       </a:r>
@@ -11298,12 +11616,12 @@
                     <a:p>
                       <a:pPr algn="r" fontAlgn="b"/>
                       <a:r>
-                        <a:rPr lang="en-US" sz="1200" b="0" i="0" u="none" strike="noStrike">
+                        <a:rPr lang="en-US" sz="1800" b="0" i="0" u="none" strike="noStrike">
                           <a:solidFill>
                             <a:srgbClr val="000000"/>
                           </a:solidFill>
                           <a:effectLst/>
-                          <a:latin typeface="Calibri"/>
+                          <a:latin typeface="+mn-lt"/>
                         </a:rPr>
                         <a:t>0.35</a:t>
                       </a:r>
@@ -11320,12 +11638,12 @@
                     <a:p>
                       <a:pPr algn="l" fontAlgn="b"/>
                       <a:r>
-                        <a:rPr lang="en-US" sz="1200" b="0" i="0" u="none" strike="noStrike">
+                        <a:rPr lang="en-US" sz="1800" b="0" i="0" u="none" strike="noStrike">
                           <a:solidFill>
                             <a:srgbClr val="000000"/>
                           </a:solidFill>
                           <a:effectLst/>
-                          <a:latin typeface="Calibri"/>
+                          <a:latin typeface="+mn-lt"/>
                         </a:rPr>
                         <a:t>F</a:t>
                       </a:r>
@@ -11340,12 +11658,12 @@
                     <a:p>
                       <a:pPr algn="l" fontAlgn="b"/>
                       <a:r>
-                        <a:rPr lang="en-US" sz="1200" b="0" i="0" u="none" strike="noStrike">
+                        <a:rPr lang="en-US" sz="1800" b="0" i="0" u="none" strike="noStrike">
                           <a:solidFill>
                             <a:srgbClr val="000000"/>
                           </a:solidFill>
                           <a:effectLst/>
-                          <a:latin typeface="Calibri"/>
+                          <a:latin typeface="+mn-lt"/>
                         </a:rPr>
                         <a:t>M</a:t>
                       </a:r>
@@ -11360,12 +11678,12 @@
                     <a:p>
                       <a:pPr algn="l" fontAlgn="b"/>
                       <a:r>
-                        <a:rPr lang="en-US" sz="1200" b="0" i="0" u="none" strike="noStrike">
+                        <a:rPr lang="en-US" sz="1800" b="0" i="0" u="none" strike="noStrike">
                           <a:solidFill>
                             <a:srgbClr val="000000"/>
                           </a:solidFill>
                           <a:effectLst/>
-                          <a:latin typeface="Calibri"/>
+                          <a:latin typeface="+mn-lt"/>
                         </a:rPr>
                         <a:t>F</a:t>
                       </a:r>
@@ -11380,15 +11698,22 @@
                     <a:p>
                       <a:pPr algn="r" fontAlgn="b"/>
                       <a:r>
-                        <a:rPr lang="en-US" sz="1200" b="0" i="0" u="none" strike="noStrike">
+                        <a:rPr lang="en-US" sz="1800" b="0" i="0" u="none" strike="noStrike" dirty="0" smtClean="0">
                           <a:solidFill>
                             <a:srgbClr val="000000"/>
                           </a:solidFill>
                           <a:effectLst/>
-                          <a:latin typeface="Calibri"/>
+                          <a:latin typeface="+mn-lt"/>
                         </a:rPr>
-                        <a:t>0.5</a:t>
+                        <a:t>1/2</a:t>
                       </a:r>
+                      <a:endParaRPr lang="en-US" sz="1800" b="0" i="0" u="none" strike="noStrike" dirty="0">
+                        <a:solidFill>
+                          <a:srgbClr val="000000"/>
+                        </a:solidFill>
+                        <a:effectLst/>
+                        <a:latin typeface="+mn-lt"/>
+                      </a:endParaRPr>
                     </a:p>
                   </a:txBody>
                   <a:tcPr marL="12700" marR="12700" marT="12700" marB="0" anchor="b"/>
@@ -11400,12 +11725,12 @@
                     <a:p>
                       <a:pPr algn="r" fontAlgn="b"/>
                       <a:r>
-                        <a:rPr lang="en-US" sz="1200" b="0" i="0" u="none" strike="noStrike">
+                        <a:rPr lang="en-US" sz="1800" b="0" i="0" u="none" strike="noStrike">
                           <a:solidFill>
                             <a:srgbClr val="000000"/>
                           </a:solidFill>
                           <a:effectLst/>
-                          <a:latin typeface="Calibri"/>
+                          <a:latin typeface="+mn-lt"/>
                         </a:rPr>
                         <a:t>1</a:t>
                       </a:r>
@@ -11420,12 +11745,12 @@
                     <a:p>
                       <a:pPr algn="r" fontAlgn="b"/>
                       <a:r>
-                        <a:rPr lang="en-US" sz="1200" b="0" i="0" u="none" strike="noStrike">
+                        <a:rPr lang="en-US" sz="1800" b="0" i="0" u="none" strike="noStrike">
                           <a:solidFill>
                             <a:srgbClr val="000000"/>
                           </a:solidFill>
                           <a:effectLst/>
-                          <a:latin typeface="Calibri"/>
+                          <a:latin typeface="+mn-lt"/>
                         </a:rPr>
                         <a:t>1</a:t>
                       </a:r>
@@ -11440,12 +11765,12 @@
                     <a:p>
                       <a:pPr algn="r" fontAlgn="b"/>
                       <a:r>
-                        <a:rPr lang="en-US" sz="1200" b="0" i="0" u="none" strike="noStrike">
+                        <a:rPr lang="en-US" sz="1800" b="0" i="0" u="none" strike="noStrike">
                           <a:solidFill>
                             <a:srgbClr val="000000"/>
                           </a:solidFill>
                           <a:effectLst/>
-                          <a:latin typeface="Calibri"/>
+                          <a:latin typeface="+mn-lt"/>
                         </a:rPr>
                         <a:t>0</a:t>
                       </a:r>
@@ -11460,12 +11785,12 @@
                     <a:p>
                       <a:pPr algn="r" fontAlgn="b"/>
                       <a:r>
-                        <a:rPr lang="en-US" sz="1200" b="0" i="0" u="none" strike="noStrike">
+                        <a:rPr lang="en-US" sz="1800" b="0" i="0" u="none" strike="noStrike">
                           <a:solidFill>
                             <a:srgbClr val="000000"/>
                           </a:solidFill>
                           <a:effectLst/>
-                          <a:latin typeface="Calibri"/>
+                          <a:latin typeface="+mn-lt"/>
                         </a:rPr>
                         <a:t>0.00</a:t>
                       </a:r>
@@ -11480,12 +11805,12 @@
                     <a:p>
                       <a:pPr algn="r" fontAlgn="b"/>
                       <a:r>
-                        <a:rPr lang="en-US" sz="1200" b="0" i="0" u="none" strike="noStrike">
+                        <a:rPr lang="en-US" sz="1800" b="0" i="0" u="none" strike="noStrike">
                           <a:solidFill>
                             <a:srgbClr val="000000"/>
                           </a:solidFill>
                           <a:effectLst/>
-                          <a:latin typeface="Calibri"/>
+                          <a:latin typeface="+mn-lt"/>
                         </a:rPr>
                         <a:t>0.00</a:t>
                       </a:r>
@@ -11501,12 +11826,12 @@
                     <a:lstStyle/>
                     <a:p>
                       <a:pPr algn="l" fontAlgn="b"/>
-                      <a:endParaRPr lang="en-US" sz="1200" b="0" i="0" u="none" strike="noStrike">
+                      <a:endParaRPr lang="en-US" sz="1800" b="0" i="0" u="none" strike="noStrike">
                         <a:solidFill>
                           <a:srgbClr val="000000"/>
                         </a:solidFill>
                         <a:effectLst/>
-                        <a:latin typeface="Calibri"/>
+                        <a:latin typeface="+mn-lt"/>
                       </a:endParaRPr>
                     </a:p>
                   </a:txBody>
@@ -11518,12 +11843,12 @@
                     <a:lstStyle/>
                     <a:p>
                       <a:pPr algn="l" fontAlgn="b"/>
-                      <a:endParaRPr lang="en-US" sz="1200" b="0" i="0" u="none" strike="noStrike">
+                      <a:endParaRPr lang="en-US" sz="1800" b="0" i="0" u="none" strike="noStrike">
                         <a:solidFill>
                           <a:srgbClr val="000000"/>
                         </a:solidFill>
                         <a:effectLst/>
-                        <a:latin typeface="Calibri"/>
+                        <a:latin typeface="+mn-lt"/>
                       </a:endParaRPr>
                     </a:p>
                   </a:txBody>
@@ -11535,12 +11860,12 @@
                     <a:lstStyle/>
                     <a:p>
                       <a:pPr algn="l" fontAlgn="b"/>
-                      <a:endParaRPr lang="en-US" sz="1200" b="0" i="0" u="none" strike="noStrike">
+                      <a:endParaRPr lang="en-US" sz="1800" b="0" i="0" u="none" strike="noStrike">
                         <a:solidFill>
                           <a:srgbClr val="000000"/>
                         </a:solidFill>
                         <a:effectLst/>
-                        <a:latin typeface="Calibri"/>
+                        <a:latin typeface="+mn-lt"/>
                       </a:endParaRPr>
                     </a:p>
                   </a:txBody>
@@ -11552,12 +11877,12 @@
                     <a:lstStyle/>
                     <a:p>
                       <a:pPr algn="l" fontAlgn="b"/>
-                      <a:endParaRPr lang="en-US" sz="1200" b="0" i="0" u="none" strike="noStrike">
+                      <a:endParaRPr lang="en-US" sz="1800" b="0" i="0" u="none" strike="noStrike" dirty="0">
                         <a:solidFill>
                           <a:srgbClr val="000000"/>
                         </a:solidFill>
                         <a:effectLst/>
-                        <a:latin typeface="Calibri"/>
+                        <a:latin typeface="+mn-lt"/>
                       </a:endParaRPr>
                     </a:p>
                   </a:txBody>
@@ -11569,12 +11894,12 @@
                     <a:lstStyle/>
                     <a:p>
                       <a:pPr algn="l" fontAlgn="b"/>
-                      <a:endParaRPr lang="en-US" sz="1200" b="0" i="0" u="none" strike="noStrike">
+                      <a:endParaRPr lang="en-US" sz="1800" b="0" i="0" u="none" strike="noStrike">
                         <a:solidFill>
                           <a:srgbClr val="000000"/>
                         </a:solidFill>
                         <a:effectLst/>
-                        <a:latin typeface="Calibri"/>
+                        <a:latin typeface="+mn-lt"/>
                       </a:endParaRPr>
                     </a:p>
                   </a:txBody>
@@ -11586,12 +11911,12 @@
                     <a:lstStyle/>
                     <a:p>
                       <a:pPr algn="l" fontAlgn="b"/>
-                      <a:endParaRPr lang="en-US" sz="1200" b="0" i="0" u="none" strike="noStrike">
+                      <a:endParaRPr lang="en-US" sz="1800" b="0" i="0" u="none" strike="noStrike">
                         <a:solidFill>
                           <a:srgbClr val="000000"/>
                         </a:solidFill>
                         <a:effectLst/>
-                        <a:latin typeface="Calibri"/>
+                        <a:latin typeface="+mn-lt"/>
                       </a:endParaRPr>
                     </a:p>
                   </a:txBody>
@@ -11603,12 +11928,12 @@
                     <a:lstStyle/>
                     <a:p>
                       <a:pPr algn="l" fontAlgn="b"/>
-                      <a:endParaRPr lang="en-US" sz="1200" b="0" i="0" u="none" strike="noStrike">
+                      <a:endParaRPr lang="en-US" sz="1800" b="0" i="0" u="none" strike="noStrike">
                         <a:solidFill>
                           <a:srgbClr val="000000"/>
                         </a:solidFill>
                         <a:effectLst/>
-                        <a:latin typeface="Calibri"/>
+                        <a:latin typeface="+mn-lt"/>
                       </a:endParaRPr>
                     </a:p>
                   </a:txBody>
@@ -11621,12 +11946,12 @@
                     <a:p>
                       <a:pPr algn="l" fontAlgn="b"/>
                       <a:r>
-                        <a:rPr lang="en-US" sz="1200" b="0" i="0" u="none" strike="noStrike">
+                        <a:rPr lang="en-US" sz="1800" b="0" i="0" u="none" strike="noStrike">
                           <a:solidFill>
                             <a:srgbClr val="000000"/>
                           </a:solidFill>
                           <a:effectLst/>
-                          <a:latin typeface="Calibri"/>
+                          <a:latin typeface="+mn-lt"/>
                         </a:rPr>
                         <a:t>total</a:t>
                       </a:r>
@@ -11641,12 +11966,12 @@
                     <a:p>
                       <a:pPr algn="r" fontAlgn="b"/>
                       <a:r>
-                        <a:rPr lang="en-US" sz="1200" b="0" i="0" u="none" strike="noStrike" dirty="0">
+                        <a:rPr lang="en-US" sz="1800" b="0" i="0" u="none" strike="noStrike" dirty="0">
                           <a:solidFill>
                             <a:srgbClr val="000000"/>
                           </a:solidFill>
                           <a:effectLst/>
-                          <a:latin typeface="Calibri"/>
+                          <a:latin typeface="+mn-lt"/>
                         </a:rPr>
                         <a:t>0.35</a:t>
                       </a:r>
@@ -11794,10 +12119,10 @@
               <a:defRPr/>
             </a:pPr>
             <a:r>
-              <a:rPr lang="en-US" smtClean="0"/>
-              <a:t>Presentation Title At Venue</a:t>
-            </a:r>
-            <a:endParaRPr lang="en-US"/>
+              <a:rPr lang="en-US" dirty="0" smtClean="0"/>
+              <a:t>Learning Bayesian Networks for Complex Relational Data</a:t>
+            </a:r>
+            <a:endParaRPr lang="en-US" dirty="0"/>
           </a:p>
         </p:txBody>
       </p:sp>
@@ -11867,7 +12192,7 @@
           <a:graphicData uri="http://schemas.openxmlformats.org/presentationml/2006/ole">
             <mc:AlternateContent xmlns:mc="http://schemas.openxmlformats.org/markup-compatibility/2006">
               <mc:Choice xmlns:v="urn:schemas-microsoft-com:vml" Requires="v">
-                <p:oleObj spid="_x0000_s5148" name="Equation" r:id="rId4" imgW="6184900" imgH="1054100" progId="Equation.3">
+                <p:oleObj spid="_x0000_s5191" name="Equation" r:id="rId4" imgW="6184900" imgH="1054100" progId="Equation.3">
                   <p:embed/>
                 </p:oleObj>
               </mc:Choice>
@@ -12238,10 +12563,10 @@
               <a:defRPr/>
             </a:pPr>
             <a:r>
-              <a:rPr lang="en-US" smtClean="0"/>
-              <a:t>Presentation Title At Venue</a:t>
-            </a:r>
-            <a:endParaRPr lang="en-US"/>
+              <a:rPr lang="en-US" dirty="0" smtClean="0"/>
+              <a:t>Learning Bayesian Networks for Complex Relational Data</a:t>
+            </a:r>
+            <a:endParaRPr lang="en-US" dirty="0"/>
           </a:p>
         </p:txBody>
       </p:sp>
@@ -12323,7 +12648,7 @@
           <a:graphicData uri="http://schemas.openxmlformats.org/presentationml/2006/ole">
             <mc:AlternateContent xmlns:mc="http://schemas.openxmlformats.org/markup-compatibility/2006">
               <mc:Choice xmlns:v="urn:schemas-microsoft-com:vml" Requires="v">
-                <p:oleObj spid="_x0000_s4126" name="Equation" r:id="rId3" imgW="6184900" imgH="1054100" progId="Equation.3">
+                <p:oleObj spid="_x0000_s4169" name="Equation" r:id="rId3" imgW="6184900" imgH="1054100" progId="Equation.3">
                   <p:embed/>
                 </p:oleObj>
               </mc:Choice>
@@ -12902,6 +13227,34 @@
             </a:r>
           </a:p>
           <a:p>
+            <a:pPr lvl="1"/>
+            <a:r>
+              <a:rPr lang="en-US" dirty="0" err="1" smtClean="0"/>
+              <a:t>DribbleEfficiency</a:t>
+            </a:r>
+            <a:r>
+              <a:rPr lang="en-US" dirty="0" smtClean="0"/>
+              <a:t>  </a:t>
+            </a:r>
+            <a:r>
+              <a:rPr lang="en-US" dirty="0" smtClean="0">
+                <a:latin typeface="Wingdings"/>
+                <a:ea typeface="Wingdings"/>
+                <a:cs typeface="Wingdings"/>
+                <a:sym typeface="Wingdings"/>
+              </a:rPr>
+              <a:t></a:t>
+            </a:r>
+            <a:r>
+              <a:rPr lang="en-US" dirty="0">
+                <a:sym typeface="Wingdings"/>
+              </a:rPr>
+              <a:t> </a:t>
+            </a:r>
+            <a:r>
+              <a:rPr lang="en-US" dirty="0" smtClean="0"/>
+              <a:t>Win</a:t>
+            </a:r>
             <a:endParaRPr lang="en-US" sz="2800" dirty="0" smtClean="0"/>
           </a:p>
           <a:p>
@@ -12928,10 +13281,10 @@
               <a:defRPr/>
             </a:pPr>
             <a:r>
-              <a:rPr lang="en-US" smtClean="0"/>
-              <a:t>Presentation Title At Venue</a:t>
-            </a:r>
-            <a:endParaRPr lang="en-US"/>
+              <a:rPr lang="en-US" dirty="0" smtClean="0"/>
+              <a:t>Learning Bayesian Networks for Complex Relational Data</a:t>
+            </a:r>
+            <a:endParaRPr lang="en-US" dirty="0"/>
           </a:p>
         </p:txBody>
       </p:sp>
@@ -12949,7 +13302,7 @@
 </file>
 
 <file path=ppt/slides/slide21.xml><?xml version="1.0" encoding="utf-8"?>
-<p:sld xmlns:a="http://schemas.openxmlformats.org/drawingml/2006/main" xmlns:r="http://schemas.openxmlformats.org/officeDocument/2006/relationships" xmlns:p="http://schemas.openxmlformats.org/presentationml/2006/main" show="0">
+<p:sld xmlns:a="http://schemas.openxmlformats.org/drawingml/2006/main" xmlns:r="http://schemas.openxmlformats.org/officeDocument/2006/relationships" xmlns:p="http://schemas.openxmlformats.org/presentationml/2006/main">
   <p:cSld>
     <p:spTree>
       <p:nvGrpSpPr>
@@ -12982,9 +13335,84 @@
           <a:p>
             <a:r>
               <a:rPr lang="en-US" dirty="0" smtClean="0"/>
-              <a:t>Feature Vector View</a:t>
+              <a:t>Example: </a:t>
+            </a:r>
+            <a:r>
+              <a:rPr lang="en-US" dirty="0" err="1" smtClean="0"/>
+              <a:t>Edin</a:t>
+            </a:r>
+            <a:r>
+              <a:rPr lang="en-US" dirty="0" smtClean="0"/>
+              <a:t> </a:t>
+            </a:r>
+            <a:r>
+              <a:rPr lang="en-US" dirty="0" err="1" smtClean="0"/>
+              <a:t>Dzeko</a:t>
+            </a:r>
+            <a:r>
+              <a:rPr lang="en-US" dirty="0" smtClean="0"/>
+              <a:t>, </a:t>
+            </a:r>
+            <a:r>
+              <a:rPr lang="en-US" dirty="0" err="1" smtClean="0"/>
+              <a:t>Marginals</a:t>
             </a:r>
             <a:endParaRPr lang="en-US" dirty="0"/>
+          </a:p>
+        </p:txBody>
+      </p:sp>
+      <p:sp>
+        <p:nvSpPr>
+          <p:cNvPr id="3" name="Content Placeholder 2"/>
+          <p:cNvSpPr>
+            <a:spLocks noGrp="1"/>
+          </p:cNvSpPr>
+          <p:nvPr>
+            <p:ph sz="quarter" idx="1"/>
+          </p:nvPr>
+        </p:nvSpPr>
+        <p:spPr/>
+        <p:txBody>
+          <a:bodyPr/>
+          <a:lstStyle/>
+          <a:p>
+            <a:r>
+              <a:rPr lang="en-US" sz="2800" dirty="0" smtClean="0"/>
+              <a:t>Data are from Premier League Season 2011-2012.</a:t>
+            </a:r>
+          </a:p>
+          <a:p>
+            <a:r>
+              <a:rPr lang="en-US" sz="2800" dirty="0" smtClean="0"/>
+              <a:t>Low Dribble Efficiency in 16% of his matches.</a:t>
+            </a:r>
+          </a:p>
+          <a:p>
+            <a:r>
+              <a:rPr lang="en-US" sz="2800" dirty="0" smtClean="0"/>
+              <a:t>Random Striker: Low DE in 50% of matches.</a:t>
+            </a:r>
+          </a:p>
+          <a:p>
+            <a:r>
+              <a:rPr lang="en-US" sz="2800" dirty="0" smtClean="0"/>
+              <a:t>ELD contribution for marginal sum:</a:t>
+            </a:r>
+            <a:br>
+              <a:rPr lang="en-US" sz="2800" dirty="0" smtClean="0"/>
+            </a:br>
+            <a:r>
+              <a:rPr lang="en-US" sz="2800" dirty="0" smtClean="0"/>
+              <a:t>16% x |</a:t>
+            </a:r>
+            <a:r>
+              <a:rPr lang="en-US" sz="2800" dirty="0" err="1" smtClean="0"/>
+              <a:t>ln</a:t>
+            </a:r>
+            <a:r>
+              <a:rPr lang="en-US" sz="2800" dirty="0" smtClean="0"/>
+              <a:t>(16%/50%)| = 0.18</a:t>
+            </a:r>
           </a:p>
         </p:txBody>
       </p:sp>
@@ -13007,619 +13435,28 @@
               <a:defRPr/>
             </a:pPr>
             <a:r>
-              <a:rPr lang="en-US" smtClean="0"/>
-              <a:t>Presentation Title At Venue</a:t>
-            </a:r>
-            <a:endParaRPr lang="en-US"/>
-          </a:p>
-        </p:txBody>
-      </p:sp>
-      <p:graphicFrame>
-        <p:nvGraphicFramePr>
-          <p:cNvPr id="5" name="Content Placeholder 4"/>
-          <p:cNvGraphicFramePr>
-            <a:graphicFrameLocks/>
-          </p:cNvGraphicFramePr>
-          <p:nvPr>
-            <p:extLst>
-              <p:ext uri="{D42A27DB-BD31-4B8C-83A1-F6EECF244321}">
-                <p14:modId xmlns:p14="http://schemas.microsoft.com/office/powerpoint/2010/main" val="3361146059"/>
-              </p:ext>
-            </p:extLst>
-          </p:nvPr>
-        </p:nvGraphicFramePr>
-        <p:xfrm>
-          <a:off x="264755" y="2037392"/>
-          <a:ext cx="8289762" cy="1402080"/>
-        </p:xfrm>
-        <a:graphic>
-          <a:graphicData uri="http://schemas.openxmlformats.org/drawingml/2006/table">
-            <a:tbl>
-              <a:tblPr firstRow="1" bandRow="1">
-                <a:tableStyleId>{5C22544A-7EE6-4342-B048-85BDC9FD1C3A}</a:tableStyleId>
-              </a:tblPr>
-              <a:tblGrid>
-                <a:gridCol w="1359723"/>
-                <a:gridCol w="1880450"/>
-                <a:gridCol w="2611341"/>
-                <a:gridCol w="2438248"/>
-              </a:tblGrid>
-              <a:tr h="370840">
-                <a:tc>
-                  <a:txBody>
-                    <a:bodyPr/>
-                    <a:lstStyle/>
-                    <a:p>
-                      <a:r>
-                        <a:rPr lang="en-US" sz="2000" dirty="0" err="1" smtClean="0"/>
-                        <a:t>UserID</a:t>
-                      </a:r>
-                      <a:endParaRPr lang="en-US" sz="2000" dirty="0"/>
-                    </a:p>
-                  </a:txBody>
-                  <a:tcPr/>
-                </a:tc>
-                <a:tc>
-                  <a:txBody>
-                    <a:bodyPr/>
-                    <a:lstStyle/>
-                    <a:p>
-                      <a:r>
-                        <a:rPr lang="en-US" sz="2000" dirty="0" smtClean="0"/>
-                        <a:t>gender(U) =M</a:t>
-                      </a:r>
-                      <a:endParaRPr lang="en-US" sz="2000" dirty="0"/>
-                    </a:p>
-                  </a:txBody>
-                  <a:tcPr/>
-                </a:tc>
-                <a:tc>
-                  <a:txBody>
-                    <a:bodyPr/>
-                    <a:lstStyle/>
-                    <a:p>
-                      <a:pPr marL="0" marR="0" indent="0" algn="l" defTabSz="914400" rtl="0" eaLnBrk="1" fontAlgn="auto" latinLnBrk="0" hangingPunct="1">
-                        <a:lnSpc>
-                          <a:spcPct val="100000"/>
-                        </a:lnSpc>
-                        <a:spcBef>
-                          <a:spcPts val="0"/>
-                        </a:spcBef>
-                        <a:spcAft>
-                          <a:spcPts val="0"/>
-                        </a:spcAft>
-                        <a:buClrTx/>
-                        <a:buSzTx/>
-                        <a:buFontTx/>
-                        <a:buNone/>
-                        <a:tabLst/>
-                        <a:defRPr/>
-                      </a:pPr>
-                      <a:r>
-                        <a:rPr lang="en-US" sz="2000" dirty="0" err="1" smtClean="0"/>
-                        <a:t>HasRated</a:t>
-                      </a:r>
-                      <a:r>
-                        <a:rPr lang="en-US" sz="2000" dirty="0" smtClean="0"/>
-                        <a:t>(U,AM)</a:t>
-                      </a:r>
-                    </a:p>
-                    <a:p>
-                      <a:pPr marL="0" marR="0" indent="0" algn="l" defTabSz="914400" rtl="0" eaLnBrk="1" fontAlgn="auto" latinLnBrk="0" hangingPunct="1">
-                        <a:lnSpc>
-                          <a:spcPct val="100000"/>
-                        </a:lnSpc>
-                        <a:spcBef>
-                          <a:spcPts val="0"/>
-                        </a:spcBef>
-                        <a:spcAft>
-                          <a:spcPts val="0"/>
-                        </a:spcAft>
-                        <a:buClrTx/>
-                        <a:buSzTx/>
-                        <a:buFontTx/>
-                        <a:buNone/>
-                        <a:tabLst/>
-                        <a:defRPr/>
-                      </a:pPr>
-                      <a:r>
-                        <a:rPr lang="en-US" sz="2000" dirty="0" smtClean="0"/>
-                        <a:t>=T</a:t>
-                      </a:r>
-                    </a:p>
-                    <a:p>
-                      <a:endParaRPr lang="en-US" sz="2000" dirty="0"/>
-                    </a:p>
-                  </a:txBody>
-                  <a:tcPr/>
-                </a:tc>
-                <a:tc>
-                  <a:txBody>
-                    <a:bodyPr/>
-                    <a:lstStyle/>
-                    <a:p>
-                      <a:pPr marL="0" marR="0" indent="0" algn="l" defTabSz="914400" rtl="0" eaLnBrk="1" fontAlgn="auto" latinLnBrk="0" hangingPunct="1">
-                        <a:lnSpc>
-                          <a:spcPct val="100000"/>
-                        </a:lnSpc>
-                        <a:spcBef>
-                          <a:spcPts val="0"/>
-                        </a:spcBef>
-                        <a:spcAft>
-                          <a:spcPts val="0"/>
-                        </a:spcAft>
-                        <a:buClrTx/>
-                        <a:buSzTx/>
-                        <a:buFontTx/>
-                        <a:buNone/>
-                        <a:tabLst/>
-                        <a:defRPr/>
-                      </a:pPr>
-                      <a:r>
-                        <a:rPr lang="en-US" sz="2000" dirty="0" err="1" smtClean="0"/>
-                        <a:t>HasRated</a:t>
-                      </a:r>
-                      <a:r>
-                        <a:rPr lang="en-US" sz="2000" dirty="0" smtClean="0"/>
-                        <a:t>(U,AM)</a:t>
-                      </a:r>
-                    </a:p>
-                    <a:p>
-                      <a:pPr marL="0" marR="0" indent="0" algn="l" defTabSz="914400" rtl="0" eaLnBrk="1" fontAlgn="auto" latinLnBrk="0" hangingPunct="1">
-                        <a:lnSpc>
-                          <a:spcPct val="100000"/>
-                        </a:lnSpc>
-                        <a:spcBef>
-                          <a:spcPts val="0"/>
-                        </a:spcBef>
-                        <a:spcAft>
-                          <a:spcPts val="0"/>
-                        </a:spcAft>
-                        <a:buClrTx/>
-                        <a:buSzTx/>
-                        <a:buFontTx/>
-                        <a:buNone/>
-                        <a:tabLst/>
-                        <a:defRPr/>
-                      </a:pPr>
-                      <a:r>
-                        <a:rPr lang="en-US" sz="2000" dirty="0" smtClean="0"/>
-                        <a:t>=F</a:t>
-                      </a:r>
-                    </a:p>
-                    <a:p>
-                      <a:endParaRPr lang="en-US" sz="2000" dirty="0"/>
-                    </a:p>
-                  </a:txBody>
-                  <a:tcPr/>
-                </a:tc>
-              </a:tr>
-              <a:tr h="370840">
-                <a:tc>
-                  <a:txBody>
-                    <a:bodyPr/>
-                    <a:lstStyle/>
-                    <a:p>
-                      <a:r>
-                        <a:rPr lang="en-US" sz="2000" dirty="0" smtClean="0"/>
-                        <a:t>user1</a:t>
-                      </a:r>
-                      <a:endParaRPr lang="en-US" sz="2000" dirty="0"/>
-                    </a:p>
-                  </a:txBody>
-                  <a:tcPr/>
-                </a:tc>
-                <a:tc>
-                  <a:txBody>
-                    <a:bodyPr/>
-                    <a:lstStyle/>
-                    <a:p>
-                      <a:r>
-                        <a:rPr lang="en-US" sz="2000" dirty="0" smtClean="0"/>
-                        <a:t>1</a:t>
-                      </a:r>
-                      <a:endParaRPr lang="en-US" sz="2000" dirty="0"/>
-                    </a:p>
-                  </a:txBody>
-                  <a:tcPr/>
-                </a:tc>
-                <a:tc>
-                  <a:txBody>
-                    <a:bodyPr/>
-                    <a:lstStyle/>
-                    <a:p>
-                      <a:r>
-                        <a:rPr lang="en-US" sz="2000" dirty="0" smtClean="0"/>
-                        <a:t>0.1</a:t>
-                      </a:r>
-                      <a:endParaRPr lang="en-US" sz="2000" dirty="0"/>
-                    </a:p>
-                  </a:txBody>
-                  <a:tcPr/>
-                </a:tc>
-                <a:tc>
-                  <a:txBody>
-                    <a:bodyPr/>
-                    <a:lstStyle/>
-                    <a:p>
-                      <a:r>
-                        <a:rPr lang="en-US" sz="2000" dirty="0" smtClean="0"/>
-                        <a:t>0.9</a:t>
-                      </a:r>
-                      <a:endParaRPr lang="en-US" sz="2000" dirty="0"/>
-                    </a:p>
-                  </a:txBody>
-                  <a:tcPr/>
-                </a:tc>
-              </a:tr>
-            </a:tbl>
-          </a:graphicData>
-        </a:graphic>
-      </p:graphicFrame>
-      <p:graphicFrame>
-        <p:nvGraphicFramePr>
-          <p:cNvPr id="7" name="Content Placeholder 4"/>
-          <p:cNvGraphicFramePr>
-            <a:graphicFrameLocks/>
-          </p:cNvGraphicFramePr>
-          <p:nvPr>
-            <p:extLst>
-              <p:ext uri="{D42A27DB-BD31-4B8C-83A1-F6EECF244321}">
-                <p14:modId xmlns:p14="http://schemas.microsoft.com/office/powerpoint/2010/main" val="4122079945"/>
-              </p:ext>
-            </p:extLst>
-          </p:nvPr>
-        </p:nvGraphicFramePr>
-        <p:xfrm>
-          <a:off x="264755" y="4056956"/>
-          <a:ext cx="8289762" cy="1402080"/>
-        </p:xfrm>
-        <a:graphic>
-          <a:graphicData uri="http://schemas.openxmlformats.org/drawingml/2006/table">
-            <a:tbl>
-              <a:tblPr firstRow="1" bandRow="1">
-                <a:tableStyleId>{5C22544A-7EE6-4342-B048-85BDC9FD1C3A}</a:tableStyleId>
-              </a:tblPr>
-              <a:tblGrid>
-                <a:gridCol w="1769310"/>
-                <a:gridCol w="1769310"/>
-                <a:gridCol w="2457002"/>
-                <a:gridCol w="2294140"/>
-              </a:tblGrid>
-              <a:tr h="370840">
-                <a:tc>
-                  <a:txBody>
-                    <a:bodyPr/>
-                    <a:lstStyle/>
-                    <a:p>
-                      <a:r>
-                        <a:rPr lang="en-US" sz="2000" dirty="0" smtClean="0"/>
-                        <a:t>gender(U) =M</a:t>
-                      </a:r>
-                      <a:endParaRPr lang="en-US" sz="2000" dirty="0"/>
-                    </a:p>
-                  </a:txBody>
-                  <a:tcPr/>
-                </a:tc>
-                <a:tc>
-                  <a:txBody>
-                    <a:bodyPr/>
-                    <a:lstStyle/>
-                    <a:p>
-                      <a:r>
-                        <a:rPr lang="en-US" sz="2000" dirty="0" smtClean="0"/>
-                        <a:t>gender(U)=W</a:t>
-                      </a:r>
-                      <a:endParaRPr lang="en-US" sz="2000" dirty="0"/>
-                    </a:p>
-                  </a:txBody>
-                  <a:tcPr/>
-                </a:tc>
-                <a:tc>
-                  <a:txBody>
-                    <a:bodyPr/>
-                    <a:lstStyle/>
-                    <a:p>
-                      <a:pPr marL="0" marR="0" indent="0" algn="l" defTabSz="914400" rtl="0" eaLnBrk="1" fontAlgn="auto" latinLnBrk="0" hangingPunct="1">
-                        <a:lnSpc>
-                          <a:spcPct val="100000"/>
-                        </a:lnSpc>
-                        <a:spcBef>
-                          <a:spcPts val="0"/>
-                        </a:spcBef>
-                        <a:spcAft>
-                          <a:spcPts val="0"/>
-                        </a:spcAft>
-                        <a:buClrTx/>
-                        <a:buSzTx/>
-                        <a:buFontTx/>
-                        <a:buNone/>
-                        <a:tabLst/>
-                        <a:defRPr/>
-                      </a:pPr>
-                      <a:r>
-                        <a:rPr lang="en-US" sz="2000" dirty="0" err="1" smtClean="0"/>
-                        <a:t>HasRated</a:t>
-                      </a:r>
-                      <a:r>
-                        <a:rPr lang="en-US" sz="2000" dirty="0" smtClean="0"/>
-                        <a:t>(U,AM)</a:t>
-                      </a:r>
-                    </a:p>
-                    <a:p>
-                      <a:pPr marL="0" marR="0" indent="0" algn="l" defTabSz="914400" rtl="0" eaLnBrk="1" fontAlgn="auto" latinLnBrk="0" hangingPunct="1">
-                        <a:lnSpc>
-                          <a:spcPct val="100000"/>
-                        </a:lnSpc>
-                        <a:spcBef>
-                          <a:spcPts val="0"/>
-                        </a:spcBef>
-                        <a:spcAft>
-                          <a:spcPts val="0"/>
-                        </a:spcAft>
-                        <a:buClrTx/>
-                        <a:buSzTx/>
-                        <a:buFontTx/>
-                        <a:buNone/>
-                        <a:tabLst/>
-                        <a:defRPr/>
-                      </a:pPr>
-                      <a:r>
-                        <a:rPr lang="en-US" sz="2000" dirty="0" smtClean="0"/>
-                        <a:t>=T</a:t>
-                      </a:r>
-                    </a:p>
-                    <a:p>
-                      <a:endParaRPr lang="en-US" sz="2000" dirty="0"/>
-                    </a:p>
-                  </a:txBody>
-                  <a:tcPr/>
-                </a:tc>
-                <a:tc>
-                  <a:txBody>
-                    <a:bodyPr/>
-                    <a:lstStyle/>
-                    <a:p>
-                      <a:pPr marL="0" marR="0" indent="0" algn="l" defTabSz="914400" rtl="0" eaLnBrk="1" fontAlgn="auto" latinLnBrk="0" hangingPunct="1">
-                        <a:lnSpc>
-                          <a:spcPct val="100000"/>
-                        </a:lnSpc>
-                        <a:spcBef>
-                          <a:spcPts val="0"/>
-                        </a:spcBef>
-                        <a:spcAft>
-                          <a:spcPts val="0"/>
-                        </a:spcAft>
-                        <a:buClrTx/>
-                        <a:buSzTx/>
-                        <a:buFontTx/>
-                        <a:buNone/>
-                        <a:tabLst/>
-                        <a:defRPr/>
-                      </a:pPr>
-                      <a:r>
-                        <a:rPr lang="en-US" sz="2000" dirty="0" err="1" smtClean="0"/>
-                        <a:t>HasRated</a:t>
-                      </a:r>
-                      <a:r>
-                        <a:rPr lang="en-US" sz="2000" dirty="0" smtClean="0"/>
-                        <a:t>(U,AM)</a:t>
-                      </a:r>
-                    </a:p>
-                    <a:p>
-                      <a:pPr marL="0" marR="0" indent="0" algn="l" defTabSz="914400" rtl="0" eaLnBrk="1" fontAlgn="auto" latinLnBrk="0" hangingPunct="1">
-                        <a:lnSpc>
-                          <a:spcPct val="100000"/>
-                        </a:lnSpc>
-                        <a:spcBef>
-                          <a:spcPts val="0"/>
-                        </a:spcBef>
-                        <a:spcAft>
-                          <a:spcPts val="0"/>
-                        </a:spcAft>
-                        <a:buClrTx/>
-                        <a:buSzTx/>
-                        <a:buFontTx/>
-                        <a:buNone/>
-                        <a:tabLst/>
-                        <a:defRPr/>
-                      </a:pPr>
-                      <a:r>
-                        <a:rPr lang="en-US" sz="2000" dirty="0" smtClean="0"/>
-                        <a:t>=F</a:t>
-                      </a:r>
-                    </a:p>
-                    <a:p>
-                      <a:endParaRPr lang="en-US" sz="2000" dirty="0"/>
-                    </a:p>
-                  </a:txBody>
-                  <a:tcPr/>
-                </a:tc>
-              </a:tr>
-              <a:tr h="370840">
-                <a:tc>
-                  <a:txBody>
-                    <a:bodyPr/>
-                    <a:lstStyle/>
-                    <a:p>
-                      <a:r>
-                        <a:rPr lang="en-US" sz="2000" dirty="0" smtClean="0"/>
-                        <a:t>0.5</a:t>
-                      </a:r>
-                      <a:endParaRPr lang="en-US" sz="2000" dirty="0"/>
-                    </a:p>
-                  </a:txBody>
-                  <a:tcPr/>
-                </a:tc>
-                <a:tc>
-                  <a:txBody>
-                    <a:bodyPr/>
-                    <a:lstStyle/>
-                    <a:p>
-                      <a:r>
-                        <a:rPr lang="en-US" sz="2000" dirty="0" smtClean="0"/>
-                        <a:t>0.5</a:t>
-                      </a:r>
-                      <a:endParaRPr lang="en-US" sz="2000" dirty="0"/>
-                    </a:p>
-                  </a:txBody>
-                  <a:tcPr/>
-                </a:tc>
-                <a:tc>
-                  <a:txBody>
-                    <a:bodyPr/>
-                    <a:lstStyle/>
-                    <a:p>
-                      <a:r>
-                        <a:rPr lang="en-US" sz="2000" dirty="0" smtClean="0"/>
-                        <a:t>0.09</a:t>
-                      </a:r>
-                      <a:endParaRPr lang="en-US" sz="2000" dirty="0"/>
-                    </a:p>
-                  </a:txBody>
-                  <a:tcPr/>
-                </a:tc>
-                <a:tc>
-                  <a:txBody>
-                    <a:bodyPr/>
-                    <a:lstStyle/>
-                    <a:p>
-                      <a:r>
-                        <a:rPr lang="en-US" sz="2000" dirty="0" smtClean="0"/>
-                        <a:t>0.91</a:t>
-                      </a:r>
-                      <a:endParaRPr lang="en-US" sz="2000" dirty="0"/>
-                    </a:p>
-                  </a:txBody>
-                  <a:tcPr/>
-                </a:tc>
-              </a:tr>
-            </a:tbl>
-          </a:graphicData>
-        </a:graphic>
-      </p:graphicFrame>
-      <p:sp>
-        <p:nvSpPr>
-          <p:cNvPr id="8" name="TextBox 7"/>
-          <p:cNvSpPr txBox="1"/>
-          <p:nvPr/>
-        </p:nvSpPr>
-        <p:spPr>
-          <a:xfrm>
-            <a:off x="264755" y="1445249"/>
-            <a:ext cx="4401291" cy="461665"/>
-          </a:xfrm>
-          <a:prstGeom prst="rect">
-            <a:avLst/>
-          </a:prstGeom>
-          <a:noFill/>
-        </p:spPr>
-        <p:txBody>
-          <a:bodyPr wrap="square" rtlCol="0">
-            <a:spAutoFit/>
-          </a:bodyPr>
-          <a:lstStyle/>
-          <a:p>
-            <a:r>
-              <a:rPr lang="en-US" sz="2400" dirty="0" smtClean="0">
-                <a:latin typeface="+mn-lt"/>
-              </a:rPr>
-              <a:t>feature frequencies for user 1</a:t>
-            </a:r>
-            <a:endParaRPr lang="en-US" sz="2400" dirty="0">
-              <a:latin typeface="+mn-lt"/>
-            </a:endParaRPr>
-          </a:p>
-        </p:txBody>
-      </p:sp>
-      <p:sp>
-        <p:nvSpPr>
-          <p:cNvPr id="9" name="TextBox 8"/>
-          <p:cNvSpPr txBox="1"/>
-          <p:nvPr/>
-        </p:nvSpPr>
-        <p:spPr>
-          <a:xfrm>
-            <a:off x="264755" y="3532297"/>
-            <a:ext cx="7355533" cy="461665"/>
-          </a:xfrm>
-          <a:prstGeom prst="rect">
-            <a:avLst/>
-          </a:prstGeom>
-          <a:noFill/>
-        </p:spPr>
-        <p:txBody>
-          <a:bodyPr wrap="square" rtlCol="0">
-            <a:spAutoFit/>
-          </a:bodyPr>
-          <a:lstStyle/>
-          <a:p>
-            <a:r>
-              <a:rPr lang="en-US" sz="2400" dirty="0" smtClean="0">
-                <a:latin typeface="+mn-lt"/>
-              </a:rPr>
-              <a:t>feature frequencies for a randomly selected user</a:t>
-            </a:r>
-            <a:endParaRPr lang="en-US" sz="2400" dirty="0">
-              <a:latin typeface="+mn-lt"/>
-            </a:endParaRPr>
-          </a:p>
-        </p:txBody>
-      </p:sp>
-      <p:sp>
-        <p:nvSpPr>
-          <p:cNvPr id="10" name="TextBox 9"/>
-          <p:cNvSpPr txBox="1"/>
-          <p:nvPr/>
-        </p:nvSpPr>
-        <p:spPr>
-          <a:xfrm>
-            <a:off x="264755" y="5710535"/>
-            <a:ext cx="7562606" cy="461665"/>
-          </a:xfrm>
-          <a:prstGeom prst="rect">
-            <a:avLst/>
-          </a:prstGeom>
-          <a:noFill/>
-        </p:spPr>
-        <p:txBody>
-          <a:bodyPr wrap="square" rtlCol="0">
-            <a:spAutoFit/>
-          </a:bodyPr>
-          <a:lstStyle/>
-          <a:p>
-            <a:r>
-              <a:rPr lang="en-US" sz="2400" dirty="0" smtClean="0">
-                <a:latin typeface="+mn-lt"/>
-              </a:rPr>
-              <a:t>Outlier Metric for user1: how different are these two vectors?</a:t>
-            </a:r>
+              <a:rPr lang="en-US" dirty="0" smtClean="0"/>
+              <a:t>Learning Bayesian Networks for Complex Relational Data</a:t>
+            </a:r>
+            <a:endParaRPr lang="en-US" dirty="0"/>
           </a:p>
         </p:txBody>
       </p:sp>
     </p:spTree>
     <p:extLst>
       <p:ext uri="{BB962C8B-B14F-4D97-AF65-F5344CB8AC3E}">
-        <p14:creationId xmlns:p14="http://schemas.microsoft.com/office/powerpoint/2010/main" val="2262598300"/>
+        <p14:creationId xmlns:p14="http://schemas.microsoft.com/office/powerpoint/2010/main" val="1632963202"/>
       </p:ext>
     </p:extLst>
   </p:cSld>
   <p:clrMapOvr>
     <a:masterClrMapping/>
   </p:clrMapOvr>
-  <mc:AlternateContent xmlns:mc="http://schemas.openxmlformats.org/markup-compatibility/2006">
-    <mc:Choice xmlns:p14="http://schemas.microsoft.com/office/powerpoint/2010/main" Requires="p14">
-      <p:transition spd="slow" p14:dur="2000"/>
-    </mc:Choice>
-    <mc:Fallback>
-      <p:transition xmlns:p14="http://schemas.microsoft.com/office/powerpoint/2010/main" spd="slow"/>
-    </mc:Fallback>
-  </mc:AlternateContent>
 </p:sld>
 </file>
 
 <file path=ppt/slides/slide22.xml><?xml version="1.0" encoding="utf-8"?>
-<p:sld xmlns:a="http://schemas.openxmlformats.org/drawingml/2006/main" xmlns:r="http://schemas.openxmlformats.org/officeDocument/2006/relationships" xmlns:p="http://schemas.openxmlformats.org/presentationml/2006/main" show="0">
+<p:sld xmlns:a="http://schemas.openxmlformats.org/drawingml/2006/main" xmlns:r="http://schemas.openxmlformats.org/officeDocument/2006/relationships" xmlns:p="http://schemas.openxmlformats.org/presentationml/2006/main">
   <p:cSld>
     <p:spTree>
       <p:nvGrpSpPr>
@@ -13637,7 +13474,7 @@
       </p:grpSpPr>
       <p:sp>
         <p:nvSpPr>
-          <p:cNvPr id="5" name="Title 4"/>
+          <p:cNvPr id="2" name="Title 1"/>
           <p:cNvSpPr>
             <a:spLocks noGrp="1"/>
           </p:cNvSpPr>
@@ -13645,177 +13482,203 @@
             <p:ph type="title"/>
           </p:nvPr>
         </p:nvSpPr>
+        <p:spPr/>
+        <p:txBody>
+          <a:bodyPr/>
+          <a:lstStyle/>
+          <a:p>
+            <a:r>
+              <a:rPr lang="en-US" dirty="0" smtClean="0"/>
+              <a:t>Example: </a:t>
+            </a:r>
+            <a:r>
+              <a:rPr lang="en-US" dirty="0" err="1" smtClean="0"/>
+              <a:t>Edin</a:t>
+            </a:r>
+            <a:r>
+              <a:rPr lang="en-US" dirty="0" smtClean="0"/>
+              <a:t> </a:t>
+            </a:r>
+            <a:r>
+              <a:rPr lang="en-US" dirty="0" err="1" smtClean="0"/>
+              <a:t>Dzeko</a:t>
+            </a:r>
+            <a:r>
+              <a:rPr lang="en-US" dirty="0" smtClean="0"/>
+              <a:t>, Associations</a:t>
+            </a:r>
+            <a:endParaRPr lang="en-US" dirty="0"/>
+          </a:p>
+        </p:txBody>
+      </p:sp>
+      <p:sp>
+        <p:nvSpPr>
+          <p:cNvPr id="3" name="Content Placeholder 2"/>
+          <p:cNvSpPr>
+            <a:spLocks noGrp="1"/>
+          </p:cNvSpPr>
+          <p:nvPr>
+            <p:ph sz="quarter" idx="1"/>
+          </p:nvPr>
+        </p:nvSpPr>
         <p:spPr>
           <a:xfrm>
-            <a:off x="358584" y="80405"/>
-            <a:ext cx="9067800" cy="1143000"/>
+            <a:off x="914400" y="1465194"/>
+            <a:ext cx="7772400" cy="4936185"/>
           </a:xfrm>
         </p:spPr>
         <p:txBody>
-          <a:bodyPr>
-            <a:normAutofit/>
-          </a:bodyPr>
+          <a:bodyPr/>
           <a:lstStyle/>
           <a:p>
             <a:r>
               <a:rPr lang="en-US" sz="2800" dirty="0" smtClean="0"/>
-              <a:t>Model-Based Outlier Detection for I.I.D. data</a:t>
+              <a:t>Association: </a:t>
+            </a:r>
+            <a:r>
+              <a:rPr lang="en-US" sz="2800" dirty="0" err="1" smtClean="0"/>
+              <a:t>Shotefficiency</a:t>
+            </a:r>
+            <a:r>
+              <a:rPr lang="en-US" sz="2800" dirty="0" smtClean="0"/>
+              <a:t> = high, </a:t>
+            </a:r>
+            <a:r>
+              <a:rPr lang="en-US" sz="2800" dirty="0" err="1" smtClean="0"/>
+              <a:t>TackleEfficiency</a:t>
+            </a:r>
+            <a:r>
+              <a:rPr lang="en-US" sz="2800" dirty="0" smtClean="0"/>
+              <a:t> = medium </a:t>
+            </a:r>
+            <a:r>
+              <a:rPr lang="en-US" sz="2800" dirty="0" smtClean="0">
+                <a:latin typeface="Wingdings"/>
+                <a:ea typeface="Wingdings"/>
+                <a:cs typeface="Wingdings"/>
+                <a:sym typeface="Wingdings"/>
+              </a:rPr>
+              <a:t></a:t>
+            </a:r>
+            <a:r>
+              <a:rPr lang="en-US" sz="2800" dirty="0" err="1" smtClean="0"/>
+              <a:t>DribbleEffiency</a:t>
+            </a:r>
+            <a:r>
+              <a:rPr lang="en-US" sz="2800" dirty="0" smtClean="0"/>
+              <a:t> = low</a:t>
             </a:r>
             <a:endParaRPr lang="en-US" sz="2800" dirty="0"/>
           </a:p>
-        </p:txBody>
-      </p:sp>
-      <p:graphicFrame>
-        <p:nvGraphicFramePr>
-          <p:cNvPr id="7" name="Content Placeholder 6"/>
-          <p:cNvGraphicFramePr>
-            <a:graphicFrameLocks noGrp="1"/>
-          </p:cNvGraphicFramePr>
-          <p:nvPr>
-            <p:ph sz="quarter" idx="1"/>
-            <p:extLst>
-              <p:ext uri="{D42A27DB-BD31-4B8C-83A1-F6EECF244321}">
-                <p14:modId xmlns:p14="http://schemas.microsoft.com/office/powerpoint/2010/main" val="3524136647"/>
-              </p:ext>
-            </p:extLst>
-          </p:nvPr>
-        </p:nvGraphicFramePr>
-        <p:xfrm>
-          <a:off x="5544986" y="3876435"/>
-          <a:ext cx="3013354" cy="741680"/>
-        </p:xfrm>
-        <a:graphic>
-          <a:graphicData uri="http://schemas.openxmlformats.org/drawingml/2006/table">
-            <a:tbl>
-              <a:tblPr firstRow="1" bandRow="1">
-                <a:tableStyleId>{5C22544A-7EE6-4342-B048-85BDC9FD1C3A}</a:tableStyleId>
-              </a:tblPr>
-              <a:tblGrid>
-                <a:gridCol w="646331"/>
-                <a:gridCol w="597441"/>
-                <a:gridCol w="597441"/>
-                <a:gridCol w="1172141"/>
-              </a:tblGrid>
-              <a:tr h="370840">
-                <a:tc>
-                  <a:txBody>
-                    <a:bodyPr/>
-                    <a:lstStyle/>
-                    <a:p>
-                      <a:r>
-                        <a:rPr lang="en-US" dirty="0" smtClean="0"/>
-                        <a:t>ID</a:t>
-                      </a:r>
-                      <a:endParaRPr lang="en-US" dirty="0"/>
-                    </a:p>
-                  </a:txBody>
-                  <a:tcPr/>
-                </a:tc>
-                <a:tc>
-                  <a:txBody>
-                    <a:bodyPr/>
-                    <a:lstStyle/>
-                    <a:p>
-                      <a:r>
-                        <a:rPr lang="en-US" dirty="0" smtClean="0"/>
-                        <a:t>Att1</a:t>
-                      </a:r>
-                      <a:endParaRPr lang="en-US" dirty="0"/>
-                    </a:p>
-                  </a:txBody>
-                  <a:tcPr/>
-                </a:tc>
-                <a:tc>
-                  <a:txBody>
-                    <a:bodyPr/>
-                    <a:lstStyle/>
-                    <a:p>
-                      <a:r>
-                        <a:rPr lang="en-US" dirty="0" smtClean="0"/>
-                        <a:t>Att2</a:t>
-                      </a:r>
-                      <a:endParaRPr lang="en-US" dirty="0"/>
-                    </a:p>
-                  </a:txBody>
-                  <a:tcPr/>
-                </a:tc>
-                <a:tc>
-                  <a:txBody>
-                    <a:bodyPr/>
-                    <a:lstStyle/>
-                    <a:p>
-                      <a:r>
-                        <a:rPr lang="en-US" dirty="0" smtClean="0"/>
-                        <a:t>Att3</a:t>
-                      </a:r>
-                      <a:endParaRPr lang="en-US" dirty="0"/>
-                    </a:p>
-                  </a:txBody>
-                  <a:tcPr/>
-                </a:tc>
-              </a:tr>
-              <a:tr h="370840">
-                <a:tc>
-                  <a:txBody>
-                    <a:bodyPr/>
-                    <a:lstStyle/>
-                    <a:p>
-                      <a:r>
-                        <a:rPr lang="en-US" dirty="0" smtClean="0"/>
-                        <a:t>1000</a:t>
-                      </a:r>
-                      <a:endParaRPr lang="en-US" dirty="0"/>
-                    </a:p>
-                  </a:txBody>
-                  <a:tcPr/>
-                </a:tc>
-                <a:tc>
-                  <a:txBody>
-                    <a:bodyPr/>
-                    <a:lstStyle/>
-                    <a:p>
-                      <a:r>
-                        <a:rPr lang="en-US" dirty="0" smtClean="0"/>
-                        <a:t>M</a:t>
-                      </a:r>
-                      <a:endParaRPr lang="en-US" dirty="0"/>
-                    </a:p>
-                  </a:txBody>
-                  <a:tcPr/>
-                </a:tc>
-                <a:tc>
-                  <a:txBody>
-                    <a:bodyPr/>
-                    <a:lstStyle/>
-                    <a:p>
-                      <a:r>
-                        <a:rPr lang="en-US" dirty="0" smtClean="0"/>
-                        <a:t>rich</a:t>
-                      </a:r>
-                      <a:endParaRPr lang="en-US" dirty="0"/>
-                    </a:p>
-                  </a:txBody>
-                  <a:tcPr/>
-                </a:tc>
-                <a:tc>
-                  <a:txBody>
-                    <a:bodyPr/>
-                    <a:lstStyle/>
-                    <a:p>
-                      <a:r>
-                        <a:rPr lang="en-US" dirty="0" smtClean="0"/>
-                        <a:t>8</a:t>
-                      </a:r>
-                      <a:endParaRPr lang="en-US" dirty="0"/>
-                    </a:p>
-                  </a:txBody>
-                  <a:tcPr/>
-                </a:tc>
-              </a:tr>
-            </a:tbl>
-          </a:graphicData>
-        </a:graphic>
-      </p:graphicFrame>
+          <a:p>
+            <a:r>
+              <a:rPr lang="en-US" sz="2800" dirty="0" smtClean="0"/>
+              <a:t>For </a:t>
+            </a:r>
+            <a:r>
+              <a:rPr lang="en-US" sz="2800" dirty="0" err="1" smtClean="0"/>
+              <a:t>Edin</a:t>
+            </a:r>
+            <a:r>
+              <a:rPr lang="en-US" sz="2800" dirty="0" smtClean="0"/>
+              <a:t> </a:t>
+            </a:r>
+            <a:r>
+              <a:rPr lang="en-US" sz="2800" dirty="0" err="1" smtClean="0"/>
+              <a:t>Dzeko</a:t>
+            </a:r>
+            <a:r>
+              <a:rPr lang="en-US" sz="2800" dirty="0" smtClean="0"/>
+              <a:t>:</a:t>
+            </a:r>
+          </a:p>
+          <a:p>
+            <a:pPr lvl="1"/>
+            <a:r>
+              <a:rPr lang="en-US" dirty="0" smtClean="0"/>
+              <a:t>confidence = 50%</a:t>
+            </a:r>
+          </a:p>
+          <a:p>
+            <a:pPr lvl="1"/>
+            <a:r>
+              <a:rPr lang="en-US" dirty="0" smtClean="0"/>
+              <a:t>lift = ln(50%/16%)=1.13</a:t>
+            </a:r>
+            <a:endParaRPr lang="en-US" dirty="0"/>
+          </a:p>
+          <a:p>
+            <a:pPr lvl="1"/>
+            <a:r>
+              <a:rPr lang="en-US" dirty="0" smtClean="0"/>
+              <a:t>support (joint </a:t>
+            </a:r>
+            <a:r>
+              <a:rPr lang="en-US" dirty="0" err="1" smtClean="0"/>
+              <a:t>prob</a:t>
+            </a:r>
+            <a:r>
+              <a:rPr lang="en-US" dirty="0" smtClean="0"/>
+              <a:t>) = </a:t>
+            </a:r>
+            <a:r>
+              <a:rPr lang="en-US" dirty="0"/>
+              <a:t>6</a:t>
+            </a:r>
+            <a:r>
+              <a:rPr lang="en-US" dirty="0" smtClean="0"/>
+              <a:t>%</a:t>
+            </a:r>
+          </a:p>
+          <a:p>
+            <a:r>
+              <a:rPr lang="en-US" sz="2800" dirty="0" smtClean="0"/>
+              <a:t>For random striker</a:t>
+            </a:r>
+          </a:p>
+          <a:p>
+            <a:pPr lvl="1"/>
+            <a:r>
+              <a:rPr lang="en-US" dirty="0"/>
+              <a:t>c</a:t>
+            </a:r>
+            <a:r>
+              <a:rPr lang="en-US" dirty="0" smtClean="0"/>
+              <a:t>onfidence = 38%</a:t>
+            </a:r>
+          </a:p>
+          <a:p>
+            <a:pPr lvl="1"/>
+            <a:r>
+              <a:rPr lang="en-US" dirty="0"/>
+              <a:t>lift = ln(38%/50%) =-0.27 </a:t>
+            </a:r>
+            <a:endParaRPr lang="en-US" dirty="0" smtClean="0"/>
+          </a:p>
+          <a:p>
+            <a:r>
+              <a:rPr lang="en-US" dirty="0" smtClean="0"/>
+              <a:t>ELD contribution for association</a:t>
+            </a:r>
+            <a:br>
+              <a:rPr lang="en-US" dirty="0" smtClean="0"/>
+            </a:br>
+            <a:r>
+              <a:rPr lang="en-US" dirty="0" smtClean="0"/>
+              <a:t>10% x |1.13-(-0.27)|= </a:t>
+            </a:r>
+            <a:r>
+              <a:rPr lang="en-US" dirty="0"/>
+              <a:t>6</a:t>
+            </a:r>
+            <a:r>
+              <a:rPr lang="en-US" dirty="0" smtClean="0"/>
+              <a:t>% x 1.14 = 0.068</a:t>
+            </a:r>
+            <a:endParaRPr lang="en-US" dirty="0"/>
+          </a:p>
+        </p:txBody>
+      </p:sp>
       <p:sp>
         <p:nvSpPr>
           <p:cNvPr id="4" name="Footer Placeholder 3"/>
@@ -13828,708 +13691,35 @@
         </p:nvSpPr>
         <p:spPr>
           <a:xfrm>
-            <a:off x="355611" y="6172200"/>
-            <a:ext cx="7282395" cy="457200"/>
+            <a:off x="914399" y="6172200"/>
+            <a:ext cx="4104025" cy="457200"/>
           </a:xfrm>
         </p:spPr>
         <p:txBody>
           <a:bodyPr/>
           <a:lstStyle/>
           <a:p>
-            <a:r>
-              <a:rPr lang="en-US" dirty="0" err="1"/>
-              <a:t>Cansado</a:t>
-            </a:r>
-            <a:r>
-              <a:rPr lang="en-US" dirty="0"/>
-              <a:t>, A. &amp; Soto, A. (2008), 'Unsupervised anomaly detection in large databases using Bayesian networks', </a:t>
-            </a:r>
-            <a:r>
-              <a:rPr lang="en-US" i="1" dirty="0"/>
-              <a:t>Applied </a:t>
-            </a:r>
-            <a:r>
-              <a:rPr lang="en-US" i="1" dirty="0" err="1"/>
-              <a:t>Artifical</a:t>
-            </a:r>
-            <a:r>
-              <a:rPr lang="en-US" i="1" dirty="0"/>
-              <a:t> Intelligence </a:t>
-            </a:r>
-            <a:r>
-              <a:rPr lang="en-US" b="1" i="1" dirty="0"/>
-              <a:t>22(4), 309--330.</a:t>
-            </a:r>
-          </a:p>
-          <a:p>
+            <a:pPr>
+              <a:defRPr/>
+            </a:pPr>
+            <a:r>
+              <a:rPr lang="en-US" dirty="0" smtClean="0"/>
+              <a:t>Learning Bayesxian Networks for Complex Relational Data</a:t>
+            </a:r>
             <a:endParaRPr lang="en-US" dirty="0"/>
           </a:p>
         </p:txBody>
       </p:sp>
-      <p:sp>
-        <p:nvSpPr>
-          <p:cNvPr id="8" name="Down Arrow 7"/>
-          <p:cNvSpPr/>
-          <p:nvPr/>
-        </p:nvSpPr>
-        <p:spPr>
-          <a:xfrm>
-            <a:off x="2483156" y="3338620"/>
-            <a:ext cx="248171" cy="581678"/>
-          </a:xfrm>
-          <a:prstGeom prst="downArrow">
-            <a:avLst/>
-          </a:prstGeom>
-          <a:solidFill>
-            <a:srgbClr val="3366FF"/>
-          </a:solidFill>
-          <a:ln>
-            <a:solidFill>
-              <a:srgbClr val="0000FF"/>
-            </a:solidFill>
-          </a:ln>
-        </p:spPr>
-        <p:style>
-          <a:lnRef idx="1">
-            <a:schemeClr val="accent1"/>
-          </a:lnRef>
-          <a:fillRef idx="3">
-            <a:schemeClr val="accent1"/>
-          </a:fillRef>
-          <a:effectRef idx="2">
-            <a:schemeClr val="accent1"/>
-          </a:effectRef>
-          <a:fontRef idx="minor">
-            <a:schemeClr val="lt1"/>
-          </a:fontRef>
-        </p:style>
-        <p:txBody>
-          <a:bodyPr rtlCol="0" anchor="ctr"/>
-          <a:lstStyle/>
-          <a:p>
-            <a:pPr algn="ctr"/>
-            <a:endParaRPr lang="en-US"/>
-          </a:p>
-        </p:txBody>
-      </p:sp>
-      <p:sp>
-        <p:nvSpPr>
-          <p:cNvPr id="10" name="TextBox 9"/>
-          <p:cNvSpPr txBox="1"/>
-          <p:nvPr/>
-        </p:nvSpPr>
-        <p:spPr>
-          <a:xfrm>
-            <a:off x="701969" y="4117414"/>
-            <a:ext cx="1582031" cy="400110"/>
-          </a:xfrm>
-          <a:prstGeom prst="rect">
-            <a:avLst/>
-          </a:prstGeom>
-          <a:noFill/>
-          <a:ln>
-            <a:solidFill>
-              <a:schemeClr val="tx1"/>
-            </a:solidFill>
-          </a:ln>
-        </p:spPr>
-        <p:txBody>
-          <a:bodyPr wrap="square" rtlCol="0">
-            <a:spAutoFit/>
-          </a:bodyPr>
-          <a:lstStyle/>
-          <a:p>
-            <a:r>
-              <a:rPr lang="en-US" sz="2000" dirty="0" smtClean="0">
-                <a:latin typeface="+mn-lt"/>
-              </a:rPr>
-              <a:t>Attribute1</a:t>
-            </a:r>
-            <a:endParaRPr lang="en-US" sz="2000" dirty="0">
-              <a:latin typeface="+mn-lt"/>
-            </a:endParaRPr>
-          </a:p>
-        </p:txBody>
-      </p:sp>
-      <p:sp>
-        <p:nvSpPr>
-          <p:cNvPr id="11" name="TextBox 10"/>
-          <p:cNvSpPr txBox="1"/>
-          <p:nvPr/>
-        </p:nvSpPr>
-        <p:spPr>
-          <a:xfrm>
-            <a:off x="1915879" y="5013763"/>
-            <a:ext cx="1556060" cy="400110"/>
-          </a:xfrm>
-          <a:prstGeom prst="rect">
-            <a:avLst/>
-          </a:prstGeom>
-          <a:noFill/>
-          <a:ln>
-            <a:solidFill>
-              <a:schemeClr val="tx1"/>
-            </a:solidFill>
-          </a:ln>
-        </p:spPr>
-        <p:txBody>
-          <a:bodyPr wrap="square" rtlCol="0">
-            <a:spAutoFit/>
-          </a:bodyPr>
-          <a:lstStyle/>
-          <a:p>
-            <a:r>
-              <a:rPr lang="en-US" sz="2000" dirty="0" smtClean="0">
-                <a:latin typeface="+mn-lt"/>
-              </a:rPr>
-              <a:t>Attribute3</a:t>
-            </a:r>
-            <a:endParaRPr lang="en-US" sz="2000" dirty="0">
-              <a:latin typeface="+mn-lt"/>
-            </a:endParaRPr>
-          </a:p>
-        </p:txBody>
-      </p:sp>
-      <p:sp>
-        <p:nvSpPr>
-          <p:cNvPr id="12" name="TextBox 11"/>
-          <p:cNvSpPr txBox="1"/>
-          <p:nvPr/>
-        </p:nvSpPr>
-        <p:spPr>
-          <a:xfrm>
-            <a:off x="3169568" y="4117414"/>
-            <a:ext cx="1485493" cy="400110"/>
-          </a:xfrm>
-          <a:prstGeom prst="rect">
-            <a:avLst/>
-          </a:prstGeom>
-          <a:noFill/>
-          <a:ln>
-            <a:solidFill>
-              <a:schemeClr val="tx1"/>
-            </a:solidFill>
-          </a:ln>
-        </p:spPr>
-        <p:txBody>
-          <a:bodyPr wrap="square" rtlCol="0">
-            <a:spAutoFit/>
-          </a:bodyPr>
-          <a:lstStyle/>
-          <a:p>
-            <a:r>
-              <a:rPr lang="en-US" sz="2000" dirty="0" smtClean="0">
-                <a:latin typeface="+mn-lt"/>
-              </a:rPr>
-              <a:t>Attribute2</a:t>
-            </a:r>
-            <a:endParaRPr lang="en-US" sz="2000" dirty="0">
-              <a:latin typeface="+mn-lt"/>
-            </a:endParaRPr>
-          </a:p>
-        </p:txBody>
-      </p:sp>
-      <p:cxnSp>
-        <p:nvCxnSpPr>
-          <p:cNvPr id="13" name="Straight Arrow Connector 12"/>
-          <p:cNvCxnSpPr/>
-          <p:nvPr/>
-        </p:nvCxnSpPr>
-        <p:spPr>
-          <a:xfrm>
-            <a:off x="1165862" y="4486746"/>
-            <a:ext cx="1242937" cy="527017"/>
-          </a:xfrm>
-          <a:prstGeom prst="straightConnector1">
-            <a:avLst/>
-          </a:prstGeom>
-          <a:ln>
-            <a:tailEnd type="arrow"/>
-          </a:ln>
-        </p:spPr>
-        <p:style>
-          <a:lnRef idx="2">
-            <a:schemeClr val="accent1"/>
-          </a:lnRef>
-          <a:fillRef idx="0">
-            <a:schemeClr val="accent1"/>
-          </a:fillRef>
-          <a:effectRef idx="1">
-            <a:schemeClr val="accent1"/>
-          </a:effectRef>
-          <a:fontRef idx="minor">
-            <a:schemeClr val="tx1"/>
-          </a:fontRef>
-        </p:style>
-      </p:cxnSp>
-      <p:cxnSp>
-        <p:nvCxnSpPr>
-          <p:cNvPr id="14" name="Straight Arrow Connector 13"/>
-          <p:cNvCxnSpPr>
-            <a:stCxn id="12" idx="2"/>
-            <a:endCxn id="11" idx="0"/>
-          </p:cNvCxnSpPr>
-          <p:nvPr/>
-        </p:nvCxnSpPr>
-        <p:spPr>
-          <a:xfrm flipH="1">
-            <a:off x="2693909" y="4517524"/>
-            <a:ext cx="1218406" cy="496239"/>
-          </a:xfrm>
-          <a:prstGeom prst="straightConnector1">
-            <a:avLst/>
-          </a:prstGeom>
-          <a:ln>
-            <a:tailEnd type="arrow"/>
-          </a:ln>
-        </p:spPr>
-        <p:style>
-          <a:lnRef idx="2">
-            <a:schemeClr val="accent1"/>
-          </a:lnRef>
-          <a:fillRef idx="0">
-            <a:schemeClr val="accent1"/>
-          </a:fillRef>
-          <a:effectRef idx="1">
-            <a:schemeClr val="accent1"/>
-          </a:effectRef>
-          <a:fontRef idx="minor">
-            <a:schemeClr val="tx1"/>
-          </a:fontRef>
-        </p:style>
-      </p:cxnSp>
-      <p:sp>
-        <p:nvSpPr>
-          <p:cNvPr id="22" name="TextBox 21"/>
-          <p:cNvSpPr txBox="1"/>
-          <p:nvPr/>
-        </p:nvSpPr>
-        <p:spPr>
-          <a:xfrm>
-            <a:off x="2922855" y="3507103"/>
-            <a:ext cx="1732206" cy="400110"/>
-          </a:xfrm>
-          <a:prstGeom prst="rect">
-            <a:avLst/>
-          </a:prstGeom>
-          <a:noFill/>
-        </p:spPr>
-        <p:txBody>
-          <a:bodyPr wrap="square" rtlCol="0">
-            <a:spAutoFit/>
-          </a:bodyPr>
-          <a:lstStyle/>
-          <a:p>
-            <a:r>
-              <a:rPr lang="en-US" sz="2000" dirty="0" smtClean="0">
-                <a:latin typeface="+mn-lt"/>
-              </a:rPr>
-              <a:t>Learning</a:t>
-            </a:r>
-            <a:endParaRPr lang="en-US" sz="2000" dirty="0">
-              <a:latin typeface="+mn-lt"/>
-            </a:endParaRPr>
-          </a:p>
-        </p:txBody>
-      </p:sp>
-      <p:graphicFrame>
-        <p:nvGraphicFramePr>
-          <p:cNvPr id="24" name="Content Placeholder 6"/>
-          <p:cNvGraphicFramePr>
-            <a:graphicFrameLocks noGrp="1"/>
-          </p:cNvGraphicFramePr>
-          <p:nvPr>
-            <p:ph sz="quarter" idx="1"/>
-            <p:extLst>
-              <p:ext uri="{D42A27DB-BD31-4B8C-83A1-F6EECF244321}">
-                <p14:modId xmlns:p14="http://schemas.microsoft.com/office/powerpoint/2010/main" val="2694164429"/>
-              </p:ext>
-            </p:extLst>
-          </p:nvPr>
-        </p:nvGraphicFramePr>
-        <p:xfrm>
-          <a:off x="355611" y="2116148"/>
-          <a:ext cx="4451492" cy="1112520"/>
-        </p:xfrm>
-        <a:graphic>
-          <a:graphicData uri="http://schemas.openxmlformats.org/drawingml/2006/table">
-            <a:tbl>
-              <a:tblPr firstRow="1" bandRow="1">
-                <a:tableStyleId>{5C22544A-7EE6-4342-B048-85BDC9FD1C3A}</a:tableStyleId>
-              </a:tblPr>
-              <a:tblGrid>
-                <a:gridCol w="430790"/>
-                <a:gridCol w="1200083"/>
-                <a:gridCol w="1200083"/>
-                <a:gridCol w="1620536"/>
-              </a:tblGrid>
-              <a:tr h="370840">
-                <a:tc>
-                  <a:txBody>
-                    <a:bodyPr/>
-                    <a:lstStyle/>
-                    <a:p>
-                      <a:r>
-                        <a:rPr lang="en-US" dirty="0" smtClean="0"/>
-                        <a:t>ID</a:t>
-                      </a:r>
-                      <a:endParaRPr lang="en-US" dirty="0"/>
-                    </a:p>
-                  </a:txBody>
-                  <a:tcPr/>
-                </a:tc>
-                <a:tc>
-                  <a:txBody>
-                    <a:bodyPr/>
-                    <a:lstStyle/>
-                    <a:p>
-                      <a:r>
-                        <a:rPr lang="en-US" dirty="0" smtClean="0"/>
-                        <a:t>Attribute1</a:t>
-                      </a:r>
-                      <a:endParaRPr lang="en-US" dirty="0"/>
-                    </a:p>
-                  </a:txBody>
-                  <a:tcPr/>
-                </a:tc>
-                <a:tc>
-                  <a:txBody>
-                    <a:bodyPr/>
-                    <a:lstStyle/>
-                    <a:p>
-                      <a:r>
-                        <a:rPr lang="en-US" dirty="0" smtClean="0"/>
-                        <a:t>Attribute2</a:t>
-                      </a:r>
-                      <a:endParaRPr lang="en-US" dirty="0"/>
-                    </a:p>
-                  </a:txBody>
-                  <a:tcPr/>
-                </a:tc>
-                <a:tc>
-                  <a:txBody>
-                    <a:bodyPr/>
-                    <a:lstStyle/>
-                    <a:p>
-                      <a:r>
-                        <a:rPr lang="en-US" dirty="0" smtClean="0"/>
-                        <a:t>Attribute3</a:t>
-                      </a:r>
-                      <a:endParaRPr lang="en-US" dirty="0"/>
-                    </a:p>
-                  </a:txBody>
-                  <a:tcPr/>
-                </a:tc>
-              </a:tr>
-              <a:tr h="370840">
-                <a:tc>
-                  <a:txBody>
-                    <a:bodyPr/>
-                    <a:lstStyle/>
-                    <a:p>
-                      <a:r>
-                        <a:rPr lang="en-US" dirty="0" smtClean="0"/>
-                        <a:t>1</a:t>
-                      </a:r>
-                      <a:endParaRPr lang="en-US" dirty="0"/>
-                    </a:p>
-                  </a:txBody>
-                  <a:tcPr/>
-                </a:tc>
-                <a:tc>
-                  <a:txBody>
-                    <a:bodyPr/>
-                    <a:lstStyle/>
-                    <a:p>
-                      <a:r>
-                        <a:rPr lang="en-US" dirty="0" smtClean="0"/>
-                        <a:t>W</a:t>
-                      </a:r>
-                      <a:endParaRPr lang="en-US" dirty="0"/>
-                    </a:p>
-                  </a:txBody>
-                  <a:tcPr/>
-                </a:tc>
-                <a:tc>
-                  <a:txBody>
-                    <a:bodyPr/>
-                    <a:lstStyle/>
-                    <a:p>
-                      <a:r>
-                        <a:rPr lang="en-US" dirty="0" smtClean="0"/>
-                        <a:t>rich</a:t>
-                      </a:r>
-                      <a:endParaRPr lang="en-US" dirty="0"/>
-                    </a:p>
-                  </a:txBody>
-                  <a:tcPr/>
-                </a:tc>
-                <a:tc>
-                  <a:txBody>
-                    <a:bodyPr/>
-                    <a:lstStyle/>
-                    <a:p>
-                      <a:r>
-                        <a:rPr lang="en-US" dirty="0" smtClean="0"/>
-                        <a:t>10</a:t>
-                      </a:r>
-                      <a:endParaRPr lang="en-US" dirty="0"/>
-                    </a:p>
-                  </a:txBody>
-                  <a:tcPr/>
-                </a:tc>
-              </a:tr>
-              <a:tr h="370840">
-                <a:tc>
-                  <a:txBody>
-                    <a:bodyPr/>
-                    <a:lstStyle/>
-                    <a:p>
-                      <a:r>
-                        <a:rPr lang="en-US" dirty="0" smtClean="0"/>
-                        <a:t>2</a:t>
-                      </a:r>
-                      <a:endParaRPr lang="en-US" dirty="0"/>
-                    </a:p>
-                  </a:txBody>
-                  <a:tcPr/>
-                </a:tc>
-                <a:tc>
-                  <a:txBody>
-                    <a:bodyPr/>
-                    <a:lstStyle/>
-                    <a:p>
-                      <a:r>
-                        <a:rPr lang="en-US" dirty="0" smtClean="0"/>
-                        <a:t>....</a:t>
-                      </a:r>
-                      <a:endParaRPr lang="en-US" dirty="0"/>
-                    </a:p>
-                  </a:txBody>
-                  <a:tcPr/>
-                </a:tc>
-                <a:tc>
-                  <a:txBody>
-                    <a:bodyPr/>
-                    <a:lstStyle/>
-                    <a:p>
-                      <a:r>
-                        <a:rPr lang="en-US" dirty="0" smtClean="0"/>
-                        <a:t>...</a:t>
-                      </a:r>
-                      <a:endParaRPr lang="en-US" dirty="0"/>
-                    </a:p>
-                  </a:txBody>
-                  <a:tcPr/>
-                </a:tc>
-                <a:tc>
-                  <a:txBody>
-                    <a:bodyPr/>
-                    <a:lstStyle/>
-                    <a:p>
-                      <a:r>
-                        <a:rPr lang="en-US" dirty="0" smtClean="0"/>
-                        <a:t>...</a:t>
-                      </a:r>
-                      <a:endParaRPr lang="en-US" dirty="0"/>
-                    </a:p>
-                  </a:txBody>
-                  <a:tcPr/>
-                </a:tc>
-              </a:tr>
-            </a:tbl>
-          </a:graphicData>
-        </a:graphic>
-      </p:graphicFrame>
-      <p:sp>
-        <p:nvSpPr>
-          <p:cNvPr id="25" name="TextBox 24"/>
-          <p:cNvSpPr txBox="1"/>
-          <p:nvPr/>
-        </p:nvSpPr>
-        <p:spPr>
-          <a:xfrm>
-            <a:off x="4112154" y="5240495"/>
-            <a:ext cx="4574646" cy="830997"/>
-          </a:xfrm>
-          <a:prstGeom prst="rect">
-            <a:avLst/>
-          </a:prstGeom>
-          <a:noFill/>
-          <a:ln>
-            <a:solidFill>
-              <a:schemeClr val="tx1"/>
-            </a:solidFill>
-          </a:ln>
-        </p:spPr>
-        <p:txBody>
-          <a:bodyPr wrap="square" rtlCol="0">
-            <a:spAutoFit/>
-          </a:bodyPr>
-          <a:lstStyle/>
-          <a:p>
-            <a:r>
-              <a:rPr lang="en-US" sz="2400" dirty="0">
-                <a:latin typeface="+mn-lt"/>
-              </a:rPr>
-              <a:t>L</a:t>
-            </a:r>
-            <a:r>
-              <a:rPr lang="en-US" sz="2400" dirty="0" smtClean="0">
-                <a:latin typeface="+mn-lt"/>
-              </a:rPr>
-              <a:t>ikelihood of potential outlier</a:t>
-            </a:r>
-          </a:p>
-          <a:p>
-            <a:r>
-              <a:rPr lang="en-US" sz="2400" dirty="0" smtClean="0">
-                <a:latin typeface="+mn-lt"/>
-              </a:rPr>
-              <a:t>low likelihood </a:t>
-            </a:r>
-            <a:r>
-              <a:rPr lang="en-US" sz="2400" dirty="0" smtClean="0">
-                <a:latin typeface="+mn-lt"/>
-                <a:ea typeface="Wingdings"/>
-                <a:cs typeface="Wingdings"/>
-                <a:sym typeface="Wingdings"/>
-              </a:rPr>
-              <a:t></a:t>
-            </a:r>
-            <a:r>
-              <a:rPr lang="en-US" sz="2400" dirty="0" smtClean="0">
-                <a:latin typeface="+mn-lt"/>
-              </a:rPr>
-              <a:t>outlier</a:t>
-            </a:r>
-            <a:endParaRPr lang="en-US" sz="2400" dirty="0">
-              <a:latin typeface="+mn-lt"/>
-            </a:endParaRPr>
-          </a:p>
-        </p:txBody>
-      </p:sp>
-      <p:cxnSp>
-        <p:nvCxnSpPr>
-          <p:cNvPr id="27" name="Straight Arrow Connector 26"/>
-          <p:cNvCxnSpPr/>
-          <p:nvPr/>
-        </p:nvCxnSpPr>
-        <p:spPr>
-          <a:xfrm>
-            <a:off x="4112154" y="4517524"/>
-            <a:ext cx="1189300" cy="722971"/>
-          </a:xfrm>
-          <a:prstGeom prst="straightConnector1">
-            <a:avLst/>
-          </a:prstGeom>
-          <a:ln>
-            <a:tailEnd type="arrow"/>
-          </a:ln>
-        </p:spPr>
-        <p:style>
-          <a:lnRef idx="2">
-            <a:schemeClr val="accent1"/>
-          </a:lnRef>
-          <a:fillRef idx="0">
-            <a:schemeClr val="accent1"/>
-          </a:fillRef>
-          <a:effectRef idx="1">
-            <a:schemeClr val="accent1"/>
-          </a:effectRef>
-          <a:fontRef idx="minor">
-            <a:schemeClr val="tx1"/>
-          </a:fontRef>
-        </p:style>
-      </p:cxnSp>
-      <p:cxnSp>
-        <p:nvCxnSpPr>
-          <p:cNvPr id="29" name="Straight Arrow Connector 28"/>
-          <p:cNvCxnSpPr/>
-          <p:nvPr/>
-        </p:nvCxnSpPr>
-        <p:spPr>
-          <a:xfrm>
-            <a:off x="6732645" y="4618115"/>
-            <a:ext cx="0" cy="622380"/>
-          </a:xfrm>
-          <a:prstGeom prst="straightConnector1">
-            <a:avLst/>
-          </a:prstGeom>
-          <a:ln>
-            <a:tailEnd type="arrow"/>
-          </a:ln>
-        </p:spPr>
-        <p:style>
-          <a:lnRef idx="2">
-            <a:schemeClr val="accent1"/>
-          </a:lnRef>
-          <a:fillRef idx="0">
-            <a:schemeClr val="accent1"/>
-          </a:fillRef>
-          <a:effectRef idx="1">
-            <a:schemeClr val="accent1"/>
-          </a:effectRef>
-          <a:fontRef idx="minor">
-            <a:schemeClr val="tx1"/>
-          </a:fontRef>
-        </p:style>
-      </p:cxnSp>
-      <p:pic>
-        <p:nvPicPr>
-          <p:cNvPr id="2" name="Picture 1" descr="andrew_ng.jpg"/>
-          <p:cNvPicPr>
-            <a:picLocks noChangeAspect="1"/>
-          </p:cNvPicPr>
-          <p:nvPr/>
-        </p:nvPicPr>
-        <p:blipFill>
-          <a:blip r:embed="rId2" cstate="print">
-            <a:extLst>
-              <a:ext uri="{28A0092B-C50C-407E-A947-70E740481C1C}">
-                <a14:useLocalDpi xmlns:a14="http://schemas.microsoft.com/office/drawing/2010/main" val="0"/>
-              </a:ext>
-            </a:extLst>
-          </a:blip>
-          <a:stretch>
-            <a:fillRect/>
-          </a:stretch>
-        </p:blipFill>
-        <p:spPr>
-          <a:xfrm>
-            <a:off x="5601729" y="1417638"/>
-            <a:ext cx="2261832" cy="1704414"/>
-          </a:xfrm>
-          <a:prstGeom prst="rect">
-            <a:avLst/>
-          </a:prstGeom>
-        </p:spPr>
-      </p:pic>
     </p:spTree>
     <p:extLst>
       <p:ext uri="{BB962C8B-B14F-4D97-AF65-F5344CB8AC3E}">
-        <p14:creationId xmlns:p14="http://schemas.microsoft.com/office/powerpoint/2010/main" val="949920631"/>
+        <p14:creationId xmlns:p14="http://schemas.microsoft.com/office/powerpoint/2010/main" val="4030511459"/>
       </p:ext>
     </p:extLst>
   </p:cSld>
   <p:clrMapOvr>
     <a:masterClrMapping/>
   </p:clrMapOvr>
-  <mc:AlternateContent xmlns:mc="http://schemas.openxmlformats.org/markup-compatibility/2006">
-    <mc:Choice xmlns:p14="http://schemas.microsoft.com/office/powerpoint/2010/main" Requires="p14">
-      <p:transition spd="slow" p14:dur="2000"/>
-    </mc:Choice>
-    <mc:Fallback>
-      <p:transition xmlns:p14="http://schemas.microsoft.com/office/powerpoint/2010/main" spd="slow"/>
-    </mc:Fallback>
-  </mc:AlternateContent>
-  <p:timing>
-    <p:tnLst>
-      <p:par>
-        <p:cTn xmlns:p14="http://schemas.microsoft.com/office/powerpoint/2010/main" id="1" dur="indefinite" restart="never" nodeType="tmRoot"/>
-      </p:par>
-    </p:tnLst>
-  </p:timing>
 </p:sld>
 </file>
 
@@ -14681,9 +13871,10 @@
               <a:defRPr/>
             </a:pPr>
             <a:r>
-              <a:rPr lang="en-US"/>
-              <a:t>Presentation Title At Venue</a:t>
-            </a:r>
+              <a:rPr lang="en-US" dirty="0" smtClean="0"/>
+              <a:t>Learning Bayesian Networks for Complex Relational Data</a:t>
+            </a:r>
+            <a:endParaRPr lang="en-US" dirty="0"/>
           </a:p>
         </p:txBody>
       </p:sp>
@@ -14789,34 +13980,6 @@
       </p:sp>
       <p:sp>
         <p:nvSpPr>
-          <p:cNvPr id="4" name="Slide Number Placeholder 3"/>
-          <p:cNvSpPr>
-            <a:spLocks noGrp="1"/>
-          </p:cNvSpPr>
-          <p:nvPr>
-            <p:ph type="sldNum" sz="quarter" idx="12"/>
-          </p:nvPr>
-        </p:nvSpPr>
-        <p:spPr/>
-        <p:txBody>
-          <a:bodyPr/>
-          <a:lstStyle/>
-          <a:p>
-            <a:fld id="{B6F15528-21DE-4FAA-801E-634DDDAF4B2B}" type="slidenum">
-              <a:rPr lang="en-US" smtClean="0"/>
-              <a:pPr/>
-              <a:t>24</a:t>
-            </a:fld>
-            <a:r>
-              <a:rPr lang="en-US" smtClean="0"/>
-              <a:t>/19</a:t>
-            </a:r>
-            <a:endParaRPr lang="en-US" dirty="0"/>
-          </a:p>
-        </p:txBody>
-      </p:sp>
-      <p:sp>
-        <p:nvSpPr>
           <p:cNvPr id="5" name="Footer Placeholder 4"/>
           <p:cNvSpPr>
             <a:spLocks noGrp="1"/>
@@ -14827,7 +13990,7 @@
         </p:nvSpPr>
         <p:spPr>
           <a:xfrm>
-            <a:off x="152400" y="6356350"/>
+            <a:off x="152400" y="5768975"/>
             <a:ext cx="7924800" cy="501649"/>
           </a:xfrm>
         </p:spPr>
@@ -16077,81 +15240,6 @@
           </a:p>
         </p:txBody>
       </p:sp>
-      <p:sp>
-        <p:nvSpPr>
-          <p:cNvPr id="3" name="Content Placeholder 2"/>
-          <p:cNvSpPr>
-            <a:spLocks noGrp="1"/>
-          </p:cNvSpPr>
-          <p:nvPr>
-            <p:ph idx="1"/>
-          </p:nvPr>
-        </p:nvSpPr>
-        <p:spPr>
-          <a:xfrm>
-            <a:off x="457200" y="1646237"/>
-            <a:ext cx="8229600" cy="4525963"/>
-          </a:xfrm>
-        </p:spPr>
-        <p:txBody>
-          <a:bodyPr/>
-          <a:lstStyle/>
-          <a:p>
-            <a:r>
-              <a:rPr lang="en-US" sz="2800" dirty="0" smtClean="0"/>
-              <a:t>Use precision as evaluation metric</a:t>
-            </a:r>
-          </a:p>
-          <a:p>
-            <a:pPr lvl="1"/>
-            <a:r>
-              <a:rPr lang="en-US" dirty="0" smtClean="0"/>
-              <a:t>Set the percentages of outliers to be 1% and 5%</a:t>
-            </a:r>
-          </a:p>
-          <a:p>
-            <a:pPr lvl="1"/>
-            <a:r>
-              <a:rPr lang="en-US" dirty="0" smtClean="0"/>
-              <a:t>How many outliers were correctly recognized</a:t>
-            </a:r>
-          </a:p>
-          <a:p>
-            <a:pPr marL="457200" lvl="1" indent="0">
-              <a:buNone/>
-            </a:pPr>
-            <a:endParaRPr lang="en-US" dirty="0" smtClean="0"/>
-          </a:p>
-        </p:txBody>
-      </p:sp>
-      <p:sp>
-        <p:nvSpPr>
-          <p:cNvPr id="4" name="Slide Number Placeholder 3"/>
-          <p:cNvSpPr>
-            <a:spLocks noGrp="1"/>
-          </p:cNvSpPr>
-          <p:nvPr>
-            <p:ph type="sldNum" sz="quarter" idx="12"/>
-          </p:nvPr>
-        </p:nvSpPr>
-        <p:spPr/>
-        <p:txBody>
-          <a:bodyPr/>
-          <a:lstStyle/>
-          <a:p>
-            <a:fld id="{B6F15528-21DE-4FAA-801E-634DDDAF4B2B}" type="slidenum">
-              <a:rPr lang="en-US" smtClean="0"/>
-              <a:pPr/>
-              <a:t>26</a:t>
-            </a:fld>
-            <a:r>
-              <a:rPr lang="en-US" smtClean="0"/>
-              <a:t>/19</a:t>
-            </a:r>
-            <a:endParaRPr lang="en-US" dirty="0"/>
-          </a:p>
-        </p:txBody>
-      </p:sp>
       <p:pic>
         <p:nvPicPr>
           <p:cNvPr id="46082" name="Picture 2"/>
@@ -16169,8 +15257,8 @@
         </p:blipFill>
         <p:spPr bwMode="auto">
           <a:xfrm>
-            <a:off x="164351" y="3429000"/>
-            <a:ext cx="8624184" cy="3048000"/>
+            <a:off x="-1" y="1759074"/>
+            <a:ext cx="9197721" cy="3250702"/>
           </a:xfrm>
           <a:prstGeom prst="rect">
             <a:avLst/>
@@ -16251,34 +15339,6 @@
       </p:sp>
       <p:sp>
         <p:nvSpPr>
-          <p:cNvPr id="4" name="Slide Number Placeholder 3"/>
-          <p:cNvSpPr>
-            <a:spLocks noGrp="1"/>
-          </p:cNvSpPr>
-          <p:nvPr>
-            <p:ph type="sldNum" sz="quarter" idx="12"/>
-          </p:nvPr>
-        </p:nvSpPr>
-        <p:spPr/>
-        <p:txBody>
-          <a:bodyPr/>
-          <a:lstStyle/>
-          <a:p>
-            <a:fld id="{B6F15528-21DE-4FAA-801E-634DDDAF4B2B}" type="slidenum">
-              <a:rPr lang="en-US" smtClean="0"/>
-              <a:pPr/>
-              <a:t>27</a:t>
-            </a:fld>
-            <a:r>
-              <a:rPr lang="en-US" smtClean="0"/>
-              <a:t>/19</a:t>
-            </a:r>
-            <a:endParaRPr lang="en-US" dirty="0"/>
-          </a:p>
-        </p:txBody>
-      </p:sp>
-      <p:sp>
-        <p:nvSpPr>
           <p:cNvPr id="7" name="TextBox 6"/>
           <p:cNvSpPr txBox="1"/>
           <p:nvPr/>
@@ -16309,7 +15369,7 @@
       </p:sp>
       <p:pic>
         <p:nvPicPr>
-          <p:cNvPr id="6" name="Picture 5" descr="HighCor.pdf"/>
+          <p:cNvPr id="6" name="Picture 5"/>
           <p:cNvPicPr>
             <a:picLocks noChangeAspect="1"/>
           </p:cNvPicPr>
@@ -16329,8 +15389,8 @@
         </p:blipFill>
         <p:spPr>
           <a:xfrm>
-            <a:off x="-152400" y="1905000"/>
-            <a:ext cx="5029200" cy="5029200"/>
+            <a:off x="0" y="1905000"/>
+            <a:ext cx="4876799" cy="4876799"/>
           </a:xfrm>
           <a:prstGeom prst="rect">
             <a:avLst/>
@@ -16339,7 +15399,7 @@
       </p:pic>
       <p:pic>
         <p:nvPicPr>
-          <p:cNvPr id="8" name="Picture 7" descr="lowCor.pdf"/>
+          <p:cNvPr id="8" name="Picture 7"/>
           <p:cNvPicPr>
             <a:picLocks noChangeAspect="1"/>
           </p:cNvPicPr>
@@ -17019,34 +16079,6 @@
           </a:graphicData>
         </a:graphic>
       </p:graphicFrame>
-      <p:sp>
-        <p:nvSpPr>
-          <p:cNvPr id="4" name="Slide Number Placeholder 3"/>
-          <p:cNvSpPr>
-            <a:spLocks noGrp="1"/>
-          </p:cNvSpPr>
-          <p:nvPr>
-            <p:ph type="sldNum" sz="quarter" idx="12"/>
-          </p:nvPr>
-        </p:nvSpPr>
-        <p:spPr/>
-        <p:txBody>
-          <a:bodyPr/>
-          <a:lstStyle/>
-          <a:p>
-            <a:fld id="{B6F15528-21DE-4FAA-801E-634DDDAF4B2B}" type="slidenum">
-              <a:rPr lang="en-US" smtClean="0"/>
-              <a:pPr/>
-              <a:t>28</a:t>
-            </a:fld>
-            <a:r>
-              <a:rPr lang="en-US" smtClean="0"/>
-              <a:t>/19</a:t>
-            </a:r>
-            <a:endParaRPr lang="en-US" dirty="0"/>
-          </a:p>
-        </p:txBody>
-      </p:sp>
       <p:graphicFrame>
         <p:nvGraphicFramePr>
           <p:cNvPr id="6" name="Content Placeholder 4"/>
@@ -17704,14 +16736,9 @@
           <a:lstStyle/>
           <a:p>
             <a:r>
-              <a:rPr lang="en-US" dirty="0" smtClean="0"/>
-              <a:t>Mutual </a:t>
-            </a:r>
-            <a:r>
-              <a:rPr lang="en-US" smtClean="0"/>
-              <a:t>Information Example</a:t>
-            </a:r>
-            <a:endParaRPr lang="en-US" dirty="0"/>
+              <a:rPr lang="en-US"/>
+              <a:t>Conclusion</a:t>
+            </a:r>
           </a:p>
         </p:txBody>
       </p:sp>
@@ -17731,100 +16758,56 @@
           <a:lstStyle/>
           <a:p>
             <a:r>
-              <a:rPr lang="en-US" sz="2800" dirty="0" smtClean="0"/>
-              <a:t>For </a:t>
-            </a:r>
-            <a:r>
-              <a:rPr lang="en-US" sz="2800" dirty="0" err="1" smtClean="0"/>
-              <a:t>Edin</a:t>
-            </a:r>
-            <a:r>
-              <a:rPr lang="en-US" sz="2800" dirty="0" smtClean="0"/>
-              <a:t> </a:t>
-            </a:r>
-            <a:r>
-              <a:rPr lang="en-US" sz="2800" dirty="0" err="1" smtClean="0"/>
-              <a:t>Dzeko</a:t>
-            </a:r>
-            <a:r>
-              <a:rPr lang="en-US" sz="2800" dirty="0" smtClean="0"/>
-              <a:t/>
-            </a:r>
-            <a:br>
-              <a:rPr lang="en-US" sz="2800" dirty="0" smtClean="0"/>
-            </a:br>
-            <a:r>
-              <a:rPr lang="en-US" sz="2800" dirty="0" err="1" smtClean="0"/>
-              <a:t>Shotefficiency</a:t>
-            </a:r>
-            <a:r>
-              <a:rPr lang="en-US" sz="2800" dirty="0" smtClean="0"/>
-              <a:t> = high, </a:t>
-            </a:r>
-            <a:r>
-              <a:rPr lang="en-US" sz="2800" dirty="0" err="1" smtClean="0"/>
-              <a:t>TackleEfficiency</a:t>
-            </a:r>
-            <a:r>
-              <a:rPr lang="en-US" sz="2800" dirty="0" smtClean="0"/>
-              <a:t> = medium </a:t>
-            </a:r>
-            <a:r>
-              <a:rPr lang="en-US" sz="2800" dirty="0" smtClean="0">
-                <a:latin typeface="Wingdings"/>
-                <a:ea typeface="Wingdings"/>
-                <a:cs typeface="Wingdings"/>
-                <a:sym typeface="Wingdings"/>
-              </a:rPr>
-              <a:t></a:t>
-            </a:r>
-            <a:r>
-              <a:rPr lang="en-US" sz="2800" dirty="0" err="1" smtClean="0"/>
-              <a:t>DribbleEffiency</a:t>
-            </a:r>
-            <a:r>
-              <a:rPr lang="en-US" sz="2800" dirty="0" smtClean="0"/>
-              <a:t> = low</a:t>
+              <a:rPr lang="en-US"/>
+              <a:t>Relational outlier detection: two approaches for leveraging BN structure learning</a:t>
+            </a:r>
+          </a:p>
+          <a:p>
+            <a:r>
+              <a:rPr lang="en-US"/>
+              <a:t>Propositionalization</a:t>
             </a:r>
           </a:p>
           <a:p>
             <a:pPr lvl="1"/>
             <a:r>
-              <a:rPr lang="en-US" dirty="0" smtClean="0"/>
-              <a:t>confidence = 50%</a:t>
+              <a:rPr lang="en-US"/>
+              <a:t>BN structure defines features for single-table outlier detection</a:t>
+            </a:r>
+          </a:p>
+          <a:p>
+            <a:r>
+              <a:rPr lang="en-US"/>
+              <a:t>Relational Outlierness metric</a:t>
             </a:r>
           </a:p>
           <a:p>
             <a:pPr lvl="1"/>
             <a:r>
-              <a:rPr lang="en-US" dirty="0" smtClean="0"/>
-              <a:t>lift = ln(50%/16%)=1.13</a:t>
-            </a:r>
-          </a:p>
-          <a:p>
-            <a:r>
-              <a:rPr lang="en-US" sz="2800" dirty="0" smtClean="0"/>
-              <a:t>For random striker</a:t>
+              <a:rPr lang="en-US"/>
+              <a:t>Use divergence between database distribution for target individual and random individual</a:t>
             </a:r>
           </a:p>
           <a:p>
             <a:pPr lvl="1"/>
             <a:r>
-              <a:rPr lang="en-US" dirty="0"/>
-              <a:t>c</a:t>
-            </a:r>
-            <a:r>
-              <a:rPr lang="en-US" dirty="0" smtClean="0"/>
-              <a:t>onfidence = 38%</a:t>
-            </a:r>
-          </a:p>
-          <a:p>
-            <a:pPr lvl="1"/>
-            <a:r>
-              <a:rPr lang="en-US" dirty="0"/>
-              <a:t>lift = ln(38%/50%) =-0.27 </a:t>
-            </a:r>
-            <a:endParaRPr lang="en-US" dirty="0"/>
+              <a:rPr lang="en-US"/>
+              <a:t>Novel variant of Kullback-Leibler divergence works well:</a:t>
+            </a:r>
+          </a:p>
+          <a:p>
+            <a:pPr lvl="2"/>
+            <a:r>
+              <a:rPr lang="en-US"/>
+              <a:t>interpretable </a:t>
+            </a:r>
+          </a:p>
+          <a:p>
+            <a:pPr lvl="2"/>
+            <a:r>
+              <a:rPr lang="en-US"/>
+              <a:t>accurate </a:t>
+            </a:r>
           </a:p>
         </p:txBody>
       </p:sp>
@@ -17847,17 +16830,17 @@
               <a:defRPr/>
             </a:pPr>
             <a:r>
-              <a:rPr lang="en-US" smtClean="0"/>
-              <a:t>Presentation Title At Venue</a:t>
-            </a:r>
-            <a:endParaRPr lang="en-US"/>
+              <a:rPr lang="en-US" dirty="0" smtClean="0"/>
+              <a:t>Learning Bayesian Networks for Complex Relational Data</a:t>
+            </a:r>
+            <a:endParaRPr lang="en-US" dirty="0"/>
           </a:p>
         </p:txBody>
       </p:sp>
     </p:spTree>
     <p:extLst>
       <p:ext uri="{BB962C8B-B14F-4D97-AF65-F5344CB8AC3E}">
-        <p14:creationId xmlns:p14="http://schemas.microsoft.com/office/powerpoint/2010/main" val="2841139290"/>
+        <p14:creationId xmlns:p14="http://schemas.microsoft.com/office/powerpoint/2010/main" val="61140085"/>
       </p:ext>
     </p:extLst>
   </p:cSld>
@@ -19951,9 +18934,10 @@
           <a:lstStyle/>
           <a:p>
             <a:r>
-              <a:rPr lang="en-US"/>
-              <a:t>Conclusion</a:t>
-            </a:r>
+              <a:rPr lang="en-US" dirty="0" smtClean="0"/>
+              <a:t>Tutorial Conclusion: First-Order Bayesian Networks</a:t>
+            </a:r>
+            <a:endParaRPr lang="en-US" dirty="0"/>
           </a:p>
         </p:txBody>
       </p:sp>
@@ -19973,56 +18957,32 @@
           <a:lstStyle/>
           <a:p>
             <a:r>
-              <a:rPr lang="en-US"/>
-              <a:t>Relational outlier detection: two approaches for leveraging BN structure learning</a:t>
-            </a:r>
-          </a:p>
-          <a:p>
-            <a:r>
-              <a:rPr lang="en-US"/>
-              <a:t>Propositionalization</a:t>
-            </a:r>
-          </a:p>
-          <a:p>
-            <a:pPr lvl="1"/>
-            <a:r>
-              <a:rPr lang="en-US"/>
-              <a:t>BN structure defines features for single-table outlier detection</a:t>
-            </a:r>
-          </a:p>
-          <a:p>
-            <a:r>
-              <a:rPr lang="en-US"/>
-              <a:t>Relational Outlierness metric</a:t>
-            </a:r>
-          </a:p>
-          <a:p>
-            <a:pPr lvl="1"/>
-            <a:r>
-              <a:rPr lang="en-US"/>
-              <a:t>Use divergence between database distribution for target individual and random individual</a:t>
-            </a:r>
-          </a:p>
-          <a:p>
-            <a:pPr lvl="1"/>
-            <a:r>
-              <a:rPr lang="en-US"/>
-              <a:t>Novel variant of Kullback-Leibler divergence works well:</a:t>
-            </a:r>
-          </a:p>
-          <a:p>
-            <a:pPr lvl="2"/>
-            <a:r>
-              <a:rPr lang="en-US"/>
-              <a:t>interpretable </a:t>
-            </a:r>
-          </a:p>
-          <a:p>
-            <a:pPr lvl="2"/>
-            <a:r>
-              <a:rPr lang="en-US"/>
-              <a:t>accurate </a:t>
-            </a:r>
+              <a:rPr lang="en-US" sz="2800" dirty="0" smtClean="0"/>
+              <a:t>Many organizations maintain structured data in relational databases.</a:t>
+            </a:r>
+          </a:p>
+          <a:p>
+            <a:r>
+              <a:rPr lang="en-US" sz="2800" dirty="0" smtClean="0"/>
+              <a:t>First-order Bayesian networks model probabilistic associations across the entire database.</a:t>
+            </a:r>
+          </a:p>
+          <a:p>
+            <a:r>
+              <a:rPr lang="en-US" sz="2800" dirty="0" smtClean="0"/>
+              <a:t>Halpern/Bacchus probabilistic logic unifies logic and probability.</a:t>
+            </a:r>
+          </a:p>
+          <a:p>
+            <a:pPr>
+              <a:buFont typeface="Wingdings" charset="2"/>
+              <a:buChar char="Ø"/>
+            </a:pPr>
+            <a:r>
+              <a:rPr lang="en-US" sz="2800" dirty="0" smtClean="0"/>
+              <a:t>random selection semantics for Bayesian networks: can query frequencies across the entire database.</a:t>
+            </a:r>
+            <a:endParaRPr lang="en-US" sz="2800" dirty="0"/>
           </a:p>
         </p:txBody>
       </p:sp>
@@ -20045,22 +19005,217 @@
               <a:defRPr/>
             </a:pPr>
             <a:r>
-              <a:rPr lang="en-US"/>
-              <a:t>Presentation Title At Venue</a:t>
-            </a:r>
+              <a:rPr lang="en-US" smtClean="0"/>
+              <a:t>Learning Bayesian Networks for Relational Data</a:t>
+            </a:r>
+            <a:endParaRPr lang="en-US" dirty="0"/>
           </a:p>
         </p:txBody>
       </p:sp>
     </p:spTree>
     <p:extLst>
       <p:ext uri="{BB962C8B-B14F-4D97-AF65-F5344CB8AC3E}">
-        <p14:creationId xmlns:p14="http://schemas.microsoft.com/office/powerpoint/2010/main" val="61140085"/>
+        <p14:creationId xmlns:p14="http://schemas.microsoft.com/office/powerpoint/2010/main" val="2415735507"/>
       </p:ext>
     </p:extLst>
   </p:cSld>
   <p:clrMapOvr>
     <a:masterClrMapping/>
   </p:clrMapOvr>
+  <p:timing>
+    <p:tnLst>
+      <p:par>
+        <p:cTn xmlns:p14="http://schemas.microsoft.com/office/powerpoint/2010/main" id="1" dur="indefinite" restart="never" nodeType="tmRoot"/>
+      </p:par>
+    </p:tnLst>
+  </p:timing>
+</p:sld>
+</file>
+
+<file path=ppt/slides/slide31.xml><?xml version="1.0" encoding="utf-8"?>
+<p:sld xmlns:a="http://schemas.openxmlformats.org/drawingml/2006/main" xmlns:r="http://schemas.openxmlformats.org/officeDocument/2006/relationships" xmlns:p="http://schemas.openxmlformats.org/presentationml/2006/main">
+  <p:cSld>
+    <p:spTree>
+      <p:nvGrpSpPr>
+        <p:cNvPr id="1" name=""/>
+        <p:cNvGrpSpPr/>
+        <p:nvPr/>
+      </p:nvGrpSpPr>
+      <p:grpSpPr>
+        <a:xfrm>
+          <a:off x="0" y="0"/>
+          <a:ext cx="0" cy="0"/>
+          <a:chOff x="0" y="0"/>
+          <a:chExt cx="0" cy="0"/>
+        </a:xfrm>
+      </p:grpSpPr>
+      <p:sp>
+        <p:nvSpPr>
+          <p:cNvPr id="2" name="Title 1"/>
+          <p:cNvSpPr>
+            <a:spLocks noGrp="1"/>
+          </p:cNvSpPr>
+          <p:nvPr>
+            <p:ph type="title"/>
+          </p:nvPr>
+        </p:nvSpPr>
+        <p:spPr/>
+        <p:txBody>
+          <a:bodyPr/>
+          <a:lstStyle/>
+          <a:p>
+            <a:r>
+              <a:rPr lang="en-US" dirty="0" smtClean="0"/>
+              <a:t>Conclusion: Learning First-Order Bayesian Networks</a:t>
+            </a:r>
+            <a:endParaRPr lang="en-US" dirty="0"/>
+          </a:p>
+        </p:txBody>
+      </p:sp>
+      <p:sp>
+        <p:nvSpPr>
+          <p:cNvPr id="3" name="Content Placeholder 2"/>
+          <p:cNvSpPr>
+            <a:spLocks noGrp="1"/>
+          </p:cNvSpPr>
+          <p:nvPr>
+            <p:ph sz="quarter" idx="1"/>
+          </p:nvPr>
+        </p:nvSpPr>
+        <p:spPr>
+          <a:xfrm>
+            <a:off x="914400" y="1447800"/>
+            <a:ext cx="7772400" cy="4724400"/>
+          </a:xfrm>
+        </p:spPr>
+        <p:txBody>
+          <a:bodyPr/>
+          <a:lstStyle/>
+          <a:p>
+            <a:r>
+              <a:rPr lang="en-US" sz="2800" dirty="0" smtClean="0"/>
+              <a:t>Extend Halpern/Bacchus random selection semantics to statistical concepts</a:t>
+            </a:r>
+          </a:p>
+          <a:p>
+            <a:pPr>
+              <a:buFont typeface="Wingdings" charset="2"/>
+              <a:buChar char="Ø"/>
+            </a:pPr>
+            <a:r>
+              <a:rPr lang="en-US" sz="2800" dirty="0" smtClean="0"/>
+              <a:t>new random selection likelihood function</a:t>
+            </a:r>
+          </a:p>
+          <a:p>
+            <a:pPr>
+              <a:buFont typeface="Wingdings" charset="2"/>
+              <a:buChar char="Ø"/>
+            </a:pPr>
+            <a:r>
+              <a:rPr lang="en-US" sz="2800" dirty="0" smtClean="0"/>
+              <a:t>tractable parameter and structure learning</a:t>
+            </a:r>
+          </a:p>
+          <a:p>
+            <a:pPr lvl="1">
+              <a:buFont typeface="Arial"/>
+              <a:buChar char="•"/>
+            </a:pPr>
+            <a:r>
+              <a:rPr lang="en-US" dirty="0" smtClean="0"/>
+              <a:t>can also be used to learn Markov Logic Networks</a:t>
+            </a:r>
+          </a:p>
+          <a:p>
+            <a:pPr>
+              <a:buFont typeface="Wingdings" charset="2"/>
+              <a:buChar char="Ø"/>
+            </a:pPr>
+            <a:r>
+              <a:rPr lang="en-US" sz="2800" dirty="0" smtClean="0"/>
+              <a:t>relational Bayesian network classification formula</a:t>
+            </a:r>
+          </a:p>
+          <a:p>
+            <a:pPr lvl="1"/>
+            <a:r>
+              <a:rPr lang="en-US" dirty="0" smtClean="0"/>
+              <a:t>log-linear model whose predictors are the proportions of Bayesian network features.</a:t>
+            </a:r>
+          </a:p>
+          <a:p>
+            <a:pPr>
+              <a:buFont typeface="Wingdings" charset="2"/>
+              <a:buChar char="Ø"/>
+            </a:pPr>
+            <a:r>
+              <a:rPr lang="en-US" dirty="0" smtClean="0"/>
+              <a:t>New approach to relational anomaly detection</a:t>
+            </a:r>
+          </a:p>
+          <a:p>
+            <a:pPr lvl="1">
+              <a:buFont typeface="Arial"/>
+              <a:buChar char="•"/>
+            </a:pPr>
+            <a:r>
+              <a:rPr lang="en-US" dirty="0" smtClean="0"/>
+              <a:t>compare probability distribution of potential outlier with distribution for reference class</a:t>
+            </a:r>
+          </a:p>
+          <a:p>
+            <a:pPr>
+              <a:buFont typeface="Wingdings" charset="2"/>
+              <a:buChar char="Ø"/>
+            </a:pPr>
+            <a:endParaRPr lang="en-US" dirty="0"/>
+          </a:p>
+        </p:txBody>
+      </p:sp>
+      <p:sp>
+        <p:nvSpPr>
+          <p:cNvPr id="4" name="Footer Placeholder 3"/>
+          <p:cNvSpPr>
+            <a:spLocks noGrp="1"/>
+          </p:cNvSpPr>
+          <p:nvPr>
+            <p:ph type="ftr" sz="quarter" idx="11"/>
+          </p:nvPr>
+        </p:nvSpPr>
+        <p:spPr/>
+        <p:txBody>
+          <a:bodyPr/>
+          <a:lstStyle/>
+          <a:p>
+            <a:pPr>
+              <a:defRPr/>
+            </a:pPr>
+            <a:r>
+              <a:rPr lang="en-US" smtClean="0"/>
+              <a:t>Learning Bayesian Networks for Relational Data</a:t>
+            </a:r>
+            <a:endParaRPr lang="en-US" dirty="0"/>
+          </a:p>
+        </p:txBody>
+      </p:sp>
+    </p:spTree>
+    <p:extLst>
+      <p:ext uri="{BB962C8B-B14F-4D97-AF65-F5344CB8AC3E}">
+        <p14:creationId xmlns:p14="http://schemas.microsoft.com/office/powerpoint/2010/main" val="292465049"/>
+      </p:ext>
+    </p:extLst>
+  </p:cSld>
+  <p:clrMapOvr>
+    <a:masterClrMapping/>
+  </p:clrMapOvr>
+  <p:timing>
+    <p:tnLst>
+      <p:par>
+        <p:cTn xmlns:p14="http://schemas.microsoft.com/office/powerpoint/2010/main" id="1" dur="indefinite" restart="never" nodeType="tmRoot"/>
+      </p:par>
+    </p:tnLst>
+  </p:timing>
 </p:sld>
 </file>
 
@@ -21232,10 +20387,10 @@
               <a:defRPr/>
             </a:pPr>
             <a:r>
-              <a:rPr lang="en-US" smtClean="0"/>
-              <a:t>Presentation Title At Venue</a:t>
-            </a:r>
-            <a:endParaRPr lang="en-US"/>
+              <a:rPr lang="en-US" dirty="0" smtClean="0"/>
+              <a:t>Learning Bayesian Networks for Complex Relational Data</a:t>
+            </a:r>
+            <a:endParaRPr lang="en-US" dirty="0"/>
           </a:p>
         </p:txBody>
       </p:sp>
@@ -21330,8 +20485,8 @@
         </p:nvSpPr>
         <p:spPr>
           <a:xfrm>
-            <a:off x="295586" y="5913722"/>
-            <a:ext cx="7882285" cy="715677"/>
+            <a:off x="295586" y="5734430"/>
+            <a:ext cx="8370296" cy="715677"/>
           </a:xfrm>
         </p:spPr>
         <p:txBody>
@@ -21350,14 +20505,11 @@
               <a:rPr lang="en-US" dirty="0"/>
               <a:t> and Schulte (2015). IEEE SSCI. </a:t>
             </a:r>
-            <a:br>
-              <a:rPr lang="en-US" dirty="0"/>
-            </a:br>
-            <a:r>
-              <a:rPr lang="en-US" dirty="0" smtClean="0"/>
-              <a:t>Cite oddball system.</a:t>
-            </a:r>
-            <a:endParaRPr lang="en-US" dirty="0"/>
+            <a:r>
+              <a:rPr lang="en-US" i="1" dirty="0" smtClean="0"/>
+              <a:t>.</a:t>
+            </a:r>
+            <a:endParaRPr lang="en-US" i="1" dirty="0"/>
           </a:p>
         </p:txBody>
       </p:sp>
@@ -21468,7 +20620,7 @@
         </p:nvSpPr>
         <p:spPr>
           <a:xfrm>
-            <a:off x="295586" y="4900979"/>
+            <a:off x="295586" y="4661923"/>
             <a:ext cx="7685590" cy="1200328"/>
           </a:xfrm>
           <a:prstGeom prst="rect">
@@ -21948,10 +21100,10 @@
               <a:defRPr/>
             </a:pPr>
             <a:r>
-              <a:rPr lang="en-US" smtClean="0"/>
-              <a:t>Presentation Title At Venue</a:t>
-            </a:r>
-            <a:endParaRPr lang="en-US"/>
+              <a:rPr lang="en-US" dirty="0" smtClean="0"/>
+              <a:t>Learning Bayesian Networks for Complex Relational Data</a:t>
+            </a:r>
+            <a:endParaRPr lang="en-US" dirty="0"/>
           </a:p>
         </p:txBody>
       </p:sp>
@@ -22234,10 +21386,10 @@
               <a:defRPr/>
             </a:pPr>
             <a:r>
-              <a:rPr lang="en-US" smtClean="0"/>
-              <a:t>Presentation Title At Venue</a:t>
-            </a:r>
-            <a:endParaRPr lang="en-US"/>
+              <a:rPr lang="en-US" dirty="0" smtClean="0"/>
+              <a:t>Learning Bayesian Networks for Complex Relational Data</a:t>
+            </a:r>
+            <a:endParaRPr lang="en-US" dirty="0"/>
           </a:p>
         </p:txBody>
       </p:sp>

--- a/ch6-anomaly.pptx
+++ b/ch6-anomaly.pptx
@@ -5,10 +5,10 @@
     <p:sldMasterId id="2147483660" r:id="rId1"/>
   </p:sldMasterIdLst>
   <p:notesMasterIdLst>
-    <p:notesMasterId r:id="rId33"/>
+    <p:notesMasterId r:id="rId34"/>
   </p:notesMasterIdLst>
   <p:handoutMasterIdLst>
-    <p:handoutMasterId r:id="rId34"/>
+    <p:handoutMasterId r:id="rId35"/>
   </p:handoutMasterIdLst>
   <p:sldIdLst>
     <p:sldId id="256" r:id="rId2"/>
@@ -31,17 +31,18 @@
     <p:sldId id="309" r:id="rId19"/>
     <p:sldId id="308" r:id="rId20"/>
     <p:sldId id="321" r:id="rId21"/>
-    <p:sldId id="326" r:id="rId22"/>
-    <p:sldId id="327" r:id="rId23"/>
+    <p:sldId id="288" r:id="rId22"/>
+    <p:sldId id="257" r:id="rId23"/>
     <p:sldId id="322" r:id="rId24"/>
     <p:sldId id="262" r:id="rId25"/>
     <p:sldId id="261" r:id="rId26"/>
     <p:sldId id="267" r:id="rId27"/>
     <p:sldId id="268" r:id="rId28"/>
     <p:sldId id="269" r:id="rId29"/>
-    <p:sldId id="323" r:id="rId30"/>
-    <p:sldId id="324" r:id="rId31"/>
-    <p:sldId id="325" r:id="rId32"/>
+    <p:sldId id="273" r:id="rId30"/>
+    <p:sldId id="323" r:id="rId31"/>
+    <p:sldId id="324" r:id="rId32"/>
+    <p:sldId id="325" r:id="rId33"/>
   </p:sldIdLst>
   <p:sldSz cx="9144000" cy="6858000" type="screen4x3"/>
   <p:notesSz cx="6858000" cy="9144000"/>
@@ -203,11 +204,15 @@
             <p14:sldId id="309"/>
             <p14:sldId id="308"/>
             <p14:sldId id="321"/>
-            <p14:sldId id="326"/>
-            <p14:sldId id="327"/>
           </p14:sldIdLst>
         </p14:section>
         <p14:section name="Empirical Evaluation" id="{FDD031BB-72FE-EB42-BFC9-07C122E7D940}">
+          <p14:sldIdLst>
+            <p14:sldId id="288"/>
+            <p14:sldId id="257"/>
+          </p14:sldIdLst>
+        </p14:section>
+        <p14:section name="Model-Based Outlier Metrics" id="{4825DA23-BB66-DB48-86FB-AB84A293B7AF}">
           <p14:sldIdLst>
             <p14:sldId id="322"/>
             <p14:sldId id="262"/>
@@ -215,6 +220,7 @@
             <p14:sldId id="267"/>
             <p14:sldId id="268"/>
             <p14:sldId id="269"/>
+            <p14:sldId id="273"/>
             <p14:sldId id="323"/>
             <p14:sldId id="324"/>
             <p14:sldId id="325"/>
@@ -333,7 +339,7 @@
               <a:pPr>
                 <a:defRPr/>
               </a:pPr>
-              <a:t>2016-09-30</a:t>
+              <a:t>16-09-15</a:t>
             </a:fld>
             <a:endParaRPr lang="en-US"/>
           </a:p>
@@ -549,7 +555,7 @@
               <a:pPr>
                 <a:defRPr/>
               </a:pPr>
-              <a:t>2016-09-30</a:t>
+              <a:t>16-09-15</a:t>
             </a:fld>
             <a:endParaRPr lang="en-US"/>
           </a:p>
@@ -971,7 +977,98 @@
                 <a:spcPct val="0"/>
               </a:spcBef>
             </a:pPr>
-            <a:endParaRPr lang="en-US" dirty="0">
+            <a:r>
+              <a:rPr lang="en-US">
+                <a:latin typeface="Calibri" charset="0"/>
+              </a:rPr>
+              <a:t>If you use </a:t>
+            </a:r>
+            <a:r>
+              <a:rPr lang="ja-JP" altLang="en-US">
+                <a:latin typeface="Calibri" charset="0"/>
+              </a:rPr>
+              <a:t>“</a:t>
+            </a:r>
+            <a:r>
+              <a:rPr lang="en-US" altLang="ja-JP">
+                <a:latin typeface="Calibri" charset="0"/>
+              </a:rPr>
+              <a:t>insert slide number</a:t>
+            </a:r>
+            <a:r>
+              <a:rPr lang="ja-JP" altLang="en-US">
+                <a:latin typeface="Calibri" charset="0"/>
+              </a:rPr>
+              <a:t>”</a:t>
+            </a:r>
+            <a:r>
+              <a:rPr lang="en-US" altLang="ja-JP">
+                <a:latin typeface="Calibri" charset="0"/>
+              </a:rPr>
+              <a:t> under </a:t>
+            </a:r>
+            <a:r>
+              <a:rPr lang="ja-JP" altLang="en-US">
+                <a:latin typeface="Calibri" charset="0"/>
+              </a:rPr>
+              <a:t>“</a:t>
+            </a:r>
+            <a:r>
+              <a:rPr lang="en-US" altLang="ja-JP">
+                <a:latin typeface="Calibri" charset="0"/>
+              </a:rPr>
+              <a:t>Footer</a:t>
+            </a:r>
+            <a:r>
+              <a:rPr lang="ja-JP" altLang="en-US">
+                <a:latin typeface="Calibri" charset="0"/>
+              </a:rPr>
+              <a:t>”</a:t>
+            </a:r>
+            <a:r>
+              <a:rPr lang="en-US" altLang="ja-JP">
+                <a:latin typeface="Calibri" charset="0"/>
+              </a:rPr>
+              <a:t>, that text box only displays the slide number, not the total number of slides. So I use a new textbox for the slide number in the master.</a:t>
+            </a:r>
+          </a:p>
+          <a:p>
+            <a:pPr eaLnBrk="1" hangingPunct="1">
+              <a:spcBef>
+                <a:spcPct val="0"/>
+              </a:spcBef>
+            </a:pPr>
+            <a:r>
+              <a:rPr lang="en-US">
+                <a:latin typeface="Calibri" charset="0"/>
+              </a:rPr>
+              <a:t>This is a version of </a:t>
+            </a:r>
+            <a:r>
+              <a:rPr lang="ja-JP" altLang="en-US">
+                <a:latin typeface="Calibri" charset="0"/>
+              </a:rPr>
+              <a:t>“</a:t>
+            </a:r>
+            <a:r>
+              <a:rPr lang="en-US" altLang="ja-JP">
+                <a:latin typeface="Calibri" charset="0"/>
+              </a:rPr>
+              <a:t>Equity</a:t>
+            </a:r>
+            <a:r>
+              <a:rPr lang="ja-JP" altLang="en-US">
+                <a:latin typeface="Calibri" charset="0"/>
+              </a:rPr>
+              <a:t>”</a:t>
+            </a:r>
+            <a:r>
+              <a:rPr lang="en-US" altLang="ja-JP">
+                <a:latin typeface="Calibri" charset="0"/>
+              </a:rPr>
+              <a:t>.</a:t>
+            </a:r>
+            <a:endParaRPr lang="en-US">
               <a:latin typeface="Calibri" charset="0"/>
             </a:endParaRPr>
           </a:p>
@@ -1187,14 +1284,14 @@
           <a:lstStyle/>
           <a:p>
             <a:r>
-              <a:rPr lang="en-US" dirty="0" smtClean="0"/>
-              <a:t>KLD</a:t>
-            </a:r>
-            <a:r>
-              <a:rPr lang="en-US" baseline="0" dirty="0" smtClean="0"/>
-              <a:t> = expected log-difference in probabilities</a:t>
-            </a:r>
-            <a:endParaRPr lang="en-US" dirty="0"/>
+              <a:rPr lang="en-US" smtClean="0"/>
+              <a:t>STOP</a:t>
+            </a:r>
+            <a:r>
+              <a:rPr lang="en-US" baseline="0" smtClean="0"/>
+              <a:t> HERE</a:t>
+            </a:r>
+            <a:endParaRPr lang="en-US"/>
           </a:p>
         </p:txBody>
       </p:sp>
@@ -1221,7 +1318,7 @@
               <a:pPr>
                 <a:defRPr/>
               </a:pPr>
-              <a:t>16</a:t>
+              <a:t>21</a:t>
             </a:fld>
             <a:endParaRPr lang="en-US"/>
           </a:p>
@@ -1230,7 +1327,7 @@
     </p:spTree>
     <p:extLst>
       <p:ext uri="{BB962C8B-B14F-4D97-AF65-F5344CB8AC3E}">
-        <p14:creationId xmlns:p14="http://schemas.microsoft.com/office/powerpoint/2010/main" val="4089948416"/>
+        <p14:creationId xmlns:p14="http://schemas.microsoft.com/office/powerpoint/2010/main" val="487944112"/>
       </p:ext>
     </p:extLst>
   </p:cSld>
@@ -1286,27 +1383,15 @@
           <a:p>
             <a:r>
               <a:rPr lang="en-US" dirty="0" smtClean="0"/>
-              <a:t>so </a:t>
+              <a:t>cite </a:t>
             </a:r>
             <a:r>
               <a:rPr lang="en-US" dirty="0" err="1" smtClean="0"/>
-              <a:t>Edin</a:t>
+              <a:t>Jiawei</a:t>
             </a:r>
             <a:r>
               <a:rPr lang="en-US" dirty="0" smtClean="0"/>
-              <a:t> </a:t>
-            </a:r>
-            <a:r>
-              <a:rPr lang="en-US" dirty="0" err="1" smtClean="0"/>
-              <a:t>Dzeko</a:t>
-            </a:r>
-            <a:r>
-              <a:rPr lang="en-US" dirty="0" smtClean="0"/>
-              <a:t> has</a:t>
-            </a:r>
-            <a:r>
-              <a:rPr lang="en-US" baseline="0" dirty="0" smtClean="0"/>
-              <a:t> a stronger association</a:t>
+              <a:t> Han</a:t>
             </a:r>
             <a:endParaRPr lang="en-US" dirty="0"/>
           </a:p>
@@ -1327,24 +1412,23 @@
           <a:bodyPr/>
           <a:lstStyle/>
           <a:p>
-            <a:pPr>
-              <a:defRPr/>
-            </a:pPr>
-            <a:fld id="{57BE7C63-45E8-3348-B2F7-0B0BBCE77ABE}" type="slidenum">
+            <a:fld id="{31CEF2A7-706F-47EC-B2B0-90C3D4759446}" type="slidenum">
               <a:rPr lang="en-US" smtClean="0"/>
-              <a:pPr>
-                <a:defRPr/>
-              </a:pPr>
-              <a:t>21</a:t>
+              <a:pPr/>
+              <a:t>24</a:t>
             </a:fld>
-            <a:endParaRPr lang="en-US"/>
+            <a:r>
+              <a:rPr lang="en-US" smtClean="0"/>
+              <a:t>/20</a:t>
+            </a:r>
+            <a:endParaRPr lang="en-US" dirty="0"/>
           </a:p>
         </p:txBody>
       </p:sp>
     </p:spTree>
     <p:extLst>
       <p:ext uri="{BB962C8B-B14F-4D97-AF65-F5344CB8AC3E}">
-        <p14:creationId xmlns:p14="http://schemas.microsoft.com/office/powerpoint/2010/main" val="976277791"/>
+        <p14:creationId xmlns:p14="http://schemas.microsoft.com/office/powerpoint/2010/main" val="1472732775"/>
       </p:ext>
     </p:extLst>
   </p:cSld>
@@ -1400,28 +1484,193 @@
           <a:p>
             <a:r>
               <a:rPr lang="en-US" dirty="0" smtClean="0"/>
-              <a:t>so </a:t>
-            </a:r>
-            <a:r>
-              <a:rPr lang="en-US" dirty="0" err="1" smtClean="0"/>
-              <a:t>Edin</a:t>
-            </a:r>
-            <a:r>
-              <a:rPr lang="en-US" dirty="0" smtClean="0"/>
-              <a:t> </a:t>
-            </a:r>
-            <a:r>
-              <a:rPr lang="en-US" dirty="0" err="1" smtClean="0"/>
-              <a:t>Dzeko</a:t>
-            </a:r>
-            <a:r>
-              <a:rPr lang="en-US" dirty="0" smtClean="0"/>
-              <a:t> has</a:t>
-            </a:r>
-            <a:r>
-              <a:rPr lang="en-US" baseline="0" dirty="0" smtClean="0"/>
-              <a:t> a stronger association and in the opposite direction</a:t>
-            </a:r>
+              <a:t>we also know the ground truth about the Bayesian network</a:t>
+            </a:r>
+          </a:p>
+          <a:p>
+            <a:endParaRPr lang="en-US" dirty="0" smtClean="0"/>
+          </a:p>
+          <a:p>
+            <a:r>
+              <a:rPr lang="en-CA" sz="1200" b="0" i="0" u="none" strike="noStrike" kern="1200" baseline="0" dirty="0" smtClean="0">
+                <a:solidFill>
+                  <a:schemeClr val="tx1"/>
+                </a:solidFill>
+                <a:latin typeface="+mn-lt"/>
+                <a:ea typeface="+mn-ea"/>
+                <a:cs typeface="+mn-cs"/>
+              </a:rPr>
+              <a:t>We generated three synthetic datasets for a soccer domain with normal and outlier players using the distributions represented in the three Bayesian networks</a:t>
+            </a:r>
+          </a:p>
+          <a:p>
+            <a:r>
+              <a:rPr lang="en-CA" sz="1200" b="0" i="0" u="none" strike="noStrike" kern="1200" baseline="0" dirty="0" smtClean="0">
+                <a:solidFill>
+                  <a:schemeClr val="tx1"/>
+                </a:solidFill>
+                <a:latin typeface="+mn-lt"/>
+                <a:ea typeface="+mn-ea"/>
+                <a:cs typeface="+mn-cs"/>
+              </a:rPr>
+              <a:t>of Figure 2. Each player participates in 38 matches. Each match assigns a value to each attribute Fi; </a:t>
+            </a:r>
+            <a:r>
+              <a:rPr lang="en-CA" sz="1200" b="0" i="0" u="none" strike="noStrike" kern="1200" baseline="0" dirty="0" err="1" smtClean="0">
+                <a:solidFill>
+                  <a:schemeClr val="tx1"/>
+                </a:solidFill>
+                <a:latin typeface="+mn-lt"/>
+                <a:ea typeface="+mn-ea"/>
+                <a:cs typeface="+mn-cs"/>
+              </a:rPr>
+              <a:t>i</a:t>
+            </a:r>
+            <a:r>
+              <a:rPr lang="en-CA" sz="1200" b="0" i="0" u="none" strike="noStrike" kern="1200" baseline="0" dirty="0" smtClean="0">
+                <a:solidFill>
+                  <a:schemeClr val="tx1"/>
+                </a:solidFill>
+                <a:latin typeface="+mn-lt"/>
+                <a:ea typeface="+mn-ea"/>
+                <a:cs typeface="+mn-cs"/>
+              </a:rPr>
+              <a:t> = 1; 2 for each player.</a:t>
+            </a:r>
+          </a:p>
+          <a:p>
+            <a:r>
+              <a:rPr lang="en-CA" sz="1200" b="0" i="0" u="none" strike="noStrike" kern="1200" baseline="0" dirty="0" smtClean="0">
+                <a:solidFill>
+                  <a:schemeClr val="tx1"/>
+                </a:solidFill>
+                <a:latin typeface="+mn-lt"/>
+                <a:ea typeface="+mn-ea"/>
+                <a:cs typeface="+mn-cs"/>
+              </a:rPr>
+              <a:t>High Correlation Normal individuals exhibit a strong association between their attributes, outliers no association. Both </a:t>
+            </a:r>
+            <a:r>
+              <a:rPr lang="en-CA" sz="1200" b="0" i="0" u="none" strike="noStrike" kern="1200" baseline="0" dirty="0" err="1" smtClean="0">
+                <a:solidFill>
+                  <a:schemeClr val="tx1"/>
+                </a:solidFill>
+                <a:latin typeface="+mn-lt"/>
+                <a:ea typeface="+mn-ea"/>
+                <a:cs typeface="+mn-cs"/>
+              </a:rPr>
+              <a:t>normals</a:t>
+            </a:r>
+            <a:r>
+              <a:rPr lang="en-CA" sz="1200" b="0" i="0" u="none" strike="noStrike" kern="1200" baseline="0" dirty="0" smtClean="0">
+                <a:solidFill>
+                  <a:schemeClr val="tx1"/>
+                </a:solidFill>
+                <a:latin typeface="+mn-lt"/>
+                <a:ea typeface="+mn-ea"/>
+                <a:cs typeface="+mn-cs"/>
+              </a:rPr>
+              <a:t> and outliers have a</a:t>
+            </a:r>
+          </a:p>
+          <a:p>
+            <a:r>
+              <a:rPr lang="en-CA" sz="1200" b="0" i="0" u="none" strike="noStrike" kern="1200" baseline="0" dirty="0" smtClean="0">
+                <a:solidFill>
+                  <a:schemeClr val="tx1"/>
+                </a:solidFill>
+                <a:latin typeface="+mn-lt"/>
+                <a:ea typeface="+mn-ea"/>
+                <a:cs typeface="+mn-cs"/>
+              </a:rPr>
+              <a:t>close to uniform distribution over single attributes. See Figure 2(a). Low Correlation Normal individuals exhibit no association between their at-</a:t>
+            </a:r>
+          </a:p>
+          <a:p>
+            <a:r>
+              <a:rPr lang="en-CA" sz="1200" b="0" i="0" u="none" strike="noStrike" kern="1200" baseline="0" dirty="0" smtClean="0">
+                <a:solidFill>
+                  <a:schemeClr val="tx1"/>
+                </a:solidFill>
+                <a:latin typeface="+mn-lt"/>
+                <a:ea typeface="+mn-ea"/>
+                <a:cs typeface="+mn-cs"/>
+              </a:rPr>
+              <a:t>tributes, outliers have a strong association. Both </a:t>
+            </a:r>
+            <a:r>
+              <a:rPr lang="en-CA" sz="1200" b="0" i="0" u="none" strike="noStrike" kern="1200" baseline="0" dirty="0" err="1" smtClean="0">
+                <a:solidFill>
+                  <a:schemeClr val="tx1"/>
+                </a:solidFill>
+                <a:latin typeface="+mn-lt"/>
+                <a:ea typeface="+mn-ea"/>
+                <a:cs typeface="+mn-cs"/>
+              </a:rPr>
+              <a:t>normals</a:t>
+            </a:r>
+            <a:r>
+              <a:rPr lang="en-CA" sz="1200" b="0" i="0" u="none" strike="noStrike" kern="1200" baseline="0" dirty="0" smtClean="0">
+                <a:solidFill>
+                  <a:schemeClr val="tx1"/>
+                </a:solidFill>
+                <a:latin typeface="+mn-lt"/>
+                <a:ea typeface="+mn-ea"/>
+                <a:cs typeface="+mn-cs"/>
+              </a:rPr>
+              <a:t> and outliers have a close to uniform distribution over single attributes. See Figure 2(b).</a:t>
+            </a:r>
+          </a:p>
+          <a:p>
+            <a:r>
+              <a:rPr lang="en-CA" sz="1200" b="0" i="0" u="none" strike="noStrike" kern="1200" baseline="0" dirty="0" smtClean="0">
+                <a:solidFill>
+                  <a:schemeClr val="tx1"/>
+                </a:solidFill>
+                <a:latin typeface="+mn-lt"/>
+                <a:ea typeface="+mn-ea"/>
+                <a:cs typeface="+mn-cs"/>
+              </a:rPr>
+              <a:t>Single attributes Both normal and outlier individuals exhibit a strong association between their attributes. In </a:t>
+            </a:r>
+            <a:r>
+              <a:rPr lang="en-CA" sz="1200" b="0" i="0" u="none" strike="noStrike" kern="1200" baseline="0" dirty="0" err="1" smtClean="0">
+                <a:solidFill>
+                  <a:schemeClr val="tx1"/>
+                </a:solidFill>
+                <a:latin typeface="+mn-lt"/>
+                <a:ea typeface="+mn-ea"/>
+                <a:cs typeface="+mn-cs"/>
+              </a:rPr>
+              <a:t>normals</a:t>
+            </a:r>
+            <a:r>
+              <a:rPr lang="en-CA" sz="1200" b="0" i="0" u="none" strike="noStrike" kern="1200" baseline="0" dirty="0" smtClean="0">
+                <a:solidFill>
+                  <a:schemeClr val="tx1"/>
+                </a:solidFill>
+                <a:latin typeface="+mn-lt"/>
+                <a:ea typeface="+mn-ea"/>
+                <a:cs typeface="+mn-cs"/>
+              </a:rPr>
+              <a:t>, 50% of the time, attribute 1</a:t>
+            </a:r>
+          </a:p>
+          <a:p>
+            <a:r>
+              <a:rPr lang="en-CA" sz="1200" b="0" i="0" u="none" strike="noStrike" kern="1200" baseline="0" dirty="0" smtClean="0">
+                <a:solidFill>
+                  <a:schemeClr val="tx1"/>
+                </a:solidFill>
+                <a:latin typeface="+mn-lt"/>
+                <a:ea typeface="+mn-ea"/>
+                <a:cs typeface="+mn-cs"/>
+              </a:rPr>
+              <a:t>has value 0. For outliers, attribute 1 has value 0 only 10% of the time. See Figure 2(c).</a:t>
+            </a:r>
+          </a:p>
+          <a:p>
+            <a:endParaRPr lang="en-US" dirty="0"/>
           </a:p>
         </p:txBody>
       </p:sp>
@@ -1440,24 +1689,23 @@
           <a:bodyPr/>
           <a:lstStyle/>
           <a:p>
-            <a:pPr>
-              <a:defRPr/>
-            </a:pPr>
-            <a:fld id="{57BE7C63-45E8-3348-B2F7-0B0BBCE77ABE}" type="slidenum">
+            <a:fld id="{31CEF2A7-706F-47EC-B2B0-90C3D4759446}" type="slidenum">
               <a:rPr lang="en-US" smtClean="0"/>
-              <a:pPr>
-                <a:defRPr/>
-              </a:pPr>
-              <a:t>22</a:t>
+              <a:pPr/>
+              <a:t>25</a:t>
             </a:fld>
-            <a:endParaRPr lang="en-US"/>
+            <a:r>
+              <a:rPr lang="en-US" smtClean="0"/>
+              <a:t>/20</a:t>
+            </a:r>
+            <a:endParaRPr lang="en-US" dirty="0"/>
           </a:p>
         </p:txBody>
       </p:sp>
     </p:spTree>
     <p:extLst>
       <p:ext uri="{BB962C8B-B14F-4D97-AF65-F5344CB8AC3E}">
-        <p14:creationId xmlns:p14="http://schemas.microsoft.com/office/powerpoint/2010/main" val="976277791"/>
+        <p14:creationId xmlns:p14="http://schemas.microsoft.com/office/powerpoint/2010/main" val="1231205391"/>
       </p:ext>
     </p:extLst>
   </p:cSld>
@@ -1545,7 +1793,7 @@
             <a:fld id="{31CEF2A7-706F-47EC-B2B0-90C3D4759446}" type="slidenum">
               <a:rPr lang="en-US" smtClean="0"/>
               <a:pPr/>
-              <a:t>24</a:t>
+              <a:t>26</a:t>
             </a:fld>
             <a:r>
               <a:rPr lang="en-US" smtClean="0"/>
@@ -1613,8 +1861,12 @@
           <a:lstStyle/>
           <a:p>
             <a:r>
+              <a:rPr lang="en-US" dirty="0" err="1" smtClean="0"/>
+              <a:t>eld</a:t>
+            </a:r>
+            <a:r>
               <a:rPr lang="en-US" dirty="0" smtClean="0"/>
-              <a:t>we also know the ground truth about the Bayesian network</a:t>
+              <a:t> maps outliers to largest range</a:t>
             </a:r>
           </a:p>
           <a:p>
@@ -1622,184 +1874,9 @@
           </a:p>
           <a:p>
             <a:r>
-              <a:rPr lang="en-CA" sz="1200" b="0" i="0" u="none" strike="noStrike" kern="1200" baseline="0" dirty="0" smtClean="0">
-                <a:solidFill>
-                  <a:schemeClr val="tx1"/>
-                </a:solidFill>
-                <a:latin typeface="+mn-lt"/>
-                <a:ea typeface="+mn-ea"/>
-                <a:cs typeface="+mn-cs"/>
-              </a:rPr>
-              <a:t>We generated three synthetic datasets for a soccer domain with normal and outlier players using the distributions represented in the three Bayesian networks</a:t>
-            </a:r>
-          </a:p>
-          <a:p>
-            <a:r>
-              <a:rPr lang="en-CA" sz="1200" b="0" i="0" u="none" strike="noStrike" kern="1200" baseline="0" dirty="0" smtClean="0">
-                <a:solidFill>
-                  <a:schemeClr val="tx1"/>
-                </a:solidFill>
-                <a:latin typeface="+mn-lt"/>
-                <a:ea typeface="+mn-ea"/>
-                <a:cs typeface="+mn-cs"/>
-              </a:rPr>
-              <a:t>of Figure 2. Each player participates in 38 matches. Each match assigns a value to each attribute Fi; </a:t>
-            </a:r>
-            <a:r>
-              <a:rPr lang="en-CA" sz="1200" b="0" i="0" u="none" strike="noStrike" kern="1200" baseline="0" dirty="0" err="1" smtClean="0">
-                <a:solidFill>
-                  <a:schemeClr val="tx1"/>
-                </a:solidFill>
-                <a:latin typeface="+mn-lt"/>
-                <a:ea typeface="+mn-ea"/>
-                <a:cs typeface="+mn-cs"/>
-              </a:rPr>
-              <a:t>i</a:t>
-            </a:r>
-            <a:r>
-              <a:rPr lang="en-CA" sz="1200" b="0" i="0" u="none" strike="noStrike" kern="1200" baseline="0" dirty="0" smtClean="0">
-                <a:solidFill>
-                  <a:schemeClr val="tx1"/>
-                </a:solidFill>
-                <a:latin typeface="+mn-lt"/>
-                <a:ea typeface="+mn-ea"/>
-                <a:cs typeface="+mn-cs"/>
-              </a:rPr>
-              <a:t> = 1; 2 for each player.</a:t>
-            </a:r>
-          </a:p>
-          <a:p>
-            <a:r>
-              <a:rPr lang="en-CA" sz="1200" b="0" i="0" u="none" strike="noStrike" kern="1200" baseline="0" dirty="0" smtClean="0">
-                <a:solidFill>
-                  <a:schemeClr val="tx1"/>
-                </a:solidFill>
-                <a:latin typeface="+mn-lt"/>
-                <a:ea typeface="+mn-ea"/>
-                <a:cs typeface="+mn-cs"/>
-              </a:rPr>
-              <a:t>High Correlation Normal individuals exhibit a strong association between their attributes, outliers no association. Both </a:t>
-            </a:r>
-            <a:r>
-              <a:rPr lang="en-CA" sz="1200" b="0" i="0" u="none" strike="noStrike" kern="1200" baseline="0" dirty="0" err="1" smtClean="0">
-                <a:solidFill>
-                  <a:schemeClr val="tx1"/>
-                </a:solidFill>
-                <a:latin typeface="+mn-lt"/>
-                <a:ea typeface="+mn-ea"/>
-                <a:cs typeface="+mn-cs"/>
-              </a:rPr>
-              <a:t>normals</a:t>
-            </a:r>
-            <a:r>
-              <a:rPr lang="en-CA" sz="1200" b="0" i="0" u="none" strike="noStrike" kern="1200" baseline="0" dirty="0" smtClean="0">
-                <a:solidFill>
-                  <a:schemeClr val="tx1"/>
-                </a:solidFill>
-                <a:latin typeface="+mn-lt"/>
-                <a:ea typeface="+mn-ea"/>
-                <a:cs typeface="+mn-cs"/>
-              </a:rPr>
-              <a:t> and outliers have a</a:t>
-            </a:r>
-          </a:p>
-          <a:p>
-            <a:r>
-              <a:rPr lang="en-CA" sz="1200" b="0" i="0" u="none" strike="noStrike" kern="1200" baseline="0" dirty="0" smtClean="0">
-                <a:solidFill>
-                  <a:schemeClr val="tx1"/>
-                </a:solidFill>
-                <a:latin typeface="+mn-lt"/>
-                <a:ea typeface="+mn-ea"/>
-                <a:cs typeface="+mn-cs"/>
-              </a:rPr>
-              <a:t>close to uniform distribution over single attributes. See Figure 2(a). Low Correlation Normal individuals exhibit no association between their at-</a:t>
-            </a:r>
-          </a:p>
-          <a:p>
-            <a:r>
-              <a:rPr lang="en-CA" sz="1200" b="0" i="0" u="none" strike="noStrike" kern="1200" baseline="0" dirty="0" smtClean="0">
-                <a:solidFill>
-                  <a:schemeClr val="tx1"/>
-                </a:solidFill>
-                <a:latin typeface="+mn-lt"/>
-                <a:ea typeface="+mn-ea"/>
-                <a:cs typeface="+mn-cs"/>
-              </a:rPr>
-              <a:t>tributes, outliers have a strong association. Both </a:t>
-            </a:r>
-            <a:r>
-              <a:rPr lang="en-CA" sz="1200" b="0" i="0" u="none" strike="noStrike" kern="1200" baseline="0" dirty="0" err="1" smtClean="0">
-                <a:solidFill>
-                  <a:schemeClr val="tx1"/>
-                </a:solidFill>
-                <a:latin typeface="+mn-lt"/>
-                <a:ea typeface="+mn-ea"/>
-                <a:cs typeface="+mn-cs"/>
-              </a:rPr>
-              <a:t>normals</a:t>
-            </a:r>
-            <a:r>
-              <a:rPr lang="en-CA" sz="1200" b="0" i="0" u="none" strike="noStrike" kern="1200" baseline="0" dirty="0" smtClean="0">
-                <a:solidFill>
-                  <a:schemeClr val="tx1"/>
-                </a:solidFill>
-                <a:latin typeface="+mn-lt"/>
-                <a:ea typeface="+mn-ea"/>
-                <a:cs typeface="+mn-cs"/>
-              </a:rPr>
-              <a:t> and outliers have a close to uniform distribution over single attributes. See Figure 2(b).</a:t>
-            </a:r>
-          </a:p>
-          <a:p>
-            <a:r>
-              <a:rPr lang="en-CA" sz="1200" b="0" i="0" u="none" strike="noStrike" kern="1200" baseline="0" dirty="0" smtClean="0">
-                <a:solidFill>
-                  <a:schemeClr val="tx1"/>
-                </a:solidFill>
-                <a:latin typeface="+mn-lt"/>
-                <a:ea typeface="+mn-ea"/>
-                <a:cs typeface="+mn-cs"/>
-              </a:rPr>
-              <a:t>Single attributes Both normal and outlier individuals exhibit a strong association between their attributes. In </a:t>
-            </a:r>
-            <a:r>
-              <a:rPr lang="en-CA" sz="1200" b="0" i="0" u="none" strike="noStrike" kern="1200" baseline="0" dirty="0" err="1" smtClean="0">
-                <a:solidFill>
-                  <a:schemeClr val="tx1"/>
-                </a:solidFill>
-                <a:latin typeface="+mn-lt"/>
-                <a:ea typeface="+mn-ea"/>
-                <a:cs typeface="+mn-cs"/>
-              </a:rPr>
-              <a:t>normals</a:t>
-            </a:r>
-            <a:r>
-              <a:rPr lang="en-CA" sz="1200" b="0" i="0" u="none" strike="noStrike" kern="1200" baseline="0" dirty="0" smtClean="0">
-                <a:solidFill>
-                  <a:schemeClr val="tx1"/>
-                </a:solidFill>
-                <a:latin typeface="+mn-lt"/>
-                <a:ea typeface="+mn-ea"/>
-                <a:cs typeface="+mn-cs"/>
-              </a:rPr>
-              <a:t>, 50% of the time, attribute 1</a:t>
-            </a:r>
-          </a:p>
-          <a:p>
-            <a:r>
-              <a:rPr lang="en-CA" sz="1200" b="0" i="0" u="none" strike="noStrike" kern="1200" baseline="0" dirty="0" smtClean="0">
-                <a:solidFill>
-                  <a:schemeClr val="tx1"/>
-                </a:solidFill>
-                <a:latin typeface="+mn-lt"/>
-                <a:ea typeface="+mn-ea"/>
-                <a:cs typeface="+mn-cs"/>
-              </a:rPr>
-              <a:t>has value 0. For outliers, attribute 1 has value 0 only 10% of the time. See Figure 2(c).</a:t>
-            </a:r>
-          </a:p>
-          <a:p>
+              <a:rPr lang="en-US" dirty="0" smtClean="0"/>
+              <a:t>Eventually want to order as follows: LOG, FD, LR, |LR|, ELD</a:t>
+            </a:r>
             <a:endParaRPr lang="en-US" dirty="0"/>
           </a:p>
         </p:txBody>
@@ -1822,7 +1899,7 @@
             <a:fld id="{31CEF2A7-706F-47EC-B2B0-90C3D4759446}" type="slidenum">
               <a:rPr lang="en-US" smtClean="0"/>
               <a:pPr/>
-              <a:t>25</a:t>
+              <a:t>27</a:t>
             </a:fld>
             <a:r>
               <a:rPr lang="en-US" smtClean="0"/>
@@ -1835,7 +1912,7 @@
     </p:spTree>
     <p:extLst>
       <p:ext uri="{BB962C8B-B14F-4D97-AF65-F5344CB8AC3E}">
-        <p14:creationId xmlns:p14="http://schemas.microsoft.com/office/powerpoint/2010/main" val="1231205391"/>
+        <p14:creationId xmlns:p14="http://schemas.microsoft.com/office/powerpoint/2010/main" val="1188382161"/>
       </p:ext>
     </p:extLst>
   </p:cSld>
@@ -1889,211 +1966,6 @@
           <a:bodyPr/>
           <a:lstStyle/>
           <a:p>
-            <a:r>
-              <a:rPr lang="en-US" sz="2800" dirty="0" smtClean="0"/>
-              <a:t>Use precision as evaluation metric</a:t>
-            </a:r>
-          </a:p>
-          <a:p>
-            <a:pPr lvl="1"/>
-            <a:r>
-              <a:rPr lang="en-US" dirty="0" smtClean="0"/>
-              <a:t>Set the percentages of outliers to be 1% and 5%</a:t>
-            </a:r>
-          </a:p>
-          <a:p>
-            <a:pPr lvl="1"/>
-            <a:r>
-              <a:rPr lang="en-US" dirty="0" smtClean="0"/>
-              <a:t>How many outliers were correctly recognized</a:t>
-            </a:r>
-          </a:p>
-          <a:p>
-            <a:endParaRPr lang="en-US" dirty="0"/>
-          </a:p>
-        </p:txBody>
-      </p:sp>
-      <p:sp>
-        <p:nvSpPr>
-          <p:cNvPr id="4" name="Slide Number Placeholder 3"/>
-          <p:cNvSpPr>
-            <a:spLocks noGrp="1"/>
-          </p:cNvSpPr>
-          <p:nvPr>
-            <p:ph type="sldNum" sz="quarter" idx="10"/>
-          </p:nvPr>
-        </p:nvSpPr>
-        <p:spPr/>
-        <p:txBody>
-          <a:bodyPr/>
-          <a:lstStyle/>
-          <a:p>
-            <a:fld id="{31CEF2A7-706F-47EC-B2B0-90C3D4759446}" type="slidenum">
-              <a:rPr lang="en-US" smtClean="0"/>
-              <a:pPr/>
-              <a:t>26</a:t>
-            </a:fld>
-            <a:r>
-              <a:rPr lang="en-US" smtClean="0"/>
-              <a:t>/20</a:t>
-            </a:r>
-            <a:endParaRPr lang="en-US" dirty="0"/>
-          </a:p>
-        </p:txBody>
-      </p:sp>
-    </p:spTree>
-    <p:extLst>
-      <p:ext uri="{BB962C8B-B14F-4D97-AF65-F5344CB8AC3E}">
-        <p14:creationId xmlns:p14="http://schemas.microsoft.com/office/powerpoint/2010/main" val="1472732775"/>
-      </p:ext>
-    </p:extLst>
-  </p:cSld>
-  <p:clrMapOvr>
-    <a:masterClrMapping/>
-  </p:clrMapOvr>
-</p:notes>
-</file>
-
-<file path=ppt/notesSlides/notesSlide16.xml><?xml version="1.0" encoding="utf-8"?>
-<p:notes xmlns:a="http://schemas.openxmlformats.org/drawingml/2006/main" xmlns:r="http://schemas.openxmlformats.org/officeDocument/2006/relationships" xmlns:p="http://schemas.openxmlformats.org/presentationml/2006/main">
-  <p:cSld>
-    <p:spTree>
-      <p:nvGrpSpPr>
-        <p:cNvPr id="1" name=""/>
-        <p:cNvGrpSpPr/>
-        <p:nvPr/>
-      </p:nvGrpSpPr>
-      <p:grpSpPr>
-        <a:xfrm>
-          <a:off x="0" y="0"/>
-          <a:ext cx="0" cy="0"/>
-          <a:chOff x="0" y="0"/>
-          <a:chExt cx="0" cy="0"/>
-        </a:xfrm>
-      </p:grpSpPr>
-      <p:sp>
-        <p:nvSpPr>
-          <p:cNvPr id="2" name="Slide Image Placeholder 1"/>
-          <p:cNvSpPr>
-            <a:spLocks noGrp="1" noRot="1" noChangeAspect="1"/>
-          </p:cNvSpPr>
-          <p:nvPr>
-            <p:ph type="sldImg"/>
-          </p:nvPr>
-        </p:nvSpPr>
-        <p:spPr/>
-      </p:sp>
-      <p:sp>
-        <p:nvSpPr>
-          <p:cNvPr id="3" name="Notes Placeholder 2"/>
-          <p:cNvSpPr>
-            <a:spLocks noGrp="1"/>
-          </p:cNvSpPr>
-          <p:nvPr>
-            <p:ph type="body" idx="1"/>
-          </p:nvPr>
-        </p:nvSpPr>
-        <p:spPr/>
-        <p:txBody>
-          <a:bodyPr/>
-          <a:lstStyle/>
-          <a:p>
-            <a:r>
-              <a:rPr lang="en-US" dirty="0" err="1" smtClean="0"/>
-              <a:t>eld</a:t>
-            </a:r>
-            <a:r>
-              <a:rPr lang="en-US" dirty="0" smtClean="0"/>
-              <a:t> maps outliers to largest range</a:t>
-            </a:r>
-          </a:p>
-        </p:txBody>
-      </p:sp>
-      <p:sp>
-        <p:nvSpPr>
-          <p:cNvPr id="4" name="Slide Number Placeholder 3"/>
-          <p:cNvSpPr>
-            <a:spLocks noGrp="1"/>
-          </p:cNvSpPr>
-          <p:nvPr>
-            <p:ph type="sldNum" sz="quarter" idx="10"/>
-          </p:nvPr>
-        </p:nvSpPr>
-        <p:spPr/>
-        <p:txBody>
-          <a:bodyPr/>
-          <a:lstStyle/>
-          <a:p>
-            <a:fld id="{31CEF2A7-706F-47EC-B2B0-90C3D4759446}" type="slidenum">
-              <a:rPr lang="en-US" smtClean="0"/>
-              <a:pPr/>
-              <a:t>27</a:t>
-            </a:fld>
-            <a:r>
-              <a:rPr lang="en-US" smtClean="0"/>
-              <a:t>/20</a:t>
-            </a:r>
-            <a:endParaRPr lang="en-US" dirty="0"/>
-          </a:p>
-        </p:txBody>
-      </p:sp>
-    </p:spTree>
-    <p:extLst>
-      <p:ext uri="{BB962C8B-B14F-4D97-AF65-F5344CB8AC3E}">
-        <p14:creationId xmlns:p14="http://schemas.microsoft.com/office/powerpoint/2010/main" val="1188382161"/>
-      </p:ext>
-    </p:extLst>
-  </p:cSld>
-  <p:clrMapOvr>
-    <a:masterClrMapping/>
-  </p:clrMapOvr>
-</p:notes>
-</file>
-
-<file path=ppt/notesSlides/notesSlide17.xml><?xml version="1.0" encoding="utf-8"?>
-<p:notes xmlns:a="http://schemas.openxmlformats.org/drawingml/2006/main" xmlns:r="http://schemas.openxmlformats.org/officeDocument/2006/relationships" xmlns:p="http://schemas.openxmlformats.org/presentationml/2006/main">
-  <p:cSld>
-    <p:spTree>
-      <p:nvGrpSpPr>
-        <p:cNvPr id="1" name=""/>
-        <p:cNvGrpSpPr/>
-        <p:nvPr/>
-      </p:nvGrpSpPr>
-      <p:grpSpPr>
-        <a:xfrm>
-          <a:off x="0" y="0"/>
-          <a:ext cx="0" cy="0"/>
-          <a:chOff x="0" y="0"/>
-          <a:chExt cx="0" cy="0"/>
-        </a:xfrm>
-      </p:grpSpPr>
-      <p:sp>
-        <p:nvSpPr>
-          <p:cNvPr id="2" name="Slide Image Placeholder 1"/>
-          <p:cNvSpPr>
-            <a:spLocks noGrp="1" noRot="1" noChangeAspect="1"/>
-          </p:cNvSpPr>
-          <p:nvPr>
-            <p:ph type="sldImg"/>
-          </p:nvPr>
-        </p:nvSpPr>
-        <p:spPr/>
-      </p:sp>
-      <p:sp>
-        <p:nvSpPr>
-          <p:cNvPr id="3" name="Notes Placeholder 2"/>
-          <p:cNvSpPr>
-            <a:spLocks noGrp="1"/>
-          </p:cNvSpPr>
-          <p:nvPr>
-            <p:ph type="body" idx="1"/>
-          </p:nvPr>
-        </p:nvSpPr>
-        <p:spPr/>
-        <p:txBody>
-          <a:bodyPr/>
-          <a:lstStyle/>
-          <a:p>
             <a:endParaRPr lang="en-US" dirty="0"/>
           </a:p>
         </p:txBody>
@@ -2121,7 +1993,7 @@
               <a:pPr>
                 <a:defRPr/>
               </a:pPr>
-              <a:t>31</a:t>
+              <a:t>32</a:t>
             </a:fld>
             <a:endParaRPr lang="en-US"/>
           </a:p>
@@ -2800,11 +2672,21 @@
           <a:p>
             <a:r>
               <a:rPr lang="en-US" dirty="0" smtClean="0"/>
-              <a:t>related to subgroup discovery:</a:t>
-            </a:r>
-            <a:r>
-              <a:rPr lang="en-US" baseline="0" dirty="0" smtClean="0"/>
-              <a:t> anomaly is like subgroup of size 1</a:t>
+              <a:t>cite </a:t>
+            </a:r>
+            <a:r>
+              <a:rPr lang="en-US" dirty="0" err="1" smtClean="0"/>
+              <a:t>Blockeel</a:t>
+            </a:r>
+            <a:r>
+              <a:rPr lang="en-US" dirty="0" smtClean="0"/>
+              <a:t> on learning from interpretations</a:t>
+            </a:r>
+          </a:p>
+          <a:p>
+            <a:r>
+              <a:rPr lang="en-US" dirty="0" smtClean="0"/>
+              <a:t>like learning from interpretations</a:t>
             </a:r>
             <a:endParaRPr lang="en-US" dirty="0"/>
           </a:p>
@@ -3389,7 +3271,7 @@
               <a:pPr>
                 <a:defRPr/>
               </a:pPr>
-              <a:t>2016-09-30</a:t>
+              <a:t>16-09-15</a:t>
             </a:fld>
             <a:endParaRPr lang="en-US"/>
           </a:p>
@@ -3418,10 +3300,9 @@
               <a:defRPr/>
             </a:pPr>
             <a:r>
-              <a:rPr lang="en-US" dirty="0" smtClean="0"/>
-              <a:t>Learning Bayesian Networks for Complex Relational Data</a:t>
-            </a:r>
-            <a:endParaRPr lang="en-US" dirty="0"/>
+              <a:rPr lang="en-US"/>
+              <a:t>Presentation Title At Venue</a:t>
+            </a:r>
           </a:p>
         </p:txBody>
       </p:sp>
@@ -3435,15 +3316,7 @@
             <p:ph type="sldNum" sz="quarter" idx="12"/>
           </p:nvPr>
         </p:nvSpPr>
-        <p:spPr>
-          <a:xfrm>
-            <a:off x="146050" y="6210300"/>
-            <a:ext cx="457200" cy="457200"/>
-          </a:xfrm>
-          <a:prstGeom prst="ellipse">
-            <a:avLst/>
-          </a:prstGeom>
-        </p:spPr>
+        <p:spPr/>
         <p:txBody>
           <a:bodyPr/>
           <a:lstStyle>
@@ -3598,7 +3471,7 @@
               <a:pPr>
                 <a:defRPr/>
               </a:pPr>
-              <a:t>2016-09-30</a:t>
+              <a:t>16-09-15</a:t>
             </a:fld>
             <a:endParaRPr lang="en-US"/>
           </a:p>
@@ -3627,10 +3500,9 @@
               <a:defRPr/>
             </a:pPr>
             <a:r>
-              <a:rPr lang="en-US" dirty="0" smtClean="0"/>
-              <a:t>Learning Bayesian Networks for Complex Relational Data</a:t>
-            </a:r>
-            <a:endParaRPr lang="en-US" dirty="0"/>
+              <a:rPr lang="en-US"/>
+              <a:t>Presentation Title At Venue</a:t>
+            </a:r>
           </a:p>
         </p:txBody>
       </p:sp>
@@ -3644,15 +3516,7 @@
             <p:ph type="sldNum" sz="quarter" idx="12"/>
           </p:nvPr>
         </p:nvSpPr>
-        <p:spPr>
-          <a:xfrm>
-            <a:off x="146050" y="6210300"/>
-            <a:ext cx="457200" cy="457200"/>
-          </a:xfrm>
-          <a:prstGeom prst="ellipse">
-            <a:avLst/>
-          </a:prstGeom>
-        </p:spPr>
+        <p:spPr/>
         <p:txBody>
           <a:bodyPr/>
           <a:lstStyle>
@@ -3817,7 +3681,7 @@
               <a:pPr>
                 <a:defRPr/>
               </a:pPr>
-              <a:t>2016-09-30</a:t>
+              <a:t>16-09-15</a:t>
             </a:fld>
             <a:endParaRPr lang="en-US"/>
           </a:p>
@@ -3846,10 +3710,9 @@
               <a:defRPr/>
             </a:pPr>
             <a:r>
-              <a:rPr lang="en-US" dirty="0" smtClean="0"/>
-              <a:t>Learning Bayesian Networks for Complex Relational Data</a:t>
-            </a:r>
-            <a:endParaRPr lang="en-US" dirty="0"/>
+              <a:rPr lang="en-US"/>
+              <a:t>Presentation Title At Venue</a:t>
+            </a:r>
           </a:p>
         </p:txBody>
       </p:sp>
@@ -3863,15 +3726,7 @@
             <p:ph type="sldNum" sz="quarter" idx="12"/>
           </p:nvPr>
         </p:nvSpPr>
-        <p:spPr>
-          <a:xfrm>
-            <a:off x="146050" y="6210300"/>
-            <a:ext cx="457200" cy="457200"/>
-          </a:xfrm>
-          <a:prstGeom prst="ellipse">
-            <a:avLst/>
-          </a:prstGeom>
-        </p:spPr>
+        <p:spPr/>
         <p:txBody>
           <a:bodyPr/>
           <a:lstStyle>
@@ -4031,7 +3886,7 @@
               <a:pPr>
                 <a:defRPr/>
               </a:pPr>
-              <a:t>2016-09-30</a:t>
+              <a:t>16-09-15</a:t>
             </a:fld>
             <a:endParaRPr lang="en-US"/>
           </a:p>
@@ -4060,10 +3915,9 @@
               <a:defRPr/>
             </a:pPr>
             <a:r>
-              <a:rPr lang="en-US" dirty="0" smtClean="0"/>
-              <a:t>Learning Bayesian Networks for Complex Relational Data</a:t>
-            </a:r>
-            <a:endParaRPr lang="en-US" dirty="0"/>
+              <a:rPr lang="en-US"/>
+              <a:t>Presentation Title At Venue</a:t>
+            </a:r>
           </a:p>
         </p:txBody>
       </p:sp>
@@ -4077,15 +3931,7 @@
             <p:ph type="sldNum" sz="quarter" idx="12"/>
           </p:nvPr>
         </p:nvSpPr>
-        <p:spPr>
-          <a:xfrm>
-            <a:off x="146050" y="6210300"/>
-            <a:ext cx="457200" cy="457200"/>
-          </a:xfrm>
-          <a:prstGeom prst="ellipse">
-            <a:avLst/>
-          </a:prstGeom>
-        </p:spPr>
+        <p:spPr/>
         <p:txBody>
           <a:bodyPr/>
           <a:lstStyle>
@@ -4558,7 +4404,7 @@
               <a:pPr>
                 <a:defRPr/>
               </a:pPr>
-              <a:t>2016-09-30</a:t>
+              <a:t>16-09-15</a:t>
             </a:fld>
             <a:endParaRPr lang="en-US"/>
           </a:p>
@@ -4592,10 +4438,9 @@
               <a:defRPr/>
             </a:pPr>
             <a:r>
-              <a:rPr lang="en-US" dirty="0" smtClean="0"/>
-              <a:t>Learning Bayesian Networks for Complex Relational Data</a:t>
-            </a:r>
-            <a:endParaRPr lang="en-US" dirty="0"/>
+              <a:rPr lang="en-US"/>
+              <a:t>Presentation Title At Venue</a:t>
+            </a:r>
           </a:p>
         </p:txBody>
       </p:sp>
@@ -4614,9 +4459,6 @@
             <a:off x="146050" y="6208713"/>
             <a:ext cx="457200" cy="457200"/>
           </a:xfrm>
-          <a:prstGeom prst="ellipse">
-            <a:avLst/>
-          </a:prstGeom>
         </p:spPr>
         <p:txBody>
           <a:bodyPr/>
@@ -4834,7 +4676,7 @@
               <a:pPr>
                 <a:defRPr/>
               </a:pPr>
-              <a:t>2016-09-30</a:t>
+              <a:t>16-09-15</a:t>
             </a:fld>
             <a:endParaRPr lang="en-US"/>
           </a:p>
@@ -4863,10 +4705,9 @@
               <a:defRPr/>
             </a:pPr>
             <a:r>
-              <a:rPr lang="en-US" dirty="0" smtClean="0"/>
-              <a:t>Learning Bayesian Networks for Complex Relational Data</a:t>
-            </a:r>
-            <a:endParaRPr lang="en-US" dirty="0"/>
+              <a:rPr lang="en-US"/>
+              <a:t>Presentation Title At Venue</a:t>
+            </a:r>
           </a:p>
         </p:txBody>
       </p:sp>
@@ -4880,15 +4721,7 @@
             <p:ph type="sldNum" sz="quarter" idx="12"/>
           </p:nvPr>
         </p:nvSpPr>
-        <p:spPr>
-          <a:xfrm>
-            <a:off x="146050" y="6210300"/>
-            <a:ext cx="457200" cy="457200"/>
-          </a:xfrm>
-          <a:prstGeom prst="ellipse">
-            <a:avLst/>
-          </a:prstGeom>
-        </p:spPr>
+        <p:spPr/>
         <p:txBody>
           <a:bodyPr/>
           <a:lstStyle>
@@ -5240,7 +5073,7 @@
               <a:pPr>
                 <a:defRPr/>
               </a:pPr>
-              <a:t>2016-09-30</a:t>
+              <a:t>16-09-15</a:t>
             </a:fld>
             <a:endParaRPr lang="en-US"/>
           </a:p>
@@ -5269,10 +5102,9 @@
               <a:defRPr/>
             </a:pPr>
             <a:r>
-              <a:rPr lang="en-US" dirty="0" smtClean="0"/>
-              <a:t>Learning Bayesian Networks for Complex Relational Data</a:t>
-            </a:r>
-            <a:endParaRPr lang="en-US" dirty="0"/>
+              <a:rPr lang="en-US"/>
+              <a:t>Presentation Title At Venue</a:t>
+            </a:r>
           </a:p>
         </p:txBody>
       </p:sp>
@@ -5286,15 +5118,7 @@
             <p:ph type="sldNum" sz="quarter" idx="12"/>
           </p:nvPr>
         </p:nvSpPr>
-        <p:spPr>
-          <a:xfrm>
-            <a:off x="146050" y="6210300"/>
-            <a:ext cx="457200" cy="457200"/>
-          </a:xfrm>
-          <a:prstGeom prst="ellipse">
-            <a:avLst/>
-          </a:prstGeom>
-        </p:spPr>
+        <p:spPr/>
         <p:txBody>
           <a:bodyPr/>
           <a:lstStyle>
@@ -5397,7 +5221,7 @@
               <a:pPr>
                 <a:defRPr/>
               </a:pPr>
-              <a:t>2016-09-30</a:t>
+              <a:t>16-09-15</a:t>
             </a:fld>
             <a:endParaRPr lang="en-US"/>
           </a:p>
@@ -5426,10 +5250,9 @@
               <a:defRPr/>
             </a:pPr>
             <a:r>
-              <a:rPr lang="en-US" dirty="0" smtClean="0"/>
-              <a:t>Learning Bayesian Networks for Complex Relational Data</a:t>
-            </a:r>
-            <a:endParaRPr lang="en-US" dirty="0"/>
+              <a:rPr lang="en-US"/>
+              <a:t>Presentation Title At Venue</a:t>
+            </a:r>
           </a:p>
         </p:txBody>
       </p:sp>
@@ -5443,15 +5266,7 @@
             <p:ph type="sldNum" sz="quarter" idx="12"/>
           </p:nvPr>
         </p:nvSpPr>
-        <p:spPr>
-          <a:xfrm>
-            <a:off x="146050" y="6210300"/>
-            <a:ext cx="457200" cy="457200"/>
-          </a:xfrm>
-          <a:prstGeom prst="ellipse">
-            <a:avLst/>
-          </a:prstGeom>
-        </p:spPr>
+        <p:spPr/>
         <p:txBody>
           <a:bodyPr/>
           <a:lstStyle>
@@ -5531,7 +5346,7 @@
               <a:pPr>
                 <a:defRPr/>
               </a:pPr>
-              <a:t>2016-09-30</a:t>
+              <a:t>16-09-15</a:t>
             </a:fld>
             <a:endParaRPr lang="en-US"/>
           </a:p>
@@ -5560,10 +5375,9 @@
               <a:defRPr/>
             </a:pPr>
             <a:r>
-              <a:rPr lang="en-US" dirty="0" smtClean="0"/>
-              <a:t>Learning Bayesian Networks for Complex Relational Data</a:t>
-            </a:r>
-            <a:endParaRPr lang="en-US" dirty="0"/>
+              <a:rPr lang="en-US"/>
+              <a:t>Presentation Title At Venue</a:t>
+            </a:r>
           </a:p>
         </p:txBody>
       </p:sp>
@@ -5577,15 +5391,7 @@
             <p:ph type="sldNum" sz="quarter" idx="12"/>
           </p:nvPr>
         </p:nvSpPr>
-        <p:spPr>
-          <a:xfrm>
-            <a:off x="146050" y="6210300"/>
-            <a:ext cx="457200" cy="457200"/>
-          </a:xfrm>
-          <a:prstGeom prst="ellipse">
-            <a:avLst/>
-          </a:prstGeom>
-        </p:spPr>
+        <p:spPr/>
         <p:txBody>
           <a:bodyPr/>
           <a:lstStyle>
@@ -5915,7 +5721,7 @@
               <a:pPr>
                 <a:defRPr/>
               </a:pPr>
-              <a:t>2016-09-30</a:t>
+              <a:t>16-09-15</a:t>
             </a:fld>
             <a:endParaRPr lang="en-US"/>
           </a:p>
@@ -5944,10 +5750,9 @@
               <a:defRPr/>
             </a:pPr>
             <a:r>
-              <a:rPr lang="en-US" dirty="0" smtClean="0"/>
-              <a:t>Learning Bayesian Networks for Complex Relational Data</a:t>
-            </a:r>
-            <a:endParaRPr lang="en-US" dirty="0"/>
+              <a:rPr lang="en-US"/>
+              <a:t>Presentation Title At Venue</a:t>
+            </a:r>
           </a:p>
         </p:txBody>
       </p:sp>
@@ -5961,15 +5766,7 @@
             <p:ph type="sldNum" sz="quarter" idx="12"/>
           </p:nvPr>
         </p:nvSpPr>
-        <p:spPr>
-          <a:xfrm>
-            <a:off x="146050" y="6210300"/>
-            <a:ext cx="457200" cy="457200"/>
-          </a:xfrm>
-          <a:prstGeom prst="ellipse">
-            <a:avLst/>
-          </a:prstGeom>
-        </p:spPr>
+        <p:spPr/>
         <p:txBody>
           <a:bodyPr/>
           <a:lstStyle>
@@ -6346,7 +6143,7 @@
               <a:pPr>
                 <a:defRPr/>
               </a:pPr>
-              <a:t>2016-09-30</a:t>
+              <a:t>16-09-15</a:t>
             </a:fld>
             <a:endParaRPr lang="en-US"/>
           </a:p>
@@ -6380,10 +6177,9 @@
               <a:defRPr/>
             </a:pPr>
             <a:r>
-              <a:rPr lang="en-US" dirty="0" smtClean="0"/>
-              <a:t>Learning Bayesian Networks for Complex Relational Data</a:t>
-            </a:r>
-            <a:endParaRPr lang="en-US" dirty="0"/>
+              <a:rPr lang="en-US"/>
+              <a:t>Presentation Title At Venue</a:t>
+            </a:r>
           </a:p>
         </p:txBody>
       </p:sp>
@@ -6402,9 +6198,6 @@
             <a:off x="146050" y="6208713"/>
             <a:ext cx="457200" cy="457200"/>
           </a:xfrm>
-          <a:prstGeom prst="ellipse">
-            <a:avLst/>
-          </a:prstGeom>
         </p:spPr>
         <p:txBody>
           <a:bodyPr/>
@@ -6769,7 +6562,7 @@
               <a:pPr>
                 <a:defRPr/>
               </a:pPr>
-              <a:t>2016-09-30</a:t>
+              <a:t>16-09-15</a:t>
             </a:fld>
             <a:endParaRPr lang="en-US"/>
           </a:p>
@@ -6815,10 +6608,63 @@
               <a:defRPr/>
             </a:pPr>
             <a:r>
-              <a:rPr lang="en-US" dirty="0" smtClean="0"/>
-              <a:t>Learning Bayesian Networks for Complex Relational Data</a:t>
-            </a:r>
-            <a:endParaRPr lang="en-US" dirty="0"/>
+              <a:rPr lang="en-US"/>
+              <a:t>Presentation Title At Venue</a:t>
+            </a:r>
+          </a:p>
+        </p:txBody>
+      </p:sp>
+      <p:sp>
+        <p:nvSpPr>
+          <p:cNvPr id="23" name="Slide Number Placeholder 22"/>
+          <p:cNvSpPr>
+            <a:spLocks noGrp="1"/>
+          </p:cNvSpPr>
+          <p:nvPr>
+            <p:ph type="sldNum" sz="quarter" idx="4"/>
+          </p:nvPr>
+        </p:nvSpPr>
+        <p:spPr>
+          <a:xfrm>
+            <a:off x="146050" y="6210300"/>
+            <a:ext cx="457200" cy="457200"/>
+          </a:xfrm>
+          <a:prstGeom prst="ellipse">
+            <a:avLst/>
+          </a:prstGeom>
+          <a:solidFill>
+            <a:schemeClr val="accent1"/>
+          </a:solidFill>
+        </p:spPr>
+        <p:txBody>
+          <a:bodyPr vert="horz" wrap="none" lIns="0" tIns="0" rIns="0" bIns="0" numCol="1" anchor="ctr" anchorCtr="1" compatLnSpc="1">
+            <a:prstTxWarp prst="textNoShape">
+              <a:avLst/>
+            </a:prstTxWarp>
+            <a:noAutofit/>
+          </a:bodyPr>
+          <a:lstStyle>
+            <a:lvl1pPr algn="ctr">
+              <a:defRPr sz="1400" smtClean="0">
+                <a:solidFill>
+                  <a:srgbClr val="FFFFFF"/>
+                </a:solidFill>
+                <a:latin typeface="Franklin Gothic Book" charset="0"/>
+              </a:defRPr>
+            </a:lvl1pPr>
+          </a:lstStyle>
+          <a:p>
+            <a:pPr>
+              <a:defRPr/>
+            </a:pPr>
+            <a:fld id="{7CEF2234-60CD-F14D-A018-E190E338742A}" type="slidenum">
+              <a:rPr lang="en-US"/>
+              <a:pPr>
+                <a:defRPr/>
+              </a:pPr>
+              <a:t>‹#›</a:t>
+            </a:fld>
+            <a:endParaRPr lang="en-US"/>
           </a:p>
         </p:txBody>
       </p:sp>
@@ -6977,15 +6823,18 @@
           <a:p>
             <a:pPr eaLnBrk="1" hangingPunct="1"/>
             <a:fld id="{24B99B7F-2E64-2646-91C2-380EEC053FFA}" type="slidenum">
-              <a:rPr lang="en-US" sz="1400" smtClean="0">
+              <a:rPr lang="en-US" sz="1400">
                 <a:latin typeface="Perpetua" charset="0"/>
               </a:rPr>
               <a:pPr eaLnBrk="1" hangingPunct="1"/>
               <a:t>‹#›</a:t>
             </a:fld>
-            <a:endParaRPr lang="en-US" sz="1400" dirty="0">
-              <a:latin typeface="Perpetua" charset="0"/>
-            </a:endParaRPr>
+            <a:r>
+              <a:rPr lang="en-US" sz="1400">
+                <a:latin typeface="Perpetua" charset="0"/>
+              </a:rPr>
+              <a:t>/n</a:t>
+            </a:r>
           </a:p>
         </p:txBody>
       </p:sp>
@@ -7746,21 +7595,13 @@
           <a:p>
             <a:r>
               <a:rPr lang="en-US" dirty="0" smtClean="0"/>
-              <a:t>Bayesian network learning discovers relevant conjunctive  features</a:t>
+              <a:t>Bayesian network learning discovers relevant conjunctive  features.</a:t>
             </a:r>
           </a:p>
           <a:p>
             <a:r>
               <a:rPr lang="en-US" dirty="0" smtClean="0"/>
-              <a:t>Related work: The Oddball system also extracts a feature matrix from relational information based on network analysis (</a:t>
-            </a:r>
-            <a:r>
-              <a:rPr lang="en-US" dirty="0" err="1" smtClean="0"/>
-              <a:t>Akoglu</a:t>
-            </a:r>
-            <a:r>
-              <a:rPr lang="en-US" dirty="0" smtClean="0"/>
-              <a:t> et al. 2010)</a:t>
+              <a:t>Related work: The Oddball system also extracts a feature matrix from relational information based on network analysis.</a:t>
             </a:r>
           </a:p>
           <a:p>
@@ -7778,7 +7619,7 @@
             </a:r>
             <a:r>
               <a:rPr lang="en-US" dirty="0" smtClean="0"/>
-              <a:t>. outlier detection methods</a:t>
+              <a:t>. outlier detection methods.</a:t>
             </a:r>
           </a:p>
           <a:p>
@@ -7804,12 +7645,7 @@
             <p:ph type="ftr" sz="quarter" idx="11"/>
           </p:nvPr>
         </p:nvSpPr>
-        <p:spPr>
-          <a:xfrm>
-            <a:off x="239059" y="5856937"/>
-            <a:ext cx="8676754" cy="872565"/>
-          </a:xfrm>
-        </p:spPr>
+        <p:spPr/>
         <p:txBody>
           <a:bodyPr/>
           <a:lstStyle/>
@@ -7818,79 +7654,9 @@
               <a:defRPr/>
             </a:pPr>
             <a:r>
-              <a:rPr lang="en-US" dirty="0" err="1"/>
-              <a:t>Akoglu</a:t>
-            </a:r>
-            <a:r>
-              <a:rPr lang="en-US" dirty="0"/>
-              <a:t>, L.; </a:t>
-            </a:r>
-            <a:r>
-              <a:rPr lang="en-US" dirty="0" err="1"/>
-              <a:t>Mcglohon</a:t>
-            </a:r>
-            <a:r>
-              <a:rPr lang="en-US" dirty="0"/>
-              <a:t>, M. &amp; </a:t>
-            </a:r>
-            <a:r>
-              <a:rPr lang="en-US" dirty="0" err="1"/>
-              <a:t>Faloutsos</a:t>
-            </a:r>
-            <a:r>
-              <a:rPr lang="en-US" dirty="0"/>
-              <a:t>, C. (2010), </a:t>
-            </a:r>
-            <a:r>
-              <a:rPr lang="en-US" dirty="0" err="1"/>
-              <a:t>OddBall</a:t>
-            </a:r>
-            <a:r>
-              <a:rPr lang="en-US" dirty="0"/>
-              <a:t>: Spotting Anomalies in Weighted Graphs, </a:t>
-            </a:r>
-            <a:r>
-              <a:rPr lang="en-US" i="1" dirty="0"/>
-              <a:t>in 'PAKDD', pp. 410-</a:t>
-            </a:r>
-            <a:r>
-              <a:rPr lang="en-US" i="1" dirty="0" smtClean="0"/>
-              <a:t>421</a:t>
-            </a:r>
-          </a:p>
-          <a:p>
-            <a:r>
-              <a:rPr lang="en-US" dirty="0" err="1"/>
-              <a:t>Akoglu</a:t>
-            </a:r>
-            <a:r>
-              <a:rPr lang="en-US" dirty="0"/>
-              <a:t>, L.; Tong, H. &amp; </a:t>
-            </a:r>
-            <a:r>
-              <a:rPr lang="en-US" dirty="0" err="1"/>
-              <a:t>Koutra</a:t>
-            </a:r>
-            <a:r>
-              <a:rPr lang="en-US" dirty="0"/>
-              <a:t>, D. (2015), 'Graph based anomaly detection and description: a survey', </a:t>
-            </a:r>
-            <a:r>
-              <a:rPr lang="en-US" i="1" dirty="0"/>
-              <a:t>Data Mining and Knowledge Discovery </a:t>
-            </a:r>
-            <a:r>
-              <a:rPr lang="en-US" b="1" i="1" dirty="0"/>
-              <a:t>29(3), 626--688.</a:t>
-            </a:r>
-          </a:p>
-          <a:p>
-            <a:endParaRPr lang="en-US" dirty="0"/>
-          </a:p>
-          <a:p>
-            <a:pPr>
-              <a:defRPr/>
-            </a:pPr>
+              <a:rPr lang="en-US" dirty="0" smtClean="0"/>
+              <a:t>cite oddball</a:t>
+            </a:r>
             <a:endParaRPr lang="en-US" dirty="0"/>
           </a:p>
         </p:txBody>
@@ -7986,10 +7752,10 @@
               <a:defRPr/>
             </a:pPr>
             <a:r>
-              <a:rPr lang="en-US" dirty="0" smtClean="0"/>
-              <a:t>Learning Bayesian Networks for Complex Relational Data</a:t>
-            </a:r>
-            <a:endParaRPr lang="en-US" dirty="0"/>
+              <a:rPr lang="en-US" smtClean="0"/>
+              <a:t>Presentation Title At Venue</a:t>
+            </a:r>
+            <a:endParaRPr lang="en-US"/>
           </a:p>
         </p:txBody>
       </p:sp>
@@ -8095,6 +7861,28 @@
           </a:p>
           <a:p>
             <a:r>
+              <a:rPr lang="en-US" sz="2800" dirty="0" smtClean="0"/>
+              <a:t>[cite </a:t>
+            </a:r>
+            <a:r>
+              <a:rPr lang="en-US" sz="2800" dirty="0" err="1" smtClean="0"/>
+              <a:t>Aggrawal</a:t>
+            </a:r>
+            <a:r>
+              <a:rPr lang="en-US" sz="2800" dirty="0" smtClean="0"/>
+              <a:t> or </a:t>
+            </a:r>
+            <a:r>
+              <a:rPr lang="en-US" sz="2800" dirty="0" err="1" smtClean="0"/>
+              <a:t>damdi</a:t>
+            </a:r>
+            <a:r>
+              <a:rPr lang="en-US" sz="2800" dirty="0" smtClean="0"/>
+              <a:t> paper]</a:t>
+            </a:r>
+          </a:p>
+          <a:p>
+            <a:r>
               <a:rPr lang="en-US" sz="2800" b="1" dirty="0" smtClean="0"/>
               <a:t>Idea</a:t>
             </a:r>
@@ -8116,43 +7904,19 @@
             <p:ph type="ftr" sz="quarter" idx="11"/>
           </p:nvPr>
         </p:nvSpPr>
-        <p:spPr>
-          <a:xfrm>
-            <a:off x="914399" y="6036235"/>
-            <a:ext cx="6720541" cy="457200"/>
-          </a:xfrm>
-        </p:spPr>
+        <p:spPr/>
         <p:txBody>
           <a:bodyPr/>
           <a:lstStyle/>
           <a:p>
-            <a:r>
-              <a:rPr lang="en-US" dirty="0" err="1"/>
-              <a:t>Akoglu</a:t>
-            </a:r>
-            <a:r>
-              <a:rPr lang="en-US" dirty="0"/>
-              <a:t>, L.; Tong, H. &amp; </a:t>
-            </a:r>
-            <a:r>
-              <a:rPr lang="en-US" dirty="0" err="1"/>
-              <a:t>Koutra</a:t>
-            </a:r>
-            <a:r>
-              <a:rPr lang="en-US" dirty="0"/>
-              <a:t>, D. (2015), 'Graph based anomaly detection and description: a survey', </a:t>
-            </a:r>
-            <a:r>
-              <a:rPr lang="en-US" i="1" dirty="0"/>
-              <a:t>Data Mining and Knowledge Discovery </a:t>
-            </a:r>
-            <a:r>
-              <a:rPr lang="en-US" b="1" i="1" dirty="0"/>
-              <a:t>29(3), 626--688.</a:t>
-            </a:r>
-          </a:p>
-          <a:p>
-            <a:endParaRPr lang="en-US" dirty="0"/>
+            <a:pPr>
+              <a:defRPr/>
+            </a:pPr>
+            <a:r>
+              <a:rPr lang="en-US" smtClean="0"/>
+              <a:t>Presentation Title At Venue</a:t>
+            </a:r>
+            <a:endParaRPr lang="en-US"/>
           </a:p>
         </p:txBody>
       </p:sp>
@@ -8822,6 +8586,14 @@
               <a:rPr lang="en-US" dirty="0"/>
               <a:t> and Schulte (2015). IEEE SSCI. </a:t>
             </a:r>
+            <a:br>
+              <a:rPr lang="en-US" dirty="0"/>
+            </a:br>
+            <a:r>
+              <a:rPr lang="en-US" dirty="0" smtClean="0"/>
+              <a:t>Cite exceptional model mining.</a:t>
+            </a:r>
+            <a:endParaRPr lang="en-US" dirty="0"/>
           </a:p>
         </p:txBody>
       </p:sp>
@@ -10586,10 +10358,10 @@
               <a:defRPr/>
             </a:pPr>
             <a:r>
-              <a:rPr lang="en-US" dirty="0" smtClean="0"/>
-              <a:t>Learning Bayesian Networks for Complex Relational Data</a:t>
-            </a:r>
-            <a:endParaRPr lang="en-US" dirty="0"/>
+              <a:rPr lang="en-US" smtClean="0"/>
+              <a:t>Presentation Title At Venue</a:t>
+            </a:r>
+            <a:endParaRPr lang="en-US"/>
           </a:p>
         </p:txBody>
       </p:sp>
@@ -10718,12 +10490,12 @@
           <a:graphicData uri="http://schemas.openxmlformats.org/presentationml/2006/ole">
             <mc:AlternateContent xmlns:mc="http://schemas.openxmlformats.org/markup-compatibility/2006">
               <mc:Choice xmlns:v="urn:schemas-microsoft-com:vml" Requires="v">
-                <p:oleObj spid="_x0000_s2175" name="Equation" r:id="rId4" imgW="2260600" imgH="215900" progId="Equation.3">
+                <p:oleObj spid="_x0000_s2108" name="Equation" r:id="rId3" imgW="2260600" imgH="215900" progId="Equation.3">
                   <p:embed/>
                 </p:oleObj>
               </mc:Choice>
               <mc:Fallback>
-                <p:oleObj name="Equation" r:id="rId4" imgW="2260600" imgH="215900" progId="Equation.3">
+                <p:oleObj name="Equation" r:id="rId3" imgW="2260600" imgH="215900" progId="Equation.3">
                   <p:embed/>
                   <p:pic>
                     <p:nvPicPr>
@@ -10734,7 +10506,7 @@
                       <p:nvPr/>
                     </p:nvPicPr>
                     <p:blipFill>
-                      <a:blip r:embed="rId5"/>
+                      <a:blip r:embed="rId4"/>
                       <a:srcRect/>
                       <a:stretch>
                         <a:fillRect/>
@@ -10780,12 +10552,12 @@
           <a:graphicData uri="http://schemas.openxmlformats.org/presentationml/2006/ole">
             <mc:AlternateContent xmlns:mc="http://schemas.openxmlformats.org/markup-compatibility/2006">
               <mc:Choice xmlns:v="urn:schemas-microsoft-com:vml" Requires="v">
-                <p:oleObj spid="_x0000_s2176" name="Equation" r:id="rId6" imgW="4686300" imgH="698500" progId="Equation.3">
+                <p:oleObj spid="_x0000_s2109" name="Equation" r:id="rId5" imgW="4686300" imgH="698500" progId="Equation.3">
                   <p:embed/>
                 </p:oleObj>
               </mc:Choice>
               <mc:Fallback>
-                <p:oleObj name="Equation" r:id="rId6" imgW="4686300" imgH="698500" progId="Equation.3">
+                <p:oleObj name="Equation" r:id="rId5" imgW="4686300" imgH="698500" progId="Equation.3">
                   <p:embed/>
                   <p:pic>
                     <p:nvPicPr>
@@ -10796,7 +10568,7 @@
                       <p:nvPr/>
                     </p:nvPicPr>
                     <p:blipFill>
-                      <a:blip r:embed="rId7"/>
+                      <a:blip r:embed="rId6"/>
                       <a:srcRect/>
                       <a:stretch>
                         <a:fillRect/>
@@ -10892,10 +10664,10 @@
               <a:defRPr/>
             </a:pPr>
             <a:r>
-              <a:rPr lang="en-US" dirty="0" smtClean="0"/>
-              <a:t>Learning Bayesian Networks for Complex Relational Data</a:t>
-            </a:r>
-            <a:endParaRPr lang="en-US" dirty="0"/>
+              <a:rPr lang="en-US" smtClean="0"/>
+              <a:t>Presentation Title At Venue</a:t>
+            </a:r>
+            <a:endParaRPr lang="en-US"/>
           </a:p>
         </p:txBody>
       </p:sp>
@@ -10909,14 +10681,14 @@
             <p:ph sz="quarter" idx="1"/>
             <p:extLst>
               <p:ext uri="{D42A27DB-BD31-4B8C-83A1-F6EECF244321}">
-                <p14:modId xmlns:p14="http://schemas.microsoft.com/office/powerpoint/2010/main" val="4095528125"/>
+                <p14:modId xmlns:p14="http://schemas.microsoft.com/office/powerpoint/2010/main" val="3604527329"/>
               </p:ext>
             </p:extLst>
           </p:nvPr>
         </p:nvGraphicFramePr>
         <p:xfrm>
           <a:off x="411728" y="1633017"/>
-          <a:ext cx="7894989" cy="932180"/>
+          <a:ext cx="7772401" cy="741680"/>
         </p:xfrm>
         <a:graphic>
           <a:graphicData uri="http://schemas.openxmlformats.org/drawingml/2006/table">
@@ -10929,8 +10701,8 @@
                 <a:gridCol w="1110343"/>
                 <a:gridCol w="1110343"/>
                 <a:gridCol w="1110343"/>
-                <a:gridCol w="1125426"/>
-                <a:gridCol w="1217848"/>
+                <a:gridCol w="1110343"/>
+                <a:gridCol w="1110343"/>
                 <a:gridCol w="1110343"/>
               </a:tblGrid>
               <a:tr h="370840">
@@ -10941,12 +10713,12 @@
                     <a:p>
                       <a:pPr algn="l" fontAlgn="b"/>
                       <a:r>
-                        <a:rPr lang="en-US" sz="1800" b="0" i="0" u="none" strike="noStrike" dirty="0">
+                        <a:rPr lang="en-US" sz="1200" b="0" i="0" u="none" strike="noStrike" dirty="0">
                           <a:solidFill>
                             <a:srgbClr val="000000"/>
                           </a:solidFill>
                           <a:effectLst/>
-                          <a:latin typeface="+mn-lt"/>
+                          <a:latin typeface="Calibri"/>
                         </a:rPr>
                         <a:t>gender(A)</a:t>
                       </a:r>
@@ -10961,12 +10733,12 @@
                     <a:p>
                       <a:pPr algn="l" fontAlgn="b"/>
                       <a:r>
-                        <a:rPr lang="en-US" sz="1800" b="0" i="0" u="none" strike="noStrike">
+                        <a:rPr lang="en-US" sz="1200" b="0" i="0" u="none" strike="noStrike">
                           <a:solidFill>
                             <a:srgbClr val="000000"/>
                           </a:solidFill>
                           <a:effectLst/>
-                          <a:latin typeface="+mn-lt"/>
+                          <a:latin typeface="Calibri"/>
                         </a:rPr>
                         <a:t>individual joint</a:t>
                       </a:r>
@@ -10981,12 +10753,12 @@
                     <a:p>
                       <a:pPr algn="l" fontAlgn="b"/>
                       <a:r>
-                        <a:rPr lang="en-US" sz="1800" b="0" i="0" u="none" strike="noStrike">
+                        <a:rPr lang="en-US" sz="1200" b="0" i="0" u="none" strike="noStrike">
                           <a:solidFill>
                             <a:srgbClr val="000000"/>
                           </a:solidFill>
                           <a:effectLst/>
-                          <a:latin typeface="+mn-lt"/>
+                          <a:latin typeface="Calibri"/>
                         </a:rPr>
                         <a:t>individual cond</a:t>
                       </a:r>
@@ -11001,12 +10773,12 @@
                     <a:p>
                       <a:pPr algn="l" fontAlgn="b"/>
                       <a:r>
-                        <a:rPr lang="en-US" sz="1800" b="0" i="0" u="none" strike="noStrike">
+                        <a:rPr lang="en-US" sz="1200" b="0" i="0" u="none" strike="noStrike">
                           <a:solidFill>
                             <a:srgbClr val="000000"/>
                           </a:solidFill>
                           <a:effectLst/>
-                          <a:latin typeface="+mn-lt"/>
+                          <a:latin typeface="Calibri"/>
                         </a:rPr>
                         <a:t>class cond</a:t>
                       </a:r>
@@ -11021,12 +10793,12 @@
                     <a:p>
                       <a:pPr algn="l" fontAlgn="b"/>
                       <a:r>
-                        <a:rPr lang="en-US" sz="1800" b="0" i="0" u="none" strike="noStrike">
+                        <a:rPr lang="en-US" sz="1200" b="0" i="0" u="none" strike="noStrike">
                           <a:solidFill>
                             <a:srgbClr val="000000"/>
                           </a:solidFill>
                           <a:effectLst/>
-                          <a:latin typeface="+mn-lt"/>
+                          <a:latin typeface="Calibri"/>
                         </a:rPr>
                         <a:t>ln(ind.cond.)</a:t>
                       </a:r>
@@ -11041,12 +10813,12 @@
                     <a:p>
                       <a:pPr algn="l" fontAlgn="b"/>
                       <a:r>
-                        <a:rPr lang="en-US" sz="1800" b="0" i="0" u="none" strike="noStrike">
+                        <a:rPr lang="en-US" sz="1200" b="0" i="0" u="none" strike="noStrike">
                           <a:solidFill>
                             <a:srgbClr val="000000"/>
                           </a:solidFill>
                           <a:effectLst/>
-                          <a:latin typeface="+mn-lt"/>
+                          <a:latin typeface="Calibri"/>
                         </a:rPr>
                         <a:t>ln(class cond.)</a:t>
                       </a:r>
@@ -11061,12 +10833,12 @@
                     <a:p>
                       <a:pPr algn="l" fontAlgn="b"/>
                       <a:r>
-                        <a:rPr lang="en-US" sz="1800" b="0" i="0" u="none" strike="noStrike">
+                        <a:rPr lang="en-US" sz="1200" b="0" i="0" u="none" strike="noStrike">
                           <a:solidFill>
                             <a:srgbClr val="000000"/>
                           </a:solidFill>
                           <a:effectLst/>
-                          <a:latin typeface="+mn-lt"/>
+                          <a:latin typeface="Calibri"/>
                         </a:rPr>
                         <a:t>KLD</a:t>
                       </a:r>
@@ -11083,12 +10855,12 @@
                     <a:p>
                       <a:pPr algn="l" fontAlgn="b"/>
                       <a:r>
-                        <a:rPr lang="en-US" sz="1800" b="0" i="0" u="none" strike="noStrike">
+                        <a:rPr lang="en-US" sz="1200" b="0" i="0" u="none" strike="noStrike">
                           <a:solidFill>
                             <a:srgbClr val="000000"/>
                           </a:solidFill>
                           <a:effectLst/>
-                          <a:latin typeface="+mn-lt"/>
+                          <a:latin typeface="Calibri"/>
                         </a:rPr>
                         <a:t>M</a:t>
                       </a:r>
@@ -11103,12 +10875,12 @@
                     <a:p>
                       <a:pPr algn="r" fontAlgn="b"/>
                       <a:r>
-                        <a:rPr lang="en-US" sz="1800" b="0" i="0" u="none" strike="noStrike">
+                        <a:rPr lang="en-US" sz="1200" b="0" i="0" u="none" strike="noStrike">
                           <a:solidFill>
                             <a:srgbClr val="000000"/>
                           </a:solidFill>
                           <a:effectLst/>
-                          <a:latin typeface="+mn-lt"/>
+                          <a:latin typeface="Calibri"/>
                         </a:rPr>
                         <a:t>1</a:t>
                       </a:r>
@@ -11123,12 +10895,12 @@
                     <a:p>
                       <a:pPr algn="r" fontAlgn="b"/>
                       <a:r>
-                        <a:rPr lang="en-US" sz="1800" b="0" i="0" u="none" strike="noStrike">
+                        <a:rPr lang="en-US" sz="1200" b="0" i="0" u="none" strike="noStrike">
                           <a:solidFill>
                             <a:srgbClr val="000000"/>
                           </a:solidFill>
                           <a:effectLst/>
-                          <a:latin typeface="+mn-lt"/>
+                          <a:latin typeface="Calibri"/>
                         </a:rPr>
                         <a:t>1</a:t>
                       </a:r>
@@ -11143,12 +10915,12 @@
                     <a:p>
                       <a:pPr algn="r" fontAlgn="b"/>
                       <a:r>
-                        <a:rPr lang="en-US" sz="1800" b="0" i="0" u="none" strike="noStrike">
+                        <a:rPr lang="en-US" sz="1200" b="0" i="0" u="none" strike="noStrike">
                           <a:solidFill>
                             <a:srgbClr val="000000"/>
                           </a:solidFill>
                           <a:effectLst/>
-                          <a:latin typeface="+mn-lt"/>
+                          <a:latin typeface="Calibri"/>
                         </a:rPr>
                         <a:t>0.5</a:t>
                       </a:r>
@@ -11163,12 +10935,12 @@
                     <a:p>
                       <a:pPr algn="r" fontAlgn="b"/>
                       <a:r>
-                        <a:rPr lang="en-US" sz="1800" b="0" i="0" u="none" strike="noStrike">
+                        <a:rPr lang="en-US" sz="1200" b="0" i="0" u="none" strike="noStrike">
                           <a:solidFill>
                             <a:srgbClr val="000000"/>
                           </a:solidFill>
                           <a:effectLst/>
-                          <a:latin typeface="+mn-lt"/>
+                          <a:latin typeface="Calibri"/>
                         </a:rPr>
                         <a:t>0</a:t>
                       </a:r>
@@ -11183,12 +10955,12 @@
                     <a:p>
                       <a:pPr algn="r" fontAlgn="b"/>
                       <a:r>
-                        <a:rPr lang="en-US" sz="1800" b="0" i="0" u="none" strike="noStrike">
+                        <a:rPr lang="en-US" sz="1200" b="0" i="0" u="none" strike="noStrike">
                           <a:solidFill>
                             <a:srgbClr val="000000"/>
                           </a:solidFill>
                           <a:effectLst/>
-                          <a:latin typeface="+mn-lt"/>
+                          <a:latin typeface="Calibri"/>
                         </a:rPr>
                         <a:t>-0.69</a:t>
                       </a:r>
@@ -11203,12 +10975,12 @@
                     <a:p>
                       <a:pPr algn="r" fontAlgn="b"/>
                       <a:r>
-                        <a:rPr lang="en-US" sz="1800" b="0" i="0" u="none" strike="noStrike" dirty="0">
+                        <a:rPr lang="en-US" sz="1200" b="0" i="0" u="none" strike="noStrike" dirty="0">
                           <a:solidFill>
                             <a:srgbClr val="000000"/>
                           </a:solidFill>
                           <a:effectLst/>
-                          <a:latin typeface="+mn-lt"/>
+                          <a:latin typeface="Calibri"/>
                         </a:rPr>
                         <a:t>0.69</a:t>
                       </a:r>
@@ -11230,14 +11002,14 @@
           <p:nvPr>
             <p:extLst>
               <p:ext uri="{D42A27DB-BD31-4B8C-83A1-F6EECF244321}">
-                <p14:modId xmlns:p14="http://schemas.microsoft.com/office/powerpoint/2010/main" val="2141492348"/>
+                <p14:modId xmlns:p14="http://schemas.microsoft.com/office/powerpoint/2010/main" val="3476725142"/>
               </p:ext>
             </p:extLst>
           </p:nvPr>
         </p:nvGraphicFramePr>
         <p:xfrm>
-          <a:off x="220372" y="2891967"/>
-          <a:ext cx="8695854" cy="2048437"/>
+          <a:off x="411728" y="2891967"/>
+          <a:ext cx="7869132" cy="1982796"/>
         </p:xfrm>
         <a:graphic>
           <a:graphicData uri="http://schemas.openxmlformats.org/drawingml/2006/table">
@@ -11246,14 +11018,14 @@
                 <a:tableStyleId>{5C22544A-7EE6-4342-B048-85BDC9FD1C3A}</a:tableStyleId>
               </a:tblPr>
               <a:tblGrid>
-                <a:gridCol w="1073522"/>
-                <a:gridCol w="874348"/>
-                <a:gridCol w="907318"/>
                 <a:gridCol w="874348"/>
                 <a:gridCol w="874348"/>
                 <a:gridCol w="874348"/>
-                <a:gridCol w="1125426"/>
-                <a:gridCol w="1217848"/>
+                <a:gridCol w="874348"/>
+                <a:gridCol w="874348"/>
+                <a:gridCol w="874348"/>
+                <a:gridCol w="874348"/>
+                <a:gridCol w="874348"/>
                 <a:gridCol w="874348"/>
               </a:tblGrid>
               <a:tr h="495699">
@@ -11264,22 +11036,22 @@
                     <a:p>
                       <a:pPr algn="l" fontAlgn="b"/>
                       <a:r>
-                        <a:rPr lang="en-US" sz="1800" b="0" i="0" u="none" strike="noStrike" dirty="0" err="1">
+                        <a:rPr lang="en-US" sz="1200" b="0" i="0" u="none" strike="noStrike" dirty="0" err="1">
                           <a:solidFill>
                             <a:srgbClr val="000000"/>
                           </a:solidFill>
                           <a:effectLst/>
-                          <a:latin typeface="+mn-lt"/>
+                          <a:latin typeface="Calibri"/>
                         </a:rPr>
                         <a:t>ActsIn</a:t>
                       </a:r>
                       <a:r>
-                        <a:rPr lang="en-US" sz="1800" b="0" i="0" u="none" strike="noStrike" dirty="0">
+                        <a:rPr lang="en-US" sz="1200" b="0" i="0" u="none" strike="noStrike" dirty="0">
                           <a:solidFill>
                             <a:srgbClr val="000000"/>
                           </a:solidFill>
                           <a:effectLst/>
-                          <a:latin typeface="+mn-lt"/>
+                          <a:latin typeface="Calibri"/>
                         </a:rPr>
                         <a:t>(A,M)</a:t>
                       </a:r>
@@ -11294,12 +11066,12 @@
                     <a:p>
                       <a:pPr algn="l" fontAlgn="b"/>
                       <a:r>
-                        <a:rPr lang="en-US" sz="1800" b="0" i="0" u="none" strike="noStrike" dirty="0">
+                        <a:rPr lang="en-US" sz="1200" b="0" i="0" u="none" strike="noStrike">
                           <a:solidFill>
                             <a:srgbClr val="000000"/>
                           </a:solidFill>
                           <a:effectLst/>
-                          <a:latin typeface="+mn-lt"/>
+                          <a:latin typeface="Calibri"/>
                         </a:rPr>
                         <a:t>gender(A)</a:t>
                       </a:r>
@@ -11314,12 +11086,12 @@
                     <a:p>
                       <a:pPr algn="l" fontAlgn="b"/>
                       <a:r>
-                        <a:rPr lang="en-US" sz="1800" b="0" i="0" u="none" strike="noStrike">
+                        <a:rPr lang="en-US" sz="1200" b="0" i="0" u="none" strike="noStrike">
                           <a:solidFill>
                             <a:srgbClr val="000000"/>
                           </a:solidFill>
                           <a:effectLst/>
-                          <a:latin typeface="+mn-lt"/>
+                          <a:latin typeface="Calibri"/>
                         </a:rPr>
                         <a:t>Drama(M)</a:t>
                       </a:r>
@@ -11334,12 +11106,12 @@
                     <a:p>
                       <a:pPr algn="l" fontAlgn="b"/>
                       <a:r>
-                        <a:rPr lang="en-US" sz="1800" b="0" i="0" u="none" strike="noStrike">
+                        <a:rPr lang="en-US" sz="1200" b="0" i="0" u="none" strike="noStrike">
                           <a:solidFill>
                             <a:srgbClr val="000000"/>
                           </a:solidFill>
                           <a:effectLst/>
-                          <a:latin typeface="+mn-lt"/>
+                          <a:latin typeface="Calibri"/>
                         </a:rPr>
                         <a:t>individual joint</a:t>
                       </a:r>
@@ -11354,12 +11126,12 @@
                     <a:p>
                       <a:pPr algn="l" fontAlgn="b"/>
                       <a:r>
-                        <a:rPr lang="en-US" sz="1800" b="0" i="0" u="none" strike="noStrike">
+                        <a:rPr lang="en-US" sz="1200" b="0" i="0" u="none" strike="noStrike">
                           <a:solidFill>
                             <a:srgbClr val="000000"/>
                           </a:solidFill>
                           <a:effectLst/>
-                          <a:latin typeface="+mn-lt"/>
+                          <a:latin typeface="Calibri"/>
                         </a:rPr>
                         <a:t>individual cond</a:t>
                       </a:r>
@@ -11374,12 +11146,12 @@
                     <a:p>
                       <a:pPr algn="l" fontAlgn="b"/>
                       <a:r>
-                        <a:rPr lang="en-US" sz="1800" b="0" i="0" u="none" strike="noStrike">
+                        <a:rPr lang="en-US" sz="1200" b="0" i="0" u="none" strike="noStrike">
                           <a:solidFill>
                             <a:srgbClr val="000000"/>
                           </a:solidFill>
                           <a:effectLst/>
-                          <a:latin typeface="+mn-lt"/>
+                          <a:latin typeface="Calibri"/>
                         </a:rPr>
                         <a:t>class cond</a:t>
                       </a:r>
@@ -11394,12 +11166,12 @@
                     <a:p>
                       <a:pPr algn="l" fontAlgn="b"/>
                       <a:r>
-                        <a:rPr lang="en-US" sz="1800" b="0" i="0" u="none" strike="noStrike">
+                        <a:rPr lang="en-US" sz="1200" b="0" i="0" u="none" strike="noStrike">
                           <a:solidFill>
                             <a:srgbClr val="000000"/>
                           </a:solidFill>
                           <a:effectLst/>
-                          <a:latin typeface="+mn-lt"/>
+                          <a:latin typeface="Calibri"/>
                         </a:rPr>
                         <a:t>ln(ind.cond.)</a:t>
                       </a:r>
@@ -11414,12 +11186,12 @@
                     <a:p>
                       <a:pPr algn="l" fontAlgn="b"/>
                       <a:r>
-                        <a:rPr lang="en-US" sz="1800" b="0" i="0" u="none" strike="noStrike">
+                        <a:rPr lang="en-US" sz="1200" b="0" i="0" u="none" strike="noStrike">
                           <a:solidFill>
                             <a:srgbClr val="000000"/>
                           </a:solidFill>
                           <a:effectLst/>
-                          <a:latin typeface="+mn-lt"/>
+                          <a:latin typeface="Calibri"/>
                         </a:rPr>
                         <a:t>ln(class cond.)</a:t>
                       </a:r>
@@ -11434,12 +11206,12 @@
                     <a:p>
                       <a:pPr algn="l" fontAlgn="b"/>
                       <a:r>
-                        <a:rPr lang="en-US" sz="1800" b="0" i="0" u="none" strike="noStrike">
+                        <a:rPr lang="en-US" sz="1200" b="0" i="0" u="none" strike="noStrike">
                           <a:solidFill>
                             <a:srgbClr val="000000"/>
                           </a:solidFill>
                           <a:effectLst/>
-                          <a:latin typeface="+mn-lt"/>
+                          <a:latin typeface="Calibri"/>
                         </a:rPr>
                         <a:t>KLD</a:t>
                       </a:r>
@@ -11456,12 +11228,12 @@
                     <a:p>
                       <a:pPr algn="l" fontAlgn="b"/>
                       <a:r>
-                        <a:rPr lang="en-US" sz="1800" b="0" i="0" u="none" strike="noStrike">
+                        <a:rPr lang="en-US" sz="1200" b="0" i="0" u="none" strike="noStrike">
                           <a:solidFill>
                             <a:srgbClr val="000000"/>
                           </a:solidFill>
                           <a:effectLst/>
-                          <a:latin typeface="+mn-lt"/>
+                          <a:latin typeface="Calibri"/>
                         </a:rPr>
                         <a:t>F</a:t>
                       </a:r>
@@ -11476,12 +11248,12 @@
                     <a:p>
                       <a:pPr algn="l" fontAlgn="b"/>
                       <a:r>
-                        <a:rPr lang="en-US" sz="1800" b="0" i="0" u="none" strike="noStrike">
+                        <a:rPr lang="en-US" sz="1200" b="0" i="0" u="none" strike="noStrike">
                           <a:solidFill>
                             <a:srgbClr val="000000"/>
                           </a:solidFill>
                           <a:effectLst/>
-                          <a:latin typeface="+mn-lt"/>
+                          <a:latin typeface="Calibri"/>
                         </a:rPr>
                         <a:t>M</a:t>
                       </a:r>
@@ -11496,12 +11268,12 @@
                     <a:p>
                       <a:pPr algn="l" fontAlgn="b"/>
                       <a:r>
-                        <a:rPr lang="en-US" sz="1800" b="0" i="0" u="none" strike="noStrike">
+                        <a:rPr lang="en-US" sz="1200" b="0" i="0" u="none" strike="noStrike">
                           <a:solidFill>
                             <a:srgbClr val="000000"/>
                           </a:solidFill>
                           <a:effectLst/>
-                          <a:latin typeface="+mn-lt"/>
+                          <a:latin typeface="Calibri"/>
                         </a:rPr>
                         <a:t>T</a:t>
                       </a:r>
@@ -11516,12 +11288,12 @@
                     <a:p>
                       <a:pPr algn="r" fontAlgn="b"/>
                       <a:r>
-                        <a:rPr lang="en-US" sz="1800" b="0" i="0" u="none" strike="noStrike">
+                        <a:rPr lang="en-US" sz="1200" b="0" i="0" u="none" strike="noStrike">
                           <a:solidFill>
                             <a:srgbClr val="000000"/>
                           </a:solidFill>
                           <a:effectLst/>
-                          <a:latin typeface="+mn-lt"/>
+                          <a:latin typeface="Calibri"/>
                         </a:rPr>
                         <a:t> 1/2</a:t>
                       </a:r>
@@ -11536,12 +11308,12 @@
                     <a:p>
                       <a:pPr algn="r" fontAlgn="b"/>
                       <a:r>
-                        <a:rPr lang="en-US" sz="1800" b="0" i="0" u="none" strike="noStrike">
+                        <a:rPr lang="en-US" sz="1200" b="0" i="0" u="none" strike="noStrike">
                           <a:solidFill>
                             <a:srgbClr val="000000"/>
                           </a:solidFill>
                           <a:effectLst/>
-                          <a:latin typeface="+mn-lt"/>
+                          <a:latin typeface="Calibri"/>
                         </a:rPr>
                         <a:t>1</a:t>
                       </a:r>
@@ -11556,12 +11328,12 @@
                     <a:p>
                       <a:pPr algn="r" fontAlgn="b"/>
                       <a:r>
-                        <a:rPr lang="en-US" sz="1800" b="0" i="0" u="none" strike="noStrike">
+                        <a:rPr lang="en-US" sz="1200" b="0" i="0" u="none" strike="noStrike">
                           <a:solidFill>
                             <a:srgbClr val="000000"/>
                           </a:solidFill>
                           <a:effectLst/>
-                          <a:latin typeface="+mn-lt"/>
+                          <a:latin typeface="Calibri"/>
                         </a:rPr>
                         <a:t>0.5</a:t>
                       </a:r>
@@ -11576,12 +11348,12 @@
                     <a:p>
                       <a:pPr algn="r" fontAlgn="b"/>
                       <a:r>
-                        <a:rPr lang="en-US" sz="1800" b="0" i="0" u="none" strike="noStrike">
+                        <a:rPr lang="en-US" sz="1200" b="0" i="0" u="none" strike="noStrike">
                           <a:solidFill>
                             <a:srgbClr val="000000"/>
                           </a:solidFill>
                           <a:effectLst/>
-                          <a:latin typeface="+mn-lt"/>
+                          <a:latin typeface="Calibri"/>
                         </a:rPr>
                         <a:t>0</a:t>
                       </a:r>
@@ -11596,12 +11368,12 @@
                     <a:p>
                       <a:pPr algn="r" fontAlgn="b"/>
                       <a:r>
-                        <a:rPr lang="en-US" sz="1800" b="0" i="0" u="none" strike="noStrike">
+                        <a:rPr lang="en-US" sz="1200" b="0" i="0" u="none" strike="noStrike">
                           <a:solidFill>
                             <a:srgbClr val="000000"/>
                           </a:solidFill>
                           <a:effectLst/>
-                          <a:latin typeface="+mn-lt"/>
+                          <a:latin typeface="Calibri"/>
                         </a:rPr>
                         <a:t>-0.69</a:t>
                       </a:r>
@@ -11616,12 +11388,12 @@
                     <a:p>
                       <a:pPr algn="r" fontAlgn="b"/>
                       <a:r>
-                        <a:rPr lang="en-US" sz="1800" b="0" i="0" u="none" strike="noStrike">
+                        <a:rPr lang="en-US" sz="1200" b="0" i="0" u="none" strike="noStrike">
                           <a:solidFill>
                             <a:srgbClr val="000000"/>
                           </a:solidFill>
                           <a:effectLst/>
-                          <a:latin typeface="+mn-lt"/>
+                          <a:latin typeface="Calibri"/>
                         </a:rPr>
                         <a:t>0.35</a:t>
                       </a:r>
@@ -11638,12 +11410,12 @@
                     <a:p>
                       <a:pPr algn="l" fontAlgn="b"/>
                       <a:r>
-                        <a:rPr lang="en-US" sz="1800" b="0" i="0" u="none" strike="noStrike">
+                        <a:rPr lang="en-US" sz="1200" b="0" i="0" u="none" strike="noStrike">
                           <a:solidFill>
                             <a:srgbClr val="000000"/>
                           </a:solidFill>
                           <a:effectLst/>
-                          <a:latin typeface="+mn-lt"/>
+                          <a:latin typeface="Calibri"/>
                         </a:rPr>
                         <a:t>F</a:t>
                       </a:r>
@@ -11658,12 +11430,12 @@
                     <a:p>
                       <a:pPr algn="l" fontAlgn="b"/>
                       <a:r>
-                        <a:rPr lang="en-US" sz="1800" b="0" i="0" u="none" strike="noStrike">
+                        <a:rPr lang="en-US" sz="1200" b="0" i="0" u="none" strike="noStrike">
                           <a:solidFill>
                             <a:srgbClr val="000000"/>
                           </a:solidFill>
                           <a:effectLst/>
-                          <a:latin typeface="+mn-lt"/>
+                          <a:latin typeface="Calibri"/>
                         </a:rPr>
                         <a:t>M</a:t>
                       </a:r>
@@ -11678,12 +11450,12 @@
                     <a:p>
                       <a:pPr algn="l" fontAlgn="b"/>
                       <a:r>
-                        <a:rPr lang="en-US" sz="1800" b="0" i="0" u="none" strike="noStrike">
+                        <a:rPr lang="en-US" sz="1200" b="0" i="0" u="none" strike="noStrike">
                           <a:solidFill>
                             <a:srgbClr val="000000"/>
                           </a:solidFill>
                           <a:effectLst/>
-                          <a:latin typeface="+mn-lt"/>
+                          <a:latin typeface="Calibri"/>
                         </a:rPr>
                         <a:t>F</a:t>
                       </a:r>
@@ -11698,21 +11470,133 @@
                     <a:p>
                       <a:pPr algn="r" fontAlgn="b"/>
                       <a:r>
-                        <a:rPr lang="en-US" sz="1800" b="0" i="0" u="none" strike="noStrike" dirty="0" smtClean="0">
+                        <a:rPr lang="en-US" sz="1200" b="0" i="0" u="none" strike="noStrike">
                           <a:solidFill>
                             <a:srgbClr val="000000"/>
                           </a:solidFill>
                           <a:effectLst/>
-                          <a:latin typeface="+mn-lt"/>
+                          <a:latin typeface="Calibri"/>
                         </a:rPr>
-                        <a:t>1/2</a:t>
-                      </a:r>
-                      <a:endParaRPr lang="en-US" sz="1800" b="0" i="0" u="none" strike="noStrike" dirty="0">
+                        <a:t>0.5</a:t>
+                      </a:r>
+                    </a:p>
+                  </a:txBody>
+                  <a:tcPr marL="12700" marR="12700" marT="12700" marB="0" anchor="b"/>
+                </a:tc>
+                <a:tc>
+                  <a:txBody>
+                    <a:bodyPr/>
+                    <a:lstStyle/>
+                    <a:p>
+                      <a:pPr algn="r" fontAlgn="b"/>
+                      <a:r>
+                        <a:rPr lang="en-US" sz="1200" b="0" i="0" u="none" strike="noStrike">
+                          <a:solidFill>
+                            <a:srgbClr val="000000"/>
+                          </a:solidFill>
+                          <a:effectLst/>
+                          <a:latin typeface="Calibri"/>
+                        </a:rPr>
+                        <a:t>1</a:t>
+                      </a:r>
+                    </a:p>
+                  </a:txBody>
+                  <a:tcPr marL="12700" marR="12700" marT="12700" marB="0" anchor="b"/>
+                </a:tc>
+                <a:tc>
+                  <a:txBody>
+                    <a:bodyPr/>
+                    <a:lstStyle/>
+                    <a:p>
+                      <a:pPr algn="r" fontAlgn="b"/>
+                      <a:r>
+                        <a:rPr lang="en-US" sz="1200" b="0" i="0" u="none" strike="noStrike">
+                          <a:solidFill>
+                            <a:srgbClr val="000000"/>
+                          </a:solidFill>
+                          <a:effectLst/>
+                          <a:latin typeface="Calibri"/>
+                        </a:rPr>
+                        <a:t>1</a:t>
+                      </a:r>
+                    </a:p>
+                  </a:txBody>
+                  <a:tcPr marL="12700" marR="12700" marT="12700" marB="0" anchor="b"/>
+                </a:tc>
+                <a:tc>
+                  <a:txBody>
+                    <a:bodyPr/>
+                    <a:lstStyle/>
+                    <a:p>
+                      <a:pPr algn="r" fontAlgn="b"/>
+                      <a:r>
+                        <a:rPr lang="en-US" sz="1200" b="0" i="0" u="none" strike="noStrike">
+                          <a:solidFill>
+                            <a:srgbClr val="000000"/>
+                          </a:solidFill>
+                          <a:effectLst/>
+                          <a:latin typeface="Calibri"/>
+                        </a:rPr>
+                        <a:t>0</a:t>
+                      </a:r>
+                    </a:p>
+                  </a:txBody>
+                  <a:tcPr marL="12700" marR="12700" marT="12700" marB="0" anchor="b"/>
+                </a:tc>
+                <a:tc>
+                  <a:txBody>
+                    <a:bodyPr/>
+                    <a:lstStyle/>
+                    <a:p>
+                      <a:pPr algn="r" fontAlgn="b"/>
+                      <a:r>
+                        <a:rPr lang="en-US" sz="1200" b="0" i="0" u="none" strike="noStrike">
+                          <a:solidFill>
+                            <a:srgbClr val="000000"/>
+                          </a:solidFill>
+                          <a:effectLst/>
+                          <a:latin typeface="Calibri"/>
+                        </a:rPr>
+                        <a:t>0.00</a:t>
+                      </a:r>
+                    </a:p>
+                  </a:txBody>
+                  <a:tcPr marL="12700" marR="12700" marT="12700" marB="0" anchor="b"/>
+                </a:tc>
+                <a:tc>
+                  <a:txBody>
+                    <a:bodyPr/>
+                    <a:lstStyle/>
+                    <a:p>
+                      <a:pPr algn="r" fontAlgn="b"/>
+                      <a:r>
+                        <a:rPr lang="en-US" sz="1200" b="0" i="0" u="none" strike="noStrike">
+                          <a:solidFill>
+                            <a:srgbClr val="000000"/>
+                          </a:solidFill>
+                          <a:effectLst/>
+                          <a:latin typeface="Calibri"/>
+                        </a:rPr>
+                        <a:t>0.00</a:t>
+                      </a:r>
+                    </a:p>
+                  </a:txBody>
+                  <a:tcPr marL="12700" marR="12700" marT="12700" marB="0" anchor="b"/>
+                </a:tc>
+              </a:tr>
+              <a:tr h="495699">
+                <a:tc>
+                  <a:txBody>
+                    <a:bodyPr/>
+                    <a:lstStyle/>
+                    <a:p>
+                      <a:pPr algn="l" fontAlgn="b"/>
+                      <a:endParaRPr lang="en-US" sz="1200" b="0" i="0" u="none" strike="noStrike">
                         <a:solidFill>
                           <a:srgbClr val="000000"/>
                         </a:solidFill>
                         <a:effectLst/>
-                        <a:latin typeface="+mn-lt"/>
+                        <a:latin typeface="Calibri"/>
                       </a:endParaRPr>
                     </a:p>
                   </a:txBody>
@@ -11723,16 +11607,118 @@
                     <a:bodyPr/>
                     <a:lstStyle/>
                     <a:p>
-                      <a:pPr algn="r" fontAlgn="b"/>
-                      <a:r>
-                        <a:rPr lang="en-US" sz="1800" b="0" i="0" u="none" strike="noStrike">
+                      <a:pPr algn="l" fontAlgn="b"/>
+                      <a:endParaRPr lang="en-US" sz="1200" b="0" i="0" u="none" strike="noStrike">
+                        <a:solidFill>
+                          <a:srgbClr val="000000"/>
+                        </a:solidFill>
+                        <a:effectLst/>
+                        <a:latin typeface="Calibri"/>
+                      </a:endParaRPr>
+                    </a:p>
+                  </a:txBody>
+                  <a:tcPr marL="12700" marR="12700" marT="12700" marB="0" anchor="b"/>
+                </a:tc>
+                <a:tc>
+                  <a:txBody>
+                    <a:bodyPr/>
+                    <a:lstStyle/>
+                    <a:p>
+                      <a:pPr algn="l" fontAlgn="b"/>
+                      <a:endParaRPr lang="en-US" sz="1200" b="0" i="0" u="none" strike="noStrike">
+                        <a:solidFill>
+                          <a:srgbClr val="000000"/>
+                        </a:solidFill>
+                        <a:effectLst/>
+                        <a:latin typeface="Calibri"/>
+                      </a:endParaRPr>
+                    </a:p>
+                  </a:txBody>
+                  <a:tcPr marL="12700" marR="12700" marT="12700" marB="0" anchor="b"/>
+                </a:tc>
+                <a:tc>
+                  <a:txBody>
+                    <a:bodyPr/>
+                    <a:lstStyle/>
+                    <a:p>
+                      <a:pPr algn="l" fontAlgn="b"/>
+                      <a:endParaRPr lang="en-US" sz="1200" b="0" i="0" u="none" strike="noStrike">
+                        <a:solidFill>
+                          <a:srgbClr val="000000"/>
+                        </a:solidFill>
+                        <a:effectLst/>
+                        <a:latin typeface="Calibri"/>
+                      </a:endParaRPr>
+                    </a:p>
+                  </a:txBody>
+                  <a:tcPr marL="12700" marR="12700" marT="12700" marB="0" anchor="b"/>
+                </a:tc>
+                <a:tc>
+                  <a:txBody>
+                    <a:bodyPr/>
+                    <a:lstStyle/>
+                    <a:p>
+                      <a:pPr algn="l" fontAlgn="b"/>
+                      <a:endParaRPr lang="en-US" sz="1200" b="0" i="0" u="none" strike="noStrike">
+                        <a:solidFill>
+                          <a:srgbClr val="000000"/>
+                        </a:solidFill>
+                        <a:effectLst/>
+                        <a:latin typeface="Calibri"/>
+                      </a:endParaRPr>
+                    </a:p>
+                  </a:txBody>
+                  <a:tcPr marL="12700" marR="12700" marT="12700" marB="0" anchor="b"/>
+                </a:tc>
+                <a:tc>
+                  <a:txBody>
+                    <a:bodyPr/>
+                    <a:lstStyle/>
+                    <a:p>
+                      <a:pPr algn="l" fontAlgn="b"/>
+                      <a:endParaRPr lang="en-US" sz="1200" b="0" i="0" u="none" strike="noStrike">
+                        <a:solidFill>
+                          <a:srgbClr val="000000"/>
+                        </a:solidFill>
+                        <a:effectLst/>
+                        <a:latin typeface="Calibri"/>
+                      </a:endParaRPr>
+                    </a:p>
+                  </a:txBody>
+                  <a:tcPr marL="12700" marR="12700" marT="12700" marB="0" anchor="b"/>
+                </a:tc>
+                <a:tc>
+                  <a:txBody>
+                    <a:bodyPr/>
+                    <a:lstStyle/>
+                    <a:p>
+                      <a:pPr algn="l" fontAlgn="b"/>
+                      <a:endParaRPr lang="en-US" sz="1200" b="0" i="0" u="none" strike="noStrike">
+                        <a:solidFill>
+                          <a:srgbClr val="000000"/>
+                        </a:solidFill>
+                        <a:effectLst/>
+                        <a:latin typeface="Calibri"/>
+                      </a:endParaRPr>
+                    </a:p>
+                  </a:txBody>
+                  <a:tcPr marL="12700" marR="12700" marT="12700" marB="0" anchor="b"/>
+                </a:tc>
+                <a:tc>
+                  <a:txBody>
+                    <a:bodyPr/>
+                    <a:lstStyle/>
+                    <a:p>
+                      <a:pPr algn="l" fontAlgn="b"/>
+                      <a:r>
+                        <a:rPr lang="en-US" sz="1200" b="0" i="0" u="none" strike="noStrike">
                           <a:solidFill>
                             <a:srgbClr val="000000"/>
                           </a:solidFill>
                           <a:effectLst/>
-                          <a:latin typeface="+mn-lt"/>
+                          <a:latin typeface="Calibri"/>
                         </a:rPr>
-                        <a:t>1</a:t>
+                        <a:t>total</a:t>
                       </a:r>
                     </a:p>
                   </a:txBody>
@@ -11745,233 +11731,12 @@
                     <a:p>
                       <a:pPr algn="r" fontAlgn="b"/>
                       <a:r>
-                        <a:rPr lang="en-US" sz="1800" b="0" i="0" u="none" strike="noStrike">
+                        <a:rPr lang="en-US" sz="1200" b="0" i="0" u="none" strike="noStrike" dirty="0">
                           <a:solidFill>
                             <a:srgbClr val="000000"/>
                           </a:solidFill>
                           <a:effectLst/>
-                          <a:latin typeface="+mn-lt"/>
-                        </a:rPr>
-                        <a:t>1</a:t>
-                      </a:r>
-                    </a:p>
-                  </a:txBody>
-                  <a:tcPr marL="12700" marR="12700" marT="12700" marB="0" anchor="b"/>
-                </a:tc>
-                <a:tc>
-                  <a:txBody>
-                    <a:bodyPr/>
-                    <a:lstStyle/>
-                    <a:p>
-                      <a:pPr algn="r" fontAlgn="b"/>
-                      <a:r>
-                        <a:rPr lang="en-US" sz="1800" b="0" i="0" u="none" strike="noStrike">
-                          <a:solidFill>
-                            <a:srgbClr val="000000"/>
-                          </a:solidFill>
-                          <a:effectLst/>
-                          <a:latin typeface="+mn-lt"/>
-                        </a:rPr>
-                        <a:t>0</a:t>
-                      </a:r>
-                    </a:p>
-                  </a:txBody>
-                  <a:tcPr marL="12700" marR="12700" marT="12700" marB="0" anchor="b"/>
-                </a:tc>
-                <a:tc>
-                  <a:txBody>
-                    <a:bodyPr/>
-                    <a:lstStyle/>
-                    <a:p>
-                      <a:pPr algn="r" fontAlgn="b"/>
-                      <a:r>
-                        <a:rPr lang="en-US" sz="1800" b="0" i="0" u="none" strike="noStrike">
-                          <a:solidFill>
-                            <a:srgbClr val="000000"/>
-                          </a:solidFill>
-                          <a:effectLst/>
-                          <a:latin typeface="+mn-lt"/>
-                        </a:rPr>
-                        <a:t>0.00</a:t>
-                      </a:r>
-                    </a:p>
-                  </a:txBody>
-                  <a:tcPr marL="12700" marR="12700" marT="12700" marB="0" anchor="b"/>
-                </a:tc>
-                <a:tc>
-                  <a:txBody>
-                    <a:bodyPr/>
-                    <a:lstStyle/>
-                    <a:p>
-                      <a:pPr algn="r" fontAlgn="b"/>
-                      <a:r>
-                        <a:rPr lang="en-US" sz="1800" b="0" i="0" u="none" strike="noStrike">
-                          <a:solidFill>
-                            <a:srgbClr val="000000"/>
-                          </a:solidFill>
-                          <a:effectLst/>
-                          <a:latin typeface="+mn-lt"/>
-                        </a:rPr>
-                        <a:t>0.00</a:t>
-                      </a:r>
-                    </a:p>
-                  </a:txBody>
-                  <a:tcPr marL="12700" marR="12700" marT="12700" marB="0" anchor="b"/>
-                </a:tc>
-              </a:tr>
-              <a:tr h="495699">
-                <a:tc>
-                  <a:txBody>
-                    <a:bodyPr/>
-                    <a:lstStyle/>
-                    <a:p>
-                      <a:pPr algn="l" fontAlgn="b"/>
-                      <a:endParaRPr lang="en-US" sz="1800" b="0" i="0" u="none" strike="noStrike">
-                        <a:solidFill>
-                          <a:srgbClr val="000000"/>
-                        </a:solidFill>
-                        <a:effectLst/>
-                        <a:latin typeface="+mn-lt"/>
-                      </a:endParaRPr>
-                    </a:p>
-                  </a:txBody>
-                  <a:tcPr marL="12700" marR="12700" marT="12700" marB="0" anchor="b"/>
-                </a:tc>
-                <a:tc>
-                  <a:txBody>
-                    <a:bodyPr/>
-                    <a:lstStyle/>
-                    <a:p>
-                      <a:pPr algn="l" fontAlgn="b"/>
-                      <a:endParaRPr lang="en-US" sz="1800" b="0" i="0" u="none" strike="noStrike">
-                        <a:solidFill>
-                          <a:srgbClr val="000000"/>
-                        </a:solidFill>
-                        <a:effectLst/>
-                        <a:latin typeface="+mn-lt"/>
-                      </a:endParaRPr>
-                    </a:p>
-                  </a:txBody>
-                  <a:tcPr marL="12700" marR="12700" marT="12700" marB="0" anchor="b"/>
-                </a:tc>
-                <a:tc>
-                  <a:txBody>
-                    <a:bodyPr/>
-                    <a:lstStyle/>
-                    <a:p>
-                      <a:pPr algn="l" fontAlgn="b"/>
-                      <a:endParaRPr lang="en-US" sz="1800" b="0" i="0" u="none" strike="noStrike">
-                        <a:solidFill>
-                          <a:srgbClr val="000000"/>
-                        </a:solidFill>
-                        <a:effectLst/>
-                        <a:latin typeface="+mn-lt"/>
-                      </a:endParaRPr>
-                    </a:p>
-                  </a:txBody>
-                  <a:tcPr marL="12700" marR="12700" marT="12700" marB="0" anchor="b"/>
-                </a:tc>
-                <a:tc>
-                  <a:txBody>
-                    <a:bodyPr/>
-                    <a:lstStyle/>
-                    <a:p>
-                      <a:pPr algn="l" fontAlgn="b"/>
-                      <a:endParaRPr lang="en-US" sz="1800" b="0" i="0" u="none" strike="noStrike" dirty="0">
-                        <a:solidFill>
-                          <a:srgbClr val="000000"/>
-                        </a:solidFill>
-                        <a:effectLst/>
-                        <a:latin typeface="+mn-lt"/>
-                      </a:endParaRPr>
-                    </a:p>
-                  </a:txBody>
-                  <a:tcPr marL="12700" marR="12700" marT="12700" marB="0" anchor="b"/>
-                </a:tc>
-                <a:tc>
-                  <a:txBody>
-                    <a:bodyPr/>
-                    <a:lstStyle/>
-                    <a:p>
-                      <a:pPr algn="l" fontAlgn="b"/>
-                      <a:endParaRPr lang="en-US" sz="1800" b="0" i="0" u="none" strike="noStrike">
-                        <a:solidFill>
-                          <a:srgbClr val="000000"/>
-                        </a:solidFill>
-                        <a:effectLst/>
-                        <a:latin typeface="+mn-lt"/>
-                      </a:endParaRPr>
-                    </a:p>
-                  </a:txBody>
-                  <a:tcPr marL="12700" marR="12700" marT="12700" marB="0" anchor="b"/>
-                </a:tc>
-                <a:tc>
-                  <a:txBody>
-                    <a:bodyPr/>
-                    <a:lstStyle/>
-                    <a:p>
-                      <a:pPr algn="l" fontAlgn="b"/>
-                      <a:endParaRPr lang="en-US" sz="1800" b="0" i="0" u="none" strike="noStrike">
-                        <a:solidFill>
-                          <a:srgbClr val="000000"/>
-                        </a:solidFill>
-                        <a:effectLst/>
-                        <a:latin typeface="+mn-lt"/>
-                      </a:endParaRPr>
-                    </a:p>
-                  </a:txBody>
-                  <a:tcPr marL="12700" marR="12700" marT="12700" marB="0" anchor="b"/>
-                </a:tc>
-                <a:tc>
-                  <a:txBody>
-                    <a:bodyPr/>
-                    <a:lstStyle/>
-                    <a:p>
-                      <a:pPr algn="l" fontAlgn="b"/>
-                      <a:endParaRPr lang="en-US" sz="1800" b="0" i="0" u="none" strike="noStrike">
-                        <a:solidFill>
-                          <a:srgbClr val="000000"/>
-                        </a:solidFill>
-                        <a:effectLst/>
-                        <a:latin typeface="+mn-lt"/>
-                      </a:endParaRPr>
-                    </a:p>
-                  </a:txBody>
-                  <a:tcPr marL="12700" marR="12700" marT="12700" marB="0" anchor="b"/>
-                </a:tc>
-                <a:tc>
-                  <a:txBody>
-                    <a:bodyPr/>
-                    <a:lstStyle/>
-                    <a:p>
-                      <a:pPr algn="l" fontAlgn="b"/>
-                      <a:r>
-                        <a:rPr lang="en-US" sz="1800" b="0" i="0" u="none" strike="noStrike">
-                          <a:solidFill>
-                            <a:srgbClr val="000000"/>
-                          </a:solidFill>
-                          <a:effectLst/>
-                          <a:latin typeface="+mn-lt"/>
-                        </a:rPr>
-                        <a:t>total</a:t>
-                      </a:r>
-                    </a:p>
-                  </a:txBody>
-                  <a:tcPr marL="12700" marR="12700" marT="12700" marB="0" anchor="b"/>
-                </a:tc>
-                <a:tc>
-                  <a:txBody>
-                    <a:bodyPr/>
-                    <a:lstStyle/>
-                    <a:p>
-                      <a:pPr algn="r" fontAlgn="b"/>
-                      <a:r>
-                        <a:rPr lang="en-US" sz="1800" b="0" i="0" u="none" strike="noStrike" dirty="0">
-                          <a:solidFill>
-                            <a:srgbClr val="000000"/>
-                          </a:solidFill>
-                          <a:effectLst/>
-                          <a:latin typeface="+mn-lt"/>
+                          <a:latin typeface="Calibri"/>
                         </a:rPr>
                         <a:t>0.35</a:t>
                       </a:r>
@@ -12119,10 +11884,10 @@
               <a:defRPr/>
             </a:pPr>
             <a:r>
-              <a:rPr lang="en-US" dirty="0" smtClean="0"/>
-              <a:t>Learning Bayesian Networks for Complex Relational Data</a:t>
-            </a:r>
-            <a:endParaRPr lang="en-US" dirty="0"/>
+              <a:rPr lang="en-US" smtClean="0"/>
+              <a:t>Presentation Title At Venue</a:t>
+            </a:r>
+            <a:endParaRPr lang="en-US"/>
           </a:p>
         </p:txBody>
       </p:sp>
@@ -12192,7 +11957,7 @@
           <a:graphicData uri="http://schemas.openxmlformats.org/presentationml/2006/ole">
             <mc:AlternateContent xmlns:mc="http://schemas.openxmlformats.org/markup-compatibility/2006">
               <mc:Choice xmlns:v="urn:schemas-microsoft-com:vml" Requires="v">
-                <p:oleObj spid="_x0000_s5191" name="Equation" r:id="rId4" imgW="6184900" imgH="1054100" progId="Equation.3">
+                <p:oleObj spid="_x0000_s5153" name="Equation" r:id="rId4" imgW="6184900" imgH="1054100" progId="Equation.3">
                   <p:embed/>
                 </p:oleObj>
               </mc:Choice>
@@ -12563,10 +12328,10 @@
               <a:defRPr/>
             </a:pPr>
             <a:r>
-              <a:rPr lang="en-US" dirty="0" smtClean="0"/>
-              <a:t>Learning Bayesian Networks for Complex Relational Data</a:t>
-            </a:r>
-            <a:endParaRPr lang="en-US" dirty="0"/>
+              <a:rPr lang="en-US" smtClean="0"/>
+              <a:t>Presentation Title At Venue</a:t>
+            </a:r>
+            <a:endParaRPr lang="en-US"/>
           </a:p>
         </p:txBody>
       </p:sp>
@@ -12648,7 +12413,7 @@
           <a:graphicData uri="http://schemas.openxmlformats.org/presentationml/2006/ole">
             <mc:AlternateContent xmlns:mc="http://schemas.openxmlformats.org/markup-compatibility/2006">
               <mc:Choice xmlns:v="urn:schemas-microsoft-com:vml" Requires="v">
-                <p:oleObj spid="_x0000_s4169" name="Equation" r:id="rId3" imgW="6184900" imgH="1054100" progId="Equation.3">
+                <p:oleObj spid="_x0000_s4131" name="Equation" r:id="rId3" imgW="6184900" imgH="1054100" progId="Equation.3">
                   <p:embed/>
                 </p:oleObj>
               </mc:Choice>
@@ -13227,34 +12992,6 @@
             </a:r>
           </a:p>
           <a:p>
-            <a:pPr lvl="1"/>
-            <a:r>
-              <a:rPr lang="en-US" dirty="0" err="1" smtClean="0"/>
-              <a:t>DribbleEfficiency</a:t>
-            </a:r>
-            <a:r>
-              <a:rPr lang="en-US" dirty="0" smtClean="0"/>
-              <a:t>  </a:t>
-            </a:r>
-            <a:r>
-              <a:rPr lang="en-US" dirty="0" smtClean="0">
-                <a:latin typeface="Wingdings"/>
-                <a:ea typeface="Wingdings"/>
-                <a:cs typeface="Wingdings"/>
-                <a:sym typeface="Wingdings"/>
-              </a:rPr>
-              <a:t></a:t>
-            </a:r>
-            <a:r>
-              <a:rPr lang="en-US" dirty="0">
-                <a:sym typeface="Wingdings"/>
-              </a:rPr>
-              <a:t> </a:t>
-            </a:r>
-            <a:r>
-              <a:rPr lang="en-US" dirty="0" smtClean="0"/>
-              <a:t>Win</a:t>
-            </a:r>
             <a:endParaRPr lang="en-US" sz="2800" dirty="0" smtClean="0"/>
           </a:p>
           <a:p>
@@ -13281,10 +13018,10 @@
               <a:defRPr/>
             </a:pPr>
             <a:r>
-              <a:rPr lang="en-US" dirty="0" smtClean="0"/>
-              <a:t>Learning Bayesian Networks for Complex Relational Data</a:t>
-            </a:r>
-            <a:endParaRPr lang="en-US" dirty="0"/>
+              <a:rPr lang="en-US" smtClean="0"/>
+              <a:t>Presentation Title At Venue</a:t>
+            </a:r>
+            <a:endParaRPr lang="en-US"/>
           </a:p>
         </p:txBody>
       </p:sp>
@@ -13302,7 +13039,7 @@
 </file>
 
 <file path=ppt/slides/slide21.xml><?xml version="1.0" encoding="utf-8"?>
-<p:sld xmlns:a="http://schemas.openxmlformats.org/drawingml/2006/main" xmlns:r="http://schemas.openxmlformats.org/officeDocument/2006/relationships" xmlns:p="http://schemas.openxmlformats.org/presentationml/2006/main">
+<p:sld xmlns:a="http://schemas.openxmlformats.org/drawingml/2006/main" xmlns:r="http://schemas.openxmlformats.org/officeDocument/2006/relationships" xmlns:p="http://schemas.openxmlformats.org/presentationml/2006/main" show="0">
   <p:cSld>
     <p:spTree>
       <p:nvGrpSpPr>
@@ -13335,84 +13072,9 @@
           <a:p>
             <a:r>
               <a:rPr lang="en-US" dirty="0" smtClean="0"/>
-              <a:t>Example: </a:t>
-            </a:r>
-            <a:r>
-              <a:rPr lang="en-US" dirty="0" err="1" smtClean="0"/>
-              <a:t>Edin</a:t>
-            </a:r>
-            <a:r>
-              <a:rPr lang="en-US" dirty="0" smtClean="0"/>
-              <a:t> </a:t>
-            </a:r>
-            <a:r>
-              <a:rPr lang="en-US" dirty="0" err="1" smtClean="0"/>
-              <a:t>Dzeko</a:t>
-            </a:r>
-            <a:r>
-              <a:rPr lang="en-US" dirty="0" smtClean="0"/>
-              <a:t>, </a:t>
-            </a:r>
-            <a:r>
-              <a:rPr lang="en-US" dirty="0" err="1" smtClean="0"/>
-              <a:t>Marginals</a:t>
+              <a:t>Feature Vector View</a:t>
             </a:r>
             <a:endParaRPr lang="en-US" dirty="0"/>
-          </a:p>
-        </p:txBody>
-      </p:sp>
-      <p:sp>
-        <p:nvSpPr>
-          <p:cNvPr id="3" name="Content Placeholder 2"/>
-          <p:cNvSpPr>
-            <a:spLocks noGrp="1"/>
-          </p:cNvSpPr>
-          <p:nvPr>
-            <p:ph sz="quarter" idx="1"/>
-          </p:nvPr>
-        </p:nvSpPr>
-        <p:spPr/>
-        <p:txBody>
-          <a:bodyPr/>
-          <a:lstStyle/>
-          <a:p>
-            <a:r>
-              <a:rPr lang="en-US" sz="2800" dirty="0" smtClean="0"/>
-              <a:t>Data are from Premier League Season 2011-2012.</a:t>
-            </a:r>
-          </a:p>
-          <a:p>
-            <a:r>
-              <a:rPr lang="en-US" sz="2800" dirty="0" smtClean="0"/>
-              <a:t>Low Dribble Efficiency in 16% of his matches.</a:t>
-            </a:r>
-          </a:p>
-          <a:p>
-            <a:r>
-              <a:rPr lang="en-US" sz="2800" dirty="0" smtClean="0"/>
-              <a:t>Random Striker: Low DE in 50% of matches.</a:t>
-            </a:r>
-          </a:p>
-          <a:p>
-            <a:r>
-              <a:rPr lang="en-US" sz="2800" dirty="0" smtClean="0"/>
-              <a:t>ELD contribution for marginal sum:</a:t>
-            </a:r>
-            <a:br>
-              <a:rPr lang="en-US" sz="2800" dirty="0" smtClean="0"/>
-            </a:br>
-            <a:r>
-              <a:rPr lang="en-US" sz="2800" dirty="0" smtClean="0"/>
-              <a:t>16% x |</a:t>
-            </a:r>
-            <a:r>
-              <a:rPr lang="en-US" sz="2800" dirty="0" err="1" smtClean="0"/>
-              <a:t>ln</a:t>
-            </a:r>
-            <a:r>
-              <a:rPr lang="en-US" sz="2800" dirty="0" smtClean="0"/>
-              <a:t>(16%/50%)| = 0.18</a:t>
-            </a:r>
           </a:p>
         </p:txBody>
       </p:sp>
@@ -13435,28 +13097,619 @@
               <a:defRPr/>
             </a:pPr>
             <a:r>
-              <a:rPr lang="en-US" dirty="0" smtClean="0"/>
-              <a:t>Learning Bayesian Networks for Complex Relational Data</a:t>
-            </a:r>
-            <a:endParaRPr lang="en-US" dirty="0"/>
+              <a:rPr lang="en-US" smtClean="0"/>
+              <a:t>Presentation Title At Venue</a:t>
+            </a:r>
+            <a:endParaRPr lang="en-US"/>
+          </a:p>
+        </p:txBody>
+      </p:sp>
+      <p:graphicFrame>
+        <p:nvGraphicFramePr>
+          <p:cNvPr id="5" name="Content Placeholder 4"/>
+          <p:cNvGraphicFramePr>
+            <a:graphicFrameLocks/>
+          </p:cNvGraphicFramePr>
+          <p:nvPr>
+            <p:extLst>
+              <p:ext uri="{D42A27DB-BD31-4B8C-83A1-F6EECF244321}">
+                <p14:modId xmlns:p14="http://schemas.microsoft.com/office/powerpoint/2010/main" val="3361146059"/>
+              </p:ext>
+            </p:extLst>
+          </p:nvPr>
+        </p:nvGraphicFramePr>
+        <p:xfrm>
+          <a:off x="264755" y="2037392"/>
+          <a:ext cx="8289762" cy="1402080"/>
+        </p:xfrm>
+        <a:graphic>
+          <a:graphicData uri="http://schemas.openxmlformats.org/drawingml/2006/table">
+            <a:tbl>
+              <a:tblPr firstRow="1" bandRow="1">
+                <a:tableStyleId>{5C22544A-7EE6-4342-B048-85BDC9FD1C3A}</a:tableStyleId>
+              </a:tblPr>
+              <a:tblGrid>
+                <a:gridCol w="1359723"/>
+                <a:gridCol w="1880450"/>
+                <a:gridCol w="2611341"/>
+                <a:gridCol w="2438248"/>
+              </a:tblGrid>
+              <a:tr h="370840">
+                <a:tc>
+                  <a:txBody>
+                    <a:bodyPr/>
+                    <a:lstStyle/>
+                    <a:p>
+                      <a:r>
+                        <a:rPr lang="en-US" sz="2000" dirty="0" err="1" smtClean="0"/>
+                        <a:t>UserID</a:t>
+                      </a:r>
+                      <a:endParaRPr lang="en-US" sz="2000" dirty="0"/>
+                    </a:p>
+                  </a:txBody>
+                  <a:tcPr/>
+                </a:tc>
+                <a:tc>
+                  <a:txBody>
+                    <a:bodyPr/>
+                    <a:lstStyle/>
+                    <a:p>
+                      <a:r>
+                        <a:rPr lang="en-US" sz="2000" dirty="0" smtClean="0"/>
+                        <a:t>gender(U) =M</a:t>
+                      </a:r>
+                      <a:endParaRPr lang="en-US" sz="2000" dirty="0"/>
+                    </a:p>
+                  </a:txBody>
+                  <a:tcPr/>
+                </a:tc>
+                <a:tc>
+                  <a:txBody>
+                    <a:bodyPr/>
+                    <a:lstStyle/>
+                    <a:p>
+                      <a:pPr marL="0" marR="0" indent="0" algn="l" defTabSz="914400" rtl="0" eaLnBrk="1" fontAlgn="auto" latinLnBrk="0" hangingPunct="1">
+                        <a:lnSpc>
+                          <a:spcPct val="100000"/>
+                        </a:lnSpc>
+                        <a:spcBef>
+                          <a:spcPts val="0"/>
+                        </a:spcBef>
+                        <a:spcAft>
+                          <a:spcPts val="0"/>
+                        </a:spcAft>
+                        <a:buClrTx/>
+                        <a:buSzTx/>
+                        <a:buFontTx/>
+                        <a:buNone/>
+                        <a:tabLst/>
+                        <a:defRPr/>
+                      </a:pPr>
+                      <a:r>
+                        <a:rPr lang="en-US" sz="2000" dirty="0" err="1" smtClean="0"/>
+                        <a:t>HasRated</a:t>
+                      </a:r>
+                      <a:r>
+                        <a:rPr lang="en-US" sz="2000" dirty="0" smtClean="0"/>
+                        <a:t>(U,AM)</a:t>
+                      </a:r>
+                    </a:p>
+                    <a:p>
+                      <a:pPr marL="0" marR="0" indent="0" algn="l" defTabSz="914400" rtl="0" eaLnBrk="1" fontAlgn="auto" latinLnBrk="0" hangingPunct="1">
+                        <a:lnSpc>
+                          <a:spcPct val="100000"/>
+                        </a:lnSpc>
+                        <a:spcBef>
+                          <a:spcPts val="0"/>
+                        </a:spcBef>
+                        <a:spcAft>
+                          <a:spcPts val="0"/>
+                        </a:spcAft>
+                        <a:buClrTx/>
+                        <a:buSzTx/>
+                        <a:buFontTx/>
+                        <a:buNone/>
+                        <a:tabLst/>
+                        <a:defRPr/>
+                      </a:pPr>
+                      <a:r>
+                        <a:rPr lang="en-US" sz="2000" dirty="0" smtClean="0"/>
+                        <a:t>=T</a:t>
+                      </a:r>
+                    </a:p>
+                    <a:p>
+                      <a:endParaRPr lang="en-US" sz="2000" dirty="0"/>
+                    </a:p>
+                  </a:txBody>
+                  <a:tcPr/>
+                </a:tc>
+                <a:tc>
+                  <a:txBody>
+                    <a:bodyPr/>
+                    <a:lstStyle/>
+                    <a:p>
+                      <a:pPr marL="0" marR="0" indent="0" algn="l" defTabSz="914400" rtl="0" eaLnBrk="1" fontAlgn="auto" latinLnBrk="0" hangingPunct="1">
+                        <a:lnSpc>
+                          <a:spcPct val="100000"/>
+                        </a:lnSpc>
+                        <a:spcBef>
+                          <a:spcPts val="0"/>
+                        </a:spcBef>
+                        <a:spcAft>
+                          <a:spcPts val="0"/>
+                        </a:spcAft>
+                        <a:buClrTx/>
+                        <a:buSzTx/>
+                        <a:buFontTx/>
+                        <a:buNone/>
+                        <a:tabLst/>
+                        <a:defRPr/>
+                      </a:pPr>
+                      <a:r>
+                        <a:rPr lang="en-US" sz="2000" dirty="0" err="1" smtClean="0"/>
+                        <a:t>HasRated</a:t>
+                      </a:r>
+                      <a:r>
+                        <a:rPr lang="en-US" sz="2000" dirty="0" smtClean="0"/>
+                        <a:t>(U,AM)</a:t>
+                      </a:r>
+                    </a:p>
+                    <a:p>
+                      <a:pPr marL="0" marR="0" indent="0" algn="l" defTabSz="914400" rtl="0" eaLnBrk="1" fontAlgn="auto" latinLnBrk="0" hangingPunct="1">
+                        <a:lnSpc>
+                          <a:spcPct val="100000"/>
+                        </a:lnSpc>
+                        <a:spcBef>
+                          <a:spcPts val="0"/>
+                        </a:spcBef>
+                        <a:spcAft>
+                          <a:spcPts val="0"/>
+                        </a:spcAft>
+                        <a:buClrTx/>
+                        <a:buSzTx/>
+                        <a:buFontTx/>
+                        <a:buNone/>
+                        <a:tabLst/>
+                        <a:defRPr/>
+                      </a:pPr>
+                      <a:r>
+                        <a:rPr lang="en-US" sz="2000" dirty="0" smtClean="0"/>
+                        <a:t>=F</a:t>
+                      </a:r>
+                    </a:p>
+                    <a:p>
+                      <a:endParaRPr lang="en-US" sz="2000" dirty="0"/>
+                    </a:p>
+                  </a:txBody>
+                  <a:tcPr/>
+                </a:tc>
+              </a:tr>
+              <a:tr h="370840">
+                <a:tc>
+                  <a:txBody>
+                    <a:bodyPr/>
+                    <a:lstStyle/>
+                    <a:p>
+                      <a:r>
+                        <a:rPr lang="en-US" sz="2000" dirty="0" smtClean="0"/>
+                        <a:t>user1</a:t>
+                      </a:r>
+                      <a:endParaRPr lang="en-US" sz="2000" dirty="0"/>
+                    </a:p>
+                  </a:txBody>
+                  <a:tcPr/>
+                </a:tc>
+                <a:tc>
+                  <a:txBody>
+                    <a:bodyPr/>
+                    <a:lstStyle/>
+                    <a:p>
+                      <a:r>
+                        <a:rPr lang="en-US" sz="2000" dirty="0" smtClean="0"/>
+                        <a:t>1</a:t>
+                      </a:r>
+                      <a:endParaRPr lang="en-US" sz="2000" dirty="0"/>
+                    </a:p>
+                  </a:txBody>
+                  <a:tcPr/>
+                </a:tc>
+                <a:tc>
+                  <a:txBody>
+                    <a:bodyPr/>
+                    <a:lstStyle/>
+                    <a:p>
+                      <a:r>
+                        <a:rPr lang="en-US" sz="2000" dirty="0" smtClean="0"/>
+                        <a:t>0.1</a:t>
+                      </a:r>
+                      <a:endParaRPr lang="en-US" sz="2000" dirty="0"/>
+                    </a:p>
+                  </a:txBody>
+                  <a:tcPr/>
+                </a:tc>
+                <a:tc>
+                  <a:txBody>
+                    <a:bodyPr/>
+                    <a:lstStyle/>
+                    <a:p>
+                      <a:r>
+                        <a:rPr lang="en-US" sz="2000" dirty="0" smtClean="0"/>
+                        <a:t>0.9</a:t>
+                      </a:r>
+                      <a:endParaRPr lang="en-US" sz="2000" dirty="0"/>
+                    </a:p>
+                  </a:txBody>
+                  <a:tcPr/>
+                </a:tc>
+              </a:tr>
+            </a:tbl>
+          </a:graphicData>
+        </a:graphic>
+      </p:graphicFrame>
+      <p:graphicFrame>
+        <p:nvGraphicFramePr>
+          <p:cNvPr id="7" name="Content Placeholder 4"/>
+          <p:cNvGraphicFramePr>
+            <a:graphicFrameLocks/>
+          </p:cNvGraphicFramePr>
+          <p:nvPr>
+            <p:extLst>
+              <p:ext uri="{D42A27DB-BD31-4B8C-83A1-F6EECF244321}">
+                <p14:modId xmlns:p14="http://schemas.microsoft.com/office/powerpoint/2010/main" val="4122079945"/>
+              </p:ext>
+            </p:extLst>
+          </p:nvPr>
+        </p:nvGraphicFramePr>
+        <p:xfrm>
+          <a:off x="264755" y="4056956"/>
+          <a:ext cx="8289762" cy="1402080"/>
+        </p:xfrm>
+        <a:graphic>
+          <a:graphicData uri="http://schemas.openxmlformats.org/drawingml/2006/table">
+            <a:tbl>
+              <a:tblPr firstRow="1" bandRow="1">
+                <a:tableStyleId>{5C22544A-7EE6-4342-B048-85BDC9FD1C3A}</a:tableStyleId>
+              </a:tblPr>
+              <a:tblGrid>
+                <a:gridCol w="1769310"/>
+                <a:gridCol w="1769310"/>
+                <a:gridCol w="2457002"/>
+                <a:gridCol w="2294140"/>
+              </a:tblGrid>
+              <a:tr h="370840">
+                <a:tc>
+                  <a:txBody>
+                    <a:bodyPr/>
+                    <a:lstStyle/>
+                    <a:p>
+                      <a:r>
+                        <a:rPr lang="en-US" sz="2000" dirty="0" smtClean="0"/>
+                        <a:t>gender(U) =M</a:t>
+                      </a:r>
+                      <a:endParaRPr lang="en-US" sz="2000" dirty="0"/>
+                    </a:p>
+                  </a:txBody>
+                  <a:tcPr/>
+                </a:tc>
+                <a:tc>
+                  <a:txBody>
+                    <a:bodyPr/>
+                    <a:lstStyle/>
+                    <a:p>
+                      <a:r>
+                        <a:rPr lang="en-US" sz="2000" dirty="0" smtClean="0"/>
+                        <a:t>gender(U)=W</a:t>
+                      </a:r>
+                      <a:endParaRPr lang="en-US" sz="2000" dirty="0"/>
+                    </a:p>
+                  </a:txBody>
+                  <a:tcPr/>
+                </a:tc>
+                <a:tc>
+                  <a:txBody>
+                    <a:bodyPr/>
+                    <a:lstStyle/>
+                    <a:p>
+                      <a:pPr marL="0" marR="0" indent="0" algn="l" defTabSz="914400" rtl="0" eaLnBrk="1" fontAlgn="auto" latinLnBrk="0" hangingPunct="1">
+                        <a:lnSpc>
+                          <a:spcPct val="100000"/>
+                        </a:lnSpc>
+                        <a:spcBef>
+                          <a:spcPts val="0"/>
+                        </a:spcBef>
+                        <a:spcAft>
+                          <a:spcPts val="0"/>
+                        </a:spcAft>
+                        <a:buClrTx/>
+                        <a:buSzTx/>
+                        <a:buFontTx/>
+                        <a:buNone/>
+                        <a:tabLst/>
+                        <a:defRPr/>
+                      </a:pPr>
+                      <a:r>
+                        <a:rPr lang="en-US" sz="2000" dirty="0" err="1" smtClean="0"/>
+                        <a:t>HasRated</a:t>
+                      </a:r>
+                      <a:r>
+                        <a:rPr lang="en-US" sz="2000" dirty="0" smtClean="0"/>
+                        <a:t>(U,AM)</a:t>
+                      </a:r>
+                    </a:p>
+                    <a:p>
+                      <a:pPr marL="0" marR="0" indent="0" algn="l" defTabSz="914400" rtl="0" eaLnBrk="1" fontAlgn="auto" latinLnBrk="0" hangingPunct="1">
+                        <a:lnSpc>
+                          <a:spcPct val="100000"/>
+                        </a:lnSpc>
+                        <a:spcBef>
+                          <a:spcPts val="0"/>
+                        </a:spcBef>
+                        <a:spcAft>
+                          <a:spcPts val="0"/>
+                        </a:spcAft>
+                        <a:buClrTx/>
+                        <a:buSzTx/>
+                        <a:buFontTx/>
+                        <a:buNone/>
+                        <a:tabLst/>
+                        <a:defRPr/>
+                      </a:pPr>
+                      <a:r>
+                        <a:rPr lang="en-US" sz="2000" dirty="0" smtClean="0"/>
+                        <a:t>=T</a:t>
+                      </a:r>
+                    </a:p>
+                    <a:p>
+                      <a:endParaRPr lang="en-US" sz="2000" dirty="0"/>
+                    </a:p>
+                  </a:txBody>
+                  <a:tcPr/>
+                </a:tc>
+                <a:tc>
+                  <a:txBody>
+                    <a:bodyPr/>
+                    <a:lstStyle/>
+                    <a:p>
+                      <a:pPr marL="0" marR="0" indent="0" algn="l" defTabSz="914400" rtl="0" eaLnBrk="1" fontAlgn="auto" latinLnBrk="0" hangingPunct="1">
+                        <a:lnSpc>
+                          <a:spcPct val="100000"/>
+                        </a:lnSpc>
+                        <a:spcBef>
+                          <a:spcPts val="0"/>
+                        </a:spcBef>
+                        <a:spcAft>
+                          <a:spcPts val="0"/>
+                        </a:spcAft>
+                        <a:buClrTx/>
+                        <a:buSzTx/>
+                        <a:buFontTx/>
+                        <a:buNone/>
+                        <a:tabLst/>
+                        <a:defRPr/>
+                      </a:pPr>
+                      <a:r>
+                        <a:rPr lang="en-US" sz="2000" dirty="0" err="1" smtClean="0"/>
+                        <a:t>HasRated</a:t>
+                      </a:r>
+                      <a:r>
+                        <a:rPr lang="en-US" sz="2000" dirty="0" smtClean="0"/>
+                        <a:t>(U,AM)</a:t>
+                      </a:r>
+                    </a:p>
+                    <a:p>
+                      <a:pPr marL="0" marR="0" indent="0" algn="l" defTabSz="914400" rtl="0" eaLnBrk="1" fontAlgn="auto" latinLnBrk="0" hangingPunct="1">
+                        <a:lnSpc>
+                          <a:spcPct val="100000"/>
+                        </a:lnSpc>
+                        <a:spcBef>
+                          <a:spcPts val="0"/>
+                        </a:spcBef>
+                        <a:spcAft>
+                          <a:spcPts val="0"/>
+                        </a:spcAft>
+                        <a:buClrTx/>
+                        <a:buSzTx/>
+                        <a:buFontTx/>
+                        <a:buNone/>
+                        <a:tabLst/>
+                        <a:defRPr/>
+                      </a:pPr>
+                      <a:r>
+                        <a:rPr lang="en-US" sz="2000" dirty="0" smtClean="0"/>
+                        <a:t>=F</a:t>
+                      </a:r>
+                    </a:p>
+                    <a:p>
+                      <a:endParaRPr lang="en-US" sz="2000" dirty="0"/>
+                    </a:p>
+                  </a:txBody>
+                  <a:tcPr/>
+                </a:tc>
+              </a:tr>
+              <a:tr h="370840">
+                <a:tc>
+                  <a:txBody>
+                    <a:bodyPr/>
+                    <a:lstStyle/>
+                    <a:p>
+                      <a:r>
+                        <a:rPr lang="en-US" sz="2000" dirty="0" smtClean="0"/>
+                        <a:t>0.5</a:t>
+                      </a:r>
+                      <a:endParaRPr lang="en-US" sz="2000" dirty="0"/>
+                    </a:p>
+                  </a:txBody>
+                  <a:tcPr/>
+                </a:tc>
+                <a:tc>
+                  <a:txBody>
+                    <a:bodyPr/>
+                    <a:lstStyle/>
+                    <a:p>
+                      <a:r>
+                        <a:rPr lang="en-US" sz="2000" dirty="0" smtClean="0"/>
+                        <a:t>0.5</a:t>
+                      </a:r>
+                      <a:endParaRPr lang="en-US" sz="2000" dirty="0"/>
+                    </a:p>
+                  </a:txBody>
+                  <a:tcPr/>
+                </a:tc>
+                <a:tc>
+                  <a:txBody>
+                    <a:bodyPr/>
+                    <a:lstStyle/>
+                    <a:p>
+                      <a:r>
+                        <a:rPr lang="en-US" sz="2000" dirty="0" smtClean="0"/>
+                        <a:t>0.09</a:t>
+                      </a:r>
+                      <a:endParaRPr lang="en-US" sz="2000" dirty="0"/>
+                    </a:p>
+                  </a:txBody>
+                  <a:tcPr/>
+                </a:tc>
+                <a:tc>
+                  <a:txBody>
+                    <a:bodyPr/>
+                    <a:lstStyle/>
+                    <a:p>
+                      <a:r>
+                        <a:rPr lang="en-US" sz="2000" dirty="0" smtClean="0"/>
+                        <a:t>0.91</a:t>
+                      </a:r>
+                      <a:endParaRPr lang="en-US" sz="2000" dirty="0"/>
+                    </a:p>
+                  </a:txBody>
+                  <a:tcPr/>
+                </a:tc>
+              </a:tr>
+            </a:tbl>
+          </a:graphicData>
+        </a:graphic>
+      </p:graphicFrame>
+      <p:sp>
+        <p:nvSpPr>
+          <p:cNvPr id="8" name="TextBox 7"/>
+          <p:cNvSpPr txBox="1"/>
+          <p:nvPr/>
+        </p:nvSpPr>
+        <p:spPr>
+          <a:xfrm>
+            <a:off x="264755" y="1445249"/>
+            <a:ext cx="4401291" cy="461665"/>
+          </a:xfrm>
+          <a:prstGeom prst="rect">
+            <a:avLst/>
+          </a:prstGeom>
+          <a:noFill/>
+        </p:spPr>
+        <p:txBody>
+          <a:bodyPr wrap="square" rtlCol="0">
+            <a:spAutoFit/>
+          </a:bodyPr>
+          <a:lstStyle/>
+          <a:p>
+            <a:r>
+              <a:rPr lang="en-US" sz="2400" dirty="0" smtClean="0">
+                <a:latin typeface="+mn-lt"/>
+              </a:rPr>
+              <a:t>feature frequencies for user 1</a:t>
+            </a:r>
+            <a:endParaRPr lang="en-US" sz="2400" dirty="0">
+              <a:latin typeface="+mn-lt"/>
+            </a:endParaRPr>
+          </a:p>
+        </p:txBody>
+      </p:sp>
+      <p:sp>
+        <p:nvSpPr>
+          <p:cNvPr id="9" name="TextBox 8"/>
+          <p:cNvSpPr txBox="1"/>
+          <p:nvPr/>
+        </p:nvSpPr>
+        <p:spPr>
+          <a:xfrm>
+            <a:off x="264755" y="3532297"/>
+            <a:ext cx="7355533" cy="461665"/>
+          </a:xfrm>
+          <a:prstGeom prst="rect">
+            <a:avLst/>
+          </a:prstGeom>
+          <a:noFill/>
+        </p:spPr>
+        <p:txBody>
+          <a:bodyPr wrap="square" rtlCol="0">
+            <a:spAutoFit/>
+          </a:bodyPr>
+          <a:lstStyle/>
+          <a:p>
+            <a:r>
+              <a:rPr lang="en-US" sz="2400" dirty="0" smtClean="0">
+                <a:latin typeface="+mn-lt"/>
+              </a:rPr>
+              <a:t>feature frequencies for a randomly selected user</a:t>
+            </a:r>
+            <a:endParaRPr lang="en-US" sz="2400" dirty="0">
+              <a:latin typeface="+mn-lt"/>
+            </a:endParaRPr>
+          </a:p>
+        </p:txBody>
+      </p:sp>
+      <p:sp>
+        <p:nvSpPr>
+          <p:cNvPr id="10" name="TextBox 9"/>
+          <p:cNvSpPr txBox="1"/>
+          <p:nvPr/>
+        </p:nvSpPr>
+        <p:spPr>
+          <a:xfrm>
+            <a:off x="264755" y="5710535"/>
+            <a:ext cx="7562606" cy="461665"/>
+          </a:xfrm>
+          <a:prstGeom prst="rect">
+            <a:avLst/>
+          </a:prstGeom>
+          <a:noFill/>
+        </p:spPr>
+        <p:txBody>
+          <a:bodyPr wrap="square" rtlCol="0">
+            <a:spAutoFit/>
+          </a:bodyPr>
+          <a:lstStyle/>
+          <a:p>
+            <a:r>
+              <a:rPr lang="en-US" sz="2400" dirty="0" smtClean="0">
+                <a:latin typeface="+mn-lt"/>
+              </a:rPr>
+              <a:t>Outlier Metric for user1: how different are these two vectors?</a:t>
+            </a:r>
           </a:p>
         </p:txBody>
       </p:sp>
     </p:spTree>
     <p:extLst>
       <p:ext uri="{BB962C8B-B14F-4D97-AF65-F5344CB8AC3E}">
-        <p14:creationId xmlns:p14="http://schemas.microsoft.com/office/powerpoint/2010/main" val="1632963202"/>
+        <p14:creationId xmlns:p14="http://schemas.microsoft.com/office/powerpoint/2010/main" val="2262598300"/>
       </p:ext>
     </p:extLst>
   </p:cSld>
   <p:clrMapOvr>
     <a:masterClrMapping/>
   </p:clrMapOvr>
+  <mc:AlternateContent xmlns:mc="http://schemas.openxmlformats.org/markup-compatibility/2006">
+    <mc:Choice xmlns:p14="http://schemas.microsoft.com/office/powerpoint/2010/main" Requires="p14">
+      <p:transition spd="slow" p14:dur="2000"/>
+    </mc:Choice>
+    <mc:Fallback>
+      <p:transition xmlns:p14="http://schemas.microsoft.com/office/powerpoint/2010/main" spd="slow"/>
+    </mc:Fallback>
+  </mc:AlternateContent>
 </p:sld>
 </file>
 
 <file path=ppt/slides/slide22.xml><?xml version="1.0" encoding="utf-8"?>
-<p:sld xmlns:a="http://schemas.openxmlformats.org/drawingml/2006/main" xmlns:r="http://schemas.openxmlformats.org/officeDocument/2006/relationships" xmlns:p="http://schemas.openxmlformats.org/presentationml/2006/main">
+<p:sld xmlns:a="http://schemas.openxmlformats.org/drawingml/2006/main" xmlns:r="http://schemas.openxmlformats.org/officeDocument/2006/relationships" xmlns:p="http://schemas.openxmlformats.org/presentationml/2006/main" show="0">
   <p:cSld>
     <p:spTree>
       <p:nvGrpSpPr>
@@ -13474,7 +13727,7 @@
       </p:grpSpPr>
       <p:sp>
         <p:nvSpPr>
-          <p:cNvPr id="2" name="Title 1"/>
+          <p:cNvPr id="5" name="Title 4"/>
           <p:cNvSpPr>
             <a:spLocks noGrp="1"/>
           </p:cNvSpPr>
@@ -13482,203 +13735,177 @@
             <p:ph type="title"/>
           </p:nvPr>
         </p:nvSpPr>
-        <p:spPr/>
-        <p:txBody>
-          <a:bodyPr/>
+        <p:spPr>
+          <a:xfrm>
+            <a:off x="358584" y="80405"/>
+            <a:ext cx="9067800" cy="1143000"/>
+          </a:xfrm>
+        </p:spPr>
+        <p:txBody>
+          <a:bodyPr>
+            <a:normAutofit/>
+          </a:bodyPr>
           <a:lstStyle/>
           <a:p>
             <a:r>
-              <a:rPr lang="en-US" dirty="0" smtClean="0"/>
-              <a:t>Example: </a:t>
-            </a:r>
-            <a:r>
-              <a:rPr lang="en-US" dirty="0" err="1" smtClean="0"/>
-              <a:t>Edin</a:t>
-            </a:r>
-            <a:r>
-              <a:rPr lang="en-US" dirty="0" smtClean="0"/>
-              <a:t> </a:t>
-            </a:r>
-            <a:r>
-              <a:rPr lang="en-US" dirty="0" err="1" smtClean="0"/>
-              <a:t>Dzeko</a:t>
-            </a:r>
-            <a:r>
-              <a:rPr lang="en-US" dirty="0" smtClean="0"/>
-              <a:t>, Associations</a:t>
-            </a:r>
-            <a:endParaRPr lang="en-US" dirty="0"/>
-          </a:p>
-        </p:txBody>
-      </p:sp>
-      <p:sp>
-        <p:nvSpPr>
-          <p:cNvPr id="3" name="Content Placeholder 2"/>
-          <p:cNvSpPr>
-            <a:spLocks noGrp="1"/>
-          </p:cNvSpPr>
+              <a:rPr lang="en-US" sz="2800" dirty="0" smtClean="0"/>
+              <a:t>Model-Based Outlier Detection for I.I.D. data</a:t>
+            </a:r>
+            <a:endParaRPr lang="en-US" sz="2800" dirty="0"/>
+          </a:p>
+        </p:txBody>
+      </p:sp>
+      <p:graphicFrame>
+        <p:nvGraphicFramePr>
+          <p:cNvPr id="7" name="Content Placeholder 6"/>
+          <p:cNvGraphicFramePr>
+            <a:graphicFrameLocks noGrp="1"/>
+          </p:cNvGraphicFramePr>
           <p:nvPr>
             <p:ph sz="quarter" idx="1"/>
+            <p:extLst>
+              <p:ext uri="{D42A27DB-BD31-4B8C-83A1-F6EECF244321}">
+                <p14:modId xmlns:p14="http://schemas.microsoft.com/office/powerpoint/2010/main" val="3524136647"/>
+              </p:ext>
+            </p:extLst>
           </p:nvPr>
-        </p:nvSpPr>
-        <p:spPr>
-          <a:xfrm>
-            <a:off x="914400" y="1465194"/>
-            <a:ext cx="7772400" cy="4936185"/>
-          </a:xfrm>
-        </p:spPr>
-        <p:txBody>
-          <a:bodyPr/>
-          <a:lstStyle/>
-          <a:p>
-            <a:r>
-              <a:rPr lang="en-US" sz="2800" dirty="0" smtClean="0"/>
-              <a:t>Association: </a:t>
-            </a:r>
-            <a:r>
-              <a:rPr lang="en-US" sz="2800" dirty="0" err="1" smtClean="0"/>
-              <a:t>Shotefficiency</a:t>
-            </a:r>
-            <a:r>
-              <a:rPr lang="en-US" sz="2800" dirty="0" smtClean="0"/>
-              <a:t> = high, </a:t>
-            </a:r>
-            <a:r>
-              <a:rPr lang="en-US" sz="2800" dirty="0" err="1" smtClean="0"/>
-              <a:t>TackleEfficiency</a:t>
-            </a:r>
-            <a:r>
-              <a:rPr lang="en-US" sz="2800" dirty="0" smtClean="0"/>
-              <a:t> = medium </a:t>
-            </a:r>
-            <a:r>
-              <a:rPr lang="en-US" sz="2800" dirty="0" smtClean="0">
-                <a:latin typeface="Wingdings"/>
-                <a:ea typeface="Wingdings"/>
-                <a:cs typeface="Wingdings"/>
-                <a:sym typeface="Wingdings"/>
-              </a:rPr>
-              <a:t></a:t>
-            </a:r>
-            <a:r>
-              <a:rPr lang="en-US" sz="2800" dirty="0" err="1" smtClean="0"/>
-              <a:t>DribbleEffiency</a:t>
-            </a:r>
-            <a:r>
-              <a:rPr lang="en-US" sz="2800" dirty="0" smtClean="0"/>
-              <a:t> = low</a:t>
-            </a:r>
-            <a:endParaRPr lang="en-US" sz="2800" dirty="0"/>
-          </a:p>
-          <a:p>
-            <a:r>
-              <a:rPr lang="en-US" sz="2800" dirty="0" smtClean="0"/>
-              <a:t>For </a:t>
-            </a:r>
-            <a:r>
-              <a:rPr lang="en-US" sz="2800" dirty="0" err="1" smtClean="0"/>
-              <a:t>Edin</a:t>
-            </a:r>
-            <a:r>
-              <a:rPr lang="en-US" sz="2800" dirty="0" smtClean="0"/>
-              <a:t> </a:t>
-            </a:r>
-            <a:r>
-              <a:rPr lang="en-US" sz="2800" dirty="0" err="1" smtClean="0"/>
-              <a:t>Dzeko</a:t>
-            </a:r>
-            <a:r>
-              <a:rPr lang="en-US" sz="2800" dirty="0" smtClean="0"/>
-              <a:t>:</a:t>
-            </a:r>
-          </a:p>
-          <a:p>
-            <a:pPr lvl="1"/>
-            <a:r>
-              <a:rPr lang="en-US" dirty="0" smtClean="0"/>
-              <a:t>confidence = 50%</a:t>
-            </a:r>
-          </a:p>
-          <a:p>
-            <a:pPr lvl="1"/>
-            <a:r>
-              <a:rPr lang="en-US" dirty="0" smtClean="0"/>
-              <a:t>lift = ln(50%/16%)=1.13</a:t>
-            </a:r>
-            <a:endParaRPr lang="en-US" dirty="0"/>
-          </a:p>
-          <a:p>
-            <a:pPr lvl="1"/>
-            <a:r>
-              <a:rPr lang="en-US" dirty="0" smtClean="0"/>
-              <a:t>support (joint </a:t>
-            </a:r>
-            <a:r>
-              <a:rPr lang="en-US" dirty="0" err="1" smtClean="0"/>
-              <a:t>prob</a:t>
-            </a:r>
-            <a:r>
-              <a:rPr lang="en-US" dirty="0" smtClean="0"/>
-              <a:t>) = </a:t>
-            </a:r>
-            <a:r>
-              <a:rPr lang="en-US" dirty="0"/>
-              <a:t>6</a:t>
-            </a:r>
-            <a:r>
-              <a:rPr lang="en-US" dirty="0" smtClean="0"/>
-              <a:t>%</a:t>
-            </a:r>
-          </a:p>
-          <a:p>
-            <a:r>
-              <a:rPr lang="en-US" sz="2800" dirty="0" smtClean="0"/>
-              <a:t>For random striker</a:t>
-            </a:r>
-          </a:p>
-          <a:p>
-            <a:pPr lvl="1"/>
-            <a:r>
-              <a:rPr lang="en-US" dirty="0"/>
-              <a:t>c</a:t>
-            </a:r>
-            <a:r>
-              <a:rPr lang="en-US" dirty="0" smtClean="0"/>
-              <a:t>onfidence = 38%</a:t>
-            </a:r>
-          </a:p>
-          <a:p>
-            <a:pPr lvl="1"/>
-            <a:r>
-              <a:rPr lang="en-US" dirty="0"/>
-              <a:t>lift = ln(38%/50%) =-0.27 </a:t>
-            </a:r>
-            <a:endParaRPr lang="en-US" dirty="0" smtClean="0"/>
-          </a:p>
-          <a:p>
-            <a:r>
-              <a:rPr lang="en-US" dirty="0" smtClean="0"/>
-              <a:t>ELD contribution for association</a:t>
-            </a:r>
-            <a:br>
-              <a:rPr lang="en-US" dirty="0" smtClean="0"/>
-            </a:br>
-            <a:r>
-              <a:rPr lang="en-US" dirty="0" smtClean="0"/>
-              <a:t>10% x |1.13-(-0.27)|= </a:t>
-            </a:r>
-            <a:r>
-              <a:rPr lang="en-US" dirty="0"/>
-              <a:t>6</a:t>
-            </a:r>
-            <a:r>
-              <a:rPr lang="en-US" dirty="0" smtClean="0"/>
-              <a:t>% x 1.14 = 0.068</a:t>
-            </a:r>
-            <a:endParaRPr lang="en-US" dirty="0"/>
-          </a:p>
-        </p:txBody>
-      </p:sp>
+        </p:nvGraphicFramePr>
+        <p:xfrm>
+          <a:off x="5544986" y="3876435"/>
+          <a:ext cx="3013354" cy="741680"/>
+        </p:xfrm>
+        <a:graphic>
+          <a:graphicData uri="http://schemas.openxmlformats.org/drawingml/2006/table">
+            <a:tbl>
+              <a:tblPr firstRow="1" bandRow="1">
+                <a:tableStyleId>{5C22544A-7EE6-4342-B048-85BDC9FD1C3A}</a:tableStyleId>
+              </a:tblPr>
+              <a:tblGrid>
+                <a:gridCol w="646331"/>
+                <a:gridCol w="597441"/>
+                <a:gridCol w="597441"/>
+                <a:gridCol w="1172141"/>
+              </a:tblGrid>
+              <a:tr h="370840">
+                <a:tc>
+                  <a:txBody>
+                    <a:bodyPr/>
+                    <a:lstStyle/>
+                    <a:p>
+                      <a:r>
+                        <a:rPr lang="en-US" dirty="0" smtClean="0"/>
+                        <a:t>ID</a:t>
+                      </a:r>
+                      <a:endParaRPr lang="en-US" dirty="0"/>
+                    </a:p>
+                  </a:txBody>
+                  <a:tcPr/>
+                </a:tc>
+                <a:tc>
+                  <a:txBody>
+                    <a:bodyPr/>
+                    <a:lstStyle/>
+                    <a:p>
+                      <a:r>
+                        <a:rPr lang="en-US" dirty="0" smtClean="0"/>
+                        <a:t>Att1</a:t>
+                      </a:r>
+                      <a:endParaRPr lang="en-US" dirty="0"/>
+                    </a:p>
+                  </a:txBody>
+                  <a:tcPr/>
+                </a:tc>
+                <a:tc>
+                  <a:txBody>
+                    <a:bodyPr/>
+                    <a:lstStyle/>
+                    <a:p>
+                      <a:r>
+                        <a:rPr lang="en-US" dirty="0" smtClean="0"/>
+                        <a:t>Att2</a:t>
+                      </a:r>
+                      <a:endParaRPr lang="en-US" dirty="0"/>
+                    </a:p>
+                  </a:txBody>
+                  <a:tcPr/>
+                </a:tc>
+                <a:tc>
+                  <a:txBody>
+                    <a:bodyPr/>
+                    <a:lstStyle/>
+                    <a:p>
+                      <a:r>
+                        <a:rPr lang="en-US" dirty="0" smtClean="0"/>
+                        <a:t>Att3</a:t>
+                      </a:r>
+                      <a:endParaRPr lang="en-US" dirty="0"/>
+                    </a:p>
+                  </a:txBody>
+                  <a:tcPr/>
+                </a:tc>
+              </a:tr>
+              <a:tr h="370840">
+                <a:tc>
+                  <a:txBody>
+                    <a:bodyPr/>
+                    <a:lstStyle/>
+                    <a:p>
+                      <a:r>
+                        <a:rPr lang="en-US" dirty="0" smtClean="0"/>
+                        <a:t>1000</a:t>
+                      </a:r>
+                      <a:endParaRPr lang="en-US" dirty="0"/>
+                    </a:p>
+                  </a:txBody>
+                  <a:tcPr/>
+                </a:tc>
+                <a:tc>
+                  <a:txBody>
+                    <a:bodyPr/>
+                    <a:lstStyle/>
+                    <a:p>
+                      <a:r>
+                        <a:rPr lang="en-US" dirty="0" smtClean="0"/>
+                        <a:t>M</a:t>
+                      </a:r>
+                      <a:endParaRPr lang="en-US" dirty="0"/>
+                    </a:p>
+                  </a:txBody>
+                  <a:tcPr/>
+                </a:tc>
+                <a:tc>
+                  <a:txBody>
+                    <a:bodyPr/>
+                    <a:lstStyle/>
+                    <a:p>
+                      <a:r>
+                        <a:rPr lang="en-US" dirty="0" smtClean="0"/>
+                        <a:t>rich</a:t>
+                      </a:r>
+                      <a:endParaRPr lang="en-US" dirty="0"/>
+                    </a:p>
+                  </a:txBody>
+                  <a:tcPr/>
+                </a:tc>
+                <a:tc>
+                  <a:txBody>
+                    <a:bodyPr/>
+                    <a:lstStyle/>
+                    <a:p>
+                      <a:r>
+                        <a:rPr lang="en-US" dirty="0" smtClean="0"/>
+                        <a:t>8</a:t>
+                      </a:r>
+                      <a:endParaRPr lang="en-US" dirty="0"/>
+                    </a:p>
+                  </a:txBody>
+                  <a:tcPr/>
+                </a:tc>
+              </a:tr>
+            </a:tbl>
+          </a:graphicData>
+        </a:graphic>
+      </p:graphicFrame>
       <p:sp>
         <p:nvSpPr>
           <p:cNvPr id="4" name="Footer Placeholder 3"/>
@@ -13691,35 +13918,708 @@
         </p:nvSpPr>
         <p:spPr>
           <a:xfrm>
-            <a:off x="914399" y="6172200"/>
-            <a:ext cx="4104025" cy="457200"/>
+            <a:off x="355611" y="6172200"/>
+            <a:ext cx="7282395" cy="457200"/>
           </a:xfrm>
         </p:spPr>
         <p:txBody>
           <a:bodyPr/>
           <a:lstStyle/>
           <a:p>
-            <a:pPr>
-              <a:defRPr/>
-            </a:pPr>
-            <a:r>
-              <a:rPr lang="en-US" dirty="0" smtClean="0"/>
-              <a:t>Learning Bayesxian Networks for Complex Relational Data</a:t>
-            </a:r>
+            <a:r>
+              <a:rPr lang="en-US" dirty="0" err="1"/>
+              <a:t>Cansado</a:t>
+            </a:r>
+            <a:r>
+              <a:rPr lang="en-US" dirty="0"/>
+              <a:t>, A. &amp; Soto, A. (2008), 'Unsupervised anomaly detection in large databases using Bayesian networks', </a:t>
+            </a:r>
+            <a:r>
+              <a:rPr lang="en-US" i="1" dirty="0"/>
+              <a:t>Applied </a:t>
+            </a:r>
+            <a:r>
+              <a:rPr lang="en-US" i="1" dirty="0" err="1"/>
+              <a:t>Artifical</a:t>
+            </a:r>
+            <a:r>
+              <a:rPr lang="en-US" i="1" dirty="0"/>
+              <a:t> Intelligence </a:t>
+            </a:r>
+            <a:r>
+              <a:rPr lang="en-US" b="1" i="1" dirty="0"/>
+              <a:t>22(4), 309--330.</a:t>
+            </a:r>
+          </a:p>
+          <a:p>
             <a:endParaRPr lang="en-US" dirty="0"/>
           </a:p>
         </p:txBody>
       </p:sp>
+      <p:sp>
+        <p:nvSpPr>
+          <p:cNvPr id="8" name="Down Arrow 7"/>
+          <p:cNvSpPr/>
+          <p:nvPr/>
+        </p:nvSpPr>
+        <p:spPr>
+          <a:xfrm>
+            <a:off x="2483156" y="3338620"/>
+            <a:ext cx="248171" cy="581678"/>
+          </a:xfrm>
+          <a:prstGeom prst="downArrow">
+            <a:avLst/>
+          </a:prstGeom>
+          <a:solidFill>
+            <a:srgbClr val="3366FF"/>
+          </a:solidFill>
+          <a:ln>
+            <a:solidFill>
+              <a:srgbClr val="0000FF"/>
+            </a:solidFill>
+          </a:ln>
+        </p:spPr>
+        <p:style>
+          <a:lnRef idx="1">
+            <a:schemeClr val="accent1"/>
+          </a:lnRef>
+          <a:fillRef idx="3">
+            <a:schemeClr val="accent1"/>
+          </a:fillRef>
+          <a:effectRef idx="2">
+            <a:schemeClr val="accent1"/>
+          </a:effectRef>
+          <a:fontRef idx="minor">
+            <a:schemeClr val="lt1"/>
+          </a:fontRef>
+        </p:style>
+        <p:txBody>
+          <a:bodyPr rtlCol="0" anchor="ctr"/>
+          <a:lstStyle/>
+          <a:p>
+            <a:pPr algn="ctr"/>
+            <a:endParaRPr lang="en-US"/>
+          </a:p>
+        </p:txBody>
+      </p:sp>
+      <p:sp>
+        <p:nvSpPr>
+          <p:cNvPr id="10" name="TextBox 9"/>
+          <p:cNvSpPr txBox="1"/>
+          <p:nvPr/>
+        </p:nvSpPr>
+        <p:spPr>
+          <a:xfrm>
+            <a:off x="701969" y="4117414"/>
+            <a:ext cx="1582031" cy="400110"/>
+          </a:xfrm>
+          <a:prstGeom prst="rect">
+            <a:avLst/>
+          </a:prstGeom>
+          <a:noFill/>
+          <a:ln>
+            <a:solidFill>
+              <a:schemeClr val="tx1"/>
+            </a:solidFill>
+          </a:ln>
+        </p:spPr>
+        <p:txBody>
+          <a:bodyPr wrap="square" rtlCol="0">
+            <a:spAutoFit/>
+          </a:bodyPr>
+          <a:lstStyle/>
+          <a:p>
+            <a:r>
+              <a:rPr lang="en-US" sz="2000" dirty="0" smtClean="0">
+                <a:latin typeface="+mn-lt"/>
+              </a:rPr>
+              <a:t>Attribute1</a:t>
+            </a:r>
+            <a:endParaRPr lang="en-US" sz="2000" dirty="0">
+              <a:latin typeface="+mn-lt"/>
+            </a:endParaRPr>
+          </a:p>
+        </p:txBody>
+      </p:sp>
+      <p:sp>
+        <p:nvSpPr>
+          <p:cNvPr id="11" name="TextBox 10"/>
+          <p:cNvSpPr txBox="1"/>
+          <p:nvPr/>
+        </p:nvSpPr>
+        <p:spPr>
+          <a:xfrm>
+            <a:off x="1915879" y="5013763"/>
+            <a:ext cx="1556060" cy="400110"/>
+          </a:xfrm>
+          <a:prstGeom prst="rect">
+            <a:avLst/>
+          </a:prstGeom>
+          <a:noFill/>
+          <a:ln>
+            <a:solidFill>
+              <a:schemeClr val="tx1"/>
+            </a:solidFill>
+          </a:ln>
+        </p:spPr>
+        <p:txBody>
+          <a:bodyPr wrap="square" rtlCol="0">
+            <a:spAutoFit/>
+          </a:bodyPr>
+          <a:lstStyle/>
+          <a:p>
+            <a:r>
+              <a:rPr lang="en-US" sz="2000" dirty="0" smtClean="0">
+                <a:latin typeface="+mn-lt"/>
+              </a:rPr>
+              <a:t>Attribute3</a:t>
+            </a:r>
+            <a:endParaRPr lang="en-US" sz="2000" dirty="0">
+              <a:latin typeface="+mn-lt"/>
+            </a:endParaRPr>
+          </a:p>
+        </p:txBody>
+      </p:sp>
+      <p:sp>
+        <p:nvSpPr>
+          <p:cNvPr id="12" name="TextBox 11"/>
+          <p:cNvSpPr txBox="1"/>
+          <p:nvPr/>
+        </p:nvSpPr>
+        <p:spPr>
+          <a:xfrm>
+            <a:off x="3169568" y="4117414"/>
+            <a:ext cx="1485493" cy="400110"/>
+          </a:xfrm>
+          <a:prstGeom prst="rect">
+            <a:avLst/>
+          </a:prstGeom>
+          <a:noFill/>
+          <a:ln>
+            <a:solidFill>
+              <a:schemeClr val="tx1"/>
+            </a:solidFill>
+          </a:ln>
+        </p:spPr>
+        <p:txBody>
+          <a:bodyPr wrap="square" rtlCol="0">
+            <a:spAutoFit/>
+          </a:bodyPr>
+          <a:lstStyle/>
+          <a:p>
+            <a:r>
+              <a:rPr lang="en-US" sz="2000" dirty="0" smtClean="0">
+                <a:latin typeface="+mn-lt"/>
+              </a:rPr>
+              <a:t>Attribute2</a:t>
+            </a:r>
+            <a:endParaRPr lang="en-US" sz="2000" dirty="0">
+              <a:latin typeface="+mn-lt"/>
+            </a:endParaRPr>
+          </a:p>
+        </p:txBody>
+      </p:sp>
+      <p:cxnSp>
+        <p:nvCxnSpPr>
+          <p:cNvPr id="13" name="Straight Arrow Connector 12"/>
+          <p:cNvCxnSpPr/>
+          <p:nvPr/>
+        </p:nvCxnSpPr>
+        <p:spPr>
+          <a:xfrm>
+            <a:off x="1165862" y="4486746"/>
+            <a:ext cx="1242937" cy="527017"/>
+          </a:xfrm>
+          <a:prstGeom prst="straightConnector1">
+            <a:avLst/>
+          </a:prstGeom>
+          <a:ln>
+            <a:tailEnd type="arrow"/>
+          </a:ln>
+        </p:spPr>
+        <p:style>
+          <a:lnRef idx="2">
+            <a:schemeClr val="accent1"/>
+          </a:lnRef>
+          <a:fillRef idx="0">
+            <a:schemeClr val="accent1"/>
+          </a:fillRef>
+          <a:effectRef idx="1">
+            <a:schemeClr val="accent1"/>
+          </a:effectRef>
+          <a:fontRef idx="minor">
+            <a:schemeClr val="tx1"/>
+          </a:fontRef>
+        </p:style>
+      </p:cxnSp>
+      <p:cxnSp>
+        <p:nvCxnSpPr>
+          <p:cNvPr id="14" name="Straight Arrow Connector 13"/>
+          <p:cNvCxnSpPr>
+            <a:stCxn id="12" idx="2"/>
+            <a:endCxn id="11" idx="0"/>
+          </p:cNvCxnSpPr>
+          <p:nvPr/>
+        </p:nvCxnSpPr>
+        <p:spPr>
+          <a:xfrm flipH="1">
+            <a:off x="2693909" y="4517524"/>
+            <a:ext cx="1218406" cy="496239"/>
+          </a:xfrm>
+          <a:prstGeom prst="straightConnector1">
+            <a:avLst/>
+          </a:prstGeom>
+          <a:ln>
+            <a:tailEnd type="arrow"/>
+          </a:ln>
+        </p:spPr>
+        <p:style>
+          <a:lnRef idx="2">
+            <a:schemeClr val="accent1"/>
+          </a:lnRef>
+          <a:fillRef idx="0">
+            <a:schemeClr val="accent1"/>
+          </a:fillRef>
+          <a:effectRef idx="1">
+            <a:schemeClr val="accent1"/>
+          </a:effectRef>
+          <a:fontRef idx="minor">
+            <a:schemeClr val="tx1"/>
+          </a:fontRef>
+        </p:style>
+      </p:cxnSp>
+      <p:sp>
+        <p:nvSpPr>
+          <p:cNvPr id="22" name="TextBox 21"/>
+          <p:cNvSpPr txBox="1"/>
+          <p:nvPr/>
+        </p:nvSpPr>
+        <p:spPr>
+          <a:xfrm>
+            <a:off x="2922855" y="3507103"/>
+            <a:ext cx="1732206" cy="400110"/>
+          </a:xfrm>
+          <a:prstGeom prst="rect">
+            <a:avLst/>
+          </a:prstGeom>
+          <a:noFill/>
+        </p:spPr>
+        <p:txBody>
+          <a:bodyPr wrap="square" rtlCol="0">
+            <a:spAutoFit/>
+          </a:bodyPr>
+          <a:lstStyle/>
+          <a:p>
+            <a:r>
+              <a:rPr lang="en-US" sz="2000" dirty="0" smtClean="0">
+                <a:latin typeface="+mn-lt"/>
+              </a:rPr>
+              <a:t>Learning</a:t>
+            </a:r>
+            <a:endParaRPr lang="en-US" sz="2000" dirty="0">
+              <a:latin typeface="+mn-lt"/>
+            </a:endParaRPr>
+          </a:p>
+        </p:txBody>
+      </p:sp>
+      <p:graphicFrame>
+        <p:nvGraphicFramePr>
+          <p:cNvPr id="24" name="Content Placeholder 6"/>
+          <p:cNvGraphicFramePr>
+            <a:graphicFrameLocks noGrp="1"/>
+          </p:cNvGraphicFramePr>
+          <p:nvPr>
+            <p:ph sz="quarter" idx="1"/>
+            <p:extLst>
+              <p:ext uri="{D42A27DB-BD31-4B8C-83A1-F6EECF244321}">
+                <p14:modId xmlns:p14="http://schemas.microsoft.com/office/powerpoint/2010/main" val="2694164429"/>
+              </p:ext>
+            </p:extLst>
+          </p:nvPr>
+        </p:nvGraphicFramePr>
+        <p:xfrm>
+          <a:off x="355611" y="2116148"/>
+          <a:ext cx="4451492" cy="1112520"/>
+        </p:xfrm>
+        <a:graphic>
+          <a:graphicData uri="http://schemas.openxmlformats.org/drawingml/2006/table">
+            <a:tbl>
+              <a:tblPr firstRow="1" bandRow="1">
+                <a:tableStyleId>{5C22544A-7EE6-4342-B048-85BDC9FD1C3A}</a:tableStyleId>
+              </a:tblPr>
+              <a:tblGrid>
+                <a:gridCol w="430790"/>
+                <a:gridCol w="1200083"/>
+                <a:gridCol w="1200083"/>
+                <a:gridCol w="1620536"/>
+              </a:tblGrid>
+              <a:tr h="370840">
+                <a:tc>
+                  <a:txBody>
+                    <a:bodyPr/>
+                    <a:lstStyle/>
+                    <a:p>
+                      <a:r>
+                        <a:rPr lang="en-US" dirty="0" smtClean="0"/>
+                        <a:t>ID</a:t>
+                      </a:r>
+                      <a:endParaRPr lang="en-US" dirty="0"/>
+                    </a:p>
+                  </a:txBody>
+                  <a:tcPr/>
+                </a:tc>
+                <a:tc>
+                  <a:txBody>
+                    <a:bodyPr/>
+                    <a:lstStyle/>
+                    <a:p>
+                      <a:r>
+                        <a:rPr lang="en-US" dirty="0" smtClean="0"/>
+                        <a:t>Attribute1</a:t>
+                      </a:r>
+                      <a:endParaRPr lang="en-US" dirty="0"/>
+                    </a:p>
+                  </a:txBody>
+                  <a:tcPr/>
+                </a:tc>
+                <a:tc>
+                  <a:txBody>
+                    <a:bodyPr/>
+                    <a:lstStyle/>
+                    <a:p>
+                      <a:r>
+                        <a:rPr lang="en-US" dirty="0" smtClean="0"/>
+                        <a:t>Attribute2</a:t>
+                      </a:r>
+                      <a:endParaRPr lang="en-US" dirty="0"/>
+                    </a:p>
+                  </a:txBody>
+                  <a:tcPr/>
+                </a:tc>
+                <a:tc>
+                  <a:txBody>
+                    <a:bodyPr/>
+                    <a:lstStyle/>
+                    <a:p>
+                      <a:r>
+                        <a:rPr lang="en-US" dirty="0" smtClean="0"/>
+                        <a:t>Attribute3</a:t>
+                      </a:r>
+                      <a:endParaRPr lang="en-US" dirty="0"/>
+                    </a:p>
+                  </a:txBody>
+                  <a:tcPr/>
+                </a:tc>
+              </a:tr>
+              <a:tr h="370840">
+                <a:tc>
+                  <a:txBody>
+                    <a:bodyPr/>
+                    <a:lstStyle/>
+                    <a:p>
+                      <a:r>
+                        <a:rPr lang="en-US" dirty="0" smtClean="0"/>
+                        <a:t>1</a:t>
+                      </a:r>
+                      <a:endParaRPr lang="en-US" dirty="0"/>
+                    </a:p>
+                  </a:txBody>
+                  <a:tcPr/>
+                </a:tc>
+                <a:tc>
+                  <a:txBody>
+                    <a:bodyPr/>
+                    <a:lstStyle/>
+                    <a:p>
+                      <a:r>
+                        <a:rPr lang="en-US" dirty="0" smtClean="0"/>
+                        <a:t>W</a:t>
+                      </a:r>
+                      <a:endParaRPr lang="en-US" dirty="0"/>
+                    </a:p>
+                  </a:txBody>
+                  <a:tcPr/>
+                </a:tc>
+                <a:tc>
+                  <a:txBody>
+                    <a:bodyPr/>
+                    <a:lstStyle/>
+                    <a:p>
+                      <a:r>
+                        <a:rPr lang="en-US" dirty="0" smtClean="0"/>
+                        <a:t>rich</a:t>
+                      </a:r>
+                      <a:endParaRPr lang="en-US" dirty="0"/>
+                    </a:p>
+                  </a:txBody>
+                  <a:tcPr/>
+                </a:tc>
+                <a:tc>
+                  <a:txBody>
+                    <a:bodyPr/>
+                    <a:lstStyle/>
+                    <a:p>
+                      <a:r>
+                        <a:rPr lang="en-US" dirty="0" smtClean="0"/>
+                        <a:t>10</a:t>
+                      </a:r>
+                      <a:endParaRPr lang="en-US" dirty="0"/>
+                    </a:p>
+                  </a:txBody>
+                  <a:tcPr/>
+                </a:tc>
+              </a:tr>
+              <a:tr h="370840">
+                <a:tc>
+                  <a:txBody>
+                    <a:bodyPr/>
+                    <a:lstStyle/>
+                    <a:p>
+                      <a:r>
+                        <a:rPr lang="en-US" dirty="0" smtClean="0"/>
+                        <a:t>2</a:t>
+                      </a:r>
+                      <a:endParaRPr lang="en-US" dirty="0"/>
+                    </a:p>
+                  </a:txBody>
+                  <a:tcPr/>
+                </a:tc>
+                <a:tc>
+                  <a:txBody>
+                    <a:bodyPr/>
+                    <a:lstStyle/>
+                    <a:p>
+                      <a:r>
+                        <a:rPr lang="en-US" dirty="0" smtClean="0"/>
+                        <a:t>....</a:t>
+                      </a:r>
+                      <a:endParaRPr lang="en-US" dirty="0"/>
+                    </a:p>
+                  </a:txBody>
+                  <a:tcPr/>
+                </a:tc>
+                <a:tc>
+                  <a:txBody>
+                    <a:bodyPr/>
+                    <a:lstStyle/>
+                    <a:p>
+                      <a:r>
+                        <a:rPr lang="en-US" dirty="0" smtClean="0"/>
+                        <a:t>...</a:t>
+                      </a:r>
+                      <a:endParaRPr lang="en-US" dirty="0"/>
+                    </a:p>
+                  </a:txBody>
+                  <a:tcPr/>
+                </a:tc>
+                <a:tc>
+                  <a:txBody>
+                    <a:bodyPr/>
+                    <a:lstStyle/>
+                    <a:p>
+                      <a:r>
+                        <a:rPr lang="en-US" dirty="0" smtClean="0"/>
+                        <a:t>...</a:t>
+                      </a:r>
+                      <a:endParaRPr lang="en-US" dirty="0"/>
+                    </a:p>
+                  </a:txBody>
+                  <a:tcPr/>
+                </a:tc>
+              </a:tr>
+            </a:tbl>
+          </a:graphicData>
+        </a:graphic>
+      </p:graphicFrame>
+      <p:sp>
+        <p:nvSpPr>
+          <p:cNvPr id="25" name="TextBox 24"/>
+          <p:cNvSpPr txBox="1"/>
+          <p:nvPr/>
+        </p:nvSpPr>
+        <p:spPr>
+          <a:xfrm>
+            <a:off x="4112154" y="5240495"/>
+            <a:ext cx="4574646" cy="830997"/>
+          </a:xfrm>
+          <a:prstGeom prst="rect">
+            <a:avLst/>
+          </a:prstGeom>
+          <a:noFill/>
+          <a:ln>
+            <a:solidFill>
+              <a:schemeClr val="tx1"/>
+            </a:solidFill>
+          </a:ln>
+        </p:spPr>
+        <p:txBody>
+          <a:bodyPr wrap="square" rtlCol="0">
+            <a:spAutoFit/>
+          </a:bodyPr>
+          <a:lstStyle/>
+          <a:p>
+            <a:r>
+              <a:rPr lang="en-US" sz="2400" dirty="0">
+                <a:latin typeface="+mn-lt"/>
+              </a:rPr>
+              <a:t>L</a:t>
+            </a:r>
+            <a:r>
+              <a:rPr lang="en-US" sz="2400" dirty="0" smtClean="0">
+                <a:latin typeface="+mn-lt"/>
+              </a:rPr>
+              <a:t>ikelihood of potential outlier</a:t>
+            </a:r>
+          </a:p>
+          <a:p>
+            <a:r>
+              <a:rPr lang="en-US" sz="2400" dirty="0" smtClean="0">
+                <a:latin typeface="+mn-lt"/>
+              </a:rPr>
+              <a:t>low likelihood </a:t>
+            </a:r>
+            <a:r>
+              <a:rPr lang="en-US" sz="2400" dirty="0" smtClean="0">
+                <a:latin typeface="+mn-lt"/>
+                <a:ea typeface="Wingdings"/>
+                <a:cs typeface="Wingdings"/>
+                <a:sym typeface="Wingdings"/>
+              </a:rPr>
+              <a:t></a:t>
+            </a:r>
+            <a:r>
+              <a:rPr lang="en-US" sz="2400" dirty="0" smtClean="0">
+                <a:latin typeface="+mn-lt"/>
+              </a:rPr>
+              <a:t>outlier</a:t>
+            </a:r>
+            <a:endParaRPr lang="en-US" sz="2400" dirty="0">
+              <a:latin typeface="+mn-lt"/>
+            </a:endParaRPr>
+          </a:p>
+        </p:txBody>
+      </p:sp>
+      <p:cxnSp>
+        <p:nvCxnSpPr>
+          <p:cNvPr id="27" name="Straight Arrow Connector 26"/>
+          <p:cNvCxnSpPr/>
+          <p:nvPr/>
+        </p:nvCxnSpPr>
+        <p:spPr>
+          <a:xfrm>
+            <a:off x="4112154" y="4517524"/>
+            <a:ext cx="1189300" cy="722971"/>
+          </a:xfrm>
+          <a:prstGeom prst="straightConnector1">
+            <a:avLst/>
+          </a:prstGeom>
+          <a:ln>
+            <a:tailEnd type="arrow"/>
+          </a:ln>
+        </p:spPr>
+        <p:style>
+          <a:lnRef idx="2">
+            <a:schemeClr val="accent1"/>
+          </a:lnRef>
+          <a:fillRef idx="0">
+            <a:schemeClr val="accent1"/>
+          </a:fillRef>
+          <a:effectRef idx="1">
+            <a:schemeClr val="accent1"/>
+          </a:effectRef>
+          <a:fontRef idx="minor">
+            <a:schemeClr val="tx1"/>
+          </a:fontRef>
+        </p:style>
+      </p:cxnSp>
+      <p:cxnSp>
+        <p:nvCxnSpPr>
+          <p:cNvPr id="29" name="Straight Arrow Connector 28"/>
+          <p:cNvCxnSpPr/>
+          <p:nvPr/>
+        </p:nvCxnSpPr>
+        <p:spPr>
+          <a:xfrm>
+            <a:off x="6732645" y="4618115"/>
+            <a:ext cx="0" cy="622380"/>
+          </a:xfrm>
+          <a:prstGeom prst="straightConnector1">
+            <a:avLst/>
+          </a:prstGeom>
+          <a:ln>
+            <a:tailEnd type="arrow"/>
+          </a:ln>
+        </p:spPr>
+        <p:style>
+          <a:lnRef idx="2">
+            <a:schemeClr val="accent1"/>
+          </a:lnRef>
+          <a:fillRef idx="0">
+            <a:schemeClr val="accent1"/>
+          </a:fillRef>
+          <a:effectRef idx="1">
+            <a:schemeClr val="accent1"/>
+          </a:effectRef>
+          <a:fontRef idx="minor">
+            <a:schemeClr val="tx1"/>
+          </a:fontRef>
+        </p:style>
+      </p:cxnSp>
+      <p:pic>
+        <p:nvPicPr>
+          <p:cNvPr id="2" name="Picture 1" descr="andrew_ng.jpg"/>
+          <p:cNvPicPr>
+            <a:picLocks noChangeAspect="1"/>
+          </p:cNvPicPr>
+          <p:nvPr/>
+        </p:nvPicPr>
+        <p:blipFill>
+          <a:blip r:embed="rId2" cstate="print">
+            <a:extLst>
+              <a:ext uri="{28A0092B-C50C-407E-A947-70E740481C1C}">
+                <a14:useLocalDpi xmlns:a14="http://schemas.microsoft.com/office/drawing/2010/main" val="0"/>
+              </a:ext>
+            </a:extLst>
+          </a:blip>
+          <a:stretch>
+            <a:fillRect/>
+          </a:stretch>
+        </p:blipFill>
+        <p:spPr>
+          <a:xfrm>
+            <a:off x="5601729" y="1417638"/>
+            <a:ext cx="2261832" cy="1704414"/>
+          </a:xfrm>
+          <a:prstGeom prst="rect">
+            <a:avLst/>
+          </a:prstGeom>
+        </p:spPr>
+      </p:pic>
     </p:spTree>
     <p:extLst>
       <p:ext uri="{BB962C8B-B14F-4D97-AF65-F5344CB8AC3E}">
-        <p14:creationId xmlns:p14="http://schemas.microsoft.com/office/powerpoint/2010/main" val="4030511459"/>
+        <p14:creationId xmlns:p14="http://schemas.microsoft.com/office/powerpoint/2010/main" val="949920631"/>
       </p:ext>
     </p:extLst>
   </p:cSld>
   <p:clrMapOvr>
     <a:masterClrMapping/>
   </p:clrMapOvr>
+  <mc:AlternateContent xmlns:mc="http://schemas.openxmlformats.org/markup-compatibility/2006">
+    <mc:Choice xmlns:p14="http://schemas.microsoft.com/office/powerpoint/2010/main" Requires="p14">
+      <p:transition spd="slow" p14:dur="2000"/>
+    </mc:Choice>
+    <mc:Fallback>
+      <p:transition xmlns:p14="http://schemas.microsoft.com/office/powerpoint/2010/main" spd="slow"/>
+    </mc:Fallback>
+  </mc:AlternateContent>
+  <p:timing>
+    <p:tnLst>
+      <p:par>
+        <p:cTn xmlns:p14="http://schemas.microsoft.com/office/powerpoint/2010/main" id="1" dur="indefinite" restart="never" nodeType="tmRoot"/>
+      </p:par>
+    </p:tnLst>
+  </p:timing>
 </p:sld>
 </file>
 
@@ -13871,10 +14771,9 @@
               <a:defRPr/>
             </a:pPr>
             <a:r>
-              <a:rPr lang="en-US" dirty="0" smtClean="0"/>
-              <a:t>Learning Bayesian Networks for Complex Relational Data</a:t>
-            </a:r>
-            <a:endParaRPr lang="en-US" dirty="0"/>
+              <a:rPr lang="en-US"/>
+              <a:t>Presentation Title At Venue</a:t>
+            </a:r>
           </a:p>
         </p:txBody>
       </p:sp>
@@ -13980,6 +14879,34 @@
       </p:sp>
       <p:sp>
         <p:nvSpPr>
+          <p:cNvPr id="4" name="Slide Number Placeholder 3"/>
+          <p:cNvSpPr>
+            <a:spLocks noGrp="1"/>
+          </p:cNvSpPr>
+          <p:nvPr>
+            <p:ph type="sldNum" sz="quarter" idx="12"/>
+          </p:nvPr>
+        </p:nvSpPr>
+        <p:spPr/>
+        <p:txBody>
+          <a:bodyPr/>
+          <a:lstStyle/>
+          <a:p>
+            <a:fld id="{B6F15528-21DE-4FAA-801E-634DDDAF4B2B}" type="slidenum">
+              <a:rPr lang="en-US" smtClean="0"/>
+              <a:pPr/>
+              <a:t>24</a:t>
+            </a:fld>
+            <a:r>
+              <a:rPr lang="en-US" smtClean="0"/>
+              <a:t>/19</a:t>
+            </a:r>
+            <a:endParaRPr lang="en-US" dirty="0"/>
+          </a:p>
+        </p:txBody>
+      </p:sp>
+      <p:sp>
+        <p:nvSpPr>
           <p:cNvPr id="5" name="Footer Placeholder 4"/>
           <p:cNvSpPr>
             <a:spLocks noGrp="1"/>
@@ -13990,7 +14917,7 @@
         </p:nvSpPr>
         <p:spPr>
           <a:xfrm>
-            <a:off x="152400" y="5768975"/>
+            <a:off x="152400" y="6356350"/>
             <a:ext cx="7924800" cy="501649"/>
           </a:xfrm>
         </p:spPr>
@@ -15240,6 +16167,81 @@
           </a:p>
         </p:txBody>
       </p:sp>
+      <p:sp>
+        <p:nvSpPr>
+          <p:cNvPr id="3" name="Content Placeholder 2"/>
+          <p:cNvSpPr>
+            <a:spLocks noGrp="1"/>
+          </p:cNvSpPr>
+          <p:nvPr>
+            <p:ph idx="1"/>
+          </p:nvPr>
+        </p:nvSpPr>
+        <p:spPr>
+          <a:xfrm>
+            <a:off x="457200" y="1646237"/>
+            <a:ext cx="8229600" cy="4525963"/>
+          </a:xfrm>
+        </p:spPr>
+        <p:txBody>
+          <a:bodyPr/>
+          <a:lstStyle/>
+          <a:p>
+            <a:r>
+              <a:rPr lang="en-US" sz="2800" dirty="0" smtClean="0"/>
+              <a:t>Use precision as evaluation metric</a:t>
+            </a:r>
+          </a:p>
+          <a:p>
+            <a:pPr lvl="1"/>
+            <a:r>
+              <a:rPr lang="en-US" dirty="0" smtClean="0"/>
+              <a:t>Set the percentages of outliers to be 1% and 5%</a:t>
+            </a:r>
+          </a:p>
+          <a:p>
+            <a:pPr lvl="1"/>
+            <a:r>
+              <a:rPr lang="en-US" dirty="0" smtClean="0"/>
+              <a:t>How many outliers were correctly recognized</a:t>
+            </a:r>
+          </a:p>
+          <a:p>
+            <a:pPr marL="457200" lvl="1" indent="0">
+              <a:buNone/>
+            </a:pPr>
+            <a:endParaRPr lang="en-US" dirty="0" smtClean="0"/>
+          </a:p>
+        </p:txBody>
+      </p:sp>
+      <p:sp>
+        <p:nvSpPr>
+          <p:cNvPr id="4" name="Slide Number Placeholder 3"/>
+          <p:cNvSpPr>
+            <a:spLocks noGrp="1"/>
+          </p:cNvSpPr>
+          <p:nvPr>
+            <p:ph type="sldNum" sz="quarter" idx="12"/>
+          </p:nvPr>
+        </p:nvSpPr>
+        <p:spPr/>
+        <p:txBody>
+          <a:bodyPr/>
+          <a:lstStyle/>
+          <a:p>
+            <a:fld id="{B6F15528-21DE-4FAA-801E-634DDDAF4B2B}" type="slidenum">
+              <a:rPr lang="en-US" smtClean="0"/>
+              <a:pPr/>
+              <a:t>26</a:t>
+            </a:fld>
+            <a:r>
+              <a:rPr lang="en-US" smtClean="0"/>
+              <a:t>/19</a:t>
+            </a:r>
+            <a:endParaRPr lang="en-US" dirty="0"/>
+          </a:p>
+        </p:txBody>
+      </p:sp>
       <p:pic>
         <p:nvPicPr>
           <p:cNvPr id="46082" name="Picture 2"/>
@@ -15257,8 +16259,8 @@
         </p:blipFill>
         <p:spPr bwMode="auto">
           <a:xfrm>
-            <a:off x="-1" y="1759074"/>
-            <a:ext cx="9197721" cy="3250702"/>
+            <a:off x="164351" y="3429000"/>
+            <a:ext cx="8624184" cy="3048000"/>
           </a:xfrm>
           <a:prstGeom prst="rect">
             <a:avLst/>
@@ -15339,6 +16341,34 @@
       </p:sp>
       <p:sp>
         <p:nvSpPr>
+          <p:cNvPr id="4" name="Slide Number Placeholder 3"/>
+          <p:cNvSpPr>
+            <a:spLocks noGrp="1"/>
+          </p:cNvSpPr>
+          <p:nvPr>
+            <p:ph type="sldNum" sz="quarter" idx="12"/>
+          </p:nvPr>
+        </p:nvSpPr>
+        <p:spPr/>
+        <p:txBody>
+          <a:bodyPr/>
+          <a:lstStyle/>
+          <a:p>
+            <a:fld id="{B6F15528-21DE-4FAA-801E-634DDDAF4B2B}" type="slidenum">
+              <a:rPr lang="en-US" smtClean="0"/>
+              <a:pPr/>
+              <a:t>27</a:t>
+            </a:fld>
+            <a:r>
+              <a:rPr lang="en-US" smtClean="0"/>
+              <a:t>/19</a:t>
+            </a:r>
+            <a:endParaRPr lang="en-US" dirty="0"/>
+          </a:p>
+        </p:txBody>
+      </p:sp>
+      <p:sp>
+        <p:nvSpPr>
           <p:cNvPr id="7" name="TextBox 6"/>
           <p:cNvSpPr txBox="1"/>
           <p:nvPr/>
@@ -15369,7 +16399,7 @@
       </p:sp>
       <p:pic>
         <p:nvPicPr>
-          <p:cNvPr id="6" name="Picture 5"/>
+          <p:cNvPr id="6" name="Picture 5" descr="HighCor.pdf"/>
           <p:cNvPicPr>
             <a:picLocks noChangeAspect="1"/>
           </p:cNvPicPr>
@@ -15389,8 +16419,8 @@
         </p:blipFill>
         <p:spPr>
           <a:xfrm>
-            <a:off x="0" y="1905000"/>
-            <a:ext cx="4876799" cy="4876799"/>
+            <a:off x="-152400" y="1905000"/>
+            <a:ext cx="5029200" cy="5029200"/>
           </a:xfrm>
           <a:prstGeom prst="rect">
             <a:avLst/>
@@ -15399,7 +16429,7 @@
       </p:pic>
       <p:pic>
         <p:nvPicPr>
-          <p:cNvPr id="8" name="Picture 7"/>
+          <p:cNvPr id="8" name="Picture 7" descr="lowCor.pdf"/>
           <p:cNvPicPr>
             <a:picLocks noChangeAspect="1"/>
           </p:cNvPicPr>
@@ -16079,6 +17109,34 @@
           </a:graphicData>
         </a:graphic>
       </p:graphicFrame>
+      <p:sp>
+        <p:nvSpPr>
+          <p:cNvPr id="4" name="Slide Number Placeholder 3"/>
+          <p:cNvSpPr>
+            <a:spLocks noGrp="1"/>
+          </p:cNvSpPr>
+          <p:nvPr>
+            <p:ph type="sldNum" sz="quarter" idx="12"/>
+          </p:nvPr>
+        </p:nvSpPr>
+        <p:spPr/>
+        <p:txBody>
+          <a:bodyPr/>
+          <a:lstStyle/>
+          <a:p>
+            <a:fld id="{B6F15528-21DE-4FAA-801E-634DDDAF4B2B}" type="slidenum">
+              <a:rPr lang="en-US" smtClean="0"/>
+              <a:pPr/>
+              <a:t>28</a:t>
+            </a:fld>
+            <a:r>
+              <a:rPr lang="en-US" smtClean="0"/>
+              <a:t>/19</a:t>
+            </a:r>
+            <a:endParaRPr lang="en-US" dirty="0"/>
+          </a:p>
+        </p:txBody>
+      </p:sp>
       <p:graphicFrame>
         <p:nvGraphicFramePr>
           <p:cNvPr id="6" name="Content Placeholder 4"/>
@@ -16736,9 +17794,14 @@
           <a:lstStyle/>
           <a:p>
             <a:r>
-              <a:rPr lang="en-US"/>
-              <a:t>Conclusion</a:t>
-            </a:r>
+              <a:rPr lang="en-US" dirty="0" smtClean="0"/>
+              <a:t>Mutual </a:t>
+            </a:r>
+            <a:r>
+              <a:rPr lang="en-US" smtClean="0"/>
+              <a:t>Information Example</a:t>
+            </a:r>
+            <a:endParaRPr lang="en-US" dirty="0"/>
           </a:p>
         </p:txBody>
       </p:sp>
@@ -16758,55 +17821,98 @@
           <a:lstStyle/>
           <a:p>
             <a:r>
-              <a:rPr lang="en-US"/>
-              <a:t>Relational outlier detection: two approaches for leveraging BN structure learning</a:t>
-            </a:r>
-          </a:p>
-          <a:p>
-            <a:r>
-              <a:rPr lang="en-US"/>
-              <a:t>Propositionalization</a:t>
+              <a:rPr lang="en-US" sz="2800" dirty="0" smtClean="0"/>
+              <a:t>For </a:t>
+            </a:r>
+            <a:r>
+              <a:rPr lang="en-US" sz="2800" dirty="0" err="1" smtClean="0"/>
+              <a:t>Edin</a:t>
+            </a:r>
+            <a:r>
+              <a:rPr lang="en-US" sz="2800" dirty="0" smtClean="0"/>
+              <a:t> </a:t>
+            </a:r>
+            <a:r>
+              <a:rPr lang="en-US" sz="2800" dirty="0" err="1" smtClean="0"/>
+              <a:t>Dzeko</a:t>
+            </a:r>
+            <a:r>
+              <a:rPr lang="en-US" sz="2800" dirty="0" smtClean="0"/>
+              <a:t/>
+            </a:r>
+            <a:br>
+              <a:rPr lang="en-US" sz="2800" dirty="0" smtClean="0"/>
+            </a:br>
+            <a:r>
+              <a:rPr lang="en-US" sz="2800" dirty="0" err="1" smtClean="0"/>
+              <a:t>Shotefficiency</a:t>
+            </a:r>
+            <a:r>
+              <a:rPr lang="en-US" sz="2800" dirty="0" smtClean="0"/>
+              <a:t> = high, </a:t>
+            </a:r>
+            <a:r>
+              <a:rPr lang="en-US" sz="2800" dirty="0" err="1" smtClean="0"/>
+              <a:t>TackleEfficiency</a:t>
+            </a:r>
+            <a:r>
+              <a:rPr lang="en-US" sz="2800" dirty="0" smtClean="0"/>
+              <a:t> = medium </a:t>
+            </a:r>
+            <a:r>
+              <a:rPr lang="en-US" sz="2800" dirty="0" smtClean="0">
+                <a:latin typeface="Wingdings"/>
+                <a:ea typeface="Wingdings"/>
+                <a:cs typeface="Wingdings"/>
+                <a:sym typeface="Wingdings"/>
+              </a:rPr>
+              <a:t></a:t>
+            </a:r>
+            <a:r>
+              <a:rPr lang="en-US" sz="2800" dirty="0" err="1" smtClean="0"/>
+              <a:t>DribbleEffiency</a:t>
+            </a:r>
+            <a:r>
+              <a:rPr lang="en-US" sz="2800" dirty="0" smtClean="0"/>
+              <a:t> = low</a:t>
             </a:r>
           </a:p>
           <a:p>
             <a:pPr lvl="1"/>
             <a:r>
-              <a:rPr lang="en-US"/>
-              <a:t>BN structure defines features for single-table outlier detection</a:t>
-            </a:r>
-          </a:p>
-          <a:p>
-            <a:r>
-              <a:rPr lang="en-US"/>
-              <a:t>Relational Outlierness metric</a:t>
+              <a:rPr lang="en-US" dirty="0" smtClean="0"/>
+              <a:t>confidence = 50%</a:t>
             </a:r>
           </a:p>
           <a:p>
             <a:pPr lvl="1"/>
             <a:r>
-              <a:rPr lang="en-US"/>
-              <a:t>Use divergence between database distribution for target individual and random individual</a:t>
+              <a:rPr lang="en-US" dirty="0" smtClean="0"/>
+              <a:t>lift = ln(50%/16%)=1.13</a:t>
+            </a:r>
+          </a:p>
+          <a:p>
+            <a:r>
+              <a:rPr lang="en-US" sz="2800" dirty="0" smtClean="0"/>
+              <a:t>For random striker</a:t>
             </a:r>
           </a:p>
           <a:p>
             <a:pPr lvl="1"/>
             <a:r>
-              <a:rPr lang="en-US"/>
-              <a:t>Novel variant of Kullback-Leibler divergence works well:</a:t>
-            </a:r>
-          </a:p>
-          <a:p>
-            <a:pPr lvl="2"/>
-            <a:r>
-              <a:rPr lang="en-US"/>
-              <a:t>interpretable </a:t>
-            </a:r>
-          </a:p>
-          <a:p>
-            <a:pPr lvl="2"/>
-            <a:r>
-              <a:rPr lang="en-US"/>
-              <a:t>accurate </a:t>
+              <a:rPr lang="en-US" dirty="0"/>
+              <a:t>c</a:t>
+            </a:r>
+            <a:r>
+              <a:rPr lang="en-US" dirty="0" smtClean="0"/>
+              <a:t>onfidence = 38%</a:t>
+            </a:r>
+          </a:p>
+          <a:p>
+            <a:pPr lvl="1"/>
+            <a:r>
+              <a:rPr lang="en-US" dirty="0"/>
+              <a:t>lift = ln(38%/50%) =-0.27 </a:t>
             </a:r>
           </a:p>
         </p:txBody>
@@ -16830,17 +17936,17 @@
               <a:defRPr/>
             </a:pPr>
             <a:r>
-              <a:rPr lang="en-US" dirty="0" smtClean="0"/>
-              <a:t>Learning Bayesian Networks for Complex Relational Data</a:t>
-            </a:r>
-            <a:endParaRPr lang="en-US" dirty="0"/>
+              <a:rPr lang="en-US" smtClean="0"/>
+              <a:t>Presentation Title At Venue</a:t>
+            </a:r>
+            <a:endParaRPr lang="en-US"/>
           </a:p>
         </p:txBody>
       </p:sp>
     </p:spTree>
     <p:extLst>
       <p:ext uri="{BB962C8B-B14F-4D97-AF65-F5344CB8AC3E}">
-        <p14:creationId xmlns:p14="http://schemas.microsoft.com/office/powerpoint/2010/main" val="61140085"/>
+        <p14:creationId xmlns:p14="http://schemas.microsoft.com/office/powerpoint/2010/main" val="2841139290"/>
       </p:ext>
     </p:extLst>
   </p:cSld>
@@ -18934,6 +20040,152 @@
           <a:lstStyle/>
           <a:p>
             <a:r>
+              <a:rPr lang="en-US"/>
+              <a:t>Conclusion</a:t>
+            </a:r>
+          </a:p>
+        </p:txBody>
+      </p:sp>
+      <p:sp>
+        <p:nvSpPr>
+          <p:cNvPr id="3" name="Content Placeholder 2"/>
+          <p:cNvSpPr>
+            <a:spLocks noGrp="1"/>
+          </p:cNvSpPr>
+          <p:nvPr>
+            <p:ph sz="quarter" idx="1"/>
+          </p:nvPr>
+        </p:nvSpPr>
+        <p:spPr/>
+        <p:txBody>
+          <a:bodyPr/>
+          <a:lstStyle/>
+          <a:p>
+            <a:r>
+              <a:rPr lang="en-US"/>
+              <a:t>Relational outlier detection: two approaches for leveraging BN structure learning</a:t>
+            </a:r>
+          </a:p>
+          <a:p>
+            <a:r>
+              <a:rPr lang="en-US"/>
+              <a:t>Propositionalization</a:t>
+            </a:r>
+          </a:p>
+          <a:p>
+            <a:pPr lvl="1"/>
+            <a:r>
+              <a:rPr lang="en-US"/>
+              <a:t>BN structure defines features for single-table outlier detection</a:t>
+            </a:r>
+          </a:p>
+          <a:p>
+            <a:r>
+              <a:rPr lang="en-US"/>
+              <a:t>Relational Outlierness metric</a:t>
+            </a:r>
+          </a:p>
+          <a:p>
+            <a:pPr lvl="1"/>
+            <a:r>
+              <a:rPr lang="en-US"/>
+              <a:t>Use divergence between database distribution for target individual and random individual</a:t>
+            </a:r>
+          </a:p>
+          <a:p>
+            <a:pPr lvl="1"/>
+            <a:r>
+              <a:rPr lang="en-US"/>
+              <a:t>Novel variant of Kullback-Leibler divergence works well:</a:t>
+            </a:r>
+          </a:p>
+          <a:p>
+            <a:pPr lvl="2"/>
+            <a:r>
+              <a:rPr lang="en-US"/>
+              <a:t>interpretable </a:t>
+            </a:r>
+          </a:p>
+          <a:p>
+            <a:pPr lvl="2"/>
+            <a:r>
+              <a:rPr lang="en-US"/>
+              <a:t>accurate </a:t>
+            </a:r>
+          </a:p>
+        </p:txBody>
+      </p:sp>
+      <p:sp>
+        <p:nvSpPr>
+          <p:cNvPr id="4" name="Footer Placeholder 3"/>
+          <p:cNvSpPr>
+            <a:spLocks noGrp="1"/>
+          </p:cNvSpPr>
+          <p:nvPr>
+            <p:ph type="ftr" sz="quarter" idx="11"/>
+          </p:nvPr>
+        </p:nvSpPr>
+        <p:spPr/>
+        <p:txBody>
+          <a:bodyPr/>
+          <a:lstStyle/>
+          <a:p>
+            <a:pPr>
+              <a:defRPr/>
+            </a:pPr>
+            <a:r>
+              <a:rPr lang="en-US"/>
+              <a:t>Presentation Title At Venue</a:t>
+            </a:r>
+          </a:p>
+        </p:txBody>
+      </p:sp>
+    </p:spTree>
+    <p:extLst>
+      <p:ext uri="{BB962C8B-B14F-4D97-AF65-F5344CB8AC3E}">
+        <p14:creationId xmlns:p14="http://schemas.microsoft.com/office/powerpoint/2010/main" val="61140085"/>
+      </p:ext>
+    </p:extLst>
+  </p:cSld>
+  <p:clrMapOvr>
+    <a:masterClrMapping/>
+  </p:clrMapOvr>
+</p:sld>
+</file>
+
+<file path=ppt/slides/slide31.xml><?xml version="1.0" encoding="utf-8"?>
+<p:sld xmlns:a="http://schemas.openxmlformats.org/drawingml/2006/main" xmlns:r="http://schemas.openxmlformats.org/officeDocument/2006/relationships" xmlns:p="http://schemas.openxmlformats.org/presentationml/2006/main">
+  <p:cSld>
+    <p:spTree>
+      <p:nvGrpSpPr>
+        <p:cNvPr id="1" name=""/>
+        <p:cNvGrpSpPr/>
+        <p:nvPr/>
+      </p:nvGrpSpPr>
+      <p:grpSpPr>
+        <a:xfrm>
+          <a:off x="0" y="0"/>
+          <a:ext cx="0" cy="0"/>
+          <a:chOff x="0" y="0"/>
+          <a:chExt cx="0" cy="0"/>
+        </a:xfrm>
+      </p:grpSpPr>
+      <p:sp>
+        <p:nvSpPr>
+          <p:cNvPr id="2" name="Title 1"/>
+          <p:cNvSpPr>
+            <a:spLocks noGrp="1"/>
+          </p:cNvSpPr>
+          <p:nvPr>
+            <p:ph type="title"/>
+          </p:nvPr>
+        </p:nvSpPr>
+        <p:spPr/>
+        <p:txBody>
+          <a:bodyPr/>
+          <a:lstStyle/>
+          <a:p>
+            <a:r>
               <a:rPr lang="en-US" dirty="0" smtClean="0"/>
               <a:t>Tutorial Conclusion: First-Order Bayesian Networks</a:t>
             </a:r>
@@ -19032,7 +20284,7 @@
 </p:sld>
 </file>
 
-<file path=ppt/slides/slide31.xml><?xml version="1.0" encoding="utf-8"?>
+<file path=ppt/slides/slide32.xml><?xml version="1.0" encoding="utf-8"?>
 <p:sld xmlns:a="http://schemas.openxmlformats.org/drawingml/2006/main" xmlns:r="http://schemas.openxmlformats.org/officeDocument/2006/relationships" xmlns:p="http://schemas.openxmlformats.org/presentationml/2006/main">
   <p:cSld>
     <p:spTree>
@@ -20387,10 +21639,10 @@
               <a:defRPr/>
             </a:pPr>
             <a:r>
-              <a:rPr lang="en-US" dirty="0" smtClean="0"/>
-              <a:t>Learning Bayesian Networks for Complex Relational Data</a:t>
-            </a:r>
-            <a:endParaRPr lang="en-US" dirty="0"/>
+              <a:rPr lang="en-US" smtClean="0"/>
+              <a:t>Presentation Title At Venue</a:t>
+            </a:r>
+            <a:endParaRPr lang="en-US"/>
           </a:p>
         </p:txBody>
       </p:sp>
@@ -20485,8 +21737,8 @@
         </p:nvSpPr>
         <p:spPr>
           <a:xfrm>
-            <a:off x="295586" y="5734430"/>
-            <a:ext cx="8370296" cy="715677"/>
+            <a:off x="295586" y="5913722"/>
+            <a:ext cx="7882285" cy="715677"/>
           </a:xfrm>
         </p:spPr>
         <p:txBody>
@@ -20505,11 +21757,14 @@
               <a:rPr lang="en-US" dirty="0"/>
               <a:t> and Schulte (2015). IEEE SSCI. </a:t>
             </a:r>
-            <a:r>
-              <a:rPr lang="en-US" i="1" dirty="0" smtClean="0"/>
-              <a:t>.</a:t>
-            </a:r>
-            <a:endParaRPr lang="en-US" i="1" dirty="0"/>
+            <a:br>
+              <a:rPr lang="en-US" dirty="0"/>
+            </a:br>
+            <a:r>
+              <a:rPr lang="en-US" dirty="0" smtClean="0"/>
+              <a:t>Cite oddball system.</a:t>
+            </a:r>
+            <a:endParaRPr lang="en-US" dirty="0"/>
           </a:p>
         </p:txBody>
       </p:sp>
@@ -20620,7 +21875,7 @@
         </p:nvSpPr>
         <p:spPr>
           <a:xfrm>
-            <a:off x="295586" y="4661923"/>
+            <a:off x="295586" y="4900979"/>
             <a:ext cx="7685590" cy="1200328"/>
           </a:xfrm>
           <a:prstGeom prst="rect">
@@ -21100,10 +22355,10 @@
               <a:defRPr/>
             </a:pPr>
             <a:r>
-              <a:rPr lang="en-US" dirty="0" smtClean="0"/>
-              <a:t>Learning Bayesian Networks for Complex Relational Data</a:t>
-            </a:r>
-            <a:endParaRPr lang="en-US" dirty="0"/>
+              <a:rPr lang="en-US" smtClean="0"/>
+              <a:t>Presentation Title At Venue</a:t>
+            </a:r>
+            <a:endParaRPr lang="en-US"/>
           </a:p>
         </p:txBody>
       </p:sp>
@@ -21386,10 +22641,10 @@
               <a:defRPr/>
             </a:pPr>
             <a:r>
-              <a:rPr lang="en-US" dirty="0" smtClean="0"/>
-              <a:t>Learning Bayesian Networks for Complex Relational Data</a:t>
-            </a:r>
-            <a:endParaRPr lang="en-US" dirty="0"/>
+              <a:rPr lang="en-US" smtClean="0"/>
+              <a:t>Presentation Title At Venue</a:t>
+            </a:r>
+            <a:endParaRPr lang="en-US"/>
           </a:p>
         </p:txBody>
       </p:sp>

--- a/ch6-anomaly.pptx
+++ b/ch6-anomaly.pptx
@@ -23,23 +23,23 @@
     <p:sldId id="305" r:id="rId11"/>
     <p:sldId id="281" r:id="rId12"/>
     <p:sldId id="287" r:id="rId13"/>
-    <p:sldId id="282" r:id="rId14"/>
-    <p:sldId id="284" r:id="rId15"/>
-    <p:sldId id="290" r:id="rId16"/>
-    <p:sldId id="289" r:id="rId17"/>
-    <p:sldId id="307" r:id="rId18"/>
-    <p:sldId id="309" r:id="rId19"/>
-    <p:sldId id="308" r:id="rId20"/>
-    <p:sldId id="321" r:id="rId21"/>
-    <p:sldId id="288" r:id="rId22"/>
-    <p:sldId id="257" r:id="rId23"/>
-    <p:sldId id="322" r:id="rId24"/>
-    <p:sldId id="262" r:id="rId25"/>
-    <p:sldId id="261" r:id="rId26"/>
-    <p:sldId id="267" r:id="rId27"/>
-    <p:sldId id="268" r:id="rId28"/>
-    <p:sldId id="269" r:id="rId29"/>
-    <p:sldId id="273" r:id="rId30"/>
+    <p:sldId id="328" r:id="rId14"/>
+    <p:sldId id="282" r:id="rId15"/>
+    <p:sldId id="284" r:id="rId16"/>
+    <p:sldId id="290" r:id="rId17"/>
+    <p:sldId id="289" r:id="rId18"/>
+    <p:sldId id="307" r:id="rId19"/>
+    <p:sldId id="309" r:id="rId20"/>
+    <p:sldId id="308" r:id="rId21"/>
+    <p:sldId id="321" r:id="rId22"/>
+    <p:sldId id="326" r:id="rId23"/>
+    <p:sldId id="327" r:id="rId24"/>
+    <p:sldId id="322" r:id="rId25"/>
+    <p:sldId id="262" r:id="rId26"/>
+    <p:sldId id="261" r:id="rId27"/>
+    <p:sldId id="267" r:id="rId28"/>
+    <p:sldId id="268" r:id="rId29"/>
+    <p:sldId id="269" r:id="rId30"/>
     <p:sldId id="323" r:id="rId31"/>
     <p:sldId id="324" r:id="rId32"/>
     <p:sldId id="325" r:id="rId33"/>
@@ -196,6 +196,7 @@
           <p14:sldIdLst>
             <p14:sldId id="281"/>
             <p14:sldId id="287"/>
+            <p14:sldId id="328"/>
             <p14:sldId id="282"/>
             <p14:sldId id="284"/>
             <p14:sldId id="290"/>
@@ -204,15 +205,11 @@
             <p14:sldId id="309"/>
             <p14:sldId id="308"/>
             <p14:sldId id="321"/>
+            <p14:sldId id="326"/>
+            <p14:sldId id="327"/>
           </p14:sldIdLst>
         </p14:section>
         <p14:section name="Empirical Evaluation" id="{FDD031BB-72FE-EB42-BFC9-07C122E7D940}">
-          <p14:sldIdLst>
-            <p14:sldId id="288"/>
-            <p14:sldId id="257"/>
-          </p14:sldIdLst>
-        </p14:section>
-        <p14:section name="Model-Based Outlier Metrics" id="{4825DA23-BB66-DB48-86FB-AB84A293B7AF}">
           <p14:sldIdLst>
             <p14:sldId id="322"/>
             <p14:sldId id="262"/>
@@ -220,7 +217,6 @@
             <p14:sldId id="267"/>
             <p14:sldId id="268"/>
             <p14:sldId id="269"/>
-            <p14:sldId id="273"/>
             <p14:sldId id="323"/>
             <p14:sldId id="324"/>
             <p14:sldId id="325"/>
@@ -339,7 +335,7 @@
               <a:pPr>
                 <a:defRPr/>
               </a:pPr>
-              <a:t>16-09-15</a:t>
+              <a:t>17-01-05</a:t>
             </a:fld>
             <a:endParaRPr lang="en-US"/>
           </a:p>
@@ -555,7 +551,7 @@
               <a:pPr>
                 <a:defRPr/>
               </a:pPr>
-              <a:t>16-09-15</a:t>
+              <a:t>17-01-05</a:t>
             </a:fld>
             <a:endParaRPr lang="en-US"/>
           </a:p>
@@ -977,98 +973,7 @@
                 <a:spcPct val="0"/>
               </a:spcBef>
             </a:pPr>
-            <a:r>
-              <a:rPr lang="en-US">
-                <a:latin typeface="Calibri" charset="0"/>
-              </a:rPr>
-              <a:t>If you use </a:t>
-            </a:r>
-            <a:r>
-              <a:rPr lang="ja-JP" altLang="en-US">
-                <a:latin typeface="Calibri" charset="0"/>
-              </a:rPr>
-              <a:t>“</a:t>
-            </a:r>
-            <a:r>
-              <a:rPr lang="en-US" altLang="ja-JP">
-                <a:latin typeface="Calibri" charset="0"/>
-              </a:rPr>
-              <a:t>insert slide number</a:t>
-            </a:r>
-            <a:r>
-              <a:rPr lang="ja-JP" altLang="en-US">
-                <a:latin typeface="Calibri" charset="0"/>
-              </a:rPr>
-              <a:t>”</a:t>
-            </a:r>
-            <a:r>
-              <a:rPr lang="en-US" altLang="ja-JP">
-                <a:latin typeface="Calibri" charset="0"/>
-              </a:rPr>
-              <a:t> under </a:t>
-            </a:r>
-            <a:r>
-              <a:rPr lang="ja-JP" altLang="en-US">
-                <a:latin typeface="Calibri" charset="0"/>
-              </a:rPr>
-              <a:t>“</a:t>
-            </a:r>
-            <a:r>
-              <a:rPr lang="en-US" altLang="ja-JP">
-                <a:latin typeface="Calibri" charset="0"/>
-              </a:rPr>
-              <a:t>Footer</a:t>
-            </a:r>
-            <a:r>
-              <a:rPr lang="ja-JP" altLang="en-US">
-                <a:latin typeface="Calibri" charset="0"/>
-              </a:rPr>
-              <a:t>”</a:t>
-            </a:r>
-            <a:r>
-              <a:rPr lang="en-US" altLang="ja-JP">
-                <a:latin typeface="Calibri" charset="0"/>
-              </a:rPr>
-              <a:t>, that text box only displays the slide number, not the total number of slides. So I use a new textbox for the slide number in the master.</a:t>
-            </a:r>
-          </a:p>
-          <a:p>
-            <a:pPr eaLnBrk="1" hangingPunct="1">
-              <a:spcBef>
-                <a:spcPct val="0"/>
-              </a:spcBef>
-            </a:pPr>
-            <a:r>
-              <a:rPr lang="en-US">
-                <a:latin typeface="Calibri" charset="0"/>
-              </a:rPr>
-              <a:t>This is a version of </a:t>
-            </a:r>
-            <a:r>
-              <a:rPr lang="ja-JP" altLang="en-US">
-                <a:latin typeface="Calibri" charset="0"/>
-              </a:rPr>
-              <a:t>“</a:t>
-            </a:r>
-            <a:r>
-              <a:rPr lang="en-US" altLang="ja-JP">
-                <a:latin typeface="Calibri" charset="0"/>
-              </a:rPr>
-              <a:t>Equity</a:t>
-            </a:r>
-            <a:r>
-              <a:rPr lang="ja-JP" altLang="en-US">
-                <a:latin typeface="Calibri" charset="0"/>
-              </a:rPr>
-              <a:t>”</a:t>
-            </a:r>
-            <a:r>
-              <a:rPr lang="en-US" altLang="ja-JP">
-                <a:latin typeface="Calibri" charset="0"/>
-              </a:rPr>
-              <a:t>.</a:t>
-            </a:r>
-            <a:endParaRPr lang="en-US">
+            <a:endParaRPr lang="en-US" dirty="0">
               <a:latin typeface="Calibri" charset="0"/>
             </a:endParaRPr>
           </a:p>
@@ -1284,14 +1189,14 @@
           <a:lstStyle/>
           <a:p>
             <a:r>
-              <a:rPr lang="en-US" smtClean="0"/>
-              <a:t>STOP</a:t>
-            </a:r>
-            <a:r>
-              <a:rPr lang="en-US" baseline="0" smtClean="0"/>
-              <a:t> HERE</a:t>
-            </a:r>
-            <a:endParaRPr lang="en-US"/>
+              <a:rPr lang="en-US" dirty="0" smtClean="0"/>
+              <a:t>KLD</a:t>
+            </a:r>
+            <a:r>
+              <a:rPr lang="en-US" baseline="0" dirty="0" smtClean="0"/>
+              <a:t> = expected log-difference in probabilities</a:t>
+            </a:r>
+            <a:endParaRPr lang="en-US" dirty="0"/>
           </a:p>
         </p:txBody>
       </p:sp>
@@ -1318,7 +1223,7 @@
               <a:pPr>
                 <a:defRPr/>
               </a:pPr>
-              <a:t>21</a:t>
+              <a:t>17</a:t>
             </a:fld>
             <a:endParaRPr lang="en-US"/>
           </a:p>
@@ -1327,7 +1232,7 @@
     </p:spTree>
     <p:extLst>
       <p:ext uri="{BB962C8B-B14F-4D97-AF65-F5344CB8AC3E}">
-        <p14:creationId xmlns:p14="http://schemas.microsoft.com/office/powerpoint/2010/main" val="487944112"/>
+        <p14:creationId xmlns:p14="http://schemas.microsoft.com/office/powerpoint/2010/main" val="4089948416"/>
       </p:ext>
     </p:extLst>
   </p:cSld>
@@ -1383,15 +1288,27 @@
           <a:p>
             <a:r>
               <a:rPr lang="en-US" dirty="0" smtClean="0"/>
-              <a:t>cite </a:t>
+              <a:t>so </a:t>
             </a:r>
             <a:r>
               <a:rPr lang="en-US" dirty="0" err="1" smtClean="0"/>
-              <a:t>Jiawei</a:t>
+              <a:t>Edin</a:t>
             </a:r>
             <a:r>
               <a:rPr lang="en-US" dirty="0" smtClean="0"/>
-              <a:t> Han</a:t>
+              <a:t> </a:t>
+            </a:r>
+            <a:r>
+              <a:rPr lang="en-US" dirty="0" err="1" smtClean="0"/>
+              <a:t>Dzeko</a:t>
+            </a:r>
+            <a:r>
+              <a:rPr lang="en-US" dirty="0" smtClean="0"/>
+              <a:t> has</a:t>
+            </a:r>
+            <a:r>
+              <a:rPr lang="en-US" baseline="0" dirty="0" smtClean="0"/>
+              <a:t> a stronger association</a:t>
             </a:r>
             <a:endParaRPr lang="en-US" dirty="0"/>
           </a:p>
@@ -1412,23 +1329,24 @@
           <a:bodyPr/>
           <a:lstStyle/>
           <a:p>
-            <a:fld id="{31CEF2A7-706F-47EC-B2B0-90C3D4759446}" type="slidenum">
+            <a:pPr>
+              <a:defRPr/>
+            </a:pPr>
+            <a:fld id="{57BE7C63-45E8-3348-B2F7-0B0BBCE77ABE}" type="slidenum">
               <a:rPr lang="en-US" smtClean="0"/>
-              <a:pPr/>
-              <a:t>24</a:t>
+              <a:pPr>
+                <a:defRPr/>
+              </a:pPr>
+              <a:t>22</a:t>
             </a:fld>
-            <a:r>
-              <a:rPr lang="en-US" smtClean="0"/>
-              <a:t>/20</a:t>
-            </a:r>
-            <a:endParaRPr lang="en-US" dirty="0"/>
+            <a:endParaRPr lang="en-US"/>
           </a:p>
         </p:txBody>
       </p:sp>
     </p:spTree>
     <p:extLst>
       <p:ext uri="{BB962C8B-B14F-4D97-AF65-F5344CB8AC3E}">
-        <p14:creationId xmlns:p14="http://schemas.microsoft.com/office/powerpoint/2010/main" val="1472732775"/>
+        <p14:creationId xmlns:p14="http://schemas.microsoft.com/office/powerpoint/2010/main" val="976277791"/>
       </p:ext>
     </p:extLst>
   </p:cSld>
@@ -1484,193 +1402,28 @@
           <a:p>
             <a:r>
               <a:rPr lang="en-US" dirty="0" smtClean="0"/>
-              <a:t>we also know the ground truth about the Bayesian network</a:t>
-            </a:r>
-          </a:p>
-          <a:p>
-            <a:endParaRPr lang="en-US" dirty="0" smtClean="0"/>
-          </a:p>
-          <a:p>
-            <a:r>
-              <a:rPr lang="en-CA" sz="1200" b="0" i="0" u="none" strike="noStrike" kern="1200" baseline="0" dirty="0" smtClean="0">
-                <a:solidFill>
-                  <a:schemeClr val="tx1"/>
-                </a:solidFill>
-                <a:latin typeface="+mn-lt"/>
-                <a:ea typeface="+mn-ea"/>
-                <a:cs typeface="+mn-cs"/>
-              </a:rPr>
-              <a:t>We generated three synthetic datasets for a soccer domain with normal and outlier players using the distributions represented in the three Bayesian networks</a:t>
-            </a:r>
-          </a:p>
-          <a:p>
-            <a:r>
-              <a:rPr lang="en-CA" sz="1200" b="0" i="0" u="none" strike="noStrike" kern="1200" baseline="0" dirty="0" smtClean="0">
-                <a:solidFill>
-                  <a:schemeClr val="tx1"/>
-                </a:solidFill>
-                <a:latin typeface="+mn-lt"/>
-                <a:ea typeface="+mn-ea"/>
-                <a:cs typeface="+mn-cs"/>
-              </a:rPr>
-              <a:t>of Figure 2. Each player participates in 38 matches. Each match assigns a value to each attribute Fi; </a:t>
-            </a:r>
-            <a:r>
-              <a:rPr lang="en-CA" sz="1200" b="0" i="0" u="none" strike="noStrike" kern="1200" baseline="0" dirty="0" err="1" smtClean="0">
-                <a:solidFill>
-                  <a:schemeClr val="tx1"/>
-                </a:solidFill>
-                <a:latin typeface="+mn-lt"/>
-                <a:ea typeface="+mn-ea"/>
-                <a:cs typeface="+mn-cs"/>
-              </a:rPr>
-              <a:t>i</a:t>
-            </a:r>
-            <a:r>
-              <a:rPr lang="en-CA" sz="1200" b="0" i="0" u="none" strike="noStrike" kern="1200" baseline="0" dirty="0" smtClean="0">
-                <a:solidFill>
-                  <a:schemeClr val="tx1"/>
-                </a:solidFill>
-                <a:latin typeface="+mn-lt"/>
-                <a:ea typeface="+mn-ea"/>
-                <a:cs typeface="+mn-cs"/>
-              </a:rPr>
-              <a:t> = 1; 2 for each player.</a:t>
-            </a:r>
-          </a:p>
-          <a:p>
-            <a:r>
-              <a:rPr lang="en-CA" sz="1200" b="0" i="0" u="none" strike="noStrike" kern="1200" baseline="0" dirty="0" smtClean="0">
-                <a:solidFill>
-                  <a:schemeClr val="tx1"/>
-                </a:solidFill>
-                <a:latin typeface="+mn-lt"/>
-                <a:ea typeface="+mn-ea"/>
-                <a:cs typeface="+mn-cs"/>
-              </a:rPr>
-              <a:t>High Correlation Normal individuals exhibit a strong association between their attributes, outliers no association. Both </a:t>
-            </a:r>
-            <a:r>
-              <a:rPr lang="en-CA" sz="1200" b="0" i="0" u="none" strike="noStrike" kern="1200" baseline="0" dirty="0" err="1" smtClean="0">
-                <a:solidFill>
-                  <a:schemeClr val="tx1"/>
-                </a:solidFill>
-                <a:latin typeface="+mn-lt"/>
-                <a:ea typeface="+mn-ea"/>
-                <a:cs typeface="+mn-cs"/>
-              </a:rPr>
-              <a:t>normals</a:t>
-            </a:r>
-            <a:r>
-              <a:rPr lang="en-CA" sz="1200" b="0" i="0" u="none" strike="noStrike" kern="1200" baseline="0" dirty="0" smtClean="0">
-                <a:solidFill>
-                  <a:schemeClr val="tx1"/>
-                </a:solidFill>
-                <a:latin typeface="+mn-lt"/>
-                <a:ea typeface="+mn-ea"/>
-                <a:cs typeface="+mn-cs"/>
-              </a:rPr>
-              <a:t> and outliers have a</a:t>
-            </a:r>
-          </a:p>
-          <a:p>
-            <a:r>
-              <a:rPr lang="en-CA" sz="1200" b="0" i="0" u="none" strike="noStrike" kern="1200" baseline="0" dirty="0" smtClean="0">
-                <a:solidFill>
-                  <a:schemeClr val="tx1"/>
-                </a:solidFill>
-                <a:latin typeface="+mn-lt"/>
-                <a:ea typeface="+mn-ea"/>
-                <a:cs typeface="+mn-cs"/>
-              </a:rPr>
-              <a:t>close to uniform distribution over single attributes. See Figure 2(a). Low Correlation Normal individuals exhibit no association between their at-</a:t>
-            </a:r>
-          </a:p>
-          <a:p>
-            <a:r>
-              <a:rPr lang="en-CA" sz="1200" b="0" i="0" u="none" strike="noStrike" kern="1200" baseline="0" dirty="0" smtClean="0">
-                <a:solidFill>
-                  <a:schemeClr val="tx1"/>
-                </a:solidFill>
-                <a:latin typeface="+mn-lt"/>
-                <a:ea typeface="+mn-ea"/>
-                <a:cs typeface="+mn-cs"/>
-              </a:rPr>
-              <a:t>tributes, outliers have a strong association. Both </a:t>
-            </a:r>
-            <a:r>
-              <a:rPr lang="en-CA" sz="1200" b="0" i="0" u="none" strike="noStrike" kern="1200" baseline="0" dirty="0" err="1" smtClean="0">
-                <a:solidFill>
-                  <a:schemeClr val="tx1"/>
-                </a:solidFill>
-                <a:latin typeface="+mn-lt"/>
-                <a:ea typeface="+mn-ea"/>
-                <a:cs typeface="+mn-cs"/>
-              </a:rPr>
-              <a:t>normals</a:t>
-            </a:r>
-            <a:r>
-              <a:rPr lang="en-CA" sz="1200" b="0" i="0" u="none" strike="noStrike" kern="1200" baseline="0" dirty="0" smtClean="0">
-                <a:solidFill>
-                  <a:schemeClr val="tx1"/>
-                </a:solidFill>
-                <a:latin typeface="+mn-lt"/>
-                <a:ea typeface="+mn-ea"/>
-                <a:cs typeface="+mn-cs"/>
-              </a:rPr>
-              <a:t> and outliers have a close to uniform distribution over single attributes. See Figure 2(b).</a:t>
-            </a:r>
-          </a:p>
-          <a:p>
-            <a:r>
-              <a:rPr lang="en-CA" sz="1200" b="0" i="0" u="none" strike="noStrike" kern="1200" baseline="0" dirty="0" smtClean="0">
-                <a:solidFill>
-                  <a:schemeClr val="tx1"/>
-                </a:solidFill>
-                <a:latin typeface="+mn-lt"/>
-                <a:ea typeface="+mn-ea"/>
-                <a:cs typeface="+mn-cs"/>
-              </a:rPr>
-              <a:t>Single attributes Both normal and outlier individuals exhibit a strong association between their attributes. In </a:t>
-            </a:r>
-            <a:r>
-              <a:rPr lang="en-CA" sz="1200" b="0" i="0" u="none" strike="noStrike" kern="1200" baseline="0" dirty="0" err="1" smtClean="0">
-                <a:solidFill>
-                  <a:schemeClr val="tx1"/>
-                </a:solidFill>
-                <a:latin typeface="+mn-lt"/>
-                <a:ea typeface="+mn-ea"/>
-                <a:cs typeface="+mn-cs"/>
-              </a:rPr>
-              <a:t>normals</a:t>
-            </a:r>
-            <a:r>
-              <a:rPr lang="en-CA" sz="1200" b="0" i="0" u="none" strike="noStrike" kern="1200" baseline="0" dirty="0" smtClean="0">
-                <a:solidFill>
-                  <a:schemeClr val="tx1"/>
-                </a:solidFill>
-                <a:latin typeface="+mn-lt"/>
-                <a:ea typeface="+mn-ea"/>
-                <a:cs typeface="+mn-cs"/>
-              </a:rPr>
-              <a:t>, 50% of the time, attribute 1</a:t>
-            </a:r>
-          </a:p>
-          <a:p>
-            <a:r>
-              <a:rPr lang="en-CA" sz="1200" b="0" i="0" u="none" strike="noStrike" kern="1200" baseline="0" dirty="0" smtClean="0">
-                <a:solidFill>
-                  <a:schemeClr val="tx1"/>
-                </a:solidFill>
-                <a:latin typeface="+mn-lt"/>
-                <a:ea typeface="+mn-ea"/>
-                <a:cs typeface="+mn-cs"/>
-              </a:rPr>
-              <a:t>has value 0. For outliers, attribute 1 has value 0 only 10% of the time. See Figure 2(c).</a:t>
-            </a:r>
-          </a:p>
-          <a:p>
-            <a:endParaRPr lang="en-US" dirty="0"/>
+              <a:t>so </a:t>
+            </a:r>
+            <a:r>
+              <a:rPr lang="en-US" dirty="0" err="1" smtClean="0"/>
+              <a:t>Edin</a:t>
+            </a:r>
+            <a:r>
+              <a:rPr lang="en-US" dirty="0" smtClean="0"/>
+              <a:t> </a:t>
+            </a:r>
+            <a:r>
+              <a:rPr lang="en-US" dirty="0" err="1" smtClean="0"/>
+              <a:t>Dzeko</a:t>
+            </a:r>
+            <a:r>
+              <a:rPr lang="en-US" dirty="0" smtClean="0"/>
+              <a:t> has</a:t>
+            </a:r>
+            <a:r>
+              <a:rPr lang="en-US" baseline="0" dirty="0" smtClean="0"/>
+              <a:t> a stronger association and in the opposite direction</a:t>
+            </a:r>
           </a:p>
         </p:txBody>
       </p:sp>
@@ -1689,23 +1442,24 @@
           <a:bodyPr/>
           <a:lstStyle/>
           <a:p>
-            <a:fld id="{31CEF2A7-706F-47EC-B2B0-90C3D4759446}" type="slidenum">
+            <a:pPr>
+              <a:defRPr/>
+            </a:pPr>
+            <a:fld id="{57BE7C63-45E8-3348-B2F7-0B0BBCE77ABE}" type="slidenum">
               <a:rPr lang="en-US" smtClean="0"/>
-              <a:pPr/>
-              <a:t>25</a:t>
+              <a:pPr>
+                <a:defRPr/>
+              </a:pPr>
+              <a:t>23</a:t>
             </a:fld>
-            <a:r>
-              <a:rPr lang="en-US" smtClean="0"/>
-              <a:t>/20</a:t>
-            </a:r>
-            <a:endParaRPr lang="en-US" dirty="0"/>
+            <a:endParaRPr lang="en-US"/>
           </a:p>
         </p:txBody>
       </p:sp>
     </p:spTree>
     <p:extLst>
       <p:ext uri="{BB962C8B-B14F-4D97-AF65-F5344CB8AC3E}">
-        <p14:creationId xmlns:p14="http://schemas.microsoft.com/office/powerpoint/2010/main" val="1231205391"/>
+        <p14:creationId xmlns:p14="http://schemas.microsoft.com/office/powerpoint/2010/main" val="976277791"/>
       </p:ext>
     </p:extLst>
   </p:cSld>
@@ -1793,7 +1547,7 @@
             <a:fld id="{31CEF2A7-706F-47EC-B2B0-90C3D4759446}" type="slidenum">
               <a:rPr lang="en-US" smtClean="0"/>
               <a:pPr/>
-              <a:t>26</a:t>
+              <a:t>25</a:t>
             </a:fld>
             <a:r>
               <a:rPr lang="en-US" smtClean="0"/>
@@ -1861,12 +1615,8 @@
           <a:lstStyle/>
           <a:p>
             <a:r>
-              <a:rPr lang="en-US" dirty="0" err="1" smtClean="0"/>
-              <a:t>eld</a:t>
-            </a:r>
-            <a:r>
               <a:rPr lang="en-US" dirty="0" smtClean="0"/>
-              <a:t> maps outliers to largest range</a:t>
+              <a:t>we also know the ground truth about the Bayesian network</a:t>
             </a:r>
           </a:p>
           <a:p>
@@ -1874,9 +1624,184 @@
           </a:p>
           <a:p>
             <a:r>
-              <a:rPr lang="en-US" dirty="0" smtClean="0"/>
-              <a:t>Eventually want to order as follows: LOG, FD, LR, |LR|, ELD</a:t>
-            </a:r>
+              <a:rPr lang="en-CA" sz="1200" b="0" i="0" u="none" strike="noStrike" kern="1200" baseline="0" dirty="0" smtClean="0">
+                <a:solidFill>
+                  <a:schemeClr val="tx1"/>
+                </a:solidFill>
+                <a:latin typeface="+mn-lt"/>
+                <a:ea typeface="+mn-ea"/>
+                <a:cs typeface="+mn-cs"/>
+              </a:rPr>
+              <a:t>We generated three synthetic datasets for a soccer domain with normal and outlier players using the distributions represented in the three Bayesian networks</a:t>
+            </a:r>
+          </a:p>
+          <a:p>
+            <a:r>
+              <a:rPr lang="en-CA" sz="1200" b="0" i="0" u="none" strike="noStrike" kern="1200" baseline="0" dirty="0" smtClean="0">
+                <a:solidFill>
+                  <a:schemeClr val="tx1"/>
+                </a:solidFill>
+                <a:latin typeface="+mn-lt"/>
+                <a:ea typeface="+mn-ea"/>
+                <a:cs typeface="+mn-cs"/>
+              </a:rPr>
+              <a:t>of Figure 2. Each player participates in 38 matches. Each match assigns a value to each attribute Fi; </a:t>
+            </a:r>
+            <a:r>
+              <a:rPr lang="en-CA" sz="1200" b="0" i="0" u="none" strike="noStrike" kern="1200" baseline="0" dirty="0" err="1" smtClean="0">
+                <a:solidFill>
+                  <a:schemeClr val="tx1"/>
+                </a:solidFill>
+                <a:latin typeface="+mn-lt"/>
+                <a:ea typeface="+mn-ea"/>
+                <a:cs typeface="+mn-cs"/>
+              </a:rPr>
+              <a:t>i</a:t>
+            </a:r>
+            <a:r>
+              <a:rPr lang="en-CA" sz="1200" b="0" i="0" u="none" strike="noStrike" kern="1200" baseline="0" dirty="0" smtClean="0">
+                <a:solidFill>
+                  <a:schemeClr val="tx1"/>
+                </a:solidFill>
+                <a:latin typeface="+mn-lt"/>
+                <a:ea typeface="+mn-ea"/>
+                <a:cs typeface="+mn-cs"/>
+              </a:rPr>
+              <a:t> = 1; 2 for each player.</a:t>
+            </a:r>
+          </a:p>
+          <a:p>
+            <a:r>
+              <a:rPr lang="en-CA" sz="1200" b="0" i="0" u="none" strike="noStrike" kern="1200" baseline="0" dirty="0" smtClean="0">
+                <a:solidFill>
+                  <a:schemeClr val="tx1"/>
+                </a:solidFill>
+                <a:latin typeface="+mn-lt"/>
+                <a:ea typeface="+mn-ea"/>
+                <a:cs typeface="+mn-cs"/>
+              </a:rPr>
+              <a:t>High Correlation Normal individuals exhibit a strong association between their attributes, outliers no association. Both </a:t>
+            </a:r>
+            <a:r>
+              <a:rPr lang="en-CA" sz="1200" b="0" i="0" u="none" strike="noStrike" kern="1200" baseline="0" dirty="0" err="1" smtClean="0">
+                <a:solidFill>
+                  <a:schemeClr val="tx1"/>
+                </a:solidFill>
+                <a:latin typeface="+mn-lt"/>
+                <a:ea typeface="+mn-ea"/>
+                <a:cs typeface="+mn-cs"/>
+              </a:rPr>
+              <a:t>normals</a:t>
+            </a:r>
+            <a:r>
+              <a:rPr lang="en-CA" sz="1200" b="0" i="0" u="none" strike="noStrike" kern="1200" baseline="0" dirty="0" smtClean="0">
+                <a:solidFill>
+                  <a:schemeClr val="tx1"/>
+                </a:solidFill>
+                <a:latin typeface="+mn-lt"/>
+                <a:ea typeface="+mn-ea"/>
+                <a:cs typeface="+mn-cs"/>
+              </a:rPr>
+              <a:t> and outliers have a</a:t>
+            </a:r>
+          </a:p>
+          <a:p>
+            <a:r>
+              <a:rPr lang="en-CA" sz="1200" b="0" i="0" u="none" strike="noStrike" kern="1200" baseline="0" dirty="0" smtClean="0">
+                <a:solidFill>
+                  <a:schemeClr val="tx1"/>
+                </a:solidFill>
+                <a:latin typeface="+mn-lt"/>
+                <a:ea typeface="+mn-ea"/>
+                <a:cs typeface="+mn-cs"/>
+              </a:rPr>
+              <a:t>close to uniform distribution over single attributes. See Figure 2(a). Low Correlation Normal individuals exhibit no association between their at-</a:t>
+            </a:r>
+          </a:p>
+          <a:p>
+            <a:r>
+              <a:rPr lang="en-CA" sz="1200" b="0" i="0" u="none" strike="noStrike" kern="1200" baseline="0" dirty="0" smtClean="0">
+                <a:solidFill>
+                  <a:schemeClr val="tx1"/>
+                </a:solidFill>
+                <a:latin typeface="+mn-lt"/>
+                <a:ea typeface="+mn-ea"/>
+                <a:cs typeface="+mn-cs"/>
+              </a:rPr>
+              <a:t>tributes, outliers have a strong association. Both </a:t>
+            </a:r>
+            <a:r>
+              <a:rPr lang="en-CA" sz="1200" b="0" i="0" u="none" strike="noStrike" kern="1200" baseline="0" dirty="0" err="1" smtClean="0">
+                <a:solidFill>
+                  <a:schemeClr val="tx1"/>
+                </a:solidFill>
+                <a:latin typeface="+mn-lt"/>
+                <a:ea typeface="+mn-ea"/>
+                <a:cs typeface="+mn-cs"/>
+              </a:rPr>
+              <a:t>normals</a:t>
+            </a:r>
+            <a:r>
+              <a:rPr lang="en-CA" sz="1200" b="0" i="0" u="none" strike="noStrike" kern="1200" baseline="0" dirty="0" smtClean="0">
+                <a:solidFill>
+                  <a:schemeClr val="tx1"/>
+                </a:solidFill>
+                <a:latin typeface="+mn-lt"/>
+                <a:ea typeface="+mn-ea"/>
+                <a:cs typeface="+mn-cs"/>
+              </a:rPr>
+              <a:t> and outliers have a close to uniform distribution over single attributes. See Figure 2(b).</a:t>
+            </a:r>
+          </a:p>
+          <a:p>
+            <a:r>
+              <a:rPr lang="en-CA" sz="1200" b="0" i="0" u="none" strike="noStrike" kern="1200" baseline="0" dirty="0" smtClean="0">
+                <a:solidFill>
+                  <a:schemeClr val="tx1"/>
+                </a:solidFill>
+                <a:latin typeface="+mn-lt"/>
+                <a:ea typeface="+mn-ea"/>
+                <a:cs typeface="+mn-cs"/>
+              </a:rPr>
+              <a:t>Single attributes Both normal and outlier individuals exhibit a strong association between their attributes. In </a:t>
+            </a:r>
+            <a:r>
+              <a:rPr lang="en-CA" sz="1200" b="0" i="0" u="none" strike="noStrike" kern="1200" baseline="0" dirty="0" err="1" smtClean="0">
+                <a:solidFill>
+                  <a:schemeClr val="tx1"/>
+                </a:solidFill>
+                <a:latin typeface="+mn-lt"/>
+                <a:ea typeface="+mn-ea"/>
+                <a:cs typeface="+mn-cs"/>
+              </a:rPr>
+              <a:t>normals</a:t>
+            </a:r>
+            <a:r>
+              <a:rPr lang="en-CA" sz="1200" b="0" i="0" u="none" strike="noStrike" kern="1200" baseline="0" dirty="0" smtClean="0">
+                <a:solidFill>
+                  <a:schemeClr val="tx1"/>
+                </a:solidFill>
+                <a:latin typeface="+mn-lt"/>
+                <a:ea typeface="+mn-ea"/>
+                <a:cs typeface="+mn-cs"/>
+              </a:rPr>
+              <a:t>, 50% of the time, attribute 1</a:t>
+            </a:r>
+          </a:p>
+          <a:p>
+            <a:r>
+              <a:rPr lang="en-CA" sz="1200" b="0" i="0" u="none" strike="noStrike" kern="1200" baseline="0" dirty="0" smtClean="0">
+                <a:solidFill>
+                  <a:schemeClr val="tx1"/>
+                </a:solidFill>
+                <a:latin typeface="+mn-lt"/>
+                <a:ea typeface="+mn-ea"/>
+                <a:cs typeface="+mn-cs"/>
+              </a:rPr>
+              <a:t>has value 0. For outliers, attribute 1 has value 0 only 10% of the time. See Figure 2(c).</a:t>
+            </a:r>
+          </a:p>
+          <a:p>
             <a:endParaRPr lang="en-US" dirty="0"/>
           </a:p>
         </p:txBody>
@@ -1899,7 +1824,212 @@
             <a:fld id="{31CEF2A7-706F-47EC-B2B0-90C3D4759446}" type="slidenum">
               <a:rPr lang="en-US" smtClean="0"/>
               <a:pPr/>
+              <a:t>26</a:t>
+            </a:fld>
+            <a:r>
+              <a:rPr lang="en-US" smtClean="0"/>
+              <a:t>/20</a:t>
+            </a:r>
+            <a:endParaRPr lang="en-US" dirty="0"/>
+          </a:p>
+        </p:txBody>
+      </p:sp>
+    </p:spTree>
+    <p:extLst>
+      <p:ext uri="{BB962C8B-B14F-4D97-AF65-F5344CB8AC3E}">
+        <p14:creationId xmlns:p14="http://schemas.microsoft.com/office/powerpoint/2010/main" val="1231205391"/>
+      </p:ext>
+    </p:extLst>
+  </p:cSld>
+  <p:clrMapOvr>
+    <a:masterClrMapping/>
+  </p:clrMapOvr>
+</p:notes>
+</file>
+
+<file path=ppt/notesSlides/notesSlide15.xml><?xml version="1.0" encoding="utf-8"?>
+<p:notes xmlns:a="http://schemas.openxmlformats.org/drawingml/2006/main" xmlns:r="http://schemas.openxmlformats.org/officeDocument/2006/relationships" xmlns:p="http://schemas.openxmlformats.org/presentationml/2006/main">
+  <p:cSld>
+    <p:spTree>
+      <p:nvGrpSpPr>
+        <p:cNvPr id="1" name=""/>
+        <p:cNvGrpSpPr/>
+        <p:nvPr/>
+      </p:nvGrpSpPr>
+      <p:grpSpPr>
+        <a:xfrm>
+          <a:off x="0" y="0"/>
+          <a:ext cx="0" cy="0"/>
+          <a:chOff x="0" y="0"/>
+          <a:chExt cx="0" cy="0"/>
+        </a:xfrm>
+      </p:grpSpPr>
+      <p:sp>
+        <p:nvSpPr>
+          <p:cNvPr id="2" name="Slide Image Placeholder 1"/>
+          <p:cNvSpPr>
+            <a:spLocks noGrp="1" noRot="1" noChangeAspect="1"/>
+          </p:cNvSpPr>
+          <p:nvPr>
+            <p:ph type="sldImg"/>
+          </p:nvPr>
+        </p:nvSpPr>
+        <p:spPr/>
+      </p:sp>
+      <p:sp>
+        <p:nvSpPr>
+          <p:cNvPr id="3" name="Notes Placeholder 2"/>
+          <p:cNvSpPr>
+            <a:spLocks noGrp="1"/>
+          </p:cNvSpPr>
+          <p:nvPr>
+            <p:ph type="body" idx="1"/>
+          </p:nvPr>
+        </p:nvSpPr>
+        <p:spPr/>
+        <p:txBody>
+          <a:bodyPr/>
+          <a:lstStyle/>
+          <a:p>
+            <a:r>
+              <a:rPr lang="en-US" sz="2800" dirty="0" smtClean="0"/>
+              <a:t>Use precision as evaluation metric</a:t>
+            </a:r>
+          </a:p>
+          <a:p>
+            <a:pPr lvl="1"/>
+            <a:r>
+              <a:rPr lang="en-US" dirty="0" smtClean="0"/>
+              <a:t>Set the percentages of outliers to be 1% and 5%</a:t>
+            </a:r>
+          </a:p>
+          <a:p>
+            <a:pPr lvl="1"/>
+            <a:r>
+              <a:rPr lang="en-US" dirty="0" smtClean="0"/>
+              <a:t>How many outliers were correctly recognized</a:t>
+            </a:r>
+          </a:p>
+          <a:p>
+            <a:endParaRPr lang="en-US" dirty="0"/>
+          </a:p>
+        </p:txBody>
+      </p:sp>
+      <p:sp>
+        <p:nvSpPr>
+          <p:cNvPr id="4" name="Slide Number Placeholder 3"/>
+          <p:cNvSpPr>
+            <a:spLocks noGrp="1"/>
+          </p:cNvSpPr>
+          <p:nvPr>
+            <p:ph type="sldNum" sz="quarter" idx="10"/>
+          </p:nvPr>
+        </p:nvSpPr>
+        <p:spPr/>
+        <p:txBody>
+          <a:bodyPr/>
+          <a:lstStyle/>
+          <a:p>
+            <a:fld id="{31CEF2A7-706F-47EC-B2B0-90C3D4759446}" type="slidenum">
+              <a:rPr lang="en-US" smtClean="0"/>
+              <a:pPr/>
               <a:t>27</a:t>
+            </a:fld>
+            <a:r>
+              <a:rPr lang="en-US" smtClean="0"/>
+              <a:t>/20</a:t>
+            </a:r>
+            <a:endParaRPr lang="en-US" dirty="0"/>
+          </a:p>
+        </p:txBody>
+      </p:sp>
+    </p:spTree>
+    <p:extLst>
+      <p:ext uri="{BB962C8B-B14F-4D97-AF65-F5344CB8AC3E}">
+        <p14:creationId xmlns:p14="http://schemas.microsoft.com/office/powerpoint/2010/main" val="1472732775"/>
+      </p:ext>
+    </p:extLst>
+  </p:cSld>
+  <p:clrMapOvr>
+    <a:masterClrMapping/>
+  </p:clrMapOvr>
+</p:notes>
+</file>
+
+<file path=ppt/notesSlides/notesSlide16.xml><?xml version="1.0" encoding="utf-8"?>
+<p:notes xmlns:a="http://schemas.openxmlformats.org/drawingml/2006/main" xmlns:r="http://schemas.openxmlformats.org/officeDocument/2006/relationships" xmlns:p="http://schemas.openxmlformats.org/presentationml/2006/main">
+  <p:cSld>
+    <p:spTree>
+      <p:nvGrpSpPr>
+        <p:cNvPr id="1" name=""/>
+        <p:cNvGrpSpPr/>
+        <p:nvPr/>
+      </p:nvGrpSpPr>
+      <p:grpSpPr>
+        <a:xfrm>
+          <a:off x="0" y="0"/>
+          <a:ext cx="0" cy="0"/>
+          <a:chOff x="0" y="0"/>
+          <a:chExt cx="0" cy="0"/>
+        </a:xfrm>
+      </p:grpSpPr>
+      <p:sp>
+        <p:nvSpPr>
+          <p:cNvPr id="2" name="Slide Image Placeholder 1"/>
+          <p:cNvSpPr>
+            <a:spLocks noGrp="1" noRot="1" noChangeAspect="1"/>
+          </p:cNvSpPr>
+          <p:nvPr>
+            <p:ph type="sldImg"/>
+          </p:nvPr>
+        </p:nvSpPr>
+        <p:spPr/>
+      </p:sp>
+      <p:sp>
+        <p:nvSpPr>
+          <p:cNvPr id="3" name="Notes Placeholder 2"/>
+          <p:cNvSpPr>
+            <a:spLocks noGrp="1"/>
+          </p:cNvSpPr>
+          <p:nvPr>
+            <p:ph type="body" idx="1"/>
+          </p:nvPr>
+        </p:nvSpPr>
+        <p:spPr/>
+        <p:txBody>
+          <a:bodyPr/>
+          <a:lstStyle/>
+          <a:p>
+            <a:r>
+              <a:rPr lang="en-US" dirty="0" err="1" smtClean="0"/>
+              <a:t>eld</a:t>
+            </a:r>
+            <a:r>
+              <a:rPr lang="en-US" dirty="0" smtClean="0"/>
+              <a:t> maps outliers to largest range</a:t>
+            </a:r>
+          </a:p>
+        </p:txBody>
+      </p:sp>
+      <p:sp>
+        <p:nvSpPr>
+          <p:cNvPr id="4" name="Slide Number Placeholder 3"/>
+          <p:cNvSpPr>
+            <a:spLocks noGrp="1"/>
+          </p:cNvSpPr>
+          <p:nvPr>
+            <p:ph type="sldNum" sz="quarter" idx="10"/>
+          </p:nvPr>
+        </p:nvSpPr>
+        <p:spPr/>
+        <p:txBody>
+          <a:bodyPr/>
+          <a:lstStyle/>
+          <a:p>
+            <a:fld id="{31CEF2A7-706F-47EC-B2B0-90C3D4759446}" type="slidenum">
+              <a:rPr lang="en-US" smtClean="0"/>
+              <a:pPr/>
+              <a:t>28</a:t>
             </a:fld>
             <a:r>
               <a:rPr lang="en-US" smtClean="0"/>
@@ -1922,7 +2052,7 @@
 </p:notes>
 </file>
 
-<file path=ppt/notesSlides/notesSlide15.xml><?xml version="1.0" encoding="utf-8"?>
+<file path=ppt/notesSlides/notesSlide17.xml><?xml version="1.0" encoding="utf-8"?>
 <p:notes xmlns:a="http://schemas.openxmlformats.org/drawingml/2006/main" xmlns:r="http://schemas.openxmlformats.org/officeDocument/2006/relationships" xmlns:p="http://schemas.openxmlformats.org/presentationml/2006/main">
   <p:cSld>
     <p:spTree>
@@ -2610,7 +2740,7 @@
               <a:pPr>
                 <a:defRPr/>
               </a:pPr>
-              <a:t>13</a:t>
+              <a:t>14</a:t>
             </a:fld>
             <a:endParaRPr lang="en-US"/>
           </a:p>
@@ -2672,21 +2802,11 @@
           <a:p>
             <a:r>
               <a:rPr lang="en-US" dirty="0" smtClean="0"/>
-              <a:t>cite </a:t>
-            </a:r>
-            <a:r>
-              <a:rPr lang="en-US" dirty="0" err="1" smtClean="0"/>
-              <a:t>Blockeel</a:t>
-            </a:r>
-            <a:r>
-              <a:rPr lang="en-US" dirty="0" smtClean="0"/>
-              <a:t> on learning from interpretations</a:t>
-            </a:r>
-          </a:p>
-          <a:p>
-            <a:r>
-              <a:rPr lang="en-US" dirty="0" smtClean="0"/>
-              <a:t>like learning from interpretations</a:t>
+              <a:t>related to subgroup discovery:</a:t>
+            </a:r>
+            <a:r>
+              <a:rPr lang="en-US" baseline="0" dirty="0" smtClean="0"/>
+              <a:t> anomaly is like subgroup of size 1</a:t>
             </a:r>
             <a:endParaRPr lang="en-US" dirty="0"/>
           </a:p>
@@ -2715,7 +2835,7 @@
               <a:pPr>
                 <a:defRPr/>
               </a:pPr>
-              <a:t>14</a:t>
+              <a:t>15</a:t>
             </a:fld>
             <a:endParaRPr lang="en-US"/>
           </a:p>
@@ -2830,7 +2950,7 @@
               <a:pPr>
                 <a:defRPr/>
               </a:pPr>
-              <a:t>15</a:t>
+              <a:t>16</a:t>
             </a:fld>
             <a:endParaRPr lang="en-US"/>
           </a:p>
@@ -3271,7 +3391,7 @@
               <a:pPr>
                 <a:defRPr/>
               </a:pPr>
-              <a:t>16-09-15</a:t>
+              <a:t>17-01-05</a:t>
             </a:fld>
             <a:endParaRPr lang="en-US"/>
           </a:p>
@@ -3300,9 +3420,10 @@
               <a:defRPr/>
             </a:pPr>
             <a:r>
-              <a:rPr lang="en-US"/>
-              <a:t>Presentation Title At Venue</a:t>
-            </a:r>
+              <a:rPr lang="en-US" dirty="0" smtClean="0"/>
+              <a:t>Learning Bayesian Networks for Complex Relational Data</a:t>
+            </a:r>
+            <a:endParaRPr lang="en-US" dirty="0"/>
           </a:p>
         </p:txBody>
       </p:sp>
@@ -3316,7 +3437,15 @@
             <p:ph type="sldNum" sz="quarter" idx="12"/>
           </p:nvPr>
         </p:nvSpPr>
-        <p:spPr/>
+        <p:spPr>
+          <a:xfrm>
+            <a:off x="146050" y="6210300"/>
+            <a:ext cx="457200" cy="457200"/>
+          </a:xfrm>
+          <a:prstGeom prst="ellipse">
+            <a:avLst/>
+          </a:prstGeom>
+        </p:spPr>
         <p:txBody>
           <a:bodyPr/>
           <a:lstStyle>
@@ -3471,7 +3600,7 @@
               <a:pPr>
                 <a:defRPr/>
               </a:pPr>
-              <a:t>16-09-15</a:t>
+              <a:t>17-01-05</a:t>
             </a:fld>
             <a:endParaRPr lang="en-US"/>
           </a:p>
@@ -3500,9 +3629,10 @@
               <a:defRPr/>
             </a:pPr>
             <a:r>
-              <a:rPr lang="en-US"/>
-              <a:t>Presentation Title At Venue</a:t>
-            </a:r>
+              <a:rPr lang="en-US" dirty="0" smtClean="0"/>
+              <a:t>Learning Bayesian Networks for Complex Relational Data</a:t>
+            </a:r>
+            <a:endParaRPr lang="en-US" dirty="0"/>
           </a:p>
         </p:txBody>
       </p:sp>
@@ -3516,7 +3646,15 @@
             <p:ph type="sldNum" sz="quarter" idx="12"/>
           </p:nvPr>
         </p:nvSpPr>
-        <p:spPr/>
+        <p:spPr>
+          <a:xfrm>
+            <a:off x="146050" y="6210300"/>
+            <a:ext cx="457200" cy="457200"/>
+          </a:xfrm>
+          <a:prstGeom prst="ellipse">
+            <a:avLst/>
+          </a:prstGeom>
+        </p:spPr>
         <p:txBody>
           <a:bodyPr/>
           <a:lstStyle>
@@ -3681,7 +3819,7 @@
               <a:pPr>
                 <a:defRPr/>
               </a:pPr>
-              <a:t>16-09-15</a:t>
+              <a:t>17-01-05</a:t>
             </a:fld>
             <a:endParaRPr lang="en-US"/>
           </a:p>
@@ -3710,9 +3848,10 @@
               <a:defRPr/>
             </a:pPr>
             <a:r>
-              <a:rPr lang="en-US"/>
-              <a:t>Presentation Title At Venue</a:t>
-            </a:r>
+              <a:rPr lang="en-US" dirty="0" smtClean="0"/>
+              <a:t>Learning Bayesian Networks for Complex Relational Data</a:t>
+            </a:r>
+            <a:endParaRPr lang="en-US" dirty="0"/>
           </a:p>
         </p:txBody>
       </p:sp>
@@ -3726,7 +3865,15 @@
             <p:ph type="sldNum" sz="quarter" idx="12"/>
           </p:nvPr>
         </p:nvSpPr>
-        <p:spPr/>
+        <p:spPr>
+          <a:xfrm>
+            <a:off x="146050" y="6210300"/>
+            <a:ext cx="457200" cy="457200"/>
+          </a:xfrm>
+          <a:prstGeom prst="ellipse">
+            <a:avLst/>
+          </a:prstGeom>
+        </p:spPr>
         <p:txBody>
           <a:bodyPr/>
           <a:lstStyle>
@@ -3886,7 +4033,7 @@
               <a:pPr>
                 <a:defRPr/>
               </a:pPr>
-              <a:t>16-09-15</a:t>
+              <a:t>17-01-05</a:t>
             </a:fld>
             <a:endParaRPr lang="en-US"/>
           </a:p>
@@ -3915,9 +4062,10 @@
               <a:defRPr/>
             </a:pPr>
             <a:r>
-              <a:rPr lang="en-US"/>
-              <a:t>Presentation Title At Venue</a:t>
-            </a:r>
+              <a:rPr lang="en-US" dirty="0" smtClean="0"/>
+              <a:t>Learning Bayesian Networks for Complex Relational Data</a:t>
+            </a:r>
+            <a:endParaRPr lang="en-US" dirty="0"/>
           </a:p>
         </p:txBody>
       </p:sp>
@@ -3931,7 +4079,15 @@
             <p:ph type="sldNum" sz="quarter" idx="12"/>
           </p:nvPr>
         </p:nvSpPr>
-        <p:spPr/>
+        <p:spPr>
+          <a:xfrm>
+            <a:off x="146050" y="6210300"/>
+            <a:ext cx="457200" cy="457200"/>
+          </a:xfrm>
+          <a:prstGeom prst="ellipse">
+            <a:avLst/>
+          </a:prstGeom>
+        </p:spPr>
         <p:txBody>
           <a:bodyPr/>
           <a:lstStyle>
@@ -4404,7 +4560,7 @@
               <a:pPr>
                 <a:defRPr/>
               </a:pPr>
-              <a:t>16-09-15</a:t>
+              <a:t>17-01-05</a:t>
             </a:fld>
             <a:endParaRPr lang="en-US"/>
           </a:p>
@@ -4438,9 +4594,10 @@
               <a:defRPr/>
             </a:pPr>
             <a:r>
-              <a:rPr lang="en-US"/>
-              <a:t>Presentation Title At Venue</a:t>
-            </a:r>
+              <a:rPr lang="en-US" dirty="0" smtClean="0"/>
+              <a:t>Learning Bayesian Networks for Complex Relational Data</a:t>
+            </a:r>
+            <a:endParaRPr lang="en-US" dirty="0"/>
           </a:p>
         </p:txBody>
       </p:sp>
@@ -4459,6 +4616,9 @@
             <a:off x="146050" y="6208713"/>
             <a:ext cx="457200" cy="457200"/>
           </a:xfrm>
+          <a:prstGeom prst="ellipse">
+            <a:avLst/>
+          </a:prstGeom>
         </p:spPr>
         <p:txBody>
           <a:bodyPr/>
@@ -4676,7 +4836,7 @@
               <a:pPr>
                 <a:defRPr/>
               </a:pPr>
-              <a:t>16-09-15</a:t>
+              <a:t>17-01-05</a:t>
             </a:fld>
             <a:endParaRPr lang="en-US"/>
           </a:p>
@@ -4705,9 +4865,10 @@
               <a:defRPr/>
             </a:pPr>
             <a:r>
-              <a:rPr lang="en-US"/>
-              <a:t>Presentation Title At Venue</a:t>
-            </a:r>
+              <a:rPr lang="en-US" dirty="0" smtClean="0"/>
+              <a:t>Learning Bayesian Networks for Complex Relational Data</a:t>
+            </a:r>
+            <a:endParaRPr lang="en-US" dirty="0"/>
           </a:p>
         </p:txBody>
       </p:sp>
@@ -4721,7 +4882,15 @@
             <p:ph type="sldNum" sz="quarter" idx="12"/>
           </p:nvPr>
         </p:nvSpPr>
-        <p:spPr/>
+        <p:spPr>
+          <a:xfrm>
+            <a:off x="146050" y="6210300"/>
+            <a:ext cx="457200" cy="457200"/>
+          </a:xfrm>
+          <a:prstGeom prst="ellipse">
+            <a:avLst/>
+          </a:prstGeom>
+        </p:spPr>
         <p:txBody>
           <a:bodyPr/>
           <a:lstStyle>
@@ -5073,7 +5242,7 @@
               <a:pPr>
                 <a:defRPr/>
               </a:pPr>
-              <a:t>16-09-15</a:t>
+              <a:t>17-01-05</a:t>
             </a:fld>
             <a:endParaRPr lang="en-US"/>
           </a:p>
@@ -5102,9 +5271,10 @@
               <a:defRPr/>
             </a:pPr>
             <a:r>
-              <a:rPr lang="en-US"/>
-              <a:t>Presentation Title At Venue</a:t>
-            </a:r>
+              <a:rPr lang="en-US" dirty="0" smtClean="0"/>
+              <a:t>Learning Bayesian Networks for Complex Relational Data</a:t>
+            </a:r>
+            <a:endParaRPr lang="en-US" dirty="0"/>
           </a:p>
         </p:txBody>
       </p:sp>
@@ -5118,7 +5288,15 @@
             <p:ph type="sldNum" sz="quarter" idx="12"/>
           </p:nvPr>
         </p:nvSpPr>
-        <p:spPr/>
+        <p:spPr>
+          <a:xfrm>
+            <a:off x="146050" y="6210300"/>
+            <a:ext cx="457200" cy="457200"/>
+          </a:xfrm>
+          <a:prstGeom prst="ellipse">
+            <a:avLst/>
+          </a:prstGeom>
+        </p:spPr>
         <p:txBody>
           <a:bodyPr/>
           <a:lstStyle>
@@ -5221,7 +5399,7 @@
               <a:pPr>
                 <a:defRPr/>
               </a:pPr>
-              <a:t>16-09-15</a:t>
+              <a:t>17-01-05</a:t>
             </a:fld>
             <a:endParaRPr lang="en-US"/>
           </a:p>
@@ -5250,9 +5428,10 @@
               <a:defRPr/>
             </a:pPr>
             <a:r>
-              <a:rPr lang="en-US"/>
-              <a:t>Presentation Title At Venue</a:t>
-            </a:r>
+              <a:rPr lang="en-US" dirty="0" smtClean="0"/>
+              <a:t>Learning Bayesian Networks for Complex Relational Data</a:t>
+            </a:r>
+            <a:endParaRPr lang="en-US" dirty="0"/>
           </a:p>
         </p:txBody>
       </p:sp>
@@ -5266,7 +5445,15 @@
             <p:ph type="sldNum" sz="quarter" idx="12"/>
           </p:nvPr>
         </p:nvSpPr>
-        <p:spPr/>
+        <p:spPr>
+          <a:xfrm>
+            <a:off x="146050" y="6210300"/>
+            <a:ext cx="457200" cy="457200"/>
+          </a:xfrm>
+          <a:prstGeom prst="ellipse">
+            <a:avLst/>
+          </a:prstGeom>
+        </p:spPr>
         <p:txBody>
           <a:bodyPr/>
           <a:lstStyle>
@@ -5346,7 +5533,7 @@
               <a:pPr>
                 <a:defRPr/>
               </a:pPr>
-              <a:t>16-09-15</a:t>
+              <a:t>17-01-05</a:t>
             </a:fld>
             <a:endParaRPr lang="en-US"/>
           </a:p>
@@ -5375,9 +5562,10 @@
               <a:defRPr/>
             </a:pPr>
             <a:r>
-              <a:rPr lang="en-US"/>
-              <a:t>Presentation Title At Venue</a:t>
-            </a:r>
+              <a:rPr lang="en-US" dirty="0" smtClean="0"/>
+              <a:t>Learning Bayesian Networks for Complex Relational Data</a:t>
+            </a:r>
+            <a:endParaRPr lang="en-US" dirty="0"/>
           </a:p>
         </p:txBody>
       </p:sp>
@@ -5391,7 +5579,15 @@
             <p:ph type="sldNum" sz="quarter" idx="12"/>
           </p:nvPr>
         </p:nvSpPr>
-        <p:spPr/>
+        <p:spPr>
+          <a:xfrm>
+            <a:off x="146050" y="6210300"/>
+            <a:ext cx="457200" cy="457200"/>
+          </a:xfrm>
+          <a:prstGeom prst="ellipse">
+            <a:avLst/>
+          </a:prstGeom>
+        </p:spPr>
         <p:txBody>
           <a:bodyPr/>
           <a:lstStyle>
@@ -5721,7 +5917,7 @@
               <a:pPr>
                 <a:defRPr/>
               </a:pPr>
-              <a:t>16-09-15</a:t>
+              <a:t>17-01-05</a:t>
             </a:fld>
             <a:endParaRPr lang="en-US"/>
           </a:p>
@@ -5750,9 +5946,10 @@
               <a:defRPr/>
             </a:pPr>
             <a:r>
-              <a:rPr lang="en-US"/>
-              <a:t>Presentation Title At Venue</a:t>
-            </a:r>
+              <a:rPr lang="en-US" dirty="0" smtClean="0"/>
+              <a:t>Learning Bayesian Networks for Complex Relational Data</a:t>
+            </a:r>
+            <a:endParaRPr lang="en-US" dirty="0"/>
           </a:p>
         </p:txBody>
       </p:sp>
@@ -5766,7 +5963,15 @@
             <p:ph type="sldNum" sz="quarter" idx="12"/>
           </p:nvPr>
         </p:nvSpPr>
-        <p:spPr/>
+        <p:spPr>
+          <a:xfrm>
+            <a:off x="146050" y="6210300"/>
+            <a:ext cx="457200" cy="457200"/>
+          </a:xfrm>
+          <a:prstGeom prst="ellipse">
+            <a:avLst/>
+          </a:prstGeom>
+        </p:spPr>
         <p:txBody>
           <a:bodyPr/>
           <a:lstStyle>
@@ -6143,7 +6348,7 @@
               <a:pPr>
                 <a:defRPr/>
               </a:pPr>
-              <a:t>16-09-15</a:t>
+              <a:t>17-01-05</a:t>
             </a:fld>
             <a:endParaRPr lang="en-US"/>
           </a:p>
@@ -6177,9 +6382,10 @@
               <a:defRPr/>
             </a:pPr>
             <a:r>
-              <a:rPr lang="en-US"/>
-              <a:t>Presentation Title At Venue</a:t>
-            </a:r>
+              <a:rPr lang="en-US" dirty="0" smtClean="0"/>
+              <a:t>Learning Bayesian Networks for Complex Relational Data</a:t>
+            </a:r>
+            <a:endParaRPr lang="en-US" dirty="0"/>
           </a:p>
         </p:txBody>
       </p:sp>
@@ -6198,6 +6404,9 @@
             <a:off x="146050" y="6208713"/>
             <a:ext cx="457200" cy="457200"/>
           </a:xfrm>
+          <a:prstGeom prst="ellipse">
+            <a:avLst/>
+          </a:prstGeom>
         </p:spPr>
         <p:txBody>
           <a:bodyPr/>
@@ -6562,7 +6771,7 @@
               <a:pPr>
                 <a:defRPr/>
               </a:pPr>
-              <a:t>16-09-15</a:t>
+              <a:t>17-01-05</a:t>
             </a:fld>
             <a:endParaRPr lang="en-US"/>
           </a:p>
@@ -6608,63 +6817,10 @@
               <a:defRPr/>
             </a:pPr>
             <a:r>
-              <a:rPr lang="en-US"/>
-              <a:t>Presentation Title At Venue</a:t>
-            </a:r>
-          </a:p>
-        </p:txBody>
-      </p:sp>
-      <p:sp>
-        <p:nvSpPr>
-          <p:cNvPr id="23" name="Slide Number Placeholder 22"/>
-          <p:cNvSpPr>
-            <a:spLocks noGrp="1"/>
-          </p:cNvSpPr>
-          <p:nvPr>
-            <p:ph type="sldNum" sz="quarter" idx="4"/>
-          </p:nvPr>
-        </p:nvSpPr>
-        <p:spPr>
-          <a:xfrm>
-            <a:off x="146050" y="6210300"/>
-            <a:ext cx="457200" cy="457200"/>
-          </a:xfrm>
-          <a:prstGeom prst="ellipse">
-            <a:avLst/>
-          </a:prstGeom>
-          <a:solidFill>
-            <a:schemeClr val="accent1"/>
-          </a:solidFill>
-        </p:spPr>
-        <p:txBody>
-          <a:bodyPr vert="horz" wrap="none" lIns="0" tIns="0" rIns="0" bIns="0" numCol="1" anchor="ctr" anchorCtr="1" compatLnSpc="1">
-            <a:prstTxWarp prst="textNoShape">
-              <a:avLst/>
-            </a:prstTxWarp>
-            <a:noAutofit/>
-          </a:bodyPr>
-          <a:lstStyle>
-            <a:lvl1pPr algn="ctr">
-              <a:defRPr sz="1400" smtClean="0">
-                <a:solidFill>
-                  <a:srgbClr val="FFFFFF"/>
-                </a:solidFill>
-                <a:latin typeface="Franklin Gothic Book" charset="0"/>
-              </a:defRPr>
-            </a:lvl1pPr>
-          </a:lstStyle>
-          <a:p>
-            <a:pPr>
-              <a:defRPr/>
-            </a:pPr>
-            <a:fld id="{7CEF2234-60CD-F14D-A018-E190E338742A}" type="slidenum">
-              <a:rPr lang="en-US"/>
-              <a:pPr>
-                <a:defRPr/>
-              </a:pPr>
-              <a:t>‹#›</a:t>
-            </a:fld>
-            <a:endParaRPr lang="en-US"/>
+              <a:rPr lang="en-US" dirty="0" smtClean="0"/>
+              <a:t>Learning Bayesian Networks for Complex Relational Data</a:t>
+            </a:r>
+            <a:endParaRPr lang="en-US" dirty="0"/>
           </a:p>
         </p:txBody>
       </p:sp>
@@ -6823,18 +6979,15 @@
           <a:p>
             <a:pPr eaLnBrk="1" hangingPunct="1"/>
             <a:fld id="{24B99B7F-2E64-2646-91C2-380EEC053FFA}" type="slidenum">
-              <a:rPr lang="en-US" sz="1400">
+              <a:rPr lang="en-US" sz="1400" smtClean="0">
                 <a:latin typeface="Perpetua" charset="0"/>
               </a:rPr>
               <a:pPr eaLnBrk="1" hangingPunct="1"/>
               <a:t>‹#›</a:t>
             </a:fld>
-            <a:r>
-              <a:rPr lang="en-US" sz="1400">
-                <a:latin typeface="Perpetua" charset="0"/>
-              </a:rPr>
-              <a:t>/n</a:t>
-            </a:r>
+            <a:endParaRPr lang="en-US" sz="1400" dirty="0">
+              <a:latin typeface="Perpetua" charset="0"/>
+            </a:endParaRPr>
           </a:p>
         </p:txBody>
       </p:sp>
@@ -7595,13 +7748,21 @@
           <a:p>
             <a:r>
               <a:rPr lang="en-US" dirty="0" smtClean="0"/>
-              <a:t>Bayesian network learning discovers relevant conjunctive  features.</a:t>
+              <a:t>Bayesian network learning discovers relevant conjunctive  features</a:t>
             </a:r>
           </a:p>
           <a:p>
             <a:r>
               <a:rPr lang="en-US" dirty="0" smtClean="0"/>
-              <a:t>Related work: The Oddball system also extracts a feature matrix from relational information based on network analysis.</a:t>
+              <a:t>Related work: The Oddball system also extracts a feature matrix from relational information based on network analysis (</a:t>
+            </a:r>
+            <a:r>
+              <a:rPr lang="en-US" dirty="0" err="1" smtClean="0"/>
+              <a:t>Akoglu</a:t>
+            </a:r>
+            <a:r>
+              <a:rPr lang="en-US" dirty="0" smtClean="0"/>
+              <a:t> et al. 2010)</a:t>
             </a:r>
           </a:p>
           <a:p>
@@ -7619,7 +7780,7 @@
             </a:r>
             <a:r>
               <a:rPr lang="en-US" dirty="0" smtClean="0"/>
-              <a:t>. outlier detection methods.</a:t>
+              <a:t>. outlier detection methods</a:t>
             </a:r>
           </a:p>
           <a:p>
@@ -7645,7 +7806,12 @@
             <p:ph type="ftr" sz="quarter" idx="11"/>
           </p:nvPr>
         </p:nvSpPr>
-        <p:spPr/>
+        <p:spPr>
+          <a:xfrm>
+            <a:off x="239059" y="5856937"/>
+            <a:ext cx="8676754" cy="872565"/>
+          </a:xfrm>
+        </p:spPr>
         <p:txBody>
           <a:bodyPr/>
           <a:lstStyle/>
@@ -7654,9 +7820,79 @@
               <a:defRPr/>
             </a:pPr>
             <a:r>
-              <a:rPr lang="en-US" dirty="0" smtClean="0"/>
-              <a:t>cite oddball</a:t>
-            </a:r>
+              <a:rPr lang="en-US" dirty="0" err="1"/>
+              <a:t>Akoglu</a:t>
+            </a:r>
+            <a:r>
+              <a:rPr lang="en-US" dirty="0"/>
+              <a:t>, L.; </a:t>
+            </a:r>
+            <a:r>
+              <a:rPr lang="en-US" dirty="0" err="1"/>
+              <a:t>Mcglohon</a:t>
+            </a:r>
+            <a:r>
+              <a:rPr lang="en-US" dirty="0"/>
+              <a:t>, M. &amp; </a:t>
+            </a:r>
+            <a:r>
+              <a:rPr lang="en-US" dirty="0" err="1"/>
+              <a:t>Faloutsos</a:t>
+            </a:r>
+            <a:r>
+              <a:rPr lang="en-US" dirty="0"/>
+              <a:t>, C. (2010), </a:t>
+            </a:r>
+            <a:r>
+              <a:rPr lang="en-US" dirty="0" err="1"/>
+              <a:t>OddBall</a:t>
+            </a:r>
+            <a:r>
+              <a:rPr lang="en-US" dirty="0"/>
+              <a:t>: Spotting Anomalies in Weighted Graphs, </a:t>
+            </a:r>
+            <a:r>
+              <a:rPr lang="en-US" i="1" dirty="0"/>
+              <a:t>in 'PAKDD', pp. 410-</a:t>
+            </a:r>
+            <a:r>
+              <a:rPr lang="en-US" i="1" dirty="0" smtClean="0"/>
+              <a:t>421</a:t>
+            </a:r>
+          </a:p>
+          <a:p>
+            <a:r>
+              <a:rPr lang="en-US" dirty="0" err="1"/>
+              <a:t>Akoglu</a:t>
+            </a:r>
+            <a:r>
+              <a:rPr lang="en-US" dirty="0"/>
+              <a:t>, L.; Tong, H. &amp; </a:t>
+            </a:r>
+            <a:r>
+              <a:rPr lang="en-US" dirty="0" err="1"/>
+              <a:t>Koutra</a:t>
+            </a:r>
+            <a:r>
+              <a:rPr lang="en-US" dirty="0"/>
+              <a:t>, D. (2015), 'Graph based anomaly detection and description: a survey', </a:t>
+            </a:r>
+            <a:r>
+              <a:rPr lang="en-US" i="1" dirty="0"/>
+              <a:t>Data Mining and Knowledge Discovery </a:t>
+            </a:r>
+            <a:r>
+              <a:rPr lang="en-US" b="1" i="1" dirty="0"/>
+              <a:t>29(3), 626--688.</a:t>
+            </a:r>
+          </a:p>
+          <a:p>
+            <a:endParaRPr lang="en-US" dirty="0"/>
+          </a:p>
+          <a:p>
+            <a:pPr>
+              <a:defRPr/>
+            </a:pPr>
             <a:endParaRPr lang="en-US" dirty="0"/>
           </a:p>
         </p:txBody>
@@ -7752,10 +7988,10 @@
               <a:defRPr/>
             </a:pPr>
             <a:r>
-              <a:rPr lang="en-US" smtClean="0"/>
-              <a:t>Presentation Title At Venue</a:t>
-            </a:r>
-            <a:endParaRPr lang="en-US"/>
+              <a:rPr lang="en-US" dirty="0" smtClean="0"/>
+              <a:t>Learning Bayesian Networks for Complex Relational Data</a:t>
+            </a:r>
+            <a:endParaRPr lang="en-US" dirty="0"/>
           </a:p>
         </p:txBody>
       </p:sp>
@@ -7773,6 +8009,177 @@
 </file>
 
 <file path=ppt/slides/slide12.xml><?xml version="1.0" encoding="utf-8"?>
+<p:sld xmlns:a="http://schemas.openxmlformats.org/drawingml/2006/main" xmlns:r="http://schemas.openxmlformats.org/officeDocument/2006/relationships" xmlns:p="http://schemas.openxmlformats.org/presentationml/2006/main" show="0">
+  <p:cSld>
+    <p:spTree>
+      <p:nvGrpSpPr>
+        <p:cNvPr id="1" name=""/>
+        <p:cNvGrpSpPr/>
+        <p:nvPr/>
+      </p:nvGrpSpPr>
+      <p:grpSpPr>
+        <a:xfrm>
+          <a:off x="0" y="0"/>
+          <a:ext cx="0" cy="0"/>
+          <a:chOff x="0" y="0"/>
+          <a:chExt cx="0" cy="0"/>
+        </a:xfrm>
+      </p:grpSpPr>
+      <p:sp>
+        <p:nvSpPr>
+          <p:cNvPr id="5" name="Title 4"/>
+          <p:cNvSpPr>
+            <a:spLocks noGrp="1"/>
+          </p:cNvSpPr>
+          <p:nvPr>
+            <p:ph type="title"/>
+          </p:nvPr>
+        </p:nvSpPr>
+        <p:spPr/>
+        <p:txBody>
+          <a:bodyPr/>
+          <a:lstStyle/>
+          <a:p>
+            <a:r>
+              <a:rPr lang="en-US" dirty="0" smtClean="0"/>
+              <a:t>Global Outlier Detection</a:t>
+            </a:r>
+            <a:endParaRPr lang="en-US" dirty="0"/>
+          </a:p>
+        </p:txBody>
+      </p:sp>
+      <p:sp>
+        <p:nvSpPr>
+          <p:cNvPr id="6" name="Content Placeholder 5"/>
+          <p:cNvSpPr>
+            <a:spLocks noGrp="1"/>
+          </p:cNvSpPr>
+          <p:nvPr>
+            <p:ph sz="quarter" idx="1"/>
+          </p:nvPr>
+        </p:nvSpPr>
+        <p:spPr/>
+        <p:txBody>
+          <a:bodyPr/>
+          <a:lstStyle/>
+          <a:p>
+            <a:r>
+              <a:rPr lang="en-US" sz="2800" dirty="0" smtClean="0"/>
+              <a:t>Global Outlier Detection:</a:t>
+            </a:r>
+          </a:p>
+          <a:p>
+            <a:pPr lvl="1"/>
+            <a:r>
+              <a:rPr lang="en-US" dirty="0" smtClean="0"/>
+              <a:t>how different is an individual from a reference population?</a:t>
+            </a:r>
+          </a:p>
+          <a:p>
+            <a:pPr lvl="1"/>
+            <a:r>
+              <a:rPr lang="en-US" dirty="0" smtClean="0"/>
+              <a:t>Related to subgroup discovery, exception mining</a:t>
+            </a:r>
+          </a:p>
+          <a:p>
+            <a:r>
+              <a:rPr lang="en-US" sz="2800" dirty="0" smtClean="0"/>
+              <a:t>Local Outlier Detection:</a:t>
+            </a:r>
+          </a:p>
+          <a:p>
+            <a:pPr lvl="1"/>
+            <a:r>
+              <a:rPr lang="en-US" dirty="0" smtClean="0"/>
+              <a:t>is an individual isolated in feature space?</a:t>
+            </a:r>
+          </a:p>
+          <a:p>
+            <a:r>
+              <a:rPr lang="en-US" sz="2800" b="1" dirty="0" smtClean="0"/>
+              <a:t>Idea</a:t>
+            </a:r>
+            <a:r>
+              <a:rPr lang="en-US" sz="2800" dirty="0" smtClean="0"/>
+              <a:t>: To define outlierness metric, compare specific individual to random individual.</a:t>
+            </a:r>
+            <a:endParaRPr lang="en-US" sz="2800" dirty="0"/>
+          </a:p>
+        </p:txBody>
+      </p:sp>
+      <p:sp>
+        <p:nvSpPr>
+          <p:cNvPr id="4" name="Footer Placeholder 3"/>
+          <p:cNvSpPr>
+            <a:spLocks noGrp="1"/>
+          </p:cNvSpPr>
+          <p:nvPr>
+            <p:ph type="ftr" sz="quarter" idx="11"/>
+          </p:nvPr>
+        </p:nvSpPr>
+        <p:spPr>
+          <a:xfrm>
+            <a:off x="914399" y="6036235"/>
+            <a:ext cx="6720541" cy="457200"/>
+          </a:xfrm>
+        </p:spPr>
+        <p:txBody>
+          <a:bodyPr/>
+          <a:lstStyle/>
+          <a:p>
+            <a:r>
+              <a:rPr lang="en-US" dirty="0" err="1"/>
+              <a:t>Akoglu</a:t>
+            </a:r>
+            <a:r>
+              <a:rPr lang="en-US" dirty="0"/>
+              <a:t>, L.; Tong, H. &amp; </a:t>
+            </a:r>
+            <a:r>
+              <a:rPr lang="en-US" dirty="0" err="1"/>
+              <a:t>Koutra</a:t>
+            </a:r>
+            <a:r>
+              <a:rPr lang="en-US" dirty="0"/>
+              <a:t>, D. (2015), 'Graph based anomaly detection and description: a survey', </a:t>
+            </a:r>
+            <a:r>
+              <a:rPr lang="en-US" i="1" dirty="0"/>
+              <a:t>Data Mining and Knowledge Discovery </a:t>
+            </a:r>
+            <a:r>
+              <a:rPr lang="en-US" b="1" i="1" dirty="0"/>
+              <a:t>29(3), 626--688.</a:t>
+            </a:r>
+          </a:p>
+          <a:p>
+            <a:endParaRPr lang="en-US" dirty="0"/>
+          </a:p>
+        </p:txBody>
+      </p:sp>
+    </p:spTree>
+    <p:extLst>
+      <p:ext uri="{BB962C8B-B14F-4D97-AF65-F5344CB8AC3E}">
+        <p14:creationId xmlns:p14="http://schemas.microsoft.com/office/powerpoint/2010/main" val="1609664788"/>
+      </p:ext>
+    </p:extLst>
+  </p:cSld>
+  <p:clrMapOvr>
+    <a:masterClrMapping/>
+  </p:clrMapOvr>
+  <mc:AlternateContent xmlns:mc="http://schemas.openxmlformats.org/markup-compatibility/2006">
+    <mc:Choice xmlns:p14="http://schemas.microsoft.com/office/powerpoint/2010/main" Requires="p14">
+      <p:transition spd="slow" p14:dur="2000"/>
+    </mc:Choice>
+    <mc:Fallback>
+      <p:transition xmlns:p14="http://schemas.microsoft.com/office/powerpoint/2010/main" spd="slow"/>
+    </mc:Fallback>
+  </mc:AlternateContent>
+</p:sld>
+</file>
+
+<file path=ppt/slides/slide13.xml><?xml version="1.0" encoding="utf-8"?>
 <p:sld xmlns:a="http://schemas.openxmlformats.org/drawingml/2006/main" xmlns:r="http://schemas.openxmlformats.org/officeDocument/2006/relationships" xmlns:p="http://schemas.openxmlformats.org/presentationml/2006/main">
   <p:cSld>
     <p:spTree>
@@ -7791,7 +8198,7 @@
       </p:grpSpPr>
       <p:sp>
         <p:nvSpPr>
-          <p:cNvPr id="5" name="Title 4"/>
+          <p:cNvPr id="2" name="Title 1"/>
           <p:cNvSpPr>
             <a:spLocks noGrp="1"/>
           </p:cNvSpPr>
@@ -7806,7 +8213,7 @@
           <a:p>
             <a:r>
               <a:rPr lang="en-US" dirty="0" smtClean="0"/>
-              <a:t>Global Outlier Detection</a:t>
+              <a:t>Exceptional Model Mining for Relational Data</a:t>
             </a:r>
             <a:endParaRPr lang="en-US" dirty="0"/>
           </a:p>
@@ -7814,7 +8221,7 @@
       </p:sp>
       <p:sp>
         <p:nvSpPr>
-          <p:cNvPr id="6" name="Content Placeholder 5"/>
+          <p:cNvPr id="3" name="Content Placeholder 2"/>
           <p:cNvSpPr>
             <a:spLocks noGrp="1"/>
           </p:cNvSpPr>
@@ -7827,70 +8234,175 @@
           <a:bodyPr/>
           <a:lstStyle/>
           <a:p>
-            <a:r>
-              <a:rPr lang="en-US" sz="2800" dirty="0" smtClean="0"/>
-              <a:t>Global Outlier Detection:</a:t>
-            </a:r>
-          </a:p>
-          <a:p>
-            <a:pPr lvl="1"/>
+            <a:pPr marL="0" indent="0">
+              <a:buNone/>
+            </a:pPr>
             <a:r>
               <a:rPr lang="en-US" dirty="0" smtClean="0"/>
-              <a:t>how different is an individual from a reference population?</a:t>
-            </a:r>
-          </a:p>
-          <a:p>
-            <a:pPr lvl="1"/>
+              <a:t>EMM approach (</a:t>
+            </a:r>
+            <a:r>
+              <a:rPr lang="en-US" dirty="0" err="1" smtClean="0"/>
+              <a:t>Knobbe</a:t>
+            </a:r>
             <a:r>
               <a:rPr lang="en-US" dirty="0" smtClean="0"/>
-              <a:t>Related to subgroup discovery, exception mining</a:t>
-            </a:r>
-          </a:p>
-          <a:p>
-            <a:r>
-              <a:rPr lang="en-US" sz="2800" dirty="0" smtClean="0"/>
-              <a:t>Local Outlier Detection:</a:t>
-            </a:r>
-          </a:p>
-          <a:p>
-            <a:pPr lvl="1"/>
+              <a:t> et al. 2011) for subgroup discovery in </a:t>
+            </a:r>
+            <a:r>
+              <a:rPr lang="en-US" dirty="0" err="1" smtClean="0"/>
+              <a:t>i.i.d</a:t>
+            </a:r>
             <a:r>
               <a:rPr lang="en-US" dirty="0" smtClean="0"/>
-              <a:t>is an individual isolated in feature space?</a:t>
-            </a:r>
-          </a:p>
-          <a:p>
-            <a:r>
-              <a:rPr lang="en-US" sz="2800" dirty="0" smtClean="0"/>
-              <a:t>[cite </a:t>
-            </a:r>
-            <a:r>
-              <a:rPr lang="en-US" sz="2800" dirty="0" err="1" smtClean="0"/>
-              <a:t>Aggrawal</a:t>
-            </a:r>
-            <a:r>
-              <a:rPr lang="en-US" sz="2800" dirty="0" smtClean="0"/>
-              <a:t> or </a:t>
-            </a:r>
-            <a:r>
-              <a:rPr lang="en-US" sz="2800" dirty="0" err="1" smtClean="0"/>
-              <a:t>damdi</a:t>
-            </a:r>
-            <a:r>
-              <a:rPr lang="en-US" sz="2800" dirty="0" smtClean="0"/>
-              <a:t> paper]</a:t>
-            </a:r>
-          </a:p>
-          <a:p>
-            <a:r>
-              <a:rPr lang="en-US" sz="2800" b="1" dirty="0" smtClean="0"/>
-              <a:t>Idea</a:t>
-            </a:r>
-            <a:r>
-              <a:rPr lang="en-US" sz="2800" dirty="0" smtClean="0"/>
-              <a:t>: To define outlierness metric, compare specific individual to random individual.</a:t>
-            </a:r>
-            <a:endParaRPr lang="en-US" sz="2800" dirty="0"/>
+              <a:t>. data</a:t>
+            </a:r>
+          </a:p>
+          <a:p>
+            <a:pPr marL="514350" indent="-514350">
+              <a:buFont typeface="+mj-lt"/>
+              <a:buAutoNum type="arabicPeriod"/>
+            </a:pPr>
+            <a:r>
+              <a:rPr lang="en-US" dirty="0" smtClean="0"/>
+              <a:t>Fix a model class with parameter vector </a:t>
+            </a:r>
+            <a:r>
+              <a:rPr lang="en-US" b="1" dirty="0" err="1" smtClean="0"/>
+              <a:t>θ</a:t>
+            </a:r>
+            <a:r>
+              <a:rPr lang="en-US" b="1" dirty="0" smtClean="0"/>
+              <a:t>.</a:t>
+            </a:r>
+          </a:p>
+          <a:p>
+            <a:pPr marL="514350" indent="-514350">
+              <a:buFont typeface="+mj-lt"/>
+              <a:buAutoNum type="arabicPeriod"/>
+            </a:pPr>
+            <a:r>
+              <a:rPr lang="en-US" dirty="0" smtClean="0"/>
+              <a:t>Learn parameters </a:t>
+            </a:r>
+            <a:r>
+              <a:rPr lang="en-US" b="1" dirty="0" err="1" smtClean="0"/>
+              <a:t>θ</a:t>
+            </a:r>
+            <a:r>
+              <a:rPr lang="en-US" b="1" baseline="-25000" dirty="0" err="1" smtClean="0"/>
+              <a:t>c</a:t>
+            </a:r>
+            <a:r>
+              <a:rPr lang="en-US" dirty="0" smtClean="0"/>
+              <a:t> for the entire class.</a:t>
+            </a:r>
+          </a:p>
+          <a:p>
+            <a:pPr marL="514350" indent="-514350">
+              <a:buFont typeface="+mj-lt"/>
+              <a:buAutoNum type="arabicPeriod"/>
+            </a:pPr>
+            <a:r>
+              <a:rPr lang="en-US" dirty="0" smtClean="0"/>
+              <a:t>Learn parameters </a:t>
+            </a:r>
+            <a:r>
+              <a:rPr lang="en-US" b="1" dirty="0" err="1" smtClean="0"/>
+              <a:t>θ</a:t>
+            </a:r>
+            <a:r>
+              <a:rPr lang="en-US" b="1" baseline="-25000" dirty="0" err="1" smtClean="0"/>
+              <a:t>o</a:t>
+            </a:r>
+            <a:r>
+              <a:rPr lang="en-US" dirty="0" smtClean="0"/>
+              <a:t> for a subgroup g.</a:t>
+            </a:r>
+          </a:p>
+          <a:p>
+            <a:pPr marL="514350" indent="-514350">
+              <a:buFont typeface="+mj-lt"/>
+              <a:buAutoNum type="arabicPeriod"/>
+            </a:pPr>
+            <a:r>
+              <a:rPr lang="en-US" dirty="0" smtClean="0"/>
+              <a:t>Measure difference between </a:t>
+            </a:r>
+            <a:r>
+              <a:rPr lang="en-US" b="1" dirty="0" err="1" smtClean="0"/>
+              <a:t>θ</a:t>
+            </a:r>
+            <a:r>
+              <a:rPr lang="en-US" b="1" baseline="-25000" dirty="0" err="1" smtClean="0"/>
+              <a:t>c</a:t>
+            </a:r>
+            <a:r>
+              <a:rPr lang="en-US" b="1" baseline="-25000" dirty="0" smtClean="0"/>
+              <a:t> </a:t>
+            </a:r>
+            <a:r>
+              <a:rPr lang="en-US" dirty="0" smtClean="0"/>
+              <a:t>and </a:t>
+            </a:r>
+            <a:r>
+              <a:rPr lang="en-US" b="1" dirty="0" err="1" smtClean="0"/>
+              <a:t>θ</a:t>
+            </a:r>
+            <a:r>
+              <a:rPr lang="en-US" b="1" baseline="-25000" dirty="0" err="1" smtClean="0"/>
+              <a:t>g</a:t>
+            </a:r>
+            <a:r>
+              <a:rPr lang="en-US" b="1" dirty="0" err="1" smtClean="0">
+                <a:latin typeface="Wingdings"/>
+                <a:ea typeface="Wingdings"/>
+                <a:cs typeface="Wingdings"/>
+                <a:sym typeface="Wingdings"/>
+              </a:rPr>
+              <a:t></a:t>
+            </a:r>
+            <a:r>
+              <a:rPr lang="en-US" b="1" dirty="0" err="1" smtClean="0">
+                <a:ea typeface="Wingdings"/>
+                <a:cs typeface="Wingdings"/>
+                <a:sym typeface="Wingdings"/>
+              </a:rPr>
+              <a:t>exceptionality</a:t>
+            </a:r>
+            <a:r>
+              <a:rPr lang="en-US" b="1" dirty="0" smtClean="0">
+                <a:ea typeface="Wingdings"/>
+                <a:cs typeface="Wingdings"/>
+                <a:sym typeface="Wingdings"/>
+              </a:rPr>
+              <a:t> metric for subgroup g.</a:t>
+            </a:r>
+          </a:p>
+          <a:p>
+            <a:pPr marL="514350" indent="-514350">
+              <a:buFont typeface="+mj-lt"/>
+              <a:buAutoNum type="arabicPeriod"/>
+            </a:pPr>
+            <a:r>
+              <a:rPr lang="en-US" dirty="0" smtClean="0">
+                <a:ea typeface="Wingdings"/>
+                <a:cs typeface="Wingdings"/>
+                <a:sym typeface="Wingdings"/>
+              </a:rPr>
+              <a:t>For relational data, an individual o = subgroup of size 1.</a:t>
+            </a:r>
+            <a:endParaRPr lang="en-US" dirty="0" smtClean="0"/>
+          </a:p>
+          <a:p>
+            <a:pPr marL="514350" indent="-514350">
+              <a:buFont typeface="+mj-lt"/>
+              <a:buAutoNum type="arabicPeriod"/>
+            </a:pPr>
+            <a:endParaRPr lang="en-US" dirty="0" smtClean="0"/>
+          </a:p>
+          <a:p>
+            <a:endParaRPr lang="en-US" dirty="0"/>
           </a:p>
         </p:txBody>
       </p:sp>
@@ -7904,26 +8416,76 @@
             <p:ph type="ftr" sz="quarter" idx="11"/>
           </p:nvPr>
         </p:nvSpPr>
-        <p:spPr/>
+        <p:spPr>
+          <a:xfrm>
+            <a:off x="914399" y="5690944"/>
+            <a:ext cx="6771921" cy="808279"/>
+          </a:xfrm>
+        </p:spPr>
         <p:txBody>
           <a:bodyPr/>
           <a:lstStyle/>
           <a:p>
-            <a:pPr>
-              <a:defRPr/>
-            </a:pPr>
-            <a:r>
-              <a:rPr lang="en-US" smtClean="0"/>
-              <a:t>Presentation Title At Venue</a:t>
-            </a:r>
-            <a:endParaRPr lang="en-US"/>
+            <a:r>
+              <a:rPr lang="en-US" dirty="0" err="1"/>
+              <a:t>Knobbe</a:t>
+            </a:r>
+            <a:r>
+              <a:rPr lang="en-US" dirty="0"/>
+              <a:t>, A.; </a:t>
+            </a:r>
+            <a:r>
+              <a:rPr lang="en-US" dirty="0" err="1"/>
+              <a:t>Feelders</a:t>
+            </a:r>
+            <a:r>
+              <a:rPr lang="en-US" dirty="0"/>
+              <a:t>, A. &amp; Leman, D. (2011), Exceptional Model </a:t>
+            </a:r>
+            <a:r>
+              <a:rPr lang="en-US" dirty="0" err="1"/>
+              <a:t>Mining'Data</a:t>
+            </a:r>
+            <a:r>
+              <a:rPr lang="en-US" dirty="0"/>
+              <a:t> Mining: Foundations and Intelligent Paradigms.', Springer </a:t>
+            </a:r>
+            <a:r>
+              <a:rPr lang="en-US" dirty="0" err="1"/>
+              <a:t>Verlag</a:t>
+            </a:r>
+            <a:r>
+              <a:rPr lang="en-US" dirty="0"/>
+              <a:t>, Heidelberg, </a:t>
+            </a:r>
+            <a:r>
+              <a:rPr lang="en-US" dirty="0" smtClean="0"/>
+              <a:t>Germany .</a:t>
+            </a:r>
+          </a:p>
+          <a:p>
+            <a:r>
+              <a:rPr lang="en-US" dirty="0"/>
+              <a:t>“Model-based Outlier Detection for Object-Relational Data”. </a:t>
+            </a:r>
+            <a:r>
+              <a:rPr lang="en-US" dirty="0" err="1"/>
+              <a:t>Riahi</a:t>
+            </a:r>
+            <a:r>
+              <a:rPr lang="en-US" dirty="0"/>
+              <a:t> and Schulte (2015). IEEE SSCI. </a:t>
+            </a:r>
+          </a:p>
+          <a:p>
+            <a:endParaRPr lang="en-US" dirty="0"/>
           </a:p>
         </p:txBody>
       </p:sp>
     </p:spTree>
     <p:extLst>
       <p:ext uri="{BB962C8B-B14F-4D97-AF65-F5344CB8AC3E}">
-        <p14:creationId xmlns:p14="http://schemas.microsoft.com/office/powerpoint/2010/main" val="1609664788"/>
+        <p14:creationId xmlns:p14="http://schemas.microsoft.com/office/powerpoint/2010/main" val="1225976139"/>
       </p:ext>
     </p:extLst>
   </p:cSld>
@@ -7933,8 +8495,8 @@
 </p:sld>
 </file>
 
-<file path=ppt/slides/slide13.xml><?xml version="1.0" encoding="utf-8"?>
-<p:sld xmlns:a="http://schemas.openxmlformats.org/drawingml/2006/main" xmlns:r="http://schemas.openxmlformats.org/officeDocument/2006/relationships" xmlns:p="http://schemas.openxmlformats.org/presentationml/2006/main">
+<file path=ppt/slides/slide14.xml><?xml version="1.0" encoding="utf-8"?>
+<p:sld xmlns:a="http://schemas.openxmlformats.org/drawingml/2006/main" xmlns:r="http://schemas.openxmlformats.org/officeDocument/2006/relationships" xmlns:p="http://schemas.openxmlformats.org/presentationml/2006/main" show="0">
   <p:cSld>
     <p:spTree>
       <p:nvGrpSpPr>
@@ -8426,6 +8988,14 @@
   <p:clrMapOvr>
     <a:masterClrMapping/>
   </p:clrMapOvr>
+  <mc:AlternateContent xmlns:mc="http://schemas.openxmlformats.org/markup-compatibility/2006">
+    <mc:Choice xmlns:p14="http://schemas.microsoft.com/office/powerpoint/2010/main" Requires="p14">
+      <p:transition spd="slow" p14:dur="2000"/>
+    </mc:Choice>
+    <mc:Fallback>
+      <p:transition xmlns:p14="http://schemas.microsoft.com/office/powerpoint/2010/main" spd="slow"/>
+    </mc:Fallback>
+  </mc:AlternateContent>
   <p:timing>
     <p:tnLst>
       <p:par>
@@ -8507,7 +9077,7 @@
 </p:sld>
 </file>
 
-<file path=ppt/slides/slide14.xml><?xml version="1.0" encoding="utf-8"?>
+<file path=ppt/slides/slide15.xml><?xml version="1.0" encoding="utf-8"?>
 <p:sld xmlns:a="http://schemas.openxmlformats.org/drawingml/2006/main" xmlns:r="http://schemas.openxmlformats.org/officeDocument/2006/relationships" xmlns:p="http://schemas.openxmlformats.org/presentationml/2006/main">
   <p:cSld>
     <p:spTree>
@@ -8548,7 +9118,7 @@
           <a:p>
             <a:r>
               <a:rPr lang="en-US" dirty="0" smtClean="0"/>
-              <a:t>Model-Based Outlier Detection for Relational Data</a:t>
+              <a:t>EMM-Based Outlier Detection for Relational Data</a:t>
             </a:r>
             <a:endParaRPr lang="en-US" dirty="0"/>
           </a:p>
@@ -8586,14 +9156,6 @@
               <a:rPr lang="en-US" dirty="0"/>
               <a:t> and Schulte (2015). IEEE SSCI. </a:t>
             </a:r>
-            <a:br>
-              <a:rPr lang="en-US" dirty="0"/>
-            </a:br>
-            <a:r>
-              <a:rPr lang="en-US" dirty="0" smtClean="0"/>
-              <a:t>Cite exceptional model mining.</a:t>
-            </a:r>
-            <a:endParaRPr lang="en-US" dirty="0"/>
           </a:p>
         </p:txBody>
       </p:sp>
@@ -8705,7 +9267,7 @@
         <p:spPr>
           <a:xfrm>
             <a:off x="608498" y="5059737"/>
-            <a:ext cx="7685590" cy="707886"/>
+            <a:ext cx="7685590" cy="1015663"/>
           </a:xfrm>
           <a:prstGeom prst="rect">
             <a:avLst/>
@@ -8736,6 +9298,17 @@
                 <a:latin typeface="+mn-lt"/>
               </a:rPr>
               <a:t>Measure of dissimilarity between class and individual BN</a:t>
+            </a:r>
+            <a:br>
+              <a:rPr lang="en-US" sz="2000" dirty="0" smtClean="0">
+                <a:latin typeface="+mn-lt"/>
+              </a:rPr>
+            </a:br>
+            <a:r>
+              <a:rPr lang="en-US" sz="2000" dirty="0" smtClean="0">
+                <a:latin typeface="+mn-lt"/>
+              </a:rPr>
+              <a:t>e.g. KLD, ELD (new)</a:t>
             </a:r>
             <a:endParaRPr lang="en-US" sz="2000" dirty="0">
               <a:latin typeface="+mn-lt"/>
@@ -9143,7 +9716,7 @@
 </p:sld>
 </file>
 
-<file path=ppt/slides/slide15.xml><?xml version="1.0" encoding="utf-8"?>
+<file path=ppt/slides/slide16.xml><?xml version="1.0" encoding="utf-8"?>
 <p:sld xmlns:a="http://schemas.openxmlformats.org/drawingml/2006/main" xmlns:r="http://schemas.openxmlformats.org/officeDocument/2006/relationships" xmlns:p="http://schemas.openxmlformats.org/presentationml/2006/main">
   <p:cSld>
     <p:spTree>
@@ -10292,7 +10865,7 @@
 </p:sld>
 </file>
 
-<file path=ppt/slides/slide16.xml><?xml version="1.0" encoding="utf-8"?>
+<file path=ppt/slides/slide17.xml><?xml version="1.0" encoding="utf-8"?>
 <p:sld xmlns:a="http://schemas.openxmlformats.org/drawingml/2006/main" xmlns:r="http://schemas.openxmlformats.org/officeDocument/2006/relationships" xmlns:p="http://schemas.openxmlformats.org/presentationml/2006/main">
   <p:cSld>
     <p:spTree>
@@ -10358,10 +10931,10 @@
               <a:defRPr/>
             </a:pPr>
             <a:r>
-              <a:rPr lang="en-US" smtClean="0"/>
-              <a:t>Presentation Title At Venue</a:t>
-            </a:r>
-            <a:endParaRPr lang="en-US"/>
+              <a:rPr lang="en-US" dirty="0" smtClean="0"/>
+              <a:t>Learning Bayesian Networks for Complex Relational Data</a:t>
+            </a:r>
+            <a:endParaRPr lang="en-US" dirty="0"/>
           </a:p>
         </p:txBody>
       </p:sp>
@@ -10490,12 +11063,12 @@
           <a:graphicData uri="http://schemas.openxmlformats.org/presentationml/2006/ole">
             <mc:AlternateContent xmlns:mc="http://schemas.openxmlformats.org/markup-compatibility/2006">
               <mc:Choice xmlns:v="urn:schemas-microsoft-com:vml" Requires="v">
-                <p:oleObj spid="_x0000_s2108" name="Equation" r:id="rId3" imgW="2260600" imgH="215900" progId="Equation.3">
+                <p:oleObj spid="_x0000_s2186" name="Equation" r:id="rId4" imgW="2260600" imgH="215900" progId="Equation.3">
                   <p:embed/>
                 </p:oleObj>
               </mc:Choice>
               <mc:Fallback>
-                <p:oleObj name="Equation" r:id="rId3" imgW="2260600" imgH="215900" progId="Equation.3">
+                <p:oleObj name="Equation" r:id="rId4" imgW="2260600" imgH="215900" progId="Equation.3">
                   <p:embed/>
                   <p:pic>
                     <p:nvPicPr>
@@ -10506,7 +11079,7 @@
                       <p:nvPr/>
                     </p:nvPicPr>
                     <p:blipFill>
-                      <a:blip r:embed="rId4"/>
+                      <a:blip r:embed="rId5"/>
                       <a:srcRect/>
                       <a:stretch>
                         <a:fillRect/>
@@ -10552,12 +11125,12 @@
           <a:graphicData uri="http://schemas.openxmlformats.org/presentationml/2006/ole">
             <mc:AlternateContent xmlns:mc="http://schemas.openxmlformats.org/markup-compatibility/2006">
               <mc:Choice xmlns:v="urn:schemas-microsoft-com:vml" Requires="v">
-                <p:oleObj spid="_x0000_s2109" name="Equation" r:id="rId5" imgW="4686300" imgH="698500" progId="Equation.3">
+                <p:oleObj spid="_x0000_s2187" name="Equation" r:id="rId6" imgW="4686300" imgH="698500" progId="Equation.3">
                   <p:embed/>
                 </p:oleObj>
               </mc:Choice>
               <mc:Fallback>
-                <p:oleObj name="Equation" r:id="rId5" imgW="4686300" imgH="698500" progId="Equation.3">
+                <p:oleObj name="Equation" r:id="rId6" imgW="4686300" imgH="698500" progId="Equation.3">
                   <p:embed/>
                   <p:pic>
                     <p:nvPicPr>
@@ -10568,7 +11141,7 @@
                       <p:nvPr/>
                     </p:nvPicPr>
                     <p:blipFill>
-                      <a:blip r:embed="rId6"/>
+                      <a:blip r:embed="rId7"/>
                       <a:srcRect/>
                       <a:stretch>
                         <a:fillRect/>
@@ -10605,7 +11178,7 @@
 </p:sld>
 </file>
 
-<file path=ppt/slides/slide17.xml><?xml version="1.0" encoding="utf-8"?>
+<file path=ppt/slides/slide18.xml><?xml version="1.0" encoding="utf-8"?>
 <p:sld xmlns:a="http://schemas.openxmlformats.org/drawingml/2006/main" xmlns:r="http://schemas.openxmlformats.org/officeDocument/2006/relationships" xmlns:p="http://schemas.openxmlformats.org/presentationml/2006/main">
   <p:cSld>
     <p:spTree>
@@ -10664,10 +11237,10 @@
               <a:defRPr/>
             </a:pPr>
             <a:r>
-              <a:rPr lang="en-US" smtClean="0"/>
-              <a:t>Presentation Title At Venue</a:t>
-            </a:r>
-            <a:endParaRPr lang="en-US"/>
+              <a:rPr lang="en-US" dirty="0" smtClean="0"/>
+              <a:t>Learning Bayesian Networks for Complex Relational Data</a:t>
+            </a:r>
+            <a:endParaRPr lang="en-US" dirty="0"/>
           </a:p>
         </p:txBody>
       </p:sp>
@@ -10681,14 +11254,14 @@
             <p:ph sz="quarter" idx="1"/>
             <p:extLst>
               <p:ext uri="{D42A27DB-BD31-4B8C-83A1-F6EECF244321}">
-                <p14:modId xmlns:p14="http://schemas.microsoft.com/office/powerpoint/2010/main" val="3604527329"/>
+                <p14:modId xmlns:p14="http://schemas.microsoft.com/office/powerpoint/2010/main" val="4095528125"/>
               </p:ext>
             </p:extLst>
           </p:nvPr>
         </p:nvGraphicFramePr>
         <p:xfrm>
           <a:off x="411728" y="1633017"/>
-          <a:ext cx="7772401" cy="741680"/>
+          <a:ext cx="7894989" cy="932180"/>
         </p:xfrm>
         <a:graphic>
           <a:graphicData uri="http://schemas.openxmlformats.org/drawingml/2006/table">
@@ -10701,8 +11274,8 @@
                 <a:gridCol w="1110343"/>
                 <a:gridCol w="1110343"/>
                 <a:gridCol w="1110343"/>
-                <a:gridCol w="1110343"/>
-                <a:gridCol w="1110343"/>
+                <a:gridCol w="1125426"/>
+                <a:gridCol w="1217848"/>
                 <a:gridCol w="1110343"/>
               </a:tblGrid>
               <a:tr h="370840">
@@ -10713,12 +11286,12 @@
                     <a:p>
                       <a:pPr algn="l" fontAlgn="b"/>
                       <a:r>
-                        <a:rPr lang="en-US" sz="1200" b="0" i="0" u="none" strike="noStrike" dirty="0">
+                        <a:rPr lang="en-US" sz="1800" b="0" i="0" u="none" strike="noStrike" dirty="0">
                           <a:solidFill>
                             <a:srgbClr val="000000"/>
                           </a:solidFill>
                           <a:effectLst/>
-                          <a:latin typeface="Calibri"/>
+                          <a:latin typeface="+mn-lt"/>
                         </a:rPr>
                         <a:t>gender(A)</a:t>
                       </a:r>
@@ -10733,12 +11306,12 @@
                     <a:p>
                       <a:pPr algn="l" fontAlgn="b"/>
                       <a:r>
-                        <a:rPr lang="en-US" sz="1200" b="0" i="0" u="none" strike="noStrike">
+                        <a:rPr lang="en-US" sz="1800" b="0" i="0" u="none" strike="noStrike">
                           <a:solidFill>
                             <a:srgbClr val="000000"/>
                           </a:solidFill>
                           <a:effectLst/>
-                          <a:latin typeface="Calibri"/>
+                          <a:latin typeface="+mn-lt"/>
                         </a:rPr>
                         <a:t>individual joint</a:t>
                       </a:r>
@@ -10753,12 +11326,12 @@
                     <a:p>
                       <a:pPr algn="l" fontAlgn="b"/>
                       <a:r>
-                        <a:rPr lang="en-US" sz="1200" b="0" i="0" u="none" strike="noStrike">
+                        <a:rPr lang="en-US" sz="1800" b="0" i="0" u="none" strike="noStrike">
                           <a:solidFill>
                             <a:srgbClr val="000000"/>
                           </a:solidFill>
                           <a:effectLst/>
-                          <a:latin typeface="Calibri"/>
+                          <a:latin typeface="+mn-lt"/>
                         </a:rPr>
                         <a:t>individual cond</a:t>
                       </a:r>
@@ -10773,12 +11346,12 @@
                     <a:p>
                       <a:pPr algn="l" fontAlgn="b"/>
                       <a:r>
-                        <a:rPr lang="en-US" sz="1200" b="0" i="0" u="none" strike="noStrike">
+                        <a:rPr lang="en-US" sz="1800" b="0" i="0" u="none" strike="noStrike">
                           <a:solidFill>
                             <a:srgbClr val="000000"/>
                           </a:solidFill>
                           <a:effectLst/>
-                          <a:latin typeface="Calibri"/>
+                          <a:latin typeface="+mn-lt"/>
                         </a:rPr>
                         <a:t>class cond</a:t>
                       </a:r>
@@ -10793,12 +11366,12 @@
                     <a:p>
                       <a:pPr algn="l" fontAlgn="b"/>
                       <a:r>
-                        <a:rPr lang="en-US" sz="1200" b="0" i="0" u="none" strike="noStrike">
+                        <a:rPr lang="en-US" sz="1800" b="0" i="0" u="none" strike="noStrike">
                           <a:solidFill>
                             <a:srgbClr val="000000"/>
                           </a:solidFill>
                           <a:effectLst/>
-                          <a:latin typeface="Calibri"/>
+                          <a:latin typeface="+mn-lt"/>
                         </a:rPr>
                         <a:t>ln(ind.cond.)</a:t>
                       </a:r>
@@ -10813,12 +11386,12 @@
                     <a:p>
                       <a:pPr algn="l" fontAlgn="b"/>
                       <a:r>
-                        <a:rPr lang="en-US" sz="1200" b="0" i="0" u="none" strike="noStrike">
+                        <a:rPr lang="en-US" sz="1800" b="0" i="0" u="none" strike="noStrike">
                           <a:solidFill>
                             <a:srgbClr val="000000"/>
                           </a:solidFill>
                           <a:effectLst/>
-                          <a:latin typeface="Calibri"/>
+                          <a:latin typeface="+mn-lt"/>
                         </a:rPr>
                         <a:t>ln(class cond.)</a:t>
                       </a:r>
@@ -10833,12 +11406,12 @@
                     <a:p>
                       <a:pPr algn="l" fontAlgn="b"/>
                       <a:r>
-                        <a:rPr lang="en-US" sz="1200" b="0" i="0" u="none" strike="noStrike">
+                        <a:rPr lang="en-US" sz="1800" b="0" i="0" u="none" strike="noStrike">
                           <a:solidFill>
                             <a:srgbClr val="000000"/>
                           </a:solidFill>
                           <a:effectLst/>
-                          <a:latin typeface="Calibri"/>
+                          <a:latin typeface="+mn-lt"/>
                         </a:rPr>
                         <a:t>KLD</a:t>
                       </a:r>
@@ -10855,12 +11428,12 @@
                     <a:p>
                       <a:pPr algn="l" fontAlgn="b"/>
                       <a:r>
-                        <a:rPr lang="en-US" sz="1200" b="0" i="0" u="none" strike="noStrike">
+                        <a:rPr lang="en-US" sz="1800" b="0" i="0" u="none" strike="noStrike">
                           <a:solidFill>
                             <a:srgbClr val="000000"/>
                           </a:solidFill>
                           <a:effectLst/>
-                          <a:latin typeface="Calibri"/>
+                          <a:latin typeface="+mn-lt"/>
                         </a:rPr>
                         <a:t>M</a:t>
                       </a:r>
@@ -10875,12 +11448,12 @@
                     <a:p>
                       <a:pPr algn="r" fontAlgn="b"/>
                       <a:r>
-                        <a:rPr lang="en-US" sz="1200" b="0" i="0" u="none" strike="noStrike">
+                        <a:rPr lang="en-US" sz="1800" b="0" i="0" u="none" strike="noStrike">
                           <a:solidFill>
                             <a:srgbClr val="000000"/>
                           </a:solidFill>
                           <a:effectLst/>
-                          <a:latin typeface="Calibri"/>
+                          <a:latin typeface="+mn-lt"/>
                         </a:rPr>
                         <a:t>1</a:t>
                       </a:r>
@@ -10895,12 +11468,12 @@
                     <a:p>
                       <a:pPr algn="r" fontAlgn="b"/>
                       <a:r>
-                        <a:rPr lang="en-US" sz="1200" b="0" i="0" u="none" strike="noStrike">
+                        <a:rPr lang="en-US" sz="1800" b="0" i="0" u="none" strike="noStrike">
                           <a:solidFill>
                             <a:srgbClr val="000000"/>
                           </a:solidFill>
                           <a:effectLst/>
-                          <a:latin typeface="Calibri"/>
+                          <a:latin typeface="+mn-lt"/>
                         </a:rPr>
                         <a:t>1</a:t>
                       </a:r>
@@ -10915,12 +11488,12 @@
                     <a:p>
                       <a:pPr algn="r" fontAlgn="b"/>
                       <a:r>
-                        <a:rPr lang="en-US" sz="1200" b="0" i="0" u="none" strike="noStrike">
+                        <a:rPr lang="en-US" sz="1800" b="0" i="0" u="none" strike="noStrike">
                           <a:solidFill>
                             <a:srgbClr val="000000"/>
                           </a:solidFill>
                           <a:effectLst/>
-                          <a:latin typeface="Calibri"/>
+                          <a:latin typeface="+mn-lt"/>
                         </a:rPr>
                         <a:t>0.5</a:t>
                       </a:r>
@@ -10935,12 +11508,12 @@
                     <a:p>
                       <a:pPr algn="r" fontAlgn="b"/>
                       <a:r>
-                        <a:rPr lang="en-US" sz="1200" b="0" i="0" u="none" strike="noStrike">
+                        <a:rPr lang="en-US" sz="1800" b="0" i="0" u="none" strike="noStrike">
                           <a:solidFill>
                             <a:srgbClr val="000000"/>
                           </a:solidFill>
                           <a:effectLst/>
-                          <a:latin typeface="Calibri"/>
+                          <a:latin typeface="+mn-lt"/>
                         </a:rPr>
                         <a:t>0</a:t>
                       </a:r>
@@ -10955,12 +11528,12 @@
                     <a:p>
                       <a:pPr algn="r" fontAlgn="b"/>
                       <a:r>
-                        <a:rPr lang="en-US" sz="1200" b="0" i="0" u="none" strike="noStrike">
+                        <a:rPr lang="en-US" sz="1800" b="0" i="0" u="none" strike="noStrike">
                           <a:solidFill>
                             <a:srgbClr val="000000"/>
                           </a:solidFill>
                           <a:effectLst/>
-                          <a:latin typeface="Calibri"/>
+                          <a:latin typeface="+mn-lt"/>
                         </a:rPr>
                         <a:t>-0.69</a:t>
                       </a:r>
@@ -10975,12 +11548,12 @@
                     <a:p>
                       <a:pPr algn="r" fontAlgn="b"/>
                       <a:r>
-                        <a:rPr lang="en-US" sz="1200" b="0" i="0" u="none" strike="noStrike" dirty="0">
+                        <a:rPr lang="en-US" sz="1800" b="0" i="0" u="none" strike="noStrike" dirty="0">
                           <a:solidFill>
                             <a:srgbClr val="000000"/>
                           </a:solidFill>
                           <a:effectLst/>
-                          <a:latin typeface="Calibri"/>
+                          <a:latin typeface="+mn-lt"/>
                         </a:rPr>
                         <a:t>0.69</a:t>
                       </a:r>
@@ -11002,14 +11575,14 @@
           <p:nvPr>
             <p:extLst>
               <p:ext uri="{D42A27DB-BD31-4B8C-83A1-F6EECF244321}">
-                <p14:modId xmlns:p14="http://schemas.microsoft.com/office/powerpoint/2010/main" val="3476725142"/>
+                <p14:modId xmlns:p14="http://schemas.microsoft.com/office/powerpoint/2010/main" val="2141492348"/>
               </p:ext>
             </p:extLst>
           </p:nvPr>
         </p:nvGraphicFramePr>
         <p:xfrm>
-          <a:off x="411728" y="2891967"/>
-          <a:ext cx="7869132" cy="1982796"/>
+          <a:off x="220372" y="2891967"/>
+          <a:ext cx="8695854" cy="2048437"/>
         </p:xfrm>
         <a:graphic>
           <a:graphicData uri="http://schemas.openxmlformats.org/drawingml/2006/table">
@@ -11018,14 +11591,14 @@
                 <a:tableStyleId>{5C22544A-7EE6-4342-B048-85BDC9FD1C3A}</a:tableStyleId>
               </a:tblPr>
               <a:tblGrid>
+                <a:gridCol w="1073522"/>
+                <a:gridCol w="874348"/>
+                <a:gridCol w="907318"/>
                 <a:gridCol w="874348"/>
                 <a:gridCol w="874348"/>
                 <a:gridCol w="874348"/>
-                <a:gridCol w="874348"/>
-                <a:gridCol w="874348"/>
-                <a:gridCol w="874348"/>
-                <a:gridCol w="874348"/>
-                <a:gridCol w="874348"/>
+                <a:gridCol w="1125426"/>
+                <a:gridCol w="1217848"/>
                 <a:gridCol w="874348"/>
               </a:tblGrid>
               <a:tr h="495699">
@@ -11036,22 +11609,22 @@
                     <a:p>
                       <a:pPr algn="l" fontAlgn="b"/>
                       <a:r>
-                        <a:rPr lang="en-US" sz="1200" b="0" i="0" u="none" strike="noStrike" dirty="0" err="1">
+                        <a:rPr lang="en-US" sz="1800" b="0" i="0" u="none" strike="noStrike" dirty="0" err="1">
                           <a:solidFill>
                             <a:srgbClr val="000000"/>
                           </a:solidFill>
                           <a:effectLst/>
-                          <a:latin typeface="Calibri"/>
+                          <a:latin typeface="+mn-lt"/>
                         </a:rPr>
                         <a:t>ActsIn</a:t>
                       </a:r>
                       <a:r>
-                        <a:rPr lang="en-US" sz="1200" b="0" i="0" u="none" strike="noStrike" dirty="0">
+                        <a:rPr lang="en-US" sz="1800" b="0" i="0" u="none" strike="noStrike" dirty="0">
                           <a:solidFill>
                             <a:srgbClr val="000000"/>
                           </a:solidFill>
                           <a:effectLst/>
-                          <a:latin typeface="Calibri"/>
+                          <a:latin typeface="+mn-lt"/>
                         </a:rPr>
                         <a:t>(A,M)</a:t>
                       </a:r>
@@ -11066,12 +11639,12 @@
                     <a:p>
                       <a:pPr algn="l" fontAlgn="b"/>
                       <a:r>
-                        <a:rPr lang="en-US" sz="1200" b="0" i="0" u="none" strike="noStrike">
+                        <a:rPr lang="en-US" sz="1800" b="0" i="0" u="none" strike="noStrike" dirty="0">
                           <a:solidFill>
                             <a:srgbClr val="000000"/>
                           </a:solidFill>
                           <a:effectLst/>
-                          <a:latin typeface="Calibri"/>
+                          <a:latin typeface="+mn-lt"/>
                         </a:rPr>
                         <a:t>gender(A)</a:t>
                       </a:r>
@@ -11086,12 +11659,12 @@
                     <a:p>
                       <a:pPr algn="l" fontAlgn="b"/>
                       <a:r>
-                        <a:rPr lang="en-US" sz="1200" b="0" i="0" u="none" strike="noStrike">
+                        <a:rPr lang="en-US" sz="1800" b="0" i="0" u="none" strike="noStrike">
                           <a:solidFill>
                             <a:srgbClr val="000000"/>
                           </a:solidFill>
                           <a:effectLst/>
-                          <a:latin typeface="Calibri"/>
+                          <a:latin typeface="+mn-lt"/>
                         </a:rPr>
                         <a:t>Drama(M)</a:t>
                       </a:r>
@@ -11106,12 +11679,12 @@
                     <a:p>
                       <a:pPr algn="l" fontAlgn="b"/>
                       <a:r>
-                        <a:rPr lang="en-US" sz="1200" b="0" i="0" u="none" strike="noStrike">
+                        <a:rPr lang="en-US" sz="1800" b="0" i="0" u="none" strike="noStrike">
                           <a:solidFill>
                             <a:srgbClr val="000000"/>
                           </a:solidFill>
                           <a:effectLst/>
-                          <a:latin typeface="Calibri"/>
+                          <a:latin typeface="+mn-lt"/>
                         </a:rPr>
                         <a:t>individual joint</a:t>
                       </a:r>
@@ -11126,12 +11699,12 @@
                     <a:p>
                       <a:pPr algn="l" fontAlgn="b"/>
                       <a:r>
-                        <a:rPr lang="en-US" sz="1200" b="0" i="0" u="none" strike="noStrike">
+                        <a:rPr lang="en-US" sz="1800" b="0" i="0" u="none" strike="noStrike">
                           <a:solidFill>
                             <a:srgbClr val="000000"/>
                           </a:solidFill>
                           <a:effectLst/>
-                          <a:latin typeface="Calibri"/>
+                          <a:latin typeface="+mn-lt"/>
                         </a:rPr>
                         <a:t>individual cond</a:t>
                       </a:r>
@@ -11146,12 +11719,12 @@
                     <a:p>
                       <a:pPr algn="l" fontAlgn="b"/>
                       <a:r>
-                        <a:rPr lang="en-US" sz="1200" b="0" i="0" u="none" strike="noStrike">
+                        <a:rPr lang="en-US" sz="1800" b="0" i="0" u="none" strike="noStrike">
                           <a:solidFill>
                             <a:srgbClr val="000000"/>
                           </a:solidFill>
                           <a:effectLst/>
-                          <a:latin typeface="Calibri"/>
+                          <a:latin typeface="+mn-lt"/>
                         </a:rPr>
                         <a:t>class cond</a:t>
                       </a:r>
@@ -11166,12 +11739,12 @@
                     <a:p>
                       <a:pPr algn="l" fontAlgn="b"/>
                       <a:r>
-                        <a:rPr lang="en-US" sz="1200" b="0" i="0" u="none" strike="noStrike">
+                        <a:rPr lang="en-US" sz="1800" b="0" i="0" u="none" strike="noStrike">
                           <a:solidFill>
                             <a:srgbClr val="000000"/>
                           </a:solidFill>
                           <a:effectLst/>
-                          <a:latin typeface="Calibri"/>
+                          <a:latin typeface="+mn-lt"/>
                         </a:rPr>
                         <a:t>ln(ind.cond.)</a:t>
                       </a:r>
@@ -11186,12 +11759,12 @@
                     <a:p>
                       <a:pPr algn="l" fontAlgn="b"/>
                       <a:r>
-                        <a:rPr lang="en-US" sz="1200" b="0" i="0" u="none" strike="noStrike">
+                        <a:rPr lang="en-US" sz="1800" b="0" i="0" u="none" strike="noStrike">
                           <a:solidFill>
                             <a:srgbClr val="000000"/>
                           </a:solidFill>
                           <a:effectLst/>
-                          <a:latin typeface="Calibri"/>
+                          <a:latin typeface="+mn-lt"/>
                         </a:rPr>
                         <a:t>ln(class cond.)</a:t>
                       </a:r>
@@ -11206,12 +11779,12 @@
                     <a:p>
                       <a:pPr algn="l" fontAlgn="b"/>
                       <a:r>
-                        <a:rPr lang="en-US" sz="1200" b="0" i="0" u="none" strike="noStrike">
+                        <a:rPr lang="en-US" sz="1800" b="0" i="0" u="none" strike="noStrike">
                           <a:solidFill>
                             <a:srgbClr val="000000"/>
                           </a:solidFill>
                           <a:effectLst/>
-                          <a:latin typeface="Calibri"/>
+                          <a:latin typeface="+mn-lt"/>
                         </a:rPr>
                         <a:t>KLD</a:t>
                       </a:r>
@@ -11228,12 +11801,12 @@
                     <a:p>
                       <a:pPr algn="l" fontAlgn="b"/>
                       <a:r>
-                        <a:rPr lang="en-US" sz="1200" b="0" i="0" u="none" strike="noStrike">
+                        <a:rPr lang="en-US" sz="1800" b="0" i="0" u="none" strike="noStrike">
                           <a:solidFill>
                             <a:srgbClr val="000000"/>
                           </a:solidFill>
                           <a:effectLst/>
-                          <a:latin typeface="Calibri"/>
+                          <a:latin typeface="+mn-lt"/>
                         </a:rPr>
                         <a:t>F</a:t>
                       </a:r>
@@ -11248,12 +11821,12 @@
                     <a:p>
                       <a:pPr algn="l" fontAlgn="b"/>
                       <a:r>
-                        <a:rPr lang="en-US" sz="1200" b="0" i="0" u="none" strike="noStrike">
+                        <a:rPr lang="en-US" sz="1800" b="0" i="0" u="none" strike="noStrike">
                           <a:solidFill>
                             <a:srgbClr val="000000"/>
                           </a:solidFill>
                           <a:effectLst/>
-                          <a:latin typeface="Calibri"/>
+                          <a:latin typeface="+mn-lt"/>
                         </a:rPr>
                         <a:t>M</a:t>
                       </a:r>
@@ -11268,12 +11841,12 @@
                     <a:p>
                       <a:pPr algn="l" fontAlgn="b"/>
                       <a:r>
-                        <a:rPr lang="en-US" sz="1200" b="0" i="0" u="none" strike="noStrike">
+                        <a:rPr lang="en-US" sz="1800" b="0" i="0" u="none" strike="noStrike">
                           <a:solidFill>
                             <a:srgbClr val="000000"/>
                           </a:solidFill>
                           <a:effectLst/>
-                          <a:latin typeface="Calibri"/>
+                          <a:latin typeface="+mn-lt"/>
                         </a:rPr>
                         <a:t>T</a:t>
                       </a:r>
@@ -11288,12 +11861,12 @@
                     <a:p>
                       <a:pPr algn="r" fontAlgn="b"/>
                       <a:r>
-                        <a:rPr lang="en-US" sz="1200" b="0" i="0" u="none" strike="noStrike">
+                        <a:rPr lang="en-US" sz="1800" b="0" i="0" u="none" strike="noStrike">
                           <a:solidFill>
                             <a:srgbClr val="000000"/>
                           </a:solidFill>
                           <a:effectLst/>
-                          <a:latin typeface="Calibri"/>
+                          <a:latin typeface="+mn-lt"/>
                         </a:rPr>
                         <a:t> 1/2</a:t>
                       </a:r>
@@ -11308,12 +11881,12 @@
                     <a:p>
                       <a:pPr algn="r" fontAlgn="b"/>
                       <a:r>
-                        <a:rPr lang="en-US" sz="1200" b="0" i="0" u="none" strike="noStrike">
+                        <a:rPr lang="en-US" sz="1800" b="0" i="0" u="none" strike="noStrike">
                           <a:solidFill>
                             <a:srgbClr val="000000"/>
                           </a:solidFill>
                           <a:effectLst/>
-                          <a:latin typeface="Calibri"/>
+                          <a:latin typeface="+mn-lt"/>
                         </a:rPr>
                         <a:t>1</a:t>
                       </a:r>
@@ -11328,12 +11901,12 @@
                     <a:p>
                       <a:pPr algn="r" fontAlgn="b"/>
                       <a:r>
-                        <a:rPr lang="en-US" sz="1200" b="0" i="0" u="none" strike="noStrike">
+                        <a:rPr lang="en-US" sz="1800" b="0" i="0" u="none" strike="noStrike">
                           <a:solidFill>
                             <a:srgbClr val="000000"/>
                           </a:solidFill>
                           <a:effectLst/>
-                          <a:latin typeface="Calibri"/>
+                          <a:latin typeface="+mn-lt"/>
                         </a:rPr>
                         <a:t>0.5</a:t>
                       </a:r>
@@ -11348,12 +11921,12 @@
                     <a:p>
                       <a:pPr algn="r" fontAlgn="b"/>
                       <a:r>
-                        <a:rPr lang="en-US" sz="1200" b="0" i="0" u="none" strike="noStrike">
+                        <a:rPr lang="en-US" sz="1800" b="0" i="0" u="none" strike="noStrike">
                           <a:solidFill>
                             <a:srgbClr val="000000"/>
                           </a:solidFill>
                           <a:effectLst/>
-                          <a:latin typeface="Calibri"/>
+                          <a:latin typeface="+mn-lt"/>
                         </a:rPr>
                         <a:t>0</a:t>
                       </a:r>
@@ -11368,12 +11941,12 @@
                     <a:p>
                       <a:pPr algn="r" fontAlgn="b"/>
                       <a:r>
-                        <a:rPr lang="en-US" sz="1200" b="0" i="0" u="none" strike="noStrike">
+                        <a:rPr lang="en-US" sz="1800" b="0" i="0" u="none" strike="noStrike">
                           <a:solidFill>
                             <a:srgbClr val="000000"/>
                           </a:solidFill>
                           <a:effectLst/>
-                          <a:latin typeface="Calibri"/>
+                          <a:latin typeface="+mn-lt"/>
                         </a:rPr>
                         <a:t>-0.69</a:t>
                       </a:r>
@@ -11388,12 +11961,12 @@
                     <a:p>
                       <a:pPr algn="r" fontAlgn="b"/>
                       <a:r>
-                        <a:rPr lang="en-US" sz="1200" b="0" i="0" u="none" strike="noStrike">
+                        <a:rPr lang="en-US" sz="1800" b="0" i="0" u="none" strike="noStrike">
                           <a:solidFill>
                             <a:srgbClr val="000000"/>
                           </a:solidFill>
                           <a:effectLst/>
-                          <a:latin typeface="Calibri"/>
+                          <a:latin typeface="+mn-lt"/>
                         </a:rPr>
                         <a:t>0.35</a:t>
                       </a:r>
@@ -11410,12 +11983,12 @@
                     <a:p>
                       <a:pPr algn="l" fontAlgn="b"/>
                       <a:r>
-                        <a:rPr lang="en-US" sz="1200" b="0" i="0" u="none" strike="noStrike">
+                        <a:rPr lang="en-US" sz="1800" b="0" i="0" u="none" strike="noStrike">
                           <a:solidFill>
                             <a:srgbClr val="000000"/>
                           </a:solidFill>
                           <a:effectLst/>
-                          <a:latin typeface="Calibri"/>
+                          <a:latin typeface="+mn-lt"/>
                         </a:rPr>
                         <a:t>F</a:t>
                       </a:r>
@@ -11430,12 +12003,12 @@
                     <a:p>
                       <a:pPr algn="l" fontAlgn="b"/>
                       <a:r>
-                        <a:rPr lang="en-US" sz="1200" b="0" i="0" u="none" strike="noStrike">
+                        <a:rPr lang="en-US" sz="1800" b="0" i="0" u="none" strike="noStrike">
                           <a:solidFill>
                             <a:srgbClr val="000000"/>
                           </a:solidFill>
                           <a:effectLst/>
-                          <a:latin typeface="Calibri"/>
+                          <a:latin typeface="+mn-lt"/>
                         </a:rPr>
                         <a:t>M</a:t>
                       </a:r>
@@ -11450,12 +12023,12 @@
                     <a:p>
                       <a:pPr algn="l" fontAlgn="b"/>
                       <a:r>
-                        <a:rPr lang="en-US" sz="1200" b="0" i="0" u="none" strike="noStrike">
+                        <a:rPr lang="en-US" sz="1800" b="0" i="0" u="none" strike="noStrike">
                           <a:solidFill>
                             <a:srgbClr val="000000"/>
                           </a:solidFill>
                           <a:effectLst/>
-                          <a:latin typeface="Calibri"/>
+                          <a:latin typeface="+mn-lt"/>
                         </a:rPr>
                         <a:t>F</a:t>
                       </a:r>
@@ -11470,15 +12043,22 @@
                     <a:p>
                       <a:pPr algn="r" fontAlgn="b"/>
                       <a:r>
-                        <a:rPr lang="en-US" sz="1200" b="0" i="0" u="none" strike="noStrike">
+                        <a:rPr lang="en-US" sz="1800" b="0" i="0" u="none" strike="noStrike" dirty="0" smtClean="0">
                           <a:solidFill>
                             <a:srgbClr val="000000"/>
                           </a:solidFill>
                           <a:effectLst/>
-                          <a:latin typeface="Calibri"/>
+                          <a:latin typeface="+mn-lt"/>
                         </a:rPr>
-                        <a:t>0.5</a:t>
+                        <a:t>1/2</a:t>
                       </a:r>
+                      <a:endParaRPr lang="en-US" sz="1800" b="0" i="0" u="none" strike="noStrike" dirty="0">
+                        <a:solidFill>
+                          <a:srgbClr val="000000"/>
+                        </a:solidFill>
+                        <a:effectLst/>
+                        <a:latin typeface="+mn-lt"/>
+                      </a:endParaRPr>
                     </a:p>
                   </a:txBody>
                   <a:tcPr marL="12700" marR="12700" marT="12700" marB="0" anchor="b"/>
@@ -11490,12 +12070,12 @@
                     <a:p>
                       <a:pPr algn="r" fontAlgn="b"/>
                       <a:r>
-                        <a:rPr lang="en-US" sz="1200" b="0" i="0" u="none" strike="noStrike">
+                        <a:rPr lang="en-US" sz="1800" b="0" i="0" u="none" strike="noStrike">
                           <a:solidFill>
                             <a:srgbClr val="000000"/>
                           </a:solidFill>
                           <a:effectLst/>
-                          <a:latin typeface="Calibri"/>
+                          <a:latin typeface="+mn-lt"/>
                         </a:rPr>
                         <a:t>1</a:t>
                       </a:r>
@@ -11510,12 +12090,12 @@
                     <a:p>
                       <a:pPr algn="r" fontAlgn="b"/>
                       <a:r>
-                        <a:rPr lang="en-US" sz="1200" b="0" i="0" u="none" strike="noStrike">
+                        <a:rPr lang="en-US" sz="1800" b="0" i="0" u="none" strike="noStrike">
                           <a:solidFill>
                             <a:srgbClr val="000000"/>
                           </a:solidFill>
                           <a:effectLst/>
-                          <a:latin typeface="Calibri"/>
+                          <a:latin typeface="+mn-lt"/>
                         </a:rPr>
                         <a:t>1</a:t>
                       </a:r>
@@ -11530,12 +12110,12 @@
                     <a:p>
                       <a:pPr algn="r" fontAlgn="b"/>
                       <a:r>
-                        <a:rPr lang="en-US" sz="1200" b="0" i="0" u="none" strike="noStrike">
+                        <a:rPr lang="en-US" sz="1800" b="0" i="0" u="none" strike="noStrike">
                           <a:solidFill>
                             <a:srgbClr val="000000"/>
                           </a:solidFill>
                           <a:effectLst/>
-                          <a:latin typeface="Calibri"/>
+                          <a:latin typeface="+mn-lt"/>
                         </a:rPr>
                         <a:t>0</a:t>
                       </a:r>
@@ -11550,12 +12130,12 @@
                     <a:p>
                       <a:pPr algn="r" fontAlgn="b"/>
                       <a:r>
-                        <a:rPr lang="en-US" sz="1200" b="0" i="0" u="none" strike="noStrike">
+                        <a:rPr lang="en-US" sz="1800" b="0" i="0" u="none" strike="noStrike">
                           <a:solidFill>
                             <a:srgbClr val="000000"/>
                           </a:solidFill>
                           <a:effectLst/>
-                          <a:latin typeface="Calibri"/>
+                          <a:latin typeface="+mn-lt"/>
                         </a:rPr>
                         <a:t>0.00</a:t>
                       </a:r>
@@ -11570,12 +12150,12 @@
                     <a:p>
                       <a:pPr algn="r" fontAlgn="b"/>
                       <a:r>
-                        <a:rPr lang="en-US" sz="1200" b="0" i="0" u="none" strike="noStrike">
+                        <a:rPr lang="en-US" sz="1800" b="0" i="0" u="none" strike="noStrike">
                           <a:solidFill>
                             <a:srgbClr val="000000"/>
                           </a:solidFill>
                           <a:effectLst/>
-                          <a:latin typeface="Calibri"/>
+                          <a:latin typeface="+mn-lt"/>
                         </a:rPr>
                         <a:t>0.00</a:t>
                       </a:r>
@@ -11591,12 +12171,12 @@
                     <a:lstStyle/>
                     <a:p>
                       <a:pPr algn="l" fontAlgn="b"/>
-                      <a:endParaRPr lang="en-US" sz="1200" b="0" i="0" u="none" strike="noStrike">
+                      <a:endParaRPr lang="en-US" sz="1800" b="0" i="0" u="none" strike="noStrike">
                         <a:solidFill>
                           <a:srgbClr val="000000"/>
                         </a:solidFill>
                         <a:effectLst/>
-                        <a:latin typeface="Calibri"/>
+                        <a:latin typeface="+mn-lt"/>
                       </a:endParaRPr>
                     </a:p>
                   </a:txBody>
@@ -11608,12 +12188,12 @@
                     <a:lstStyle/>
                     <a:p>
                       <a:pPr algn="l" fontAlgn="b"/>
-                      <a:endParaRPr lang="en-US" sz="1200" b="0" i="0" u="none" strike="noStrike">
+                      <a:endParaRPr lang="en-US" sz="1800" b="0" i="0" u="none" strike="noStrike">
                         <a:solidFill>
                           <a:srgbClr val="000000"/>
                         </a:solidFill>
                         <a:effectLst/>
-                        <a:latin typeface="Calibri"/>
+                        <a:latin typeface="+mn-lt"/>
                       </a:endParaRPr>
                     </a:p>
                   </a:txBody>
@@ -11625,12 +12205,12 @@
                     <a:lstStyle/>
                     <a:p>
                       <a:pPr algn="l" fontAlgn="b"/>
-                      <a:endParaRPr lang="en-US" sz="1200" b="0" i="0" u="none" strike="noStrike">
+                      <a:endParaRPr lang="en-US" sz="1800" b="0" i="0" u="none" strike="noStrike">
                         <a:solidFill>
                           <a:srgbClr val="000000"/>
                         </a:solidFill>
                         <a:effectLst/>
-                        <a:latin typeface="Calibri"/>
+                        <a:latin typeface="+mn-lt"/>
                       </a:endParaRPr>
                     </a:p>
                   </a:txBody>
@@ -11642,12 +12222,12 @@
                     <a:lstStyle/>
                     <a:p>
                       <a:pPr algn="l" fontAlgn="b"/>
-                      <a:endParaRPr lang="en-US" sz="1200" b="0" i="0" u="none" strike="noStrike">
+                      <a:endParaRPr lang="en-US" sz="1800" b="0" i="0" u="none" strike="noStrike" dirty="0">
                         <a:solidFill>
                           <a:srgbClr val="000000"/>
                         </a:solidFill>
                         <a:effectLst/>
-                        <a:latin typeface="Calibri"/>
+                        <a:latin typeface="+mn-lt"/>
                       </a:endParaRPr>
                     </a:p>
                   </a:txBody>
@@ -11659,12 +12239,12 @@
                     <a:lstStyle/>
                     <a:p>
                       <a:pPr algn="l" fontAlgn="b"/>
-                      <a:endParaRPr lang="en-US" sz="1200" b="0" i="0" u="none" strike="noStrike">
+                      <a:endParaRPr lang="en-US" sz="1800" b="0" i="0" u="none" strike="noStrike">
                         <a:solidFill>
                           <a:srgbClr val="000000"/>
                         </a:solidFill>
                         <a:effectLst/>
-                        <a:latin typeface="Calibri"/>
+                        <a:latin typeface="+mn-lt"/>
                       </a:endParaRPr>
                     </a:p>
                   </a:txBody>
@@ -11676,12 +12256,12 @@
                     <a:lstStyle/>
                     <a:p>
                       <a:pPr algn="l" fontAlgn="b"/>
-                      <a:endParaRPr lang="en-US" sz="1200" b="0" i="0" u="none" strike="noStrike">
+                      <a:endParaRPr lang="en-US" sz="1800" b="0" i="0" u="none" strike="noStrike">
                         <a:solidFill>
                           <a:srgbClr val="000000"/>
                         </a:solidFill>
                         <a:effectLst/>
-                        <a:latin typeface="Calibri"/>
+                        <a:latin typeface="+mn-lt"/>
                       </a:endParaRPr>
                     </a:p>
                   </a:txBody>
@@ -11693,12 +12273,12 @@
                     <a:lstStyle/>
                     <a:p>
                       <a:pPr algn="l" fontAlgn="b"/>
-                      <a:endParaRPr lang="en-US" sz="1200" b="0" i="0" u="none" strike="noStrike">
+                      <a:endParaRPr lang="en-US" sz="1800" b="0" i="0" u="none" strike="noStrike">
                         <a:solidFill>
                           <a:srgbClr val="000000"/>
                         </a:solidFill>
                         <a:effectLst/>
-                        <a:latin typeface="Calibri"/>
+                        <a:latin typeface="+mn-lt"/>
                       </a:endParaRPr>
                     </a:p>
                   </a:txBody>
@@ -11711,12 +12291,12 @@
                     <a:p>
                       <a:pPr algn="l" fontAlgn="b"/>
                       <a:r>
-                        <a:rPr lang="en-US" sz="1200" b="0" i="0" u="none" strike="noStrike">
+                        <a:rPr lang="en-US" sz="1800" b="0" i="0" u="none" strike="noStrike">
                           <a:solidFill>
                             <a:srgbClr val="000000"/>
                           </a:solidFill>
                           <a:effectLst/>
-                          <a:latin typeface="Calibri"/>
+                          <a:latin typeface="+mn-lt"/>
                         </a:rPr>
                         <a:t>total</a:t>
                       </a:r>
@@ -11731,12 +12311,12 @@
                     <a:p>
                       <a:pPr algn="r" fontAlgn="b"/>
                       <a:r>
-                        <a:rPr lang="en-US" sz="1200" b="0" i="0" u="none" strike="noStrike" dirty="0">
+                        <a:rPr lang="en-US" sz="1800" b="0" i="0" u="none" strike="noStrike" dirty="0">
                           <a:solidFill>
                             <a:srgbClr val="000000"/>
                           </a:solidFill>
                           <a:effectLst/>
-                          <a:latin typeface="Calibri"/>
+                          <a:latin typeface="+mn-lt"/>
                         </a:rPr>
                         <a:t>0.35</a:t>
                       </a:r>
@@ -11821,7 +12401,7 @@
 </p:sld>
 </file>
 
-<file path=ppt/slides/slide18.xml><?xml version="1.0" encoding="utf-8"?>
+<file path=ppt/slides/slide19.xml><?xml version="1.0" encoding="utf-8"?>
 <p:sld xmlns:a="http://schemas.openxmlformats.org/drawingml/2006/main" xmlns:r="http://schemas.openxmlformats.org/officeDocument/2006/relationships" xmlns:p="http://schemas.openxmlformats.org/presentationml/2006/main">
   <p:cSld>
     <p:spTree>
@@ -11884,10 +12464,10 @@
               <a:defRPr/>
             </a:pPr>
             <a:r>
-              <a:rPr lang="en-US" smtClean="0"/>
-              <a:t>Presentation Title At Venue</a:t>
-            </a:r>
-            <a:endParaRPr lang="en-US"/>
+              <a:rPr lang="en-US" dirty="0" smtClean="0"/>
+              <a:t>Learning Bayesian Networks for Complex Relational Data</a:t>
+            </a:r>
+            <a:endParaRPr lang="en-US" dirty="0"/>
           </a:p>
         </p:txBody>
       </p:sp>
@@ -11957,7 +12537,7 @@
           <a:graphicData uri="http://schemas.openxmlformats.org/presentationml/2006/ole">
             <mc:AlternateContent xmlns:mc="http://schemas.openxmlformats.org/markup-compatibility/2006">
               <mc:Choice xmlns:v="urn:schemas-microsoft-com:vml" Requires="v">
-                <p:oleObj spid="_x0000_s5153" name="Equation" r:id="rId4" imgW="6184900" imgH="1054100" progId="Equation.3">
+                <p:oleObj spid="_x0000_s5197" name="Equation" r:id="rId4" imgW="6184900" imgH="1054100" progId="Equation.3">
                   <p:embed/>
                 </p:oleObj>
               </mc:Choice>
@@ -12260,198 +12840,6 @@
     <p:extLst>
       <p:ext uri="{BB962C8B-B14F-4D97-AF65-F5344CB8AC3E}">
         <p14:creationId xmlns:p14="http://schemas.microsoft.com/office/powerpoint/2010/main" val="102909902"/>
-      </p:ext>
-    </p:extLst>
-  </p:cSld>
-  <p:clrMapOvr>
-    <a:masterClrMapping/>
-  </p:clrMapOvr>
-</p:sld>
-</file>
-
-<file path=ppt/slides/slide19.xml><?xml version="1.0" encoding="utf-8"?>
-<p:sld xmlns:a="http://schemas.openxmlformats.org/drawingml/2006/main" xmlns:r="http://schemas.openxmlformats.org/officeDocument/2006/relationships" xmlns:p="http://schemas.openxmlformats.org/presentationml/2006/main">
-  <p:cSld>
-    <p:spTree>
-      <p:nvGrpSpPr>
-        <p:cNvPr id="1" name=""/>
-        <p:cNvGrpSpPr/>
-        <p:nvPr/>
-      </p:nvGrpSpPr>
-      <p:grpSpPr>
-        <a:xfrm>
-          <a:off x="0" y="0"/>
-          <a:ext cx="0" cy="0"/>
-          <a:chOff x="0" y="0"/>
-          <a:chExt cx="0" cy="0"/>
-        </a:xfrm>
-      </p:grpSpPr>
-      <p:sp>
-        <p:nvSpPr>
-          <p:cNvPr id="2" name="Title 1"/>
-          <p:cNvSpPr>
-            <a:spLocks noGrp="1"/>
-          </p:cNvSpPr>
-          <p:nvPr>
-            <p:ph type="title"/>
-          </p:nvPr>
-        </p:nvSpPr>
-        <p:spPr/>
-        <p:txBody>
-          <a:bodyPr/>
-          <a:lstStyle/>
-          <a:p>
-            <a:r>
-              <a:rPr lang="en-US" dirty="0" smtClean="0"/>
-              <a:t>ELD = Expected Log-Distance</a:t>
-            </a:r>
-            <a:endParaRPr lang="en-US" dirty="0"/>
-          </a:p>
-        </p:txBody>
-      </p:sp>
-      <p:sp>
-        <p:nvSpPr>
-          <p:cNvPr id="4" name="Footer Placeholder 3"/>
-          <p:cNvSpPr>
-            <a:spLocks noGrp="1"/>
-          </p:cNvSpPr>
-          <p:nvPr>
-            <p:ph type="ftr" sz="quarter" idx="11"/>
-          </p:nvPr>
-        </p:nvSpPr>
-        <p:spPr/>
-        <p:txBody>
-          <a:bodyPr/>
-          <a:lstStyle/>
-          <a:p>
-            <a:pPr>
-              <a:defRPr/>
-            </a:pPr>
-            <a:r>
-              <a:rPr lang="en-US" smtClean="0"/>
-              <a:t>Presentation Title At Venue</a:t>
-            </a:r>
-            <a:endParaRPr lang="en-US"/>
-          </a:p>
-        </p:txBody>
-      </p:sp>
-      <p:sp>
-        <p:nvSpPr>
-          <p:cNvPr id="5" name="Content Placeholder 4"/>
-          <p:cNvSpPr>
-            <a:spLocks noGrp="1"/>
-          </p:cNvSpPr>
-          <p:nvPr>
-            <p:ph sz="quarter" idx="1"/>
-          </p:nvPr>
-        </p:nvSpPr>
-        <p:spPr>
-          <a:xfrm>
-            <a:off x="212725" y="1694524"/>
-            <a:ext cx="7772400" cy="1410477"/>
-          </a:xfrm>
-        </p:spPr>
-        <p:txBody>
-          <a:bodyPr/>
-          <a:lstStyle/>
-          <a:p>
-            <a:r>
-              <a:rPr lang="en-US" dirty="0" smtClean="0"/>
-              <a:t>A problem with KLD: some log ratios are positive, some negative </a:t>
-            </a:r>
-            <a:r>
-              <a:rPr lang="en-US" dirty="0" smtClean="0">
-                <a:latin typeface="Wingdings"/>
-                <a:ea typeface="Wingdings"/>
-                <a:cs typeface="Wingdings"/>
-                <a:sym typeface="Wingdings"/>
-              </a:rPr>
-              <a:t></a:t>
-            </a:r>
-            <a:r>
-              <a:rPr lang="en-US" dirty="0" smtClean="0"/>
-              <a:t> cancelling of differences</a:t>
-            </a:r>
-          </a:p>
-          <a:p>
-            <a:r>
-              <a:rPr lang="en-US" dirty="0"/>
-              <a:t>Can fix by taking log-distances</a:t>
-            </a:r>
-            <a:endParaRPr lang="en-US" dirty="0" smtClean="0"/>
-          </a:p>
-          <a:p>
-            <a:endParaRPr lang="en-US" dirty="0" smtClean="0"/>
-          </a:p>
-          <a:p>
-            <a:endParaRPr lang="en-US" dirty="0" smtClean="0"/>
-          </a:p>
-          <a:p>
-            <a:endParaRPr lang="en-US" dirty="0"/>
-          </a:p>
-        </p:txBody>
-      </p:sp>
-      <p:graphicFrame>
-        <p:nvGraphicFramePr>
-          <p:cNvPr id="8" name="Content Placeholder 4"/>
-          <p:cNvGraphicFramePr>
-            <a:graphicFrameLocks noChangeAspect="1"/>
-          </p:cNvGraphicFramePr>
-          <p:nvPr>
-            <p:extLst>
-              <p:ext uri="{D42A27DB-BD31-4B8C-83A1-F6EECF244321}">
-                <p14:modId xmlns:p14="http://schemas.microsoft.com/office/powerpoint/2010/main" val="1011487007"/>
-              </p:ext>
-            </p:extLst>
-          </p:nvPr>
-        </p:nvGraphicFramePr>
-        <p:xfrm>
-          <a:off x="280987" y="3262215"/>
-          <a:ext cx="8764867" cy="1494511"/>
-        </p:xfrm>
-        <a:graphic>
-          <a:graphicData uri="http://schemas.openxmlformats.org/presentationml/2006/ole">
-            <mc:AlternateContent xmlns:mc="http://schemas.openxmlformats.org/markup-compatibility/2006">
-              <mc:Choice xmlns:v="urn:schemas-microsoft-com:vml" Requires="v">
-                <p:oleObj spid="_x0000_s4131" name="Equation" r:id="rId3" imgW="6184900" imgH="1054100" progId="Equation.3">
-                  <p:embed/>
-                </p:oleObj>
-              </mc:Choice>
-              <mc:Fallback>
-                <p:oleObj name="Equation" r:id="rId3" imgW="6184900" imgH="1054100" progId="Equation.3">
-                  <p:embed/>
-                  <p:pic>
-                    <p:nvPicPr>
-                      <p:cNvPr id="0" name=""/>
-                      <p:cNvPicPr/>
-                      <p:nvPr/>
-                    </p:nvPicPr>
-                    <p:blipFill>
-                      <a:blip r:embed="rId4"/>
-                      <a:stretch>
-                        <a:fillRect/>
-                      </a:stretch>
-                    </p:blipFill>
-                    <p:spPr>
-                      <a:xfrm>
-                        <a:off x="280987" y="3262215"/>
-                        <a:ext cx="8764867" cy="1494511"/>
-                      </a:xfrm>
-                      <a:prstGeom prst="rect">
-                        <a:avLst/>
-                      </a:prstGeom>
-                    </p:spPr>
-                  </p:pic>
-                </p:oleObj>
-              </mc:Fallback>
-            </mc:AlternateContent>
-          </a:graphicData>
-        </a:graphic>
-      </p:graphicFrame>
-    </p:spTree>
-    <p:extLst>
-      <p:ext uri="{BB962C8B-B14F-4D97-AF65-F5344CB8AC3E}">
-        <p14:creationId xmlns:p14="http://schemas.microsoft.com/office/powerpoint/2010/main" val="3326557757"/>
       </p:ext>
     </p:extLst>
   </p:cSld>
@@ -12931,71 +13319,16 @@
             <p:ph type="title"/>
           </p:nvPr>
         </p:nvSpPr>
-        <p:spPr>
-          <a:xfrm>
-            <a:off x="854636" y="274638"/>
-            <a:ext cx="7772400" cy="1143000"/>
-          </a:xfrm>
-        </p:spPr>
+        <p:spPr/>
         <p:txBody>
           <a:bodyPr/>
           <a:lstStyle/>
           <a:p>
             <a:r>
               <a:rPr lang="en-US" dirty="0" smtClean="0"/>
-              <a:t>Two Types of Outliers</a:t>
+              <a:t>ELD = Expected Log-Distance</a:t>
             </a:r>
             <a:endParaRPr lang="en-US" dirty="0"/>
-          </a:p>
-        </p:txBody>
-      </p:sp>
-      <p:sp>
-        <p:nvSpPr>
-          <p:cNvPr id="3" name="Content Placeholder 2"/>
-          <p:cNvSpPr>
-            <a:spLocks noGrp="1"/>
-          </p:cNvSpPr>
-          <p:nvPr>
-            <p:ph sz="quarter" idx="1"/>
-          </p:nvPr>
-        </p:nvSpPr>
-        <p:spPr/>
-        <p:txBody>
-          <a:bodyPr/>
-          <a:lstStyle/>
-          <a:p>
-            <a:r>
-              <a:rPr lang="en-US" sz="2800" dirty="0" smtClean="0"/>
-              <a:t>Feature Outlier: unusual distribution over </a:t>
-            </a:r>
-            <a:r>
-              <a:rPr lang="en-US" sz="2800" i="1" dirty="0" smtClean="0"/>
-              <a:t>single attribute </a:t>
-            </a:r>
-            <a:r>
-              <a:rPr lang="en-US" sz="2800" dirty="0" smtClean="0"/>
-              <a:t>in isolation</a:t>
-            </a:r>
-          </a:p>
-          <a:p>
-            <a:pPr lvl="1"/>
-            <a:r>
-              <a:rPr lang="en-US" dirty="0" err="1" smtClean="0"/>
-              <a:t>DribbleEfficiency</a:t>
-            </a:r>
-            <a:endParaRPr lang="en-US" dirty="0" smtClean="0"/>
-          </a:p>
-          <a:p>
-            <a:r>
-              <a:rPr lang="en-US" sz="2800" dirty="0" smtClean="0"/>
-              <a:t>Correlation Outlier: unusual relevance of parent for children (mutual information, lift)</a:t>
-            </a:r>
-          </a:p>
-          <a:p>
-            <a:endParaRPr lang="en-US" sz="2800" dirty="0" smtClean="0"/>
-          </a:p>
-          <a:p>
-            <a:endParaRPr lang="en-US" sz="2800" dirty="0"/>
           </a:p>
         </p:txBody>
       </p:sp>
@@ -13018,17 +13351,130 @@
               <a:defRPr/>
             </a:pPr>
             <a:r>
-              <a:rPr lang="en-US" smtClean="0"/>
-              <a:t>Presentation Title At Venue</a:t>
-            </a:r>
-            <a:endParaRPr lang="en-US"/>
-          </a:p>
-        </p:txBody>
-      </p:sp>
+              <a:rPr lang="en-US" dirty="0" smtClean="0"/>
+              <a:t>Learning Bayesian Networks for Complex Relational Data</a:t>
+            </a:r>
+            <a:endParaRPr lang="en-US" dirty="0"/>
+          </a:p>
+        </p:txBody>
+      </p:sp>
+      <p:sp>
+        <p:nvSpPr>
+          <p:cNvPr id="5" name="Content Placeholder 4"/>
+          <p:cNvSpPr>
+            <a:spLocks noGrp="1"/>
+          </p:cNvSpPr>
+          <p:nvPr>
+            <p:ph sz="quarter" idx="1"/>
+          </p:nvPr>
+        </p:nvSpPr>
+        <p:spPr>
+          <a:xfrm>
+            <a:off x="212725" y="1694524"/>
+            <a:ext cx="7772400" cy="1410477"/>
+          </a:xfrm>
+        </p:spPr>
+        <p:txBody>
+          <a:bodyPr/>
+          <a:lstStyle/>
+          <a:p>
+            <a:r>
+              <a:rPr lang="en-US" dirty="0" smtClean="0"/>
+              <a:t>A problem with KLD: some log ratios are positive, some negative </a:t>
+            </a:r>
+            <a:r>
+              <a:rPr lang="en-US" dirty="0" smtClean="0">
+                <a:latin typeface="Wingdings"/>
+                <a:ea typeface="Wingdings"/>
+                <a:cs typeface="Wingdings"/>
+                <a:sym typeface="Wingdings"/>
+              </a:rPr>
+              <a:t></a:t>
+            </a:r>
+            <a:r>
+              <a:rPr lang="en-US" dirty="0" smtClean="0"/>
+              <a:t> cancelling of differences</a:t>
+            </a:r>
+          </a:p>
+          <a:p>
+            <a:r>
+              <a:rPr lang="en-US" dirty="0"/>
+              <a:t>Can fix by taking log-distances</a:t>
+            </a:r>
+            <a:endParaRPr lang="en-US" dirty="0" smtClean="0"/>
+          </a:p>
+          <a:p>
+            <a:endParaRPr lang="en-US" dirty="0" smtClean="0"/>
+          </a:p>
+          <a:p>
+            <a:endParaRPr lang="en-US" dirty="0" smtClean="0"/>
+          </a:p>
+          <a:p>
+            <a:endParaRPr lang="en-US" dirty="0"/>
+          </a:p>
+        </p:txBody>
+      </p:sp>
+      <p:graphicFrame>
+        <p:nvGraphicFramePr>
+          <p:cNvPr id="8" name="Content Placeholder 4"/>
+          <p:cNvGraphicFramePr>
+            <a:graphicFrameLocks noChangeAspect="1"/>
+          </p:cNvGraphicFramePr>
+          <p:nvPr>
+            <p:extLst>
+              <p:ext uri="{D42A27DB-BD31-4B8C-83A1-F6EECF244321}">
+                <p14:modId xmlns:p14="http://schemas.microsoft.com/office/powerpoint/2010/main" val="1011487007"/>
+              </p:ext>
+            </p:extLst>
+          </p:nvPr>
+        </p:nvGraphicFramePr>
+        <p:xfrm>
+          <a:off x="280987" y="3262215"/>
+          <a:ext cx="8764867" cy="1494511"/>
+        </p:xfrm>
+        <a:graphic>
+          <a:graphicData uri="http://schemas.openxmlformats.org/presentationml/2006/ole">
+            <mc:AlternateContent xmlns:mc="http://schemas.openxmlformats.org/markup-compatibility/2006">
+              <mc:Choice xmlns:v="urn:schemas-microsoft-com:vml" Requires="v">
+                <p:oleObj spid="_x0000_s4175" name="Equation" r:id="rId3" imgW="6184900" imgH="1054100" progId="Equation.3">
+                  <p:embed/>
+                </p:oleObj>
+              </mc:Choice>
+              <mc:Fallback>
+                <p:oleObj name="Equation" r:id="rId3" imgW="6184900" imgH="1054100" progId="Equation.3">
+                  <p:embed/>
+                  <p:pic>
+                    <p:nvPicPr>
+                      <p:cNvPr id="0" name=""/>
+                      <p:cNvPicPr/>
+                      <p:nvPr/>
+                    </p:nvPicPr>
+                    <p:blipFill>
+                      <a:blip r:embed="rId4"/>
+                      <a:stretch>
+                        <a:fillRect/>
+                      </a:stretch>
+                    </p:blipFill>
+                    <p:spPr>
+                      <a:xfrm>
+                        <a:off x="280987" y="3262215"/>
+                        <a:ext cx="8764867" cy="1494511"/>
+                      </a:xfrm>
+                      <a:prstGeom prst="rect">
+                        <a:avLst/>
+                      </a:prstGeom>
+                    </p:spPr>
+                  </p:pic>
+                </p:oleObj>
+              </mc:Fallback>
+            </mc:AlternateContent>
+          </a:graphicData>
+        </a:graphic>
+      </p:graphicFrame>
     </p:spTree>
     <p:extLst>
       <p:ext uri="{BB962C8B-B14F-4D97-AF65-F5344CB8AC3E}">
-        <p14:creationId xmlns:p14="http://schemas.microsoft.com/office/powerpoint/2010/main" val="2911975134"/>
+        <p14:creationId xmlns:p14="http://schemas.microsoft.com/office/powerpoint/2010/main" val="3326557757"/>
       </p:ext>
     </p:extLst>
   </p:cSld>
@@ -13039,7 +13485,7 @@
 </file>
 
 <file path=ppt/slides/slide21.xml><?xml version="1.0" encoding="utf-8"?>
-<p:sld xmlns:a="http://schemas.openxmlformats.org/drawingml/2006/main" xmlns:r="http://schemas.openxmlformats.org/officeDocument/2006/relationships" xmlns:p="http://schemas.openxmlformats.org/presentationml/2006/main" show="0">
+<p:sld xmlns:a="http://schemas.openxmlformats.org/drawingml/2006/main" xmlns:r="http://schemas.openxmlformats.org/officeDocument/2006/relationships" xmlns:p="http://schemas.openxmlformats.org/presentationml/2006/main">
   <p:cSld>
     <p:spTree>
       <p:nvGrpSpPr>
@@ -13065,16 +13511,99 @@
             <p:ph type="title"/>
           </p:nvPr>
         </p:nvSpPr>
-        <p:spPr/>
+        <p:spPr>
+          <a:xfrm>
+            <a:off x="854636" y="274638"/>
+            <a:ext cx="7772400" cy="1143000"/>
+          </a:xfrm>
+        </p:spPr>
         <p:txBody>
           <a:bodyPr/>
           <a:lstStyle/>
           <a:p>
             <a:r>
               <a:rPr lang="en-US" dirty="0" smtClean="0"/>
-              <a:t>Feature Vector View</a:t>
+              <a:t>Two Types of Outliers</a:t>
             </a:r>
             <a:endParaRPr lang="en-US" dirty="0"/>
+          </a:p>
+        </p:txBody>
+      </p:sp>
+      <p:sp>
+        <p:nvSpPr>
+          <p:cNvPr id="3" name="Content Placeholder 2"/>
+          <p:cNvSpPr>
+            <a:spLocks noGrp="1"/>
+          </p:cNvSpPr>
+          <p:nvPr>
+            <p:ph sz="quarter" idx="1"/>
+          </p:nvPr>
+        </p:nvSpPr>
+        <p:spPr/>
+        <p:txBody>
+          <a:bodyPr/>
+          <a:lstStyle/>
+          <a:p>
+            <a:r>
+              <a:rPr lang="en-US" sz="2800" dirty="0" smtClean="0"/>
+              <a:t>Feature Outlier: unusual distribution over </a:t>
+            </a:r>
+            <a:r>
+              <a:rPr lang="en-US" sz="2800" i="1" dirty="0" smtClean="0"/>
+              <a:t>single attribute </a:t>
+            </a:r>
+            <a:r>
+              <a:rPr lang="en-US" sz="2800" dirty="0" smtClean="0"/>
+              <a:t>in isolation</a:t>
+            </a:r>
+          </a:p>
+          <a:p>
+            <a:pPr lvl="1"/>
+            <a:r>
+              <a:rPr lang="en-US" dirty="0" err="1" smtClean="0"/>
+              <a:t>DribbleEfficiency</a:t>
+            </a:r>
+            <a:endParaRPr lang="en-US" dirty="0" smtClean="0"/>
+          </a:p>
+          <a:p>
+            <a:r>
+              <a:rPr lang="en-US" sz="2800" dirty="0" smtClean="0"/>
+              <a:t>Correlation Outlier: unusual relevance of parent for children (mutual information, lift)</a:t>
+            </a:r>
+          </a:p>
+          <a:p>
+            <a:pPr lvl="1"/>
+            <a:r>
+              <a:rPr lang="en-US" dirty="0" err="1" smtClean="0"/>
+              <a:t>DribbleEfficiency</a:t>
+            </a:r>
+            <a:r>
+              <a:rPr lang="en-US" dirty="0" smtClean="0"/>
+              <a:t>  </a:t>
+            </a:r>
+            <a:r>
+              <a:rPr lang="en-US" dirty="0" smtClean="0">
+                <a:latin typeface="Wingdings"/>
+                <a:ea typeface="Wingdings"/>
+                <a:cs typeface="Wingdings"/>
+                <a:sym typeface="Wingdings"/>
+              </a:rPr>
+              <a:t></a:t>
+            </a:r>
+            <a:r>
+              <a:rPr lang="en-US" dirty="0">
+                <a:sym typeface="Wingdings"/>
+              </a:rPr>
+              <a:t> </a:t>
+            </a:r>
+            <a:r>
+              <a:rPr lang="en-US" dirty="0" smtClean="0"/>
+              <a:t>Win</a:t>
+            </a:r>
+            <a:endParaRPr lang="en-US" sz="2800" dirty="0" smtClean="0"/>
+          </a:p>
+          <a:p>
+            <a:endParaRPr lang="en-US" sz="2800" dirty="0"/>
           </a:p>
         </p:txBody>
       </p:sp>
@@ -13097,619 +13626,28 @@
               <a:defRPr/>
             </a:pPr>
             <a:r>
-              <a:rPr lang="en-US" smtClean="0"/>
-              <a:t>Presentation Title At Venue</a:t>
-            </a:r>
-            <a:endParaRPr lang="en-US"/>
-          </a:p>
-        </p:txBody>
-      </p:sp>
-      <p:graphicFrame>
-        <p:nvGraphicFramePr>
-          <p:cNvPr id="5" name="Content Placeholder 4"/>
-          <p:cNvGraphicFramePr>
-            <a:graphicFrameLocks/>
-          </p:cNvGraphicFramePr>
-          <p:nvPr>
-            <p:extLst>
-              <p:ext uri="{D42A27DB-BD31-4B8C-83A1-F6EECF244321}">
-                <p14:modId xmlns:p14="http://schemas.microsoft.com/office/powerpoint/2010/main" val="3361146059"/>
-              </p:ext>
-            </p:extLst>
-          </p:nvPr>
-        </p:nvGraphicFramePr>
-        <p:xfrm>
-          <a:off x="264755" y="2037392"/>
-          <a:ext cx="8289762" cy="1402080"/>
-        </p:xfrm>
-        <a:graphic>
-          <a:graphicData uri="http://schemas.openxmlformats.org/drawingml/2006/table">
-            <a:tbl>
-              <a:tblPr firstRow="1" bandRow="1">
-                <a:tableStyleId>{5C22544A-7EE6-4342-B048-85BDC9FD1C3A}</a:tableStyleId>
-              </a:tblPr>
-              <a:tblGrid>
-                <a:gridCol w="1359723"/>
-                <a:gridCol w="1880450"/>
-                <a:gridCol w="2611341"/>
-                <a:gridCol w="2438248"/>
-              </a:tblGrid>
-              <a:tr h="370840">
-                <a:tc>
-                  <a:txBody>
-                    <a:bodyPr/>
-                    <a:lstStyle/>
-                    <a:p>
-                      <a:r>
-                        <a:rPr lang="en-US" sz="2000" dirty="0" err="1" smtClean="0"/>
-                        <a:t>UserID</a:t>
-                      </a:r>
-                      <a:endParaRPr lang="en-US" sz="2000" dirty="0"/>
-                    </a:p>
-                  </a:txBody>
-                  <a:tcPr/>
-                </a:tc>
-                <a:tc>
-                  <a:txBody>
-                    <a:bodyPr/>
-                    <a:lstStyle/>
-                    <a:p>
-                      <a:r>
-                        <a:rPr lang="en-US" sz="2000" dirty="0" smtClean="0"/>
-                        <a:t>gender(U) =M</a:t>
-                      </a:r>
-                      <a:endParaRPr lang="en-US" sz="2000" dirty="0"/>
-                    </a:p>
-                  </a:txBody>
-                  <a:tcPr/>
-                </a:tc>
-                <a:tc>
-                  <a:txBody>
-                    <a:bodyPr/>
-                    <a:lstStyle/>
-                    <a:p>
-                      <a:pPr marL="0" marR="0" indent="0" algn="l" defTabSz="914400" rtl="0" eaLnBrk="1" fontAlgn="auto" latinLnBrk="0" hangingPunct="1">
-                        <a:lnSpc>
-                          <a:spcPct val="100000"/>
-                        </a:lnSpc>
-                        <a:spcBef>
-                          <a:spcPts val="0"/>
-                        </a:spcBef>
-                        <a:spcAft>
-                          <a:spcPts val="0"/>
-                        </a:spcAft>
-                        <a:buClrTx/>
-                        <a:buSzTx/>
-                        <a:buFontTx/>
-                        <a:buNone/>
-                        <a:tabLst/>
-                        <a:defRPr/>
-                      </a:pPr>
-                      <a:r>
-                        <a:rPr lang="en-US" sz="2000" dirty="0" err="1" smtClean="0"/>
-                        <a:t>HasRated</a:t>
-                      </a:r>
-                      <a:r>
-                        <a:rPr lang="en-US" sz="2000" dirty="0" smtClean="0"/>
-                        <a:t>(U,AM)</a:t>
-                      </a:r>
-                    </a:p>
-                    <a:p>
-                      <a:pPr marL="0" marR="0" indent="0" algn="l" defTabSz="914400" rtl="0" eaLnBrk="1" fontAlgn="auto" latinLnBrk="0" hangingPunct="1">
-                        <a:lnSpc>
-                          <a:spcPct val="100000"/>
-                        </a:lnSpc>
-                        <a:spcBef>
-                          <a:spcPts val="0"/>
-                        </a:spcBef>
-                        <a:spcAft>
-                          <a:spcPts val="0"/>
-                        </a:spcAft>
-                        <a:buClrTx/>
-                        <a:buSzTx/>
-                        <a:buFontTx/>
-                        <a:buNone/>
-                        <a:tabLst/>
-                        <a:defRPr/>
-                      </a:pPr>
-                      <a:r>
-                        <a:rPr lang="en-US" sz="2000" dirty="0" smtClean="0"/>
-                        <a:t>=T</a:t>
-                      </a:r>
-                    </a:p>
-                    <a:p>
-                      <a:endParaRPr lang="en-US" sz="2000" dirty="0"/>
-                    </a:p>
-                  </a:txBody>
-                  <a:tcPr/>
-                </a:tc>
-                <a:tc>
-                  <a:txBody>
-                    <a:bodyPr/>
-                    <a:lstStyle/>
-                    <a:p>
-                      <a:pPr marL="0" marR="0" indent="0" algn="l" defTabSz="914400" rtl="0" eaLnBrk="1" fontAlgn="auto" latinLnBrk="0" hangingPunct="1">
-                        <a:lnSpc>
-                          <a:spcPct val="100000"/>
-                        </a:lnSpc>
-                        <a:spcBef>
-                          <a:spcPts val="0"/>
-                        </a:spcBef>
-                        <a:spcAft>
-                          <a:spcPts val="0"/>
-                        </a:spcAft>
-                        <a:buClrTx/>
-                        <a:buSzTx/>
-                        <a:buFontTx/>
-                        <a:buNone/>
-                        <a:tabLst/>
-                        <a:defRPr/>
-                      </a:pPr>
-                      <a:r>
-                        <a:rPr lang="en-US" sz="2000" dirty="0" err="1" smtClean="0"/>
-                        <a:t>HasRated</a:t>
-                      </a:r>
-                      <a:r>
-                        <a:rPr lang="en-US" sz="2000" dirty="0" smtClean="0"/>
-                        <a:t>(U,AM)</a:t>
-                      </a:r>
-                    </a:p>
-                    <a:p>
-                      <a:pPr marL="0" marR="0" indent="0" algn="l" defTabSz="914400" rtl="0" eaLnBrk="1" fontAlgn="auto" latinLnBrk="0" hangingPunct="1">
-                        <a:lnSpc>
-                          <a:spcPct val="100000"/>
-                        </a:lnSpc>
-                        <a:spcBef>
-                          <a:spcPts val="0"/>
-                        </a:spcBef>
-                        <a:spcAft>
-                          <a:spcPts val="0"/>
-                        </a:spcAft>
-                        <a:buClrTx/>
-                        <a:buSzTx/>
-                        <a:buFontTx/>
-                        <a:buNone/>
-                        <a:tabLst/>
-                        <a:defRPr/>
-                      </a:pPr>
-                      <a:r>
-                        <a:rPr lang="en-US" sz="2000" dirty="0" smtClean="0"/>
-                        <a:t>=F</a:t>
-                      </a:r>
-                    </a:p>
-                    <a:p>
-                      <a:endParaRPr lang="en-US" sz="2000" dirty="0"/>
-                    </a:p>
-                  </a:txBody>
-                  <a:tcPr/>
-                </a:tc>
-              </a:tr>
-              <a:tr h="370840">
-                <a:tc>
-                  <a:txBody>
-                    <a:bodyPr/>
-                    <a:lstStyle/>
-                    <a:p>
-                      <a:r>
-                        <a:rPr lang="en-US" sz="2000" dirty="0" smtClean="0"/>
-                        <a:t>user1</a:t>
-                      </a:r>
-                      <a:endParaRPr lang="en-US" sz="2000" dirty="0"/>
-                    </a:p>
-                  </a:txBody>
-                  <a:tcPr/>
-                </a:tc>
-                <a:tc>
-                  <a:txBody>
-                    <a:bodyPr/>
-                    <a:lstStyle/>
-                    <a:p>
-                      <a:r>
-                        <a:rPr lang="en-US" sz="2000" dirty="0" smtClean="0"/>
-                        <a:t>1</a:t>
-                      </a:r>
-                      <a:endParaRPr lang="en-US" sz="2000" dirty="0"/>
-                    </a:p>
-                  </a:txBody>
-                  <a:tcPr/>
-                </a:tc>
-                <a:tc>
-                  <a:txBody>
-                    <a:bodyPr/>
-                    <a:lstStyle/>
-                    <a:p>
-                      <a:r>
-                        <a:rPr lang="en-US" sz="2000" dirty="0" smtClean="0"/>
-                        <a:t>0.1</a:t>
-                      </a:r>
-                      <a:endParaRPr lang="en-US" sz="2000" dirty="0"/>
-                    </a:p>
-                  </a:txBody>
-                  <a:tcPr/>
-                </a:tc>
-                <a:tc>
-                  <a:txBody>
-                    <a:bodyPr/>
-                    <a:lstStyle/>
-                    <a:p>
-                      <a:r>
-                        <a:rPr lang="en-US" sz="2000" dirty="0" smtClean="0"/>
-                        <a:t>0.9</a:t>
-                      </a:r>
-                      <a:endParaRPr lang="en-US" sz="2000" dirty="0"/>
-                    </a:p>
-                  </a:txBody>
-                  <a:tcPr/>
-                </a:tc>
-              </a:tr>
-            </a:tbl>
-          </a:graphicData>
-        </a:graphic>
-      </p:graphicFrame>
-      <p:graphicFrame>
-        <p:nvGraphicFramePr>
-          <p:cNvPr id="7" name="Content Placeholder 4"/>
-          <p:cNvGraphicFramePr>
-            <a:graphicFrameLocks/>
-          </p:cNvGraphicFramePr>
-          <p:nvPr>
-            <p:extLst>
-              <p:ext uri="{D42A27DB-BD31-4B8C-83A1-F6EECF244321}">
-                <p14:modId xmlns:p14="http://schemas.microsoft.com/office/powerpoint/2010/main" val="4122079945"/>
-              </p:ext>
-            </p:extLst>
-          </p:nvPr>
-        </p:nvGraphicFramePr>
-        <p:xfrm>
-          <a:off x="264755" y="4056956"/>
-          <a:ext cx="8289762" cy="1402080"/>
-        </p:xfrm>
-        <a:graphic>
-          <a:graphicData uri="http://schemas.openxmlformats.org/drawingml/2006/table">
-            <a:tbl>
-              <a:tblPr firstRow="1" bandRow="1">
-                <a:tableStyleId>{5C22544A-7EE6-4342-B048-85BDC9FD1C3A}</a:tableStyleId>
-              </a:tblPr>
-              <a:tblGrid>
-                <a:gridCol w="1769310"/>
-                <a:gridCol w="1769310"/>
-                <a:gridCol w="2457002"/>
-                <a:gridCol w="2294140"/>
-              </a:tblGrid>
-              <a:tr h="370840">
-                <a:tc>
-                  <a:txBody>
-                    <a:bodyPr/>
-                    <a:lstStyle/>
-                    <a:p>
-                      <a:r>
-                        <a:rPr lang="en-US" sz="2000" dirty="0" smtClean="0"/>
-                        <a:t>gender(U) =M</a:t>
-                      </a:r>
-                      <a:endParaRPr lang="en-US" sz="2000" dirty="0"/>
-                    </a:p>
-                  </a:txBody>
-                  <a:tcPr/>
-                </a:tc>
-                <a:tc>
-                  <a:txBody>
-                    <a:bodyPr/>
-                    <a:lstStyle/>
-                    <a:p>
-                      <a:r>
-                        <a:rPr lang="en-US" sz="2000" dirty="0" smtClean="0"/>
-                        <a:t>gender(U)=W</a:t>
-                      </a:r>
-                      <a:endParaRPr lang="en-US" sz="2000" dirty="0"/>
-                    </a:p>
-                  </a:txBody>
-                  <a:tcPr/>
-                </a:tc>
-                <a:tc>
-                  <a:txBody>
-                    <a:bodyPr/>
-                    <a:lstStyle/>
-                    <a:p>
-                      <a:pPr marL="0" marR="0" indent="0" algn="l" defTabSz="914400" rtl="0" eaLnBrk="1" fontAlgn="auto" latinLnBrk="0" hangingPunct="1">
-                        <a:lnSpc>
-                          <a:spcPct val="100000"/>
-                        </a:lnSpc>
-                        <a:spcBef>
-                          <a:spcPts val="0"/>
-                        </a:spcBef>
-                        <a:spcAft>
-                          <a:spcPts val="0"/>
-                        </a:spcAft>
-                        <a:buClrTx/>
-                        <a:buSzTx/>
-                        <a:buFontTx/>
-                        <a:buNone/>
-                        <a:tabLst/>
-                        <a:defRPr/>
-                      </a:pPr>
-                      <a:r>
-                        <a:rPr lang="en-US" sz="2000" dirty="0" err="1" smtClean="0"/>
-                        <a:t>HasRated</a:t>
-                      </a:r>
-                      <a:r>
-                        <a:rPr lang="en-US" sz="2000" dirty="0" smtClean="0"/>
-                        <a:t>(U,AM)</a:t>
-                      </a:r>
-                    </a:p>
-                    <a:p>
-                      <a:pPr marL="0" marR="0" indent="0" algn="l" defTabSz="914400" rtl="0" eaLnBrk="1" fontAlgn="auto" latinLnBrk="0" hangingPunct="1">
-                        <a:lnSpc>
-                          <a:spcPct val="100000"/>
-                        </a:lnSpc>
-                        <a:spcBef>
-                          <a:spcPts val="0"/>
-                        </a:spcBef>
-                        <a:spcAft>
-                          <a:spcPts val="0"/>
-                        </a:spcAft>
-                        <a:buClrTx/>
-                        <a:buSzTx/>
-                        <a:buFontTx/>
-                        <a:buNone/>
-                        <a:tabLst/>
-                        <a:defRPr/>
-                      </a:pPr>
-                      <a:r>
-                        <a:rPr lang="en-US" sz="2000" dirty="0" smtClean="0"/>
-                        <a:t>=T</a:t>
-                      </a:r>
-                    </a:p>
-                    <a:p>
-                      <a:endParaRPr lang="en-US" sz="2000" dirty="0"/>
-                    </a:p>
-                  </a:txBody>
-                  <a:tcPr/>
-                </a:tc>
-                <a:tc>
-                  <a:txBody>
-                    <a:bodyPr/>
-                    <a:lstStyle/>
-                    <a:p>
-                      <a:pPr marL="0" marR="0" indent="0" algn="l" defTabSz="914400" rtl="0" eaLnBrk="1" fontAlgn="auto" latinLnBrk="0" hangingPunct="1">
-                        <a:lnSpc>
-                          <a:spcPct val="100000"/>
-                        </a:lnSpc>
-                        <a:spcBef>
-                          <a:spcPts val="0"/>
-                        </a:spcBef>
-                        <a:spcAft>
-                          <a:spcPts val="0"/>
-                        </a:spcAft>
-                        <a:buClrTx/>
-                        <a:buSzTx/>
-                        <a:buFontTx/>
-                        <a:buNone/>
-                        <a:tabLst/>
-                        <a:defRPr/>
-                      </a:pPr>
-                      <a:r>
-                        <a:rPr lang="en-US" sz="2000" dirty="0" err="1" smtClean="0"/>
-                        <a:t>HasRated</a:t>
-                      </a:r>
-                      <a:r>
-                        <a:rPr lang="en-US" sz="2000" dirty="0" smtClean="0"/>
-                        <a:t>(U,AM)</a:t>
-                      </a:r>
-                    </a:p>
-                    <a:p>
-                      <a:pPr marL="0" marR="0" indent="0" algn="l" defTabSz="914400" rtl="0" eaLnBrk="1" fontAlgn="auto" latinLnBrk="0" hangingPunct="1">
-                        <a:lnSpc>
-                          <a:spcPct val="100000"/>
-                        </a:lnSpc>
-                        <a:spcBef>
-                          <a:spcPts val="0"/>
-                        </a:spcBef>
-                        <a:spcAft>
-                          <a:spcPts val="0"/>
-                        </a:spcAft>
-                        <a:buClrTx/>
-                        <a:buSzTx/>
-                        <a:buFontTx/>
-                        <a:buNone/>
-                        <a:tabLst/>
-                        <a:defRPr/>
-                      </a:pPr>
-                      <a:r>
-                        <a:rPr lang="en-US" sz="2000" dirty="0" smtClean="0"/>
-                        <a:t>=F</a:t>
-                      </a:r>
-                    </a:p>
-                    <a:p>
-                      <a:endParaRPr lang="en-US" sz="2000" dirty="0"/>
-                    </a:p>
-                  </a:txBody>
-                  <a:tcPr/>
-                </a:tc>
-              </a:tr>
-              <a:tr h="370840">
-                <a:tc>
-                  <a:txBody>
-                    <a:bodyPr/>
-                    <a:lstStyle/>
-                    <a:p>
-                      <a:r>
-                        <a:rPr lang="en-US" sz="2000" dirty="0" smtClean="0"/>
-                        <a:t>0.5</a:t>
-                      </a:r>
-                      <a:endParaRPr lang="en-US" sz="2000" dirty="0"/>
-                    </a:p>
-                  </a:txBody>
-                  <a:tcPr/>
-                </a:tc>
-                <a:tc>
-                  <a:txBody>
-                    <a:bodyPr/>
-                    <a:lstStyle/>
-                    <a:p>
-                      <a:r>
-                        <a:rPr lang="en-US" sz="2000" dirty="0" smtClean="0"/>
-                        <a:t>0.5</a:t>
-                      </a:r>
-                      <a:endParaRPr lang="en-US" sz="2000" dirty="0"/>
-                    </a:p>
-                  </a:txBody>
-                  <a:tcPr/>
-                </a:tc>
-                <a:tc>
-                  <a:txBody>
-                    <a:bodyPr/>
-                    <a:lstStyle/>
-                    <a:p>
-                      <a:r>
-                        <a:rPr lang="en-US" sz="2000" dirty="0" smtClean="0"/>
-                        <a:t>0.09</a:t>
-                      </a:r>
-                      <a:endParaRPr lang="en-US" sz="2000" dirty="0"/>
-                    </a:p>
-                  </a:txBody>
-                  <a:tcPr/>
-                </a:tc>
-                <a:tc>
-                  <a:txBody>
-                    <a:bodyPr/>
-                    <a:lstStyle/>
-                    <a:p>
-                      <a:r>
-                        <a:rPr lang="en-US" sz="2000" dirty="0" smtClean="0"/>
-                        <a:t>0.91</a:t>
-                      </a:r>
-                      <a:endParaRPr lang="en-US" sz="2000" dirty="0"/>
-                    </a:p>
-                  </a:txBody>
-                  <a:tcPr/>
-                </a:tc>
-              </a:tr>
-            </a:tbl>
-          </a:graphicData>
-        </a:graphic>
-      </p:graphicFrame>
-      <p:sp>
-        <p:nvSpPr>
-          <p:cNvPr id="8" name="TextBox 7"/>
-          <p:cNvSpPr txBox="1"/>
-          <p:nvPr/>
-        </p:nvSpPr>
-        <p:spPr>
-          <a:xfrm>
-            <a:off x="264755" y="1445249"/>
-            <a:ext cx="4401291" cy="461665"/>
-          </a:xfrm>
-          <a:prstGeom prst="rect">
-            <a:avLst/>
-          </a:prstGeom>
-          <a:noFill/>
-        </p:spPr>
-        <p:txBody>
-          <a:bodyPr wrap="square" rtlCol="0">
-            <a:spAutoFit/>
-          </a:bodyPr>
-          <a:lstStyle/>
-          <a:p>
-            <a:r>
-              <a:rPr lang="en-US" sz="2400" dirty="0" smtClean="0">
-                <a:latin typeface="+mn-lt"/>
-              </a:rPr>
-              <a:t>feature frequencies for user 1</a:t>
-            </a:r>
-            <a:endParaRPr lang="en-US" sz="2400" dirty="0">
-              <a:latin typeface="+mn-lt"/>
-            </a:endParaRPr>
-          </a:p>
-        </p:txBody>
-      </p:sp>
-      <p:sp>
-        <p:nvSpPr>
-          <p:cNvPr id="9" name="TextBox 8"/>
-          <p:cNvSpPr txBox="1"/>
-          <p:nvPr/>
-        </p:nvSpPr>
-        <p:spPr>
-          <a:xfrm>
-            <a:off x="264755" y="3532297"/>
-            <a:ext cx="7355533" cy="461665"/>
-          </a:xfrm>
-          <a:prstGeom prst="rect">
-            <a:avLst/>
-          </a:prstGeom>
-          <a:noFill/>
-        </p:spPr>
-        <p:txBody>
-          <a:bodyPr wrap="square" rtlCol="0">
-            <a:spAutoFit/>
-          </a:bodyPr>
-          <a:lstStyle/>
-          <a:p>
-            <a:r>
-              <a:rPr lang="en-US" sz="2400" dirty="0" smtClean="0">
-                <a:latin typeface="+mn-lt"/>
-              </a:rPr>
-              <a:t>feature frequencies for a randomly selected user</a:t>
-            </a:r>
-            <a:endParaRPr lang="en-US" sz="2400" dirty="0">
-              <a:latin typeface="+mn-lt"/>
-            </a:endParaRPr>
-          </a:p>
-        </p:txBody>
-      </p:sp>
-      <p:sp>
-        <p:nvSpPr>
-          <p:cNvPr id="10" name="TextBox 9"/>
-          <p:cNvSpPr txBox="1"/>
-          <p:nvPr/>
-        </p:nvSpPr>
-        <p:spPr>
-          <a:xfrm>
-            <a:off x="264755" y="5710535"/>
-            <a:ext cx="7562606" cy="461665"/>
-          </a:xfrm>
-          <a:prstGeom prst="rect">
-            <a:avLst/>
-          </a:prstGeom>
-          <a:noFill/>
-        </p:spPr>
-        <p:txBody>
-          <a:bodyPr wrap="square" rtlCol="0">
-            <a:spAutoFit/>
-          </a:bodyPr>
-          <a:lstStyle/>
-          <a:p>
-            <a:r>
-              <a:rPr lang="en-US" sz="2400" dirty="0" smtClean="0">
-                <a:latin typeface="+mn-lt"/>
-              </a:rPr>
-              <a:t>Outlier Metric for user1: how different are these two vectors?</a:t>
-            </a:r>
+              <a:rPr lang="en-US" dirty="0" smtClean="0"/>
+              <a:t>Learning Bayesian Networks for Complex Relational Data</a:t>
+            </a:r>
+            <a:endParaRPr lang="en-US" dirty="0"/>
           </a:p>
         </p:txBody>
       </p:sp>
     </p:spTree>
     <p:extLst>
       <p:ext uri="{BB962C8B-B14F-4D97-AF65-F5344CB8AC3E}">
-        <p14:creationId xmlns:p14="http://schemas.microsoft.com/office/powerpoint/2010/main" val="2262598300"/>
+        <p14:creationId xmlns:p14="http://schemas.microsoft.com/office/powerpoint/2010/main" val="2911975134"/>
       </p:ext>
     </p:extLst>
   </p:cSld>
   <p:clrMapOvr>
     <a:masterClrMapping/>
   </p:clrMapOvr>
-  <mc:AlternateContent xmlns:mc="http://schemas.openxmlformats.org/markup-compatibility/2006">
-    <mc:Choice xmlns:p14="http://schemas.microsoft.com/office/powerpoint/2010/main" Requires="p14">
-      <p:transition spd="slow" p14:dur="2000"/>
-    </mc:Choice>
-    <mc:Fallback>
-      <p:transition xmlns:p14="http://schemas.microsoft.com/office/powerpoint/2010/main" spd="slow"/>
-    </mc:Fallback>
-  </mc:AlternateContent>
 </p:sld>
 </file>
 
 <file path=ppt/slides/slide22.xml><?xml version="1.0" encoding="utf-8"?>
-<p:sld xmlns:a="http://schemas.openxmlformats.org/drawingml/2006/main" xmlns:r="http://schemas.openxmlformats.org/officeDocument/2006/relationships" xmlns:p="http://schemas.openxmlformats.org/presentationml/2006/main" show="0">
+<p:sld xmlns:a="http://schemas.openxmlformats.org/drawingml/2006/main" xmlns:r="http://schemas.openxmlformats.org/officeDocument/2006/relationships" xmlns:p="http://schemas.openxmlformats.org/presentationml/2006/main">
   <p:cSld>
     <p:spTree>
       <p:nvGrpSpPr>
@@ -13727,7 +13665,7 @@
       </p:grpSpPr>
       <p:sp>
         <p:nvSpPr>
-          <p:cNvPr id="5" name="Title 4"/>
+          <p:cNvPr id="2" name="Title 1"/>
           <p:cNvSpPr>
             <a:spLocks noGrp="1"/>
           </p:cNvSpPr>
@@ -13735,177 +13673,94 @@
             <p:ph type="title"/>
           </p:nvPr>
         </p:nvSpPr>
-        <p:spPr>
-          <a:xfrm>
-            <a:off x="358584" y="80405"/>
-            <a:ext cx="9067800" cy="1143000"/>
-          </a:xfrm>
-        </p:spPr>
-        <p:txBody>
-          <a:bodyPr>
-            <a:normAutofit/>
-          </a:bodyPr>
+        <p:spPr/>
+        <p:txBody>
+          <a:bodyPr/>
           <a:lstStyle/>
           <a:p>
             <a:r>
-              <a:rPr lang="en-US" sz="2800" dirty="0" smtClean="0"/>
-              <a:t>Model-Based Outlier Detection for I.I.D. data</a:t>
-            </a:r>
-            <a:endParaRPr lang="en-US" sz="2800" dirty="0"/>
-          </a:p>
-        </p:txBody>
-      </p:sp>
-      <p:graphicFrame>
-        <p:nvGraphicFramePr>
-          <p:cNvPr id="7" name="Content Placeholder 6"/>
-          <p:cNvGraphicFramePr>
-            <a:graphicFrameLocks noGrp="1"/>
-          </p:cNvGraphicFramePr>
+              <a:rPr lang="en-US" dirty="0" smtClean="0"/>
+              <a:t>Example: </a:t>
+            </a:r>
+            <a:r>
+              <a:rPr lang="en-US" dirty="0" err="1" smtClean="0"/>
+              <a:t>Edin</a:t>
+            </a:r>
+            <a:r>
+              <a:rPr lang="en-US" dirty="0" smtClean="0"/>
+              <a:t> </a:t>
+            </a:r>
+            <a:r>
+              <a:rPr lang="en-US" dirty="0" err="1" smtClean="0"/>
+              <a:t>Dzeko</a:t>
+            </a:r>
+            <a:r>
+              <a:rPr lang="en-US" dirty="0" smtClean="0"/>
+              <a:t>, </a:t>
+            </a:r>
+            <a:r>
+              <a:rPr lang="en-US" dirty="0" err="1" smtClean="0"/>
+              <a:t>Marginals</a:t>
+            </a:r>
+            <a:endParaRPr lang="en-US" dirty="0"/>
+          </a:p>
+        </p:txBody>
+      </p:sp>
+      <p:sp>
+        <p:nvSpPr>
+          <p:cNvPr id="3" name="Content Placeholder 2"/>
+          <p:cNvSpPr>
+            <a:spLocks noGrp="1"/>
+          </p:cNvSpPr>
           <p:nvPr>
             <p:ph sz="quarter" idx="1"/>
-            <p:extLst>
-              <p:ext uri="{D42A27DB-BD31-4B8C-83A1-F6EECF244321}">
-                <p14:modId xmlns:p14="http://schemas.microsoft.com/office/powerpoint/2010/main" val="3524136647"/>
-              </p:ext>
-            </p:extLst>
           </p:nvPr>
-        </p:nvGraphicFramePr>
-        <p:xfrm>
-          <a:off x="5544986" y="3876435"/>
-          <a:ext cx="3013354" cy="741680"/>
-        </p:xfrm>
-        <a:graphic>
-          <a:graphicData uri="http://schemas.openxmlformats.org/drawingml/2006/table">
-            <a:tbl>
-              <a:tblPr firstRow="1" bandRow="1">
-                <a:tableStyleId>{5C22544A-7EE6-4342-B048-85BDC9FD1C3A}</a:tableStyleId>
-              </a:tblPr>
-              <a:tblGrid>
-                <a:gridCol w="646331"/>
-                <a:gridCol w="597441"/>
-                <a:gridCol w="597441"/>
-                <a:gridCol w="1172141"/>
-              </a:tblGrid>
-              <a:tr h="370840">
-                <a:tc>
-                  <a:txBody>
-                    <a:bodyPr/>
-                    <a:lstStyle/>
-                    <a:p>
-                      <a:r>
-                        <a:rPr lang="en-US" dirty="0" smtClean="0"/>
-                        <a:t>ID</a:t>
-                      </a:r>
-                      <a:endParaRPr lang="en-US" dirty="0"/>
-                    </a:p>
-                  </a:txBody>
-                  <a:tcPr/>
-                </a:tc>
-                <a:tc>
-                  <a:txBody>
-                    <a:bodyPr/>
-                    <a:lstStyle/>
-                    <a:p>
-                      <a:r>
-                        <a:rPr lang="en-US" dirty="0" smtClean="0"/>
-                        <a:t>Att1</a:t>
-                      </a:r>
-                      <a:endParaRPr lang="en-US" dirty="0"/>
-                    </a:p>
-                  </a:txBody>
-                  <a:tcPr/>
-                </a:tc>
-                <a:tc>
-                  <a:txBody>
-                    <a:bodyPr/>
-                    <a:lstStyle/>
-                    <a:p>
-                      <a:r>
-                        <a:rPr lang="en-US" dirty="0" smtClean="0"/>
-                        <a:t>Att2</a:t>
-                      </a:r>
-                      <a:endParaRPr lang="en-US" dirty="0"/>
-                    </a:p>
-                  </a:txBody>
-                  <a:tcPr/>
-                </a:tc>
-                <a:tc>
-                  <a:txBody>
-                    <a:bodyPr/>
-                    <a:lstStyle/>
-                    <a:p>
-                      <a:r>
-                        <a:rPr lang="en-US" dirty="0" smtClean="0"/>
-                        <a:t>Att3</a:t>
-                      </a:r>
-                      <a:endParaRPr lang="en-US" dirty="0"/>
-                    </a:p>
-                  </a:txBody>
-                  <a:tcPr/>
-                </a:tc>
-              </a:tr>
-              <a:tr h="370840">
-                <a:tc>
-                  <a:txBody>
-                    <a:bodyPr/>
-                    <a:lstStyle/>
-                    <a:p>
-                      <a:r>
-                        <a:rPr lang="en-US" dirty="0" smtClean="0"/>
-                        <a:t>1000</a:t>
-                      </a:r>
-                      <a:endParaRPr lang="en-US" dirty="0"/>
-                    </a:p>
-                  </a:txBody>
-                  <a:tcPr/>
-                </a:tc>
-                <a:tc>
-                  <a:txBody>
-                    <a:bodyPr/>
-                    <a:lstStyle/>
-                    <a:p>
-                      <a:r>
-                        <a:rPr lang="en-US" dirty="0" smtClean="0"/>
-                        <a:t>M</a:t>
-                      </a:r>
-                      <a:endParaRPr lang="en-US" dirty="0"/>
-                    </a:p>
-                  </a:txBody>
-                  <a:tcPr/>
-                </a:tc>
-                <a:tc>
-                  <a:txBody>
-                    <a:bodyPr/>
-                    <a:lstStyle/>
-                    <a:p>
-                      <a:r>
-                        <a:rPr lang="en-US" dirty="0" smtClean="0"/>
-                        <a:t>rich</a:t>
-                      </a:r>
-                      <a:endParaRPr lang="en-US" dirty="0"/>
-                    </a:p>
-                  </a:txBody>
-                  <a:tcPr/>
-                </a:tc>
-                <a:tc>
-                  <a:txBody>
-                    <a:bodyPr/>
-                    <a:lstStyle/>
-                    <a:p>
-                      <a:r>
-                        <a:rPr lang="en-US" dirty="0" smtClean="0"/>
-                        <a:t>8</a:t>
-                      </a:r>
-                      <a:endParaRPr lang="en-US" dirty="0"/>
-                    </a:p>
-                  </a:txBody>
-                  <a:tcPr/>
-                </a:tc>
-              </a:tr>
-            </a:tbl>
-          </a:graphicData>
-        </a:graphic>
-      </p:graphicFrame>
+        </p:nvSpPr>
+        <p:spPr/>
+        <p:txBody>
+          <a:bodyPr/>
+          <a:lstStyle/>
+          <a:p>
+            <a:r>
+              <a:rPr lang="en-US" sz="2800" dirty="0" smtClean="0"/>
+              <a:t>Data are from Premier League Season 2011-2012.</a:t>
+            </a:r>
+          </a:p>
+          <a:p>
+            <a:r>
+              <a:rPr lang="en-US" sz="2800" dirty="0" smtClean="0"/>
+              <a:t>Low Dribble Efficiency in 16% of his matches.</a:t>
+            </a:r>
+          </a:p>
+          <a:p>
+            <a:r>
+              <a:rPr lang="en-US" sz="2800" dirty="0" smtClean="0"/>
+              <a:t>Random Striker: Low DE in 50% of matches.</a:t>
+            </a:r>
+          </a:p>
+          <a:p>
+            <a:r>
+              <a:rPr lang="en-US" sz="2800" dirty="0" smtClean="0"/>
+              <a:t>ELD contribution for marginal sum:</a:t>
+            </a:r>
+            <a:br>
+              <a:rPr lang="en-US" sz="2800" dirty="0" smtClean="0"/>
+            </a:br>
+            <a:r>
+              <a:rPr lang="en-US" sz="2800" dirty="0" smtClean="0"/>
+              <a:t>16% x |</a:t>
+            </a:r>
+            <a:r>
+              <a:rPr lang="en-US" sz="2800" dirty="0" err="1" smtClean="0"/>
+              <a:t>ln</a:t>
+            </a:r>
+            <a:r>
+              <a:rPr lang="en-US" sz="2800" dirty="0" smtClean="0"/>
+              <a:t>(16%/50%)| = 0.18</a:t>
+            </a:r>
+          </a:p>
+        </p:txBody>
+      </p:sp>
       <p:sp>
         <p:nvSpPr>
           <p:cNvPr id="4" name="Footer Placeholder 3"/>
@@ -13916,710 +13771,32 @@
             <p:ph type="ftr" sz="quarter" idx="11"/>
           </p:nvPr>
         </p:nvSpPr>
-        <p:spPr>
-          <a:xfrm>
-            <a:off x="355611" y="6172200"/>
-            <a:ext cx="7282395" cy="457200"/>
-          </a:xfrm>
-        </p:spPr>
+        <p:spPr/>
         <p:txBody>
           <a:bodyPr/>
           <a:lstStyle/>
           <a:p>
-            <a:r>
-              <a:rPr lang="en-US" dirty="0" err="1"/>
-              <a:t>Cansado</a:t>
-            </a:r>
-            <a:r>
-              <a:rPr lang="en-US" dirty="0"/>
-              <a:t>, A. &amp; Soto, A. (2008), 'Unsupervised anomaly detection in large databases using Bayesian networks', </a:t>
-            </a:r>
-            <a:r>
-              <a:rPr lang="en-US" i="1" dirty="0"/>
-              <a:t>Applied </a:t>
-            </a:r>
-            <a:r>
-              <a:rPr lang="en-US" i="1" dirty="0" err="1"/>
-              <a:t>Artifical</a:t>
-            </a:r>
-            <a:r>
-              <a:rPr lang="en-US" i="1" dirty="0"/>
-              <a:t> Intelligence </a:t>
-            </a:r>
-            <a:r>
-              <a:rPr lang="en-US" b="1" i="1" dirty="0"/>
-              <a:t>22(4), 309--330.</a:t>
-            </a:r>
-          </a:p>
-          <a:p>
+            <a:pPr>
+              <a:defRPr/>
+            </a:pPr>
+            <a:r>
+              <a:rPr lang="en-US" dirty="0" smtClean="0"/>
+              <a:t>Learning Bayesian Networks for Complex Relational Data</a:t>
+            </a:r>
             <a:endParaRPr lang="en-US" dirty="0"/>
           </a:p>
         </p:txBody>
       </p:sp>
-      <p:sp>
-        <p:nvSpPr>
-          <p:cNvPr id="8" name="Down Arrow 7"/>
-          <p:cNvSpPr/>
-          <p:nvPr/>
-        </p:nvSpPr>
-        <p:spPr>
-          <a:xfrm>
-            <a:off x="2483156" y="3338620"/>
-            <a:ext cx="248171" cy="581678"/>
-          </a:xfrm>
-          <a:prstGeom prst="downArrow">
-            <a:avLst/>
-          </a:prstGeom>
-          <a:solidFill>
-            <a:srgbClr val="3366FF"/>
-          </a:solidFill>
-          <a:ln>
-            <a:solidFill>
-              <a:srgbClr val="0000FF"/>
-            </a:solidFill>
-          </a:ln>
-        </p:spPr>
-        <p:style>
-          <a:lnRef idx="1">
-            <a:schemeClr val="accent1"/>
-          </a:lnRef>
-          <a:fillRef idx="3">
-            <a:schemeClr val="accent1"/>
-          </a:fillRef>
-          <a:effectRef idx="2">
-            <a:schemeClr val="accent1"/>
-          </a:effectRef>
-          <a:fontRef idx="minor">
-            <a:schemeClr val="lt1"/>
-          </a:fontRef>
-        </p:style>
-        <p:txBody>
-          <a:bodyPr rtlCol="0" anchor="ctr"/>
-          <a:lstStyle/>
-          <a:p>
-            <a:pPr algn="ctr"/>
-            <a:endParaRPr lang="en-US"/>
-          </a:p>
-        </p:txBody>
-      </p:sp>
-      <p:sp>
-        <p:nvSpPr>
-          <p:cNvPr id="10" name="TextBox 9"/>
-          <p:cNvSpPr txBox="1"/>
-          <p:nvPr/>
-        </p:nvSpPr>
-        <p:spPr>
-          <a:xfrm>
-            <a:off x="701969" y="4117414"/>
-            <a:ext cx="1582031" cy="400110"/>
-          </a:xfrm>
-          <a:prstGeom prst="rect">
-            <a:avLst/>
-          </a:prstGeom>
-          <a:noFill/>
-          <a:ln>
-            <a:solidFill>
-              <a:schemeClr val="tx1"/>
-            </a:solidFill>
-          </a:ln>
-        </p:spPr>
-        <p:txBody>
-          <a:bodyPr wrap="square" rtlCol="0">
-            <a:spAutoFit/>
-          </a:bodyPr>
-          <a:lstStyle/>
-          <a:p>
-            <a:r>
-              <a:rPr lang="en-US" sz="2000" dirty="0" smtClean="0">
-                <a:latin typeface="+mn-lt"/>
-              </a:rPr>
-              <a:t>Attribute1</a:t>
-            </a:r>
-            <a:endParaRPr lang="en-US" sz="2000" dirty="0">
-              <a:latin typeface="+mn-lt"/>
-            </a:endParaRPr>
-          </a:p>
-        </p:txBody>
-      </p:sp>
-      <p:sp>
-        <p:nvSpPr>
-          <p:cNvPr id="11" name="TextBox 10"/>
-          <p:cNvSpPr txBox="1"/>
-          <p:nvPr/>
-        </p:nvSpPr>
-        <p:spPr>
-          <a:xfrm>
-            <a:off x="1915879" y="5013763"/>
-            <a:ext cx="1556060" cy="400110"/>
-          </a:xfrm>
-          <a:prstGeom prst="rect">
-            <a:avLst/>
-          </a:prstGeom>
-          <a:noFill/>
-          <a:ln>
-            <a:solidFill>
-              <a:schemeClr val="tx1"/>
-            </a:solidFill>
-          </a:ln>
-        </p:spPr>
-        <p:txBody>
-          <a:bodyPr wrap="square" rtlCol="0">
-            <a:spAutoFit/>
-          </a:bodyPr>
-          <a:lstStyle/>
-          <a:p>
-            <a:r>
-              <a:rPr lang="en-US" sz="2000" dirty="0" smtClean="0">
-                <a:latin typeface="+mn-lt"/>
-              </a:rPr>
-              <a:t>Attribute3</a:t>
-            </a:r>
-            <a:endParaRPr lang="en-US" sz="2000" dirty="0">
-              <a:latin typeface="+mn-lt"/>
-            </a:endParaRPr>
-          </a:p>
-        </p:txBody>
-      </p:sp>
-      <p:sp>
-        <p:nvSpPr>
-          <p:cNvPr id="12" name="TextBox 11"/>
-          <p:cNvSpPr txBox="1"/>
-          <p:nvPr/>
-        </p:nvSpPr>
-        <p:spPr>
-          <a:xfrm>
-            <a:off x="3169568" y="4117414"/>
-            <a:ext cx="1485493" cy="400110"/>
-          </a:xfrm>
-          <a:prstGeom prst="rect">
-            <a:avLst/>
-          </a:prstGeom>
-          <a:noFill/>
-          <a:ln>
-            <a:solidFill>
-              <a:schemeClr val="tx1"/>
-            </a:solidFill>
-          </a:ln>
-        </p:spPr>
-        <p:txBody>
-          <a:bodyPr wrap="square" rtlCol="0">
-            <a:spAutoFit/>
-          </a:bodyPr>
-          <a:lstStyle/>
-          <a:p>
-            <a:r>
-              <a:rPr lang="en-US" sz="2000" dirty="0" smtClean="0">
-                <a:latin typeface="+mn-lt"/>
-              </a:rPr>
-              <a:t>Attribute2</a:t>
-            </a:r>
-            <a:endParaRPr lang="en-US" sz="2000" dirty="0">
-              <a:latin typeface="+mn-lt"/>
-            </a:endParaRPr>
-          </a:p>
-        </p:txBody>
-      </p:sp>
-      <p:cxnSp>
-        <p:nvCxnSpPr>
-          <p:cNvPr id="13" name="Straight Arrow Connector 12"/>
-          <p:cNvCxnSpPr/>
-          <p:nvPr/>
-        </p:nvCxnSpPr>
-        <p:spPr>
-          <a:xfrm>
-            <a:off x="1165862" y="4486746"/>
-            <a:ext cx="1242937" cy="527017"/>
-          </a:xfrm>
-          <a:prstGeom prst="straightConnector1">
-            <a:avLst/>
-          </a:prstGeom>
-          <a:ln>
-            <a:tailEnd type="arrow"/>
-          </a:ln>
-        </p:spPr>
-        <p:style>
-          <a:lnRef idx="2">
-            <a:schemeClr val="accent1"/>
-          </a:lnRef>
-          <a:fillRef idx="0">
-            <a:schemeClr val="accent1"/>
-          </a:fillRef>
-          <a:effectRef idx="1">
-            <a:schemeClr val="accent1"/>
-          </a:effectRef>
-          <a:fontRef idx="minor">
-            <a:schemeClr val="tx1"/>
-          </a:fontRef>
-        </p:style>
-      </p:cxnSp>
-      <p:cxnSp>
-        <p:nvCxnSpPr>
-          <p:cNvPr id="14" name="Straight Arrow Connector 13"/>
-          <p:cNvCxnSpPr>
-            <a:stCxn id="12" idx="2"/>
-            <a:endCxn id="11" idx="0"/>
-          </p:cNvCxnSpPr>
-          <p:nvPr/>
-        </p:nvCxnSpPr>
-        <p:spPr>
-          <a:xfrm flipH="1">
-            <a:off x="2693909" y="4517524"/>
-            <a:ext cx="1218406" cy="496239"/>
-          </a:xfrm>
-          <a:prstGeom prst="straightConnector1">
-            <a:avLst/>
-          </a:prstGeom>
-          <a:ln>
-            <a:tailEnd type="arrow"/>
-          </a:ln>
-        </p:spPr>
-        <p:style>
-          <a:lnRef idx="2">
-            <a:schemeClr val="accent1"/>
-          </a:lnRef>
-          <a:fillRef idx="0">
-            <a:schemeClr val="accent1"/>
-          </a:fillRef>
-          <a:effectRef idx="1">
-            <a:schemeClr val="accent1"/>
-          </a:effectRef>
-          <a:fontRef idx="minor">
-            <a:schemeClr val="tx1"/>
-          </a:fontRef>
-        </p:style>
-      </p:cxnSp>
-      <p:sp>
-        <p:nvSpPr>
-          <p:cNvPr id="22" name="TextBox 21"/>
-          <p:cNvSpPr txBox="1"/>
-          <p:nvPr/>
-        </p:nvSpPr>
-        <p:spPr>
-          <a:xfrm>
-            <a:off x="2922855" y="3507103"/>
-            <a:ext cx="1732206" cy="400110"/>
-          </a:xfrm>
-          <a:prstGeom prst="rect">
-            <a:avLst/>
-          </a:prstGeom>
-          <a:noFill/>
-        </p:spPr>
-        <p:txBody>
-          <a:bodyPr wrap="square" rtlCol="0">
-            <a:spAutoFit/>
-          </a:bodyPr>
-          <a:lstStyle/>
-          <a:p>
-            <a:r>
-              <a:rPr lang="en-US" sz="2000" dirty="0" smtClean="0">
-                <a:latin typeface="+mn-lt"/>
-              </a:rPr>
-              <a:t>Learning</a:t>
-            </a:r>
-            <a:endParaRPr lang="en-US" sz="2000" dirty="0">
-              <a:latin typeface="+mn-lt"/>
-            </a:endParaRPr>
-          </a:p>
-        </p:txBody>
-      </p:sp>
-      <p:graphicFrame>
-        <p:nvGraphicFramePr>
-          <p:cNvPr id="24" name="Content Placeholder 6"/>
-          <p:cNvGraphicFramePr>
-            <a:graphicFrameLocks noGrp="1"/>
-          </p:cNvGraphicFramePr>
-          <p:nvPr>
-            <p:ph sz="quarter" idx="1"/>
-            <p:extLst>
-              <p:ext uri="{D42A27DB-BD31-4B8C-83A1-F6EECF244321}">
-                <p14:modId xmlns:p14="http://schemas.microsoft.com/office/powerpoint/2010/main" val="2694164429"/>
-              </p:ext>
-            </p:extLst>
-          </p:nvPr>
-        </p:nvGraphicFramePr>
-        <p:xfrm>
-          <a:off x="355611" y="2116148"/>
-          <a:ext cx="4451492" cy="1112520"/>
-        </p:xfrm>
-        <a:graphic>
-          <a:graphicData uri="http://schemas.openxmlformats.org/drawingml/2006/table">
-            <a:tbl>
-              <a:tblPr firstRow="1" bandRow="1">
-                <a:tableStyleId>{5C22544A-7EE6-4342-B048-85BDC9FD1C3A}</a:tableStyleId>
-              </a:tblPr>
-              <a:tblGrid>
-                <a:gridCol w="430790"/>
-                <a:gridCol w="1200083"/>
-                <a:gridCol w="1200083"/>
-                <a:gridCol w="1620536"/>
-              </a:tblGrid>
-              <a:tr h="370840">
-                <a:tc>
-                  <a:txBody>
-                    <a:bodyPr/>
-                    <a:lstStyle/>
-                    <a:p>
-                      <a:r>
-                        <a:rPr lang="en-US" dirty="0" smtClean="0"/>
-                        <a:t>ID</a:t>
-                      </a:r>
-                      <a:endParaRPr lang="en-US" dirty="0"/>
-                    </a:p>
-                  </a:txBody>
-                  <a:tcPr/>
-                </a:tc>
-                <a:tc>
-                  <a:txBody>
-                    <a:bodyPr/>
-                    <a:lstStyle/>
-                    <a:p>
-                      <a:r>
-                        <a:rPr lang="en-US" dirty="0" smtClean="0"/>
-                        <a:t>Attribute1</a:t>
-                      </a:r>
-                      <a:endParaRPr lang="en-US" dirty="0"/>
-                    </a:p>
-                  </a:txBody>
-                  <a:tcPr/>
-                </a:tc>
-                <a:tc>
-                  <a:txBody>
-                    <a:bodyPr/>
-                    <a:lstStyle/>
-                    <a:p>
-                      <a:r>
-                        <a:rPr lang="en-US" dirty="0" smtClean="0"/>
-                        <a:t>Attribute2</a:t>
-                      </a:r>
-                      <a:endParaRPr lang="en-US" dirty="0"/>
-                    </a:p>
-                  </a:txBody>
-                  <a:tcPr/>
-                </a:tc>
-                <a:tc>
-                  <a:txBody>
-                    <a:bodyPr/>
-                    <a:lstStyle/>
-                    <a:p>
-                      <a:r>
-                        <a:rPr lang="en-US" dirty="0" smtClean="0"/>
-                        <a:t>Attribute3</a:t>
-                      </a:r>
-                      <a:endParaRPr lang="en-US" dirty="0"/>
-                    </a:p>
-                  </a:txBody>
-                  <a:tcPr/>
-                </a:tc>
-              </a:tr>
-              <a:tr h="370840">
-                <a:tc>
-                  <a:txBody>
-                    <a:bodyPr/>
-                    <a:lstStyle/>
-                    <a:p>
-                      <a:r>
-                        <a:rPr lang="en-US" dirty="0" smtClean="0"/>
-                        <a:t>1</a:t>
-                      </a:r>
-                      <a:endParaRPr lang="en-US" dirty="0"/>
-                    </a:p>
-                  </a:txBody>
-                  <a:tcPr/>
-                </a:tc>
-                <a:tc>
-                  <a:txBody>
-                    <a:bodyPr/>
-                    <a:lstStyle/>
-                    <a:p>
-                      <a:r>
-                        <a:rPr lang="en-US" dirty="0" smtClean="0"/>
-                        <a:t>W</a:t>
-                      </a:r>
-                      <a:endParaRPr lang="en-US" dirty="0"/>
-                    </a:p>
-                  </a:txBody>
-                  <a:tcPr/>
-                </a:tc>
-                <a:tc>
-                  <a:txBody>
-                    <a:bodyPr/>
-                    <a:lstStyle/>
-                    <a:p>
-                      <a:r>
-                        <a:rPr lang="en-US" dirty="0" smtClean="0"/>
-                        <a:t>rich</a:t>
-                      </a:r>
-                      <a:endParaRPr lang="en-US" dirty="0"/>
-                    </a:p>
-                  </a:txBody>
-                  <a:tcPr/>
-                </a:tc>
-                <a:tc>
-                  <a:txBody>
-                    <a:bodyPr/>
-                    <a:lstStyle/>
-                    <a:p>
-                      <a:r>
-                        <a:rPr lang="en-US" dirty="0" smtClean="0"/>
-                        <a:t>10</a:t>
-                      </a:r>
-                      <a:endParaRPr lang="en-US" dirty="0"/>
-                    </a:p>
-                  </a:txBody>
-                  <a:tcPr/>
-                </a:tc>
-              </a:tr>
-              <a:tr h="370840">
-                <a:tc>
-                  <a:txBody>
-                    <a:bodyPr/>
-                    <a:lstStyle/>
-                    <a:p>
-                      <a:r>
-                        <a:rPr lang="en-US" dirty="0" smtClean="0"/>
-                        <a:t>2</a:t>
-                      </a:r>
-                      <a:endParaRPr lang="en-US" dirty="0"/>
-                    </a:p>
-                  </a:txBody>
-                  <a:tcPr/>
-                </a:tc>
-                <a:tc>
-                  <a:txBody>
-                    <a:bodyPr/>
-                    <a:lstStyle/>
-                    <a:p>
-                      <a:r>
-                        <a:rPr lang="en-US" dirty="0" smtClean="0"/>
-                        <a:t>....</a:t>
-                      </a:r>
-                      <a:endParaRPr lang="en-US" dirty="0"/>
-                    </a:p>
-                  </a:txBody>
-                  <a:tcPr/>
-                </a:tc>
-                <a:tc>
-                  <a:txBody>
-                    <a:bodyPr/>
-                    <a:lstStyle/>
-                    <a:p>
-                      <a:r>
-                        <a:rPr lang="en-US" dirty="0" smtClean="0"/>
-                        <a:t>...</a:t>
-                      </a:r>
-                      <a:endParaRPr lang="en-US" dirty="0"/>
-                    </a:p>
-                  </a:txBody>
-                  <a:tcPr/>
-                </a:tc>
-                <a:tc>
-                  <a:txBody>
-                    <a:bodyPr/>
-                    <a:lstStyle/>
-                    <a:p>
-                      <a:r>
-                        <a:rPr lang="en-US" dirty="0" smtClean="0"/>
-                        <a:t>...</a:t>
-                      </a:r>
-                      <a:endParaRPr lang="en-US" dirty="0"/>
-                    </a:p>
-                  </a:txBody>
-                  <a:tcPr/>
-                </a:tc>
-              </a:tr>
-            </a:tbl>
-          </a:graphicData>
-        </a:graphic>
-      </p:graphicFrame>
-      <p:sp>
-        <p:nvSpPr>
-          <p:cNvPr id="25" name="TextBox 24"/>
-          <p:cNvSpPr txBox="1"/>
-          <p:nvPr/>
-        </p:nvSpPr>
-        <p:spPr>
-          <a:xfrm>
-            <a:off x="4112154" y="5240495"/>
-            <a:ext cx="4574646" cy="830997"/>
-          </a:xfrm>
-          <a:prstGeom prst="rect">
-            <a:avLst/>
-          </a:prstGeom>
-          <a:noFill/>
-          <a:ln>
-            <a:solidFill>
-              <a:schemeClr val="tx1"/>
-            </a:solidFill>
-          </a:ln>
-        </p:spPr>
-        <p:txBody>
-          <a:bodyPr wrap="square" rtlCol="0">
-            <a:spAutoFit/>
-          </a:bodyPr>
-          <a:lstStyle/>
-          <a:p>
-            <a:r>
-              <a:rPr lang="en-US" sz="2400" dirty="0">
-                <a:latin typeface="+mn-lt"/>
-              </a:rPr>
-              <a:t>L</a:t>
-            </a:r>
-            <a:r>
-              <a:rPr lang="en-US" sz="2400" dirty="0" smtClean="0">
-                <a:latin typeface="+mn-lt"/>
-              </a:rPr>
-              <a:t>ikelihood of potential outlier</a:t>
-            </a:r>
-          </a:p>
-          <a:p>
-            <a:r>
-              <a:rPr lang="en-US" sz="2400" dirty="0" smtClean="0">
-                <a:latin typeface="+mn-lt"/>
-              </a:rPr>
-              <a:t>low likelihood </a:t>
-            </a:r>
-            <a:r>
-              <a:rPr lang="en-US" sz="2400" dirty="0" smtClean="0">
-                <a:latin typeface="+mn-lt"/>
-                <a:ea typeface="Wingdings"/>
-                <a:cs typeface="Wingdings"/>
-                <a:sym typeface="Wingdings"/>
-              </a:rPr>
-              <a:t></a:t>
-            </a:r>
-            <a:r>
-              <a:rPr lang="en-US" sz="2400" dirty="0" smtClean="0">
-                <a:latin typeface="+mn-lt"/>
-              </a:rPr>
-              <a:t>outlier</a:t>
-            </a:r>
-            <a:endParaRPr lang="en-US" sz="2400" dirty="0">
-              <a:latin typeface="+mn-lt"/>
-            </a:endParaRPr>
-          </a:p>
-        </p:txBody>
-      </p:sp>
-      <p:cxnSp>
-        <p:nvCxnSpPr>
-          <p:cNvPr id="27" name="Straight Arrow Connector 26"/>
-          <p:cNvCxnSpPr/>
-          <p:nvPr/>
-        </p:nvCxnSpPr>
-        <p:spPr>
-          <a:xfrm>
-            <a:off x="4112154" y="4517524"/>
-            <a:ext cx="1189300" cy="722971"/>
-          </a:xfrm>
-          <a:prstGeom prst="straightConnector1">
-            <a:avLst/>
-          </a:prstGeom>
-          <a:ln>
-            <a:tailEnd type="arrow"/>
-          </a:ln>
-        </p:spPr>
-        <p:style>
-          <a:lnRef idx="2">
-            <a:schemeClr val="accent1"/>
-          </a:lnRef>
-          <a:fillRef idx="0">
-            <a:schemeClr val="accent1"/>
-          </a:fillRef>
-          <a:effectRef idx="1">
-            <a:schemeClr val="accent1"/>
-          </a:effectRef>
-          <a:fontRef idx="minor">
-            <a:schemeClr val="tx1"/>
-          </a:fontRef>
-        </p:style>
-      </p:cxnSp>
-      <p:cxnSp>
-        <p:nvCxnSpPr>
-          <p:cNvPr id="29" name="Straight Arrow Connector 28"/>
-          <p:cNvCxnSpPr/>
-          <p:nvPr/>
-        </p:nvCxnSpPr>
-        <p:spPr>
-          <a:xfrm>
-            <a:off x="6732645" y="4618115"/>
-            <a:ext cx="0" cy="622380"/>
-          </a:xfrm>
-          <a:prstGeom prst="straightConnector1">
-            <a:avLst/>
-          </a:prstGeom>
-          <a:ln>
-            <a:tailEnd type="arrow"/>
-          </a:ln>
-        </p:spPr>
-        <p:style>
-          <a:lnRef idx="2">
-            <a:schemeClr val="accent1"/>
-          </a:lnRef>
-          <a:fillRef idx="0">
-            <a:schemeClr val="accent1"/>
-          </a:fillRef>
-          <a:effectRef idx="1">
-            <a:schemeClr val="accent1"/>
-          </a:effectRef>
-          <a:fontRef idx="minor">
-            <a:schemeClr val="tx1"/>
-          </a:fontRef>
-        </p:style>
-      </p:cxnSp>
-      <p:pic>
-        <p:nvPicPr>
-          <p:cNvPr id="2" name="Picture 1" descr="andrew_ng.jpg"/>
-          <p:cNvPicPr>
-            <a:picLocks noChangeAspect="1"/>
-          </p:cNvPicPr>
-          <p:nvPr/>
-        </p:nvPicPr>
-        <p:blipFill>
-          <a:blip r:embed="rId2" cstate="print">
-            <a:extLst>
-              <a:ext uri="{28A0092B-C50C-407E-A947-70E740481C1C}">
-                <a14:useLocalDpi xmlns:a14="http://schemas.microsoft.com/office/drawing/2010/main" val="0"/>
-              </a:ext>
-            </a:extLst>
-          </a:blip>
-          <a:stretch>
-            <a:fillRect/>
-          </a:stretch>
-        </p:blipFill>
-        <p:spPr>
-          <a:xfrm>
-            <a:off x="5601729" y="1417638"/>
-            <a:ext cx="2261832" cy="1704414"/>
-          </a:xfrm>
-          <a:prstGeom prst="rect">
-            <a:avLst/>
-          </a:prstGeom>
-        </p:spPr>
-      </p:pic>
     </p:spTree>
     <p:extLst>
       <p:ext uri="{BB962C8B-B14F-4D97-AF65-F5344CB8AC3E}">
-        <p14:creationId xmlns:p14="http://schemas.microsoft.com/office/powerpoint/2010/main" val="949920631"/>
+        <p14:creationId xmlns:p14="http://schemas.microsoft.com/office/powerpoint/2010/main" val="1632963202"/>
       </p:ext>
     </p:extLst>
   </p:cSld>
   <p:clrMapOvr>
     <a:masterClrMapping/>
   </p:clrMapOvr>
-  <mc:AlternateContent xmlns:mc="http://schemas.openxmlformats.org/markup-compatibility/2006">
-    <mc:Choice xmlns:p14="http://schemas.microsoft.com/office/powerpoint/2010/main" Requires="p14">
-      <p:transition spd="slow" p14:dur="2000"/>
-    </mc:Choice>
-    <mc:Fallback>
-      <p:transition xmlns:p14="http://schemas.microsoft.com/office/powerpoint/2010/main" spd="slow"/>
-    </mc:Fallback>
-  </mc:AlternateContent>
-  <p:timing>
-    <p:tnLst>
-      <p:par>
-        <p:cTn xmlns:p14="http://schemas.microsoft.com/office/powerpoint/2010/main" id="1" dur="indefinite" restart="never" nodeType="tmRoot"/>
-      </p:par>
-    </p:tnLst>
-  </p:timing>
 </p:sld>
 </file>
 
@@ -14656,9 +13833,26 @@
           <a:lstStyle/>
           <a:p>
             <a:r>
-              <a:rPr lang="en-US"/>
-              <a:t>Methods Compared</a:t>
-            </a:r>
+              <a:rPr lang="en-US" dirty="0" smtClean="0"/>
+              <a:t>Example: </a:t>
+            </a:r>
+            <a:r>
+              <a:rPr lang="en-US" dirty="0" err="1" smtClean="0"/>
+              <a:t>Edin</a:t>
+            </a:r>
+            <a:r>
+              <a:rPr lang="en-US" dirty="0" smtClean="0"/>
+              <a:t> </a:t>
+            </a:r>
+            <a:r>
+              <a:rPr lang="en-US" dirty="0" err="1" smtClean="0"/>
+              <a:t>Dzeko</a:t>
+            </a:r>
+            <a:r>
+              <a:rPr lang="en-US" dirty="0" smtClean="0"/>
+              <a:t>, Associations</a:t>
+            </a:r>
+            <a:endParaRPr lang="en-US" dirty="0"/>
           </a:p>
         </p:txBody>
       </p:sp>
@@ -14672,83 +13866,161 @@
             <p:ph sz="quarter" idx="1"/>
           </p:nvPr>
         </p:nvSpPr>
-        <p:spPr/>
+        <p:spPr>
+          <a:xfrm>
+            <a:off x="914400" y="1465194"/>
+            <a:ext cx="7772400" cy="4936185"/>
+          </a:xfrm>
+        </p:spPr>
         <p:txBody>
           <a:bodyPr/>
           <a:lstStyle/>
           <a:p>
             <a:r>
-              <a:rPr lang="en-US"/>
-              <a:t>Outlierness metrics</a:t>
+              <a:rPr lang="en-US" sz="2800" dirty="0" smtClean="0"/>
+              <a:t>Association: </a:t>
+            </a:r>
+            <a:r>
+              <a:rPr lang="en-US" sz="2800" dirty="0" err="1" smtClean="0"/>
+              <a:t>Shotefficiency</a:t>
+            </a:r>
+            <a:r>
+              <a:rPr lang="en-US" sz="2800" dirty="0" smtClean="0"/>
+              <a:t> = high, </a:t>
+            </a:r>
+            <a:r>
+              <a:rPr lang="en-US" sz="2800" dirty="0" err="1" smtClean="0"/>
+              <a:t>TackleEfficiency</a:t>
+            </a:r>
+            <a:r>
+              <a:rPr lang="en-US" sz="2800" dirty="0" smtClean="0"/>
+              <a:t> = medium </a:t>
+            </a:r>
+            <a:r>
+              <a:rPr lang="en-US" sz="2800" dirty="0" smtClean="0">
+                <a:latin typeface="Wingdings"/>
+                <a:ea typeface="Wingdings"/>
+                <a:cs typeface="Wingdings"/>
+                <a:sym typeface="Wingdings"/>
+              </a:rPr>
+              <a:t></a:t>
+            </a:r>
+            <a:r>
+              <a:rPr lang="en-US" sz="2800" dirty="0" err="1" smtClean="0"/>
+              <a:t>DribbleEffiency</a:t>
+            </a:r>
+            <a:r>
+              <a:rPr lang="en-US" sz="2800" dirty="0" smtClean="0"/>
+              <a:t> = low</a:t>
+            </a:r>
+            <a:endParaRPr lang="en-US" sz="2800" dirty="0"/>
+          </a:p>
+          <a:p>
+            <a:r>
+              <a:rPr lang="en-US" sz="2800" dirty="0" smtClean="0"/>
+              <a:t>For </a:t>
+            </a:r>
+            <a:r>
+              <a:rPr lang="en-US" sz="2800" dirty="0" err="1" smtClean="0"/>
+              <a:t>Edin</a:t>
+            </a:r>
+            <a:r>
+              <a:rPr lang="en-US" sz="2800" dirty="0" smtClean="0"/>
+              <a:t> </a:t>
+            </a:r>
+            <a:r>
+              <a:rPr lang="en-US" sz="2800" dirty="0" err="1" smtClean="0"/>
+              <a:t>Dzeko</a:t>
+            </a:r>
+            <a:r>
+              <a:rPr lang="en-US" sz="2800" dirty="0" smtClean="0"/>
+              <a:t>:</a:t>
             </a:r>
           </a:p>
           <a:p>
             <a:pPr lvl="1"/>
             <a:r>
-              <a:rPr lang="en-US"/>
-              <a:t>KLD</a:t>
+              <a:rPr lang="en-US" dirty="0" smtClean="0"/>
+              <a:t>confidence = 50%</a:t>
             </a:r>
           </a:p>
           <a:p>
             <a:pPr lvl="1"/>
             <a:r>
-              <a:rPr lang="en-US"/>
-              <a:t>|KLD|: replace log-differences by log-distances</a:t>
-            </a:r>
+              <a:rPr lang="en-US" dirty="0" smtClean="0"/>
+              <a:t>lift = ln(50%/16%)=1.13</a:t>
+            </a:r>
+            <a:endParaRPr lang="en-US" dirty="0"/>
           </a:p>
           <a:p>
             <a:pPr lvl="1"/>
             <a:r>
-              <a:rPr lang="en-US"/>
-              <a:t>ELD</a:t>
+              <a:rPr lang="en-US" dirty="0" smtClean="0"/>
+              <a:t>support (joint </a:t>
+            </a:r>
+            <a:r>
+              <a:rPr lang="en-US" dirty="0" err="1" smtClean="0"/>
+              <a:t>prob</a:t>
+            </a:r>
+            <a:r>
+              <a:rPr lang="en-US" dirty="0" smtClean="0"/>
+              <a:t>) = </a:t>
+            </a:r>
+            <a:r>
+              <a:rPr lang="en-US" dirty="0"/>
+              <a:t>6</a:t>
+            </a:r>
+            <a:r>
+              <a:rPr lang="en-US" dirty="0" smtClean="0"/>
+              <a:t>%</a:t>
+            </a:r>
+          </a:p>
+          <a:p>
+            <a:r>
+              <a:rPr lang="en-US" sz="2800" dirty="0" smtClean="0"/>
+              <a:t>For random striker</a:t>
             </a:r>
           </a:p>
           <a:p>
             <a:pPr lvl="1"/>
             <a:r>
-              <a:rPr lang="en-US"/>
-              <a:t>LOG = -log-likelihood of generic class model on individual database</a:t>
+              <a:rPr lang="en-US" dirty="0"/>
+              <a:t>c</a:t>
+            </a:r>
+            <a:r>
+              <a:rPr lang="en-US" dirty="0" smtClean="0"/>
+              <a:t>onfidence = 38%</a:t>
             </a:r>
           </a:p>
           <a:p>
             <a:pPr lvl="1"/>
             <a:r>
-              <a:rPr lang="en-US"/>
-              <a:t>FD: |KLD| with respect to marginals only</a:t>
-            </a:r>
-          </a:p>
-          <a:p>
-            <a:r>
-              <a:rPr lang="en-US"/>
-              <a:t>Aggregation Methods</a:t>
-            </a:r>
-          </a:p>
-          <a:p>
-            <a:pPr marL="776288" lvl="1" indent="-457200">
-              <a:buFont typeface="+mj-lt"/>
-              <a:buAutoNum type="arabicPeriod"/>
-            </a:pPr>
-            <a:r>
-              <a:rPr lang="en-US"/>
-              <a:t>Use counts of single feature values to form data matrix</a:t>
-            </a:r>
-          </a:p>
-          <a:p>
-            <a:pPr marL="776288" lvl="1" indent="-457200">
-              <a:buFont typeface="+mj-lt"/>
-              <a:buAutoNum type="arabicPeriod"/>
-            </a:pPr>
-            <a:r>
-              <a:rPr lang="en-US"/>
-              <a:t>Apply standard single-table methods (LOF, KNN, OutRank) </a:t>
-            </a:r>
-          </a:p>
-          <a:p>
-            <a:endParaRPr lang="en-US"/>
-          </a:p>
-          <a:p>
-            <a:pPr lvl="1"/>
-            <a:endParaRPr lang="en-US"/>
+              <a:rPr lang="en-US" dirty="0"/>
+              <a:t>lift = ln(38%/50%) =-0.27 </a:t>
+            </a:r>
+            <a:endParaRPr lang="en-US" dirty="0" smtClean="0"/>
+          </a:p>
+          <a:p>
+            <a:r>
+              <a:rPr lang="en-US" dirty="0" smtClean="0"/>
+              <a:t>ELD contribution for association</a:t>
+            </a:r>
+            <a:br>
+              <a:rPr lang="en-US" dirty="0" smtClean="0"/>
+            </a:br>
+            <a:r>
+              <a:rPr lang="en-US" dirty="0" smtClean="0"/>
+              <a:t>10% x |1.13-(-0.27)|= </a:t>
+            </a:r>
+            <a:r>
+              <a:rPr lang="en-US" dirty="0"/>
+              <a:t>6</a:t>
+            </a:r>
+            <a:r>
+              <a:rPr lang="en-US" dirty="0" smtClean="0"/>
+              <a:t>% x 1.14 = 0.068</a:t>
+            </a:r>
+            <a:endParaRPr lang="en-US" dirty="0"/>
           </a:p>
         </p:txBody>
       </p:sp>
@@ -14762,7 +14034,12 @@
             <p:ph type="ftr" sz="quarter" idx="11"/>
           </p:nvPr>
         </p:nvSpPr>
-        <p:spPr/>
+        <p:spPr>
+          <a:xfrm>
+            <a:off x="914399" y="6172200"/>
+            <a:ext cx="4104025" cy="457200"/>
+          </a:xfrm>
+        </p:spPr>
         <p:txBody>
           <a:bodyPr/>
           <a:lstStyle/>
@@ -14771,16 +14048,17 @@
               <a:defRPr/>
             </a:pPr>
             <a:r>
-              <a:rPr lang="en-US"/>
-              <a:t>Presentation Title At Venue</a:t>
-            </a:r>
+              <a:rPr lang="en-US" dirty="0" smtClean="0"/>
+              <a:t>Learning Bayesxian Networks for Complex Relational Data</a:t>
+            </a:r>
+            <a:endParaRPr lang="en-US" dirty="0"/>
           </a:p>
         </p:txBody>
       </p:sp>
     </p:spTree>
     <p:extLst>
       <p:ext uri="{BB962C8B-B14F-4D97-AF65-F5344CB8AC3E}">
-        <p14:creationId xmlns:p14="http://schemas.microsoft.com/office/powerpoint/2010/main" val="271078607"/>
+        <p14:creationId xmlns:p14="http://schemas.microsoft.com/office/powerpoint/2010/main" val="4030511459"/>
       </p:ext>
     </p:extLst>
   </p:cSld>
@@ -14817,6 +14095,174 @@
             <p:ph type="title"/>
           </p:nvPr>
         </p:nvSpPr>
+        <p:spPr/>
+        <p:txBody>
+          <a:bodyPr/>
+          <a:lstStyle/>
+          <a:p>
+            <a:r>
+              <a:rPr lang="en-US"/>
+              <a:t>Methods Compared</a:t>
+            </a:r>
+          </a:p>
+        </p:txBody>
+      </p:sp>
+      <p:sp>
+        <p:nvSpPr>
+          <p:cNvPr id="3" name="Content Placeholder 2"/>
+          <p:cNvSpPr>
+            <a:spLocks noGrp="1"/>
+          </p:cNvSpPr>
+          <p:nvPr>
+            <p:ph sz="quarter" idx="1"/>
+          </p:nvPr>
+        </p:nvSpPr>
+        <p:spPr/>
+        <p:txBody>
+          <a:bodyPr/>
+          <a:lstStyle/>
+          <a:p>
+            <a:r>
+              <a:rPr lang="en-US"/>
+              <a:t>Outlierness metrics</a:t>
+            </a:r>
+          </a:p>
+          <a:p>
+            <a:pPr lvl="1"/>
+            <a:r>
+              <a:rPr lang="en-US"/>
+              <a:t>KLD</a:t>
+            </a:r>
+          </a:p>
+          <a:p>
+            <a:pPr lvl="1"/>
+            <a:r>
+              <a:rPr lang="en-US"/>
+              <a:t>|KLD|: replace log-differences by log-distances</a:t>
+            </a:r>
+          </a:p>
+          <a:p>
+            <a:pPr lvl="1"/>
+            <a:r>
+              <a:rPr lang="en-US"/>
+              <a:t>ELD</a:t>
+            </a:r>
+          </a:p>
+          <a:p>
+            <a:pPr lvl="1"/>
+            <a:r>
+              <a:rPr lang="en-US"/>
+              <a:t>LOG = -log-likelihood of generic class model on individual database</a:t>
+            </a:r>
+          </a:p>
+          <a:p>
+            <a:pPr lvl="1"/>
+            <a:r>
+              <a:rPr lang="en-US"/>
+              <a:t>FD: |KLD| with respect to marginals only</a:t>
+            </a:r>
+          </a:p>
+          <a:p>
+            <a:r>
+              <a:rPr lang="en-US"/>
+              <a:t>Aggregation Methods</a:t>
+            </a:r>
+          </a:p>
+          <a:p>
+            <a:pPr marL="776288" lvl="1" indent="-457200">
+              <a:buFont typeface="+mj-lt"/>
+              <a:buAutoNum type="arabicPeriod"/>
+            </a:pPr>
+            <a:r>
+              <a:rPr lang="en-US"/>
+              <a:t>Use counts of single feature values to form data matrix</a:t>
+            </a:r>
+          </a:p>
+          <a:p>
+            <a:pPr marL="776288" lvl="1" indent="-457200">
+              <a:buFont typeface="+mj-lt"/>
+              <a:buAutoNum type="arabicPeriod"/>
+            </a:pPr>
+            <a:r>
+              <a:rPr lang="en-US"/>
+              <a:t>Apply standard single-table methods (LOF, KNN, OutRank) </a:t>
+            </a:r>
+          </a:p>
+          <a:p>
+            <a:endParaRPr lang="en-US"/>
+          </a:p>
+          <a:p>
+            <a:pPr lvl="1"/>
+            <a:endParaRPr lang="en-US"/>
+          </a:p>
+        </p:txBody>
+      </p:sp>
+      <p:sp>
+        <p:nvSpPr>
+          <p:cNvPr id="4" name="Footer Placeholder 3"/>
+          <p:cNvSpPr>
+            <a:spLocks noGrp="1"/>
+          </p:cNvSpPr>
+          <p:nvPr>
+            <p:ph type="ftr" sz="quarter" idx="11"/>
+          </p:nvPr>
+        </p:nvSpPr>
+        <p:spPr/>
+        <p:txBody>
+          <a:bodyPr/>
+          <a:lstStyle/>
+          <a:p>
+            <a:pPr>
+              <a:defRPr/>
+            </a:pPr>
+            <a:r>
+              <a:rPr lang="en-US" dirty="0" smtClean="0"/>
+              <a:t>Learning Bayesian Networks for Complex Relational Data</a:t>
+            </a:r>
+            <a:endParaRPr lang="en-US" dirty="0"/>
+          </a:p>
+        </p:txBody>
+      </p:sp>
+    </p:spTree>
+    <p:extLst>
+      <p:ext uri="{BB962C8B-B14F-4D97-AF65-F5344CB8AC3E}">
+        <p14:creationId xmlns:p14="http://schemas.microsoft.com/office/powerpoint/2010/main" val="271078607"/>
+      </p:ext>
+    </p:extLst>
+  </p:cSld>
+  <p:clrMapOvr>
+    <a:masterClrMapping/>
+  </p:clrMapOvr>
+</p:sld>
+</file>
+
+<file path=ppt/slides/slide25.xml><?xml version="1.0" encoding="utf-8"?>
+<p:sld xmlns:a="http://schemas.openxmlformats.org/drawingml/2006/main" xmlns:r="http://schemas.openxmlformats.org/officeDocument/2006/relationships" xmlns:p="http://schemas.openxmlformats.org/presentationml/2006/main">
+  <p:cSld>
+    <p:spTree>
+      <p:nvGrpSpPr>
+        <p:cNvPr id="1" name=""/>
+        <p:cNvGrpSpPr/>
+        <p:nvPr/>
+      </p:nvGrpSpPr>
+      <p:grpSpPr>
+        <a:xfrm>
+          <a:off x="0" y="0"/>
+          <a:ext cx="0" cy="0"/>
+          <a:chOff x="0" y="0"/>
+          <a:chExt cx="0" cy="0"/>
+        </a:xfrm>
+      </p:grpSpPr>
+      <p:sp>
+        <p:nvSpPr>
+          <p:cNvPr id="2" name="Title 1"/>
+          <p:cNvSpPr>
+            <a:spLocks noGrp="1"/>
+          </p:cNvSpPr>
+          <p:nvPr>
+            <p:ph type="title"/>
+          </p:nvPr>
+        </p:nvSpPr>
         <p:spPr>
           <a:xfrm>
             <a:off x="824754" y="274638"/>
@@ -14879,34 +14325,6 @@
       </p:sp>
       <p:sp>
         <p:nvSpPr>
-          <p:cNvPr id="4" name="Slide Number Placeholder 3"/>
-          <p:cNvSpPr>
-            <a:spLocks noGrp="1"/>
-          </p:cNvSpPr>
-          <p:nvPr>
-            <p:ph type="sldNum" sz="quarter" idx="12"/>
-          </p:nvPr>
-        </p:nvSpPr>
-        <p:spPr/>
-        <p:txBody>
-          <a:bodyPr/>
-          <a:lstStyle/>
-          <a:p>
-            <a:fld id="{B6F15528-21DE-4FAA-801E-634DDDAF4B2B}" type="slidenum">
-              <a:rPr lang="en-US" smtClean="0"/>
-              <a:pPr/>
-              <a:t>24</a:t>
-            </a:fld>
-            <a:r>
-              <a:rPr lang="en-US" smtClean="0"/>
-              <a:t>/19</a:t>
-            </a:r>
-            <a:endParaRPr lang="en-US" dirty="0"/>
-          </a:p>
-        </p:txBody>
-      </p:sp>
-      <p:sp>
-        <p:nvSpPr>
           <p:cNvPr id="5" name="Footer Placeholder 4"/>
           <p:cNvSpPr>
             <a:spLocks noGrp="1"/>
@@ -14917,7 +14335,7 @@
         </p:nvSpPr>
         <p:spPr>
           <a:xfrm>
-            <a:off x="152400" y="6356350"/>
+            <a:off x="152400" y="5768975"/>
             <a:ext cx="7924800" cy="501649"/>
           </a:xfrm>
         </p:spPr>
@@ -15154,7 +14572,7 @@
 </p:sld>
 </file>
 
-<file path=ppt/slides/slide25.xml><?xml version="1.0" encoding="utf-8"?>
+<file path=ppt/slides/slide26.xml><?xml version="1.0" encoding="utf-8"?>
 <p:sld xmlns:a="http://schemas.openxmlformats.org/drawingml/2006/main" xmlns:r="http://schemas.openxmlformats.org/officeDocument/2006/relationships" xmlns:p="http://schemas.openxmlformats.org/presentationml/2006/main">
   <p:cSld>
     <p:spTree>
@@ -16122,7 +15540,7 @@
 </p:sld>
 </file>
 
-<file path=ppt/slides/slide26.xml><?xml version="1.0" encoding="utf-8"?>
+<file path=ppt/slides/slide27.xml><?xml version="1.0" encoding="utf-8"?>
 <p:sld xmlns:a="http://schemas.openxmlformats.org/drawingml/2006/main" xmlns:r="http://schemas.openxmlformats.org/officeDocument/2006/relationships" xmlns:p="http://schemas.openxmlformats.org/presentationml/2006/main">
   <p:cSld>
     <p:spTree>
@@ -16162,81 +15580,6 @@
             <a:r>
               <a:rPr lang="en-CA" dirty="0"/>
               <a:t>Synthetic Data Results</a:t>
-            </a:r>
-            <a:endParaRPr lang="en-US" dirty="0"/>
-          </a:p>
-        </p:txBody>
-      </p:sp>
-      <p:sp>
-        <p:nvSpPr>
-          <p:cNvPr id="3" name="Content Placeholder 2"/>
-          <p:cNvSpPr>
-            <a:spLocks noGrp="1"/>
-          </p:cNvSpPr>
-          <p:nvPr>
-            <p:ph idx="1"/>
-          </p:nvPr>
-        </p:nvSpPr>
-        <p:spPr>
-          <a:xfrm>
-            <a:off x="457200" y="1646237"/>
-            <a:ext cx="8229600" cy="4525963"/>
-          </a:xfrm>
-        </p:spPr>
-        <p:txBody>
-          <a:bodyPr/>
-          <a:lstStyle/>
-          <a:p>
-            <a:r>
-              <a:rPr lang="en-US" sz="2800" dirty="0" smtClean="0"/>
-              <a:t>Use precision as evaluation metric</a:t>
-            </a:r>
-          </a:p>
-          <a:p>
-            <a:pPr lvl="1"/>
-            <a:r>
-              <a:rPr lang="en-US" dirty="0" smtClean="0"/>
-              <a:t>Set the percentages of outliers to be 1% and 5%</a:t>
-            </a:r>
-          </a:p>
-          <a:p>
-            <a:pPr lvl="1"/>
-            <a:r>
-              <a:rPr lang="en-US" dirty="0" smtClean="0"/>
-              <a:t>How many outliers were correctly recognized</a:t>
-            </a:r>
-          </a:p>
-          <a:p>
-            <a:pPr marL="457200" lvl="1" indent="0">
-              <a:buNone/>
-            </a:pPr>
-            <a:endParaRPr lang="en-US" dirty="0" smtClean="0"/>
-          </a:p>
-        </p:txBody>
-      </p:sp>
-      <p:sp>
-        <p:nvSpPr>
-          <p:cNvPr id="4" name="Slide Number Placeholder 3"/>
-          <p:cNvSpPr>
-            <a:spLocks noGrp="1"/>
-          </p:cNvSpPr>
-          <p:nvPr>
-            <p:ph type="sldNum" sz="quarter" idx="12"/>
-          </p:nvPr>
-        </p:nvSpPr>
-        <p:spPr/>
-        <p:txBody>
-          <a:bodyPr/>
-          <a:lstStyle/>
-          <a:p>
-            <a:fld id="{B6F15528-21DE-4FAA-801E-634DDDAF4B2B}" type="slidenum">
-              <a:rPr lang="en-US" smtClean="0"/>
-              <a:pPr/>
-              <a:t>26</a:t>
-            </a:fld>
-            <a:r>
-              <a:rPr lang="en-US" smtClean="0"/>
-              <a:t>/19</a:t>
             </a:r>
             <a:endParaRPr lang="en-US" dirty="0"/>
           </a:p>
@@ -16259,8 +15602,8 @@
         </p:blipFill>
         <p:spPr bwMode="auto">
           <a:xfrm>
-            <a:off x="164351" y="3429000"/>
-            <a:ext cx="8624184" cy="3048000"/>
+            <a:off x="-1" y="1759074"/>
+            <a:ext cx="9197721" cy="3250702"/>
           </a:xfrm>
           <a:prstGeom prst="rect">
             <a:avLst/>
@@ -16294,7 +15637,7 @@
 </p:sld>
 </file>
 
-<file path=ppt/slides/slide27.xml><?xml version="1.0" encoding="utf-8"?>
+<file path=ppt/slides/slide28.xml><?xml version="1.0" encoding="utf-8"?>
 <p:sld xmlns:a="http://schemas.openxmlformats.org/drawingml/2006/main" xmlns:r="http://schemas.openxmlformats.org/officeDocument/2006/relationships" xmlns:p="http://schemas.openxmlformats.org/presentationml/2006/main">
   <p:cSld>
     <p:spTree>
@@ -16341,34 +15684,6 @@
       </p:sp>
       <p:sp>
         <p:nvSpPr>
-          <p:cNvPr id="4" name="Slide Number Placeholder 3"/>
-          <p:cNvSpPr>
-            <a:spLocks noGrp="1"/>
-          </p:cNvSpPr>
-          <p:nvPr>
-            <p:ph type="sldNum" sz="quarter" idx="12"/>
-          </p:nvPr>
-        </p:nvSpPr>
-        <p:spPr/>
-        <p:txBody>
-          <a:bodyPr/>
-          <a:lstStyle/>
-          <a:p>
-            <a:fld id="{B6F15528-21DE-4FAA-801E-634DDDAF4B2B}" type="slidenum">
-              <a:rPr lang="en-US" smtClean="0"/>
-              <a:pPr/>
-              <a:t>27</a:t>
-            </a:fld>
-            <a:r>
-              <a:rPr lang="en-US" smtClean="0"/>
-              <a:t>/19</a:t>
-            </a:r>
-            <a:endParaRPr lang="en-US" dirty="0"/>
-          </a:p>
-        </p:txBody>
-      </p:sp>
-      <p:sp>
-        <p:nvSpPr>
           <p:cNvPr id="7" name="TextBox 6"/>
           <p:cNvSpPr txBox="1"/>
           <p:nvPr/>
@@ -16399,7 +15714,7 @@
       </p:sp>
       <p:pic>
         <p:nvPicPr>
-          <p:cNvPr id="6" name="Picture 5" descr="HighCor.pdf"/>
+          <p:cNvPr id="6" name="Picture 5"/>
           <p:cNvPicPr>
             <a:picLocks noChangeAspect="1"/>
           </p:cNvPicPr>
@@ -16419,8 +15734,8 @@
         </p:blipFill>
         <p:spPr>
           <a:xfrm>
-            <a:off x="-152400" y="1905000"/>
-            <a:ext cx="5029200" cy="5029200"/>
+            <a:off x="0" y="1905000"/>
+            <a:ext cx="4876799" cy="4876799"/>
           </a:xfrm>
           <a:prstGeom prst="rect">
             <a:avLst/>
@@ -16429,7 +15744,7 @@
       </p:pic>
       <p:pic>
         <p:nvPicPr>
-          <p:cNvPr id="8" name="Picture 7" descr="lowCor.pdf"/>
+          <p:cNvPr id="8" name="Picture 7"/>
           <p:cNvPicPr>
             <a:picLocks noChangeAspect="1"/>
           </p:cNvPicPr>
@@ -16477,7 +15792,7 @@
 </p:sld>
 </file>
 
-<file path=ppt/slides/slide28.xml><?xml version="1.0" encoding="utf-8"?>
+<file path=ppt/slides/slide29.xml><?xml version="1.0" encoding="utf-8"?>
 <p:sld xmlns:a="http://schemas.openxmlformats.org/drawingml/2006/main" xmlns:r="http://schemas.openxmlformats.org/officeDocument/2006/relationships" xmlns:p="http://schemas.openxmlformats.org/presentationml/2006/main">
   <p:cSld>
     <p:spTree>
@@ -17109,34 +16424,6 @@
           </a:graphicData>
         </a:graphic>
       </p:graphicFrame>
-      <p:sp>
-        <p:nvSpPr>
-          <p:cNvPr id="4" name="Slide Number Placeholder 3"/>
-          <p:cNvSpPr>
-            <a:spLocks noGrp="1"/>
-          </p:cNvSpPr>
-          <p:nvPr>
-            <p:ph type="sldNum" sz="quarter" idx="12"/>
-          </p:nvPr>
-        </p:nvSpPr>
-        <p:spPr/>
-        <p:txBody>
-          <a:bodyPr/>
-          <a:lstStyle/>
-          <a:p>
-            <a:fld id="{B6F15528-21DE-4FAA-801E-634DDDAF4B2B}" type="slidenum">
-              <a:rPr lang="en-US" smtClean="0"/>
-              <a:pPr/>
-              <a:t>28</a:t>
-            </a:fld>
-            <a:r>
-              <a:rPr lang="en-US" smtClean="0"/>
-              <a:t>/19</a:t>
-            </a:r>
-            <a:endParaRPr lang="en-US" dirty="0"/>
-          </a:p>
-        </p:txBody>
-      </p:sp>
       <p:graphicFrame>
         <p:nvGraphicFramePr>
           <p:cNvPr id="6" name="Content Placeholder 4"/>
@@ -17758,201 +17045,6 @@
       </p:par>
     </p:tnLst>
   </p:timing>
-</p:sld>
-</file>
-
-<file path=ppt/slides/slide29.xml><?xml version="1.0" encoding="utf-8"?>
-<p:sld xmlns:a="http://schemas.openxmlformats.org/drawingml/2006/main" xmlns:r="http://schemas.openxmlformats.org/officeDocument/2006/relationships" xmlns:p="http://schemas.openxmlformats.org/presentationml/2006/main">
-  <p:cSld>
-    <p:spTree>
-      <p:nvGrpSpPr>
-        <p:cNvPr id="1" name=""/>
-        <p:cNvGrpSpPr/>
-        <p:nvPr/>
-      </p:nvGrpSpPr>
-      <p:grpSpPr>
-        <a:xfrm>
-          <a:off x="0" y="0"/>
-          <a:ext cx="0" cy="0"/>
-          <a:chOff x="0" y="0"/>
-          <a:chExt cx="0" cy="0"/>
-        </a:xfrm>
-      </p:grpSpPr>
-      <p:sp>
-        <p:nvSpPr>
-          <p:cNvPr id="2" name="Title 1"/>
-          <p:cNvSpPr>
-            <a:spLocks noGrp="1"/>
-          </p:cNvSpPr>
-          <p:nvPr>
-            <p:ph type="title"/>
-          </p:nvPr>
-        </p:nvSpPr>
-        <p:spPr/>
-        <p:txBody>
-          <a:bodyPr/>
-          <a:lstStyle/>
-          <a:p>
-            <a:r>
-              <a:rPr lang="en-US" dirty="0" smtClean="0"/>
-              <a:t>Mutual </a:t>
-            </a:r>
-            <a:r>
-              <a:rPr lang="en-US" smtClean="0"/>
-              <a:t>Information Example</a:t>
-            </a:r>
-            <a:endParaRPr lang="en-US" dirty="0"/>
-          </a:p>
-        </p:txBody>
-      </p:sp>
-      <p:sp>
-        <p:nvSpPr>
-          <p:cNvPr id="3" name="Content Placeholder 2"/>
-          <p:cNvSpPr>
-            <a:spLocks noGrp="1"/>
-          </p:cNvSpPr>
-          <p:nvPr>
-            <p:ph sz="quarter" idx="1"/>
-          </p:nvPr>
-        </p:nvSpPr>
-        <p:spPr/>
-        <p:txBody>
-          <a:bodyPr/>
-          <a:lstStyle/>
-          <a:p>
-            <a:r>
-              <a:rPr lang="en-US" sz="2800" dirty="0" smtClean="0"/>
-              <a:t>For </a:t>
-            </a:r>
-            <a:r>
-              <a:rPr lang="en-US" sz="2800" dirty="0" err="1" smtClean="0"/>
-              <a:t>Edin</a:t>
-            </a:r>
-            <a:r>
-              <a:rPr lang="en-US" sz="2800" dirty="0" smtClean="0"/>
-              <a:t> </a:t>
-            </a:r>
-            <a:r>
-              <a:rPr lang="en-US" sz="2800" dirty="0" err="1" smtClean="0"/>
-              <a:t>Dzeko</a:t>
-            </a:r>
-            <a:r>
-              <a:rPr lang="en-US" sz="2800" dirty="0" smtClean="0"/>
-              <a:t/>
-            </a:r>
-            <a:br>
-              <a:rPr lang="en-US" sz="2800" dirty="0" smtClean="0"/>
-            </a:br>
-            <a:r>
-              <a:rPr lang="en-US" sz="2800" dirty="0" err="1" smtClean="0"/>
-              <a:t>Shotefficiency</a:t>
-            </a:r>
-            <a:r>
-              <a:rPr lang="en-US" sz="2800" dirty="0" smtClean="0"/>
-              <a:t> = high, </a:t>
-            </a:r>
-            <a:r>
-              <a:rPr lang="en-US" sz="2800" dirty="0" err="1" smtClean="0"/>
-              <a:t>TackleEfficiency</a:t>
-            </a:r>
-            <a:r>
-              <a:rPr lang="en-US" sz="2800" dirty="0" smtClean="0"/>
-              <a:t> = medium </a:t>
-            </a:r>
-            <a:r>
-              <a:rPr lang="en-US" sz="2800" dirty="0" smtClean="0">
-                <a:latin typeface="Wingdings"/>
-                <a:ea typeface="Wingdings"/>
-                <a:cs typeface="Wingdings"/>
-                <a:sym typeface="Wingdings"/>
-              </a:rPr>
-              <a:t></a:t>
-            </a:r>
-            <a:r>
-              <a:rPr lang="en-US" sz="2800" dirty="0" err="1" smtClean="0"/>
-              <a:t>DribbleEffiency</a:t>
-            </a:r>
-            <a:r>
-              <a:rPr lang="en-US" sz="2800" dirty="0" smtClean="0"/>
-              <a:t> = low</a:t>
-            </a:r>
-          </a:p>
-          <a:p>
-            <a:pPr lvl="1"/>
-            <a:r>
-              <a:rPr lang="en-US" dirty="0" smtClean="0"/>
-              <a:t>confidence = 50%</a:t>
-            </a:r>
-          </a:p>
-          <a:p>
-            <a:pPr lvl="1"/>
-            <a:r>
-              <a:rPr lang="en-US" dirty="0" smtClean="0"/>
-              <a:t>lift = ln(50%/16%)=1.13</a:t>
-            </a:r>
-          </a:p>
-          <a:p>
-            <a:r>
-              <a:rPr lang="en-US" sz="2800" dirty="0" smtClean="0"/>
-              <a:t>For random striker</a:t>
-            </a:r>
-          </a:p>
-          <a:p>
-            <a:pPr lvl="1"/>
-            <a:r>
-              <a:rPr lang="en-US" dirty="0"/>
-              <a:t>c</a:t>
-            </a:r>
-            <a:r>
-              <a:rPr lang="en-US" dirty="0" smtClean="0"/>
-              <a:t>onfidence = 38%</a:t>
-            </a:r>
-          </a:p>
-          <a:p>
-            <a:pPr lvl="1"/>
-            <a:r>
-              <a:rPr lang="en-US" dirty="0"/>
-              <a:t>lift = ln(38%/50%) =-0.27 </a:t>
-            </a:r>
-          </a:p>
-        </p:txBody>
-      </p:sp>
-      <p:sp>
-        <p:nvSpPr>
-          <p:cNvPr id="4" name="Footer Placeholder 3"/>
-          <p:cNvSpPr>
-            <a:spLocks noGrp="1"/>
-          </p:cNvSpPr>
-          <p:nvPr>
-            <p:ph type="ftr" sz="quarter" idx="11"/>
-          </p:nvPr>
-        </p:nvSpPr>
-        <p:spPr/>
-        <p:txBody>
-          <a:bodyPr/>
-          <a:lstStyle/>
-          <a:p>
-            <a:pPr>
-              <a:defRPr/>
-            </a:pPr>
-            <a:r>
-              <a:rPr lang="en-US" smtClean="0"/>
-              <a:t>Presentation Title At Venue</a:t>
-            </a:r>
-            <a:endParaRPr lang="en-US"/>
-          </a:p>
-        </p:txBody>
-      </p:sp>
-    </p:spTree>
-    <p:extLst>
-      <p:ext uri="{BB962C8B-B14F-4D97-AF65-F5344CB8AC3E}">
-        <p14:creationId xmlns:p14="http://schemas.microsoft.com/office/powerpoint/2010/main" val="2841139290"/>
-      </p:ext>
-    </p:extLst>
-  </p:cSld>
-  <p:clrMapOvr>
-    <a:masterClrMapping/>
-  </p:clrMapOvr>
 </p:sld>
 </file>
 
@@ -20134,9 +19226,10 @@
               <a:defRPr/>
             </a:pPr>
             <a:r>
-              <a:rPr lang="en-US"/>
-              <a:t>Presentation Title At Venue</a:t>
-            </a:r>
+              <a:rPr lang="en-US" dirty="0" smtClean="0"/>
+              <a:t>Learning Bayesian Networks for Complex Relational Data</a:t>
+            </a:r>
+            <a:endParaRPr lang="en-US" dirty="0"/>
           </a:p>
         </p:txBody>
       </p:sp>
@@ -21232,9 +20325,9 @@
             </a:r>
           </a:p>
           <a:p>
-            <a:pPr marL="800100" lvl="1" indent="-342900">
-              <a:buFont typeface="Arial"/>
-              <a:buChar char="•"/>
+            <a:pPr marL="971550" lvl="1" indent="-514350">
+              <a:buFont typeface="+mj-lt"/>
+              <a:buAutoNum type="arabicPeriod"/>
             </a:pPr>
             <a:r>
               <a:rPr lang="en-US" sz="2800" dirty="0" smtClean="0">
@@ -21244,9 +20337,9 @@
             </a:r>
           </a:p>
           <a:p>
-            <a:pPr marL="800100" lvl="1" indent="-342900">
-              <a:buFont typeface="Arial"/>
-              <a:buChar char="•"/>
+            <a:pPr marL="971550" lvl="1" indent="-514350">
+              <a:buFont typeface="+mj-lt"/>
+              <a:buAutoNum type="arabicPeriod"/>
             </a:pPr>
             <a:r>
               <a:rPr lang="en-US" sz="2800" dirty="0" smtClean="0">
@@ -21639,10 +20732,10 @@
               <a:defRPr/>
             </a:pPr>
             <a:r>
-              <a:rPr lang="en-US" smtClean="0"/>
-              <a:t>Presentation Title At Venue</a:t>
-            </a:r>
-            <a:endParaRPr lang="en-US"/>
+              <a:rPr lang="en-US" dirty="0" smtClean="0"/>
+              <a:t>Learning Bayesian Networks for Complex Relational Data</a:t>
+            </a:r>
+            <a:endParaRPr lang="en-US" dirty="0"/>
           </a:p>
         </p:txBody>
       </p:sp>
@@ -21737,8 +20830,8 @@
         </p:nvSpPr>
         <p:spPr>
           <a:xfrm>
-            <a:off x="295586" y="5913722"/>
-            <a:ext cx="7882285" cy="715677"/>
+            <a:off x="295586" y="5734430"/>
+            <a:ext cx="8370296" cy="715677"/>
           </a:xfrm>
         </p:spPr>
         <p:txBody>
@@ -21757,14 +20850,11 @@
               <a:rPr lang="en-US" dirty="0"/>
               <a:t> and Schulte (2015). IEEE SSCI. </a:t>
             </a:r>
-            <a:br>
-              <a:rPr lang="en-US" dirty="0"/>
-            </a:br>
-            <a:r>
-              <a:rPr lang="en-US" dirty="0" smtClean="0"/>
-              <a:t>Cite oddball system.</a:t>
-            </a:r>
-            <a:endParaRPr lang="en-US" dirty="0"/>
+            <a:r>
+              <a:rPr lang="en-US" i="1" dirty="0" smtClean="0"/>
+              <a:t>.</a:t>
+            </a:r>
+            <a:endParaRPr lang="en-US" i="1" dirty="0"/>
           </a:p>
         </p:txBody>
       </p:sp>
@@ -21875,7 +20965,7 @@
         </p:nvSpPr>
         <p:spPr>
           <a:xfrm>
-            <a:off x="295586" y="4900979"/>
+            <a:off x="295586" y="4661923"/>
             <a:ext cx="7685590" cy="1200328"/>
           </a:xfrm>
           <a:prstGeom prst="rect">
@@ -22355,10 +21445,10 @@
               <a:defRPr/>
             </a:pPr>
             <a:r>
-              <a:rPr lang="en-US" smtClean="0"/>
-              <a:t>Presentation Title At Venue</a:t>
-            </a:r>
-            <a:endParaRPr lang="en-US"/>
+              <a:rPr lang="en-US" dirty="0" smtClean="0"/>
+              <a:t>Learning Bayesian Networks for Complex Relational Data</a:t>
+            </a:r>
+            <a:endParaRPr lang="en-US" dirty="0"/>
           </a:p>
         </p:txBody>
       </p:sp>
@@ -22641,10 +21731,10 @@
               <a:defRPr/>
             </a:pPr>
             <a:r>
-              <a:rPr lang="en-US" smtClean="0"/>
-              <a:t>Presentation Title At Venue</a:t>
-            </a:r>
-            <a:endParaRPr lang="en-US"/>
+              <a:rPr lang="en-US" dirty="0" smtClean="0"/>
+              <a:t>Learning Bayesian Networks for Complex Relational Data</a:t>
+            </a:r>
+            <a:endParaRPr lang="en-US" dirty="0"/>
           </a:p>
         </p:txBody>
       </p:sp>

--- a/ch6-anomaly.pptx
+++ b/ch6-anomaly.pptx
@@ -5,10 +5,10 @@
     <p:sldMasterId id="2147483660" r:id="rId1"/>
   </p:sldMasterIdLst>
   <p:notesMasterIdLst>
-    <p:notesMasterId r:id="rId34"/>
+    <p:notesMasterId r:id="rId32"/>
   </p:notesMasterIdLst>
   <p:handoutMasterIdLst>
-    <p:handoutMasterId r:id="rId35"/>
+    <p:handoutMasterId r:id="rId33"/>
   </p:handoutMasterIdLst>
   <p:sldIdLst>
     <p:sldId id="256" r:id="rId2"/>
@@ -22,27 +22,25 @@
     <p:sldId id="306" r:id="rId10"/>
     <p:sldId id="305" r:id="rId11"/>
     <p:sldId id="281" r:id="rId12"/>
-    <p:sldId id="287" r:id="rId13"/>
-    <p:sldId id="282" r:id="rId14"/>
-    <p:sldId id="284" r:id="rId15"/>
-    <p:sldId id="290" r:id="rId16"/>
-    <p:sldId id="289" r:id="rId17"/>
-    <p:sldId id="307" r:id="rId18"/>
-    <p:sldId id="309" r:id="rId19"/>
-    <p:sldId id="308" r:id="rId20"/>
-    <p:sldId id="321" r:id="rId21"/>
-    <p:sldId id="288" r:id="rId22"/>
-    <p:sldId id="257" r:id="rId23"/>
-    <p:sldId id="322" r:id="rId24"/>
-    <p:sldId id="262" r:id="rId25"/>
-    <p:sldId id="261" r:id="rId26"/>
-    <p:sldId id="267" r:id="rId27"/>
-    <p:sldId id="268" r:id="rId28"/>
-    <p:sldId id="269" r:id="rId29"/>
-    <p:sldId id="273" r:id="rId30"/>
-    <p:sldId id="323" r:id="rId31"/>
-    <p:sldId id="324" r:id="rId32"/>
-    <p:sldId id="325" r:id="rId33"/>
+    <p:sldId id="328" r:id="rId13"/>
+    <p:sldId id="284" r:id="rId14"/>
+    <p:sldId id="290" r:id="rId15"/>
+    <p:sldId id="289" r:id="rId16"/>
+    <p:sldId id="307" r:id="rId17"/>
+    <p:sldId id="309" r:id="rId18"/>
+    <p:sldId id="308" r:id="rId19"/>
+    <p:sldId id="321" r:id="rId20"/>
+    <p:sldId id="326" r:id="rId21"/>
+    <p:sldId id="327" r:id="rId22"/>
+    <p:sldId id="322" r:id="rId23"/>
+    <p:sldId id="262" r:id="rId24"/>
+    <p:sldId id="261" r:id="rId25"/>
+    <p:sldId id="267" r:id="rId26"/>
+    <p:sldId id="268" r:id="rId27"/>
+    <p:sldId id="269" r:id="rId28"/>
+    <p:sldId id="323" r:id="rId29"/>
+    <p:sldId id="324" r:id="rId30"/>
+    <p:sldId id="325" r:id="rId31"/>
   </p:sldIdLst>
   <p:sldSz cx="9144000" cy="6858000" type="screen4x3"/>
   <p:notesSz cx="6858000" cy="9144000"/>
@@ -195,8 +193,7 @@
         <p14:section name="Global Outlier Detection" id="{AC21C0CC-5FD1-2E4E-8EDD-68399D2B1FFD}">
           <p14:sldIdLst>
             <p14:sldId id="281"/>
-            <p14:sldId id="287"/>
-            <p14:sldId id="282"/>
+            <p14:sldId id="328"/>
             <p14:sldId id="284"/>
             <p14:sldId id="290"/>
             <p14:sldId id="289"/>
@@ -204,15 +201,11 @@
             <p14:sldId id="309"/>
             <p14:sldId id="308"/>
             <p14:sldId id="321"/>
+            <p14:sldId id="326"/>
+            <p14:sldId id="327"/>
           </p14:sldIdLst>
         </p14:section>
         <p14:section name="Empirical Evaluation" id="{FDD031BB-72FE-EB42-BFC9-07C122E7D940}">
-          <p14:sldIdLst>
-            <p14:sldId id="288"/>
-            <p14:sldId id="257"/>
-          </p14:sldIdLst>
-        </p14:section>
-        <p14:section name="Model-Based Outlier Metrics" id="{4825DA23-BB66-DB48-86FB-AB84A293B7AF}">
           <p14:sldIdLst>
             <p14:sldId id="322"/>
             <p14:sldId id="262"/>
@@ -220,7 +213,6 @@
             <p14:sldId id="267"/>
             <p14:sldId id="268"/>
             <p14:sldId id="269"/>
-            <p14:sldId id="273"/>
             <p14:sldId id="323"/>
             <p14:sldId id="324"/>
             <p14:sldId id="325"/>
@@ -339,7 +331,7 @@
               <a:pPr>
                 <a:defRPr/>
               </a:pPr>
-              <a:t>16-09-15</a:t>
+              <a:t>2017-01-12</a:t>
             </a:fld>
             <a:endParaRPr lang="en-US"/>
           </a:p>
@@ -555,7 +547,7 @@
               <a:pPr>
                 <a:defRPr/>
               </a:pPr>
-              <a:t>16-09-15</a:t>
+              <a:t>2017-01-12</a:t>
             </a:fld>
             <a:endParaRPr lang="en-US"/>
           </a:p>
@@ -977,98 +969,7 @@
                 <a:spcPct val="0"/>
               </a:spcBef>
             </a:pPr>
-            <a:r>
-              <a:rPr lang="en-US">
-                <a:latin typeface="Calibri" charset="0"/>
-              </a:rPr>
-              <a:t>If you use </a:t>
-            </a:r>
-            <a:r>
-              <a:rPr lang="ja-JP" altLang="en-US">
-                <a:latin typeface="Calibri" charset="0"/>
-              </a:rPr>
-              <a:t>“</a:t>
-            </a:r>
-            <a:r>
-              <a:rPr lang="en-US" altLang="ja-JP">
-                <a:latin typeface="Calibri" charset="0"/>
-              </a:rPr>
-              <a:t>insert slide number</a:t>
-            </a:r>
-            <a:r>
-              <a:rPr lang="ja-JP" altLang="en-US">
-                <a:latin typeface="Calibri" charset="0"/>
-              </a:rPr>
-              <a:t>”</a:t>
-            </a:r>
-            <a:r>
-              <a:rPr lang="en-US" altLang="ja-JP">
-                <a:latin typeface="Calibri" charset="0"/>
-              </a:rPr>
-              <a:t> under </a:t>
-            </a:r>
-            <a:r>
-              <a:rPr lang="ja-JP" altLang="en-US">
-                <a:latin typeface="Calibri" charset="0"/>
-              </a:rPr>
-              <a:t>“</a:t>
-            </a:r>
-            <a:r>
-              <a:rPr lang="en-US" altLang="ja-JP">
-                <a:latin typeface="Calibri" charset="0"/>
-              </a:rPr>
-              <a:t>Footer</a:t>
-            </a:r>
-            <a:r>
-              <a:rPr lang="ja-JP" altLang="en-US">
-                <a:latin typeface="Calibri" charset="0"/>
-              </a:rPr>
-              <a:t>”</a:t>
-            </a:r>
-            <a:r>
-              <a:rPr lang="en-US" altLang="ja-JP">
-                <a:latin typeface="Calibri" charset="0"/>
-              </a:rPr>
-              <a:t>, that text box only displays the slide number, not the total number of slides. So I use a new textbox for the slide number in the master.</a:t>
-            </a:r>
-          </a:p>
-          <a:p>
-            <a:pPr eaLnBrk="1" hangingPunct="1">
-              <a:spcBef>
-                <a:spcPct val="0"/>
-              </a:spcBef>
-            </a:pPr>
-            <a:r>
-              <a:rPr lang="en-US">
-                <a:latin typeface="Calibri" charset="0"/>
-              </a:rPr>
-              <a:t>This is a version of </a:t>
-            </a:r>
-            <a:r>
-              <a:rPr lang="ja-JP" altLang="en-US">
-                <a:latin typeface="Calibri" charset="0"/>
-              </a:rPr>
-              <a:t>“</a:t>
-            </a:r>
-            <a:r>
-              <a:rPr lang="en-US" altLang="ja-JP">
-                <a:latin typeface="Calibri" charset="0"/>
-              </a:rPr>
-              <a:t>Equity</a:t>
-            </a:r>
-            <a:r>
-              <a:rPr lang="ja-JP" altLang="en-US">
-                <a:latin typeface="Calibri" charset="0"/>
-              </a:rPr>
-              <a:t>”</a:t>
-            </a:r>
-            <a:r>
-              <a:rPr lang="en-US" altLang="ja-JP">
-                <a:latin typeface="Calibri" charset="0"/>
-              </a:rPr>
-              <a:t>.</a:t>
-            </a:r>
-            <a:endParaRPr lang="en-US">
+            <a:endParaRPr lang="en-US" dirty="0">
               <a:latin typeface="Calibri" charset="0"/>
             </a:endParaRPr>
           </a:p>
@@ -1284,14 +1185,30 @@
           <a:lstStyle/>
           <a:p>
             <a:r>
-              <a:rPr lang="en-US" smtClean="0"/>
-              <a:t>STOP</a:t>
-            </a:r>
-            <a:r>
-              <a:rPr lang="en-US" baseline="0" smtClean="0"/>
-              <a:t> HERE</a:t>
-            </a:r>
-            <a:endParaRPr lang="en-US"/>
+              <a:rPr lang="en-US" dirty="0" smtClean="0"/>
+              <a:t>so </a:t>
+            </a:r>
+            <a:r>
+              <a:rPr lang="en-US" dirty="0" err="1" smtClean="0"/>
+              <a:t>Edin</a:t>
+            </a:r>
+            <a:r>
+              <a:rPr lang="en-US" dirty="0" smtClean="0"/>
+              <a:t> </a:t>
+            </a:r>
+            <a:r>
+              <a:rPr lang="en-US" dirty="0" err="1" smtClean="0"/>
+              <a:t>Dzeko</a:t>
+            </a:r>
+            <a:r>
+              <a:rPr lang="en-US" dirty="0" smtClean="0"/>
+              <a:t> has</a:t>
+            </a:r>
+            <a:r>
+              <a:rPr lang="en-US" baseline="0" dirty="0" smtClean="0"/>
+              <a:t> a stronger association</a:t>
+            </a:r>
+            <a:endParaRPr lang="en-US" dirty="0"/>
           </a:p>
         </p:txBody>
       </p:sp>
@@ -1318,7 +1235,7 @@
               <a:pPr>
                 <a:defRPr/>
               </a:pPr>
-              <a:t>21</a:t>
+              <a:t>20</a:t>
             </a:fld>
             <a:endParaRPr lang="en-US"/>
           </a:p>
@@ -1327,7 +1244,7 @@
     </p:spTree>
     <p:extLst>
       <p:ext uri="{BB962C8B-B14F-4D97-AF65-F5344CB8AC3E}">
-        <p14:creationId xmlns:p14="http://schemas.microsoft.com/office/powerpoint/2010/main" val="487944112"/>
+        <p14:creationId xmlns:p14="http://schemas.microsoft.com/office/powerpoint/2010/main" val="976277791"/>
       </p:ext>
     </p:extLst>
   </p:cSld>
@@ -1383,17 +1300,28 @@
           <a:p>
             <a:r>
               <a:rPr lang="en-US" dirty="0" smtClean="0"/>
-              <a:t>cite </a:t>
+              <a:t>so </a:t>
             </a:r>
             <a:r>
               <a:rPr lang="en-US" dirty="0" err="1" smtClean="0"/>
-              <a:t>Jiawei</a:t>
+              <a:t>Edin</a:t>
             </a:r>
             <a:r>
               <a:rPr lang="en-US" dirty="0" smtClean="0"/>
-              <a:t> Han</a:t>
-            </a:r>
-            <a:endParaRPr lang="en-US" dirty="0"/>
+              <a:t> </a:t>
+            </a:r>
+            <a:r>
+              <a:rPr lang="en-US" dirty="0" err="1" smtClean="0"/>
+              <a:t>Dzeko</a:t>
+            </a:r>
+            <a:r>
+              <a:rPr lang="en-US" dirty="0" smtClean="0"/>
+              <a:t> has</a:t>
+            </a:r>
+            <a:r>
+              <a:rPr lang="en-US" baseline="0" dirty="0" smtClean="0"/>
+              <a:t> a stronger association and in the opposite direction</a:t>
+            </a:r>
           </a:p>
         </p:txBody>
       </p:sp>
@@ -1412,23 +1340,24 @@
           <a:bodyPr/>
           <a:lstStyle/>
           <a:p>
-            <a:fld id="{31CEF2A7-706F-47EC-B2B0-90C3D4759446}" type="slidenum">
+            <a:pPr>
+              <a:defRPr/>
+            </a:pPr>
+            <a:fld id="{57BE7C63-45E8-3348-B2F7-0B0BBCE77ABE}" type="slidenum">
               <a:rPr lang="en-US" smtClean="0"/>
-              <a:pPr/>
-              <a:t>24</a:t>
+              <a:pPr>
+                <a:defRPr/>
+              </a:pPr>
+              <a:t>21</a:t>
             </a:fld>
-            <a:r>
-              <a:rPr lang="en-US" smtClean="0"/>
-              <a:t>/20</a:t>
-            </a:r>
-            <a:endParaRPr lang="en-US" dirty="0"/>
+            <a:endParaRPr lang="en-US"/>
           </a:p>
         </p:txBody>
       </p:sp>
     </p:spTree>
     <p:extLst>
       <p:ext uri="{BB962C8B-B14F-4D97-AF65-F5344CB8AC3E}">
-        <p14:creationId xmlns:p14="http://schemas.microsoft.com/office/powerpoint/2010/main" val="1472732775"/>
+        <p14:creationId xmlns:p14="http://schemas.microsoft.com/office/powerpoint/2010/main" val="976277791"/>
       </p:ext>
     </p:extLst>
   </p:cSld>
@@ -1484,192 +1413,16 @@
           <a:p>
             <a:r>
               <a:rPr lang="en-US" dirty="0" smtClean="0"/>
-              <a:t>we also know the ground truth about the Bayesian network</a:t>
-            </a:r>
-          </a:p>
-          <a:p>
-            <a:endParaRPr lang="en-US" dirty="0" smtClean="0"/>
-          </a:p>
-          <a:p>
-            <a:r>
-              <a:rPr lang="en-CA" sz="1200" b="0" i="0" u="none" strike="noStrike" kern="1200" baseline="0" dirty="0" smtClean="0">
-                <a:solidFill>
-                  <a:schemeClr val="tx1"/>
-                </a:solidFill>
-                <a:latin typeface="+mn-lt"/>
-                <a:ea typeface="+mn-ea"/>
-                <a:cs typeface="+mn-cs"/>
-              </a:rPr>
-              <a:t>We generated three synthetic datasets for a soccer domain with normal and outlier players using the distributions represented in the three Bayesian networks</a:t>
-            </a:r>
-          </a:p>
-          <a:p>
-            <a:r>
-              <a:rPr lang="en-CA" sz="1200" b="0" i="0" u="none" strike="noStrike" kern="1200" baseline="0" dirty="0" smtClean="0">
-                <a:solidFill>
-                  <a:schemeClr val="tx1"/>
-                </a:solidFill>
-                <a:latin typeface="+mn-lt"/>
-                <a:ea typeface="+mn-ea"/>
-                <a:cs typeface="+mn-cs"/>
-              </a:rPr>
-              <a:t>of Figure 2. Each player participates in 38 matches. Each match assigns a value to each attribute Fi; </a:t>
-            </a:r>
-            <a:r>
-              <a:rPr lang="en-CA" sz="1200" b="0" i="0" u="none" strike="noStrike" kern="1200" baseline="0" dirty="0" err="1" smtClean="0">
-                <a:solidFill>
-                  <a:schemeClr val="tx1"/>
-                </a:solidFill>
-                <a:latin typeface="+mn-lt"/>
-                <a:ea typeface="+mn-ea"/>
-                <a:cs typeface="+mn-cs"/>
-              </a:rPr>
-              <a:t>i</a:t>
-            </a:r>
-            <a:r>
-              <a:rPr lang="en-CA" sz="1200" b="0" i="0" u="none" strike="noStrike" kern="1200" baseline="0" dirty="0" smtClean="0">
-                <a:solidFill>
-                  <a:schemeClr val="tx1"/>
-                </a:solidFill>
-                <a:latin typeface="+mn-lt"/>
-                <a:ea typeface="+mn-ea"/>
-                <a:cs typeface="+mn-cs"/>
-              </a:rPr>
-              <a:t> = 1; 2 for each player.</a:t>
-            </a:r>
-          </a:p>
-          <a:p>
-            <a:r>
-              <a:rPr lang="en-CA" sz="1200" b="0" i="0" u="none" strike="noStrike" kern="1200" baseline="0" dirty="0" smtClean="0">
-                <a:solidFill>
-                  <a:schemeClr val="tx1"/>
-                </a:solidFill>
-                <a:latin typeface="+mn-lt"/>
-                <a:ea typeface="+mn-ea"/>
-                <a:cs typeface="+mn-cs"/>
-              </a:rPr>
-              <a:t>High Correlation Normal individuals exhibit a strong association between their attributes, outliers no association. Both </a:t>
-            </a:r>
-            <a:r>
-              <a:rPr lang="en-CA" sz="1200" b="0" i="0" u="none" strike="noStrike" kern="1200" baseline="0" dirty="0" err="1" smtClean="0">
-                <a:solidFill>
-                  <a:schemeClr val="tx1"/>
-                </a:solidFill>
-                <a:latin typeface="+mn-lt"/>
-                <a:ea typeface="+mn-ea"/>
-                <a:cs typeface="+mn-cs"/>
-              </a:rPr>
-              <a:t>normals</a:t>
-            </a:r>
-            <a:r>
-              <a:rPr lang="en-CA" sz="1200" b="0" i="0" u="none" strike="noStrike" kern="1200" baseline="0" dirty="0" smtClean="0">
-                <a:solidFill>
-                  <a:schemeClr val="tx1"/>
-                </a:solidFill>
-                <a:latin typeface="+mn-lt"/>
-                <a:ea typeface="+mn-ea"/>
-                <a:cs typeface="+mn-cs"/>
-              </a:rPr>
-              <a:t> and outliers have a</a:t>
-            </a:r>
-          </a:p>
-          <a:p>
-            <a:r>
-              <a:rPr lang="en-CA" sz="1200" b="0" i="0" u="none" strike="noStrike" kern="1200" baseline="0" dirty="0" smtClean="0">
-                <a:solidFill>
-                  <a:schemeClr val="tx1"/>
-                </a:solidFill>
-                <a:latin typeface="+mn-lt"/>
-                <a:ea typeface="+mn-ea"/>
-                <a:cs typeface="+mn-cs"/>
-              </a:rPr>
-              <a:t>close to uniform distribution over single attributes. See Figure 2(a). Low Correlation Normal individuals exhibit no association between their at-</a:t>
-            </a:r>
-          </a:p>
-          <a:p>
-            <a:r>
-              <a:rPr lang="en-CA" sz="1200" b="0" i="0" u="none" strike="noStrike" kern="1200" baseline="0" dirty="0" smtClean="0">
-                <a:solidFill>
-                  <a:schemeClr val="tx1"/>
-                </a:solidFill>
-                <a:latin typeface="+mn-lt"/>
-                <a:ea typeface="+mn-ea"/>
-                <a:cs typeface="+mn-cs"/>
-              </a:rPr>
-              <a:t>tributes, outliers have a strong association. Both </a:t>
-            </a:r>
-            <a:r>
-              <a:rPr lang="en-CA" sz="1200" b="0" i="0" u="none" strike="noStrike" kern="1200" baseline="0" dirty="0" err="1" smtClean="0">
-                <a:solidFill>
-                  <a:schemeClr val="tx1"/>
-                </a:solidFill>
-                <a:latin typeface="+mn-lt"/>
-                <a:ea typeface="+mn-ea"/>
-                <a:cs typeface="+mn-cs"/>
-              </a:rPr>
-              <a:t>normals</a:t>
-            </a:r>
-            <a:r>
-              <a:rPr lang="en-CA" sz="1200" b="0" i="0" u="none" strike="noStrike" kern="1200" baseline="0" dirty="0" smtClean="0">
-                <a:solidFill>
-                  <a:schemeClr val="tx1"/>
-                </a:solidFill>
-                <a:latin typeface="+mn-lt"/>
-                <a:ea typeface="+mn-ea"/>
-                <a:cs typeface="+mn-cs"/>
-              </a:rPr>
-              <a:t> and outliers have a close to uniform distribution over single attributes. See Figure 2(b).</a:t>
-            </a:r>
-          </a:p>
-          <a:p>
-            <a:r>
-              <a:rPr lang="en-CA" sz="1200" b="0" i="0" u="none" strike="noStrike" kern="1200" baseline="0" dirty="0" smtClean="0">
-                <a:solidFill>
-                  <a:schemeClr val="tx1"/>
-                </a:solidFill>
-                <a:latin typeface="+mn-lt"/>
-                <a:ea typeface="+mn-ea"/>
-                <a:cs typeface="+mn-cs"/>
-              </a:rPr>
-              <a:t>Single attributes Both normal and outlier individuals exhibit a strong association between their attributes. In </a:t>
-            </a:r>
-            <a:r>
-              <a:rPr lang="en-CA" sz="1200" b="0" i="0" u="none" strike="noStrike" kern="1200" baseline="0" dirty="0" err="1" smtClean="0">
-                <a:solidFill>
-                  <a:schemeClr val="tx1"/>
-                </a:solidFill>
-                <a:latin typeface="+mn-lt"/>
-                <a:ea typeface="+mn-ea"/>
-                <a:cs typeface="+mn-cs"/>
-              </a:rPr>
-              <a:t>normals</a:t>
-            </a:r>
-            <a:r>
-              <a:rPr lang="en-CA" sz="1200" b="0" i="0" u="none" strike="noStrike" kern="1200" baseline="0" dirty="0" smtClean="0">
-                <a:solidFill>
-                  <a:schemeClr val="tx1"/>
-                </a:solidFill>
-                <a:latin typeface="+mn-lt"/>
-                <a:ea typeface="+mn-ea"/>
-                <a:cs typeface="+mn-cs"/>
-              </a:rPr>
-              <a:t>, 50% of the time, attribute 1</a:t>
-            </a:r>
-          </a:p>
-          <a:p>
-            <a:r>
-              <a:rPr lang="en-CA" sz="1200" b="0" i="0" u="none" strike="noStrike" kern="1200" baseline="0" dirty="0" smtClean="0">
-                <a:solidFill>
-                  <a:schemeClr val="tx1"/>
-                </a:solidFill>
-                <a:latin typeface="+mn-lt"/>
-                <a:ea typeface="+mn-ea"/>
-                <a:cs typeface="+mn-cs"/>
-              </a:rPr>
-              <a:t>has value 0. For outliers, attribute 1 has value 0 only 10% of the time. See Figure 2(c).</a:t>
-            </a:r>
-          </a:p>
-          <a:p>
+              <a:t>cite </a:t>
+            </a:r>
+            <a:r>
+              <a:rPr lang="en-US" dirty="0" err="1" smtClean="0"/>
+              <a:t>Jiawei</a:t>
+            </a:r>
+            <a:r>
+              <a:rPr lang="en-US" dirty="0" smtClean="0"/>
+              <a:t> Han</a:t>
+            </a:r>
             <a:endParaRPr lang="en-US" dirty="0"/>
           </a:p>
         </p:txBody>
@@ -1692,7 +1445,7 @@
             <a:fld id="{31CEF2A7-706F-47EC-B2B0-90C3D4759446}" type="slidenum">
               <a:rPr lang="en-US" smtClean="0"/>
               <a:pPr/>
-              <a:t>25</a:t>
+              <a:t>23</a:t>
             </a:fld>
             <a:r>
               <a:rPr lang="en-US" smtClean="0"/>
@@ -1705,7 +1458,7 @@
     </p:spTree>
     <p:extLst>
       <p:ext uri="{BB962C8B-B14F-4D97-AF65-F5344CB8AC3E}">
-        <p14:creationId xmlns:p14="http://schemas.microsoft.com/office/powerpoint/2010/main" val="1231205391"/>
+        <p14:creationId xmlns:p14="http://schemas.microsoft.com/office/powerpoint/2010/main" val="1472732775"/>
       </p:ext>
     </p:extLst>
   </p:cSld>
@@ -1761,16 +1514,192 @@
           <a:p>
             <a:r>
               <a:rPr lang="en-US" dirty="0" smtClean="0"/>
-              <a:t>cite </a:t>
-            </a:r>
-            <a:r>
-              <a:rPr lang="en-US" dirty="0" err="1" smtClean="0"/>
-              <a:t>Jiawei</a:t>
-            </a:r>
-            <a:r>
-              <a:rPr lang="en-US" dirty="0" smtClean="0"/>
-              <a:t> Han</a:t>
-            </a:r>
+              <a:t>we also know the ground truth about the Bayesian network</a:t>
+            </a:r>
+          </a:p>
+          <a:p>
+            <a:endParaRPr lang="en-US" dirty="0" smtClean="0"/>
+          </a:p>
+          <a:p>
+            <a:r>
+              <a:rPr lang="en-CA" sz="1200" b="0" i="0" u="none" strike="noStrike" kern="1200" baseline="0" dirty="0" smtClean="0">
+                <a:solidFill>
+                  <a:schemeClr val="tx1"/>
+                </a:solidFill>
+                <a:latin typeface="+mn-lt"/>
+                <a:ea typeface="+mn-ea"/>
+                <a:cs typeface="+mn-cs"/>
+              </a:rPr>
+              <a:t>We generated three synthetic datasets for a soccer domain with normal and outlier players using the distributions represented in the three Bayesian networks</a:t>
+            </a:r>
+          </a:p>
+          <a:p>
+            <a:r>
+              <a:rPr lang="en-CA" sz="1200" b="0" i="0" u="none" strike="noStrike" kern="1200" baseline="0" dirty="0" smtClean="0">
+                <a:solidFill>
+                  <a:schemeClr val="tx1"/>
+                </a:solidFill>
+                <a:latin typeface="+mn-lt"/>
+                <a:ea typeface="+mn-ea"/>
+                <a:cs typeface="+mn-cs"/>
+              </a:rPr>
+              <a:t>of Figure 2. Each player participates in 38 matches. Each match assigns a value to each attribute Fi; </a:t>
+            </a:r>
+            <a:r>
+              <a:rPr lang="en-CA" sz="1200" b="0" i="0" u="none" strike="noStrike" kern="1200" baseline="0" dirty="0" err="1" smtClean="0">
+                <a:solidFill>
+                  <a:schemeClr val="tx1"/>
+                </a:solidFill>
+                <a:latin typeface="+mn-lt"/>
+                <a:ea typeface="+mn-ea"/>
+                <a:cs typeface="+mn-cs"/>
+              </a:rPr>
+              <a:t>i</a:t>
+            </a:r>
+            <a:r>
+              <a:rPr lang="en-CA" sz="1200" b="0" i="0" u="none" strike="noStrike" kern="1200" baseline="0" dirty="0" smtClean="0">
+                <a:solidFill>
+                  <a:schemeClr val="tx1"/>
+                </a:solidFill>
+                <a:latin typeface="+mn-lt"/>
+                <a:ea typeface="+mn-ea"/>
+                <a:cs typeface="+mn-cs"/>
+              </a:rPr>
+              <a:t> = 1; 2 for each player.</a:t>
+            </a:r>
+          </a:p>
+          <a:p>
+            <a:r>
+              <a:rPr lang="en-CA" sz="1200" b="0" i="0" u="none" strike="noStrike" kern="1200" baseline="0" dirty="0" smtClean="0">
+                <a:solidFill>
+                  <a:schemeClr val="tx1"/>
+                </a:solidFill>
+                <a:latin typeface="+mn-lt"/>
+                <a:ea typeface="+mn-ea"/>
+                <a:cs typeface="+mn-cs"/>
+              </a:rPr>
+              <a:t>High Correlation Normal individuals exhibit a strong association between their attributes, outliers no association. Both </a:t>
+            </a:r>
+            <a:r>
+              <a:rPr lang="en-CA" sz="1200" b="0" i="0" u="none" strike="noStrike" kern="1200" baseline="0" dirty="0" err="1" smtClean="0">
+                <a:solidFill>
+                  <a:schemeClr val="tx1"/>
+                </a:solidFill>
+                <a:latin typeface="+mn-lt"/>
+                <a:ea typeface="+mn-ea"/>
+                <a:cs typeface="+mn-cs"/>
+              </a:rPr>
+              <a:t>normals</a:t>
+            </a:r>
+            <a:r>
+              <a:rPr lang="en-CA" sz="1200" b="0" i="0" u="none" strike="noStrike" kern="1200" baseline="0" dirty="0" smtClean="0">
+                <a:solidFill>
+                  <a:schemeClr val="tx1"/>
+                </a:solidFill>
+                <a:latin typeface="+mn-lt"/>
+                <a:ea typeface="+mn-ea"/>
+                <a:cs typeface="+mn-cs"/>
+              </a:rPr>
+              <a:t> and outliers have a</a:t>
+            </a:r>
+          </a:p>
+          <a:p>
+            <a:r>
+              <a:rPr lang="en-CA" sz="1200" b="0" i="0" u="none" strike="noStrike" kern="1200" baseline="0" dirty="0" smtClean="0">
+                <a:solidFill>
+                  <a:schemeClr val="tx1"/>
+                </a:solidFill>
+                <a:latin typeface="+mn-lt"/>
+                <a:ea typeface="+mn-ea"/>
+                <a:cs typeface="+mn-cs"/>
+              </a:rPr>
+              <a:t>close to uniform distribution over single attributes. See Figure 2(a). Low Correlation Normal individuals exhibit no association between their at-</a:t>
+            </a:r>
+          </a:p>
+          <a:p>
+            <a:r>
+              <a:rPr lang="en-CA" sz="1200" b="0" i="0" u="none" strike="noStrike" kern="1200" baseline="0" dirty="0" smtClean="0">
+                <a:solidFill>
+                  <a:schemeClr val="tx1"/>
+                </a:solidFill>
+                <a:latin typeface="+mn-lt"/>
+                <a:ea typeface="+mn-ea"/>
+                <a:cs typeface="+mn-cs"/>
+              </a:rPr>
+              <a:t>tributes, outliers have a strong association. Both </a:t>
+            </a:r>
+            <a:r>
+              <a:rPr lang="en-CA" sz="1200" b="0" i="0" u="none" strike="noStrike" kern="1200" baseline="0" dirty="0" err="1" smtClean="0">
+                <a:solidFill>
+                  <a:schemeClr val="tx1"/>
+                </a:solidFill>
+                <a:latin typeface="+mn-lt"/>
+                <a:ea typeface="+mn-ea"/>
+                <a:cs typeface="+mn-cs"/>
+              </a:rPr>
+              <a:t>normals</a:t>
+            </a:r>
+            <a:r>
+              <a:rPr lang="en-CA" sz="1200" b="0" i="0" u="none" strike="noStrike" kern="1200" baseline="0" dirty="0" smtClean="0">
+                <a:solidFill>
+                  <a:schemeClr val="tx1"/>
+                </a:solidFill>
+                <a:latin typeface="+mn-lt"/>
+                <a:ea typeface="+mn-ea"/>
+                <a:cs typeface="+mn-cs"/>
+              </a:rPr>
+              <a:t> and outliers have a close to uniform distribution over single attributes. See Figure 2(b).</a:t>
+            </a:r>
+          </a:p>
+          <a:p>
+            <a:r>
+              <a:rPr lang="en-CA" sz="1200" b="0" i="0" u="none" strike="noStrike" kern="1200" baseline="0" dirty="0" smtClean="0">
+                <a:solidFill>
+                  <a:schemeClr val="tx1"/>
+                </a:solidFill>
+                <a:latin typeface="+mn-lt"/>
+                <a:ea typeface="+mn-ea"/>
+                <a:cs typeface="+mn-cs"/>
+              </a:rPr>
+              <a:t>Single attributes Both normal and outlier individuals exhibit a strong association between their attributes. In </a:t>
+            </a:r>
+            <a:r>
+              <a:rPr lang="en-CA" sz="1200" b="0" i="0" u="none" strike="noStrike" kern="1200" baseline="0" dirty="0" err="1" smtClean="0">
+                <a:solidFill>
+                  <a:schemeClr val="tx1"/>
+                </a:solidFill>
+                <a:latin typeface="+mn-lt"/>
+                <a:ea typeface="+mn-ea"/>
+                <a:cs typeface="+mn-cs"/>
+              </a:rPr>
+              <a:t>normals</a:t>
+            </a:r>
+            <a:r>
+              <a:rPr lang="en-CA" sz="1200" b="0" i="0" u="none" strike="noStrike" kern="1200" baseline="0" dirty="0" smtClean="0">
+                <a:solidFill>
+                  <a:schemeClr val="tx1"/>
+                </a:solidFill>
+                <a:latin typeface="+mn-lt"/>
+                <a:ea typeface="+mn-ea"/>
+                <a:cs typeface="+mn-cs"/>
+              </a:rPr>
+              <a:t>, 50% of the time, attribute 1</a:t>
+            </a:r>
+          </a:p>
+          <a:p>
+            <a:r>
+              <a:rPr lang="en-CA" sz="1200" b="0" i="0" u="none" strike="noStrike" kern="1200" baseline="0" dirty="0" smtClean="0">
+                <a:solidFill>
+                  <a:schemeClr val="tx1"/>
+                </a:solidFill>
+                <a:latin typeface="+mn-lt"/>
+                <a:ea typeface="+mn-ea"/>
+                <a:cs typeface="+mn-cs"/>
+              </a:rPr>
+              <a:t>has value 0. For outliers, attribute 1 has value 0 only 10% of the time. See Figure 2(c).</a:t>
+            </a:r>
+          </a:p>
+          <a:p>
             <a:endParaRPr lang="en-US" dirty="0"/>
           </a:p>
         </p:txBody>
@@ -1793,7 +1722,7 @@
             <a:fld id="{31CEF2A7-706F-47EC-B2B0-90C3D4759446}" type="slidenum">
               <a:rPr lang="en-US" smtClean="0"/>
               <a:pPr/>
-              <a:t>26</a:t>
+              <a:t>24</a:t>
             </a:fld>
             <a:r>
               <a:rPr lang="en-US" smtClean="0"/>
@@ -1806,7 +1735,7 @@
     </p:spTree>
     <p:extLst>
       <p:ext uri="{BB962C8B-B14F-4D97-AF65-F5344CB8AC3E}">
-        <p14:creationId xmlns:p14="http://schemas.microsoft.com/office/powerpoint/2010/main" val="1472732775"/>
+        <p14:creationId xmlns:p14="http://schemas.microsoft.com/office/powerpoint/2010/main" val="1231205391"/>
       </p:ext>
     </p:extLst>
   </p:cSld>
@@ -1861,22 +1790,25 @@
           <a:lstStyle/>
           <a:p>
             <a:r>
-              <a:rPr lang="en-US" dirty="0" err="1" smtClean="0"/>
-              <a:t>eld</a:t>
-            </a:r>
+              <a:rPr lang="en-US" sz="2800" dirty="0" smtClean="0"/>
+              <a:t>Use precision as evaluation metric</a:t>
+            </a:r>
+          </a:p>
+          <a:p>
+            <a:pPr lvl="1"/>
             <a:r>
               <a:rPr lang="en-US" dirty="0" smtClean="0"/>
-              <a:t> maps outliers to largest range</a:t>
-            </a:r>
-          </a:p>
-          <a:p>
-            <a:endParaRPr lang="en-US" dirty="0" smtClean="0"/>
-          </a:p>
-          <a:p>
+              <a:t>Set the percentages of outliers to be 1% and 5%</a:t>
+            </a:r>
+          </a:p>
+          <a:p>
+            <a:pPr lvl="1"/>
             <a:r>
               <a:rPr lang="en-US" dirty="0" smtClean="0"/>
-              <a:t>Eventually want to order as follows: LOG, FD, LR, |LR|, ELD</a:t>
-            </a:r>
+              <a:t>How many outliers were correctly recognized</a:t>
+            </a:r>
+          </a:p>
+          <a:p>
             <a:endParaRPr lang="en-US" dirty="0"/>
           </a:p>
         </p:txBody>
@@ -1899,7 +1831,7 @@
             <a:fld id="{31CEF2A7-706F-47EC-B2B0-90C3D4759446}" type="slidenum">
               <a:rPr lang="en-US" smtClean="0"/>
               <a:pPr/>
-              <a:t>27</a:t>
+              <a:t>25</a:t>
             </a:fld>
             <a:r>
               <a:rPr lang="en-US" smtClean="0"/>
@@ -1912,7 +1844,7 @@
     </p:spTree>
     <p:extLst>
       <p:ext uri="{BB962C8B-B14F-4D97-AF65-F5344CB8AC3E}">
-        <p14:creationId xmlns:p14="http://schemas.microsoft.com/office/powerpoint/2010/main" val="1188382161"/>
+        <p14:creationId xmlns:p14="http://schemas.microsoft.com/office/powerpoint/2010/main" val="1472732775"/>
       </p:ext>
     </p:extLst>
   </p:cSld>
@@ -1966,6 +1898,102 @@
           <a:bodyPr/>
           <a:lstStyle/>
           <a:p>
+            <a:r>
+              <a:rPr lang="en-US" dirty="0" err="1" smtClean="0"/>
+              <a:t>eld</a:t>
+            </a:r>
+            <a:r>
+              <a:rPr lang="en-US" dirty="0" smtClean="0"/>
+              <a:t> maps outliers to largest range</a:t>
+            </a:r>
+          </a:p>
+        </p:txBody>
+      </p:sp>
+      <p:sp>
+        <p:nvSpPr>
+          <p:cNvPr id="4" name="Slide Number Placeholder 3"/>
+          <p:cNvSpPr>
+            <a:spLocks noGrp="1"/>
+          </p:cNvSpPr>
+          <p:nvPr>
+            <p:ph type="sldNum" sz="quarter" idx="10"/>
+          </p:nvPr>
+        </p:nvSpPr>
+        <p:spPr/>
+        <p:txBody>
+          <a:bodyPr/>
+          <a:lstStyle/>
+          <a:p>
+            <a:fld id="{31CEF2A7-706F-47EC-B2B0-90C3D4759446}" type="slidenum">
+              <a:rPr lang="en-US" smtClean="0"/>
+              <a:pPr/>
+              <a:t>26</a:t>
+            </a:fld>
+            <a:r>
+              <a:rPr lang="en-US" smtClean="0"/>
+              <a:t>/20</a:t>
+            </a:r>
+            <a:endParaRPr lang="en-US" dirty="0"/>
+          </a:p>
+        </p:txBody>
+      </p:sp>
+    </p:spTree>
+    <p:extLst>
+      <p:ext uri="{BB962C8B-B14F-4D97-AF65-F5344CB8AC3E}">
+        <p14:creationId xmlns:p14="http://schemas.microsoft.com/office/powerpoint/2010/main" val="1188382161"/>
+      </p:ext>
+    </p:extLst>
+  </p:cSld>
+  <p:clrMapOvr>
+    <a:masterClrMapping/>
+  </p:clrMapOvr>
+</p:notes>
+</file>
+
+<file path=ppt/notesSlides/notesSlide16.xml><?xml version="1.0" encoding="utf-8"?>
+<p:notes xmlns:a="http://schemas.openxmlformats.org/drawingml/2006/main" xmlns:r="http://schemas.openxmlformats.org/officeDocument/2006/relationships" xmlns:p="http://schemas.openxmlformats.org/presentationml/2006/main">
+  <p:cSld>
+    <p:spTree>
+      <p:nvGrpSpPr>
+        <p:cNvPr id="1" name=""/>
+        <p:cNvGrpSpPr/>
+        <p:nvPr/>
+      </p:nvGrpSpPr>
+      <p:grpSpPr>
+        <a:xfrm>
+          <a:off x="0" y="0"/>
+          <a:ext cx="0" cy="0"/>
+          <a:chOff x="0" y="0"/>
+          <a:chExt cx="0" cy="0"/>
+        </a:xfrm>
+      </p:grpSpPr>
+      <p:sp>
+        <p:nvSpPr>
+          <p:cNvPr id="2" name="Slide Image Placeholder 1"/>
+          <p:cNvSpPr>
+            <a:spLocks noGrp="1" noRot="1" noChangeAspect="1"/>
+          </p:cNvSpPr>
+          <p:nvPr>
+            <p:ph type="sldImg"/>
+          </p:nvPr>
+        </p:nvSpPr>
+        <p:spPr/>
+      </p:sp>
+      <p:sp>
+        <p:nvSpPr>
+          <p:cNvPr id="3" name="Notes Placeholder 2"/>
+          <p:cNvSpPr>
+            <a:spLocks noGrp="1"/>
+          </p:cNvSpPr>
+          <p:nvPr>
+            <p:ph type="body" idx="1"/>
+          </p:nvPr>
+        </p:nvSpPr>
+        <p:spPr/>
+        <p:txBody>
+          <a:bodyPr/>
+          <a:lstStyle/>
+          <a:p>
             <a:endParaRPr lang="en-US" dirty="0"/>
           </a:p>
         </p:txBody>
@@ -1993,7 +2021,7 @@
               <a:pPr>
                 <a:defRPr/>
               </a:pPr>
-              <a:t>32</a:t>
+              <a:t>30</a:t>
             </a:fld>
             <a:endParaRPr lang="en-US"/>
           </a:p>
@@ -2567,21 +2595,11 @@
           <a:p>
             <a:r>
               <a:rPr lang="en-US" dirty="0" smtClean="0"/>
-              <a:t>cite </a:t>
-            </a:r>
-            <a:r>
-              <a:rPr lang="en-US" dirty="0" err="1" smtClean="0"/>
-              <a:t>Blockeel</a:t>
-            </a:r>
-            <a:r>
-              <a:rPr lang="en-US" dirty="0" smtClean="0"/>
-              <a:t> on learning from interpretations</a:t>
-            </a:r>
-          </a:p>
-          <a:p>
-            <a:r>
-              <a:rPr lang="en-US" dirty="0" smtClean="0"/>
-              <a:t>like learning from interpretations</a:t>
+              <a:t>related to subgroup discovery:</a:t>
+            </a:r>
+            <a:r>
+              <a:rPr lang="en-US" baseline="0" dirty="0" smtClean="0"/>
+              <a:t> anomaly is like subgroup of size 1</a:t>
             </a:r>
             <a:endParaRPr lang="en-US" dirty="0"/>
           </a:p>
@@ -2665,29 +2683,39 @@
         </p:nvSpPr>
         <p:spPr/>
         <p:txBody>
-          <a:bodyPr>
-            <a:normAutofit/>
-          </a:bodyPr>
+          <a:bodyPr/>
           <a:lstStyle/>
           <a:p>
             <a:r>
               <a:rPr lang="en-US" dirty="0" smtClean="0"/>
-              <a:t>cite </a:t>
-            </a:r>
+              <a:t>assumes maximum likelihood estimation</a:t>
+            </a:r>
+            <a:r>
+              <a:rPr lang="en-US" baseline="0" dirty="0" smtClean="0"/>
+              <a:t> for P_B</a:t>
+            </a:r>
+          </a:p>
+          <a:p>
+            <a:r>
+              <a:rPr lang="en-US" dirty="0" smtClean="0"/>
+              <a:t>implicitly uses the instantiation principle</a:t>
+            </a:r>
+          </a:p>
+          <a:p>
             <a:r>
               <a:rPr lang="en-US" dirty="0" err="1" smtClean="0"/>
-              <a:t>Blockeel</a:t>
+              <a:t>Raedt</a:t>
             </a:r>
             <a:r>
               <a:rPr lang="en-US" dirty="0" smtClean="0"/>
-              <a:t> on learning from interpretations</a:t>
-            </a:r>
-          </a:p>
-          <a:p>
-            <a:r>
-              <a:rPr lang="en-US" dirty="0" smtClean="0"/>
-              <a:t>like learning from interpretations</a:t>
-            </a:r>
+              <a:t>, L. D. (1998), Attribute-Value Learning Versus Inductive Logic Programming: The Missing Links (Extended Abstract), </a:t>
+            </a:r>
+            <a:r>
+              <a:rPr lang="en-US" i="1" dirty="0" smtClean="0"/>
+              <a:t>in David Page, ed., 'ILP', Springer, , pp. 1-8.</a:t>
+            </a:r>
+          </a:p>
+          <a:p>
             <a:endParaRPr lang="en-US" dirty="0"/>
           </a:p>
         </p:txBody>
@@ -2722,6 +2750,11 @@
         </p:txBody>
       </p:sp>
     </p:spTree>
+    <p:extLst>
+      <p:ext uri="{BB962C8B-B14F-4D97-AF65-F5344CB8AC3E}">
+        <p14:creationId xmlns:p14="http://schemas.microsoft.com/office/powerpoint/2010/main" val="1511732372"/>
+      </p:ext>
+    </p:extLst>
   </p:cSld>
   <p:clrMapOvr>
     <a:masterClrMapping/>
@@ -2775,34 +2808,12 @@
           <a:p>
             <a:r>
               <a:rPr lang="en-US" dirty="0" smtClean="0"/>
-              <a:t>assumes maximum likelihood estimation</a:t>
+              <a:t>KLD</a:t>
             </a:r>
             <a:r>
               <a:rPr lang="en-US" baseline="0" dirty="0" smtClean="0"/>
-              <a:t> for P_B</a:t>
-            </a:r>
-          </a:p>
-          <a:p>
-            <a:r>
-              <a:rPr lang="en-US" dirty="0" smtClean="0"/>
-              <a:t>implicitly uses the instantiation principle</a:t>
-            </a:r>
-          </a:p>
-          <a:p>
-            <a:r>
-              <a:rPr lang="en-US" dirty="0" err="1" smtClean="0"/>
-              <a:t>Raedt</a:t>
-            </a:r>
-            <a:r>
-              <a:rPr lang="en-US" dirty="0" smtClean="0"/>
-              <a:t>, L. D. (1998), Attribute-Value Learning Versus Inductive Logic Programming: The Missing Links (Extended Abstract), </a:t>
-            </a:r>
-            <a:r>
-              <a:rPr lang="en-US" i="1" dirty="0" smtClean="0"/>
-              <a:t>in David Page, ed., 'ILP', Springer, , pp. 1-8.</a:t>
-            </a:r>
-          </a:p>
-          <a:p>
+              <a:t> = expected log-difference in probabilities</a:t>
+            </a:r>
             <a:endParaRPr lang="en-US" dirty="0"/>
           </a:p>
         </p:txBody>
@@ -2839,7 +2850,7 @@
     </p:spTree>
     <p:extLst>
       <p:ext uri="{BB962C8B-B14F-4D97-AF65-F5344CB8AC3E}">
-        <p14:creationId xmlns:p14="http://schemas.microsoft.com/office/powerpoint/2010/main" val="1511732372"/>
+        <p14:creationId xmlns:p14="http://schemas.microsoft.com/office/powerpoint/2010/main" val="4089948416"/>
       </p:ext>
     </p:extLst>
   </p:cSld>
@@ -3271,7 +3282,7 @@
               <a:pPr>
                 <a:defRPr/>
               </a:pPr>
-              <a:t>16-09-15</a:t>
+              <a:t>2017-01-12</a:t>
             </a:fld>
             <a:endParaRPr lang="en-US"/>
           </a:p>
@@ -3300,9 +3311,10 @@
               <a:defRPr/>
             </a:pPr>
             <a:r>
-              <a:rPr lang="en-US"/>
-              <a:t>Presentation Title At Venue</a:t>
-            </a:r>
+              <a:rPr lang="en-US" dirty="0" smtClean="0"/>
+              <a:t>Learning Bayesian Networks for Complex Relational Data</a:t>
+            </a:r>
+            <a:endParaRPr lang="en-US" dirty="0"/>
           </a:p>
         </p:txBody>
       </p:sp>
@@ -3316,7 +3328,15 @@
             <p:ph type="sldNum" sz="quarter" idx="12"/>
           </p:nvPr>
         </p:nvSpPr>
-        <p:spPr/>
+        <p:spPr>
+          <a:xfrm>
+            <a:off x="146050" y="6210300"/>
+            <a:ext cx="457200" cy="457200"/>
+          </a:xfrm>
+          <a:prstGeom prst="ellipse">
+            <a:avLst/>
+          </a:prstGeom>
+        </p:spPr>
         <p:txBody>
           <a:bodyPr/>
           <a:lstStyle>
@@ -3471,7 +3491,7 @@
               <a:pPr>
                 <a:defRPr/>
               </a:pPr>
-              <a:t>16-09-15</a:t>
+              <a:t>2017-01-12</a:t>
             </a:fld>
             <a:endParaRPr lang="en-US"/>
           </a:p>
@@ -3500,9 +3520,10 @@
               <a:defRPr/>
             </a:pPr>
             <a:r>
-              <a:rPr lang="en-US"/>
-              <a:t>Presentation Title At Venue</a:t>
-            </a:r>
+              <a:rPr lang="en-US" dirty="0" smtClean="0"/>
+              <a:t>Learning Bayesian Networks for Complex Relational Data</a:t>
+            </a:r>
+            <a:endParaRPr lang="en-US" dirty="0"/>
           </a:p>
         </p:txBody>
       </p:sp>
@@ -3516,7 +3537,15 @@
             <p:ph type="sldNum" sz="quarter" idx="12"/>
           </p:nvPr>
         </p:nvSpPr>
-        <p:spPr/>
+        <p:spPr>
+          <a:xfrm>
+            <a:off x="146050" y="6210300"/>
+            <a:ext cx="457200" cy="457200"/>
+          </a:xfrm>
+          <a:prstGeom prst="ellipse">
+            <a:avLst/>
+          </a:prstGeom>
+        </p:spPr>
         <p:txBody>
           <a:bodyPr/>
           <a:lstStyle>
@@ -3681,7 +3710,7 @@
               <a:pPr>
                 <a:defRPr/>
               </a:pPr>
-              <a:t>16-09-15</a:t>
+              <a:t>2017-01-12</a:t>
             </a:fld>
             <a:endParaRPr lang="en-US"/>
           </a:p>
@@ -3710,9 +3739,10 @@
               <a:defRPr/>
             </a:pPr>
             <a:r>
-              <a:rPr lang="en-US"/>
-              <a:t>Presentation Title At Venue</a:t>
-            </a:r>
+              <a:rPr lang="en-US" dirty="0" smtClean="0"/>
+              <a:t>Learning Bayesian Networks for Complex Relational Data</a:t>
+            </a:r>
+            <a:endParaRPr lang="en-US" dirty="0"/>
           </a:p>
         </p:txBody>
       </p:sp>
@@ -3726,7 +3756,15 @@
             <p:ph type="sldNum" sz="quarter" idx="12"/>
           </p:nvPr>
         </p:nvSpPr>
-        <p:spPr/>
+        <p:spPr>
+          <a:xfrm>
+            <a:off x="146050" y="6210300"/>
+            <a:ext cx="457200" cy="457200"/>
+          </a:xfrm>
+          <a:prstGeom prst="ellipse">
+            <a:avLst/>
+          </a:prstGeom>
+        </p:spPr>
         <p:txBody>
           <a:bodyPr/>
           <a:lstStyle>
@@ -3886,7 +3924,7 @@
               <a:pPr>
                 <a:defRPr/>
               </a:pPr>
-              <a:t>16-09-15</a:t>
+              <a:t>2017-01-12</a:t>
             </a:fld>
             <a:endParaRPr lang="en-US"/>
           </a:p>
@@ -3915,9 +3953,10 @@
               <a:defRPr/>
             </a:pPr>
             <a:r>
-              <a:rPr lang="en-US"/>
-              <a:t>Presentation Title At Venue</a:t>
-            </a:r>
+              <a:rPr lang="en-US" dirty="0" smtClean="0"/>
+              <a:t>Learning Bayesian Networks for Complex Relational Data</a:t>
+            </a:r>
+            <a:endParaRPr lang="en-US" dirty="0"/>
           </a:p>
         </p:txBody>
       </p:sp>
@@ -3931,7 +3970,15 @@
             <p:ph type="sldNum" sz="quarter" idx="12"/>
           </p:nvPr>
         </p:nvSpPr>
-        <p:spPr/>
+        <p:spPr>
+          <a:xfrm>
+            <a:off x="146050" y="6210300"/>
+            <a:ext cx="457200" cy="457200"/>
+          </a:xfrm>
+          <a:prstGeom prst="ellipse">
+            <a:avLst/>
+          </a:prstGeom>
+        </p:spPr>
         <p:txBody>
           <a:bodyPr/>
           <a:lstStyle>
@@ -4404,7 +4451,7 @@
               <a:pPr>
                 <a:defRPr/>
               </a:pPr>
-              <a:t>16-09-15</a:t>
+              <a:t>2017-01-12</a:t>
             </a:fld>
             <a:endParaRPr lang="en-US"/>
           </a:p>
@@ -4438,9 +4485,10 @@
               <a:defRPr/>
             </a:pPr>
             <a:r>
-              <a:rPr lang="en-US"/>
-              <a:t>Presentation Title At Venue</a:t>
-            </a:r>
+              <a:rPr lang="en-US" dirty="0" smtClean="0"/>
+              <a:t>Learning Bayesian Networks for Complex Relational Data</a:t>
+            </a:r>
+            <a:endParaRPr lang="en-US" dirty="0"/>
           </a:p>
         </p:txBody>
       </p:sp>
@@ -4459,6 +4507,9 @@
             <a:off x="146050" y="6208713"/>
             <a:ext cx="457200" cy="457200"/>
           </a:xfrm>
+          <a:prstGeom prst="ellipse">
+            <a:avLst/>
+          </a:prstGeom>
         </p:spPr>
         <p:txBody>
           <a:bodyPr/>
@@ -4676,7 +4727,7 @@
               <a:pPr>
                 <a:defRPr/>
               </a:pPr>
-              <a:t>16-09-15</a:t>
+              <a:t>2017-01-12</a:t>
             </a:fld>
             <a:endParaRPr lang="en-US"/>
           </a:p>
@@ -4705,9 +4756,10 @@
               <a:defRPr/>
             </a:pPr>
             <a:r>
-              <a:rPr lang="en-US"/>
-              <a:t>Presentation Title At Venue</a:t>
-            </a:r>
+              <a:rPr lang="en-US" dirty="0" smtClean="0"/>
+              <a:t>Learning Bayesian Networks for Complex Relational Data</a:t>
+            </a:r>
+            <a:endParaRPr lang="en-US" dirty="0"/>
           </a:p>
         </p:txBody>
       </p:sp>
@@ -4721,7 +4773,15 @@
             <p:ph type="sldNum" sz="quarter" idx="12"/>
           </p:nvPr>
         </p:nvSpPr>
-        <p:spPr/>
+        <p:spPr>
+          <a:xfrm>
+            <a:off x="146050" y="6210300"/>
+            <a:ext cx="457200" cy="457200"/>
+          </a:xfrm>
+          <a:prstGeom prst="ellipse">
+            <a:avLst/>
+          </a:prstGeom>
+        </p:spPr>
         <p:txBody>
           <a:bodyPr/>
           <a:lstStyle>
@@ -5073,7 +5133,7 @@
               <a:pPr>
                 <a:defRPr/>
               </a:pPr>
-              <a:t>16-09-15</a:t>
+              <a:t>2017-01-12</a:t>
             </a:fld>
             <a:endParaRPr lang="en-US"/>
           </a:p>
@@ -5102,9 +5162,10 @@
               <a:defRPr/>
             </a:pPr>
             <a:r>
-              <a:rPr lang="en-US"/>
-              <a:t>Presentation Title At Venue</a:t>
-            </a:r>
+              <a:rPr lang="en-US" dirty="0" smtClean="0"/>
+              <a:t>Learning Bayesian Networks for Complex Relational Data</a:t>
+            </a:r>
+            <a:endParaRPr lang="en-US" dirty="0"/>
           </a:p>
         </p:txBody>
       </p:sp>
@@ -5118,7 +5179,15 @@
             <p:ph type="sldNum" sz="quarter" idx="12"/>
           </p:nvPr>
         </p:nvSpPr>
-        <p:spPr/>
+        <p:spPr>
+          <a:xfrm>
+            <a:off x="146050" y="6210300"/>
+            <a:ext cx="457200" cy="457200"/>
+          </a:xfrm>
+          <a:prstGeom prst="ellipse">
+            <a:avLst/>
+          </a:prstGeom>
+        </p:spPr>
         <p:txBody>
           <a:bodyPr/>
           <a:lstStyle>
@@ -5221,7 +5290,7 @@
               <a:pPr>
                 <a:defRPr/>
               </a:pPr>
-              <a:t>16-09-15</a:t>
+              <a:t>2017-01-12</a:t>
             </a:fld>
             <a:endParaRPr lang="en-US"/>
           </a:p>
@@ -5250,9 +5319,10 @@
               <a:defRPr/>
             </a:pPr>
             <a:r>
-              <a:rPr lang="en-US"/>
-              <a:t>Presentation Title At Venue</a:t>
-            </a:r>
+              <a:rPr lang="en-US" dirty="0" smtClean="0"/>
+              <a:t>Learning Bayesian Networks for Complex Relational Data</a:t>
+            </a:r>
+            <a:endParaRPr lang="en-US" dirty="0"/>
           </a:p>
         </p:txBody>
       </p:sp>
@@ -5266,7 +5336,15 @@
             <p:ph type="sldNum" sz="quarter" idx="12"/>
           </p:nvPr>
         </p:nvSpPr>
-        <p:spPr/>
+        <p:spPr>
+          <a:xfrm>
+            <a:off x="146050" y="6210300"/>
+            <a:ext cx="457200" cy="457200"/>
+          </a:xfrm>
+          <a:prstGeom prst="ellipse">
+            <a:avLst/>
+          </a:prstGeom>
+        </p:spPr>
         <p:txBody>
           <a:bodyPr/>
           <a:lstStyle>
@@ -5346,7 +5424,7 @@
               <a:pPr>
                 <a:defRPr/>
               </a:pPr>
-              <a:t>16-09-15</a:t>
+              <a:t>2017-01-12</a:t>
             </a:fld>
             <a:endParaRPr lang="en-US"/>
           </a:p>
@@ -5375,9 +5453,10 @@
               <a:defRPr/>
             </a:pPr>
             <a:r>
-              <a:rPr lang="en-US"/>
-              <a:t>Presentation Title At Venue</a:t>
-            </a:r>
+              <a:rPr lang="en-US" dirty="0" smtClean="0"/>
+              <a:t>Learning Bayesian Networks for Complex Relational Data</a:t>
+            </a:r>
+            <a:endParaRPr lang="en-US" dirty="0"/>
           </a:p>
         </p:txBody>
       </p:sp>
@@ -5391,7 +5470,15 @@
             <p:ph type="sldNum" sz="quarter" idx="12"/>
           </p:nvPr>
         </p:nvSpPr>
-        <p:spPr/>
+        <p:spPr>
+          <a:xfrm>
+            <a:off x="146050" y="6210300"/>
+            <a:ext cx="457200" cy="457200"/>
+          </a:xfrm>
+          <a:prstGeom prst="ellipse">
+            <a:avLst/>
+          </a:prstGeom>
+        </p:spPr>
         <p:txBody>
           <a:bodyPr/>
           <a:lstStyle>
@@ -5721,7 +5808,7 @@
               <a:pPr>
                 <a:defRPr/>
               </a:pPr>
-              <a:t>16-09-15</a:t>
+              <a:t>2017-01-12</a:t>
             </a:fld>
             <a:endParaRPr lang="en-US"/>
           </a:p>
@@ -5750,9 +5837,10 @@
               <a:defRPr/>
             </a:pPr>
             <a:r>
-              <a:rPr lang="en-US"/>
-              <a:t>Presentation Title At Venue</a:t>
-            </a:r>
+              <a:rPr lang="en-US" dirty="0" smtClean="0"/>
+              <a:t>Learning Bayesian Networks for Complex Relational Data</a:t>
+            </a:r>
+            <a:endParaRPr lang="en-US" dirty="0"/>
           </a:p>
         </p:txBody>
       </p:sp>
@@ -5766,7 +5854,15 @@
             <p:ph type="sldNum" sz="quarter" idx="12"/>
           </p:nvPr>
         </p:nvSpPr>
-        <p:spPr/>
+        <p:spPr>
+          <a:xfrm>
+            <a:off x="146050" y="6210300"/>
+            <a:ext cx="457200" cy="457200"/>
+          </a:xfrm>
+          <a:prstGeom prst="ellipse">
+            <a:avLst/>
+          </a:prstGeom>
+        </p:spPr>
         <p:txBody>
           <a:bodyPr/>
           <a:lstStyle>
@@ -6143,7 +6239,7 @@
               <a:pPr>
                 <a:defRPr/>
               </a:pPr>
-              <a:t>16-09-15</a:t>
+              <a:t>2017-01-12</a:t>
             </a:fld>
             <a:endParaRPr lang="en-US"/>
           </a:p>
@@ -6177,9 +6273,10 @@
               <a:defRPr/>
             </a:pPr>
             <a:r>
-              <a:rPr lang="en-US"/>
-              <a:t>Presentation Title At Venue</a:t>
-            </a:r>
+              <a:rPr lang="en-US" dirty="0" smtClean="0"/>
+              <a:t>Learning Bayesian Networks for Complex Relational Data</a:t>
+            </a:r>
+            <a:endParaRPr lang="en-US" dirty="0"/>
           </a:p>
         </p:txBody>
       </p:sp>
@@ -6198,6 +6295,9 @@
             <a:off x="146050" y="6208713"/>
             <a:ext cx="457200" cy="457200"/>
           </a:xfrm>
+          <a:prstGeom prst="ellipse">
+            <a:avLst/>
+          </a:prstGeom>
         </p:spPr>
         <p:txBody>
           <a:bodyPr/>
@@ -6562,7 +6662,7 @@
               <a:pPr>
                 <a:defRPr/>
               </a:pPr>
-              <a:t>16-09-15</a:t>
+              <a:t>2017-01-12</a:t>
             </a:fld>
             <a:endParaRPr lang="en-US"/>
           </a:p>
@@ -6608,63 +6708,10 @@
               <a:defRPr/>
             </a:pPr>
             <a:r>
-              <a:rPr lang="en-US"/>
-              <a:t>Presentation Title At Venue</a:t>
-            </a:r>
-          </a:p>
-        </p:txBody>
-      </p:sp>
-      <p:sp>
-        <p:nvSpPr>
-          <p:cNvPr id="23" name="Slide Number Placeholder 22"/>
-          <p:cNvSpPr>
-            <a:spLocks noGrp="1"/>
-          </p:cNvSpPr>
-          <p:nvPr>
-            <p:ph type="sldNum" sz="quarter" idx="4"/>
-          </p:nvPr>
-        </p:nvSpPr>
-        <p:spPr>
-          <a:xfrm>
-            <a:off x="146050" y="6210300"/>
-            <a:ext cx="457200" cy="457200"/>
-          </a:xfrm>
-          <a:prstGeom prst="ellipse">
-            <a:avLst/>
-          </a:prstGeom>
-          <a:solidFill>
-            <a:schemeClr val="accent1"/>
-          </a:solidFill>
-        </p:spPr>
-        <p:txBody>
-          <a:bodyPr vert="horz" wrap="none" lIns="0" tIns="0" rIns="0" bIns="0" numCol="1" anchor="ctr" anchorCtr="1" compatLnSpc="1">
-            <a:prstTxWarp prst="textNoShape">
-              <a:avLst/>
-            </a:prstTxWarp>
-            <a:noAutofit/>
-          </a:bodyPr>
-          <a:lstStyle>
-            <a:lvl1pPr algn="ctr">
-              <a:defRPr sz="1400" smtClean="0">
-                <a:solidFill>
-                  <a:srgbClr val="FFFFFF"/>
-                </a:solidFill>
-                <a:latin typeface="Franklin Gothic Book" charset="0"/>
-              </a:defRPr>
-            </a:lvl1pPr>
-          </a:lstStyle>
-          <a:p>
-            <a:pPr>
-              <a:defRPr/>
-            </a:pPr>
-            <a:fld id="{7CEF2234-60CD-F14D-A018-E190E338742A}" type="slidenum">
-              <a:rPr lang="en-US"/>
-              <a:pPr>
-                <a:defRPr/>
-              </a:pPr>
-              <a:t>‹#›</a:t>
-            </a:fld>
-            <a:endParaRPr lang="en-US"/>
+              <a:rPr lang="en-US" dirty="0" smtClean="0"/>
+              <a:t>Learning Bayesian Networks for Complex Relational Data</a:t>
+            </a:r>
+            <a:endParaRPr lang="en-US" dirty="0"/>
           </a:p>
         </p:txBody>
       </p:sp>
@@ -6823,18 +6870,15 @@
           <a:p>
             <a:pPr eaLnBrk="1" hangingPunct="1"/>
             <a:fld id="{24B99B7F-2E64-2646-91C2-380EEC053FFA}" type="slidenum">
-              <a:rPr lang="en-US" sz="1400">
+              <a:rPr lang="en-US" sz="1400" smtClean="0">
                 <a:latin typeface="Perpetua" charset="0"/>
               </a:rPr>
               <a:pPr eaLnBrk="1" hangingPunct="1"/>
               <a:t>‹#›</a:t>
             </a:fld>
-            <a:r>
-              <a:rPr lang="en-US" sz="1400">
-                <a:latin typeface="Perpetua" charset="0"/>
-              </a:rPr>
-              <a:t>/n</a:t>
-            </a:r>
+            <a:endParaRPr lang="en-US" sz="1400" dirty="0">
+              <a:latin typeface="Perpetua" charset="0"/>
+            </a:endParaRPr>
           </a:p>
         </p:txBody>
       </p:sp>
@@ -7595,13 +7639,21 @@
           <a:p>
             <a:r>
               <a:rPr lang="en-US" dirty="0" smtClean="0"/>
-              <a:t>Bayesian network learning discovers relevant conjunctive  features.</a:t>
+              <a:t>Bayesian network learning discovers relevant conjunctive  features</a:t>
             </a:r>
           </a:p>
           <a:p>
             <a:r>
               <a:rPr lang="en-US" dirty="0" smtClean="0"/>
-              <a:t>Related work: The Oddball system also extracts a feature matrix from relational information based on network analysis.</a:t>
+              <a:t>Related work: The Oddball system also extracts a feature matrix from relational information based on network analysis (</a:t>
+            </a:r>
+            <a:r>
+              <a:rPr lang="en-US" dirty="0" err="1" smtClean="0"/>
+              <a:t>Akoglu</a:t>
+            </a:r>
+            <a:r>
+              <a:rPr lang="en-US" dirty="0" smtClean="0"/>
+              <a:t> et al. 2010)</a:t>
             </a:r>
           </a:p>
           <a:p>
@@ -7619,7 +7671,7 @@
             </a:r>
             <a:r>
               <a:rPr lang="en-US" dirty="0" smtClean="0"/>
-              <a:t>. outlier detection methods.</a:t>
+              <a:t>. outlier detection methods</a:t>
             </a:r>
           </a:p>
           <a:p>
@@ -7645,7 +7697,12 @@
             <p:ph type="ftr" sz="quarter" idx="11"/>
           </p:nvPr>
         </p:nvSpPr>
-        <p:spPr/>
+        <p:spPr>
+          <a:xfrm>
+            <a:off x="239059" y="5856937"/>
+            <a:ext cx="8676754" cy="872565"/>
+          </a:xfrm>
+        </p:spPr>
         <p:txBody>
           <a:bodyPr/>
           <a:lstStyle/>
@@ -7654,9 +7711,79 @@
               <a:defRPr/>
             </a:pPr>
             <a:r>
-              <a:rPr lang="en-US" dirty="0" smtClean="0"/>
-              <a:t>cite oddball</a:t>
-            </a:r>
+              <a:rPr lang="en-US" dirty="0" err="1"/>
+              <a:t>Akoglu</a:t>
+            </a:r>
+            <a:r>
+              <a:rPr lang="en-US" dirty="0"/>
+              <a:t>, L.; </a:t>
+            </a:r>
+            <a:r>
+              <a:rPr lang="en-US" dirty="0" err="1"/>
+              <a:t>Mcglohon</a:t>
+            </a:r>
+            <a:r>
+              <a:rPr lang="en-US" dirty="0"/>
+              <a:t>, M. &amp; </a:t>
+            </a:r>
+            <a:r>
+              <a:rPr lang="en-US" dirty="0" err="1"/>
+              <a:t>Faloutsos</a:t>
+            </a:r>
+            <a:r>
+              <a:rPr lang="en-US" dirty="0"/>
+              <a:t>, C. (2010), </a:t>
+            </a:r>
+            <a:r>
+              <a:rPr lang="en-US" dirty="0" err="1"/>
+              <a:t>OddBall</a:t>
+            </a:r>
+            <a:r>
+              <a:rPr lang="en-US" dirty="0"/>
+              <a:t>: Spotting Anomalies in Weighted Graphs, </a:t>
+            </a:r>
+            <a:r>
+              <a:rPr lang="en-US" i="1" dirty="0"/>
+              <a:t>in 'PAKDD', pp. 410-</a:t>
+            </a:r>
+            <a:r>
+              <a:rPr lang="en-US" i="1" dirty="0" smtClean="0"/>
+              <a:t>421</a:t>
+            </a:r>
+          </a:p>
+          <a:p>
+            <a:r>
+              <a:rPr lang="en-US" dirty="0" err="1"/>
+              <a:t>Akoglu</a:t>
+            </a:r>
+            <a:r>
+              <a:rPr lang="en-US" dirty="0"/>
+              <a:t>, L.; Tong, H. &amp; </a:t>
+            </a:r>
+            <a:r>
+              <a:rPr lang="en-US" dirty="0" err="1"/>
+              <a:t>Koutra</a:t>
+            </a:r>
+            <a:r>
+              <a:rPr lang="en-US" dirty="0"/>
+              <a:t>, D. (2015), 'Graph based anomaly detection and description: a survey', </a:t>
+            </a:r>
+            <a:r>
+              <a:rPr lang="en-US" i="1" dirty="0"/>
+              <a:t>Data Mining and Knowledge Discovery </a:t>
+            </a:r>
+            <a:r>
+              <a:rPr lang="en-US" b="1" i="1" dirty="0"/>
+              <a:t>29(3), 626--688.</a:t>
+            </a:r>
+          </a:p>
+          <a:p>
+            <a:endParaRPr lang="en-US" dirty="0"/>
+          </a:p>
+          <a:p>
+            <a:pPr>
+              <a:defRPr/>
+            </a:pPr>
             <a:endParaRPr lang="en-US" dirty="0"/>
           </a:p>
         </p:txBody>
@@ -7752,10 +7879,10 @@
               <a:defRPr/>
             </a:pPr>
             <a:r>
-              <a:rPr lang="en-US" smtClean="0"/>
-              <a:t>Presentation Title At Venue</a:t>
-            </a:r>
-            <a:endParaRPr lang="en-US"/>
+              <a:rPr lang="en-US" dirty="0" smtClean="0"/>
+              <a:t>Learning Bayesian Networks for Complex Relational Data</a:t>
+            </a:r>
+            <a:endParaRPr lang="en-US" dirty="0"/>
           </a:p>
         </p:txBody>
       </p:sp>
@@ -7791,7 +7918,7 @@
       </p:grpSpPr>
       <p:sp>
         <p:nvSpPr>
-          <p:cNvPr id="5" name="Title 4"/>
+          <p:cNvPr id="2" name="Title 1"/>
           <p:cNvSpPr>
             <a:spLocks noGrp="1"/>
           </p:cNvSpPr>
@@ -7806,7 +7933,7 @@
           <a:p>
             <a:r>
               <a:rPr lang="en-US" dirty="0" smtClean="0"/>
-              <a:t>Global Outlier Detection</a:t>
+              <a:t>Exceptional Model Mining for Relational Data</a:t>
             </a:r>
             <a:endParaRPr lang="en-US" dirty="0"/>
           </a:p>
@@ -7814,7 +7941,7 @@
       </p:sp>
       <p:sp>
         <p:nvSpPr>
-          <p:cNvPr id="6" name="Content Placeholder 5"/>
+          <p:cNvPr id="3" name="Content Placeholder 2"/>
           <p:cNvSpPr>
             <a:spLocks noGrp="1"/>
           </p:cNvSpPr>
@@ -7827,70 +7954,175 @@
           <a:bodyPr/>
           <a:lstStyle/>
           <a:p>
-            <a:r>
-              <a:rPr lang="en-US" sz="2800" dirty="0" smtClean="0"/>
-              <a:t>Global Outlier Detection:</a:t>
-            </a:r>
-          </a:p>
-          <a:p>
-            <a:pPr lvl="1"/>
+            <a:pPr marL="0" indent="0">
+              <a:buNone/>
+            </a:pPr>
             <a:r>
               <a:rPr lang="en-US" dirty="0" smtClean="0"/>
-              <a:t>how different is an individual from a reference population?</a:t>
-            </a:r>
-          </a:p>
-          <a:p>
-            <a:pPr lvl="1"/>
+              <a:t>EMM approach (</a:t>
+            </a:r>
+            <a:r>
+              <a:rPr lang="en-US" dirty="0" err="1" smtClean="0"/>
+              <a:t>Knobbe</a:t>
+            </a:r>
             <a:r>
               <a:rPr lang="en-US" dirty="0" smtClean="0"/>
-              <a:t>Related to subgroup discovery, exception mining</a:t>
-            </a:r>
-          </a:p>
-          <a:p>
-            <a:r>
-              <a:rPr lang="en-US" sz="2800" dirty="0" smtClean="0"/>
-              <a:t>Local Outlier Detection:</a:t>
-            </a:r>
-          </a:p>
-          <a:p>
-            <a:pPr lvl="1"/>
+              <a:t> et al. 2011) for subgroup discovery in </a:t>
+            </a:r>
+            <a:r>
+              <a:rPr lang="en-US" dirty="0" err="1" smtClean="0"/>
+              <a:t>i.i.d</a:t>
+            </a:r>
             <a:r>
               <a:rPr lang="en-US" dirty="0" smtClean="0"/>
-              <a:t>is an individual isolated in feature space?</a:t>
-            </a:r>
-          </a:p>
-          <a:p>
-            <a:r>
-              <a:rPr lang="en-US" sz="2800" dirty="0" smtClean="0"/>
-              <a:t>[cite </a:t>
-            </a:r>
-            <a:r>
-              <a:rPr lang="en-US" sz="2800" dirty="0" err="1" smtClean="0"/>
-              <a:t>Aggrawal</a:t>
-            </a:r>
-            <a:r>
-              <a:rPr lang="en-US" sz="2800" dirty="0" smtClean="0"/>
-              <a:t> or </a:t>
-            </a:r>
-            <a:r>
-              <a:rPr lang="en-US" sz="2800" dirty="0" err="1" smtClean="0"/>
-              <a:t>damdi</a:t>
-            </a:r>
-            <a:r>
-              <a:rPr lang="en-US" sz="2800" dirty="0" smtClean="0"/>
-              <a:t> paper]</a:t>
-            </a:r>
-          </a:p>
-          <a:p>
-            <a:r>
-              <a:rPr lang="en-US" sz="2800" b="1" dirty="0" smtClean="0"/>
-              <a:t>Idea</a:t>
-            </a:r>
-            <a:r>
-              <a:rPr lang="en-US" sz="2800" dirty="0" smtClean="0"/>
-              <a:t>: To define outlierness metric, compare specific individual to random individual.</a:t>
-            </a:r>
-            <a:endParaRPr lang="en-US" sz="2800" dirty="0"/>
+              <a:t>. data</a:t>
+            </a:r>
+          </a:p>
+          <a:p>
+            <a:pPr marL="514350" indent="-514350">
+              <a:buFont typeface="+mj-lt"/>
+              <a:buAutoNum type="arabicPeriod"/>
+            </a:pPr>
+            <a:r>
+              <a:rPr lang="en-US" dirty="0" smtClean="0"/>
+              <a:t>Fix a model class with parameter vector </a:t>
+            </a:r>
+            <a:r>
+              <a:rPr lang="en-US" b="1" dirty="0" err="1" smtClean="0"/>
+              <a:t>θ</a:t>
+            </a:r>
+            <a:r>
+              <a:rPr lang="en-US" b="1" dirty="0" smtClean="0"/>
+              <a:t>.</a:t>
+            </a:r>
+          </a:p>
+          <a:p>
+            <a:pPr marL="514350" indent="-514350">
+              <a:buFont typeface="+mj-lt"/>
+              <a:buAutoNum type="arabicPeriod"/>
+            </a:pPr>
+            <a:r>
+              <a:rPr lang="en-US" dirty="0" smtClean="0"/>
+              <a:t>Learn parameters </a:t>
+            </a:r>
+            <a:r>
+              <a:rPr lang="en-US" b="1" dirty="0" err="1" smtClean="0"/>
+              <a:t>θ</a:t>
+            </a:r>
+            <a:r>
+              <a:rPr lang="en-US" b="1" baseline="-25000" dirty="0" err="1" smtClean="0"/>
+              <a:t>c</a:t>
+            </a:r>
+            <a:r>
+              <a:rPr lang="en-US" dirty="0" smtClean="0"/>
+              <a:t> for the entire class.</a:t>
+            </a:r>
+          </a:p>
+          <a:p>
+            <a:pPr marL="514350" indent="-514350">
+              <a:buFont typeface="+mj-lt"/>
+              <a:buAutoNum type="arabicPeriod"/>
+            </a:pPr>
+            <a:r>
+              <a:rPr lang="en-US" dirty="0" smtClean="0"/>
+              <a:t>Learn parameters </a:t>
+            </a:r>
+            <a:r>
+              <a:rPr lang="en-US" b="1" dirty="0" err="1" smtClean="0"/>
+              <a:t>θ</a:t>
+            </a:r>
+            <a:r>
+              <a:rPr lang="en-US" b="1" baseline="-25000" dirty="0" err="1" smtClean="0"/>
+              <a:t>o</a:t>
+            </a:r>
+            <a:r>
+              <a:rPr lang="en-US" dirty="0" smtClean="0"/>
+              <a:t> for a subgroup g.</a:t>
+            </a:r>
+          </a:p>
+          <a:p>
+            <a:pPr marL="514350" indent="-514350">
+              <a:buFont typeface="+mj-lt"/>
+              <a:buAutoNum type="arabicPeriod"/>
+            </a:pPr>
+            <a:r>
+              <a:rPr lang="en-US" dirty="0" smtClean="0"/>
+              <a:t>Measure difference between </a:t>
+            </a:r>
+            <a:r>
+              <a:rPr lang="en-US" b="1" dirty="0" err="1" smtClean="0"/>
+              <a:t>θ</a:t>
+            </a:r>
+            <a:r>
+              <a:rPr lang="en-US" b="1" baseline="-25000" dirty="0" err="1" smtClean="0"/>
+              <a:t>c</a:t>
+            </a:r>
+            <a:r>
+              <a:rPr lang="en-US" b="1" baseline="-25000" dirty="0" smtClean="0"/>
+              <a:t> </a:t>
+            </a:r>
+            <a:r>
+              <a:rPr lang="en-US" dirty="0" smtClean="0"/>
+              <a:t>and </a:t>
+            </a:r>
+            <a:r>
+              <a:rPr lang="en-US" b="1" dirty="0" err="1" smtClean="0"/>
+              <a:t>θ</a:t>
+            </a:r>
+            <a:r>
+              <a:rPr lang="en-US" b="1" baseline="-25000" dirty="0" err="1" smtClean="0"/>
+              <a:t>g</a:t>
+            </a:r>
+            <a:r>
+              <a:rPr lang="en-US" b="1" dirty="0" err="1" smtClean="0">
+                <a:latin typeface="Wingdings"/>
+                <a:ea typeface="Wingdings"/>
+                <a:cs typeface="Wingdings"/>
+                <a:sym typeface="Wingdings"/>
+              </a:rPr>
+              <a:t></a:t>
+            </a:r>
+            <a:r>
+              <a:rPr lang="en-US" b="1" dirty="0" err="1" smtClean="0">
+                <a:ea typeface="Wingdings"/>
+                <a:cs typeface="Wingdings"/>
+                <a:sym typeface="Wingdings"/>
+              </a:rPr>
+              <a:t>exceptionality</a:t>
+            </a:r>
+            <a:r>
+              <a:rPr lang="en-US" b="1" dirty="0" smtClean="0">
+                <a:ea typeface="Wingdings"/>
+                <a:cs typeface="Wingdings"/>
+                <a:sym typeface="Wingdings"/>
+              </a:rPr>
+              <a:t> metric for subgroup g.</a:t>
+            </a:r>
+          </a:p>
+          <a:p>
+            <a:pPr marL="514350" indent="-514350">
+              <a:buFont typeface="+mj-lt"/>
+              <a:buAutoNum type="arabicPeriod"/>
+            </a:pPr>
+            <a:r>
+              <a:rPr lang="en-US" dirty="0" smtClean="0">
+                <a:ea typeface="Wingdings"/>
+                <a:cs typeface="Wingdings"/>
+                <a:sym typeface="Wingdings"/>
+              </a:rPr>
+              <a:t>For relational data, an individual o = subgroup of size 1.</a:t>
+            </a:r>
+            <a:endParaRPr lang="en-US" dirty="0" smtClean="0"/>
+          </a:p>
+          <a:p>
+            <a:pPr marL="514350" indent="-514350">
+              <a:buFont typeface="+mj-lt"/>
+              <a:buAutoNum type="arabicPeriod"/>
+            </a:pPr>
+            <a:endParaRPr lang="en-US" dirty="0" smtClean="0"/>
+          </a:p>
+          <a:p>
+            <a:endParaRPr lang="en-US" dirty="0"/>
           </a:p>
         </p:txBody>
       </p:sp>
@@ -7904,26 +8136,76 @@
             <p:ph type="ftr" sz="quarter" idx="11"/>
           </p:nvPr>
         </p:nvSpPr>
-        <p:spPr/>
+        <p:spPr>
+          <a:xfrm>
+            <a:off x="914399" y="5690944"/>
+            <a:ext cx="6771921" cy="808279"/>
+          </a:xfrm>
+        </p:spPr>
         <p:txBody>
           <a:bodyPr/>
           <a:lstStyle/>
           <a:p>
-            <a:pPr>
-              <a:defRPr/>
-            </a:pPr>
-            <a:r>
-              <a:rPr lang="en-US" smtClean="0"/>
-              <a:t>Presentation Title At Venue</a:t>
-            </a:r>
-            <a:endParaRPr lang="en-US"/>
+            <a:r>
+              <a:rPr lang="en-US" dirty="0" err="1"/>
+              <a:t>Knobbe</a:t>
+            </a:r>
+            <a:r>
+              <a:rPr lang="en-US" dirty="0"/>
+              <a:t>, A.; </a:t>
+            </a:r>
+            <a:r>
+              <a:rPr lang="en-US" dirty="0" err="1"/>
+              <a:t>Feelders</a:t>
+            </a:r>
+            <a:r>
+              <a:rPr lang="en-US" dirty="0"/>
+              <a:t>, A. &amp; Leman, D. (2011), Exceptional Model </a:t>
+            </a:r>
+            <a:r>
+              <a:rPr lang="en-US" dirty="0" err="1"/>
+              <a:t>Mining'Data</a:t>
+            </a:r>
+            <a:r>
+              <a:rPr lang="en-US" dirty="0"/>
+              <a:t> Mining: Foundations and Intelligent Paradigms.', Springer </a:t>
+            </a:r>
+            <a:r>
+              <a:rPr lang="en-US" dirty="0" err="1"/>
+              <a:t>Verlag</a:t>
+            </a:r>
+            <a:r>
+              <a:rPr lang="en-US" dirty="0"/>
+              <a:t>, Heidelberg, </a:t>
+            </a:r>
+            <a:r>
+              <a:rPr lang="en-US" dirty="0" smtClean="0"/>
+              <a:t>Germany .</a:t>
+            </a:r>
+          </a:p>
+          <a:p>
+            <a:r>
+              <a:rPr lang="en-US" dirty="0"/>
+              <a:t>“Model-based Outlier Detection for Object-Relational Data”. </a:t>
+            </a:r>
+            <a:r>
+              <a:rPr lang="en-US" dirty="0" err="1"/>
+              <a:t>Riahi</a:t>
+            </a:r>
+            <a:r>
+              <a:rPr lang="en-US" dirty="0"/>
+              <a:t> and Schulte (2015). IEEE SSCI. </a:t>
+            </a:r>
+          </a:p>
+          <a:p>
+            <a:endParaRPr lang="en-US" dirty="0"/>
           </a:p>
         </p:txBody>
       </p:sp>
     </p:spTree>
     <p:extLst>
       <p:ext uri="{BB962C8B-B14F-4D97-AF65-F5344CB8AC3E}">
-        <p14:creationId xmlns:p14="http://schemas.microsoft.com/office/powerpoint/2010/main" val="1609664788"/>
+        <p14:creationId xmlns:p14="http://schemas.microsoft.com/office/powerpoint/2010/main" val="1225976139"/>
       </p:ext>
     </p:extLst>
   </p:cSld>
@@ -7974,7 +8256,7 @@
           <a:p>
             <a:r>
               <a:rPr lang="en-US" dirty="0" smtClean="0"/>
-              <a:t>Global Outlier Detection for Relational Data</a:t>
+              <a:t>EMM-Based Outlier Detection for Relational Data</a:t>
             </a:r>
             <a:endParaRPr lang="en-US" dirty="0"/>
           </a:p>
@@ -8001,580 +8283,6 @@
           <a:lstStyle/>
           <a:p>
             <a:r>
-              <a:rPr lang="en-US" dirty="0" err="1" smtClean="0"/>
-              <a:t>Maervoet</a:t>
-            </a:r>
-            <a:r>
-              <a:rPr lang="en-US" dirty="0"/>
-              <a:t>, J.; </a:t>
-            </a:r>
-            <a:r>
-              <a:rPr lang="en-US" dirty="0" err="1"/>
-              <a:t>Vens</a:t>
-            </a:r>
-            <a:r>
-              <a:rPr lang="en-US" dirty="0"/>
-              <a:t>, C.; </a:t>
-            </a:r>
-            <a:r>
-              <a:rPr lang="en-US" dirty="0" err="1"/>
-              <a:t>Vanden</a:t>
-            </a:r>
-            <a:r>
-              <a:rPr lang="en-US" dirty="0"/>
-              <a:t> </a:t>
-            </a:r>
-            <a:r>
-              <a:rPr lang="en-US" dirty="0" err="1"/>
-              <a:t>Berghe</a:t>
-            </a:r>
-            <a:r>
-              <a:rPr lang="en-US" dirty="0"/>
-              <a:t>, G.; </a:t>
-            </a:r>
-            <a:r>
-              <a:rPr lang="en-US" dirty="0" err="1"/>
-              <a:t>Blockeel</a:t>
-            </a:r>
-            <a:r>
-              <a:rPr lang="en-US" dirty="0"/>
-              <a:t>, H. &amp; De </a:t>
-            </a:r>
-            <a:r>
-              <a:rPr lang="en-US" dirty="0" err="1"/>
-              <a:t>Causmaecker</a:t>
-            </a:r>
-            <a:r>
-              <a:rPr lang="en-US" dirty="0"/>
-              <a:t>, P. (2012), 'Outlier Detection in Relational Data: A Case Study in Geographical Information Systems', </a:t>
-            </a:r>
-            <a:r>
-              <a:rPr lang="en-US" i="1" dirty="0"/>
-              <a:t>Expert Systems With Applications </a:t>
-            </a:r>
-            <a:r>
-              <a:rPr lang="en-US" b="1" i="1" dirty="0"/>
-              <a:t>39(5), </a:t>
-            </a:r>
-            <a:r>
-              <a:rPr lang="en-US" b="1" i="1" dirty="0" smtClean="0"/>
-              <a:t>4718—4728.</a:t>
-            </a:r>
-            <a:endParaRPr lang="en-US" dirty="0"/>
-          </a:p>
-        </p:txBody>
-      </p:sp>
-      <p:pic>
-        <p:nvPicPr>
-          <p:cNvPr id="10" name="Picture 9" descr="database.pdf"/>
-          <p:cNvPicPr>
-            <a:picLocks noChangeAspect="1"/>
-          </p:cNvPicPr>
-          <p:nvPr/>
-        </p:nvPicPr>
-        <p:blipFill>
-          <a:blip r:embed="rId3">
-            <a:extLst>
-              <a:ext uri="{28A0092B-C50C-407E-A947-70E740481C1C}">
-                <a14:useLocalDpi xmlns:a14="http://schemas.microsoft.com/office/drawing/2010/main" val="0"/>
-              </a:ext>
-            </a:extLst>
-          </a:blip>
-          <a:stretch>
-            <a:fillRect/>
-          </a:stretch>
-        </p:blipFill>
-        <p:spPr>
-          <a:xfrm>
-            <a:off x="745467" y="3017486"/>
-            <a:ext cx="909071" cy="971542"/>
-          </a:xfrm>
-          <a:prstGeom prst="rect">
-            <a:avLst/>
-          </a:prstGeom>
-        </p:spPr>
-      </p:pic>
-      <p:pic>
-        <p:nvPicPr>
-          <p:cNvPr id="13" name="Picture 12" descr="database.pdf"/>
-          <p:cNvPicPr>
-            <a:picLocks noChangeAspect="1"/>
-          </p:cNvPicPr>
-          <p:nvPr/>
-        </p:nvPicPr>
-        <p:blipFill>
-          <a:blip r:embed="rId3">
-            <a:extLst>
-              <a:ext uri="{28A0092B-C50C-407E-A947-70E740481C1C}">
-                <a14:useLocalDpi xmlns:a14="http://schemas.microsoft.com/office/drawing/2010/main" val="0"/>
-              </a:ext>
-            </a:extLst>
-          </a:blip>
-          <a:stretch>
-            <a:fillRect/>
-          </a:stretch>
-        </p:blipFill>
-        <p:spPr>
-          <a:xfrm>
-            <a:off x="5969574" y="3206748"/>
-            <a:ext cx="519986" cy="593019"/>
-          </a:xfrm>
-          <a:prstGeom prst="rect">
-            <a:avLst/>
-          </a:prstGeom>
-        </p:spPr>
-      </p:pic>
-      <p:sp>
-        <p:nvSpPr>
-          <p:cNvPr id="14" name="TextBox 13"/>
-          <p:cNvSpPr txBox="1"/>
-          <p:nvPr/>
-        </p:nvSpPr>
-        <p:spPr>
-          <a:xfrm>
-            <a:off x="5106089" y="1743693"/>
-            <a:ext cx="3299639" cy="1138773"/>
-          </a:xfrm>
-          <a:prstGeom prst="rect">
-            <a:avLst/>
-          </a:prstGeom>
-          <a:noFill/>
-          <a:ln>
-            <a:solidFill>
-              <a:schemeClr val="tx1"/>
-            </a:solidFill>
-          </a:ln>
-        </p:spPr>
-        <p:txBody>
-          <a:bodyPr wrap="square" rtlCol="0">
-            <a:spAutoFit/>
-          </a:bodyPr>
-          <a:lstStyle/>
-          <a:p>
-            <a:pPr lvl="0"/>
-            <a:r>
-              <a:rPr lang="en-US" sz="2400" dirty="0" smtClean="0">
-                <a:latin typeface="+mn-lt"/>
-              </a:rPr>
-              <a:t>Individual Database</a:t>
-            </a:r>
-            <a:br>
-              <a:rPr lang="en-US" sz="2400" dirty="0" smtClean="0">
-                <a:latin typeface="+mn-lt"/>
-              </a:rPr>
-            </a:br>
-            <a:r>
-              <a:rPr lang="en-US" sz="2400" dirty="0" smtClean="0">
-                <a:latin typeface="+mn-lt"/>
-              </a:rPr>
-              <a:t>Profile, Interpretation</a:t>
-            </a:r>
-          </a:p>
-          <a:p>
-            <a:pPr lvl="0"/>
-            <a:r>
-              <a:rPr lang="en-US" sz="2000" dirty="0" smtClean="0">
-                <a:solidFill>
-                  <a:prstClr val="black"/>
-                </a:solidFill>
-                <a:latin typeface="Perpetua"/>
-              </a:rPr>
-              <a:t>e.g</a:t>
-            </a:r>
-            <a:r>
-              <a:rPr lang="en-US" sz="2000" dirty="0">
-                <a:solidFill>
-                  <a:prstClr val="black"/>
-                </a:solidFill>
-                <a:latin typeface="Perpetua"/>
-              </a:rPr>
-              <a:t>. Brad Pitt’s movies</a:t>
-            </a:r>
-          </a:p>
-        </p:txBody>
-      </p:sp>
-      <p:cxnSp>
-        <p:nvCxnSpPr>
-          <p:cNvPr id="16" name="Straight Arrow Connector 15"/>
-          <p:cNvCxnSpPr/>
-          <p:nvPr/>
-        </p:nvCxnSpPr>
-        <p:spPr>
-          <a:xfrm>
-            <a:off x="1654538" y="3799767"/>
-            <a:ext cx="2432979" cy="869381"/>
-          </a:xfrm>
-          <a:prstGeom prst="straightConnector1">
-            <a:avLst/>
-          </a:prstGeom>
-          <a:ln>
-            <a:tailEnd type="arrow"/>
-          </a:ln>
-        </p:spPr>
-        <p:style>
-          <a:lnRef idx="2">
-            <a:schemeClr val="accent1"/>
-          </a:lnRef>
-          <a:fillRef idx="0">
-            <a:schemeClr val="accent1"/>
-          </a:fillRef>
-          <a:effectRef idx="1">
-            <a:schemeClr val="accent1"/>
-          </a:effectRef>
-          <a:fontRef idx="minor">
-            <a:schemeClr val="tx1"/>
-          </a:fontRef>
-        </p:style>
-      </p:cxnSp>
-      <p:sp>
-        <p:nvSpPr>
-          <p:cNvPr id="18" name="TextBox 17"/>
-          <p:cNvSpPr txBox="1"/>
-          <p:nvPr/>
-        </p:nvSpPr>
-        <p:spPr>
-          <a:xfrm>
-            <a:off x="952432" y="4867598"/>
-            <a:ext cx="6668018" cy="830997"/>
-          </a:xfrm>
-          <a:prstGeom prst="rect">
-            <a:avLst/>
-          </a:prstGeom>
-          <a:noFill/>
-          <a:ln>
-            <a:solidFill>
-              <a:schemeClr val="tx1"/>
-            </a:solidFill>
-          </a:ln>
-        </p:spPr>
-        <p:txBody>
-          <a:bodyPr wrap="square" rtlCol="0">
-            <a:spAutoFit/>
-          </a:bodyPr>
-          <a:lstStyle/>
-          <a:p>
-            <a:r>
-              <a:rPr lang="en-US" sz="2400" dirty="0" smtClean="0">
-                <a:latin typeface="+mn-lt"/>
-              </a:rPr>
-              <a:t>Outlierness Metric = Measure of dissimilarity between population and individual database</a:t>
-            </a:r>
-            <a:endParaRPr lang="en-US" sz="2400" dirty="0">
-              <a:latin typeface="+mn-lt"/>
-            </a:endParaRPr>
-          </a:p>
-        </p:txBody>
-      </p:sp>
-      <p:sp>
-        <p:nvSpPr>
-          <p:cNvPr id="20" name="TextBox 19"/>
-          <p:cNvSpPr txBox="1"/>
-          <p:nvPr/>
-        </p:nvSpPr>
-        <p:spPr>
-          <a:xfrm>
-            <a:off x="194564" y="1858120"/>
-            <a:ext cx="3178629" cy="830997"/>
-          </a:xfrm>
-          <a:prstGeom prst="rect">
-            <a:avLst/>
-          </a:prstGeom>
-          <a:noFill/>
-          <a:ln>
-            <a:solidFill>
-              <a:schemeClr val="tx1"/>
-            </a:solidFill>
-          </a:ln>
-        </p:spPr>
-        <p:txBody>
-          <a:bodyPr wrap="square" rtlCol="0">
-            <a:spAutoFit/>
-          </a:bodyPr>
-          <a:lstStyle/>
-          <a:p>
-            <a:r>
-              <a:rPr lang="en-US" sz="2400" dirty="0" smtClean="0">
-                <a:latin typeface="+mn-lt"/>
-              </a:rPr>
-              <a:t>Population Database</a:t>
-            </a:r>
-            <a:br>
-              <a:rPr lang="en-US" sz="2400" dirty="0" smtClean="0">
-                <a:latin typeface="+mn-lt"/>
-              </a:rPr>
-            </a:br>
-            <a:r>
-              <a:rPr lang="en-US" sz="2400" dirty="0" smtClean="0">
-                <a:latin typeface="+mn-lt"/>
-              </a:rPr>
-              <a:t>e.g. IMDB</a:t>
-            </a:r>
-            <a:endParaRPr lang="en-US" sz="2400" dirty="0">
-              <a:latin typeface="+mn-lt"/>
-            </a:endParaRPr>
-          </a:p>
-        </p:txBody>
-      </p:sp>
-      <p:sp>
-        <p:nvSpPr>
-          <p:cNvPr id="3" name="Right Arrow 2"/>
-          <p:cNvSpPr/>
-          <p:nvPr/>
-        </p:nvSpPr>
-        <p:spPr>
-          <a:xfrm>
-            <a:off x="3690671" y="3337885"/>
-            <a:ext cx="806920" cy="330745"/>
-          </a:xfrm>
-          <a:prstGeom prst="rightArrow">
-            <a:avLst/>
-          </a:prstGeom>
-        </p:spPr>
-        <p:style>
-          <a:lnRef idx="1">
-            <a:schemeClr val="accent1"/>
-          </a:lnRef>
-          <a:fillRef idx="3">
-            <a:schemeClr val="accent1"/>
-          </a:fillRef>
-          <a:effectRef idx="2">
-            <a:schemeClr val="accent1"/>
-          </a:effectRef>
-          <a:fontRef idx="minor">
-            <a:schemeClr val="lt1"/>
-          </a:fontRef>
-        </p:style>
-        <p:txBody>
-          <a:bodyPr rtlCol="0" anchor="ctr"/>
-          <a:lstStyle/>
-          <a:p>
-            <a:pPr algn="ctr"/>
-            <a:endParaRPr lang="en-US"/>
-          </a:p>
-        </p:txBody>
-      </p:sp>
-      <p:cxnSp>
-        <p:nvCxnSpPr>
-          <p:cNvPr id="11" name="Straight Arrow Connector 10"/>
-          <p:cNvCxnSpPr/>
-          <p:nvPr/>
-        </p:nvCxnSpPr>
-        <p:spPr>
-          <a:xfrm flipH="1">
-            <a:off x="4325625" y="3799767"/>
-            <a:ext cx="1931318" cy="869381"/>
-          </a:xfrm>
-          <a:prstGeom prst="straightConnector1">
-            <a:avLst/>
-          </a:prstGeom>
-          <a:ln>
-            <a:tailEnd type="arrow"/>
-          </a:ln>
-        </p:spPr>
-        <p:style>
-          <a:lnRef idx="2">
-            <a:schemeClr val="accent1"/>
-          </a:lnRef>
-          <a:fillRef idx="0">
-            <a:schemeClr val="accent1"/>
-          </a:fillRef>
-          <a:effectRef idx="1">
-            <a:schemeClr val="accent1"/>
-          </a:effectRef>
-          <a:fontRef idx="minor">
-            <a:schemeClr val="tx1"/>
-          </a:fontRef>
-        </p:style>
-      </p:cxnSp>
-      <p:pic>
-        <p:nvPicPr>
-          <p:cNvPr id="17" name="Picture 16" descr="pitt.jpeg"/>
-          <p:cNvPicPr>
-            <a:picLocks noChangeAspect="1"/>
-          </p:cNvPicPr>
-          <p:nvPr/>
-        </p:nvPicPr>
-        <p:blipFill>
-          <a:blip r:embed="rId4">
-            <a:extLst>
-              <a:ext uri="{28A0092B-C50C-407E-A947-70E740481C1C}">
-                <a14:useLocalDpi xmlns:a14="http://schemas.microsoft.com/office/drawing/2010/main" val="0"/>
-              </a:ext>
-            </a:extLst>
-          </a:blip>
-          <a:stretch>
-            <a:fillRect/>
-          </a:stretch>
-        </p:blipFill>
-        <p:spPr>
-          <a:xfrm>
-            <a:off x="7061459" y="3177467"/>
-            <a:ext cx="850900" cy="1244600"/>
-          </a:xfrm>
-          <a:prstGeom prst="rect">
-            <a:avLst/>
-          </a:prstGeom>
-        </p:spPr>
-      </p:pic>
-    </p:spTree>
-    <p:extLst>
-      <p:ext uri="{BB962C8B-B14F-4D97-AF65-F5344CB8AC3E}">
-        <p14:creationId xmlns:p14="http://schemas.microsoft.com/office/powerpoint/2010/main" val="1613752754"/>
-      </p:ext>
-    </p:extLst>
-  </p:cSld>
-  <p:clrMapOvr>
-    <a:masterClrMapping/>
-  </p:clrMapOvr>
-  <p:timing>
-    <p:tnLst>
-      <p:par>
-        <p:cTn xmlns:p14="http://schemas.microsoft.com/office/powerpoint/2010/main" id="1" dur="indefinite" restart="never" nodeType="tmRoot">
-          <p:childTnLst>
-            <p:seq concurrent="1" nextAc="seek">
-              <p:cTn id="2" dur="indefinite" nodeType="mainSeq">
-                <p:childTnLst>
-                  <p:par>
-                    <p:cTn id="3" fill="hold">
-                      <p:stCondLst>
-                        <p:cond delay="indefinite"/>
-                      </p:stCondLst>
-                      <p:childTnLst>
-                        <p:par>
-                          <p:cTn id="4" fill="hold">
-                            <p:stCondLst>
-                              <p:cond delay="0"/>
-                            </p:stCondLst>
-                            <p:childTnLst>
-                              <p:par>
-                                <p:cTn id="5" presetID="1" presetClass="entr" presetSubtype="0" fill="hold" grpId="0" nodeType="clickEffect">
-                                  <p:stCondLst>
-                                    <p:cond delay="0"/>
-                                  </p:stCondLst>
-                                  <p:childTnLst>
-                                    <p:set>
-                                      <p:cBhvr>
-                                        <p:cTn id="6" dur="1" fill="hold">
-                                          <p:stCondLst>
-                                            <p:cond delay="0"/>
-                                          </p:stCondLst>
-                                        </p:cTn>
-                                        <p:tgtEl>
-                                          <p:spTgt spid="18"/>
-                                        </p:tgtEl>
-                                        <p:attrNameLst>
-                                          <p:attrName>style.visibility</p:attrName>
-                                        </p:attrNameLst>
-                                      </p:cBhvr>
-                                      <p:to>
-                                        <p:strVal val="visible"/>
-                                      </p:to>
-                                    </p:set>
-                                  </p:childTnLst>
-                                </p:cTn>
-                              </p:par>
-                            </p:childTnLst>
-                          </p:cTn>
-                        </p:par>
-                      </p:childTnLst>
-                    </p:cTn>
-                  </p:par>
-                </p:childTnLst>
-              </p:cTn>
-              <p:prevCondLst>
-                <p:cond evt="onPrev" delay="0">
-                  <p:tgtEl>
-                    <p:sldTgt/>
-                  </p:tgtEl>
-                </p:cond>
-              </p:prevCondLst>
-              <p:nextCondLst>
-                <p:cond evt="onNext" delay="0">
-                  <p:tgtEl>
-                    <p:sldTgt/>
-                  </p:tgtEl>
-                </p:cond>
-              </p:nextCondLst>
-            </p:seq>
-          </p:childTnLst>
-        </p:cTn>
-      </p:par>
-    </p:tnLst>
-    <p:bldLst>
-      <p:bldP spid="18" grpId="0" animBg="1"/>
-    </p:bldLst>
-  </p:timing>
-</p:sld>
-</file>
-
-<file path=ppt/slides/slide14.xml><?xml version="1.0" encoding="utf-8"?>
-<p:sld xmlns:a="http://schemas.openxmlformats.org/drawingml/2006/main" xmlns:r="http://schemas.openxmlformats.org/officeDocument/2006/relationships" xmlns:p="http://schemas.openxmlformats.org/presentationml/2006/main">
-  <p:cSld>
-    <p:spTree>
-      <p:nvGrpSpPr>
-        <p:cNvPr id="1" name=""/>
-        <p:cNvGrpSpPr/>
-        <p:nvPr/>
-      </p:nvGrpSpPr>
-      <p:grpSpPr>
-        <a:xfrm>
-          <a:off x="0" y="0"/>
-          <a:ext cx="0" cy="0"/>
-          <a:chOff x="0" y="0"/>
-          <a:chExt cx="0" cy="0"/>
-        </a:xfrm>
-      </p:grpSpPr>
-      <p:sp>
-        <p:nvSpPr>
-          <p:cNvPr id="21" name="Title 20"/>
-          <p:cNvSpPr>
-            <a:spLocks noGrp="1"/>
-          </p:cNvSpPr>
-          <p:nvPr>
-            <p:ph type="title"/>
-          </p:nvPr>
-        </p:nvSpPr>
-        <p:spPr>
-          <a:xfrm>
-            <a:off x="277908" y="430308"/>
-            <a:ext cx="8229600" cy="1143000"/>
-          </a:xfrm>
-        </p:spPr>
-        <p:txBody>
-          <a:bodyPr>
-            <a:normAutofit fontScale="90000"/>
-          </a:bodyPr>
-          <a:lstStyle/>
-          <a:p>
-            <a:r>
-              <a:rPr lang="en-US" dirty="0" smtClean="0"/>
-              <a:t>Model-Based Outlier Detection for Relational Data</a:t>
-            </a:r>
-            <a:endParaRPr lang="en-US" dirty="0"/>
-          </a:p>
-        </p:txBody>
-      </p:sp>
-      <p:sp>
-        <p:nvSpPr>
-          <p:cNvPr id="45" name="Footer Placeholder 44"/>
-          <p:cNvSpPr>
-            <a:spLocks noGrp="1"/>
-          </p:cNvSpPr>
-          <p:nvPr>
-            <p:ph type="ftr" sz="quarter" idx="11"/>
-          </p:nvPr>
-        </p:nvSpPr>
-        <p:spPr>
-          <a:xfrm>
-            <a:off x="295586" y="5913722"/>
-            <a:ext cx="7882285" cy="715677"/>
-          </a:xfrm>
-        </p:spPr>
-        <p:txBody>
-          <a:bodyPr/>
-          <a:lstStyle/>
-          <a:p>
-            <a:r>
               <a:rPr lang="en-US" dirty="0"/>
               <a:t>“Model-based Outlier Detection for Object-Relational Data”. </a:t>
             </a:r>
@@ -8586,14 +8294,6 @@
               <a:rPr lang="en-US" dirty="0"/>
               <a:t> and Schulte (2015). IEEE SSCI. </a:t>
             </a:r>
-            <a:br>
-              <a:rPr lang="en-US" dirty="0"/>
-            </a:br>
-            <a:r>
-              <a:rPr lang="en-US" dirty="0" smtClean="0"/>
-              <a:t>Cite exceptional model mining.</a:t>
-            </a:r>
-            <a:endParaRPr lang="en-US" dirty="0"/>
           </a:p>
         </p:txBody>
       </p:sp>
@@ -8705,7 +8405,7 @@
         <p:spPr>
           <a:xfrm>
             <a:off x="608498" y="5059737"/>
-            <a:ext cx="7685590" cy="707886"/>
+            <a:ext cx="7685590" cy="1015663"/>
           </a:xfrm>
           <a:prstGeom prst="rect">
             <a:avLst/>
@@ -8736,6 +8436,17 @@
                 <a:latin typeface="+mn-lt"/>
               </a:rPr>
               <a:t>Measure of dissimilarity between class and individual BN</a:t>
+            </a:r>
+            <a:br>
+              <a:rPr lang="en-US" sz="2000" dirty="0" smtClean="0">
+                <a:latin typeface="+mn-lt"/>
+              </a:rPr>
+            </a:br>
+            <a:r>
+              <a:rPr lang="en-US" sz="2000" dirty="0" smtClean="0">
+                <a:latin typeface="+mn-lt"/>
+              </a:rPr>
+              <a:t>e.g. KLD, ELD (new)</a:t>
             </a:r>
             <a:endParaRPr lang="en-US" sz="2000" dirty="0">
               <a:latin typeface="+mn-lt"/>
@@ -9143,7 +8854,7 @@
 </p:sld>
 </file>
 
-<file path=ppt/slides/slide15.xml><?xml version="1.0" encoding="utf-8"?>
+<file path=ppt/slides/slide14.xml><?xml version="1.0" encoding="utf-8"?>
 <p:sld xmlns:a="http://schemas.openxmlformats.org/drawingml/2006/main" xmlns:r="http://schemas.openxmlformats.org/officeDocument/2006/relationships" xmlns:p="http://schemas.openxmlformats.org/presentationml/2006/main">
   <p:cSld>
     <p:spTree>
@@ -10292,7 +10003,7 @@
 </p:sld>
 </file>
 
-<file path=ppt/slides/slide16.xml><?xml version="1.0" encoding="utf-8"?>
+<file path=ppt/slides/slide15.xml><?xml version="1.0" encoding="utf-8"?>
 <p:sld xmlns:a="http://schemas.openxmlformats.org/drawingml/2006/main" xmlns:r="http://schemas.openxmlformats.org/officeDocument/2006/relationships" xmlns:p="http://schemas.openxmlformats.org/presentationml/2006/main">
   <p:cSld>
     <p:spTree>
@@ -10358,10 +10069,10 @@
               <a:defRPr/>
             </a:pPr>
             <a:r>
-              <a:rPr lang="en-US" smtClean="0"/>
-              <a:t>Presentation Title At Venue</a:t>
-            </a:r>
-            <a:endParaRPr lang="en-US"/>
+              <a:rPr lang="en-US" dirty="0" smtClean="0"/>
+              <a:t>Learning Bayesian Networks for Complex Relational Data</a:t>
+            </a:r>
+            <a:endParaRPr lang="en-US" dirty="0"/>
           </a:p>
         </p:txBody>
       </p:sp>
@@ -10490,12 +10201,12 @@
           <a:graphicData uri="http://schemas.openxmlformats.org/presentationml/2006/ole">
             <mc:AlternateContent xmlns:mc="http://schemas.openxmlformats.org/markup-compatibility/2006">
               <mc:Choice xmlns:v="urn:schemas-microsoft-com:vml" Requires="v">
-                <p:oleObj spid="_x0000_s2108" name="Equation" r:id="rId3" imgW="2260600" imgH="215900" progId="Equation.3">
+                <p:oleObj spid="_x0000_s2188" name="Equation" r:id="rId4" imgW="2260600" imgH="215900" progId="Equation.3">
                   <p:embed/>
                 </p:oleObj>
               </mc:Choice>
               <mc:Fallback>
-                <p:oleObj name="Equation" r:id="rId3" imgW="2260600" imgH="215900" progId="Equation.3">
+                <p:oleObj name="Equation" r:id="rId4" imgW="2260600" imgH="215900" progId="Equation.3">
                   <p:embed/>
                   <p:pic>
                     <p:nvPicPr>
@@ -10506,7 +10217,7 @@
                       <p:nvPr/>
                     </p:nvPicPr>
                     <p:blipFill>
-                      <a:blip r:embed="rId4"/>
+                      <a:blip r:embed="rId5"/>
                       <a:srcRect/>
                       <a:stretch>
                         <a:fillRect/>
@@ -10552,12 +10263,12 @@
           <a:graphicData uri="http://schemas.openxmlformats.org/presentationml/2006/ole">
             <mc:AlternateContent xmlns:mc="http://schemas.openxmlformats.org/markup-compatibility/2006">
               <mc:Choice xmlns:v="urn:schemas-microsoft-com:vml" Requires="v">
-                <p:oleObj spid="_x0000_s2109" name="Equation" r:id="rId5" imgW="4686300" imgH="698500" progId="Equation.3">
+                <p:oleObj spid="_x0000_s2189" name="Equation" r:id="rId6" imgW="4686300" imgH="698500" progId="Equation.3">
                   <p:embed/>
                 </p:oleObj>
               </mc:Choice>
               <mc:Fallback>
-                <p:oleObj name="Equation" r:id="rId5" imgW="4686300" imgH="698500" progId="Equation.3">
+                <p:oleObj name="Equation" r:id="rId6" imgW="4686300" imgH="698500" progId="Equation.3">
                   <p:embed/>
                   <p:pic>
                     <p:nvPicPr>
@@ -10568,7 +10279,7 @@
                       <p:nvPr/>
                     </p:nvPicPr>
                     <p:blipFill>
-                      <a:blip r:embed="rId6"/>
+                      <a:blip r:embed="rId7"/>
                       <a:srcRect/>
                       <a:stretch>
                         <a:fillRect/>
@@ -10605,6 +10316,1229 @@
 </p:sld>
 </file>
 
+<file path=ppt/slides/slide16.xml><?xml version="1.0" encoding="utf-8"?>
+<p:sld xmlns:a="http://schemas.openxmlformats.org/drawingml/2006/main" xmlns:r="http://schemas.openxmlformats.org/officeDocument/2006/relationships" xmlns:p="http://schemas.openxmlformats.org/presentationml/2006/main">
+  <p:cSld>
+    <p:spTree>
+      <p:nvGrpSpPr>
+        <p:cNvPr id="1" name=""/>
+        <p:cNvGrpSpPr/>
+        <p:nvPr/>
+      </p:nvGrpSpPr>
+      <p:grpSpPr>
+        <a:xfrm>
+          <a:off x="0" y="0"/>
+          <a:ext cx="0" cy="0"/>
+          <a:chOff x="0" y="0"/>
+          <a:chExt cx="0" cy="0"/>
+        </a:xfrm>
+      </p:grpSpPr>
+      <p:sp>
+        <p:nvSpPr>
+          <p:cNvPr id="2" name="Title 1"/>
+          <p:cNvSpPr>
+            <a:spLocks noGrp="1"/>
+          </p:cNvSpPr>
+          <p:nvPr>
+            <p:ph type="title"/>
+          </p:nvPr>
+        </p:nvSpPr>
+        <p:spPr/>
+        <p:txBody>
+          <a:bodyPr/>
+          <a:lstStyle/>
+          <a:p>
+            <a:r>
+              <a:rPr lang="en-US" dirty="0" smtClean="0"/>
+              <a:t>Brad Pitt Example</a:t>
+            </a:r>
+            <a:endParaRPr lang="en-US" dirty="0"/>
+          </a:p>
+        </p:txBody>
+      </p:sp>
+      <p:sp>
+        <p:nvSpPr>
+          <p:cNvPr id="4" name="Footer Placeholder 3"/>
+          <p:cNvSpPr>
+            <a:spLocks noGrp="1"/>
+          </p:cNvSpPr>
+          <p:nvPr>
+            <p:ph type="ftr" sz="quarter" idx="11"/>
+          </p:nvPr>
+        </p:nvSpPr>
+        <p:spPr/>
+        <p:txBody>
+          <a:bodyPr/>
+          <a:lstStyle/>
+          <a:p>
+            <a:pPr>
+              <a:defRPr/>
+            </a:pPr>
+            <a:r>
+              <a:rPr lang="en-US" dirty="0" smtClean="0"/>
+              <a:t>Learning Bayesian Networks for Complex Relational Data</a:t>
+            </a:r>
+            <a:endParaRPr lang="en-US" dirty="0"/>
+          </a:p>
+        </p:txBody>
+      </p:sp>
+      <p:graphicFrame>
+        <p:nvGraphicFramePr>
+          <p:cNvPr id="6" name="Content Placeholder 5"/>
+          <p:cNvGraphicFramePr>
+            <a:graphicFrameLocks noGrp="1"/>
+          </p:cNvGraphicFramePr>
+          <p:nvPr>
+            <p:ph sz="quarter" idx="1"/>
+            <p:extLst>
+              <p:ext uri="{D42A27DB-BD31-4B8C-83A1-F6EECF244321}">
+                <p14:modId xmlns:p14="http://schemas.microsoft.com/office/powerpoint/2010/main" val="4095528125"/>
+              </p:ext>
+            </p:extLst>
+          </p:nvPr>
+        </p:nvGraphicFramePr>
+        <p:xfrm>
+          <a:off x="411728" y="1633017"/>
+          <a:ext cx="7894989" cy="932180"/>
+        </p:xfrm>
+        <a:graphic>
+          <a:graphicData uri="http://schemas.openxmlformats.org/drawingml/2006/table">
+            <a:tbl>
+              <a:tblPr firstRow="1" bandRow="1">
+                <a:tableStyleId>{5C22544A-7EE6-4342-B048-85BDC9FD1C3A}</a:tableStyleId>
+              </a:tblPr>
+              <a:tblGrid>
+                <a:gridCol w="1110343"/>
+                <a:gridCol w="1110343"/>
+                <a:gridCol w="1110343"/>
+                <a:gridCol w="1110343"/>
+                <a:gridCol w="1125426"/>
+                <a:gridCol w="1217848"/>
+                <a:gridCol w="1110343"/>
+              </a:tblGrid>
+              <a:tr h="370840">
+                <a:tc>
+                  <a:txBody>
+                    <a:bodyPr/>
+                    <a:lstStyle/>
+                    <a:p>
+                      <a:pPr algn="l" fontAlgn="b"/>
+                      <a:r>
+                        <a:rPr lang="en-US" sz="1800" b="0" i="0" u="none" strike="noStrike" dirty="0">
+                          <a:solidFill>
+                            <a:srgbClr val="000000"/>
+                          </a:solidFill>
+                          <a:effectLst/>
+                          <a:latin typeface="+mn-lt"/>
+                        </a:rPr>
+                        <a:t>gender(A)</a:t>
+                      </a:r>
+                    </a:p>
+                  </a:txBody>
+                  <a:tcPr marL="12700" marR="12700" marT="12700" marB="0" anchor="b"/>
+                </a:tc>
+                <a:tc>
+                  <a:txBody>
+                    <a:bodyPr/>
+                    <a:lstStyle/>
+                    <a:p>
+                      <a:pPr algn="l" fontAlgn="b"/>
+                      <a:r>
+                        <a:rPr lang="en-US" sz="1800" b="0" i="0" u="none" strike="noStrike">
+                          <a:solidFill>
+                            <a:srgbClr val="000000"/>
+                          </a:solidFill>
+                          <a:effectLst/>
+                          <a:latin typeface="+mn-lt"/>
+                        </a:rPr>
+                        <a:t>individual joint</a:t>
+                      </a:r>
+                    </a:p>
+                  </a:txBody>
+                  <a:tcPr marL="12700" marR="12700" marT="12700" marB="0" anchor="b"/>
+                </a:tc>
+                <a:tc>
+                  <a:txBody>
+                    <a:bodyPr/>
+                    <a:lstStyle/>
+                    <a:p>
+                      <a:pPr algn="l" fontAlgn="b"/>
+                      <a:r>
+                        <a:rPr lang="en-US" sz="1800" b="0" i="0" u="none" strike="noStrike">
+                          <a:solidFill>
+                            <a:srgbClr val="000000"/>
+                          </a:solidFill>
+                          <a:effectLst/>
+                          <a:latin typeface="+mn-lt"/>
+                        </a:rPr>
+                        <a:t>individual cond</a:t>
+                      </a:r>
+                    </a:p>
+                  </a:txBody>
+                  <a:tcPr marL="12700" marR="12700" marT="12700" marB="0" anchor="b"/>
+                </a:tc>
+                <a:tc>
+                  <a:txBody>
+                    <a:bodyPr/>
+                    <a:lstStyle/>
+                    <a:p>
+                      <a:pPr algn="l" fontAlgn="b"/>
+                      <a:r>
+                        <a:rPr lang="en-US" sz="1800" b="0" i="0" u="none" strike="noStrike">
+                          <a:solidFill>
+                            <a:srgbClr val="000000"/>
+                          </a:solidFill>
+                          <a:effectLst/>
+                          <a:latin typeface="+mn-lt"/>
+                        </a:rPr>
+                        <a:t>class cond</a:t>
+                      </a:r>
+                    </a:p>
+                  </a:txBody>
+                  <a:tcPr marL="12700" marR="12700" marT="12700" marB="0" anchor="b"/>
+                </a:tc>
+                <a:tc>
+                  <a:txBody>
+                    <a:bodyPr/>
+                    <a:lstStyle/>
+                    <a:p>
+                      <a:pPr algn="l" fontAlgn="b"/>
+                      <a:r>
+                        <a:rPr lang="en-US" sz="1800" b="0" i="0" u="none" strike="noStrike">
+                          <a:solidFill>
+                            <a:srgbClr val="000000"/>
+                          </a:solidFill>
+                          <a:effectLst/>
+                          <a:latin typeface="+mn-lt"/>
+                        </a:rPr>
+                        <a:t>ln(ind.cond.)</a:t>
+                      </a:r>
+                    </a:p>
+                  </a:txBody>
+                  <a:tcPr marL="12700" marR="12700" marT="12700" marB="0" anchor="b"/>
+                </a:tc>
+                <a:tc>
+                  <a:txBody>
+                    <a:bodyPr/>
+                    <a:lstStyle/>
+                    <a:p>
+                      <a:pPr algn="l" fontAlgn="b"/>
+                      <a:r>
+                        <a:rPr lang="en-US" sz="1800" b="0" i="0" u="none" strike="noStrike">
+                          <a:solidFill>
+                            <a:srgbClr val="000000"/>
+                          </a:solidFill>
+                          <a:effectLst/>
+                          <a:latin typeface="+mn-lt"/>
+                        </a:rPr>
+                        <a:t>ln(class cond.)</a:t>
+                      </a:r>
+                    </a:p>
+                  </a:txBody>
+                  <a:tcPr marL="12700" marR="12700" marT="12700" marB="0" anchor="b"/>
+                </a:tc>
+                <a:tc>
+                  <a:txBody>
+                    <a:bodyPr/>
+                    <a:lstStyle/>
+                    <a:p>
+                      <a:pPr algn="l" fontAlgn="b"/>
+                      <a:r>
+                        <a:rPr lang="en-US" sz="1800" b="0" i="0" u="none" strike="noStrike">
+                          <a:solidFill>
+                            <a:srgbClr val="000000"/>
+                          </a:solidFill>
+                          <a:effectLst/>
+                          <a:latin typeface="+mn-lt"/>
+                        </a:rPr>
+                        <a:t>KLD</a:t>
+                      </a:r>
+                    </a:p>
+                  </a:txBody>
+                  <a:tcPr marL="12700" marR="12700" marT="12700" marB="0" anchor="b"/>
+                </a:tc>
+              </a:tr>
+              <a:tr h="370840">
+                <a:tc>
+                  <a:txBody>
+                    <a:bodyPr/>
+                    <a:lstStyle/>
+                    <a:p>
+                      <a:pPr algn="l" fontAlgn="b"/>
+                      <a:r>
+                        <a:rPr lang="en-US" sz="1800" b="0" i="0" u="none" strike="noStrike">
+                          <a:solidFill>
+                            <a:srgbClr val="000000"/>
+                          </a:solidFill>
+                          <a:effectLst/>
+                          <a:latin typeface="+mn-lt"/>
+                        </a:rPr>
+                        <a:t>M</a:t>
+                      </a:r>
+                    </a:p>
+                  </a:txBody>
+                  <a:tcPr marL="12700" marR="12700" marT="12700" marB="0" anchor="b"/>
+                </a:tc>
+                <a:tc>
+                  <a:txBody>
+                    <a:bodyPr/>
+                    <a:lstStyle/>
+                    <a:p>
+                      <a:pPr algn="r" fontAlgn="b"/>
+                      <a:r>
+                        <a:rPr lang="en-US" sz="1800" b="0" i="0" u="none" strike="noStrike">
+                          <a:solidFill>
+                            <a:srgbClr val="000000"/>
+                          </a:solidFill>
+                          <a:effectLst/>
+                          <a:latin typeface="+mn-lt"/>
+                        </a:rPr>
+                        <a:t>1</a:t>
+                      </a:r>
+                    </a:p>
+                  </a:txBody>
+                  <a:tcPr marL="12700" marR="12700" marT="12700" marB="0" anchor="b"/>
+                </a:tc>
+                <a:tc>
+                  <a:txBody>
+                    <a:bodyPr/>
+                    <a:lstStyle/>
+                    <a:p>
+                      <a:pPr algn="r" fontAlgn="b"/>
+                      <a:r>
+                        <a:rPr lang="en-US" sz="1800" b="0" i="0" u="none" strike="noStrike">
+                          <a:solidFill>
+                            <a:srgbClr val="000000"/>
+                          </a:solidFill>
+                          <a:effectLst/>
+                          <a:latin typeface="+mn-lt"/>
+                        </a:rPr>
+                        <a:t>1</a:t>
+                      </a:r>
+                    </a:p>
+                  </a:txBody>
+                  <a:tcPr marL="12700" marR="12700" marT="12700" marB="0" anchor="b"/>
+                </a:tc>
+                <a:tc>
+                  <a:txBody>
+                    <a:bodyPr/>
+                    <a:lstStyle/>
+                    <a:p>
+                      <a:pPr algn="r" fontAlgn="b"/>
+                      <a:r>
+                        <a:rPr lang="en-US" sz="1800" b="0" i="0" u="none" strike="noStrike">
+                          <a:solidFill>
+                            <a:srgbClr val="000000"/>
+                          </a:solidFill>
+                          <a:effectLst/>
+                          <a:latin typeface="+mn-lt"/>
+                        </a:rPr>
+                        <a:t>0.5</a:t>
+                      </a:r>
+                    </a:p>
+                  </a:txBody>
+                  <a:tcPr marL="12700" marR="12700" marT="12700" marB="0" anchor="b"/>
+                </a:tc>
+                <a:tc>
+                  <a:txBody>
+                    <a:bodyPr/>
+                    <a:lstStyle/>
+                    <a:p>
+                      <a:pPr algn="r" fontAlgn="b"/>
+                      <a:r>
+                        <a:rPr lang="en-US" sz="1800" b="0" i="0" u="none" strike="noStrike">
+                          <a:solidFill>
+                            <a:srgbClr val="000000"/>
+                          </a:solidFill>
+                          <a:effectLst/>
+                          <a:latin typeface="+mn-lt"/>
+                        </a:rPr>
+                        <a:t>0</a:t>
+                      </a:r>
+                    </a:p>
+                  </a:txBody>
+                  <a:tcPr marL="12700" marR="12700" marT="12700" marB="0" anchor="b"/>
+                </a:tc>
+                <a:tc>
+                  <a:txBody>
+                    <a:bodyPr/>
+                    <a:lstStyle/>
+                    <a:p>
+                      <a:pPr algn="r" fontAlgn="b"/>
+                      <a:r>
+                        <a:rPr lang="en-US" sz="1800" b="0" i="0" u="none" strike="noStrike">
+                          <a:solidFill>
+                            <a:srgbClr val="000000"/>
+                          </a:solidFill>
+                          <a:effectLst/>
+                          <a:latin typeface="+mn-lt"/>
+                        </a:rPr>
+                        <a:t>-0.69</a:t>
+                      </a:r>
+                    </a:p>
+                  </a:txBody>
+                  <a:tcPr marL="12700" marR="12700" marT="12700" marB="0" anchor="b"/>
+                </a:tc>
+                <a:tc>
+                  <a:txBody>
+                    <a:bodyPr/>
+                    <a:lstStyle/>
+                    <a:p>
+                      <a:pPr algn="r" fontAlgn="b"/>
+                      <a:r>
+                        <a:rPr lang="en-US" sz="1800" b="0" i="0" u="none" strike="noStrike" dirty="0">
+                          <a:solidFill>
+                            <a:srgbClr val="000000"/>
+                          </a:solidFill>
+                          <a:effectLst/>
+                          <a:latin typeface="+mn-lt"/>
+                        </a:rPr>
+                        <a:t>0.69</a:t>
+                      </a:r>
+                    </a:p>
+                  </a:txBody>
+                  <a:tcPr marL="12700" marR="12700" marT="12700" marB="0" anchor="b"/>
+                </a:tc>
+              </a:tr>
+            </a:tbl>
+          </a:graphicData>
+        </a:graphic>
+      </p:graphicFrame>
+      <p:graphicFrame>
+        <p:nvGraphicFramePr>
+          <p:cNvPr id="7" name="Table 6"/>
+          <p:cNvGraphicFramePr>
+            <a:graphicFrameLocks noGrp="1"/>
+          </p:cNvGraphicFramePr>
+          <p:nvPr>
+            <p:extLst>
+              <p:ext uri="{D42A27DB-BD31-4B8C-83A1-F6EECF244321}">
+                <p14:modId xmlns:p14="http://schemas.microsoft.com/office/powerpoint/2010/main" val="2141492348"/>
+              </p:ext>
+            </p:extLst>
+          </p:nvPr>
+        </p:nvGraphicFramePr>
+        <p:xfrm>
+          <a:off x="220372" y="2891967"/>
+          <a:ext cx="8695854" cy="2048437"/>
+        </p:xfrm>
+        <a:graphic>
+          <a:graphicData uri="http://schemas.openxmlformats.org/drawingml/2006/table">
+            <a:tbl>
+              <a:tblPr firstRow="1" bandRow="1">
+                <a:tableStyleId>{5C22544A-7EE6-4342-B048-85BDC9FD1C3A}</a:tableStyleId>
+              </a:tblPr>
+              <a:tblGrid>
+                <a:gridCol w="1073522"/>
+                <a:gridCol w="874348"/>
+                <a:gridCol w="907318"/>
+                <a:gridCol w="874348"/>
+                <a:gridCol w="874348"/>
+                <a:gridCol w="874348"/>
+                <a:gridCol w="1125426"/>
+                <a:gridCol w="1217848"/>
+                <a:gridCol w="874348"/>
+              </a:tblGrid>
+              <a:tr h="495699">
+                <a:tc>
+                  <a:txBody>
+                    <a:bodyPr/>
+                    <a:lstStyle/>
+                    <a:p>
+                      <a:pPr algn="l" fontAlgn="b"/>
+                      <a:r>
+                        <a:rPr lang="en-US" sz="1800" b="0" i="0" u="none" strike="noStrike" dirty="0" err="1">
+                          <a:solidFill>
+                            <a:srgbClr val="000000"/>
+                          </a:solidFill>
+                          <a:effectLst/>
+                          <a:latin typeface="+mn-lt"/>
+                        </a:rPr>
+                        <a:t>ActsIn</a:t>
+                      </a:r>
+                      <a:r>
+                        <a:rPr lang="en-US" sz="1800" b="0" i="0" u="none" strike="noStrike" dirty="0">
+                          <a:solidFill>
+                            <a:srgbClr val="000000"/>
+                          </a:solidFill>
+                          <a:effectLst/>
+                          <a:latin typeface="+mn-lt"/>
+                        </a:rPr>
+                        <a:t>(A,M)</a:t>
+                      </a:r>
+                    </a:p>
+                  </a:txBody>
+                  <a:tcPr marL="12700" marR="12700" marT="12700" marB="0" anchor="b"/>
+                </a:tc>
+                <a:tc>
+                  <a:txBody>
+                    <a:bodyPr/>
+                    <a:lstStyle/>
+                    <a:p>
+                      <a:pPr algn="l" fontAlgn="b"/>
+                      <a:r>
+                        <a:rPr lang="en-US" sz="1800" b="0" i="0" u="none" strike="noStrike" dirty="0">
+                          <a:solidFill>
+                            <a:srgbClr val="000000"/>
+                          </a:solidFill>
+                          <a:effectLst/>
+                          <a:latin typeface="+mn-lt"/>
+                        </a:rPr>
+                        <a:t>gender(A)</a:t>
+                      </a:r>
+                    </a:p>
+                  </a:txBody>
+                  <a:tcPr marL="12700" marR="12700" marT="12700" marB="0" anchor="b"/>
+                </a:tc>
+                <a:tc>
+                  <a:txBody>
+                    <a:bodyPr/>
+                    <a:lstStyle/>
+                    <a:p>
+                      <a:pPr algn="l" fontAlgn="b"/>
+                      <a:r>
+                        <a:rPr lang="en-US" sz="1800" b="0" i="0" u="none" strike="noStrike">
+                          <a:solidFill>
+                            <a:srgbClr val="000000"/>
+                          </a:solidFill>
+                          <a:effectLst/>
+                          <a:latin typeface="+mn-lt"/>
+                        </a:rPr>
+                        <a:t>Drama(M)</a:t>
+                      </a:r>
+                    </a:p>
+                  </a:txBody>
+                  <a:tcPr marL="12700" marR="12700" marT="12700" marB="0" anchor="b"/>
+                </a:tc>
+                <a:tc>
+                  <a:txBody>
+                    <a:bodyPr/>
+                    <a:lstStyle/>
+                    <a:p>
+                      <a:pPr algn="l" fontAlgn="b"/>
+                      <a:r>
+                        <a:rPr lang="en-US" sz="1800" b="0" i="0" u="none" strike="noStrike">
+                          <a:solidFill>
+                            <a:srgbClr val="000000"/>
+                          </a:solidFill>
+                          <a:effectLst/>
+                          <a:latin typeface="+mn-lt"/>
+                        </a:rPr>
+                        <a:t>individual joint</a:t>
+                      </a:r>
+                    </a:p>
+                  </a:txBody>
+                  <a:tcPr marL="12700" marR="12700" marT="12700" marB="0" anchor="b"/>
+                </a:tc>
+                <a:tc>
+                  <a:txBody>
+                    <a:bodyPr/>
+                    <a:lstStyle/>
+                    <a:p>
+                      <a:pPr algn="l" fontAlgn="b"/>
+                      <a:r>
+                        <a:rPr lang="en-US" sz="1800" b="0" i="0" u="none" strike="noStrike">
+                          <a:solidFill>
+                            <a:srgbClr val="000000"/>
+                          </a:solidFill>
+                          <a:effectLst/>
+                          <a:latin typeface="+mn-lt"/>
+                        </a:rPr>
+                        <a:t>individual cond</a:t>
+                      </a:r>
+                    </a:p>
+                  </a:txBody>
+                  <a:tcPr marL="12700" marR="12700" marT="12700" marB="0" anchor="b"/>
+                </a:tc>
+                <a:tc>
+                  <a:txBody>
+                    <a:bodyPr/>
+                    <a:lstStyle/>
+                    <a:p>
+                      <a:pPr algn="l" fontAlgn="b"/>
+                      <a:r>
+                        <a:rPr lang="en-US" sz="1800" b="0" i="0" u="none" strike="noStrike">
+                          <a:solidFill>
+                            <a:srgbClr val="000000"/>
+                          </a:solidFill>
+                          <a:effectLst/>
+                          <a:latin typeface="+mn-lt"/>
+                        </a:rPr>
+                        <a:t>class cond</a:t>
+                      </a:r>
+                    </a:p>
+                  </a:txBody>
+                  <a:tcPr marL="12700" marR="12700" marT="12700" marB="0" anchor="b"/>
+                </a:tc>
+                <a:tc>
+                  <a:txBody>
+                    <a:bodyPr/>
+                    <a:lstStyle/>
+                    <a:p>
+                      <a:pPr algn="l" fontAlgn="b"/>
+                      <a:r>
+                        <a:rPr lang="en-US" sz="1800" b="0" i="0" u="none" strike="noStrike">
+                          <a:solidFill>
+                            <a:srgbClr val="000000"/>
+                          </a:solidFill>
+                          <a:effectLst/>
+                          <a:latin typeface="+mn-lt"/>
+                        </a:rPr>
+                        <a:t>ln(ind.cond.)</a:t>
+                      </a:r>
+                    </a:p>
+                  </a:txBody>
+                  <a:tcPr marL="12700" marR="12700" marT="12700" marB="0" anchor="b"/>
+                </a:tc>
+                <a:tc>
+                  <a:txBody>
+                    <a:bodyPr/>
+                    <a:lstStyle/>
+                    <a:p>
+                      <a:pPr algn="l" fontAlgn="b"/>
+                      <a:r>
+                        <a:rPr lang="en-US" sz="1800" b="0" i="0" u="none" strike="noStrike">
+                          <a:solidFill>
+                            <a:srgbClr val="000000"/>
+                          </a:solidFill>
+                          <a:effectLst/>
+                          <a:latin typeface="+mn-lt"/>
+                        </a:rPr>
+                        <a:t>ln(class cond.)</a:t>
+                      </a:r>
+                    </a:p>
+                  </a:txBody>
+                  <a:tcPr marL="12700" marR="12700" marT="12700" marB="0" anchor="b"/>
+                </a:tc>
+                <a:tc>
+                  <a:txBody>
+                    <a:bodyPr/>
+                    <a:lstStyle/>
+                    <a:p>
+                      <a:pPr algn="l" fontAlgn="b"/>
+                      <a:r>
+                        <a:rPr lang="en-US" sz="1800" b="0" i="0" u="none" strike="noStrike">
+                          <a:solidFill>
+                            <a:srgbClr val="000000"/>
+                          </a:solidFill>
+                          <a:effectLst/>
+                          <a:latin typeface="+mn-lt"/>
+                        </a:rPr>
+                        <a:t>KLD</a:t>
+                      </a:r>
+                    </a:p>
+                  </a:txBody>
+                  <a:tcPr marL="12700" marR="12700" marT="12700" marB="0" anchor="b"/>
+                </a:tc>
+              </a:tr>
+              <a:tr h="495699">
+                <a:tc>
+                  <a:txBody>
+                    <a:bodyPr/>
+                    <a:lstStyle/>
+                    <a:p>
+                      <a:pPr algn="l" fontAlgn="b"/>
+                      <a:r>
+                        <a:rPr lang="en-US" sz="1800" b="0" i="0" u="none" strike="noStrike">
+                          <a:solidFill>
+                            <a:srgbClr val="000000"/>
+                          </a:solidFill>
+                          <a:effectLst/>
+                          <a:latin typeface="+mn-lt"/>
+                        </a:rPr>
+                        <a:t>F</a:t>
+                      </a:r>
+                    </a:p>
+                  </a:txBody>
+                  <a:tcPr marL="12700" marR="12700" marT="12700" marB="0" anchor="b"/>
+                </a:tc>
+                <a:tc>
+                  <a:txBody>
+                    <a:bodyPr/>
+                    <a:lstStyle/>
+                    <a:p>
+                      <a:pPr algn="l" fontAlgn="b"/>
+                      <a:r>
+                        <a:rPr lang="en-US" sz="1800" b="0" i="0" u="none" strike="noStrike">
+                          <a:solidFill>
+                            <a:srgbClr val="000000"/>
+                          </a:solidFill>
+                          <a:effectLst/>
+                          <a:latin typeface="+mn-lt"/>
+                        </a:rPr>
+                        <a:t>M</a:t>
+                      </a:r>
+                    </a:p>
+                  </a:txBody>
+                  <a:tcPr marL="12700" marR="12700" marT="12700" marB="0" anchor="b"/>
+                </a:tc>
+                <a:tc>
+                  <a:txBody>
+                    <a:bodyPr/>
+                    <a:lstStyle/>
+                    <a:p>
+                      <a:pPr algn="l" fontAlgn="b"/>
+                      <a:r>
+                        <a:rPr lang="en-US" sz="1800" b="0" i="0" u="none" strike="noStrike">
+                          <a:solidFill>
+                            <a:srgbClr val="000000"/>
+                          </a:solidFill>
+                          <a:effectLst/>
+                          <a:latin typeface="+mn-lt"/>
+                        </a:rPr>
+                        <a:t>T</a:t>
+                      </a:r>
+                    </a:p>
+                  </a:txBody>
+                  <a:tcPr marL="12700" marR="12700" marT="12700" marB="0" anchor="b"/>
+                </a:tc>
+                <a:tc>
+                  <a:txBody>
+                    <a:bodyPr/>
+                    <a:lstStyle/>
+                    <a:p>
+                      <a:pPr algn="r" fontAlgn="b"/>
+                      <a:r>
+                        <a:rPr lang="en-US" sz="1800" b="0" i="0" u="none" strike="noStrike">
+                          <a:solidFill>
+                            <a:srgbClr val="000000"/>
+                          </a:solidFill>
+                          <a:effectLst/>
+                          <a:latin typeface="+mn-lt"/>
+                        </a:rPr>
+                        <a:t> 1/2</a:t>
+                      </a:r>
+                    </a:p>
+                  </a:txBody>
+                  <a:tcPr marL="12700" marR="12700" marT="12700" marB="0" anchor="b"/>
+                </a:tc>
+                <a:tc>
+                  <a:txBody>
+                    <a:bodyPr/>
+                    <a:lstStyle/>
+                    <a:p>
+                      <a:pPr algn="r" fontAlgn="b"/>
+                      <a:r>
+                        <a:rPr lang="en-US" sz="1800" b="0" i="0" u="none" strike="noStrike">
+                          <a:solidFill>
+                            <a:srgbClr val="000000"/>
+                          </a:solidFill>
+                          <a:effectLst/>
+                          <a:latin typeface="+mn-lt"/>
+                        </a:rPr>
+                        <a:t>1</a:t>
+                      </a:r>
+                    </a:p>
+                  </a:txBody>
+                  <a:tcPr marL="12700" marR="12700" marT="12700" marB="0" anchor="b"/>
+                </a:tc>
+                <a:tc>
+                  <a:txBody>
+                    <a:bodyPr/>
+                    <a:lstStyle/>
+                    <a:p>
+                      <a:pPr algn="r" fontAlgn="b"/>
+                      <a:r>
+                        <a:rPr lang="en-US" sz="1800" b="0" i="0" u="none" strike="noStrike">
+                          <a:solidFill>
+                            <a:srgbClr val="000000"/>
+                          </a:solidFill>
+                          <a:effectLst/>
+                          <a:latin typeface="+mn-lt"/>
+                        </a:rPr>
+                        <a:t>0.5</a:t>
+                      </a:r>
+                    </a:p>
+                  </a:txBody>
+                  <a:tcPr marL="12700" marR="12700" marT="12700" marB="0" anchor="b"/>
+                </a:tc>
+                <a:tc>
+                  <a:txBody>
+                    <a:bodyPr/>
+                    <a:lstStyle/>
+                    <a:p>
+                      <a:pPr algn="r" fontAlgn="b"/>
+                      <a:r>
+                        <a:rPr lang="en-US" sz="1800" b="0" i="0" u="none" strike="noStrike">
+                          <a:solidFill>
+                            <a:srgbClr val="000000"/>
+                          </a:solidFill>
+                          <a:effectLst/>
+                          <a:latin typeface="+mn-lt"/>
+                        </a:rPr>
+                        <a:t>0</a:t>
+                      </a:r>
+                    </a:p>
+                  </a:txBody>
+                  <a:tcPr marL="12700" marR="12700" marT="12700" marB="0" anchor="b"/>
+                </a:tc>
+                <a:tc>
+                  <a:txBody>
+                    <a:bodyPr/>
+                    <a:lstStyle/>
+                    <a:p>
+                      <a:pPr algn="r" fontAlgn="b"/>
+                      <a:r>
+                        <a:rPr lang="en-US" sz="1800" b="0" i="0" u="none" strike="noStrike">
+                          <a:solidFill>
+                            <a:srgbClr val="000000"/>
+                          </a:solidFill>
+                          <a:effectLst/>
+                          <a:latin typeface="+mn-lt"/>
+                        </a:rPr>
+                        <a:t>-0.69</a:t>
+                      </a:r>
+                    </a:p>
+                  </a:txBody>
+                  <a:tcPr marL="12700" marR="12700" marT="12700" marB="0" anchor="b"/>
+                </a:tc>
+                <a:tc>
+                  <a:txBody>
+                    <a:bodyPr/>
+                    <a:lstStyle/>
+                    <a:p>
+                      <a:pPr algn="r" fontAlgn="b"/>
+                      <a:r>
+                        <a:rPr lang="en-US" sz="1800" b="0" i="0" u="none" strike="noStrike">
+                          <a:solidFill>
+                            <a:srgbClr val="000000"/>
+                          </a:solidFill>
+                          <a:effectLst/>
+                          <a:latin typeface="+mn-lt"/>
+                        </a:rPr>
+                        <a:t>0.35</a:t>
+                      </a:r>
+                    </a:p>
+                  </a:txBody>
+                  <a:tcPr marL="12700" marR="12700" marT="12700" marB="0" anchor="b"/>
+                </a:tc>
+              </a:tr>
+              <a:tr h="495699">
+                <a:tc>
+                  <a:txBody>
+                    <a:bodyPr/>
+                    <a:lstStyle/>
+                    <a:p>
+                      <a:pPr algn="l" fontAlgn="b"/>
+                      <a:r>
+                        <a:rPr lang="en-US" sz="1800" b="0" i="0" u="none" strike="noStrike">
+                          <a:solidFill>
+                            <a:srgbClr val="000000"/>
+                          </a:solidFill>
+                          <a:effectLst/>
+                          <a:latin typeface="+mn-lt"/>
+                        </a:rPr>
+                        <a:t>F</a:t>
+                      </a:r>
+                    </a:p>
+                  </a:txBody>
+                  <a:tcPr marL="12700" marR="12700" marT="12700" marB="0" anchor="b"/>
+                </a:tc>
+                <a:tc>
+                  <a:txBody>
+                    <a:bodyPr/>
+                    <a:lstStyle/>
+                    <a:p>
+                      <a:pPr algn="l" fontAlgn="b"/>
+                      <a:r>
+                        <a:rPr lang="en-US" sz="1800" b="0" i="0" u="none" strike="noStrike">
+                          <a:solidFill>
+                            <a:srgbClr val="000000"/>
+                          </a:solidFill>
+                          <a:effectLst/>
+                          <a:latin typeface="+mn-lt"/>
+                        </a:rPr>
+                        <a:t>M</a:t>
+                      </a:r>
+                    </a:p>
+                  </a:txBody>
+                  <a:tcPr marL="12700" marR="12700" marT="12700" marB="0" anchor="b"/>
+                </a:tc>
+                <a:tc>
+                  <a:txBody>
+                    <a:bodyPr/>
+                    <a:lstStyle/>
+                    <a:p>
+                      <a:pPr algn="l" fontAlgn="b"/>
+                      <a:r>
+                        <a:rPr lang="en-US" sz="1800" b="0" i="0" u="none" strike="noStrike">
+                          <a:solidFill>
+                            <a:srgbClr val="000000"/>
+                          </a:solidFill>
+                          <a:effectLst/>
+                          <a:latin typeface="+mn-lt"/>
+                        </a:rPr>
+                        <a:t>F</a:t>
+                      </a:r>
+                    </a:p>
+                  </a:txBody>
+                  <a:tcPr marL="12700" marR="12700" marT="12700" marB="0" anchor="b"/>
+                </a:tc>
+                <a:tc>
+                  <a:txBody>
+                    <a:bodyPr/>
+                    <a:lstStyle/>
+                    <a:p>
+                      <a:pPr algn="r" fontAlgn="b"/>
+                      <a:r>
+                        <a:rPr lang="en-US" sz="1800" b="0" i="0" u="none" strike="noStrike" dirty="0" smtClean="0">
+                          <a:solidFill>
+                            <a:srgbClr val="000000"/>
+                          </a:solidFill>
+                          <a:effectLst/>
+                          <a:latin typeface="+mn-lt"/>
+                        </a:rPr>
+                        <a:t>1/2</a:t>
+                      </a:r>
+                      <a:endParaRPr lang="en-US" sz="1800" b="0" i="0" u="none" strike="noStrike" dirty="0">
+                        <a:solidFill>
+                          <a:srgbClr val="000000"/>
+                        </a:solidFill>
+                        <a:effectLst/>
+                        <a:latin typeface="+mn-lt"/>
+                      </a:endParaRPr>
+                    </a:p>
+                  </a:txBody>
+                  <a:tcPr marL="12700" marR="12700" marT="12700" marB="0" anchor="b"/>
+                </a:tc>
+                <a:tc>
+                  <a:txBody>
+                    <a:bodyPr/>
+                    <a:lstStyle/>
+                    <a:p>
+                      <a:pPr algn="r" fontAlgn="b"/>
+                      <a:r>
+                        <a:rPr lang="en-US" sz="1800" b="0" i="0" u="none" strike="noStrike">
+                          <a:solidFill>
+                            <a:srgbClr val="000000"/>
+                          </a:solidFill>
+                          <a:effectLst/>
+                          <a:latin typeface="+mn-lt"/>
+                        </a:rPr>
+                        <a:t>1</a:t>
+                      </a:r>
+                    </a:p>
+                  </a:txBody>
+                  <a:tcPr marL="12700" marR="12700" marT="12700" marB="0" anchor="b"/>
+                </a:tc>
+                <a:tc>
+                  <a:txBody>
+                    <a:bodyPr/>
+                    <a:lstStyle/>
+                    <a:p>
+                      <a:pPr algn="r" fontAlgn="b"/>
+                      <a:r>
+                        <a:rPr lang="en-US" sz="1800" b="0" i="0" u="none" strike="noStrike">
+                          <a:solidFill>
+                            <a:srgbClr val="000000"/>
+                          </a:solidFill>
+                          <a:effectLst/>
+                          <a:latin typeface="+mn-lt"/>
+                        </a:rPr>
+                        <a:t>1</a:t>
+                      </a:r>
+                    </a:p>
+                  </a:txBody>
+                  <a:tcPr marL="12700" marR="12700" marT="12700" marB="0" anchor="b"/>
+                </a:tc>
+                <a:tc>
+                  <a:txBody>
+                    <a:bodyPr/>
+                    <a:lstStyle/>
+                    <a:p>
+                      <a:pPr algn="r" fontAlgn="b"/>
+                      <a:r>
+                        <a:rPr lang="en-US" sz="1800" b="0" i="0" u="none" strike="noStrike">
+                          <a:solidFill>
+                            <a:srgbClr val="000000"/>
+                          </a:solidFill>
+                          <a:effectLst/>
+                          <a:latin typeface="+mn-lt"/>
+                        </a:rPr>
+                        <a:t>0</a:t>
+                      </a:r>
+                    </a:p>
+                  </a:txBody>
+                  <a:tcPr marL="12700" marR="12700" marT="12700" marB="0" anchor="b"/>
+                </a:tc>
+                <a:tc>
+                  <a:txBody>
+                    <a:bodyPr/>
+                    <a:lstStyle/>
+                    <a:p>
+                      <a:pPr algn="r" fontAlgn="b"/>
+                      <a:r>
+                        <a:rPr lang="en-US" sz="1800" b="0" i="0" u="none" strike="noStrike">
+                          <a:solidFill>
+                            <a:srgbClr val="000000"/>
+                          </a:solidFill>
+                          <a:effectLst/>
+                          <a:latin typeface="+mn-lt"/>
+                        </a:rPr>
+                        <a:t>0.00</a:t>
+                      </a:r>
+                    </a:p>
+                  </a:txBody>
+                  <a:tcPr marL="12700" marR="12700" marT="12700" marB="0" anchor="b"/>
+                </a:tc>
+                <a:tc>
+                  <a:txBody>
+                    <a:bodyPr/>
+                    <a:lstStyle/>
+                    <a:p>
+                      <a:pPr algn="r" fontAlgn="b"/>
+                      <a:r>
+                        <a:rPr lang="en-US" sz="1800" b="0" i="0" u="none" strike="noStrike">
+                          <a:solidFill>
+                            <a:srgbClr val="000000"/>
+                          </a:solidFill>
+                          <a:effectLst/>
+                          <a:latin typeface="+mn-lt"/>
+                        </a:rPr>
+                        <a:t>0.00</a:t>
+                      </a:r>
+                    </a:p>
+                  </a:txBody>
+                  <a:tcPr marL="12700" marR="12700" marT="12700" marB="0" anchor="b"/>
+                </a:tc>
+              </a:tr>
+              <a:tr h="495699">
+                <a:tc>
+                  <a:txBody>
+                    <a:bodyPr/>
+                    <a:lstStyle/>
+                    <a:p>
+                      <a:pPr algn="l" fontAlgn="b"/>
+                      <a:endParaRPr lang="en-US" sz="1800" b="0" i="0" u="none" strike="noStrike">
+                        <a:solidFill>
+                          <a:srgbClr val="000000"/>
+                        </a:solidFill>
+                        <a:effectLst/>
+                        <a:latin typeface="+mn-lt"/>
+                      </a:endParaRPr>
+                    </a:p>
+                  </a:txBody>
+                  <a:tcPr marL="12700" marR="12700" marT="12700" marB="0" anchor="b"/>
+                </a:tc>
+                <a:tc>
+                  <a:txBody>
+                    <a:bodyPr/>
+                    <a:lstStyle/>
+                    <a:p>
+                      <a:pPr algn="l" fontAlgn="b"/>
+                      <a:endParaRPr lang="en-US" sz="1800" b="0" i="0" u="none" strike="noStrike">
+                        <a:solidFill>
+                          <a:srgbClr val="000000"/>
+                        </a:solidFill>
+                        <a:effectLst/>
+                        <a:latin typeface="+mn-lt"/>
+                      </a:endParaRPr>
+                    </a:p>
+                  </a:txBody>
+                  <a:tcPr marL="12700" marR="12700" marT="12700" marB="0" anchor="b"/>
+                </a:tc>
+                <a:tc>
+                  <a:txBody>
+                    <a:bodyPr/>
+                    <a:lstStyle/>
+                    <a:p>
+                      <a:pPr algn="l" fontAlgn="b"/>
+                      <a:endParaRPr lang="en-US" sz="1800" b="0" i="0" u="none" strike="noStrike">
+                        <a:solidFill>
+                          <a:srgbClr val="000000"/>
+                        </a:solidFill>
+                        <a:effectLst/>
+                        <a:latin typeface="+mn-lt"/>
+                      </a:endParaRPr>
+                    </a:p>
+                  </a:txBody>
+                  <a:tcPr marL="12700" marR="12700" marT="12700" marB="0" anchor="b"/>
+                </a:tc>
+                <a:tc>
+                  <a:txBody>
+                    <a:bodyPr/>
+                    <a:lstStyle/>
+                    <a:p>
+                      <a:pPr algn="l" fontAlgn="b"/>
+                      <a:endParaRPr lang="en-US" sz="1800" b="0" i="0" u="none" strike="noStrike" dirty="0">
+                        <a:solidFill>
+                          <a:srgbClr val="000000"/>
+                        </a:solidFill>
+                        <a:effectLst/>
+                        <a:latin typeface="+mn-lt"/>
+                      </a:endParaRPr>
+                    </a:p>
+                  </a:txBody>
+                  <a:tcPr marL="12700" marR="12700" marT="12700" marB="0" anchor="b"/>
+                </a:tc>
+                <a:tc>
+                  <a:txBody>
+                    <a:bodyPr/>
+                    <a:lstStyle/>
+                    <a:p>
+                      <a:pPr algn="l" fontAlgn="b"/>
+                      <a:endParaRPr lang="en-US" sz="1800" b="0" i="0" u="none" strike="noStrike">
+                        <a:solidFill>
+                          <a:srgbClr val="000000"/>
+                        </a:solidFill>
+                        <a:effectLst/>
+                        <a:latin typeface="+mn-lt"/>
+                      </a:endParaRPr>
+                    </a:p>
+                  </a:txBody>
+                  <a:tcPr marL="12700" marR="12700" marT="12700" marB="0" anchor="b"/>
+                </a:tc>
+                <a:tc>
+                  <a:txBody>
+                    <a:bodyPr/>
+                    <a:lstStyle/>
+                    <a:p>
+                      <a:pPr algn="l" fontAlgn="b"/>
+                      <a:endParaRPr lang="en-US" sz="1800" b="0" i="0" u="none" strike="noStrike">
+                        <a:solidFill>
+                          <a:srgbClr val="000000"/>
+                        </a:solidFill>
+                        <a:effectLst/>
+                        <a:latin typeface="+mn-lt"/>
+                      </a:endParaRPr>
+                    </a:p>
+                  </a:txBody>
+                  <a:tcPr marL="12700" marR="12700" marT="12700" marB="0" anchor="b"/>
+                </a:tc>
+                <a:tc>
+                  <a:txBody>
+                    <a:bodyPr/>
+                    <a:lstStyle/>
+                    <a:p>
+                      <a:pPr algn="l" fontAlgn="b"/>
+                      <a:endParaRPr lang="en-US" sz="1800" b="0" i="0" u="none" strike="noStrike">
+                        <a:solidFill>
+                          <a:srgbClr val="000000"/>
+                        </a:solidFill>
+                        <a:effectLst/>
+                        <a:latin typeface="+mn-lt"/>
+                      </a:endParaRPr>
+                    </a:p>
+                  </a:txBody>
+                  <a:tcPr marL="12700" marR="12700" marT="12700" marB="0" anchor="b"/>
+                </a:tc>
+                <a:tc>
+                  <a:txBody>
+                    <a:bodyPr/>
+                    <a:lstStyle/>
+                    <a:p>
+                      <a:pPr algn="l" fontAlgn="b"/>
+                      <a:r>
+                        <a:rPr lang="en-US" sz="1800" b="0" i="0" u="none" strike="noStrike">
+                          <a:solidFill>
+                            <a:srgbClr val="000000"/>
+                          </a:solidFill>
+                          <a:effectLst/>
+                          <a:latin typeface="+mn-lt"/>
+                        </a:rPr>
+                        <a:t>total</a:t>
+                      </a:r>
+                    </a:p>
+                  </a:txBody>
+                  <a:tcPr marL="12700" marR="12700" marT="12700" marB="0" anchor="b"/>
+                </a:tc>
+                <a:tc>
+                  <a:txBody>
+                    <a:bodyPr/>
+                    <a:lstStyle/>
+                    <a:p>
+                      <a:pPr algn="r" fontAlgn="b"/>
+                      <a:r>
+                        <a:rPr lang="en-US" sz="1800" b="0" i="0" u="none" strike="noStrike" dirty="0">
+                          <a:solidFill>
+                            <a:srgbClr val="000000"/>
+                          </a:solidFill>
+                          <a:effectLst/>
+                          <a:latin typeface="+mn-lt"/>
+                        </a:rPr>
+                        <a:t>0.35</a:t>
+                      </a:r>
+                    </a:p>
+                  </a:txBody>
+                  <a:tcPr marL="12700" marR="12700" marT="12700" marB="0" anchor="b"/>
+                </a:tc>
+              </a:tr>
+            </a:tbl>
+          </a:graphicData>
+        </a:graphic>
+      </p:graphicFrame>
+      <p:sp>
+        <p:nvSpPr>
+          <p:cNvPr id="8" name="TextBox 7"/>
+          <p:cNvSpPr txBox="1"/>
+          <p:nvPr/>
+        </p:nvSpPr>
+        <p:spPr>
+          <a:xfrm>
+            <a:off x="411728" y="5199313"/>
+            <a:ext cx="7869132" cy="1200328"/>
+          </a:xfrm>
+          <a:prstGeom prst="rect">
+            <a:avLst/>
+          </a:prstGeom>
+          <a:noFill/>
+        </p:spPr>
+        <p:txBody>
+          <a:bodyPr wrap="square" rtlCol="0">
+            <a:spAutoFit/>
+          </a:bodyPr>
+          <a:lstStyle/>
+          <a:p>
+            <a:pPr marL="342900" indent="-342900">
+              <a:buFont typeface="Arial"/>
+              <a:buChar char="•"/>
+            </a:pPr>
+            <a:r>
+              <a:rPr lang="en-US" sz="2400" dirty="0" smtClean="0">
+                <a:latin typeface="+mn-lt"/>
+              </a:rPr>
+              <a:t>total KLD = 0.69 + 0.35 = 1.04</a:t>
+            </a:r>
+          </a:p>
+          <a:p>
+            <a:pPr marL="342900" indent="-342900">
+              <a:buFont typeface="Arial"/>
+              <a:buChar char="•"/>
+            </a:pPr>
+            <a:r>
+              <a:rPr lang="en-US" sz="2400" dirty="0" smtClean="0">
+                <a:latin typeface="+mn-lt"/>
+              </a:rPr>
+              <a:t>KLD for Drama(M) = 0</a:t>
+            </a:r>
+          </a:p>
+          <a:p>
+            <a:pPr marL="342900" indent="-342900">
+              <a:buFont typeface="Arial"/>
+              <a:buChar char="•"/>
+            </a:pPr>
+            <a:r>
+              <a:rPr lang="en-US" sz="2400" dirty="0" smtClean="0">
+                <a:latin typeface="+mn-lt"/>
+              </a:rPr>
+              <a:t>omitted rows with individual probability = 0 </a:t>
+            </a:r>
+          </a:p>
+        </p:txBody>
+      </p:sp>
+    </p:spTree>
+    <p:extLst>
+      <p:ext uri="{BB962C8B-B14F-4D97-AF65-F5344CB8AC3E}">
+        <p14:creationId xmlns:p14="http://schemas.microsoft.com/office/powerpoint/2010/main" val="358893236"/>
+      </p:ext>
+    </p:extLst>
+  </p:cSld>
+  <p:clrMapOvr>
+    <a:masterClrMapping/>
+  </p:clrMapOvr>
+</p:sld>
+</file>
+
 <file path=ppt/slides/slide17.xml><?xml version="1.0" encoding="utf-8"?>
 <p:sld xmlns:a="http://schemas.openxmlformats.org/drawingml/2006/main" xmlns:r="http://schemas.openxmlformats.org/officeDocument/2006/relationships" xmlns:p="http://schemas.openxmlformats.org/presentationml/2006/main">
   <p:cSld>
@@ -10639,7 +11573,11 @@
           <a:p>
             <a:r>
               <a:rPr lang="en-US" dirty="0" smtClean="0"/>
-              <a:t>Brad Pitt Example</a:t>
+              <a:t>Mutual </a:t>
+            </a:r>
+            <a:r>
+              <a:rPr lang="en-US" smtClean="0"/>
+              <a:t>Information Decomposition</a:t>
             </a:r>
             <a:endParaRPr lang="en-US" dirty="0"/>
           </a:p>
@@ -10664,1230 +11602,10 @@
               <a:defRPr/>
             </a:pPr>
             <a:r>
-              <a:rPr lang="en-US" smtClean="0"/>
-              <a:t>Presentation Title At Venue</a:t>
-            </a:r>
-            <a:endParaRPr lang="en-US"/>
-          </a:p>
-        </p:txBody>
-      </p:sp>
-      <p:graphicFrame>
-        <p:nvGraphicFramePr>
-          <p:cNvPr id="6" name="Content Placeholder 5"/>
-          <p:cNvGraphicFramePr>
-            <a:graphicFrameLocks noGrp="1"/>
-          </p:cNvGraphicFramePr>
-          <p:nvPr>
-            <p:ph sz="quarter" idx="1"/>
-            <p:extLst>
-              <p:ext uri="{D42A27DB-BD31-4B8C-83A1-F6EECF244321}">
-                <p14:modId xmlns:p14="http://schemas.microsoft.com/office/powerpoint/2010/main" val="3604527329"/>
-              </p:ext>
-            </p:extLst>
-          </p:nvPr>
-        </p:nvGraphicFramePr>
-        <p:xfrm>
-          <a:off x="411728" y="1633017"/>
-          <a:ext cx="7772401" cy="741680"/>
-        </p:xfrm>
-        <a:graphic>
-          <a:graphicData uri="http://schemas.openxmlformats.org/drawingml/2006/table">
-            <a:tbl>
-              <a:tblPr firstRow="1" bandRow="1">
-                <a:tableStyleId>{5C22544A-7EE6-4342-B048-85BDC9FD1C3A}</a:tableStyleId>
-              </a:tblPr>
-              <a:tblGrid>
-                <a:gridCol w="1110343"/>
-                <a:gridCol w="1110343"/>
-                <a:gridCol w="1110343"/>
-                <a:gridCol w="1110343"/>
-                <a:gridCol w="1110343"/>
-                <a:gridCol w="1110343"/>
-                <a:gridCol w="1110343"/>
-              </a:tblGrid>
-              <a:tr h="370840">
-                <a:tc>
-                  <a:txBody>
-                    <a:bodyPr/>
-                    <a:lstStyle/>
-                    <a:p>
-                      <a:pPr algn="l" fontAlgn="b"/>
-                      <a:r>
-                        <a:rPr lang="en-US" sz="1200" b="0" i="0" u="none" strike="noStrike" dirty="0">
-                          <a:solidFill>
-                            <a:srgbClr val="000000"/>
-                          </a:solidFill>
-                          <a:effectLst/>
-                          <a:latin typeface="Calibri"/>
-                        </a:rPr>
-                        <a:t>gender(A)</a:t>
-                      </a:r>
-                    </a:p>
-                  </a:txBody>
-                  <a:tcPr marL="12700" marR="12700" marT="12700" marB="0" anchor="b"/>
-                </a:tc>
-                <a:tc>
-                  <a:txBody>
-                    <a:bodyPr/>
-                    <a:lstStyle/>
-                    <a:p>
-                      <a:pPr algn="l" fontAlgn="b"/>
-                      <a:r>
-                        <a:rPr lang="en-US" sz="1200" b="0" i="0" u="none" strike="noStrike">
-                          <a:solidFill>
-                            <a:srgbClr val="000000"/>
-                          </a:solidFill>
-                          <a:effectLst/>
-                          <a:latin typeface="Calibri"/>
-                        </a:rPr>
-                        <a:t>individual joint</a:t>
-                      </a:r>
-                    </a:p>
-                  </a:txBody>
-                  <a:tcPr marL="12700" marR="12700" marT="12700" marB="0" anchor="b"/>
-                </a:tc>
-                <a:tc>
-                  <a:txBody>
-                    <a:bodyPr/>
-                    <a:lstStyle/>
-                    <a:p>
-                      <a:pPr algn="l" fontAlgn="b"/>
-                      <a:r>
-                        <a:rPr lang="en-US" sz="1200" b="0" i="0" u="none" strike="noStrike">
-                          <a:solidFill>
-                            <a:srgbClr val="000000"/>
-                          </a:solidFill>
-                          <a:effectLst/>
-                          <a:latin typeface="Calibri"/>
-                        </a:rPr>
-                        <a:t>individual cond</a:t>
-                      </a:r>
-                    </a:p>
-                  </a:txBody>
-                  <a:tcPr marL="12700" marR="12700" marT="12700" marB="0" anchor="b"/>
-                </a:tc>
-                <a:tc>
-                  <a:txBody>
-                    <a:bodyPr/>
-                    <a:lstStyle/>
-                    <a:p>
-                      <a:pPr algn="l" fontAlgn="b"/>
-                      <a:r>
-                        <a:rPr lang="en-US" sz="1200" b="0" i="0" u="none" strike="noStrike">
-                          <a:solidFill>
-                            <a:srgbClr val="000000"/>
-                          </a:solidFill>
-                          <a:effectLst/>
-                          <a:latin typeface="Calibri"/>
-                        </a:rPr>
-                        <a:t>class cond</a:t>
-                      </a:r>
-                    </a:p>
-                  </a:txBody>
-                  <a:tcPr marL="12700" marR="12700" marT="12700" marB="0" anchor="b"/>
-                </a:tc>
-                <a:tc>
-                  <a:txBody>
-                    <a:bodyPr/>
-                    <a:lstStyle/>
-                    <a:p>
-                      <a:pPr algn="l" fontAlgn="b"/>
-                      <a:r>
-                        <a:rPr lang="en-US" sz="1200" b="0" i="0" u="none" strike="noStrike">
-                          <a:solidFill>
-                            <a:srgbClr val="000000"/>
-                          </a:solidFill>
-                          <a:effectLst/>
-                          <a:latin typeface="Calibri"/>
-                        </a:rPr>
-                        <a:t>ln(ind.cond.)</a:t>
-                      </a:r>
-                    </a:p>
-                  </a:txBody>
-                  <a:tcPr marL="12700" marR="12700" marT="12700" marB="0" anchor="b"/>
-                </a:tc>
-                <a:tc>
-                  <a:txBody>
-                    <a:bodyPr/>
-                    <a:lstStyle/>
-                    <a:p>
-                      <a:pPr algn="l" fontAlgn="b"/>
-                      <a:r>
-                        <a:rPr lang="en-US" sz="1200" b="0" i="0" u="none" strike="noStrike">
-                          <a:solidFill>
-                            <a:srgbClr val="000000"/>
-                          </a:solidFill>
-                          <a:effectLst/>
-                          <a:latin typeface="Calibri"/>
-                        </a:rPr>
-                        <a:t>ln(class cond.)</a:t>
-                      </a:r>
-                    </a:p>
-                  </a:txBody>
-                  <a:tcPr marL="12700" marR="12700" marT="12700" marB="0" anchor="b"/>
-                </a:tc>
-                <a:tc>
-                  <a:txBody>
-                    <a:bodyPr/>
-                    <a:lstStyle/>
-                    <a:p>
-                      <a:pPr algn="l" fontAlgn="b"/>
-                      <a:r>
-                        <a:rPr lang="en-US" sz="1200" b="0" i="0" u="none" strike="noStrike">
-                          <a:solidFill>
-                            <a:srgbClr val="000000"/>
-                          </a:solidFill>
-                          <a:effectLst/>
-                          <a:latin typeface="Calibri"/>
-                        </a:rPr>
-                        <a:t>KLD</a:t>
-                      </a:r>
-                    </a:p>
-                  </a:txBody>
-                  <a:tcPr marL="12700" marR="12700" marT="12700" marB="0" anchor="b"/>
-                </a:tc>
-              </a:tr>
-              <a:tr h="370840">
-                <a:tc>
-                  <a:txBody>
-                    <a:bodyPr/>
-                    <a:lstStyle/>
-                    <a:p>
-                      <a:pPr algn="l" fontAlgn="b"/>
-                      <a:r>
-                        <a:rPr lang="en-US" sz="1200" b="0" i="0" u="none" strike="noStrike">
-                          <a:solidFill>
-                            <a:srgbClr val="000000"/>
-                          </a:solidFill>
-                          <a:effectLst/>
-                          <a:latin typeface="Calibri"/>
-                        </a:rPr>
-                        <a:t>M</a:t>
-                      </a:r>
-                    </a:p>
-                  </a:txBody>
-                  <a:tcPr marL="12700" marR="12700" marT="12700" marB="0" anchor="b"/>
-                </a:tc>
-                <a:tc>
-                  <a:txBody>
-                    <a:bodyPr/>
-                    <a:lstStyle/>
-                    <a:p>
-                      <a:pPr algn="r" fontAlgn="b"/>
-                      <a:r>
-                        <a:rPr lang="en-US" sz="1200" b="0" i="0" u="none" strike="noStrike">
-                          <a:solidFill>
-                            <a:srgbClr val="000000"/>
-                          </a:solidFill>
-                          <a:effectLst/>
-                          <a:latin typeface="Calibri"/>
-                        </a:rPr>
-                        <a:t>1</a:t>
-                      </a:r>
-                    </a:p>
-                  </a:txBody>
-                  <a:tcPr marL="12700" marR="12700" marT="12700" marB="0" anchor="b"/>
-                </a:tc>
-                <a:tc>
-                  <a:txBody>
-                    <a:bodyPr/>
-                    <a:lstStyle/>
-                    <a:p>
-                      <a:pPr algn="r" fontAlgn="b"/>
-                      <a:r>
-                        <a:rPr lang="en-US" sz="1200" b="0" i="0" u="none" strike="noStrike">
-                          <a:solidFill>
-                            <a:srgbClr val="000000"/>
-                          </a:solidFill>
-                          <a:effectLst/>
-                          <a:latin typeface="Calibri"/>
-                        </a:rPr>
-                        <a:t>1</a:t>
-                      </a:r>
-                    </a:p>
-                  </a:txBody>
-                  <a:tcPr marL="12700" marR="12700" marT="12700" marB="0" anchor="b"/>
-                </a:tc>
-                <a:tc>
-                  <a:txBody>
-                    <a:bodyPr/>
-                    <a:lstStyle/>
-                    <a:p>
-                      <a:pPr algn="r" fontAlgn="b"/>
-                      <a:r>
-                        <a:rPr lang="en-US" sz="1200" b="0" i="0" u="none" strike="noStrike">
-                          <a:solidFill>
-                            <a:srgbClr val="000000"/>
-                          </a:solidFill>
-                          <a:effectLst/>
-                          <a:latin typeface="Calibri"/>
-                        </a:rPr>
-                        <a:t>0.5</a:t>
-                      </a:r>
-                    </a:p>
-                  </a:txBody>
-                  <a:tcPr marL="12700" marR="12700" marT="12700" marB="0" anchor="b"/>
-                </a:tc>
-                <a:tc>
-                  <a:txBody>
-                    <a:bodyPr/>
-                    <a:lstStyle/>
-                    <a:p>
-                      <a:pPr algn="r" fontAlgn="b"/>
-                      <a:r>
-                        <a:rPr lang="en-US" sz="1200" b="0" i="0" u="none" strike="noStrike">
-                          <a:solidFill>
-                            <a:srgbClr val="000000"/>
-                          </a:solidFill>
-                          <a:effectLst/>
-                          <a:latin typeface="Calibri"/>
-                        </a:rPr>
-                        <a:t>0</a:t>
-                      </a:r>
-                    </a:p>
-                  </a:txBody>
-                  <a:tcPr marL="12700" marR="12700" marT="12700" marB="0" anchor="b"/>
-                </a:tc>
-                <a:tc>
-                  <a:txBody>
-                    <a:bodyPr/>
-                    <a:lstStyle/>
-                    <a:p>
-                      <a:pPr algn="r" fontAlgn="b"/>
-                      <a:r>
-                        <a:rPr lang="en-US" sz="1200" b="0" i="0" u="none" strike="noStrike">
-                          <a:solidFill>
-                            <a:srgbClr val="000000"/>
-                          </a:solidFill>
-                          <a:effectLst/>
-                          <a:latin typeface="Calibri"/>
-                        </a:rPr>
-                        <a:t>-0.69</a:t>
-                      </a:r>
-                    </a:p>
-                  </a:txBody>
-                  <a:tcPr marL="12700" marR="12700" marT="12700" marB="0" anchor="b"/>
-                </a:tc>
-                <a:tc>
-                  <a:txBody>
-                    <a:bodyPr/>
-                    <a:lstStyle/>
-                    <a:p>
-                      <a:pPr algn="r" fontAlgn="b"/>
-                      <a:r>
-                        <a:rPr lang="en-US" sz="1200" b="0" i="0" u="none" strike="noStrike" dirty="0">
-                          <a:solidFill>
-                            <a:srgbClr val="000000"/>
-                          </a:solidFill>
-                          <a:effectLst/>
-                          <a:latin typeface="Calibri"/>
-                        </a:rPr>
-                        <a:t>0.69</a:t>
-                      </a:r>
-                    </a:p>
-                  </a:txBody>
-                  <a:tcPr marL="12700" marR="12700" marT="12700" marB="0" anchor="b"/>
-                </a:tc>
-              </a:tr>
-            </a:tbl>
-          </a:graphicData>
-        </a:graphic>
-      </p:graphicFrame>
-      <p:graphicFrame>
-        <p:nvGraphicFramePr>
-          <p:cNvPr id="7" name="Table 6"/>
-          <p:cNvGraphicFramePr>
-            <a:graphicFrameLocks noGrp="1"/>
-          </p:cNvGraphicFramePr>
-          <p:nvPr>
-            <p:extLst>
-              <p:ext uri="{D42A27DB-BD31-4B8C-83A1-F6EECF244321}">
-                <p14:modId xmlns:p14="http://schemas.microsoft.com/office/powerpoint/2010/main" val="3476725142"/>
-              </p:ext>
-            </p:extLst>
-          </p:nvPr>
-        </p:nvGraphicFramePr>
-        <p:xfrm>
-          <a:off x="411728" y="2891967"/>
-          <a:ext cx="7869132" cy="1982796"/>
-        </p:xfrm>
-        <a:graphic>
-          <a:graphicData uri="http://schemas.openxmlformats.org/drawingml/2006/table">
-            <a:tbl>
-              <a:tblPr firstRow="1" bandRow="1">
-                <a:tableStyleId>{5C22544A-7EE6-4342-B048-85BDC9FD1C3A}</a:tableStyleId>
-              </a:tblPr>
-              <a:tblGrid>
-                <a:gridCol w="874348"/>
-                <a:gridCol w="874348"/>
-                <a:gridCol w="874348"/>
-                <a:gridCol w="874348"/>
-                <a:gridCol w="874348"/>
-                <a:gridCol w="874348"/>
-                <a:gridCol w="874348"/>
-                <a:gridCol w="874348"/>
-                <a:gridCol w="874348"/>
-              </a:tblGrid>
-              <a:tr h="495699">
-                <a:tc>
-                  <a:txBody>
-                    <a:bodyPr/>
-                    <a:lstStyle/>
-                    <a:p>
-                      <a:pPr algn="l" fontAlgn="b"/>
-                      <a:r>
-                        <a:rPr lang="en-US" sz="1200" b="0" i="0" u="none" strike="noStrike" dirty="0" err="1">
-                          <a:solidFill>
-                            <a:srgbClr val="000000"/>
-                          </a:solidFill>
-                          <a:effectLst/>
-                          <a:latin typeface="Calibri"/>
-                        </a:rPr>
-                        <a:t>ActsIn</a:t>
-                      </a:r>
-                      <a:r>
-                        <a:rPr lang="en-US" sz="1200" b="0" i="0" u="none" strike="noStrike" dirty="0">
-                          <a:solidFill>
-                            <a:srgbClr val="000000"/>
-                          </a:solidFill>
-                          <a:effectLst/>
-                          <a:latin typeface="Calibri"/>
-                        </a:rPr>
-                        <a:t>(A,M)</a:t>
-                      </a:r>
-                    </a:p>
-                  </a:txBody>
-                  <a:tcPr marL="12700" marR="12700" marT="12700" marB="0" anchor="b"/>
-                </a:tc>
-                <a:tc>
-                  <a:txBody>
-                    <a:bodyPr/>
-                    <a:lstStyle/>
-                    <a:p>
-                      <a:pPr algn="l" fontAlgn="b"/>
-                      <a:r>
-                        <a:rPr lang="en-US" sz="1200" b="0" i="0" u="none" strike="noStrike">
-                          <a:solidFill>
-                            <a:srgbClr val="000000"/>
-                          </a:solidFill>
-                          <a:effectLst/>
-                          <a:latin typeface="Calibri"/>
-                        </a:rPr>
-                        <a:t>gender(A)</a:t>
-                      </a:r>
-                    </a:p>
-                  </a:txBody>
-                  <a:tcPr marL="12700" marR="12700" marT="12700" marB="0" anchor="b"/>
-                </a:tc>
-                <a:tc>
-                  <a:txBody>
-                    <a:bodyPr/>
-                    <a:lstStyle/>
-                    <a:p>
-                      <a:pPr algn="l" fontAlgn="b"/>
-                      <a:r>
-                        <a:rPr lang="en-US" sz="1200" b="0" i="0" u="none" strike="noStrike">
-                          <a:solidFill>
-                            <a:srgbClr val="000000"/>
-                          </a:solidFill>
-                          <a:effectLst/>
-                          <a:latin typeface="Calibri"/>
-                        </a:rPr>
-                        <a:t>Drama(M)</a:t>
-                      </a:r>
-                    </a:p>
-                  </a:txBody>
-                  <a:tcPr marL="12700" marR="12700" marT="12700" marB="0" anchor="b"/>
-                </a:tc>
-                <a:tc>
-                  <a:txBody>
-                    <a:bodyPr/>
-                    <a:lstStyle/>
-                    <a:p>
-                      <a:pPr algn="l" fontAlgn="b"/>
-                      <a:r>
-                        <a:rPr lang="en-US" sz="1200" b="0" i="0" u="none" strike="noStrike">
-                          <a:solidFill>
-                            <a:srgbClr val="000000"/>
-                          </a:solidFill>
-                          <a:effectLst/>
-                          <a:latin typeface="Calibri"/>
-                        </a:rPr>
-                        <a:t>individual joint</a:t>
-                      </a:r>
-                    </a:p>
-                  </a:txBody>
-                  <a:tcPr marL="12700" marR="12700" marT="12700" marB="0" anchor="b"/>
-                </a:tc>
-                <a:tc>
-                  <a:txBody>
-                    <a:bodyPr/>
-                    <a:lstStyle/>
-                    <a:p>
-                      <a:pPr algn="l" fontAlgn="b"/>
-                      <a:r>
-                        <a:rPr lang="en-US" sz="1200" b="0" i="0" u="none" strike="noStrike">
-                          <a:solidFill>
-                            <a:srgbClr val="000000"/>
-                          </a:solidFill>
-                          <a:effectLst/>
-                          <a:latin typeface="Calibri"/>
-                        </a:rPr>
-                        <a:t>individual cond</a:t>
-                      </a:r>
-                    </a:p>
-                  </a:txBody>
-                  <a:tcPr marL="12700" marR="12700" marT="12700" marB="0" anchor="b"/>
-                </a:tc>
-                <a:tc>
-                  <a:txBody>
-                    <a:bodyPr/>
-                    <a:lstStyle/>
-                    <a:p>
-                      <a:pPr algn="l" fontAlgn="b"/>
-                      <a:r>
-                        <a:rPr lang="en-US" sz="1200" b="0" i="0" u="none" strike="noStrike">
-                          <a:solidFill>
-                            <a:srgbClr val="000000"/>
-                          </a:solidFill>
-                          <a:effectLst/>
-                          <a:latin typeface="Calibri"/>
-                        </a:rPr>
-                        <a:t>class cond</a:t>
-                      </a:r>
-                    </a:p>
-                  </a:txBody>
-                  <a:tcPr marL="12700" marR="12700" marT="12700" marB="0" anchor="b"/>
-                </a:tc>
-                <a:tc>
-                  <a:txBody>
-                    <a:bodyPr/>
-                    <a:lstStyle/>
-                    <a:p>
-                      <a:pPr algn="l" fontAlgn="b"/>
-                      <a:r>
-                        <a:rPr lang="en-US" sz="1200" b="0" i="0" u="none" strike="noStrike">
-                          <a:solidFill>
-                            <a:srgbClr val="000000"/>
-                          </a:solidFill>
-                          <a:effectLst/>
-                          <a:latin typeface="Calibri"/>
-                        </a:rPr>
-                        <a:t>ln(ind.cond.)</a:t>
-                      </a:r>
-                    </a:p>
-                  </a:txBody>
-                  <a:tcPr marL="12700" marR="12700" marT="12700" marB="0" anchor="b"/>
-                </a:tc>
-                <a:tc>
-                  <a:txBody>
-                    <a:bodyPr/>
-                    <a:lstStyle/>
-                    <a:p>
-                      <a:pPr algn="l" fontAlgn="b"/>
-                      <a:r>
-                        <a:rPr lang="en-US" sz="1200" b="0" i="0" u="none" strike="noStrike">
-                          <a:solidFill>
-                            <a:srgbClr val="000000"/>
-                          </a:solidFill>
-                          <a:effectLst/>
-                          <a:latin typeface="Calibri"/>
-                        </a:rPr>
-                        <a:t>ln(class cond.)</a:t>
-                      </a:r>
-                    </a:p>
-                  </a:txBody>
-                  <a:tcPr marL="12700" marR="12700" marT="12700" marB="0" anchor="b"/>
-                </a:tc>
-                <a:tc>
-                  <a:txBody>
-                    <a:bodyPr/>
-                    <a:lstStyle/>
-                    <a:p>
-                      <a:pPr algn="l" fontAlgn="b"/>
-                      <a:r>
-                        <a:rPr lang="en-US" sz="1200" b="0" i="0" u="none" strike="noStrike">
-                          <a:solidFill>
-                            <a:srgbClr val="000000"/>
-                          </a:solidFill>
-                          <a:effectLst/>
-                          <a:latin typeface="Calibri"/>
-                        </a:rPr>
-                        <a:t>KLD</a:t>
-                      </a:r>
-                    </a:p>
-                  </a:txBody>
-                  <a:tcPr marL="12700" marR="12700" marT="12700" marB="0" anchor="b"/>
-                </a:tc>
-              </a:tr>
-              <a:tr h="495699">
-                <a:tc>
-                  <a:txBody>
-                    <a:bodyPr/>
-                    <a:lstStyle/>
-                    <a:p>
-                      <a:pPr algn="l" fontAlgn="b"/>
-                      <a:r>
-                        <a:rPr lang="en-US" sz="1200" b="0" i="0" u="none" strike="noStrike">
-                          <a:solidFill>
-                            <a:srgbClr val="000000"/>
-                          </a:solidFill>
-                          <a:effectLst/>
-                          <a:latin typeface="Calibri"/>
-                        </a:rPr>
-                        <a:t>F</a:t>
-                      </a:r>
-                    </a:p>
-                  </a:txBody>
-                  <a:tcPr marL="12700" marR="12700" marT="12700" marB="0" anchor="b"/>
-                </a:tc>
-                <a:tc>
-                  <a:txBody>
-                    <a:bodyPr/>
-                    <a:lstStyle/>
-                    <a:p>
-                      <a:pPr algn="l" fontAlgn="b"/>
-                      <a:r>
-                        <a:rPr lang="en-US" sz="1200" b="0" i="0" u="none" strike="noStrike">
-                          <a:solidFill>
-                            <a:srgbClr val="000000"/>
-                          </a:solidFill>
-                          <a:effectLst/>
-                          <a:latin typeface="Calibri"/>
-                        </a:rPr>
-                        <a:t>M</a:t>
-                      </a:r>
-                    </a:p>
-                  </a:txBody>
-                  <a:tcPr marL="12700" marR="12700" marT="12700" marB="0" anchor="b"/>
-                </a:tc>
-                <a:tc>
-                  <a:txBody>
-                    <a:bodyPr/>
-                    <a:lstStyle/>
-                    <a:p>
-                      <a:pPr algn="l" fontAlgn="b"/>
-                      <a:r>
-                        <a:rPr lang="en-US" sz="1200" b="0" i="0" u="none" strike="noStrike">
-                          <a:solidFill>
-                            <a:srgbClr val="000000"/>
-                          </a:solidFill>
-                          <a:effectLst/>
-                          <a:latin typeface="Calibri"/>
-                        </a:rPr>
-                        <a:t>T</a:t>
-                      </a:r>
-                    </a:p>
-                  </a:txBody>
-                  <a:tcPr marL="12700" marR="12700" marT="12700" marB="0" anchor="b"/>
-                </a:tc>
-                <a:tc>
-                  <a:txBody>
-                    <a:bodyPr/>
-                    <a:lstStyle/>
-                    <a:p>
-                      <a:pPr algn="r" fontAlgn="b"/>
-                      <a:r>
-                        <a:rPr lang="en-US" sz="1200" b="0" i="0" u="none" strike="noStrike">
-                          <a:solidFill>
-                            <a:srgbClr val="000000"/>
-                          </a:solidFill>
-                          <a:effectLst/>
-                          <a:latin typeface="Calibri"/>
-                        </a:rPr>
-                        <a:t> 1/2</a:t>
-                      </a:r>
-                    </a:p>
-                  </a:txBody>
-                  <a:tcPr marL="12700" marR="12700" marT="12700" marB="0" anchor="b"/>
-                </a:tc>
-                <a:tc>
-                  <a:txBody>
-                    <a:bodyPr/>
-                    <a:lstStyle/>
-                    <a:p>
-                      <a:pPr algn="r" fontAlgn="b"/>
-                      <a:r>
-                        <a:rPr lang="en-US" sz="1200" b="0" i="0" u="none" strike="noStrike">
-                          <a:solidFill>
-                            <a:srgbClr val="000000"/>
-                          </a:solidFill>
-                          <a:effectLst/>
-                          <a:latin typeface="Calibri"/>
-                        </a:rPr>
-                        <a:t>1</a:t>
-                      </a:r>
-                    </a:p>
-                  </a:txBody>
-                  <a:tcPr marL="12700" marR="12700" marT="12700" marB="0" anchor="b"/>
-                </a:tc>
-                <a:tc>
-                  <a:txBody>
-                    <a:bodyPr/>
-                    <a:lstStyle/>
-                    <a:p>
-                      <a:pPr algn="r" fontAlgn="b"/>
-                      <a:r>
-                        <a:rPr lang="en-US" sz="1200" b="0" i="0" u="none" strike="noStrike">
-                          <a:solidFill>
-                            <a:srgbClr val="000000"/>
-                          </a:solidFill>
-                          <a:effectLst/>
-                          <a:latin typeface="Calibri"/>
-                        </a:rPr>
-                        <a:t>0.5</a:t>
-                      </a:r>
-                    </a:p>
-                  </a:txBody>
-                  <a:tcPr marL="12700" marR="12700" marT="12700" marB="0" anchor="b"/>
-                </a:tc>
-                <a:tc>
-                  <a:txBody>
-                    <a:bodyPr/>
-                    <a:lstStyle/>
-                    <a:p>
-                      <a:pPr algn="r" fontAlgn="b"/>
-                      <a:r>
-                        <a:rPr lang="en-US" sz="1200" b="0" i="0" u="none" strike="noStrike">
-                          <a:solidFill>
-                            <a:srgbClr val="000000"/>
-                          </a:solidFill>
-                          <a:effectLst/>
-                          <a:latin typeface="Calibri"/>
-                        </a:rPr>
-                        <a:t>0</a:t>
-                      </a:r>
-                    </a:p>
-                  </a:txBody>
-                  <a:tcPr marL="12700" marR="12700" marT="12700" marB="0" anchor="b"/>
-                </a:tc>
-                <a:tc>
-                  <a:txBody>
-                    <a:bodyPr/>
-                    <a:lstStyle/>
-                    <a:p>
-                      <a:pPr algn="r" fontAlgn="b"/>
-                      <a:r>
-                        <a:rPr lang="en-US" sz="1200" b="0" i="0" u="none" strike="noStrike">
-                          <a:solidFill>
-                            <a:srgbClr val="000000"/>
-                          </a:solidFill>
-                          <a:effectLst/>
-                          <a:latin typeface="Calibri"/>
-                        </a:rPr>
-                        <a:t>-0.69</a:t>
-                      </a:r>
-                    </a:p>
-                  </a:txBody>
-                  <a:tcPr marL="12700" marR="12700" marT="12700" marB="0" anchor="b"/>
-                </a:tc>
-                <a:tc>
-                  <a:txBody>
-                    <a:bodyPr/>
-                    <a:lstStyle/>
-                    <a:p>
-                      <a:pPr algn="r" fontAlgn="b"/>
-                      <a:r>
-                        <a:rPr lang="en-US" sz="1200" b="0" i="0" u="none" strike="noStrike">
-                          <a:solidFill>
-                            <a:srgbClr val="000000"/>
-                          </a:solidFill>
-                          <a:effectLst/>
-                          <a:latin typeface="Calibri"/>
-                        </a:rPr>
-                        <a:t>0.35</a:t>
-                      </a:r>
-                    </a:p>
-                  </a:txBody>
-                  <a:tcPr marL="12700" marR="12700" marT="12700" marB="0" anchor="b"/>
-                </a:tc>
-              </a:tr>
-              <a:tr h="495699">
-                <a:tc>
-                  <a:txBody>
-                    <a:bodyPr/>
-                    <a:lstStyle/>
-                    <a:p>
-                      <a:pPr algn="l" fontAlgn="b"/>
-                      <a:r>
-                        <a:rPr lang="en-US" sz="1200" b="0" i="0" u="none" strike="noStrike">
-                          <a:solidFill>
-                            <a:srgbClr val="000000"/>
-                          </a:solidFill>
-                          <a:effectLst/>
-                          <a:latin typeface="Calibri"/>
-                        </a:rPr>
-                        <a:t>F</a:t>
-                      </a:r>
-                    </a:p>
-                  </a:txBody>
-                  <a:tcPr marL="12700" marR="12700" marT="12700" marB="0" anchor="b"/>
-                </a:tc>
-                <a:tc>
-                  <a:txBody>
-                    <a:bodyPr/>
-                    <a:lstStyle/>
-                    <a:p>
-                      <a:pPr algn="l" fontAlgn="b"/>
-                      <a:r>
-                        <a:rPr lang="en-US" sz="1200" b="0" i="0" u="none" strike="noStrike">
-                          <a:solidFill>
-                            <a:srgbClr val="000000"/>
-                          </a:solidFill>
-                          <a:effectLst/>
-                          <a:latin typeface="Calibri"/>
-                        </a:rPr>
-                        <a:t>M</a:t>
-                      </a:r>
-                    </a:p>
-                  </a:txBody>
-                  <a:tcPr marL="12700" marR="12700" marT="12700" marB="0" anchor="b"/>
-                </a:tc>
-                <a:tc>
-                  <a:txBody>
-                    <a:bodyPr/>
-                    <a:lstStyle/>
-                    <a:p>
-                      <a:pPr algn="l" fontAlgn="b"/>
-                      <a:r>
-                        <a:rPr lang="en-US" sz="1200" b="0" i="0" u="none" strike="noStrike">
-                          <a:solidFill>
-                            <a:srgbClr val="000000"/>
-                          </a:solidFill>
-                          <a:effectLst/>
-                          <a:latin typeface="Calibri"/>
-                        </a:rPr>
-                        <a:t>F</a:t>
-                      </a:r>
-                    </a:p>
-                  </a:txBody>
-                  <a:tcPr marL="12700" marR="12700" marT="12700" marB="0" anchor="b"/>
-                </a:tc>
-                <a:tc>
-                  <a:txBody>
-                    <a:bodyPr/>
-                    <a:lstStyle/>
-                    <a:p>
-                      <a:pPr algn="r" fontAlgn="b"/>
-                      <a:r>
-                        <a:rPr lang="en-US" sz="1200" b="0" i="0" u="none" strike="noStrike">
-                          <a:solidFill>
-                            <a:srgbClr val="000000"/>
-                          </a:solidFill>
-                          <a:effectLst/>
-                          <a:latin typeface="Calibri"/>
-                        </a:rPr>
-                        <a:t>0.5</a:t>
-                      </a:r>
-                    </a:p>
-                  </a:txBody>
-                  <a:tcPr marL="12700" marR="12700" marT="12700" marB="0" anchor="b"/>
-                </a:tc>
-                <a:tc>
-                  <a:txBody>
-                    <a:bodyPr/>
-                    <a:lstStyle/>
-                    <a:p>
-                      <a:pPr algn="r" fontAlgn="b"/>
-                      <a:r>
-                        <a:rPr lang="en-US" sz="1200" b="0" i="0" u="none" strike="noStrike">
-                          <a:solidFill>
-                            <a:srgbClr val="000000"/>
-                          </a:solidFill>
-                          <a:effectLst/>
-                          <a:latin typeface="Calibri"/>
-                        </a:rPr>
-                        <a:t>1</a:t>
-                      </a:r>
-                    </a:p>
-                  </a:txBody>
-                  <a:tcPr marL="12700" marR="12700" marT="12700" marB="0" anchor="b"/>
-                </a:tc>
-                <a:tc>
-                  <a:txBody>
-                    <a:bodyPr/>
-                    <a:lstStyle/>
-                    <a:p>
-                      <a:pPr algn="r" fontAlgn="b"/>
-                      <a:r>
-                        <a:rPr lang="en-US" sz="1200" b="0" i="0" u="none" strike="noStrike">
-                          <a:solidFill>
-                            <a:srgbClr val="000000"/>
-                          </a:solidFill>
-                          <a:effectLst/>
-                          <a:latin typeface="Calibri"/>
-                        </a:rPr>
-                        <a:t>1</a:t>
-                      </a:r>
-                    </a:p>
-                  </a:txBody>
-                  <a:tcPr marL="12700" marR="12700" marT="12700" marB="0" anchor="b"/>
-                </a:tc>
-                <a:tc>
-                  <a:txBody>
-                    <a:bodyPr/>
-                    <a:lstStyle/>
-                    <a:p>
-                      <a:pPr algn="r" fontAlgn="b"/>
-                      <a:r>
-                        <a:rPr lang="en-US" sz="1200" b="0" i="0" u="none" strike="noStrike">
-                          <a:solidFill>
-                            <a:srgbClr val="000000"/>
-                          </a:solidFill>
-                          <a:effectLst/>
-                          <a:latin typeface="Calibri"/>
-                        </a:rPr>
-                        <a:t>0</a:t>
-                      </a:r>
-                    </a:p>
-                  </a:txBody>
-                  <a:tcPr marL="12700" marR="12700" marT="12700" marB="0" anchor="b"/>
-                </a:tc>
-                <a:tc>
-                  <a:txBody>
-                    <a:bodyPr/>
-                    <a:lstStyle/>
-                    <a:p>
-                      <a:pPr algn="r" fontAlgn="b"/>
-                      <a:r>
-                        <a:rPr lang="en-US" sz="1200" b="0" i="0" u="none" strike="noStrike">
-                          <a:solidFill>
-                            <a:srgbClr val="000000"/>
-                          </a:solidFill>
-                          <a:effectLst/>
-                          <a:latin typeface="Calibri"/>
-                        </a:rPr>
-                        <a:t>0.00</a:t>
-                      </a:r>
-                    </a:p>
-                  </a:txBody>
-                  <a:tcPr marL="12700" marR="12700" marT="12700" marB="0" anchor="b"/>
-                </a:tc>
-                <a:tc>
-                  <a:txBody>
-                    <a:bodyPr/>
-                    <a:lstStyle/>
-                    <a:p>
-                      <a:pPr algn="r" fontAlgn="b"/>
-                      <a:r>
-                        <a:rPr lang="en-US" sz="1200" b="0" i="0" u="none" strike="noStrike">
-                          <a:solidFill>
-                            <a:srgbClr val="000000"/>
-                          </a:solidFill>
-                          <a:effectLst/>
-                          <a:latin typeface="Calibri"/>
-                        </a:rPr>
-                        <a:t>0.00</a:t>
-                      </a:r>
-                    </a:p>
-                  </a:txBody>
-                  <a:tcPr marL="12700" marR="12700" marT="12700" marB="0" anchor="b"/>
-                </a:tc>
-              </a:tr>
-              <a:tr h="495699">
-                <a:tc>
-                  <a:txBody>
-                    <a:bodyPr/>
-                    <a:lstStyle/>
-                    <a:p>
-                      <a:pPr algn="l" fontAlgn="b"/>
-                      <a:endParaRPr lang="en-US" sz="1200" b="0" i="0" u="none" strike="noStrike">
-                        <a:solidFill>
-                          <a:srgbClr val="000000"/>
-                        </a:solidFill>
-                        <a:effectLst/>
-                        <a:latin typeface="Calibri"/>
-                      </a:endParaRPr>
-                    </a:p>
-                  </a:txBody>
-                  <a:tcPr marL="12700" marR="12700" marT="12700" marB="0" anchor="b"/>
-                </a:tc>
-                <a:tc>
-                  <a:txBody>
-                    <a:bodyPr/>
-                    <a:lstStyle/>
-                    <a:p>
-                      <a:pPr algn="l" fontAlgn="b"/>
-                      <a:endParaRPr lang="en-US" sz="1200" b="0" i="0" u="none" strike="noStrike">
-                        <a:solidFill>
-                          <a:srgbClr val="000000"/>
-                        </a:solidFill>
-                        <a:effectLst/>
-                        <a:latin typeface="Calibri"/>
-                      </a:endParaRPr>
-                    </a:p>
-                  </a:txBody>
-                  <a:tcPr marL="12700" marR="12700" marT="12700" marB="0" anchor="b"/>
-                </a:tc>
-                <a:tc>
-                  <a:txBody>
-                    <a:bodyPr/>
-                    <a:lstStyle/>
-                    <a:p>
-                      <a:pPr algn="l" fontAlgn="b"/>
-                      <a:endParaRPr lang="en-US" sz="1200" b="0" i="0" u="none" strike="noStrike">
-                        <a:solidFill>
-                          <a:srgbClr val="000000"/>
-                        </a:solidFill>
-                        <a:effectLst/>
-                        <a:latin typeface="Calibri"/>
-                      </a:endParaRPr>
-                    </a:p>
-                  </a:txBody>
-                  <a:tcPr marL="12700" marR="12700" marT="12700" marB="0" anchor="b"/>
-                </a:tc>
-                <a:tc>
-                  <a:txBody>
-                    <a:bodyPr/>
-                    <a:lstStyle/>
-                    <a:p>
-                      <a:pPr algn="l" fontAlgn="b"/>
-                      <a:endParaRPr lang="en-US" sz="1200" b="0" i="0" u="none" strike="noStrike">
-                        <a:solidFill>
-                          <a:srgbClr val="000000"/>
-                        </a:solidFill>
-                        <a:effectLst/>
-                        <a:latin typeface="Calibri"/>
-                      </a:endParaRPr>
-                    </a:p>
-                  </a:txBody>
-                  <a:tcPr marL="12700" marR="12700" marT="12700" marB="0" anchor="b"/>
-                </a:tc>
-                <a:tc>
-                  <a:txBody>
-                    <a:bodyPr/>
-                    <a:lstStyle/>
-                    <a:p>
-                      <a:pPr algn="l" fontAlgn="b"/>
-                      <a:endParaRPr lang="en-US" sz="1200" b="0" i="0" u="none" strike="noStrike">
-                        <a:solidFill>
-                          <a:srgbClr val="000000"/>
-                        </a:solidFill>
-                        <a:effectLst/>
-                        <a:latin typeface="Calibri"/>
-                      </a:endParaRPr>
-                    </a:p>
-                  </a:txBody>
-                  <a:tcPr marL="12700" marR="12700" marT="12700" marB="0" anchor="b"/>
-                </a:tc>
-                <a:tc>
-                  <a:txBody>
-                    <a:bodyPr/>
-                    <a:lstStyle/>
-                    <a:p>
-                      <a:pPr algn="l" fontAlgn="b"/>
-                      <a:endParaRPr lang="en-US" sz="1200" b="0" i="0" u="none" strike="noStrike">
-                        <a:solidFill>
-                          <a:srgbClr val="000000"/>
-                        </a:solidFill>
-                        <a:effectLst/>
-                        <a:latin typeface="Calibri"/>
-                      </a:endParaRPr>
-                    </a:p>
-                  </a:txBody>
-                  <a:tcPr marL="12700" marR="12700" marT="12700" marB="0" anchor="b"/>
-                </a:tc>
-                <a:tc>
-                  <a:txBody>
-                    <a:bodyPr/>
-                    <a:lstStyle/>
-                    <a:p>
-                      <a:pPr algn="l" fontAlgn="b"/>
-                      <a:endParaRPr lang="en-US" sz="1200" b="0" i="0" u="none" strike="noStrike">
-                        <a:solidFill>
-                          <a:srgbClr val="000000"/>
-                        </a:solidFill>
-                        <a:effectLst/>
-                        <a:latin typeface="Calibri"/>
-                      </a:endParaRPr>
-                    </a:p>
-                  </a:txBody>
-                  <a:tcPr marL="12700" marR="12700" marT="12700" marB="0" anchor="b"/>
-                </a:tc>
-                <a:tc>
-                  <a:txBody>
-                    <a:bodyPr/>
-                    <a:lstStyle/>
-                    <a:p>
-                      <a:pPr algn="l" fontAlgn="b"/>
-                      <a:r>
-                        <a:rPr lang="en-US" sz="1200" b="0" i="0" u="none" strike="noStrike">
-                          <a:solidFill>
-                            <a:srgbClr val="000000"/>
-                          </a:solidFill>
-                          <a:effectLst/>
-                          <a:latin typeface="Calibri"/>
-                        </a:rPr>
-                        <a:t>total</a:t>
-                      </a:r>
-                    </a:p>
-                  </a:txBody>
-                  <a:tcPr marL="12700" marR="12700" marT="12700" marB="0" anchor="b"/>
-                </a:tc>
-                <a:tc>
-                  <a:txBody>
-                    <a:bodyPr/>
-                    <a:lstStyle/>
-                    <a:p>
-                      <a:pPr algn="r" fontAlgn="b"/>
-                      <a:r>
-                        <a:rPr lang="en-US" sz="1200" b="0" i="0" u="none" strike="noStrike" dirty="0">
-                          <a:solidFill>
-                            <a:srgbClr val="000000"/>
-                          </a:solidFill>
-                          <a:effectLst/>
-                          <a:latin typeface="Calibri"/>
-                        </a:rPr>
-                        <a:t>0.35</a:t>
-                      </a:r>
-                    </a:p>
-                  </a:txBody>
-                  <a:tcPr marL="12700" marR="12700" marT="12700" marB="0" anchor="b"/>
-                </a:tc>
-              </a:tr>
-            </a:tbl>
-          </a:graphicData>
-        </a:graphic>
-      </p:graphicFrame>
-      <p:sp>
-        <p:nvSpPr>
-          <p:cNvPr id="8" name="TextBox 7"/>
-          <p:cNvSpPr txBox="1"/>
-          <p:nvPr/>
-        </p:nvSpPr>
-        <p:spPr>
-          <a:xfrm>
-            <a:off x="411728" y="5199313"/>
-            <a:ext cx="7869132" cy="1200328"/>
-          </a:xfrm>
-          <a:prstGeom prst="rect">
-            <a:avLst/>
-          </a:prstGeom>
-          <a:noFill/>
-        </p:spPr>
-        <p:txBody>
-          <a:bodyPr wrap="square" rtlCol="0">
-            <a:spAutoFit/>
-          </a:bodyPr>
-          <a:lstStyle/>
-          <a:p>
-            <a:pPr marL="342900" indent="-342900">
-              <a:buFont typeface="Arial"/>
-              <a:buChar char="•"/>
-            </a:pPr>
-            <a:r>
-              <a:rPr lang="en-US" sz="2400" dirty="0" smtClean="0">
-                <a:latin typeface="+mn-lt"/>
-              </a:rPr>
-              <a:t>total KLD = 0.69 + 0.35 = 1.04</a:t>
-            </a:r>
-          </a:p>
-          <a:p>
-            <a:pPr marL="342900" indent="-342900">
-              <a:buFont typeface="Arial"/>
-              <a:buChar char="•"/>
-            </a:pPr>
-            <a:r>
-              <a:rPr lang="en-US" sz="2400" dirty="0" smtClean="0">
-                <a:latin typeface="+mn-lt"/>
-              </a:rPr>
-              <a:t>KLD for Drama(M) = 0</a:t>
-            </a:r>
-          </a:p>
-          <a:p>
-            <a:pPr marL="342900" indent="-342900">
-              <a:buFont typeface="Arial"/>
-              <a:buChar char="•"/>
-            </a:pPr>
-            <a:r>
-              <a:rPr lang="en-US" sz="2400" dirty="0" smtClean="0">
-                <a:latin typeface="+mn-lt"/>
-              </a:rPr>
-              <a:t>omitted rows with individual probability = 0 </a:t>
-            </a:r>
-          </a:p>
-        </p:txBody>
-      </p:sp>
-    </p:spTree>
-    <p:extLst>
-      <p:ext uri="{BB962C8B-B14F-4D97-AF65-F5344CB8AC3E}">
-        <p14:creationId xmlns:p14="http://schemas.microsoft.com/office/powerpoint/2010/main" val="358893236"/>
-      </p:ext>
-    </p:extLst>
-  </p:cSld>
-  <p:clrMapOvr>
-    <a:masterClrMapping/>
-  </p:clrMapOvr>
-</p:sld>
-</file>
-
-<file path=ppt/slides/slide18.xml><?xml version="1.0" encoding="utf-8"?>
-<p:sld xmlns:a="http://schemas.openxmlformats.org/drawingml/2006/main" xmlns:r="http://schemas.openxmlformats.org/officeDocument/2006/relationships" xmlns:p="http://schemas.openxmlformats.org/presentationml/2006/main">
-  <p:cSld>
-    <p:spTree>
-      <p:nvGrpSpPr>
-        <p:cNvPr id="1" name=""/>
-        <p:cNvGrpSpPr/>
-        <p:nvPr/>
-      </p:nvGrpSpPr>
-      <p:grpSpPr>
-        <a:xfrm>
-          <a:off x="0" y="0"/>
-          <a:ext cx="0" cy="0"/>
-          <a:chOff x="0" y="0"/>
-          <a:chExt cx="0" cy="0"/>
-        </a:xfrm>
-      </p:grpSpPr>
-      <p:sp>
-        <p:nvSpPr>
-          <p:cNvPr id="2" name="Title 1"/>
-          <p:cNvSpPr>
-            <a:spLocks noGrp="1"/>
-          </p:cNvSpPr>
-          <p:nvPr>
-            <p:ph type="title"/>
-          </p:nvPr>
-        </p:nvSpPr>
-        <p:spPr/>
-        <p:txBody>
-          <a:bodyPr/>
-          <a:lstStyle/>
-          <a:p>
-            <a:r>
               <a:rPr lang="en-US" dirty="0" smtClean="0"/>
-              <a:t>Mutual </a:t>
-            </a:r>
-            <a:r>
-              <a:rPr lang="en-US" smtClean="0"/>
-              <a:t>Information Decomposition</a:t>
+              <a:t>Learning Bayesian Networks for Complex Relational Data</a:t>
             </a:r>
             <a:endParaRPr lang="en-US" dirty="0"/>
-          </a:p>
-        </p:txBody>
-      </p:sp>
-      <p:sp>
-        <p:nvSpPr>
-          <p:cNvPr id="4" name="Footer Placeholder 3"/>
-          <p:cNvSpPr>
-            <a:spLocks noGrp="1"/>
-          </p:cNvSpPr>
-          <p:nvPr>
-            <p:ph type="ftr" sz="quarter" idx="11"/>
-          </p:nvPr>
-        </p:nvSpPr>
-        <p:spPr/>
-        <p:txBody>
-          <a:bodyPr/>
-          <a:lstStyle/>
-          <a:p>
-            <a:pPr>
-              <a:defRPr/>
-            </a:pPr>
-            <a:r>
-              <a:rPr lang="en-US" smtClean="0"/>
-              <a:t>Presentation Title At Venue</a:t>
-            </a:r>
-            <a:endParaRPr lang="en-US"/>
           </a:p>
         </p:txBody>
       </p:sp>
@@ -11957,7 +11675,7 @@
           <a:graphicData uri="http://schemas.openxmlformats.org/presentationml/2006/ole">
             <mc:AlternateContent xmlns:mc="http://schemas.openxmlformats.org/markup-compatibility/2006">
               <mc:Choice xmlns:v="urn:schemas-microsoft-com:vml" Requires="v">
-                <p:oleObj spid="_x0000_s5153" name="Equation" r:id="rId4" imgW="6184900" imgH="1054100" progId="Equation.3">
+                <p:oleObj spid="_x0000_s5198" name="Equation" r:id="rId4" imgW="6184900" imgH="1054100" progId="Equation.3">
                   <p:embed/>
                 </p:oleObj>
               </mc:Choice>
@@ -12269,7 +11987,7 @@
 </p:sld>
 </file>
 
-<file path=ppt/slides/slide19.xml><?xml version="1.0" encoding="utf-8"?>
+<file path=ppt/slides/slide18.xml><?xml version="1.0" encoding="utf-8"?>
 <p:sld xmlns:a="http://schemas.openxmlformats.org/drawingml/2006/main" xmlns:r="http://schemas.openxmlformats.org/officeDocument/2006/relationships" xmlns:p="http://schemas.openxmlformats.org/presentationml/2006/main">
   <p:cSld>
     <p:spTree>
@@ -12328,10 +12046,10 @@
               <a:defRPr/>
             </a:pPr>
             <a:r>
-              <a:rPr lang="en-US" smtClean="0"/>
-              <a:t>Presentation Title At Venue</a:t>
-            </a:r>
-            <a:endParaRPr lang="en-US"/>
+              <a:rPr lang="en-US" dirty="0" smtClean="0"/>
+              <a:t>Learning Bayesian Networks for Complex Relational Data</a:t>
+            </a:r>
+            <a:endParaRPr lang="en-US" dirty="0"/>
           </a:p>
         </p:txBody>
       </p:sp>
@@ -12413,7 +12131,7 @@
           <a:graphicData uri="http://schemas.openxmlformats.org/presentationml/2006/ole">
             <mc:AlternateContent xmlns:mc="http://schemas.openxmlformats.org/markup-compatibility/2006">
               <mc:Choice xmlns:v="urn:schemas-microsoft-com:vml" Requires="v">
-                <p:oleObj spid="_x0000_s4131" name="Equation" r:id="rId3" imgW="6184900" imgH="1054100" progId="Equation.3">
+                <p:oleObj spid="_x0000_s4176" name="Equation" r:id="rId3" imgW="6184900" imgH="1054100" progId="Equation.3">
                   <p:embed/>
                 </p:oleObj>
               </mc:Choice>
@@ -12452,6 +12170,168 @@
     <p:extLst>
       <p:ext uri="{BB962C8B-B14F-4D97-AF65-F5344CB8AC3E}">
         <p14:creationId xmlns:p14="http://schemas.microsoft.com/office/powerpoint/2010/main" val="3326557757"/>
+      </p:ext>
+    </p:extLst>
+  </p:cSld>
+  <p:clrMapOvr>
+    <a:masterClrMapping/>
+  </p:clrMapOvr>
+</p:sld>
+</file>
+
+<file path=ppt/slides/slide19.xml><?xml version="1.0" encoding="utf-8"?>
+<p:sld xmlns:a="http://schemas.openxmlformats.org/drawingml/2006/main" xmlns:r="http://schemas.openxmlformats.org/officeDocument/2006/relationships" xmlns:p="http://schemas.openxmlformats.org/presentationml/2006/main">
+  <p:cSld>
+    <p:spTree>
+      <p:nvGrpSpPr>
+        <p:cNvPr id="1" name=""/>
+        <p:cNvGrpSpPr/>
+        <p:nvPr/>
+      </p:nvGrpSpPr>
+      <p:grpSpPr>
+        <a:xfrm>
+          <a:off x="0" y="0"/>
+          <a:ext cx="0" cy="0"/>
+          <a:chOff x="0" y="0"/>
+          <a:chExt cx="0" cy="0"/>
+        </a:xfrm>
+      </p:grpSpPr>
+      <p:sp>
+        <p:nvSpPr>
+          <p:cNvPr id="2" name="Title 1"/>
+          <p:cNvSpPr>
+            <a:spLocks noGrp="1"/>
+          </p:cNvSpPr>
+          <p:nvPr>
+            <p:ph type="title"/>
+          </p:nvPr>
+        </p:nvSpPr>
+        <p:spPr>
+          <a:xfrm>
+            <a:off x="854636" y="274638"/>
+            <a:ext cx="7772400" cy="1143000"/>
+          </a:xfrm>
+        </p:spPr>
+        <p:txBody>
+          <a:bodyPr/>
+          <a:lstStyle/>
+          <a:p>
+            <a:r>
+              <a:rPr lang="en-US" dirty="0" smtClean="0"/>
+              <a:t>Two Types of Outliers</a:t>
+            </a:r>
+            <a:endParaRPr lang="en-US" dirty="0"/>
+          </a:p>
+        </p:txBody>
+      </p:sp>
+      <p:sp>
+        <p:nvSpPr>
+          <p:cNvPr id="3" name="Content Placeholder 2"/>
+          <p:cNvSpPr>
+            <a:spLocks noGrp="1"/>
+          </p:cNvSpPr>
+          <p:nvPr>
+            <p:ph sz="quarter" idx="1"/>
+          </p:nvPr>
+        </p:nvSpPr>
+        <p:spPr/>
+        <p:txBody>
+          <a:bodyPr/>
+          <a:lstStyle/>
+          <a:p>
+            <a:r>
+              <a:rPr lang="en-US" sz="2800" dirty="0" smtClean="0"/>
+              <a:t>Feature Outlier: unusual distribution over </a:t>
+            </a:r>
+            <a:r>
+              <a:rPr lang="en-US" sz="2800" i="1" dirty="0" smtClean="0"/>
+              <a:t>single attribute </a:t>
+            </a:r>
+            <a:r>
+              <a:rPr lang="en-US" sz="2800" dirty="0" smtClean="0"/>
+              <a:t>in isolation</a:t>
+            </a:r>
+          </a:p>
+          <a:p>
+            <a:pPr lvl="1"/>
+            <a:r>
+              <a:rPr lang="en-US" dirty="0" err="1" smtClean="0"/>
+              <a:t>DribbleEfficiency</a:t>
+            </a:r>
+            <a:endParaRPr lang="en-US" dirty="0" smtClean="0"/>
+          </a:p>
+          <a:p>
+            <a:r>
+              <a:rPr lang="en-US" sz="2800" dirty="0" smtClean="0"/>
+              <a:t>Correlation Outlier: unusual relevance of parent for children (mutual information, lift)</a:t>
+            </a:r>
+          </a:p>
+          <a:p>
+            <a:pPr lvl="1"/>
+            <a:r>
+              <a:rPr lang="en-US" dirty="0" err="1" smtClean="0"/>
+              <a:t>DribbleEfficiency</a:t>
+            </a:r>
+            <a:r>
+              <a:rPr lang="en-US" dirty="0" smtClean="0"/>
+              <a:t>  </a:t>
+            </a:r>
+            <a:r>
+              <a:rPr lang="en-US" dirty="0" smtClean="0">
+                <a:latin typeface="Wingdings"/>
+                <a:ea typeface="Wingdings"/>
+                <a:cs typeface="Wingdings"/>
+                <a:sym typeface="Wingdings"/>
+              </a:rPr>
+              <a:t></a:t>
+            </a:r>
+            <a:r>
+              <a:rPr lang="en-US" dirty="0">
+                <a:sym typeface="Wingdings"/>
+              </a:rPr>
+              <a:t> </a:t>
+            </a:r>
+            <a:r>
+              <a:rPr lang="en-US" dirty="0" smtClean="0"/>
+              <a:t>Win</a:t>
+            </a:r>
+            <a:endParaRPr lang="en-US" sz="2800" dirty="0" smtClean="0"/>
+          </a:p>
+          <a:p>
+            <a:endParaRPr lang="en-US" sz="2800" dirty="0"/>
+          </a:p>
+        </p:txBody>
+      </p:sp>
+      <p:sp>
+        <p:nvSpPr>
+          <p:cNvPr id="4" name="Footer Placeholder 3"/>
+          <p:cNvSpPr>
+            <a:spLocks noGrp="1"/>
+          </p:cNvSpPr>
+          <p:nvPr>
+            <p:ph type="ftr" sz="quarter" idx="11"/>
+          </p:nvPr>
+        </p:nvSpPr>
+        <p:spPr/>
+        <p:txBody>
+          <a:bodyPr/>
+          <a:lstStyle/>
+          <a:p>
+            <a:pPr>
+              <a:defRPr/>
+            </a:pPr>
+            <a:r>
+              <a:rPr lang="en-US" dirty="0" smtClean="0"/>
+              <a:t>Learning Bayesian Networks for Complex Relational Data</a:t>
+            </a:r>
+            <a:endParaRPr lang="en-US" dirty="0"/>
+          </a:p>
+        </p:txBody>
+      </p:sp>
+    </p:spTree>
+    <p:extLst>
+      <p:ext uri="{BB962C8B-B14F-4D97-AF65-F5344CB8AC3E}">
+        <p14:creationId xmlns:p14="http://schemas.microsoft.com/office/powerpoint/2010/main" val="2911975134"/>
       </p:ext>
     </p:extLst>
   </p:cSld>
@@ -12931,19 +12811,34 @@
             <p:ph type="title"/>
           </p:nvPr>
         </p:nvSpPr>
-        <p:spPr>
-          <a:xfrm>
-            <a:off x="854636" y="274638"/>
-            <a:ext cx="7772400" cy="1143000"/>
-          </a:xfrm>
-        </p:spPr>
+        <p:spPr/>
         <p:txBody>
           <a:bodyPr/>
           <a:lstStyle/>
           <a:p>
             <a:r>
               <a:rPr lang="en-US" dirty="0" smtClean="0"/>
-              <a:t>Two Types of Outliers</a:t>
+              <a:t>Example: </a:t>
+            </a:r>
+            <a:r>
+              <a:rPr lang="en-US" dirty="0" err="1" smtClean="0"/>
+              <a:t>Edin</a:t>
+            </a:r>
+            <a:r>
+              <a:rPr lang="en-US" dirty="0" smtClean="0"/>
+              <a:t> </a:t>
+            </a:r>
+            <a:r>
+              <a:rPr lang="en-US" dirty="0" err="1" smtClean="0"/>
+              <a:t>Dzeko</a:t>
+            </a:r>
+            <a:r>
+              <a:rPr lang="en-US" dirty="0" smtClean="0"/>
+              <a:t>, </a:t>
+            </a:r>
+            <a:r>
+              <a:rPr lang="en-US" dirty="0" err="1" smtClean="0"/>
+              <a:t>Marginals</a:t>
             </a:r>
             <a:endParaRPr lang="en-US" dirty="0"/>
           </a:p>
@@ -12966,36 +12861,41 @@
           <a:p>
             <a:r>
               <a:rPr lang="en-US" sz="2800" dirty="0" smtClean="0"/>
-              <a:t>Feature Outlier: unusual distribution over </a:t>
-            </a:r>
-            <a:r>
-              <a:rPr lang="en-US" sz="2800" i="1" dirty="0" smtClean="0"/>
-              <a:t>single attribute </a:t>
-            </a:r>
+              <a:t>Data are from Premier League Season 2011-2012.</a:t>
+            </a:r>
+          </a:p>
+          <a:p>
             <a:r>
               <a:rPr lang="en-US" sz="2800" dirty="0" smtClean="0"/>
-              <a:t>in isolation</a:t>
-            </a:r>
-          </a:p>
-          <a:p>
-            <a:pPr lvl="1"/>
-            <a:r>
-              <a:rPr lang="en-US" dirty="0" err="1" smtClean="0"/>
-              <a:t>DribbleEfficiency</a:t>
-            </a:r>
-            <a:endParaRPr lang="en-US" dirty="0" smtClean="0"/>
+              <a:t>Low Dribble Efficiency in 16% of his matches.</a:t>
+            </a:r>
           </a:p>
           <a:p>
             <a:r>
               <a:rPr lang="en-US" sz="2800" dirty="0" smtClean="0"/>
-              <a:t>Correlation Outlier: unusual relevance of parent for children (mutual information, lift)</a:t>
-            </a:r>
-          </a:p>
-          <a:p>
-            <a:endParaRPr lang="en-US" sz="2800" dirty="0" smtClean="0"/>
-          </a:p>
-          <a:p>
-            <a:endParaRPr lang="en-US" sz="2800" dirty="0"/>
+              <a:t>Random Striker: Low DE in 50% of matches.</a:t>
+            </a:r>
+          </a:p>
+          <a:p>
+            <a:r>
+              <a:rPr lang="en-US" sz="2800" dirty="0" smtClean="0"/>
+              <a:t>ELD contribution for marginal sum:</a:t>
+            </a:r>
+            <a:br>
+              <a:rPr lang="en-US" sz="2800" dirty="0" smtClean="0"/>
+            </a:br>
+            <a:r>
+              <a:rPr lang="en-US" sz="2800" dirty="0" smtClean="0"/>
+              <a:t>16% x |</a:t>
+            </a:r>
+            <a:r>
+              <a:rPr lang="en-US" sz="2800" dirty="0" err="1" smtClean="0"/>
+              <a:t>ln</a:t>
+            </a:r>
+            <a:r>
+              <a:rPr lang="en-US" sz="2800" dirty="0" smtClean="0"/>
+              <a:t>(16%/50%)| = 0.18</a:t>
+            </a:r>
           </a:p>
         </p:txBody>
       </p:sp>
@@ -13018,17 +12918,17 @@
               <a:defRPr/>
             </a:pPr>
             <a:r>
-              <a:rPr lang="en-US" smtClean="0"/>
-              <a:t>Presentation Title At Venue</a:t>
-            </a:r>
-            <a:endParaRPr lang="en-US"/>
+              <a:rPr lang="en-US" dirty="0" smtClean="0"/>
+              <a:t>Learning Bayesian Networks for Complex Relational Data</a:t>
+            </a:r>
+            <a:endParaRPr lang="en-US" dirty="0"/>
           </a:p>
         </p:txBody>
       </p:sp>
     </p:spTree>
     <p:extLst>
       <p:ext uri="{BB962C8B-B14F-4D97-AF65-F5344CB8AC3E}">
-        <p14:creationId xmlns:p14="http://schemas.microsoft.com/office/powerpoint/2010/main" val="2911975134"/>
+        <p14:creationId xmlns:p14="http://schemas.microsoft.com/office/powerpoint/2010/main" val="1632963202"/>
       </p:ext>
     </p:extLst>
   </p:cSld>
@@ -13039,7 +12939,7 @@
 </file>
 
 <file path=ppt/slides/slide21.xml><?xml version="1.0" encoding="utf-8"?>
-<p:sld xmlns:a="http://schemas.openxmlformats.org/drawingml/2006/main" xmlns:r="http://schemas.openxmlformats.org/officeDocument/2006/relationships" xmlns:p="http://schemas.openxmlformats.org/presentationml/2006/main" show="0">
+<p:sld xmlns:a="http://schemas.openxmlformats.org/drawingml/2006/main" xmlns:r="http://schemas.openxmlformats.org/officeDocument/2006/relationships" xmlns:p="http://schemas.openxmlformats.org/presentationml/2006/main">
   <p:cSld>
     <p:spTree>
       <p:nvGrpSpPr>
@@ -13072,7 +12972,191 @@
           <a:p>
             <a:r>
               <a:rPr lang="en-US" dirty="0" smtClean="0"/>
-              <a:t>Feature Vector View</a:t>
+              <a:t>Example: </a:t>
+            </a:r>
+            <a:r>
+              <a:rPr lang="en-US" dirty="0" err="1" smtClean="0"/>
+              <a:t>Edin</a:t>
+            </a:r>
+            <a:r>
+              <a:rPr lang="en-US" dirty="0" smtClean="0"/>
+              <a:t> </a:t>
+            </a:r>
+            <a:r>
+              <a:rPr lang="en-US" dirty="0" err="1" smtClean="0"/>
+              <a:t>Dzeko</a:t>
+            </a:r>
+            <a:r>
+              <a:rPr lang="en-US" dirty="0" smtClean="0"/>
+              <a:t>, Associations</a:t>
+            </a:r>
+            <a:endParaRPr lang="en-US" dirty="0"/>
+          </a:p>
+        </p:txBody>
+      </p:sp>
+      <p:sp>
+        <p:nvSpPr>
+          <p:cNvPr id="3" name="Content Placeholder 2"/>
+          <p:cNvSpPr>
+            <a:spLocks noGrp="1"/>
+          </p:cNvSpPr>
+          <p:nvPr>
+            <p:ph sz="quarter" idx="1"/>
+          </p:nvPr>
+        </p:nvSpPr>
+        <p:spPr>
+          <a:xfrm>
+            <a:off x="914400" y="1465194"/>
+            <a:ext cx="7772400" cy="4936185"/>
+          </a:xfrm>
+        </p:spPr>
+        <p:txBody>
+          <a:bodyPr/>
+          <a:lstStyle/>
+          <a:p>
+            <a:r>
+              <a:rPr lang="en-US" sz="2800" dirty="0" smtClean="0"/>
+              <a:t>Association: </a:t>
+            </a:r>
+            <a:r>
+              <a:rPr lang="en-US" sz="2800" dirty="0" err="1" smtClean="0"/>
+              <a:t>Shotefficiency</a:t>
+            </a:r>
+            <a:r>
+              <a:rPr lang="en-US" sz="2800" dirty="0" smtClean="0"/>
+              <a:t> = high, </a:t>
+            </a:r>
+            <a:r>
+              <a:rPr lang="en-US" sz="2800" dirty="0" err="1" smtClean="0"/>
+              <a:t>TackleEfficiency</a:t>
+            </a:r>
+            <a:r>
+              <a:rPr lang="en-US" sz="2800" dirty="0" smtClean="0"/>
+              <a:t> = medium </a:t>
+            </a:r>
+            <a:r>
+              <a:rPr lang="en-US" sz="2800" dirty="0" smtClean="0">
+                <a:latin typeface="Wingdings"/>
+                <a:ea typeface="Wingdings"/>
+                <a:cs typeface="Wingdings"/>
+                <a:sym typeface="Wingdings"/>
+              </a:rPr>
+              <a:t></a:t>
+            </a:r>
+            <a:r>
+              <a:rPr lang="en-US" sz="2800" dirty="0" err="1" smtClean="0"/>
+              <a:t>DribbleEffiency</a:t>
+            </a:r>
+            <a:r>
+              <a:rPr lang="en-US" sz="2800" dirty="0" smtClean="0"/>
+              <a:t> = low</a:t>
+            </a:r>
+            <a:endParaRPr lang="en-US" sz="2800" dirty="0"/>
+          </a:p>
+          <a:p>
+            <a:r>
+              <a:rPr lang="en-US" sz="2800" dirty="0" smtClean="0"/>
+              <a:t>For </a:t>
+            </a:r>
+            <a:r>
+              <a:rPr lang="en-US" sz="2800" dirty="0" err="1" smtClean="0"/>
+              <a:t>Edin</a:t>
+            </a:r>
+            <a:r>
+              <a:rPr lang="en-US" sz="2800" dirty="0" smtClean="0"/>
+              <a:t> </a:t>
+            </a:r>
+            <a:r>
+              <a:rPr lang="en-US" sz="2800" dirty="0" err="1" smtClean="0"/>
+              <a:t>Dzeko</a:t>
+            </a:r>
+            <a:r>
+              <a:rPr lang="en-US" sz="2800" dirty="0" smtClean="0"/>
+              <a:t>:</a:t>
+            </a:r>
+          </a:p>
+          <a:p>
+            <a:pPr lvl="1"/>
+            <a:r>
+              <a:rPr lang="en-US" dirty="0" smtClean="0"/>
+              <a:t>confidence = 50%</a:t>
+            </a:r>
+          </a:p>
+          <a:p>
+            <a:pPr lvl="1"/>
+            <a:r>
+              <a:rPr lang="en-US" dirty="0" smtClean="0"/>
+              <a:t>lift = ln(50%/16%)=1.13</a:t>
+            </a:r>
+            <a:endParaRPr lang="en-US" dirty="0"/>
+          </a:p>
+          <a:p>
+            <a:pPr lvl="1"/>
+            <a:r>
+              <a:rPr lang="en-US" dirty="0" smtClean="0"/>
+              <a:t>support (joint </a:t>
+            </a:r>
+            <a:r>
+              <a:rPr lang="en-US" dirty="0" err="1" smtClean="0"/>
+              <a:t>prob</a:t>
+            </a:r>
+            <a:r>
+              <a:rPr lang="en-US" dirty="0" smtClean="0"/>
+              <a:t>) = </a:t>
+            </a:r>
+            <a:r>
+              <a:rPr lang="en-US" dirty="0"/>
+              <a:t>6</a:t>
+            </a:r>
+            <a:r>
+              <a:rPr lang="en-US" dirty="0" smtClean="0"/>
+              <a:t>%</a:t>
+            </a:r>
+          </a:p>
+          <a:p>
+            <a:r>
+              <a:rPr lang="en-US" sz="2800" dirty="0" smtClean="0"/>
+              <a:t>For random striker</a:t>
+            </a:r>
+          </a:p>
+          <a:p>
+            <a:pPr lvl="1"/>
+            <a:r>
+              <a:rPr lang="en-US" dirty="0"/>
+              <a:t>c</a:t>
+            </a:r>
+            <a:r>
+              <a:rPr lang="en-US" dirty="0" smtClean="0"/>
+              <a:t>onfidence = 38%</a:t>
+            </a:r>
+          </a:p>
+          <a:p>
+            <a:pPr lvl="1"/>
+            <a:r>
+              <a:rPr lang="en-US" dirty="0"/>
+              <a:t>lift = ln(38%/50%) =-0.27 </a:t>
+            </a:r>
+            <a:endParaRPr lang="en-US" dirty="0" smtClean="0"/>
+          </a:p>
+          <a:p>
+            <a:r>
+              <a:rPr lang="en-US" dirty="0" smtClean="0"/>
+              <a:t>ELD contribution for association</a:t>
+            </a:r>
+            <a:br>
+              <a:rPr lang="en-US" dirty="0" smtClean="0"/>
+            </a:br>
+            <a:r>
+              <a:rPr lang="en-US" dirty="0" smtClean="0"/>
+              <a:t>10% x |1.13-(-0.27)|= </a:t>
+            </a:r>
+            <a:r>
+              <a:rPr lang="en-US" dirty="0"/>
+              <a:t>6</a:t>
+            </a:r>
+            <a:r>
+              <a:rPr lang="en-US" dirty="0" smtClean="0"/>
+              <a:t>% x 1.14 = 0.068</a:t>
             </a:r>
             <a:endParaRPr lang="en-US" dirty="0"/>
           </a:p>
@@ -13088,7 +13172,12 @@
             <p:ph type="ftr" sz="quarter" idx="11"/>
           </p:nvPr>
         </p:nvSpPr>
-        <p:spPr/>
+        <p:spPr>
+          <a:xfrm>
+            <a:off x="914399" y="6172200"/>
+            <a:ext cx="4104025" cy="457200"/>
+          </a:xfrm>
+        </p:spPr>
         <p:txBody>
           <a:bodyPr/>
           <a:lstStyle/>
@@ -13097,619 +13186,28 @@
               <a:defRPr/>
             </a:pPr>
             <a:r>
-              <a:rPr lang="en-US" smtClean="0"/>
-              <a:t>Presentation Title At Venue</a:t>
-            </a:r>
-            <a:endParaRPr lang="en-US"/>
-          </a:p>
-        </p:txBody>
-      </p:sp>
-      <p:graphicFrame>
-        <p:nvGraphicFramePr>
-          <p:cNvPr id="5" name="Content Placeholder 4"/>
-          <p:cNvGraphicFramePr>
-            <a:graphicFrameLocks/>
-          </p:cNvGraphicFramePr>
-          <p:nvPr>
-            <p:extLst>
-              <p:ext uri="{D42A27DB-BD31-4B8C-83A1-F6EECF244321}">
-                <p14:modId xmlns:p14="http://schemas.microsoft.com/office/powerpoint/2010/main" val="3361146059"/>
-              </p:ext>
-            </p:extLst>
-          </p:nvPr>
-        </p:nvGraphicFramePr>
-        <p:xfrm>
-          <a:off x="264755" y="2037392"/>
-          <a:ext cx="8289762" cy="1402080"/>
-        </p:xfrm>
-        <a:graphic>
-          <a:graphicData uri="http://schemas.openxmlformats.org/drawingml/2006/table">
-            <a:tbl>
-              <a:tblPr firstRow="1" bandRow="1">
-                <a:tableStyleId>{5C22544A-7EE6-4342-B048-85BDC9FD1C3A}</a:tableStyleId>
-              </a:tblPr>
-              <a:tblGrid>
-                <a:gridCol w="1359723"/>
-                <a:gridCol w="1880450"/>
-                <a:gridCol w="2611341"/>
-                <a:gridCol w="2438248"/>
-              </a:tblGrid>
-              <a:tr h="370840">
-                <a:tc>
-                  <a:txBody>
-                    <a:bodyPr/>
-                    <a:lstStyle/>
-                    <a:p>
-                      <a:r>
-                        <a:rPr lang="en-US" sz="2000" dirty="0" err="1" smtClean="0"/>
-                        <a:t>UserID</a:t>
-                      </a:r>
-                      <a:endParaRPr lang="en-US" sz="2000" dirty="0"/>
-                    </a:p>
-                  </a:txBody>
-                  <a:tcPr/>
-                </a:tc>
-                <a:tc>
-                  <a:txBody>
-                    <a:bodyPr/>
-                    <a:lstStyle/>
-                    <a:p>
-                      <a:r>
-                        <a:rPr lang="en-US" sz="2000" dirty="0" smtClean="0"/>
-                        <a:t>gender(U) =M</a:t>
-                      </a:r>
-                      <a:endParaRPr lang="en-US" sz="2000" dirty="0"/>
-                    </a:p>
-                  </a:txBody>
-                  <a:tcPr/>
-                </a:tc>
-                <a:tc>
-                  <a:txBody>
-                    <a:bodyPr/>
-                    <a:lstStyle/>
-                    <a:p>
-                      <a:pPr marL="0" marR="0" indent="0" algn="l" defTabSz="914400" rtl="0" eaLnBrk="1" fontAlgn="auto" latinLnBrk="0" hangingPunct="1">
-                        <a:lnSpc>
-                          <a:spcPct val="100000"/>
-                        </a:lnSpc>
-                        <a:spcBef>
-                          <a:spcPts val="0"/>
-                        </a:spcBef>
-                        <a:spcAft>
-                          <a:spcPts val="0"/>
-                        </a:spcAft>
-                        <a:buClrTx/>
-                        <a:buSzTx/>
-                        <a:buFontTx/>
-                        <a:buNone/>
-                        <a:tabLst/>
-                        <a:defRPr/>
-                      </a:pPr>
-                      <a:r>
-                        <a:rPr lang="en-US" sz="2000" dirty="0" err="1" smtClean="0"/>
-                        <a:t>HasRated</a:t>
-                      </a:r>
-                      <a:r>
-                        <a:rPr lang="en-US" sz="2000" dirty="0" smtClean="0"/>
-                        <a:t>(U,AM)</a:t>
-                      </a:r>
-                    </a:p>
-                    <a:p>
-                      <a:pPr marL="0" marR="0" indent="0" algn="l" defTabSz="914400" rtl="0" eaLnBrk="1" fontAlgn="auto" latinLnBrk="0" hangingPunct="1">
-                        <a:lnSpc>
-                          <a:spcPct val="100000"/>
-                        </a:lnSpc>
-                        <a:spcBef>
-                          <a:spcPts val="0"/>
-                        </a:spcBef>
-                        <a:spcAft>
-                          <a:spcPts val="0"/>
-                        </a:spcAft>
-                        <a:buClrTx/>
-                        <a:buSzTx/>
-                        <a:buFontTx/>
-                        <a:buNone/>
-                        <a:tabLst/>
-                        <a:defRPr/>
-                      </a:pPr>
-                      <a:r>
-                        <a:rPr lang="en-US" sz="2000" dirty="0" smtClean="0"/>
-                        <a:t>=T</a:t>
-                      </a:r>
-                    </a:p>
-                    <a:p>
-                      <a:endParaRPr lang="en-US" sz="2000" dirty="0"/>
-                    </a:p>
-                  </a:txBody>
-                  <a:tcPr/>
-                </a:tc>
-                <a:tc>
-                  <a:txBody>
-                    <a:bodyPr/>
-                    <a:lstStyle/>
-                    <a:p>
-                      <a:pPr marL="0" marR="0" indent="0" algn="l" defTabSz="914400" rtl="0" eaLnBrk="1" fontAlgn="auto" latinLnBrk="0" hangingPunct="1">
-                        <a:lnSpc>
-                          <a:spcPct val="100000"/>
-                        </a:lnSpc>
-                        <a:spcBef>
-                          <a:spcPts val="0"/>
-                        </a:spcBef>
-                        <a:spcAft>
-                          <a:spcPts val="0"/>
-                        </a:spcAft>
-                        <a:buClrTx/>
-                        <a:buSzTx/>
-                        <a:buFontTx/>
-                        <a:buNone/>
-                        <a:tabLst/>
-                        <a:defRPr/>
-                      </a:pPr>
-                      <a:r>
-                        <a:rPr lang="en-US" sz="2000" dirty="0" err="1" smtClean="0"/>
-                        <a:t>HasRated</a:t>
-                      </a:r>
-                      <a:r>
-                        <a:rPr lang="en-US" sz="2000" dirty="0" smtClean="0"/>
-                        <a:t>(U,AM)</a:t>
-                      </a:r>
-                    </a:p>
-                    <a:p>
-                      <a:pPr marL="0" marR="0" indent="0" algn="l" defTabSz="914400" rtl="0" eaLnBrk="1" fontAlgn="auto" latinLnBrk="0" hangingPunct="1">
-                        <a:lnSpc>
-                          <a:spcPct val="100000"/>
-                        </a:lnSpc>
-                        <a:spcBef>
-                          <a:spcPts val="0"/>
-                        </a:spcBef>
-                        <a:spcAft>
-                          <a:spcPts val="0"/>
-                        </a:spcAft>
-                        <a:buClrTx/>
-                        <a:buSzTx/>
-                        <a:buFontTx/>
-                        <a:buNone/>
-                        <a:tabLst/>
-                        <a:defRPr/>
-                      </a:pPr>
-                      <a:r>
-                        <a:rPr lang="en-US" sz="2000" dirty="0" smtClean="0"/>
-                        <a:t>=F</a:t>
-                      </a:r>
-                    </a:p>
-                    <a:p>
-                      <a:endParaRPr lang="en-US" sz="2000" dirty="0"/>
-                    </a:p>
-                  </a:txBody>
-                  <a:tcPr/>
-                </a:tc>
-              </a:tr>
-              <a:tr h="370840">
-                <a:tc>
-                  <a:txBody>
-                    <a:bodyPr/>
-                    <a:lstStyle/>
-                    <a:p>
-                      <a:r>
-                        <a:rPr lang="en-US" sz="2000" dirty="0" smtClean="0"/>
-                        <a:t>user1</a:t>
-                      </a:r>
-                      <a:endParaRPr lang="en-US" sz="2000" dirty="0"/>
-                    </a:p>
-                  </a:txBody>
-                  <a:tcPr/>
-                </a:tc>
-                <a:tc>
-                  <a:txBody>
-                    <a:bodyPr/>
-                    <a:lstStyle/>
-                    <a:p>
-                      <a:r>
-                        <a:rPr lang="en-US" sz="2000" dirty="0" smtClean="0"/>
-                        <a:t>1</a:t>
-                      </a:r>
-                      <a:endParaRPr lang="en-US" sz="2000" dirty="0"/>
-                    </a:p>
-                  </a:txBody>
-                  <a:tcPr/>
-                </a:tc>
-                <a:tc>
-                  <a:txBody>
-                    <a:bodyPr/>
-                    <a:lstStyle/>
-                    <a:p>
-                      <a:r>
-                        <a:rPr lang="en-US" sz="2000" dirty="0" smtClean="0"/>
-                        <a:t>0.1</a:t>
-                      </a:r>
-                      <a:endParaRPr lang="en-US" sz="2000" dirty="0"/>
-                    </a:p>
-                  </a:txBody>
-                  <a:tcPr/>
-                </a:tc>
-                <a:tc>
-                  <a:txBody>
-                    <a:bodyPr/>
-                    <a:lstStyle/>
-                    <a:p>
-                      <a:r>
-                        <a:rPr lang="en-US" sz="2000" dirty="0" smtClean="0"/>
-                        <a:t>0.9</a:t>
-                      </a:r>
-                      <a:endParaRPr lang="en-US" sz="2000" dirty="0"/>
-                    </a:p>
-                  </a:txBody>
-                  <a:tcPr/>
-                </a:tc>
-              </a:tr>
-            </a:tbl>
-          </a:graphicData>
-        </a:graphic>
-      </p:graphicFrame>
-      <p:graphicFrame>
-        <p:nvGraphicFramePr>
-          <p:cNvPr id="7" name="Content Placeholder 4"/>
-          <p:cNvGraphicFramePr>
-            <a:graphicFrameLocks/>
-          </p:cNvGraphicFramePr>
-          <p:nvPr>
-            <p:extLst>
-              <p:ext uri="{D42A27DB-BD31-4B8C-83A1-F6EECF244321}">
-                <p14:modId xmlns:p14="http://schemas.microsoft.com/office/powerpoint/2010/main" val="4122079945"/>
-              </p:ext>
-            </p:extLst>
-          </p:nvPr>
-        </p:nvGraphicFramePr>
-        <p:xfrm>
-          <a:off x="264755" y="4056956"/>
-          <a:ext cx="8289762" cy="1402080"/>
-        </p:xfrm>
-        <a:graphic>
-          <a:graphicData uri="http://schemas.openxmlformats.org/drawingml/2006/table">
-            <a:tbl>
-              <a:tblPr firstRow="1" bandRow="1">
-                <a:tableStyleId>{5C22544A-7EE6-4342-B048-85BDC9FD1C3A}</a:tableStyleId>
-              </a:tblPr>
-              <a:tblGrid>
-                <a:gridCol w="1769310"/>
-                <a:gridCol w="1769310"/>
-                <a:gridCol w="2457002"/>
-                <a:gridCol w="2294140"/>
-              </a:tblGrid>
-              <a:tr h="370840">
-                <a:tc>
-                  <a:txBody>
-                    <a:bodyPr/>
-                    <a:lstStyle/>
-                    <a:p>
-                      <a:r>
-                        <a:rPr lang="en-US" sz="2000" dirty="0" smtClean="0"/>
-                        <a:t>gender(U) =M</a:t>
-                      </a:r>
-                      <a:endParaRPr lang="en-US" sz="2000" dirty="0"/>
-                    </a:p>
-                  </a:txBody>
-                  <a:tcPr/>
-                </a:tc>
-                <a:tc>
-                  <a:txBody>
-                    <a:bodyPr/>
-                    <a:lstStyle/>
-                    <a:p>
-                      <a:r>
-                        <a:rPr lang="en-US" sz="2000" dirty="0" smtClean="0"/>
-                        <a:t>gender(U)=W</a:t>
-                      </a:r>
-                      <a:endParaRPr lang="en-US" sz="2000" dirty="0"/>
-                    </a:p>
-                  </a:txBody>
-                  <a:tcPr/>
-                </a:tc>
-                <a:tc>
-                  <a:txBody>
-                    <a:bodyPr/>
-                    <a:lstStyle/>
-                    <a:p>
-                      <a:pPr marL="0" marR="0" indent="0" algn="l" defTabSz="914400" rtl="0" eaLnBrk="1" fontAlgn="auto" latinLnBrk="0" hangingPunct="1">
-                        <a:lnSpc>
-                          <a:spcPct val="100000"/>
-                        </a:lnSpc>
-                        <a:spcBef>
-                          <a:spcPts val="0"/>
-                        </a:spcBef>
-                        <a:spcAft>
-                          <a:spcPts val="0"/>
-                        </a:spcAft>
-                        <a:buClrTx/>
-                        <a:buSzTx/>
-                        <a:buFontTx/>
-                        <a:buNone/>
-                        <a:tabLst/>
-                        <a:defRPr/>
-                      </a:pPr>
-                      <a:r>
-                        <a:rPr lang="en-US" sz="2000" dirty="0" err="1" smtClean="0"/>
-                        <a:t>HasRated</a:t>
-                      </a:r>
-                      <a:r>
-                        <a:rPr lang="en-US" sz="2000" dirty="0" smtClean="0"/>
-                        <a:t>(U,AM)</a:t>
-                      </a:r>
-                    </a:p>
-                    <a:p>
-                      <a:pPr marL="0" marR="0" indent="0" algn="l" defTabSz="914400" rtl="0" eaLnBrk="1" fontAlgn="auto" latinLnBrk="0" hangingPunct="1">
-                        <a:lnSpc>
-                          <a:spcPct val="100000"/>
-                        </a:lnSpc>
-                        <a:spcBef>
-                          <a:spcPts val="0"/>
-                        </a:spcBef>
-                        <a:spcAft>
-                          <a:spcPts val="0"/>
-                        </a:spcAft>
-                        <a:buClrTx/>
-                        <a:buSzTx/>
-                        <a:buFontTx/>
-                        <a:buNone/>
-                        <a:tabLst/>
-                        <a:defRPr/>
-                      </a:pPr>
-                      <a:r>
-                        <a:rPr lang="en-US" sz="2000" dirty="0" smtClean="0"/>
-                        <a:t>=T</a:t>
-                      </a:r>
-                    </a:p>
-                    <a:p>
-                      <a:endParaRPr lang="en-US" sz="2000" dirty="0"/>
-                    </a:p>
-                  </a:txBody>
-                  <a:tcPr/>
-                </a:tc>
-                <a:tc>
-                  <a:txBody>
-                    <a:bodyPr/>
-                    <a:lstStyle/>
-                    <a:p>
-                      <a:pPr marL="0" marR="0" indent="0" algn="l" defTabSz="914400" rtl="0" eaLnBrk="1" fontAlgn="auto" latinLnBrk="0" hangingPunct="1">
-                        <a:lnSpc>
-                          <a:spcPct val="100000"/>
-                        </a:lnSpc>
-                        <a:spcBef>
-                          <a:spcPts val="0"/>
-                        </a:spcBef>
-                        <a:spcAft>
-                          <a:spcPts val="0"/>
-                        </a:spcAft>
-                        <a:buClrTx/>
-                        <a:buSzTx/>
-                        <a:buFontTx/>
-                        <a:buNone/>
-                        <a:tabLst/>
-                        <a:defRPr/>
-                      </a:pPr>
-                      <a:r>
-                        <a:rPr lang="en-US" sz="2000" dirty="0" err="1" smtClean="0"/>
-                        <a:t>HasRated</a:t>
-                      </a:r>
-                      <a:r>
-                        <a:rPr lang="en-US" sz="2000" dirty="0" smtClean="0"/>
-                        <a:t>(U,AM)</a:t>
-                      </a:r>
-                    </a:p>
-                    <a:p>
-                      <a:pPr marL="0" marR="0" indent="0" algn="l" defTabSz="914400" rtl="0" eaLnBrk="1" fontAlgn="auto" latinLnBrk="0" hangingPunct="1">
-                        <a:lnSpc>
-                          <a:spcPct val="100000"/>
-                        </a:lnSpc>
-                        <a:spcBef>
-                          <a:spcPts val="0"/>
-                        </a:spcBef>
-                        <a:spcAft>
-                          <a:spcPts val="0"/>
-                        </a:spcAft>
-                        <a:buClrTx/>
-                        <a:buSzTx/>
-                        <a:buFontTx/>
-                        <a:buNone/>
-                        <a:tabLst/>
-                        <a:defRPr/>
-                      </a:pPr>
-                      <a:r>
-                        <a:rPr lang="en-US" sz="2000" dirty="0" smtClean="0"/>
-                        <a:t>=F</a:t>
-                      </a:r>
-                    </a:p>
-                    <a:p>
-                      <a:endParaRPr lang="en-US" sz="2000" dirty="0"/>
-                    </a:p>
-                  </a:txBody>
-                  <a:tcPr/>
-                </a:tc>
-              </a:tr>
-              <a:tr h="370840">
-                <a:tc>
-                  <a:txBody>
-                    <a:bodyPr/>
-                    <a:lstStyle/>
-                    <a:p>
-                      <a:r>
-                        <a:rPr lang="en-US" sz="2000" dirty="0" smtClean="0"/>
-                        <a:t>0.5</a:t>
-                      </a:r>
-                      <a:endParaRPr lang="en-US" sz="2000" dirty="0"/>
-                    </a:p>
-                  </a:txBody>
-                  <a:tcPr/>
-                </a:tc>
-                <a:tc>
-                  <a:txBody>
-                    <a:bodyPr/>
-                    <a:lstStyle/>
-                    <a:p>
-                      <a:r>
-                        <a:rPr lang="en-US" sz="2000" dirty="0" smtClean="0"/>
-                        <a:t>0.5</a:t>
-                      </a:r>
-                      <a:endParaRPr lang="en-US" sz="2000" dirty="0"/>
-                    </a:p>
-                  </a:txBody>
-                  <a:tcPr/>
-                </a:tc>
-                <a:tc>
-                  <a:txBody>
-                    <a:bodyPr/>
-                    <a:lstStyle/>
-                    <a:p>
-                      <a:r>
-                        <a:rPr lang="en-US" sz="2000" dirty="0" smtClean="0"/>
-                        <a:t>0.09</a:t>
-                      </a:r>
-                      <a:endParaRPr lang="en-US" sz="2000" dirty="0"/>
-                    </a:p>
-                  </a:txBody>
-                  <a:tcPr/>
-                </a:tc>
-                <a:tc>
-                  <a:txBody>
-                    <a:bodyPr/>
-                    <a:lstStyle/>
-                    <a:p>
-                      <a:r>
-                        <a:rPr lang="en-US" sz="2000" dirty="0" smtClean="0"/>
-                        <a:t>0.91</a:t>
-                      </a:r>
-                      <a:endParaRPr lang="en-US" sz="2000" dirty="0"/>
-                    </a:p>
-                  </a:txBody>
-                  <a:tcPr/>
-                </a:tc>
-              </a:tr>
-            </a:tbl>
-          </a:graphicData>
-        </a:graphic>
-      </p:graphicFrame>
-      <p:sp>
-        <p:nvSpPr>
-          <p:cNvPr id="8" name="TextBox 7"/>
-          <p:cNvSpPr txBox="1"/>
-          <p:nvPr/>
-        </p:nvSpPr>
-        <p:spPr>
-          <a:xfrm>
-            <a:off x="264755" y="1445249"/>
-            <a:ext cx="4401291" cy="461665"/>
-          </a:xfrm>
-          <a:prstGeom prst="rect">
-            <a:avLst/>
-          </a:prstGeom>
-          <a:noFill/>
-        </p:spPr>
-        <p:txBody>
-          <a:bodyPr wrap="square" rtlCol="0">
-            <a:spAutoFit/>
-          </a:bodyPr>
-          <a:lstStyle/>
-          <a:p>
-            <a:r>
-              <a:rPr lang="en-US" sz="2400" dirty="0" smtClean="0">
-                <a:latin typeface="+mn-lt"/>
-              </a:rPr>
-              <a:t>feature frequencies for user 1</a:t>
-            </a:r>
-            <a:endParaRPr lang="en-US" sz="2400" dirty="0">
-              <a:latin typeface="+mn-lt"/>
-            </a:endParaRPr>
-          </a:p>
-        </p:txBody>
-      </p:sp>
-      <p:sp>
-        <p:nvSpPr>
-          <p:cNvPr id="9" name="TextBox 8"/>
-          <p:cNvSpPr txBox="1"/>
-          <p:nvPr/>
-        </p:nvSpPr>
-        <p:spPr>
-          <a:xfrm>
-            <a:off x="264755" y="3532297"/>
-            <a:ext cx="7355533" cy="461665"/>
-          </a:xfrm>
-          <a:prstGeom prst="rect">
-            <a:avLst/>
-          </a:prstGeom>
-          <a:noFill/>
-        </p:spPr>
-        <p:txBody>
-          <a:bodyPr wrap="square" rtlCol="0">
-            <a:spAutoFit/>
-          </a:bodyPr>
-          <a:lstStyle/>
-          <a:p>
-            <a:r>
-              <a:rPr lang="en-US" sz="2400" dirty="0" smtClean="0">
-                <a:latin typeface="+mn-lt"/>
-              </a:rPr>
-              <a:t>feature frequencies for a randomly selected user</a:t>
-            </a:r>
-            <a:endParaRPr lang="en-US" sz="2400" dirty="0">
-              <a:latin typeface="+mn-lt"/>
-            </a:endParaRPr>
-          </a:p>
-        </p:txBody>
-      </p:sp>
-      <p:sp>
-        <p:nvSpPr>
-          <p:cNvPr id="10" name="TextBox 9"/>
-          <p:cNvSpPr txBox="1"/>
-          <p:nvPr/>
-        </p:nvSpPr>
-        <p:spPr>
-          <a:xfrm>
-            <a:off x="264755" y="5710535"/>
-            <a:ext cx="7562606" cy="461665"/>
-          </a:xfrm>
-          <a:prstGeom prst="rect">
-            <a:avLst/>
-          </a:prstGeom>
-          <a:noFill/>
-        </p:spPr>
-        <p:txBody>
-          <a:bodyPr wrap="square" rtlCol="0">
-            <a:spAutoFit/>
-          </a:bodyPr>
-          <a:lstStyle/>
-          <a:p>
-            <a:r>
-              <a:rPr lang="en-US" sz="2400" dirty="0" smtClean="0">
-                <a:latin typeface="+mn-lt"/>
-              </a:rPr>
-              <a:t>Outlier Metric for user1: how different are these two vectors?</a:t>
-            </a:r>
+              <a:rPr lang="en-US" dirty="0" smtClean="0"/>
+              <a:t>Learning Bayesxian Networks for Complex Relational Data</a:t>
+            </a:r>
+            <a:endParaRPr lang="en-US" dirty="0"/>
           </a:p>
         </p:txBody>
       </p:sp>
     </p:spTree>
     <p:extLst>
       <p:ext uri="{BB962C8B-B14F-4D97-AF65-F5344CB8AC3E}">
-        <p14:creationId xmlns:p14="http://schemas.microsoft.com/office/powerpoint/2010/main" val="2262598300"/>
+        <p14:creationId xmlns:p14="http://schemas.microsoft.com/office/powerpoint/2010/main" val="4030511459"/>
       </p:ext>
     </p:extLst>
   </p:cSld>
   <p:clrMapOvr>
     <a:masterClrMapping/>
   </p:clrMapOvr>
-  <mc:AlternateContent xmlns:mc="http://schemas.openxmlformats.org/markup-compatibility/2006">
-    <mc:Choice xmlns:p14="http://schemas.microsoft.com/office/powerpoint/2010/main" Requires="p14">
-      <p:transition spd="slow" p14:dur="2000"/>
-    </mc:Choice>
-    <mc:Fallback>
-      <p:transition xmlns:p14="http://schemas.microsoft.com/office/powerpoint/2010/main" spd="slow"/>
-    </mc:Fallback>
-  </mc:AlternateContent>
 </p:sld>
 </file>
 
 <file path=ppt/slides/slide22.xml><?xml version="1.0" encoding="utf-8"?>
-<p:sld xmlns:a="http://schemas.openxmlformats.org/drawingml/2006/main" xmlns:r="http://schemas.openxmlformats.org/officeDocument/2006/relationships" xmlns:p="http://schemas.openxmlformats.org/presentationml/2006/main" show="0">
+<p:sld xmlns:a="http://schemas.openxmlformats.org/drawingml/2006/main" xmlns:r="http://schemas.openxmlformats.org/officeDocument/2006/relationships" xmlns:p="http://schemas.openxmlformats.org/presentationml/2006/main">
   <p:cSld>
     <p:spTree>
       <p:nvGrpSpPr>
@@ -13727,7 +13225,7 @@
       </p:grpSpPr>
       <p:sp>
         <p:nvSpPr>
-          <p:cNvPr id="5" name="Title 4"/>
+          <p:cNvPr id="2" name="Title 1"/>
           <p:cNvSpPr>
             <a:spLocks noGrp="1"/>
           </p:cNvSpPr>
@@ -13735,177 +13233,108 @@
             <p:ph type="title"/>
           </p:nvPr>
         </p:nvSpPr>
-        <p:spPr>
-          <a:xfrm>
-            <a:off x="358584" y="80405"/>
-            <a:ext cx="9067800" cy="1143000"/>
-          </a:xfrm>
-        </p:spPr>
-        <p:txBody>
-          <a:bodyPr>
-            <a:normAutofit/>
-          </a:bodyPr>
+        <p:spPr/>
+        <p:txBody>
+          <a:bodyPr/>
           <a:lstStyle/>
           <a:p>
             <a:r>
-              <a:rPr lang="en-US" sz="2800" dirty="0" smtClean="0"/>
-              <a:t>Model-Based Outlier Detection for I.I.D. data</a:t>
-            </a:r>
-            <a:endParaRPr lang="en-US" sz="2800" dirty="0"/>
-          </a:p>
-        </p:txBody>
-      </p:sp>
-      <p:graphicFrame>
-        <p:nvGraphicFramePr>
-          <p:cNvPr id="7" name="Content Placeholder 6"/>
-          <p:cNvGraphicFramePr>
-            <a:graphicFrameLocks noGrp="1"/>
-          </p:cNvGraphicFramePr>
+              <a:rPr lang="en-US"/>
+              <a:t>Methods Compared</a:t>
+            </a:r>
+          </a:p>
+        </p:txBody>
+      </p:sp>
+      <p:sp>
+        <p:nvSpPr>
+          <p:cNvPr id="3" name="Content Placeholder 2"/>
+          <p:cNvSpPr>
+            <a:spLocks noGrp="1"/>
+          </p:cNvSpPr>
           <p:nvPr>
             <p:ph sz="quarter" idx="1"/>
-            <p:extLst>
-              <p:ext uri="{D42A27DB-BD31-4B8C-83A1-F6EECF244321}">
-                <p14:modId xmlns:p14="http://schemas.microsoft.com/office/powerpoint/2010/main" val="3524136647"/>
-              </p:ext>
-            </p:extLst>
           </p:nvPr>
-        </p:nvGraphicFramePr>
-        <p:xfrm>
-          <a:off x="5544986" y="3876435"/>
-          <a:ext cx="3013354" cy="741680"/>
-        </p:xfrm>
-        <a:graphic>
-          <a:graphicData uri="http://schemas.openxmlformats.org/drawingml/2006/table">
-            <a:tbl>
-              <a:tblPr firstRow="1" bandRow="1">
-                <a:tableStyleId>{5C22544A-7EE6-4342-B048-85BDC9FD1C3A}</a:tableStyleId>
-              </a:tblPr>
-              <a:tblGrid>
-                <a:gridCol w="646331"/>
-                <a:gridCol w="597441"/>
-                <a:gridCol w="597441"/>
-                <a:gridCol w="1172141"/>
-              </a:tblGrid>
-              <a:tr h="370840">
-                <a:tc>
-                  <a:txBody>
-                    <a:bodyPr/>
-                    <a:lstStyle/>
-                    <a:p>
-                      <a:r>
-                        <a:rPr lang="en-US" dirty="0" smtClean="0"/>
-                        <a:t>ID</a:t>
-                      </a:r>
-                      <a:endParaRPr lang="en-US" dirty="0"/>
-                    </a:p>
-                  </a:txBody>
-                  <a:tcPr/>
-                </a:tc>
-                <a:tc>
-                  <a:txBody>
-                    <a:bodyPr/>
-                    <a:lstStyle/>
-                    <a:p>
-                      <a:r>
-                        <a:rPr lang="en-US" dirty="0" smtClean="0"/>
-                        <a:t>Att1</a:t>
-                      </a:r>
-                      <a:endParaRPr lang="en-US" dirty="0"/>
-                    </a:p>
-                  </a:txBody>
-                  <a:tcPr/>
-                </a:tc>
-                <a:tc>
-                  <a:txBody>
-                    <a:bodyPr/>
-                    <a:lstStyle/>
-                    <a:p>
-                      <a:r>
-                        <a:rPr lang="en-US" dirty="0" smtClean="0"/>
-                        <a:t>Att2</a:t>
-                      </a:r>
-                      <a:endParaRPr lang="en-US" dirty="0"/>
-                    </a:p>
-                  </a:txBody>
-                  <a:tcPr/>
-                </a:tc>
-                <a:tc>
-                  <a:txBody>
-                    <a:bodyPr/>
-                    <a:lstStyle/>
-                    <a:p>
-                      <a:r>
-                        <a:rPr lang="en-US" dirty="0" smtClean="0"/>
-                        <a:t>Att3</a:t>
-                      </a:r>
-                      <a:endParaRPr lang="en-US" dirty="0"/>
-                    </a:p>
-                  </a:txBody>
-                  <a:tcPr/>
-                </a:tc>
-              </a:tr>
-              <a:tr h="370840">
-                <a:tc>
-                  <a:txBody>
-                    <a:bodyPr/>
-                    <a:lstStyle/>
-                    <a:p>
-                      <a:r>
-                        <a:rPr lang="en-US" dirty="0" smtClean="0"/>
-                        <a:t>1000</a:t>
-                      </a:r>
-                      <a:endParaRPr lang="en-US" dirty="0"/>
-                    </a:p>
-                  </a:txBody>
-                  <a:tcPr/>
-                </a:tc>
-                <a:tc>
-                  <a:txBody>
-                    <a:bodyPr/>
-                    <a:lstStyle/>
-                    <a:p>
-                      <a:r>
-                        <a:rPr lang="en-US" dirty="0" smtClean="0"/>
-                        <a:t>M</a:t>
-                      </a:r>
-                      <a:endParaRPr lang="en-US" dirty="0"/>
-                    </a:p>
-                  </a:txBody>
-                  <a:tcPr/>
-                </a:tc>
-                <a:tc>
-                  <a:txBody>
-                    <a:bodyPr/>
-                    <a:lstStyle/>
-                    <a:p>
-                      <a:r>
-                        <a:rPr lang="en-US" dirty="0" smtClean="0"/>
-                        <a:t>rich</a:t>
-                      </a:r>
-                      <a:endParaRPr lang="en-US" dirty="0"/>
-                    </a:p>
-                  </a:txBody>
-                  <a:tcPr/>
-                </a:tc>
-                <a:tc>
-                  <a:txBody>
-                    <a:bodyPr/>
-                    <a:lstStyle/>
-                    <a:p>
-                      <a:r>
-                        <a:rPr lang="en-US" dirty="0" smtClean="0"/>
-                        <a:t>8</a:t>
-                      </a:r>
-                      <a:endParaRPr lang="en-US" dirty="0"/>
-                    </a:p>
-                  </a:txBody>
-                  <a:tcPr/>
-                </a:tc>
-              </a:tr>
-            </a:tbl>
-          </a:graphicData>
-        </a:graphic>
-      </p:graphicFrame>
+        </p:nvSpPr>
+        <p:spPr/>
+        <p:txBody>
+          <a:bodyPr/>
+          <a:lstStyle/>
+          <a:p>
+            <a:r>
+              <a:rPr lang="en-US"/>
+              <a:t>Outlierness metrics</a:t>
+            </a:r>
+          </a:p>
+          <a:p>
+            <a:pPr lvl="1"/>
+            <a:r>
+              <a:rPr lang="en-US"/>
+              <a:t>KLD</a:t>
+            </a:r>
+          </a:p>
+          <a:p>
+            <a:pPr lvl="1"/>
+            <a:r>
+              <a:rPr lang="en-US"/>
+              <a:t>|KLD|: replace log-differences by log-distances</a:t>
+            </a:r>
+          </a:p>
+          <a:p>
+            <a:pPr lvl="1"/>
+            <a:r>
+              <a:rPr lang="en-US"/>
+              <a:t>ELD</a:t>
+            </a:r>
+          </a:p>
+          <a:p>
+            <a:pPr lvl="1"/>
+            <a:r>
+              <a:rPr lang="en-US"/>
+              <a:t>LOG = -log-likelihood of generic class model on individual database</a:t>
+            </a:r>
+          </a:p>
+          <a:p>
+            <a:pPr lvl="1"/>
+            <a:r>
+              <a:rPr lang="en-US"/>
+              <a:t>FD: |KLD| with respect to marginals only</a:t>
+            </a:r>
+          </a:p>
+          <a:p>
+            <a:r>
+              <a:rPr lang="en-US"/>
+              <a:t>Aggregation Methods</a:t>
+            </a:r>
+          </a:p>
+          <a:p>
+            <a:pPr marL="776288" lvl="1" indent="-457200">
+              <a:buFont typeface="+mj-lt"/>
+              <a:buAutoNum type="arabicPeriod"/>
+            </a:pPr>
+            <a:r>
+              <a:rPr lang="en-US"/>
+              <a:t>Use counts of single feature values to form data matrix</a:t>
+            </a:r>
+          </a:p>
+          <a:p>
+            <a:pPr marL="776288" lvl="1" indent="-457200">
+              <a:buFont typeface="+mj-lt"/>
+              <a:buAutoNum type="arabicPeriod"/>
+            </a:pPr>
+            <a:r>
+              <a:rPr lang="en-US"/>
+              <a:t>Apply standard single-table methods (LOF, KNN, OutRank) </a:t>
+            </a:r>
+          </a:p>
+          <a:p>
+            <a:endParaRPr lang="en-US"/>
+          </a:p>
+          <a:p>
+            <a:pPr lvl="1"/>
+            <a:endParaRPr lang="en-US"/>
+          </a:p>
+        </p:txBody>
+      </p:sp>
       <p:sp>
         <p:nvSpPr>
           <p:cNvPr id="4" name="Footer Placeholder 3"/>
@@ -13916,710 +13345,32 @@
             <p:ph type="ftr" sz="quarter" idx="11"/>
           </p:nvPr>
         </p:nvSpPr>
-        <p:spPr>
-          <a:xfrm>
-            <a:off x="355611" y="6172200"/>
-            <a:ext cx="7282395" cy="457200"/>
-          </a:xfrm>
-        </p:spPr>
+        <p:spPr/>
         <p:txBody>
           <a:bodyPr/>
           <a:lstStyle/>
           <a:p>
-            <a:r>
-              <a:rPr lang="en-US" dirty="0" err="1"/>
-              <a:t>Cansado</a:t>
-            </a:r>
-            <a:r>
-              <a:rPr lang="en-US" dirty="0"/>
-              <a:t>, A. &amp; Soto, A. (2008), 'Unsupervised anomaly detection in large databases using Bayesian networks', </a:t>
-            </a:r>
-            <a:r>
-              <a:rPr lang="en-US" i="1" dirty="0"/>
-              <a:t>Applied </a:t>
-            </a:r>
-            <a:r>
-              <a:rPr lang="en-US" i="1" dirty="0" err="1"/>
-              <a:t>Artifical</a:t>
-            </a:r>
-            <a:r>
-              <a:rPr lang="en-US" i="1" dirty="0"/>
-              <a:t> Intelligence </a:t>
-            </a:r>
-            <a:r>
-              <a:rPr lang="en-US" b="1" i="1" dirty="0"/>
-              <a:t>22(4), 309--330.</a:t>
-            </a:r>
-          </a:p>
-          <a:p>
+            <a:pPr>
+              <a:defRPr/>
+            </a:pPr>
+            <a:r>
+              <a:rPr lang="en-US" dirty="0" smtClean="0"/>
+              <a:t>Learning Bayesian Networks for Complex Relational Data</a:t>
+            </a:r>
             <a:endParaRPr lang="en-US" dirty="0"/>
           </a:p>
         </p:txBody>
       </p:sp>
-      <p:sp>
-        <p:nvSpPr>
-          <p:cNvPr id="8" name="Down Arrow 7"/>
-          <p:cNvSpPr/>
-          <p:nvPr/>
-        </p:nvSpPr>
-        <p:spPr>
-          <a:xfrm>
-            <a:off x="2483156" y="3338620"/>
-            <a:ext cx="248171" cy="581678"/>
-          </a:xfrm>
-          <a:prstGeom prst="downArrow">
-            <a:avLst/>
-          </a:prstGeom>
-          <a:solidFill>
-            <a:srgbClr val="3366FF"/>
-          </a:solidFill>
-          <a:ln>
-            <a:solidFill>
-              <a:srgbClr val="0000FF"/>
-            </a:solidFill>
-          </a:ln>
-        </p:spPr>
-        <p:style>
-          <a:lnRef idx="1">
-            <a:schemeClr val="accent1"/>
-          </a:lnRef>
-          <a:fillRef idx="3">
-            <a:schemeClr val="accent1"/>
-          </a:fillRef>
-          <a:effectRef idx="2">
-            <a:schemeClr val="accent1"/>
-          </a:effectRef>
-          <a:fontRef idx="minor">
-            <a:schemeClr val="lt1"/>
-          </a:fontRef>
-        </p:style>
-        <p:txBody>
-          <a:bodyPr rtlCol="0" anchor="ctr"/>
-          <a:lstStyle/>
-          <a:p>
-            <a:pPr algn="ctr"/>
-            <a:endParaRPr lang="en-US"/>
-          </a:p>
-        </p:txBody>
-      </p:sp>
-      <p:sp>
-        <p:nvSpPr>
-          <p:cNvPr id="10" name="TextBox 9"/>
-          <p:cNvSpPr txBox="1"/>
-          <p:nvPr/>
-        </p:nvSpPr>
-        <p:spPr>
-          <a:xfrm>
-            <a:off x="701969" y="4117414"/>
-            <a:ext cx="1582031" cy="400110"/>
-          </a:xfrm>
-          <a:prstGeom prst="rect">
-            <a:avLst/>
-          </a:prstGeom>
-          <a:noFill/>
-          <a:ln>
-            <a:solidFill>
-              <a:schemeClr val="tx1"/>
-            </a:solidFill>
-          </a:ln>
-        </p:spPr>
-        <p:txBody>
-          <a:bodyPr wrap="square" rtlCol="0">
-            <a:spAutoFit/>
-          </a:bodyPr>
-          <a:lstStyle/>
-          <a:p>
-            <a:r>
-              <a:rPr lang="en-US" sz="2000" dirty="0" smtClean="0">
-                <a:latin typeface="+mn-lt"/>
-              </a:rPr>
-              <a:t>Attribute1</a:t>
-            </a:r>
-            <a:endParaRPr lang="en-US" sz="2000" dirty="0">
-              <a:latin typeface="+mn-lt"/>
-            </a:endParaRPr>
-          </a:p>
-        </p:txBody>
-      </p:sp>
-      <p:sp>
-        <p:nvSpPr>
-          <p:cNvPr id="11" name="TextBox 10"/>
-          <p:cNvSpPr txBox="1"/>
-          <p:nvPr/>
-        </p:nvSpPr>
-        <p:spPr>
-          <a:xfrm>
-            <a:off x="1915879" y="5013763"/>
-            <a:ext cx="1556060" cy="400110"/>
-          </a:xfrm>
-          <a:prstGeom prst="rect">
-            <a:avLst/>
-          </a:prstGeom>
-          <a:noFill/>
-          <a:ln>
-            <a:solidFill>
-              <a:schemeClr val="tx1"/>
-            </a:solidFill>
-          </a:ln>
-        </p:spPr>
-        <p:txBody>
-          <a:bodyPr wrap="square" rtlCol="0">
-            <a:spAutoFit/>
-          </a:bodyPr>
-          <a:lstStyle/>
-          <a:p>
-            <a:r>
-              <a:rPr lang="en-US" sz="2000" dirty="0" smtClean="0">
-                <a:latin typeface="+mn-lt"/>
-              </a:rPr>
-              <a:t>Attribute3</a:t>
-            </a:r>
-            <a:endParaRPr lang="en-US" sz="2000" dirty="0">
-              <a:latin typeface="+mn-lt"/>
-            </a:endParaRPr>
-          </a:p>
-        </p:txBody>
-      </p:sp>
-      <p:sp>
-        <p:nvSpPr>
-          <p:cNvPr id="12" name="TextBox 11"/>
-          <p:cNvSpPr txBox="1"/>
-          <p:nvPr/>
-        </p:nvSpPr>
-        <p:spPr>
-          <a:xfrm>
-            <a:off x="3169568" y="4117414"/>
-            <a:ext cx="1485493" cy="400110"/>
-          </a:xfrm>
-          <a:prstGeom prst="rect">
-            <a:avLst/>
-          </a:prstGeom>
-          <a:noFill/>
-          <a:ln>
-            <a:solidFill>
-              <a:schemeClr val="tx1"/>
-            </a:solidFill>
-          </a:ln>
-        </p:spPr>
-        <p:txBody>
-          <a:bodyPr wrap="square" rtlCol="0">
-            <a:spAutoFit/>
-          </a:bodyPr>
-          <a:lstStyle/>
-          <a:p>
-            <a:r>
-              <a:rPr lang="en-US" sz="2000" dirty="0" smtClean="0">
-                <a:latin typeface="+mn-lt"/>
-              </a:rPr>
-              <a:t>Attribute2</a:t>
-            </a:r>
-            <a:endParaRPr lang="en-US" sz="2000" dirty="0">
-              <a:latin typeface="+mn-lt"/>
-            </a:endParaRPr>
-          </a:p>
-        </p:txBody>
-      </p:sp>
-      <p:cxnSp>
-        <p:nvCxnSpPr>
-          <p:cNvPr id="13" name="Straight Arrow Connector 12"/>
-          <p:cNvCxnSpPr/>
-          <p:nvPr/>
-        </p:nvCxnSpPr>
-        <p:spPr>
-          <a:xfrm>
-            <a:off x="1165862" y="4486746"/>
-            <a:ext cx="1242937" cy="527017"/>
-          </a:xfrm>
-          <a:prstGeom prst="straightConnector1">
-            <a:avLst/>
-          </a:prstGeom>
-          <a:ln>
-            <a:tailEnd type="arrow"/>
-          </a:ln>
-        </p:spPr>
-        <p:style>
-          <a:lnRef idx="2">
-            <a:schemeClr val="accent1"/>
-          </a:lnRef>
-          <a:fillRef idx="0">
-            <a:schemeClr val="accent1"/>
-          </a:fillRef>
-          <a:effectRef idx="1">
-            <a:schemeClr val="accent1"/>
-          </a:effectRef>
-          <a:fontRef idx="minor">
-            <a:schemeClr val="tx1"/>
-          </a:fontRef>
-        </p:style>
-      </p:cxnSp>
-      <p:cxnSp>
-        <p:nvCxnSpPr>
-          <p:cNvPr id="14" name="Straight Arrow Connector 13"/>
-          <p:cNvCxnSpPr>
-            <a:stCxn id="12" idx="2"/>
-            <a:endCxn id="11" idx="0"/>
-          </p:cNvCxnSpPr>
-          <p:nvPr/>
-        </p:nvCxnSpPr>
-        <p:spPr>
-          <a:xfrm flipH="1">
-            <a:off x="2693909" y="4517524"/>
-            <a:ext cx="1218406" cy="496239"/>
-          </a:xfrm>
-          <a:prstGeom prst="straightConnector1">
-            <a:avLst/>
-          </a:prstGeom>
-          <a:ln>
-            <a:tailEnd type="arrow"/>
-          </a:ln>
-        </p:spPr>
-        <p:style>
-          <a:lnRef idx="2">
-            <a:schemeClr val="accent1"/>
-          </a:lnRef>
-          <a:fillRef idx="0">
-            <a:schemeClr val="accent1"/>
-          </a:fillRef>
-          <a:effectRef idx="1">
-            <a:schemeClr val="accent1"/>
-          </a:effectRef>
-          <a:fontRef idx="minor">
-            <a:schemeClr val="tx1"/>
-          </a:fontRef>
-        </p:style>
-      </p:cxnSp>
-      <p:sp>
-        <p:nvSpPr>
-          <p:cNvPr id="22" name="TextBox 21"/>
-          <p:cNvSpPr txBox="1"/>
-          <p:nvPr/>
-        </p:nvSpPr>
-        <p:spPr>
-          <a:xfrm>
-            <a:off x="2922855" y="3507103"/>
-            <a:ext cx="1732206" cy="400110"/>
-          </a:xfrm>
-          <a:prstGeom prst="rect">
-            <a:avLst/>
-          </a:prstGeom>
-          <a:noFill/>
-        </p:spPr>
-        <p:txBody>
-          <a:bodyPr wrap="square" rtlCol="0">
-            <a:spAutoFit/>
-          </a:bodyPr>
-          <a:lstStyle/>
-          <a:p>
-            <a:r>
-              <a:rPr lang="en-US" sz="2000" dirty="0" smtClean="0">
-                <a:latin typeface="+mn-lt"/>
-              </a:rPr>
-              <a:t>Learning</a:t>
-            </a:r>
-            <a:endParaRPr lang="en-US" sz="2000" dirty="0">
-              <a:latin typeface="+mn-lt"/>
-            </a:endParaRPr>
-          </a:p>
-        </p:txBody>
-      </p:sp>
-      <p:graphicFrame>
-        <p:nvGraphicFramePr>
-          <p:cNvPr id="24" name="Content Placeholder 6"/>
-          <p:cNvGraphicFramePr>
-            <a:graphicFrameLocks noGrp="1"/>
-          </p:cNvGraphicFramePr>
-          <p:nvPr>
-            <p:ph sz="quarter" idx="1"/>
-            <p:extLst>
-              <p:ext uri="{D42A27DB-BD31-4B8C-83A1-F6EECF244321}">
-                <p14:modId xmlns:p14="http://schemas.microsoft.com/office/powerpoint/2010/main" val="2694164429"/>
-              </p:ext>
-            </p:extLst>
-          </p:nvPr>
-        </p:nvGraphicFramePr>
-        <p:xfrm>
-          <a:off x="355611" y="2116148"/>
-          <a:ext cx="4451492" cy="1112520"/>
-        </p:xfrm>
-        <a:graphic>
-          <a:graphicData uri="http://schemas.openxmlformats.org/drawingml/2006/table">
-            <a:tbl>
-              <a:tblPr firstRow="1" bandRow="1">
-                <a:tableStyleId>{5C22544A-7EE6-4342-B048-85BDC9FD1C3A}</a:tableStyleId>
-              </a:tblPr>
-              <a:tblGrid>
-                <a:gridCol w="430790"/>
-                <a:gridCol w="1200083"/>
-                <a:gridCol w="1200083"/>
-                <a:gridCol w="1620536"/>
-              </a:tblGrid>
-              <a:tr h="370840">
-                <a:tc>
-                  <a:txBody>
-                    <a:bodyPr/>
-                    <a:lstStyle/>
-                    <a:p>
-                      <a:r>
-                        <a:rPr lang="en-US" dirty="0" smtClean="0"/>
-                        <a:t>ID</a:t>
-                      </a:r>
-                      <a:endParaRPr lang="en-US" dirty="0"/>
-                    </a:p>
-                  </a:txBody>
-                  <a:tcPr/>
-                </a:tc>
-                <a:tc>
-                  <a:txBody>
-                    <a:bodyPr/>
-                    <a:lstStyle/>
-                    <a:p>
-                      <a:r>
-                        <a:rPr lang="en-US" dirty="0" smtClean="0"/>
-                        <a:t>Attribute1</a:t>
-                      </a:r>
-                      <a:endParaRPr lang="en-US" dirty="0"/>
-                    </a:p>
-                  </a:txBody>
-                  <a:tcPr/>
-                </a:tc>
-                <a:tc>
-                  <a:txBody>
-                    <a:bodyPr/>
-                    <a:lstStyle/>
-                    <a:p>
-                      <a:r>
-                        <a:rPr lang="en-US" dirty="0" smtClean="0"/>
-                        <a:t>Attribute2</a:t>
-                      </a:r>
-                      <a:endParaRPr lang="en-US" dirty="0"/>
-                    </a:p>
-                  </a:txBody>
-                  <a:tcPr/>
-                </a:tc>
-                <a:tc>
-                  <a:txBody>
-                    <a:bodyPr/>
-                    <a:lstStyle/>
-                    <a:p>
-                      <a:r>
-                        <a:rPr lang="en-US" dirty="0" smtClean="0"/>
-                        <a:t>Attribute3</a:t>
-                      </a:r>
-                      <a:endParaRPr lang="en-US" dirty="0"/>
-                    </a:p>
-                  </a:txBody>
-                  <a:tcPr/>
-                </a:tc>
-              </a:tr>
-              <a:tr h="370840">
-                <a:tc>
-                  <a:txBody>
-                    <a:bodyPr/>
-                    <a:lstStyle/>
-                    <a:p>
-                      <a:r>
-                        <a:rPr lang="en-US" dirty="0" smtClean="0"/>
-                        <a:t>1</a:t>
-                      </a:r>
-                      <a:endParaRPr lang="en-US" dirty="0"/>
-                    </a:p>
-                  </a:txBody>
-                  <a:tcPr/>
-                </a:tc>
-                <a:tc>
-                  <a:txBody>
-                    <a:bodyPr/>
-                    <a:lstStyle/>
-                    <a:p>
-                      <a:r>
-                        <a:rPr lang="en-US" dirty="0" smtClean="0"/>
-                        <a:t>W</a:t>
-                      </a:r>
-                      <a:endParaRPr lang="en-US" dirty="0"/>
-                    </a:p>
-                  </a:txBody>
-                  <a:tcPr/>
-                </a:tc>
-                <a:tc>
-                  <a:txBody>
-                    <a:bodyPr/>
-                    <a:lstStyle/>
-                    <a:p>
-                      <a:r>
-                        <a:rPr lang="en-US" dirty="0" smtClean="0"/>
-                        <a:t>rich</a:t>
-                      </a:r>
-                      <a:endParaRPr lang="en-US" dirty="0"/>
-                    </a:p>
-                  </a:txBody>
-                  <a:tcPr/>
-                </a:tc>
-                <a:tc>
-                  <a:txBody>
-                    <a:bodyPr/>
-                    <a:lstStyle/>
-                    <a:p>
-                      <a:r>
-                        <a:rPr lang="en-US" dirty="0" smtClean="0"/>
-                        <a:t>10</a:t>
-                      </a:r>
-                      <a:endParaRPr lang="en-US" dirty="0"/>
-                    </a:p>
-                  </a:txBody>
-                  <a:tcPr/>
-                </a:tc>
-              </a:tr>
-              <a:tr h="370840">
-                <a:tc>
-                  <a:txBody>
-                    <a:bodyPr/>
-                    <a:lstStyle/>
-                    <a:p>
-                      <a:r>
-                        <a:rPr lang="en-US" dirty="0" smtClean="0"/>
-                        <a:t>2</a:t>
-                      </a:r>
-                      <a:endParaRPr lang="en-US" dirty="0"/>
-                    </a:p>
-                  </a:txBody>
-                  <a:tcPr/>
-                </a:tc>
-                <a:tc>
-                  <a:txBody>
-                    <a:bodyPr/>
-                    <a:lstStyle/>
-                    <a:p>
-                      <a:r>
-                        <a:rPr lang="en-US" dirty="0" smtClean="0"/>
-                        <a:t>....</a:t>
-                      </a:r>
-                      <a:endParaRPr lang="en-US" dirty="0"/>
-                    </a:p>
-                  </a:txBody>
-                  <a:tcPr/>
-                </a:tc>
-                <a:tc>
-                  <a:txBody>
-                    <a:bodyPr/>
-                    <a:lstStyle/>
-                    <a:p>
-                      <a:r>
-                        <a:rPr lang="en-US" dirty="0" smtClean="0"/>
-                        <a:t>...</a:t>
-                      </a:r>
-                      <a:endParaRPr lang="en-US" dirty="0"/>
-                    </a:p>
-                  </a:txBody>
-                  <a:tcPr/>
-                </a:tc>
-                <a:tc>
-                  <a:txBody>
-                    <a:bodyPr/>
-                    <a:lstStyle/>
-                    <a:p>
-                      <a:r>
-                        <a:rPr lang="en-US" dirty="0" smtClean="0"/>
-                        <a:t>...</a:t>
-                      </a:r>
-                      <a:endParaRPr lang="en-US" dirty="0"/>
-                    </a:p>
-                  </a:txBody>
-                  <a:tcPr/>
-                </a:tc>
-              </a:tr>
-            </a:tbl>
-          </a:graphicData>
-        </a:graphic>
-      </p:graphicFrame>
-      <p:sp>
-        <p:nvSpPr>
-          <p:cNvPr id="25" name="TextBox 24"/>
-          <p:cNvSpPr txBox="1"/>
-          <p:nvPr/>
-        </p:nvSpPr>
-        <p:spPr>
-          <a:xfrm>
-            <a:off x="4112154" y="5240495"/>
-            <a:ext cx="4574646" cy="830997"/>
-          </a:xfrm>
-          <a:prstGeom prst="rect">
-            <a:avLst/>
-          </a:prstGeom>
-          <a:noFill/>
-          <a:ln>
-            <a:solidFill>
-              <a:schemeClr val="tx1"/>
-            </a:solidFill>
-          </a:ln>
-        </p:spPr>
-        <p:txBody>
-          <a:bodyPr wrap="square" rtlCol="0">
-            <a:spAutoFit/>
-          </a:bodyPr>
-          <a:lstStyle/>
-          <a:p>
-            <a:r>
-              <a:rPr lang="en-US" sz="2400" dirty="0">
-                <a:latin typeface="+mn-lt"/>
-              </a:rPr>
-              <a:t>L</a:t>
-            </a:r>
-            <a:r>
-              <a:rPr lang="en-US" sz="2400" dirty="0" smtClean="0">
-                <a:latin typeface="+mn-lt"/>
-              </a:rPr>
-              <a:t>ikelihood of potential outlier</a:t>
-            </a:r>
-          </a:p>
-          <a:p>
-            <a:r>
-              <a:rPr lang="en-US" sz="2400" dirty="0" smtClean="0">
-                <a:latin typeface="+mn-lt"/>
-              </a:rPr>
-              <a:t>low likelihood </a:t>
-            </a:r>
-            <a:r>
-              <a:rPr lang="en-US" sz="2400" dirty="0" smtClean="0">
-                <a:latin typeface="+mn-lt"/>
-                <a:ea typeface="Wingdings"/>
-                <a:cs typeface="Wingdings"/>
-                <a:sym typeface="Wingdings"/>
-              </a:rPr>
-              <a:t></a:t>
-            </a:r>
-            <a:r>
-              <a:rPr lang="en-US" sz="2400" dirty="0" smtClean="0">
-                <a:latin typeface="+mn-lt"/>
-              </a:rPr>
-              <a:t>outlier</a:t>
-            </a:r>
-            <a:endParaRPr lang="en-US" sz="2400" dirty="0">
-              <a:latin typeface="+mn-lt"/>
-            </a:endParaRPr>
-          </a:p>
-        </p:txBody>
-      </p:sp>
-      <p:cxnSp>
-        <p:nvCxnSpPr>
-          <p:cNvPr id="27" name="Straight Arrow Connector 26"/>
-          <p:cNvCxnSpPr/>
-          <p:nvPr/>
-        </p:nvCxnSpPr>
-        <p:spPr>
-          <a:xfrm>
-            <a:off x="4112154" y="4517524"/>
-            <a:ext cx="1189300" cy="722971"/>
-          </a:xfrm>
-          <a:prstGeom prst="straightConnector1">
-            <a:avLst/>
-          </a:prstGeom>
-          <a:ln>
-            <a:tailEnd type="arrow"/>
-          </a:ln>
-        </p:spPr>
-        <p:style>
-          <a:lnRef idx="2">
-            <a:schemeClr val="accent1"/>
-          </a:lnRef>
-          <a:fillRef idx="0">
-            <a:schemeClr val="accent1"/>
-          </a:fillRef>
-          <a:effectRef idx="1">
-            <a:schemeClr val="accent1"/>
-          </a:effectRef>
-          <a:fontRef idx="minor">
-            <a:schemeClr val="tx1"/>
-          </a:fontRef>
-        </p:style>
-      </p:cxnSp>
-      <p:cxnSp>
-        <p:nvCxnSpPr>
-          <p:cNvPr id="29" name="Straight Arrow Connector 28"/>
-          <p:cNvCxnSpPr/>
-          <p:nvPr/>
-        </p:nvCxnSpPr>
-        <p:spPr>
-          <a:xfrm>
-            <a:off x="6732645" y="4618115"/>
-            <a:ext cx="0" cy="622380"/>
-          </a:xfrm>
-          <a:prstGeom prst="straightConnector1">
-            <a:avLst/>
-          </a:prstGeom>
-          <a:ln>
-            <a:tailEnd type="arrow"/>
-          </a:ln>
-        </p:spPr>
-        <p:style>
-          <a:lnRef idx="2">
-            <a:schemeClr val="accent1"/>
-          </a:lnRef>
-          <a:fillRef idx="0">
-            <a:schemeClr val="accent1"/>
-          </a:fillRef>
-          <a:effectRef idx="1">
-            <a:schemeClr val="accent1"/>
-          </a:effectRef>
-          <a:fontRef idx="minor">
-            <a:schemeClr val="tx1"/>
-          </a:fontRef>
-        </p:style>
-      </p:cxnSp>
-      <p:pic>
-        <p:nvPicPr>
-          <p:cNvPr id="2" name="Picture 1" descr="andrew_ng.jpg"/>
-          <p:cNvPicPr>
-            <a:picLocks noChangeAspect="1"/>
-          </p:cNvPicPr>
-          <p:nvPr/>
-        </p:nvPicPr>
-        <p:blipFill>
-          <a:blip r:embed="rId2" cstate="print">
-            <a:extLst>
-              <a:ext uri="{28A0092B-C50C-407E-A947-70E740481C1C}">
-                <a14:useLocalDpi xmlns:a14="http://schemas.microsoft.com/office/drawing/2010/main" val="0"/>
-              </a:ext>
-            </a:extLst>
-          </a:blip>
-          <a:stretch>
-            <a:fillRect/>
-          </a:stretch>
-        </p:blipFill>
-        <p:spPr>
-          <a:xfrm>
-            <a:off x="5601729" y="1417638"/>
-            <a:ext cx="2261832" cy="1704414"/>
-          </a:xfrm>
-          <a:prstGeom prst="rect">
-            <a:avLst/>
-          </a:prstGeom>
-        </p:spPr>
-      </p:pic>
     </p:spTree>
     <p:extLst>
       <p:ext uri="{BB962C8B-B14F-4D97-AF65-F5344CB8AC3E}">
-        <p14:creationId xmlns:p14="http://schemas.microsoft.com/office/powerpoint/2010/main" val="949920631"/>
+        <p14:creationId xmlns:p14="http://schemas.microsoft.com/office/powerpoint/2010/main" val="271078607"/>
       </p:ext>
     </p:extLst>
   </p:cSld>
   <p:clrMapOvr>
     <a:masterClrMapping/>
   </p:clrMapOvr>
-  <mc:AlternateContent xmlns:mc="http://schemas.openxmlformats.org/markup-compatibility/2006">
-    <mc:Choice xmlns:p14="http://schemas.microsoft.com/office/powerpoint/2010/main" Requires="p14">
-      <p:transition spd="slow" p14:dur="2000"/>
-    </mc:Choice>
-    <mc:Fallback>
-      <p:transition xmlns:p14="http://schemas.microsoft.com/office/powerpoint/2010/main" spd="slow"/>
-    </mc:Fallback>
-  </mc:AlternateContent>
-  <p:timing>
-    <p:tnLst>
-      <p:par>
-        <p:cTn xmlns:p14="http://schemas.microsoft.com/office/powerpoint/2010/main" id="1" dur="indefinite" restart="never" nodeType="tmRoot"/>
-      </p:par>
-    </p:tnLst>
-  </p:timing>
 </p:sld>
 </file>
 
@@ -14650,173 +13401,6 @@
             <p:ph type="title"/>
           </p:nvPr>
         </p:nvSpPr>
-        <p:spPr/>
-        <p:txBody>
-          <a:bodyPr/>
-          <a:lstStyle/>
-          <a:p>
-            <a:r>
-              <a:rPr lang="en-US"/>
-              <a:t>Methods Compared</a:t>
-            </a:r>
-          </a:p>
-        </p:txBody>
-      </p:sp>
-      <p:sp>
-        <p:nvSpPr>
-          <p:cNvPr id="3" name="Content Placeholder 2"/>
-          <p:cNvSpPr>
-            <a:spLocks noGrp="1"/>
-          </p:cNvSpPr>
-          <p:nvPr>
-            <p:ph sz="quarter" idx="1"/>
-          </p:nvPr>
-        </p:nvSpPr>
-        <p:spPr/>
-        <p:txBody>
-          <a:bodyPr/>
-          <a:lstStyle/>
-          <a:p>
-            <a:r>
-              <a:rPr lang="en-US"/>
-              <a:t>Outlierness metrics</a:t>
-            </a:r>
-          </a:p>
-          <a:p>
-            <a:pPr lvl="1"/>
-            <a:r>
-              <a:rPr lang="en-US"/>
-              <a:t>KLD</a:t>
-            </a:r>
-          </a:p>
-          <a:p>
-            <a:pPr lvl="1"/>
-            <a:r>
-              <a:rPr lang="en-US"/>
-              <a:t>|KLD|: replace log-differences by log-distances</a:t>
-            </a:r>
-          </a:p>
-          <a:p>
-            <a:pPr lvl="1"/>
-            <a:r>
-              <a:rPr lang="en-US"/>
-              <a:t>ELD</a:t>
-            </a:r>
-          </a:p>
-          <a:p>
-            <a:pPr lvl="1"/>
-            <a:r>
-              <a:rPr lang="en-US"/>
-              <a:t>LOG = -log-likelihood of generic class model on individual database</a:t>
-            </a:r>
-          </a:p>
-          <a:p>
-            <a:pPr lvl="1"/>
-            <a:r>
-              <a:rPr lang="en-US"/>
-              <a:t>FD: |KLD| with respect to marginals only</a:t>
-            </a:r>
-          </a:p>
-          <a:p>
-            <a:r>
-              <a:rPr lang="en-US"/>
-              <a:t>Aggregation Methods</a:t>
-            </a:r>
-          </a:p>
-          <a:p>
-            <a:pPr marL="776288" lvl="1" indent="-457200">
-              <a:buFont typeface="+mj-lt"/>
-              <a:buAutoNum type="arabicPeriod"/>
-            </a:pPr>
-            <a:r>
-              <a:rPr lang="en-US"/>
-              <a:t>Use counts of single feature values to form data matrix</a:t>
-            </a:r>
-          </a:p>
-          <a:p>
-            <a:pPr marL="776288" lvl="1" indent="-457200">
-              <a:buFont typeface="+mj-lt"/>
-              <a:buAutoNum type="arabicPeriod"/>
-            </a:pPr>
-            <a:r>
-              <a:rPr lang="en-US"/>
-              <a:t>Apply standard single-table methods (LOF, KNN, OutRank) </a:t>
-            </a:r>
-          </a:p>
-          <a:p>
-            <a:endParaRPr lang="en-US"/>
-          </a:p>
-          <a:p>
-            <a:pPr lvl="1"/>
-            <a:endParaRPr lang="en-US"/>
-          </a:p>
-        </p:txBody>
-      </p:sp>
-      <p:sp>
-        <p:nvSpPr>
-          <p:cNvPr id="4" name="Footer Placeholder 3"/>
-          <p:cNvSpPr>
-            <a:spLocks noGrp="1"/>
-          </p:cNvSpPr>
-          <p:nvPr>
-            <p:ph type="ftr" sz="quarter" idx="11"/>
-          </p:nvPr>
-        </p:nvSpPr>
-        <p:spPr/>
-        <p:txBody>
-          <a:bodyPr/>
-          <a:lstStyle/>
-          <a:p>
-            <a:pPr>
-              <a:defRPr/>
-            </a:pPr>
-            <a:r>
-              <a:rPr lang="en-US"/>
-              <a:t>Presentation Title At Venue</a:t>
-            </a:r>
-          </a:p>
-        </p:txBody>
-      </p:sp>
-    </p:spTree>
-    <p:extLst>
-      <p:ext uri="{BB962C8B-B14F-4D97-AF65-F5344CB8AC3E}">
-        <p14:creationId xmlns:p14="http://schemas.microsoft.com/office/powerpoint/2010/main" val="271078607"/>
-      </p:ext>
-    </p:extLst>
-  </p:cSld>
-  <p:clrMapOvr>
-    <a:masterClrMapping/>
-  </p:clrMapOvr>
-</p:sld>
-</file>
-
-<file path=ppt/slides/slide24.xml><?xml version="1.0" encoding="utf-8"?>
-<p:sld xmlns:a="http://schemas.openxmlformats.org/drawingml/2006/main" xmlns:r="http://schemas.openxmlformats.org/officeDocument/2006/relationships" xmlns:p="http://schemas.openxmlformats.org/presentationml/2006/main">
-  <p:cSld>
-    <p:spTree>
-      <p:nvGrpSpPr>
-        <p:cNvPr id="1" name=""/>
-        <p:cNvGrpSpPr/>
-        <p:nvPr/>
-      </p:nvGrpSpPr>
-      <p:grpSpPr>
-        <a:xfrm>
-          <a:off x="0" y="0"/>
-          <a:ext cx="0" cy="0"/>
-          <a:chOff x="0" y="0"/>
-          <a:chExt cx="0" cy="0"/>
-        </a:xfrm>
-      </p:grpSpPr>
-      <p:sp>
-        <p:nvSpPr>
-          <p:cNvPr id="2" name="Title 1"/>
-          <p:cNvSpPr>
-            <a:spLocks noGrp="1"/>
-          </p:cNvSpPr>
-          <p:nvPr>
-            <p:ph type="title"/>
-          </p:nvPr>
-        </p:nvSpPr>
         <p:spPr>
           <a:xfrm>
             <a:off x="824754" y="274638"/>
@@ -14879,34 +13463,6 @@
       </p:sp>
       <p:sp>
         <p:nvSpPr>
-          <p:cNvPr id="4" name="Slide Number Placeholder 3"/>
-          <p:cNvSpPr>
-            <a:spLocks noGrp="1"/>
-          </p:cNvSpPr>
-          <p:nvPr>
-            <p:ph type="sldNum" sz="quarter" idx="12"/>
-          </p:nvPr>
-        </p:nvSpPr>
-        <p:spPr/>
-        <p:txBody>
-          <a:bodyPr/>
-          <a:lstStyle/>
-          <a:p>
-            <a:fld id="{B6F15528-21DE-4FAA-801E-634DDDAF4B2B}" type="slidenum">
-              <a:rPr lang="en-US" smtClean="0"/>
-              <a:pPr/>
-              <a:t>24</a:t>
-            </a:fld>
-            <a:r>
-              <a:rPr lang="en-US" smtClean="0"/>
-              <a:t>/19</a:t>
-            </a:r>
-            <a:endParaRPr lang="en-US" dirty="0"/>
-          </a:p>
-        </p:txBody>
-      </p:sp>
-      <p:sp>
-        <p:nvSpPr>
           <p:cNvPr id="5" name="Footer Placeholder 4"/>
           <p:cNvSpPr>
             <a:spLocks noGrp="1"/>
@@ -14917,7 +13473,7 @@
         </p:nvSpPr>
         <p:spPr>
           <a:xfrm>
-            <a:off x="152400" y="6356350"/>
+            <a:off x="152400" y="5768975"/>
             <a:ext cx="7924800" cy="501649"/>
           </a:xfrm>
         </p:spPr>
@@ -15154,7 +13710,7 @@
 </p:sld>
 </file>
 
-<file path=ppt/slides/slide25.xml><?xml version="1.0" encoding="utf-8"?>
+<file path=ppt/slides/slide24.xml><?xml version="1.0" encoding="utf-8"?>
 <p:sld xmlns:a="http://schemas.openxmlformats.org/drawingml/2006/main" xmlns:r="http://schemas.openxmlformats.org/officeDocument/2006/relationships" xmlns:p="http://schemas.openxmlformats.org/presentationml/2006/main">
   <p:cSld>
     <p:spTree>
@@ -16122,7 +14678,7 @@
 </p:sld>
 </file>
 
-<file path=ppt/slides/slide26.xml><?xml version="1.0" encoding="utf-8"?>
+<file path=ppt/slides/slide25.xml><?xml version="1.0" encoding="utf-8"?>
 <p:sld xmlns:a="http://schemas.openxmlformats.org/drawingml/2006/main" xmlns:r="http://schemas.openxmlformats.org/officeDocument/2006/relationships" xmlns:p="http://schemas.openxmlformats.org/presentationml/2006/main">
   <p:cSld>
     <p:spTree>
@@ -16162,81 +14718,6 @@
             <a:r>
               <a:rPr lang="en-CA" dirty="0"/>
               <a:t>Synthetic Data Results</a:t>
-            </a:r>
-            <a:endParaRPr lang="en-US" dirty="0"/>
-          </a:p>
-        </p:txBody>
-      </p:sp>
-      <p:sp>
-        <p:nvSpPr>
-          <p:cNvPr id="3" name="Content Placeholder 2"/>
-          <p:cNvSpPr>
-            <a:spLocks noGrp="1"/>
-          </p:cNvSpPr>
-          <p:nvPr>
-            <p:ph idx="1"/>
-          </p:nvPr>
-        </p:nvSpPr>
-        <p:spPr>
-          <a:xfrm>
-            <a:off x="457200" y="1646237"/>
-            <a:ext cx="8229600" cy="4525963"/>
-          </a:xfrm>
-        </p:spPr>
-        <p:txBody>
-          <a:bodyPr/>
-          <a:lstStyle/>
-          <a:p>
-            <a:r>
-              <a:rPr lang="en-US" sz="2800" dirty="0" smtClean="0"/>
-              <a:t>Use precision as evaluation metric</a:t>
-            </a:r>
-          </a:p>
-          <a:p>
-            <a:pPr lvl="1"/>
-            <a:r>
-              <a:rPr lang="en-US" dirty="0" smtClean="0"/>
-              <a:t>Set the percentages of outliers to be 1% and 5%</a:t>
-            </a:r>
-          </a:p>
-          <a:p>
-            <a:pPr lvl="1"/>
-            <a:r>
-              <a:rPr lang="en-US" dirty="0" smtClean="0"/>
-              <a:t>How many outliers were correctly recognized</a:t>
-            </a:r>
-          </a:p>
-          <a:p>
-            <a:pPr marL="457200" lvl="1" indent="0">
-              <a:buNone/>
-            </a:pPr>
-            <a:endParaRPr lang="en-US" dirty="0" smtClean="0"/>
-          </a:p>
-        </p:txBody>
-      </p:sp>
-      <p:sp>
-        <p:nvSpPr>
-          <p:cNvPr id="4" name="Slide Number Placeholder 3"/>
-          <p:cNvSpPr>
-            <a:spLocks noGrp="1"/>
-          </p:cNvSpPr>
-          <p:nvPr>
-            <p:ph type="sldNum" sz="quarter" idx="12"/>
-          </p:nvPr>
-        </p:nvSpPr>
-        <p:spPr/>
-        <p:txBody>
-          <a:bodyPr/>
-          <a:lstStyle/>
-          <a:p>
-            <a:fld id="{B6F15528-21DE-4FAA-801E-634DDDAF4B2B}" type="slidenum">
-              <a:rPr lang="en-US" smtClean="0"/>
-              <a:pPr/>
-              <a:t>26</a:t>
-            </a:fld>
-            <a:r>
-              <a:rPr lang="en-US" smtClean="0"/>
-              <a:t>/19</a:t>
             </a:r>
             <a:endParaRPr lang="en-US" dirty="0"/>
           </a:p>
@@ -16259,8 +14740,8 @@
         </p:blipFill>
         <p:spPr bwMode="auto">
           <a:xfrm>
-            <a:off x="164351" y="3429000"/>
-            <a:ext cx="8624184" cy="3048000"/>
+            <a:off x="-1" y="1759074"/>
+            <a:ext cx="9197721" cy="3250702"/>
           </a:xfrm>
           <a:prstGeom prst="rect">
             <a:avLst/>
@@ -16294,7 +14775,7 @@
 </p:sld>
 </file>
 
-<file path=ppt/slides/slide27.xml><?xml version="1.0" encoding="utf-8"?>
+<file path=ppt/slides/slide26.xml><?xml version="1.0" encoding="utf-8"?>
 <p:sld xmlns:a="http://schemas.openxmlformats.org/drawingml/2006/main" xmlns:r="http://schemas.openxmlformats.org/officeDocument/2006/relationships" xmlns:p="http://schemas.openxmlformats.org/presentationml/2006/main">
   <p:cSld>
     <p:spTree>
@@ -16341,34 +14822,6 @@
       </p:sp>
       <p:sp>
         <p:nvSpPr>
-          <p:cNvPr id="4" name="Slide Number Placeholder 3"/>
-          <p:cNvSpPr>
-            <a:spLocks noGrp="1"/>
-          </p:cNvSpPr>
-          <p:nvPr>
-            <p:ph type="sldNum" sz="quarter" idx="12"/>
-          </p:nvPr>
-        </p:nvSpPr>
-        <p:spPr/>
-        <p:txBody>
-          <a:bodyPr/>
-          <a:lstStyle/>
-          <a:p>
-            <a:fld id="{B6F15528-21DE-4FAA-801E-634DDDAF4B2B}" type="slidenum">
-              <a:rPr lang="en-US" smtClean="0"/>
-              <a:pPr/>
-              <a:t>27</a:t>
-            </a:fld>
-            <a:r>
-              <a:rPr lang="en-US" smtClean="0"/>
-              <a:t>/19</a:t>
-            </a:r>
-            <a:endParaRPr lang="en-US" dirty="0"/>
-          </a:p>
-        </p:txBody>
-      </p:sp>
-      <p:sp>
-        <p:nvSpPr>
           <p:cNvPr id="7" name="TextBox 6"/>
           <p:cNvSpPr txBox="1"/>
           <p:nvPr/>
@@ -16399,7 +14852,7 @@
       </p:sp>
       <p:pic>
         <p:nvPicPr>
-          <p:cNvPr id="6" name="Picture 5" descr="HighCor.pdf"/>
+          <p:cNvPr id="6" name="Picture 5"/>
           <p:cNvPicPr>
             <a:picLocks noChangeAspect="1"/>
           </p:cNvPicPr>
@@ -16419,8 +14872,8 @@
         </p:blipFill>
         <p:spPr>
           <a:xfrm>
-            <a:off x="-152400" y="1905000"/>
-            <a:ext cx="5029200" cy="5029200"/>
+            <a:off x="0" y="1905000"/>
+            <a:ext cx="4876799" cy="4876799"/>
           </a:xfrm>
           <a:prstGeom prst="rect">
             <a:avLst/>
@@ -16429,7 +14882,7 @@
       </p:pic>
       <p:pic>
         <p:nvPicPr>
-          <p:cNvPr id="8" name="Picture 7" descr="lowCor.pdf"/>
+          <p:cNvPr id="8" name="Picture 7"/>
           <p:cNvPicPr>
             <a:picLocks noChangeAspect="1"/>
           </p:cNvPicPr>
@@ -16477,7 +14930,7 @@
 </p:sld>
 </file>
 
-<file path=ppt/slides/slide28.xml><?xml version="1.0" encoding="utf-8"?>
+<file path=ppt/slides/slide27.xml><?xml version="1.0" encoding="utf-8"?>
 <p:sld xmlns:a="http://schemas.openxmlformats.org/drawingml/2006/main" xmlns:r="http://schemas.openxmlformats.org/officeDocument/2006/relationships" xmlns:p="http://schemas.openxmlformats.org/presentationml/2006/main">
   <p:cSld>
     <p:spTree>
@@ -17109,34 +15562,6 @@
           </a:graphicData>
         </a:graphic>
       </p:graphicFrame>
-      <p:sp>
-        <p:nvSpPr>
-          <p:cNvPr id="4" name="Slide Number Placeholder 3"/>
-          <p:cNvSpPr>
-            <a:spLocks noGrp="1"/>
-          </p:cNvSpPr>
-          <p:nvPr>
-            <p:ph type="sldNum" sz="quarter" idx="12"/>
-          </p:nvPr>
-        </p:nvSpPr>
-        <p:spPr/>
-        <p:txBody>
-          <a:bodyPr/>
-          <a:lstStyle/>
-          <a:p>
-            <a:fld id="{B6F15528-21DE-4FAA-801E-634DDDAF4B2B}" type="slidenum">
-              <a:rPr lang="en-US" smtClean="0"/>
-              <a:pPr/>
-              <a:t>28</a:t>
-            </a:fld>
-            <a:r>
-              <a:rPr lang="en-US" smtClean="0"/>
-              <a:t>/19</a:t>
-            </a:r>
-            <a:endParaRPr lang="en-US" dirty="0"/>
-          </a:p>
-        </p:txBody>
-      </p:sp>
       <p:graphicFrame>
         <p:nvGraphicFramePr>
           <p:cNvPr id="6" name="Content Placeholder 4"/>
@@ -17761,6 +16186,153 @@
 </p:sld>
 </file>
 
+<file path=ppt/slides/slide28.xml><?xml version="1.0" encoding="utf-8"?>
+<p:sld xmlns:a="http://schemas.openxmlformats.org/drawingml/2006/main" xmlns:r="http://schemas.openxmlformats.org/officeDocument/2006/relationships" xmlns:p="http://schemas.openxmlformats.org/presentationml/2006/main">
+  <p:cSld>
+    <p:spTree>
+      <p:nvGrpSpPr>
+        <p:cNvPr id="1" name=""/>
+        <p:cNvGrpSpPr/>
+        <p:nvPr/>
+      </p:nvGrpSpPr>
+      <p:grpSpPr>
+        <a:xfrm>
+          <a:off x="0" y="0"/>
+          <a:ext cx="0" cy="0"/>
+          <a:chOff x="0" y="0"/>
+          <a:chExt cx="0" cy="0"/>
+        </a:xfrm>
+      </p:grpSpPr>
+      <p:sp>
+        <p:nvSpPr>
+          <p:cNvPr id="2" name="Title 1"/>
+          <p:cNvSpPr>
+            <a:spLocks noGrp="1"/>
+          </p:cNvSpPr>
+          <p:nvPr>
+            <p:ph type="title"/>
+          </p:nvPr>
+        </p:nvSpPr>
+        <p:spPr/>
+        <p:txBody>
+          <a:bodyPr/>
+          <a:lstStyle/>
+          <a:p>
+            <a:r>
+              <a:rPr lang="en-US"/>
+              <a:t>Conclusion</a:t>
+            </a:r>
+          </a:p>
+        </p:txBody>
+      </p:sp>
+      <p:sp>
+        <p:nvSpPr>
+          <p:cNvPr id="3" name="Content Placeholder 2"/>
+          <p:cNvSpPr>
+            <a:spLocks noGrp="1"/>
+          </p:cNvSpPr>
+          <p:nvPr>
+            <p:ph sz="quarter" idx="1"/>
+          </p:nvPr>
+        </p:nvSpPr>
+        <p:spPr/>
+        <p:txBody>
+          <a:bodyPr/>
+          <a:lstStyle/>
+          <a:p>
+            <a:r>
+              <a:rPr lang="en-US"/>
+              <a:t>Relational outlier detection: two approaches for leveraging BN structure learning</a:t>
+            </a:r>
+          </a:p>
+          <a:p>
+            <a:r>
+              <a:rPr lang="en-US"/>
+              <a:t>Propositionalization</a:t>
+            </a:r>
+          </a:p>
+          <a:p>
+            <a:pPr lvl="1"/>
+            <a:r>
+              <a:rPr lang="en-US"/>
+              <a:t>BN structure defines features for single-table outlier detection</a:t>
+            </a:r>
+          </a:p>
+          <a:p>
+            <a:r>
+              <a:rPr lang="en-US"/>
+              <a:t>Relational Outlierness metric</a:t>
+            </a:r>
+          </a:p>
+          <a:p>
+            <a:pPr lvl="1"/>
+            <a:r>
+              <a:rPr lang="en-US"/>
+              <a:t>Use divergence between database distribution for target individual and random individual</a:t>
+            </a:r>
+          </a:p>
+          <a:p>
+            <a:pPr lvl="1"/>
+            <a:r>
+              <a:rPr lang="en-US"/>
+              <a:t>Novel variant of Kullback-Leibler divergence works well:</a:t>
+            </a:r>
+          </a:p>
+          <a:p>
+            <a:pPr lvl="2"/>
+            <a:r>
+              <a:rPr lang="en-US"/>
+              <a:t>interpretable </a:t>
+            </a:r>
+          </a:p>
+          <a:p>
+            <a:pPr lvl="2"/>
+            <a:r>
+              <a:rPr lang="en-US"/>
+              <a:t>accurate </a:t>
+            </a:r>
+          </a:p>
+        </p:txBody>
+      </p:sp>
+      <p:sp>
+        <p:nvSpPr>
+          <p:cNvPr id="4" name="Footer Placeholder 3"/>
+          <p:cNvSpPr>
+            <a:spLocks noGrp="1"/>
+          </p:cNvSpPr>
+          <p:nvPr>
+            <p:ph type="ftr" sz="quarter" idx="11"/>
+          </p:nvPr>
+        </p:nvSpPr>
+        <p:spPr/>
+        <p:txBody>
+          <a:bodyPr/>
+          <a:lstStyle/>
+          <a:p>
+            <a:pPr>
+              <a:defRPr/>
+            </a:pPr>
+            <a:r>
+              <a:rPr lang="en-US" dirty="0" smtClean="0"/>
+              <a:t>Learning Bayesian Networks for Complex Relational Data</a:t>
+            </a:r>
+            <a:endParaRPr lang="en-US" dirty="0"/>
+          </a:p>
+        </p:txBody>
+      </p:sp>
+    </p:spTree>
+    <p:extLst>
+      <p:ext uri="{BB962C8B-B14F-4D97-AF65-F5344CB8AC3E}">
+        <p14:creationId xmlns:p14="http://schemas.microsoft.com/office/powerpoint/2010/main" val="61140085"/>
+      </p:ext>
+    </p:extLst>
+  </p:cSld>
+  <p:clrMapOvr>
+    <a:masterClrMapping/>
+  </p:clrMapOvr>
+</p:sld>
+</file>
+
 <file path=ppt/slides/slide29.xml><?xml version="1.0" encoding="utf-8"?>
 <p:sld xmlns:a="http://schemas.openxmlformats.org/drawingml/2006/main" xmlns:r="http://schemas.openxmlformats.org/officeDocument/2006/relationships" xmlns:p="http://schemas.openxmlformats.org/presentationml/2006/main">
   <p:cSld>
@@ -17795,11 +16367,7 @@
           <a:p>
             <a:r>
               <a:rPr lang="en-US" dirty="0" smtClean="0"/>
-              <a:t>Mutual </a:t>
-            </a:r>
-            <a:r>
-              <a:rPr lang="en-US" smtClean="0"/>
-              <a:t>Information Example</a:t>
+              <a:t>Tutorial Conclusion: First-Order Bayesian Networks</a:t>
             </a:r>
             <a:endParaRPr lang="en-US" dirty="0"/>
           </a:p>
@@ -17822,98 +16390,31 @@
           <a:p>
             <a:r>
               <a:rPr lang="en-US" sz="2800" dirty="0" smtClean="0"/>
-              <a:t>For </a:t>
-            </a:r>
-            <a:r>
-              <a:rPr lang="en-US" sz="2800" dirty="0" err="1" smtClean="0"/>
-              <a:t>Edin</a:t>
-            </a:r>
+              <a:t>Many organizations maintain structured data in relational databases.</a:t>
+            </a:r>
+          </a:p>
+          <a:p>
             <a:r>
               <a:rPr lang="en-US" sz="2800" dirty="0" smtClean="0"/>
-              <a:t> </a:t>
-            </a:r>
-            <a:r>
-              <a:rPr lang="en-US" sz="2800" dirty="0" err="1" smtClean="0"/>
-              <a:t>Dzeko</a:t>
-            </a:r>
+              <a:t>First-order Bayesian networks model probabilistic associations across the entire database.</a:t>
+            </a:r>
+          </a:p>
+          <a:p>
             <a:r>
               <a:rPr lang="en-US" sz="2800" dirty="0" smtClean="0"/>
-              <a:t/>
-            </a:r>
-            <a:br>
+              <a:t>Halpern/Bacchus probabilistic logic unifies logic and probability.</a:t>
+            </a:r>
+          </a:p>
+          <a:p>
+            <a:pPr>
+              <a:buFont typeface="Wingdings" charset="2"/>
+              <a:buChar char="Ø"/>
+            </a:pPr>
+            <a:r>
               <a:rPr lang="en-US" sz="2800" dirty="0" smtClean="0"/>
-            </a:br>
-            <a:r>
-              <a:rPr lang="en-US" sz="2800" dirty="0" err="1" smtClean="0"/>
-              <a:t>Shotefficiency</a:t>
-            </a:r>
-            <a:r>
-              <a:rPr lang="en-US" sz="2800" dirty="0" smtClean="0"/>
-              <a:t> = high, </a:t>
-            </a:r>
-            <a:r>
-              <a:rPr lang="en-US" sz="2800" dirty="0" err="1" smtClean="0"/>
-              <a:t>TackleEfficiency</a:t>
-            </a:r>
-            <a:r>
-              <a:rPr lang="en-US" sz="2800" dirty="0" smtClean="0"/>
-              <a:t> = medium </a:t>
-            </a:r>
-            <a:r>
-              <a:rPr lang="en-US" sz="2800" dirty="0" smtClean="0">
-                <a:latin typeface="Wingdings"/>
-                <a:ea typeface="Wingdings"/>
-                <a:cs typeface="Wingdings"/>
-                <a:sym typeface="Wingdings"/>
-              </a:rPr>
-              <a:t></a:t>
-            </a:r>
-            <a:r>
-              <a:rPr lang="en-US" sz="2800" dirty="0" err="1" smtClean="0"/>
-              <a:t>DribbleEffiency</a:t>
-            </a:r>
-            <a:r>
-              <a:rPr lang="en-US" sz="2800" dirty="0" smtClean="0"/>
-              <a:t> = low</a:t>
-            </a:r>
-          </a:p>
-          <a:p>
-            <a:pPr lvl="1"/>
-            <a:r>
-              <a:rPr lang="en-US" dirty="0" smtClean="0"/>
-              <a:t>confidence = 50%</a:t>
-            </a:r>
-          </a:p>
-          <a:p>
-            <a:pPr lvl="1"/>
-            <a:r>
-              <a:rPr lang="en-US" dirty="0" smtClean="0"/>
-              <a:t>lift = ln(50%/16%)=1.13</a:t>
-            </a:r>
-          </a:p>
-          <a:p>
-            <a:r>
-              <a:rPr lang="en-US" sz="2800" dirty="0" smtClean="0"/>
-              <a:t>For random striker</a:t>
-            </a:r>
-          </a:p>
-          <a:p>
-            <a:pPr lvl="1"/>
-            <a:r>
-              <a:rPr lang="en-US" dirty="0"/>
-              <a:t>c</a:t>
-            </a:r>
-            <a:r>
-              <a:rPr lang="en-US" dirty="0" smtClean="0"/>
-              <a:t>onfidence = 38%</a:t>
-            </a:r>
-          </a:p>
-          <a:p>
-            <a:pPr lvl="1"/>
-            <a:r>
-              <a:rPr lang="en-US" dirty="0"/>
-              <a:t>lift = ln(38%/50%) =-0.27 </a:t>
-            </a:r>
+              <a:t>random selection semantics for Bayesian networks: can query frequencies across the entire database.</a:t>
+            </a:r>
+            <a:endParaRPr lang="en-US" sz="2800" dirty="0"/>
           </a:p>
         </p:txBody>
       </p:sp>
@@ -17937,22 +16438,29 @@
             </a:pPr>
             <a:r>
               <a:rPr lang="en-US" smtClean="0"/>
-              <a:t>Presentation Title At Venue</a:t>
-            </a:r>
-            <a:endParaRPr lang="en-US"/>
+              <a:t>Learning Bayesian Networks for Relational Data</a:t>
+            </a:r>
+            <a:endParaRPr lang="en-US" dirty="0"/>
           </a:p>
         </p:txBody>
       </p:sp>
     </p:spTree>
     <p:extLst>
       <p:ext uri="{BB962C8B-B14F-4D97-AF65-F5344CB8AC3E}">
-        <p14:creationId xmlns:p14="http://schemas.microsoft.com/office/powerpoint/2010/main" val="2841139290"/>
+        <p14:creationId xmlns:p14="http://schemas.microsoft.com/office/powerpoint/2010/main" val="2415735507"/>
       </p:ext>
     </p:extLst>
   </p:cSld>
   <p:clrMapOvr>
     <a:masterClrMapping/>
   </p:clrMapOvr>
+  <p:timing>
+    <p:tnLst>
+      <p:par>
+        <p:cTn xmlns:p14="http://schemas.microsoft.com/office/powerpoint/2010/main" id="1" dur="indefinite" restart="never" nodeType="tmRoot"/>
+      </p:par>
+    </p:tnLst>
+  </p:timing>
 </p:sld>
 </file>
 
@@ -20040,283 +18548,6 @@
           <a:lstStyle/>
           <a:p>
             <a:r>
-              <a:rPr lang="en-US"/>
-              <a:t>Conclusion</a:t>
-            </a:r>
-          </a:p>
-        </p:txBody>
-      </p:sp>
-      <p:sp>
-        <p:nvSpPr>
-          <p:cNvPr id="3" name="Content Placeholder 2"/>
-          <p:cNvSpPr>
-            <a:spLocks noGrp="1"/>
-          </p:cNvSpPr>
-          <p:nvPr>
-            <p:ph sz="quarter" idx="1"/>
-          </p:nvPr>
-        </p:nvSpPr>
-        <p:spPr/>
-        <p:txBody>
-          <a:bodyPr/>
-          <a:lstStyle/>
-          <a:p>
-            <a:r>
-              <a:rPr lang="en-US"/>
-              <a:t>Relational outlier detection: two approaches for leveraging BN structure learning</a:t>
-            </a:r>
-          </a:p>
-          <a:p>
-            <a:r>
-              <a:rPr lang="en-US"/>
-              <a:t>Propositionalization</a:t>
-            </a:r>
-          </a:p>
-          <a:p>
-            <a:pPr lvl="1"/>
-            <a:r>
-              <a:rPr lang="en-US"/>
-              <a:t>BN structure defines features for single-table outlier detection</a:t>
-            </a:r>
-          </a:p>
-          <a:p>
-            <a:r>
-              <a:rPr lang="en-US"/>
-              <a:t>Relational Outlierness metric</a:t>
-            </a:r>
-          </a:p>
-          <a:p>
-            <a:pPr lvl="1"/>
-            <a:r>
-              <a:rPr lang="en-US"/>
-              <a:t>Use divergence between database distribution for target individual and random individual</a:t>
-            </a:r>
-          </a:p>
-          <a:p>
-            <a:pPr lvl="1"/>
-            <a:r>
-              <a:rPr lang="en-US"/>
-              <a:t>Novel variant of Kullback-Leibler divergence works well:</a:t>
-            </a:r>
-          </a:p>
-          <a:p>
-            <a:pPr lvl="2"/>
-            <a:r>
-              <a:rPr lang="en-US"/>
-              <a:t>interpretable </a:t>
-            </a:r>
-          </a:p>
-          <a:p>
-            <a:pPr lvl="2"/>
-            <a:r>
-              <a:rPr lang="en-US"/>
-              <a:t>accurate </a:t>
-            </a:r>
-          </a:p>
-        </p:txBody>
-      </p:sp>
-      <p:sp>
-        <p:nvSpPr>
-          <p:cNvPr id="4" name="Footer Placeholder 3"/>
-          <p:cNvSpPr>
-            <a:spLocks noGrp="1"/>
-          </p:cNvSpPr>
-          <p:nvPr>
-            <p:ph type="ftr" sz="quarter" idx="11"/>
-          </p:nvPr>
-        </p:nvSpPr>
-        <p:spPr/>
-        <p:txBody>
-          <a:bodyPr/>
-          <a:lstStyle/>
-          <a:p>
-            <a:pPr>
-              <a:defRPr/>
-            </a:pPr>
-            <a:r>
-              <a:rPr lang="en-US"/>
-              <a:t>Presentation Title At Venue</a:t>
-            </a:r>
-          </a:p>
-        </p:txBody>
-      </p:sp>
-    </p:spTree>
-    <p:extLst>
-      <p:ext uri="{BB962C8B-B14F-4D97-AF65-F5344CB8AC3E}">
-        <p14:creationId xmlns:p14="http://schemas.microsoft.com/office/powerpoint/2010/main" val="61140085"/>
-      </p:ext>
-    </p:extLst>
-  </p:cSld>
-  <p:clrMapOvr>
-    <a:masterClrMapping/>
-  </p:clrMapOvr>
-</p:sld>
-</file>
-
-<file path=ppt/slides/slide31.xml><?xml version="1.0" encoding="utf-8"?>
-<p:sld xmlns:a="http://schemas.openxmlformats.org/drawingml/2006/main" xmlns:r="http://schemas.openxmlformats.org/officeDocument/2006/relationships" xmlns:p="http://schemas.openxmlformats.org/presentationml/2006/main">
-  <p:cSld>
-    <p:spTree>
-      <p:nvGrpSpPr>
-        <p:cNvPr id="1" name=""/>
-        <p:cNvGrpSpPr/>
-        <p:nvPr/>
-      </p:nvGrpSpPr>
-      <p:grpSpPr>
-        <a:xfrm>
-          <a:off x="0" y="0"/>
-          <a:ext cx="0" cy="0"/>
-          <a:chOff x="0" y="0"/>
-          <a:chExt cx="0" cy="0"/>
-        </a:xfrm>
-      </p:grpSpPr>
-      <p:sp>
-        <p:nvSpPr>
-          <p:cNvPr id="2" name="Title 1"/>
-          <p:cNvSpPr>
-            <a:spLocks noGrp="1"/>
-          </p:cNvSpPr>
-          <p:nvPr>
-            <p:ph type="title"/>
-          </p:nvPr>
-        </p:nvSpPr>
-        <p:spPr/>
-        <p:txBody>
-          <a:bodyPr/>
-          <a:lstStyle/>
-          <a:p>
-            <a:r>
-              <a:rPr lang="en-US" dirty="0" smtClean="0"/>
-              <a:t>Tutorial Conclusion: First-Order Bayesian Networks</a:t>
-            </a:r>
-            <a:endParaRPr lang="en-US" dirty="0"/>
-          </a:p>
-        </p:txBody>
-      </p:sp>
-      <p:sp>
-        <p:nvSpPr>
-          <p:cNvPr id="3" name="Content Placeholder 2"/>
-          <p:cNvSpPr>
-            <a:spLocks noGrp="1"/>
-          </p:cNvSpPr>
-          <p:nvPr>
-            <p:ph sz="quarter" idx="1"/>
-          </p:nvPr>
-        </p:nvSpPr>
-        <p:spPr/>
-        <p:txBody>
-          <a:bodyPr/>
-          <a:lstStyle/>
-          <a:p>
-            <a:r>
-              <a:rPr lang="en-US" sz="2800" dirty="0" smtClean="0"/>
-              <a:t>Many organizations maintain structured data in relational databases.</a:t>
-            </a:r>
-          </a:p>
-          <a:p>
-            <a:r>
-              <a:rPr lang="en-US" sz="2800" dirty="0" smtClean="0"/>
-              <a:t>First-order Bayesian networks model probabilistic associations across the entire database.</a:t>
-            </a:r>
-          </a:p>
-          <a:p>
-            <a:r>
-              <a:rPr lang="en-US" sz="2800" dirty="0" smtClean="0"/>
-              <a:t>Halpern/Bacchus probabilistic logic unifies logic and probability.</a:t>
-            </a:r>
-          </a:p>
-          <a:p>
-            <a:pPr>
-              <a:buFont typeface="Wingdings" charset="2"/>
-              <a:buChar char="Ø"/>
-            </a:pPr>
-            <a:r>
-              <a:rPr lang="en-US" sz="2800" dirty="0" smtClean="0"/>
-              <a:t>random selection semantics for Bayesian networks: can query frequencies across the entire database.</a:t>
-            </a:r>
-            <a:endParaRPr lang="en-US" sz="2800" dirty="0"/>
-          </a:p>
-        </p:txBody>
-      </p:sp>
-      <p:sp>
-        <p:nvSpPr>
-          <p:cNvPr id="4" name="Footer Placeholder 3"/>
-          <p:cNvSpPr>
-            <a:spLocks noGrp="1"/>
-          </p:cNvSpPr>
-          <p:nvPr>
-            <p:ph type="ftr" sz="quarter" idx="11"/>
-          </p:nvPr>
-        </p:nvSpPr>
-        <p:spPr/>
-        <p:txBody>
-          <a:bodyPr/>
-          <a:lstStyle/>
-          <a:p>
-            <a:pPr>
-              <a:defRPr/>
-            </a:pPr>
-            <a:r>
-              <a:rPr lang="en-US" smtClean="0"/>
-              <a:t>Learning Bayesian Networks for Relational Data</a:t>
-            </a:r>
-            <a:endParaRPr lang="en-US" dirty="0"/>
-          </a:p>
-        </p:txBody>
-      </p:sp>
-    </p:spTree>
-    <p:extLst>
-      <p:ext uri="{BB962C8B-B14F-4D97-AF65-F5344CB8AC3E}">
-        <p14:creationId xmlns:p14="http://schemas.microsoft.com/office/powerpoint/2010/main" val="2415735507"/>
-      </p:ext>
-    </p:extLst>
-  </p:cSld>
-  <p:clrMapOvr>
-    <a:masterClrMapping/>
-  </p:clrMapOvr>
-  <p:timing>
-    <p:tnLst>
-      <p:par>
-        <p:cTn xmlns:p14="http://schemas.microsoft.com/office/powerpoint/2010/main" id="1" dur="indefinite" restart="never" nodeType="tmRoot"/>
-      </p:par>
-    </p:tnLst>
-  </p:timing>
-</p:sld>
-</file>
-
-<file path=ppt/slides/slide32.xml><?xml version="1.0" encoding="utf-8"?>
-<p:sld xmlns:a="http://schemas.openxmlformats.org/drawingml/2006/main" xmlns:r="http://schemas.openxmlformats.org/officeDocument/2006/relationships" xmlns:p="http://schemas.openxmlformats.org/presentationml/2006/main">
-  <p:cSld>
-    <p:spTree>
-      <p:nvGrpSpPr>
-        <p:cNvPr id="1" name=""/>
-        <p:cNvGrpSpPr/>
-        <p:nvPr/>
-      </p:nvGrpSpPr>
-      <p:grpSpPr>
-        <a:xfrm>
-          <a:off x="0" y="0"/>
-          <a:ext cx="0" cy="0"/>
-          <a:chOff x="0" y="0"/>
-          <a:chExt cx="0" cy="0"/>
-        </a:xfrm>
-      </p:grpSpPr>
-      <p:sp>
-        <p:nvSpPr>
-          <p:cNvPr id="2" name="Title 1"/>
-          <p:cNvSpPr>
-            <a:spLocks noGrp="1"/>
-          </p:cNvSpPr>
-          <p:nvPr>
-            <p:ph type="title"/>
-          </p:nvPr>
-        </p:nvSpPr>
-        <p:spPr/>
-        <p:txBody>
-          <a:bodyPr/>
-          <a:lstStyle/>
-          <a:p>
-            <a:r>
               <a:rPr lang="en-US" dirty="0" smtClean="0"/>
               <a:t>Conclusion: Learning First-Order Bayesian Networks</a:t>
             </a:r>
@@ -21232,9 +19463,9 @@
             </a:r>
           </a:p>
           <a:p>
-            <a:pPr marL="800100" lvl="1" indent="-342900">
-              <a:buFont typeface="Arial"/>
-              <a:buChar char="•"/>
+            <a:pPr marL="971550" lvl="1" indent="-514350">
+              <a:buFont typeface="+mj-lt"/>
+              <a:buAutoNum type="arabicPeriod"/>
             </a:pPr>
             <a:r>
               <a:rPr lang="en-US" sz="2800" dirty="0" smtClean="0">
@@ -21244,9 +19475,9 @@
             </a:r>
           </a:p>
           <a:p>
-            <a:pPr marL="800100" lvl="1" indent="-342900">
-              <a:buFont typeface="Arial"/>
-              <a:buChar char="•"/>
+            <a:pPr marL="971550" lvl="1" indent="-514350">
+              <a:buFont typeface="+mj-lt"/>
+              <a:buAutoNum type="arabicPeriod"/>
             </a:pPr>
             <a:r>
               <a:rPr lang="en-US" sz="2800" dirty="0" smtClean="0">
@@ -21639,10 +19870,10 @@
               <a:defRPr/>
             </a:pPr>
             <a:r>
-              <a:rPr lang="en-US" smtClean="0"/>
-              <a:t>Presentation Title At Venue</a:t>
-            </a:r>
-            <a:endParaRPr lang="en-US"/>
+              <a:rPr lang="en-US" dirty="0" smtClean="0"/>
+              <a:t>Learning Bayesian Networks for Complex Relational Data</a:t>
+            </a:r>
+            <a:endParaRPr lang="en-US" dirty="0"/>
           </a:p>
         </p:txBody>
       </p:sp>
@@ -21737,8 +19968,8 @@
         </p:nvSpPr>
         <p:spPr>
           <a:xfrm>
-            <a:off x="295586" y="5913722"/>
-            <a:ext cx="7882285" cy="715677"/>
+            <a:off x="295586" y="5734430"/>
+            <a:ext cx="8370296" cy="715677"/>
           </a:xfrm>
         </p:spPr>
         <p:txBody>
@@ -21757,14 +19988,11 @@
               <a:rPr lang="en-US" dirty="0"/>
               <a:t> and Schulte (2015). IEEE SSCI. </a:t>
             </a:r>
-            <a:br>
-              <a:rPr lang="en-US" dirty="0"/>
-            </a:br>
-            <a:r>
-              <a:rPr lang="en-US" dirty="0" smtClean="0"/>
-              <a:t>Cite oddball system.</a:t>
-            </a:r>
-            <a:endParaRPr lang="en-US" dirty="0"/>
+            <a:r>
+              <a:rPr lang="en-US" i="1" dirty="0" smtClean="0"/>
+              <a:t>.</a:t>
+            </a:r>
+            <a:endParaRPr lang="en-US" i="1" dirty="0"/>
           </a:p>
         </p:txBody>
       </p:sp>
@@ -21875,7 +20103,7 @@
         </p:nvSpPr>
         <p:spPr>
           <a:xfrm>
-            <a:off x="295586" y="4900979"/>
+            <a:off x="295586" y="4661923"/>
             <a:ext cx="7685590" cy="1200328"/>
           </a:xfrm>
           <a:prstGeom prst="rect">
@@ -22355,10 +20583,10 @@
               <a:defRPr/>
             </a:pPr>
             <a:r>
-              <a:rPr lang="en-US" smtClean="0"/>
-              <a:t>Presentation Title At Venue</a:t>
-            </a:r>
-            <a:endParaRPr lang="en-US"/>
+              <a:rPr lang="en-US" dirty="0" smtClean="0"/>
+              <a:t>Learning Bayesian Networks for Complex Relational Data</a:t>
+            </a:r>
+            <a:endParaRPr lang="en-US" dirty="0"/>
           </a:p>
         </p:txBody>
       </p:sp>
@@ -22641,10 +20869,10 @@
               <a:defRPr/>
             </a:pPr>
             <a:r>
-              <a:rPr lang="en-US" smtClean="0"/>
-              <a:t>Presentation Title At Venue</a:t>
-            </a:r>
-            <a:endParaRPr lang="en-US"/>
+              <a:rPr lang="en-US" dirty="0" smtClean="0"/>
+              <a:t>Learning Bayesian Networks for Complex Relational Data</a:t>
+            </a:r>
+            <a:endParaRPr lang="en-US" dirty="0"/>
           </a:p>
         </p:txBody>
       </p:sp>

--- a/ch6-anomaly.pptx
+++ b/ch6-anomaly.pptx
@@ -10201,7 +10201,7 @@
           <a:graphicData uri="http://schemas.openxmlformats.org/presentationml/2006/ole">
             <mc:AlternateContent xmlns:mc="http://schemas.openxmlformats.org/markup-compatibility/2006">
               <mc:Choice xmlns:v="urn:schemas-microsoft-com:vml" Requires="v">
-                <p:oleObj spid="_x0000_s2188" name="Equation" r:id="rId4" imgW="2260600" imgH="215900" progId="Equation.3">
+                <p:oleObj spid="_x0000_s2189" name="Equation" r:id="rId4" imgW="2260600" imgH="215900" progId="Equation.3">
                   <p:embed/>
                 </p:oleObj>
               </mc:Choice>
@@ -10263,7 +10263,7 @@
           <a:graphicData uri="http://schemas.openxmlformats.org/presentationml/2006/ole">
             <mc:AlternateContent xmlns:mc="http://schemas.openxmlformats.org/markup-compatibility/2006">
               <mc:Choice xmlns:v="urn:schemas-microsoft-com:vml" Requires="v">
-                <p:oleObj spid="_x0000_s2189" name="Equation" r:id="rId6" imgW="4686300" imgH="698500" progId="Equation.3">
+                <p:oleObj spid="_x0000_s2190" name="Equation" r:id="rId6" imgW="4686300" imgH="698500" progId="Equation.3">
                   <p:embed/>
                 </p:oleObj>
               </mc:Choice>
@@ -11675,7 +11675,7 @@
           <a:graphicData uri="http://schemas.openxmlformats.org/presentationml/2006/ole">
             <mc:AlternateContent xmlns:mc="http://schemas.openxmlformats.org/markup-compatibility/2006">
               <mc:Choice xmlns:v="urn:schemas-microsoft-com:vml" Requires="v">
-                <p:oleObj spid="_x0000_s5198" name="Equation" r:id="rId4" imgW="6184900" imgH="1054100" progId="Equation.3">
+                <p:oleObj spid="_x0000_s5199" name="Equation" r:id="rId4" imgW="6184900" imgH="1054100" progId="Equation.3">
                   <p:embed/>
                 </p:oleObj>
               </mc:Choice>
@@ -12131,7 +12131,7 @@
           <a:graphicData uri="http://schemas.openxmlformats.org/presentationml/2006/ole">
             <mc:AlternateContent xmlns:mc="http://schemas.openxmlformats.org/markup-compatibility/2006">
               <mc:Choice xmlns:v="urn:schemas-microsoft-com:vml" Requires="v">
-                <p:oleObj spid="_x0000_s4176" name="Equation" r:id="rId3" imgW="6184900" imgH="1054100" progId="Equation.3">
+                <p:oleObj spid="_x0000_s4177" name="Equation" r:id="rId3" imgW="6184900" imgH="1054100" progId="Equation.3">
                   <p:embed/>
                 </p:oleObj>
               </mc:Choice>

--- a/ch6-anomaly.pptx
+++ b/ch6-anomaly.pptx
@@ -331,7 +331,7 @@
               <a:pPr>
                 <a:defRPr/>
               </a:pPr>
-              <a:t>2017-01-12</a:t>
+              <a:t>2017-02-02</a:t>
             </a:fld>
             <a:endParaRPr lang="en-US"/>
           </a:p>
@@ -547,7 +547,7 @@
               <a:pPr>
                 <a:defRPr/>
               </a:pPr>
-              <a:t>2017-01-12</a:t>
+              <a:t>2017-02-02</a:t>
             </a:fld>
             <a:endParaRPr lang="en-US"/>
           </a:p>
@@ -3282,7 +3282,7 @@
               <a:pPr>
                 <a:defRPr/>
               </a:pPr>
-              <a:t>2017-01-12</a:t>
+              <a:t>2017-02-02</a:t>
             </a:fld>
             <a:endParaRPr lang="en-US"/>
           </a:p>
@@ -3491,7 +3491,7 @@
               <a:pPr>
                 <a:defRPr/>
               </a:pPr>
-              <a:t>2017-01-12</a:t>
+              <a:t>2017-02-02</a:t>
             </a:fld>
             <a:endParaRPr lang="en-US"/>
           </a:p>
@@ -3710,7 +3710,7 @@
               <a:pPr>
                 <a:defRPr/>
               </a:pPr>
-              <a:t>2017-01-12</a:t>
+              <a:t>2017-02-02</a:t>
             </a:fld>
             <a:endParaRPr lang="en-US"/>
           </a:p>
@@ -3924,7 +3924,7 @@
               <a:pPr>
                 <a:defRPr/>
               </a:pPr>
-              <a:t>2017-01-12</a:t>
+              <a:t>2017-02-02</a:t>
             </a:fld>
             <a:endParaRPr lang="en-US"/>
           </a:p>
@@ -4451,7 +4451,7 @@
               <a:pPr>
                 <a:defRPr/>
               </a:pPr>
-              <a:t>2017-01-12</a:t>
+              <a:t>2017-02-02</a:t>
             </a:fld>
             <a:endParaRPr lang="en-US"/>
           </a:p>
@@ -4727,7 +4727,7 @@
               <a:pPr>
                 <a:defRPr/>
               </a:pPr>
-              <a:t>2017-01-12</a:t>
+              <a:t>2017-02-02</a:t>
             </a:fld>
             <a:endParaRPr lang="en-US"/>
           </a:p>
@@ -5133,7 +5133,7 @@
               <a:pPr>
                 <a:defRPr/>
               </a:pPr>
-              <a:t>2017-01-12</a:t>
+              <a:t>2017-02-02</a:t>
             </a:fld>
             <a:endParaRPr lang="en-US"/>
           </a:p>
@@ -5290,7 +5290,7 @@
               <a:pPr>
                 <a:defRPr/>
               </a:pPr>
-              <a:t>2017-01-12</a:t>
+              <a:t>2017-02-02</a:t>
             </a:fld>
             <a:endParaRPr lang="en-US"/>
           </a:p>
@@ -5424,7 +5424,7 @@
               <a:pPr>
                 <a:defRPr/>
               </a:pPr>
-              <a:t>2017-01-12</a:t>
+              <a:t>2017-02-02</a:t>
             </a:fld>
             <a:endParaRPr lang="en-US"/>
           </a:p>
@@ -5808,7 +5808,7 @@
               <a:pPr>
                 <a:defRPr/>
               </a:pPr>
-              <a:t>2017-01-12</a:t>
+              <a:t>2017-02-02</a:t>
             </a:fld>
             <a:endParaRPr lang="en-US"/>
           </a:p>
@@ -6239,7 +6239,7 @@
               <a:pPr>
                 <a:defRPr/>
               </a:pPr>
-              <a:t>2017-01-12</a:t>
+              <a:t>2017-02-02</a:t>
             </a:fld>
             <a:endParaRPr lang="en-US"/>
           </a:p>
@@ -6662,7 +6662,7 @@
               <a:pPr>
                 <a:defRPr/>
               </a:pPr>
-              <a:t>2017-01-12</a:t>
+              <a:t>2017-02-02</a:t>
             </a:fld>
             <a:endParaRPr lang="en-US"/>
           </a:p>
@@ -7637,6 +7637,10 @@
             </a:r>
           </a:p>
           <a:p>
+            <a:pPr>
+              <a:buFont typeface="Wingdings" charset="2"/>
+              <a:buChar char="Ø"/>
+            </a:pPr>
             <a:r>
               <a:rPr lang="en-US" dirty="0" smtClean="0"/>
               <a:t>Bayesian network learning discovers relevant conjunctive  features</a:t>
@@ -7949,7 +7953,12 @@
             <p:ph sz="quarter" idx="1"/>
           </p:nvPr>
         </p:nvSpPr>
-        <p:spPr/>
+        <p:spPr>
+          <a:xfrm>
+            <a:off x="914400" y="1447800"/>
+            <a:ext cx="7772400" cy="4021138"/>
+          </a:xfrm>
+        </p:spPr>
         <p:txBody>
           <a:bodyPr/>
           <a:lstStyle/>
@@ -8033,7 +8042,7 @@
             </a:r>
             <a:r>
               <a:rPr lang="en-US" b="1" baseline="-25000" dirty="0" err="1" smtClean="0"/>
-              <a:t>o</a:t>
+              <a:t>g</a:t>
             </a:r>
             <a:r>
               <a:rPr lang="en-US" dirty="0" smtClean="0"/>
@@ -8110,7 +8119,18 @@
                 <a:cs typeface="Wingdings"/>
                 <a:sym typeface="Wingdings"/>
               </a:rPr>
-              <a:t>For relational data, an individual o = subgroup of size 1.</a:t>
+              <a:t>For relational data, an individual o = subgroup g of size 1.</a:t>
+            </a:r>
+          </a:p>
+          <a:p>
+            <a:pPr marL="788988" lvl="1" indent="-514350"/>
+            <a:r>
+              <a:rPr lang="en-US" dirty="0">
+                <a:ea typeface="Wingdings"/>
+                <a:cs typeface="Wingdings"/>
+                <a:sym typeface="Wingdings"/>
+              </a:rPr>
+              <a:t>Compare random individual against target individual</a:t>
             </a:r>
             <a:endParaRPr lang="en-US" dirty="0" smtClean="0"/>
           </a:p>
@@ -10201,7 +10221,7 @@
           <a:graphicData uri="http://schemas.openxmlformats.org/presentationml/2006/ole">
             <mc:AlternateContent xmlns:mc="http://schemas.openxmlformats.org/markup-compatibility/2006">
               <mc:Choice xmlns:v="urn:schemas-microsoft-com:vml" Requires="v">
-                <p:oleObj spid="_x0000_s2189" name="Equation" r:id="rId4" imgW="2260600" imgH="215900" progId="Equation.3">
+                <p:oleObj spid="_x0000_s2203" name="Equation" r:id="rId4" imgW="2260600" imgH="215900" progId="Equation.3">
                   <p:embed/>
                 </p:oleObj>
               </mc:Choice>
@@ -10263,7 +10283,7 @@
           <a:graphicData uri="http://schemas.openxmlformats.org/presentationml/2006/ole">
             <mc:AlternateContent xmlns:mc="http://schemas.openxmlformats.org/markup-compatibility/2006">
               <mc:Choice xmlns:v="urn:schemas-microsoft-com:vml" Requires="v">
-                <p:oleObj spid="_x0000_s2190" name="Equation" r:id="rId6" imgW="4686300" imgH="698500" progId="Equation.3">
+                <p:oleObj spid="_x0000_s2204" name="Equation" r:id="rId6" imgW="4686300" imgH="698500" progId="Equation.3">
                   <p:embed/>
                 </p:oleObj>
               </mc:Choice>
@@ -11675,7 +11695,7 @@
           <a:graphicData uri="http://schemas.openxmlformats.org/presentationml/2006/ole">
             <mc:AlternateContent xmlns:mc="http://schemas.openxmlformats.org/markup-compatibility/2006">
               <mc:Choice xmlns:v="urn:schemas-microsoft-com:vml" Requires="v">
-                <p:oleObj spid="_x0000_s5199" name="Equation" r:id="rId4" imgW="6184900" imgH="1054100" progId="Equation.3">
+                <p:oleObj spid="_x0000_s5206" name="Equation" r:id="rId4" imgW="6184900" imgH="1054100" progId="Equation.3">
                   <p:embed/>
                 </p:oleObj>
               </mc:Choice>
@@ -12088,7 +12108,7 @@
             </a:r>
             <a:r>
               <a:rPr lang="en-US" dirty="0" smtClean="0"/>
-              <a:t> cancelling of differences</a:t>
+              <a:t> cancelling of differences, reduces power</a:t>
             </a:r>
           </a:p>
           <a:p>
@@ -12131,7 +12151,7 @@
           <a:graphicData uri="http://schemas.openxmlformats.org/presentationml/2006/ole">
             <mc:AlternateContent xmlns:mc="http://schemas.openxmlformats.org/markup-compatibility/2006">
               <mc:Choice xmlns:v="urn:schemas-microsoft-com:vml" Requires="v">
-                <p:oleObj spid="_x0000_s4177" name="Equation" r:id="rId3" imgW="6184900" imgH="1054100" progId="Equation.3">
+                <p:oleObj spid="_x0000_s4184" name="Equation" r:id="rId3" imgW="6184900" imgH="1054100" progId="Equation.3">
                   <p:embed/>
                 </p:oleObj>
               </mc:Choice>
@@ -12701,8 +12721,8 @@
         </p:nvSpPr>
         <p:spPr>
           <a:xfrm>
-            <a:off x="52911" y="4259997"/>
-            <a:ext cx="8862901" cy="523220"/>
+            <a:off x="390202" y="4347581"/>
+            <a:ext cx="6600937" cy="523220"/>
           </a:xfrm>
           <a:prstGeom prst="rect">
             <a:avLst/>
@@ -12715,10 +12735,6 @@
           </a:bodyPr>
           <a:lstStyle/>
           <a:p>
-            <a:pPr marL="457200" indent="-457200">
-              <a:buFont typeface="Arial"/>
-              <a:buChar char="•"/>
-            </a:pPr>
             <a:r>
               <a:rPr lang="en-US" sz="2800" dirty="0" smtClean="0">
                 <a:latin typeface="+mn-lt"/>
@@ -13187,7 +13203,7 @@
             </a:pPr>
             <a:r>
               <a:rPr lang="en-US" dirty="0" smtClean="0"/>
-              <a:t>Learning Bayesxian Networks for Complex Relational Data</a:t>
+              <a:t>Learning Bayesian Networks for Complex Relational Data</a:t>
             </a:r>
             <a:endParaRPr lang="en-US" dirty="0"/>
           </a:p>
@@ -19968,8 +19984,8 @@
         </p:nvSpPr>
         <p:spPr>
           <a:xfrm>
-            <a:off x="295586" y="5734430"/>
-            <a:ext cx="8370296" cy="715677"/>
+            <a:off x="295586" y="5906313"/>
+            <a:ext cx="8370296" cy="543793"/>
           </a:xfrm>
         </p:spPr>
         <p:txBody>
@@ -19977,22 +19993,19 @@
           <a:lstStyle/>
           <a:p>
             <a:r>
-              <a:rPr lang="en-US" dirty="0"/>
-              <a:t>“Model-based Outlier Detection for Object-Relational Data”. </a:t>
-            </a:r>
-            <a:r>
-              <a:rPr lang="en-US" dirty="0" err="1"/>
-              <a:t>Riahi</a:t>
-            </a:r>
-            <a:r>
-              <a:rPr lang="en-US" dirty="0"/>
-              <a:t> and Schulte (2015). IEEE SSCI. </a:t>
-            </a:r>
-            <a:r>
-              <a:rPr lang="en-US" i="1" dirty="0" smtClean="0"/>
-              <a:t>.</a:t>
-            </a:r>
-            <a:endParaRPr lang="en-US" i="1" dirty="0"/>
+              <a:rPr lang="en-US"/>
+              <a:t>Riahi, F. &amp; Schulte, O. (2016), Propositionalization for Unsupervised Outlier Detection in Multi-Relational Data, </a:t>
+            </a:r>
+            <a:br>
+              <a:rPr lang="en-US"/>
+            </a:br>
+            <a:r>
+              <a:rPr lang="en-US" i="1"/>
+              <a:t>in 'Proceedings FLAIRS 2016.', pp. 448--453.</a:t>
+            </a:r>
+          </a:p>
+          <a:p>
+            <a:endParaRPr lang="en-US"/>
           </a:p>
         </p:txBody>
       </p:sp>
@@ -20103,7 +20116,7 @@
         </p:nvSpPr>
         <p:spPr>
           <a:xfrm>
-            <a:off x="295586" y="4661923"/>
+            <a:off x="295586" y="4705986"/>
             <a:ext cx="7685590" cy="1200328"/>
           </a:xfrm>
           <a:prstGeom prst="rect">

--- a/ch6-anomaly.pptx
+++ b/ch6-anomaly.pptx
@@ -32,8 +32,8 @@
     <p:sldId id="321" r:id="rId20"/>
     <p:sldId id="326" r:id="rId21"/>
     <p:sldId id="327" r:id="rId22"/>
-    <p:sldId id="322" r:id="rId23"/>
-    <p:sldId id="262" r:id="rId24"/>
+    <p:sldId id="329" r:id="rId23"/>
+    <p:sldId id="322" r:id="rId24"/>
     <p:sldId id="261" r:id="rId25"/>
     <p:sldId id="267" r:id="rId26"/>
     <p:sldId id="268" r:id="rId27"/>
@@ -207,8 +207,8 @@
         </p14:section>
         <p14:section name="Empirical Evaluation" id="{FDD031BB-72FE-EB42-BFC9-07C122E7D940}">
           <p14:sldIdLst>
+            <p14:sldId id="329"/>
             <p14:sldId id="322"/>
-            <p14:sldId id="262"/>
             <p14:sldId id="261"/>
             <p14:sldId id="267"/>
             <p14:sldId id="268"/>
@@ -331,7 +331,7 @@
               <a:pPr>
                 <a:defRPr/>
               </a:pPr>
-              <a:t>2017-02-02</a:t>
+              <a:t>2017-02-05</a:t>
             </a:fld>
             <a:endParaRPr lang="en-US"/>
           </a:p>
@@ -547,7 +547,7 @@
               <a:pPr>
                 <a:defRPr/>
               </a:pPr>
-              <a:t>2017-02-02</a:t>
+              <a:t>2017-02-05</a:t>
             </a:fld>
             <a:endParaRPr lang="en-US"/>
           </a:p>
@@ -1445,7 +1445,7 @@
             <a:fld id="{31CEF2A7-706F-47EC-B2B0-90C3D4759446}" type="slidenum">
               <a:rPr lang="en-US" smtClean="0"/>
               <a:pPr/>
-              <a:t>23</a:t>
+              <a:t>22</a:t>
             </a:fld>
             <a:r>
               <a:rPr lang="en-US" smtClean="0"/>
@@ -3282,7 +3282,7 @@
               <a:pPr>
                 <a:defRPr/>
               </a:pPr>
-              <a:t>2017-02-02</a:t>
+              <a:t>2017-02-05</a:t>
             </a:fld>
             <a:endParaRPr lang="en-US"/>
           </a:p>
@@ -3491,7 +3491,7 @@
               <a:pPr>
                 <a:defRPr/>
               </a:pPr>
-              <a:t>2017-02-02</a:t>
+              <a:t>2017-02-05</a:t>
             </a:fld>
             <a:endParaRPr lang="en-US"/>
           </a:p>
@@ -3710,7 +3710,7 @@
               <a:pPr>
                 <a:defRPr/>
               </a:pPr>
-              <a:t>2017-02-02</a:t>
+              <a:t>2017-02-05</a:t>
             </a:fld>
             <a:endParaRPr lang="en-US"/>
           </a:p>
@@ -3924,7 +3924,7 @@
               <a:pPr>
                 <a:defRPr/>
               </a:pPr>
-              <a:t>2017-02-02</a:t>
+              <a:t>2017-02-05</a:t>
             </a:fld>
             <a:endParaRPr lang="en-US"/>
           </a:p>
@@ -4451,7 +4451,7 @@
               <a:pPr>
                 <a:defRPr/>
               </a:pPr>
-              <a:t>2017-02-02</a:t>
+              <a:t>2017-02-05</a:t>
             </a:fld>
             <a:endParaRPr lang="en-US"/>
           </a:p>
@@ -4727,7 +4727,7 @@
               <a:pPr>
                 <a:defRPr/>
               </a:pPr>
-              <a:t>2017-02-02</a:t>
+              <a:t>2017-02-05</a:t>
             </a:fld>
             <a:endParaRPr lang="en-US"/>
           </a:p>
@@ -5133,7 +5133,7 @@
               <a:pPr>
                 <a:defRPr/>
               </a:pPr>
-              <a:t>2017-02-02</a:t>
+              <a:t>2017-02-05</a:t>
             </a:fld>
             <a:endParaRPr lang="en-US"/>
           </a:p>
@@ -5290,7 +5290,7 @@
               <a:pPr>
                 <a:defRPr/>
               </a:pPr>
-              <a:t>2017-02-02</a:t>
+              <a:t>2017-02-05</a:t>
             </a:fld>
             <a:endParaRPr lang="en-US"/>
           </a:p>
@@ -5424,7 +5424,7 @@
               <a:pPr>
                 <a:defRPr/>
               </a:pPr>
-              <a:t>2017-02-02</a:t>
+              <a:t>2017-02-05</a:t>
             </a:fld>
             <a:endParaRPr lang="en-US"/>
           </a:p>
@@ -5808,7 +5808,7 @@
               <a:pPr>
                 <a:defRPr/>
               </a:pPr>
-              <a:t>2017-02-02</a:t>
+              <a:t>2017-02-05</a:t>
             </a:fld>
             <a:endParaRPr lang="en-US"/>
           </a:p>
@@ -6239,7 +6239,7 @@
               <a:pPr>
                 <a:defRPr/>
               </a:pPr>
-              <a:t>2017-02-02</a:t>
+              <a:t>2017-02-05</a:t>
             </a:fld>
             <a:endParaRPr lang="en-US"/>
           </a:p>
@@ -6662,7 +6662,7 @@
               <a:pPr>
                 <a:defRPr/>
               </a:pPr>
-              <a:t>2017-02-02</a:t>
+              <a:t>2017-02-05</a:t>
             </a:fld>
             <a:endParaRPr lang="en-US"/>
           </a:p>
@@ -7553,6 +7553,13 @@
   <p:clrMapOvr>
     <a:masterClrMapping/>
   </p:clrMapOvr>
+  <p:timing>
+    <p:tnLst>
+      <p:par>
+        <p:cTn xmlns:p14="http://schemas.microsoft.com/office/powerpoint/2010/main" id="1" dur="indefinite" restart="never" nodeType="tmRoot"/>
+      </p:par>
+    </p:tnLst>
+  </p:timing>
 </p:sld>
 </file>
 
@@ -7802,6 +7809,13 @@
   <p:clrMapOvr>
     <a:masterClrMapping/>
   </p:clrMapOvr>
+  <p:timing>
+    <p:tnLst>
+      <p:par>
+        <p:cTn xmlns:p14="http://schemas.microsoft.com/office/powerpoint/2010/main" id="1" dur="indefinite" restart="never" nodeType="tmRoot"/>
+      </p:par>
+    </p:tnLst>
+  </p:timing>
 </p:sld>
 </file>
 
@@ -7900,6 +7914,13 @@
   <p:clrMapOvr>
     <a:masterClrMapping/>
   </p:clrMapOvr>
+  <p:timing>
+    <p:tnLst>
+      <p:par>
+        <p:cTn xmlns:p14="http://schemas.microsoft.com/office/powerpoint/2010/main" id="1" dur="indefinite" restart="never" nodeType="tmRoot"/>
+      </p:par>
+    </p:tnLst>
+  </p:timing>
 </p:sld>
 </file>
 
@@ -8083,7 +8104,7 @@
               <a:t>g</a:t>
             </a:r>
             <a:r>
-              <a:rPr lang="en-US" b="1" dirty="0" err="1" smtClean="0">
+              <a:rPr lang="en-US" b="1" dirty="0" smtClean="0">
                 <a:latin typeface="Wingdings"/>
                 <a:ea typeface="Wingdings"/>
                 <a:cs typeface="Wingdings"/>
@@ -8091,21 +8112,21 @@
               </a:rPr>
               <a:t></a:t>
             </a:r>
-            <a:r>
-              <a:rPr lang="en-US" b="1" dirty="0" err="1" smtClean="0">
+            <a:br>
+              <a:rPr lang="en-US" b="1" dirty="0" smtClean="0">
+                <a:latin typeface="Wingdings"/>
                 <a:ea typeface="Wingdings"/>
                 <a:cs typeface="Wingdings"/>
                 <a:sym typeface="Wingdings"/>
               </a:rPr>
-              <a:t>exceptionality</a:t>
-            </a:r>
+            </a:br>
             <a:r>
               <a:rPr lang="en-US" b="1" dirty="0" smtClean="0">
                 <a:ea typeface="Wingdings"/>
                 <a:cs typeface="Wingdings"/>
                 <a:sym typeface="Wingdings"/>
               </a:rPr>
-              <a:t> metric for subgroup g.</a:t>
+              <a:t>quality measure for subgroup g.</a:t>
             </a:r>
           </a:p>
           <a:p>
@@ -8232,6 +8253,13 @@
   <p:clrMapOvr>
     <a:masterClrMapping/>
   </p:clrMapOvr>
+  <p:timing>
+    <p:tnLst>
+      <p:par>
+        <p:cTn xmlns:p14="http://schemas.microsoft.com/office/powerpoint/2010/main" id="1" dur="indefinite" restart="never" nodeType="tmRoot"/>
+      </p:par>
+    </p:tnLst>
+  </p:timing>
 </p:sld>
 </file>
 
@@ -8447,7 +8475,7 @@
               <a:rPr lang="en-US" sz="2000" dirty="0" smtClean="0">
                 <a:latin typeface="+mn-lt"/>
               </a:rPr>
-              <a:t>Outlierness Metric = </a:t>
+              <a:t>Outlierness Metric (quality measure) = </a:t>
             </a:r>
           </a:p>
           <a:p>
@@ -10221,7 +10249,7 @@
           <a:graphicData uri="http://schemas.openxmlformats.org/presentationml/2006/ole">
             <mc:AlternateContent xmlns:mc="http://schemas.openxmlformats.org/markup-compatibility/2006">
               <mc:Choice xmlns:v="urn:schemas-microsoft-com:vml" Requires="v">
-                <p:oleObj spid="_x0000_s2203" name="Equation" r:id="rId4" imgW="2260600" imgH="215900" progId="Equation.3">
+                <p:oleObj spid="_x0000_s2218" name="Equation" r:id="rId4" imgW="2260600" imgH="215900" progId="Equation.3">
                   <p:embed/>
                 </p:oleObj>
               </mc:Choice>
@@ -10283,7 +10311,7 @@
           <a:graphicData uri="http://schemas.openxmlformats.org/presentationml/2006/ole">
             <mc:AlternateContent xmlns:mc="http://schemas.openxmlformats.org/markup-compatibility/2006">
               <mc:Choice xmlns:v="urn:schemas-microsoft-com:vml" Requires="v">
-                <p:oleObj spid="_x0000_s2204" name="Equation" r:id="rId6" imgW="4686300" imgH="698500" progId="Equation.3">
+                <p:oleObj spid="_x0000_s2219" name="Equation" r:id="rId6" imgW="4686300" imgH="698500" progId="Equation.3">
                   <p:embed/>
                 </p:oleObj>
               </mc:Choice>
@@ -10333,6 +10361,13 @@
   <p:clrMapOvr>
     <a:masterClrMapping/>
   </p:clrMapOvr>
+  <p:timing>
+    <p:tnLst>
+      <p:par>
+        <p:cTn xmlns:p14="http://schemas.microsoft.com/office/powerpoint/2010/main" id="1" dur="indefinite" restart="never" nodeType="tmRoot"/>
+      </p:par>
+    </p:tnLst>
+  </p:timing>
 </p:sld>
 </file>
 
@@ -11556,6 +11591,13 @@
   <p:clrMapOvr>
     <a:masterClrMapping/>
   </p:clrMapOvr>
+  <p:timing>
+    <p:tnLst>
+      <p:par>
+        <p:cTn xmlns:p14="http://schemas.microsoft.com/office/powerpoint/2010/main" id="1" dur="indefinite" restart="never" nodeType="tmRoot"/>
+      </p:par>
+    </p:tnLst>
+  </p:timing>
 </p:sld>
 </file>
 
@@ -11695,7 +11737,7 @@
           <a:graphicData uri="http://schemas.openxmlformats.org/presentationml/2006/ole">
             <mc:AlternateContent xmlns:mc="http://schemas.openxmlformats.org/markup-compatibility/2006">
               <mc:Choice xmlns:v="urn:schemas-microsoft-com:vml" Requires="v">
-                <p:oleObj spid="_x0000_s5206" name="Equation" r:id="rId4" imgW="6184900" imgH="1054100" progId="Equation.3">
+                <p:oleObj spid="_x0000_s5215" name="Equation" r:id="rId4" imgW="6184900" imgH="1054100" progId="Equation.3">
                   <p:embed/>
                 </p:oleObj>
               </mc:Choice>
@@ -12004,6 +12046,13 @@
   <p:clrMapOvr>
     <a:masterClrMapping/>
   </p:clrMapOvr>
+  <p:timing>
+    <p:tnLst>
+      <p:par>
+        <p:cTn xmlns:p14="http://schemas.microsoft.com/office/powerpoint/2010/main" id="1" dur="indefinite" restart="never" nodeType="tmRoot"/>
+      </p:par>
+    </p:tnLst>
+  </p:timing>
 </p:sld>
 </file>
 
@@ -12151,7 +12200,7 @@
           <a:graphicData uri="http://schemas.openxmlformats.org/presentationml/2006/ole">
             <mc:AlternateContent xmlns:mc="http://schemas.openxmlformats.org/markup-compatibility/2006">
               <mc:Choice xmlns:v="urn:schemas-microsoft-com:vml" Requires="v">
-                <p:oleObj spid="_x0000_s4184" name="Equation" r:id="rId3" imgW="6184900" imgH="1054100" progId="Equation.3">
+                <p:oleObj spid="_x0000_s4193" name="Equation" r:id="rId3" imgW="6184900" imgH="1054100" progId="Equation.3">
                   <p:embed/>
                 </p:oleObj>
               </mc:Choice>
@@ -12196,6 +12245,13 @@
   <p:clrMapOvr>
     <a:masterClrMapping/>
   </p:clrMapOvr>
+  <p:timing>
+    <p:tnLst>
+      <p:par>
+        <p:cTn xmlns:p14="http://schemas.microsoft.com/office/powerpoint/2010/main" id="1" dur="indefinite" restart="never" nodeType="tmRoot"/>
+      </p:par>
+    </p:tnLst>
+  </p:timing>
 </p:sld>
 </file>
 
@@ -12358,6 +12414,13 @@
   <p:clrMapOvr>
     <a:masterClrMapping/>
   </p:clrMapOvr>
+  <p:timing>
+    <p:tnLst>
+      <p:par>
+        <p:cTn xmlns:p14="http://schemas.microsoft.com/office/powerpoint/2010/main" id="1" dur="indefinite" restart="never" nodeType="tmRoot"/>
+      </p:par>
+    </p:tnLst>
+  </p:timing>
 </p:sld>
 </file>
 
@@ -12951,6 +13014,13 @@
   <p:clrMapOvr>
     <a:masterClrMapping/>
   </p:clrMapOvr>
+  <p:timing>
+    <p:tnLst>
+      <p:par>
+        <p:cTn xmlns:p14="http://schemas.microsoft.com/office/powerpoint/2010/main" id="1" dur="indefinite" restart="never" nodeType="tmRoot"/>
+      </p:par>
+    </p:tnLst>
+  </p:timing>
 </p:sld>
 </file>
 
@@ -13219,6 +13289,13 @@
   <p:clrMapOvr>
     <a:masterClrMapping/>
   </p:clrMapOvr>
+  <p:timing>
+    <p:tnLst>
+      <p:par>
+        <p:cTn xmlns:p14="http://schemas.microsoft.com/office/powerpoint/2010/main" id="1" dur="indefinite" restart="never" nodeType="tmRoot"/>
+      </p:par>
+    </p:tnLst>
+  </p:timing>
 </p:sld>
 </file>
 
@@ -13249,174 +13326,6 @@
             <p:ph type="title"/>
           </p:nvPr>
         </p:nvSpPr>
-        <p:spPr/>
-        <p:txBody>
-          <a:bodyPr/>
-          <a:lstStyle/>
-          <a:p>
-            <a:r>
-              <a:rPr lang="en-US"/>
-              <a:t>Methods Compared</a:t>
-            </a:r>
-          </a:p>
-        </p:txBody>
-      </p:sp>
-      <p:sp>
-        <p:nvSpPr>
-          <p:cNvPr id="3" name="Content Placeholder 2"/>
-          <p:cNvSpPr>
-            <a:spLocks noGrp="1"/>
-          </p:cNvSpPr>
-          <p:nvPr>
-            <p:ph sz="quarter" idx="1"/>
-          </p:nvPr>
-        </p:nvSpPr>
-        <p:spPr/>
-        <p:txBody>
-          <a:bodyPr/>
-          <a:lstStyle/>
-          <a:p>
-            <a:r>
-              <a:rPr lang="en-US"/>
-              <a:t>Outlierness metrics</a:t>
-            </a:r>
-          </a:p>
-          <a:p>
-            <a:pPr lvl="1"/>
-            <a:r>
-              <a:rPr lang="en-US"/>
-              <a:t>KLD</a:t>
-            </a:r>
-          </a:p>
-          <a:p>
-            <a:pPr lvl="1"/>
-            <a:r>
-              <a:rPr lang="en-US"/>
-              <a:t>|KLD|: replace log-differences by log-distances</a:t>
-            </a:r>
-          </a:p>
-          <a:p>
-            <a:pPr lvl="1"/>
-            <a:r>
-              <a:rPr lang="en-US"/>
-              <a:t>ELD</a:t>
-            </a:r>
-          </a:p>
-          <a:p>
-            <a:pPr lvl="1"/>
-            <a:r>
-              <a:rPr lang="en-US"/>
-              <a:t>LOG = -log-likelihood of generic class model on individual database</a:t>
-            </a:r>
-          </a:p>
-          <a:p>
-            <a:pPr lvl="1"/>
-            <a:r>
-              <a:rPr lang="en-US"/>
-              <a:t>FD: |KLD| with respect to marginals only</a:t>
-            </a:r>
-          </a:p>
-          <a:p>
-            <a:r>
-              <a:rPr lang="en-US"/>
-              <a:t>Aggregation Methods</a:t>
-            </a:r>
-          </a:p>
-          <a:p>
-            <a:pPr marL="776288" lvl="1" indent="-457200">
-              <a:buFont typeface="+mj-lt"/>
-              <a:buAutoNum type="arabicPeriod"/>
-            </a:pPr>
-            <a:r>
-              <a:rPr lang="en-US"/>
-              <a:t>Use counts of single feature values to form data matrix</a:t>
-            </a:r>
-          </a:p>
-          <a:p>
-            <a:pPr marL="776288" lvl="1" indent="-457200">
-              <a:buFont typeface="+mj-lt"/>
-              <a:buAutoNum type="arabicPeriod"/>
-            </a:pPr>
-            <a:r>
-              <a:rPr lang="en-US"/>
-              <a:t>Apply standard single-table methods (LOF, KNN, OutRank) </a:t>
-            </a:r>
-          </a:p>
-          <a:p>
-            <a:endParaRPr lang="en-US"/>
-          </a:p>
-          <a:p>
-            <a:pPr lvl="1"/>
-            <a:endParaRPr lang="en-US"/>
-          </a:p>
-        </p:txBody>
-      </p:sp>
-      <p:sp>
-        <p:nvSpPr>
-          <p:cNvPr id="4" name="Footer Placeholder 3"/>
-          <p:cNvSpPr>
-            <a:spLocks noGrp="1"/>
-          </p:cNvSpPr>
-          <p:nvPr>
-            <p:ph type="ftr" sz="quarter" idx="11"/>
-          </p:nvPr>
-        </p:nvSpPr>
-        <p:spPr/>
-        <p:txBody>
-          <a:bodyPr/>
-          <a:lstStyle/>
-          <a:p>
-            <a:pPr>
-              <a:defRPr/>
-            </a:pPr>
-            <a:r>
-              <a:rPr lang="en-US" dirty="0" smtClean="0"/>
-              <a:t>Learning Bayesian Networks for Complex Relational Data</a:t>
-            </a:r>
-            <a:endParaRPr lang="en-US" dirty="0"/>
-          </a:p>
-        </p:txBody>
-      </p:sp>
-    </p:spTree>
-    <p:extLst>
-      <p:ext uri="{BB962C8B-B14F-4D97-AF65-F5344CB8AC3E}">
-        <p14:creationId xmlns:p14="http://schemas.microsoft.com/office/powerpoint/2010/main" val="271078607"/>
-      </p:ext>
-    </p:extLst>
-  </p:cSld>
-  <p:clrMapOvr>
-    <a:masterClrMapping/>
-  </p:clrMapOvr>
-</p:sld>
-</file>
-
-<file path=ppt/slides/slide23.xml><?xml version="1.0" encoding="utf-8"?>
-<p:sld xmlns:a="http://schemas.openxmlformats.org/drawingml/2006/main" xmlns:r="http://schemas.openxmlformats.org/officeDocument/2006/relationships" xmlns:p="http://schemas.openxmlformats.org/presentationml/2006/main">
-  <p:cSld>
-    <p:spTree>
-      <p:nvGrpSpPr>
-        <p:cNvPr id="1" name=""/>
-        <p:cNvGrpSpPr/>
-        <p:nvPr/>
-      </p:nvGrpSpPr>
-      <p:grpSpPr>
-        <a:xfrm>
-          <a:off x="0" y="0"/>
-          <a:ext cx="0" cy="0"/>
-          <a:chOff x="0" y="0"/>
-          <a:chExt cx="0" cy="0"/>
-        </a:xfrm>
-      </p:grpSpPr>
-      <p:sp>
-        <p:nvSpPr>
-          <p:cNvPr id="2" name="Title 1"/>
-          <p:cNvSpPr>
-            <a:spLocks noGrp="1"/>
-          </p:cNvSpPr>
-          <p:nvPr>
-            <p:ph type="title"/>
-          </p:nvPr>
-        </p:nvSpPr>
         <p:spPr>
           <a:xfrm>
             <a:off x="824754" y="274638"/>
@@ -13523,7 +13432,7 @@
     </p:spTree>
     <p:extLst>
       <p:ext uri="{BB962C8B-B14F-4D97-AF65-F5344CB8AC3E}">
-        <p14:creationId xmlns:p14="http://schemas.microsoft.com/office/powerpoint/2010/main" val="2711688825"/>
+        <p14:creationId xmlns:p14="http://schemas.microsoft.com/office/powerpoint/2010/main" val="2077690796"/>
       </p:ext>
     </p:extLst>
   </p:cSld>
@@ -13726,6 +13635,181 @@
 </p:sld>
 </file>
 
+<file path=ppt/slides/slide23.xml><?xml version="1.0" encoding="utf-8"?>
+<p:sld xmlns:a="http://schemas.openxmlformats.org/drawingml/2006/main" xmlns:r="http://schemas.openxmlformats.org/officeDocument/2006/relationships" xmlns:p="http://schemas.openxmlformats.org/presentationml/2006/main">
+  <p:cSld>
+    <p:spTree>
+      <p:nvGrpSpPr>
+        <p:cNvPr id="1" name=""/>
+        <p:cNvGrpSpPr/>
+        <p:nvPr/>
+      </p:nvGrpSpPr>
+      <p:grpSpPr>
+        <a:xfrm>
+          <a:off x="0" y="0"/>
+          <a:ext cx="0" cy="0"/>
+          <a:chOff x="0" y="0"/>
+          <a:chExt cx="0" cy="0"/>
+        </a:xfrm>
+      </p:grpSpPr>
+      <p:sp>
+        <p:nvSpPr>
+          <p:cNvPr id="2" name="Title 1"/>
+          <p:cNvSpPr>
+            <a:spLocks noGrp="1"/>
+          </p:cNvSpPr>
+          <p:nvPr>
+            <p:ph type="title"/>
+          </p:nvPr>
+        </p:nvSpPr>
+        <p:spPr/>
+        <p:txBody>
+          <a:bodyPr/>
+          <a:lstStyle/>
+          <a:p>
+            <a:r>
+              <a:rPr lang="en-US"/>
+              <a:t>Methods Compared</a:t>
+            </a:r>
+          </a:p>
+        </p:txBody>
+      </p:sp>
+      <p:sp>
+        <p:nvSpPr>
+          <p:cNvPr id="3" name="Content Placeholder 2"/>
+          <p:cNvSpPr>
+            <a:spLocks noGrp="1"/>
+          </p:cNvSpPr>
+          <p:nvPr>
+            <p:ph sz="quarter" idx="1"/>
+          </p:nvPr>
+        </p:nvSpPr>
+        <p:spPr/>
+        <p:txBody>
+          <a:bodyPr/>
+          <a:lstStyle/>
+          <a:p>
+            <a:r>
+              <a:rPr lang="en-US"/>
+              <a:t>Outlierness metrics</a:t>
+            </a:r>
+          </a:p>
+          <a:p>
+            <a:pPr lvl="1"/>
+            <a:r>
+              <a:rPr lang="en-US"/>
+              <a:t>KLD</a:t>
+            </a:r>
+          </a:p>
+          <a:p>
+            <a:pPr lvl="1"/>
+            <a:r>
+              <a:rPr lang="en-US"/>
+              <a:t>|KLD|: replace log-differences by log-distances</a:t>
+            </a:r>
+          </a:p>
+          <a:p>
+            <a:pPr lvl="1"/>
+            <a:r>
+              <a:rPr lang="en-US"/>
+              <a:t>ELD</a:t>
+            </a:r>
+          </a:p>
+          <a:p>
+            <a:pPr lvl="1"/>
+            <a:r>
+              <a:rPr lang="en-US"/>
+              <a:t>LOG = -log-likelihood of generic class model on individual database</a:t>
+            </a:r>
+          </a:p>
+          <a:p>
+            <a:pPr lvl="1"/>
+            <a:r>
+              <a:rPr lang="en-US"/>
+              <a:t>FD: |KLD| with respect to marginals only</a:t>
+            </a:r>
+          </a:p>
+          <a:p>
+            <a:r>
+              <a:rPr lang="en-US"/>
+              <a:t>Aggregation Methods</a:t>
+            </a:r>
+          </a:p>
+          <a:p>
+            <a:pPr marL="776288" lvl="1" indent="-457200">
+              <a:buFont typeface="+mj-lt"/>
+              <a:buAutoNum type="arabicPeriod"/>
+            </a:pPr>
+            <a:r>
+              <a:rPr lang="en-US"/>
+              <a:t>Use counts of single feature values to form data matrix</a:t>
+            </a:r>
+          </a:p>
+          <a:p>
+            <a:pPr marL="776288" lvl="1" indent="-457200">
+              <a:buFont typeface="+mj-lt"/>
+              <a:buAutoNum type="arabicPeriod"/>
+            </a:pPr>
+            <a:r>
+              <a:rPr lang="en-US"/>
+              <a:t>Apply standard single-table methods (LOF, KNN, OutRank) </a:t>
+            </a:r>
+          </a:p>
+          <a:p>
+            <a:endParaRPr lang="en-US"/>
+          </a:p>
+          <a:p>
+            <a:pPr lvl="1"/>
+            <a:endParaRPr lang="en-US"/>
+          </a:p>
+        </p:txBody>
+      </p:sp>
+      <p:sp>
+        <p:nvSpPr>
+          <p:cNvPr id="4" name="Footer Placeholder 3"/>
+          <p:cNvSpPr>
+            <a:spLocks noGrp="1"/>
+          </p:cNvSpPr>
+          <p:nvPr>
+            <p:ph type="ftr" sz="quarter" idx="11"/>
+          </p:nvPr>
+        </p:nvSpPr>
+        <p:spPr/>
+        <p:txBody>
+          <a:bodyPr/>
+          <a:lstStyle/>
+          <a:p>
+            <a:pPr>
+              <a:defRPr/>
+            </a:pPr>
+            <a:r>
+              <a:rPr lang="en-US" dirty="0" smtClean="0"/>
+              <a:t>Learning Bayesian Networks for Complex Relational Data</a:t>
+            </a:r>
+            <a:endParaRPr lang="en-US" dirty="0"/>
+          </a:p>
+        </p:txBody>
+      </p:sp>
+    </p:spTree>
+    <p:extLst>
+      <p:ext uri="{BB962C8B-B14F-4D97-AF65-F5344CB8AC3E}">
+        <p14:creationId xmlns:p14="http://schemas.microsoft.com/office/powerpoint/2010/main" val="271078607"/>
+      </p:ext>
+    </p:extLst>
+  </p:cSld>
+  <p:clrMapOvr>
+    <a:masterClrMapping/>
+  </p:clrMapOvr>
+  <p:timing>
+    <p:tnLst>
+      <p:par>
+        <p:cTn xmlns:p14="http://schemas.microsoft.com/office/powerpoint/2010/main" id="1" dur="indefinite" restart="never" nodeType="tmRoot"/>
+      </p:par>
+    </p:tnLst>
+  </p:timing>
+</p:sld>
+</file>
+
 <file path=ppt/slides/slide24.xml><?xml version="1.0" encoding="utf-8"?>
 <p:sld xmlns:a="http://schemas.openxmlformats.org/drawingml/2006/main" xmlns:r="http://schemas.openxmlformats.org/officeDocument/2006/relationships" xmlns:p="http://schemas.openxmlformats.org/presentationml/2006/main">
   <p:cSld>
@@ -16346,6 +16430,13 @@
   <p:clrMapOvr>
     <a:masterClrMapping/>
   </p:clrMapOvr>
+  <p:timing>
+    <p:tnLst>
+      <p:par>
+        <p:cTn xmlns:p14="http://schemas.microsoft.com/office/powerpoint/2010/main" id="1" dur="indefinite" restart="never" nodeType="tmRoot"/>
+      </p:par>
+    </p:tnLst>
+  </p:timing>
 </p:sld>
 </file>
 
@@ -18528,6 +18619,13 @@
   <p:clrMapOvr>
     <a:masterClrMapping/>
   </p:clrMapOvr>
+  <p:timing>
+    <p:tnLst>
+      <p:par>
+        <p:cTn xmlns:p14="http://schemas.microsoft.com/office/powerpoint/2010/main" id="1" dur="indefinite" restart="never" nodeType="tmRoot"/>
+      </p:par>
+    </p:tnLst>
+  </p:timing>
 </p:sld>
 </file>
 
@@ -19299,6 +19397,13 @@
   <p:clrMapOvr>
     <a:masterClrMapping/>
   </p:clrMapOvr>
+  <p:timing>
+    <p:tnLst>
+      <p:par>
+        <p:cTn xmlns:p14="http://schemas.microsoft.com/office/powerpoint/2010/main" id="1" dur="indefinite" restart="never" nodeType="tmRoot"/>
+      </p:par>
+    </p:tnLst>
+  </p:timing>
 </p:sld>
 </file>
 
@@ -19922,6 +20027,13 @@
   <p:clrMapOvr>
     <a:masterClrMapping/>
   </p:clrMapOvr>
+  <p:timing>
+    <p:tnLst>
+      <p:par>
+        <p:cTn xmlns:p14="http://schemas.microsoft.com/office/powerpoint/2010/main" id="1" dur="indefinite" restart="never" nodeType="tmRoot"/>
+      </p:par>
+    </p:tnLst>
+  </p:timing>
 </p:sld>
 </file>
 
@@ -20147,13 +20259,14 @@
               <a:rPr lang="en-US" sz="2400" dirty="0" smtClean="0">
                 <a:latin typeface="+mn-lt"/>
               </a:rPr>
-              <a:t>/Relation Elimination: </a:t>
-            </a:r>
-            <a:br>
-              <a:rPr lang="en-US" sz="2400" dirty="0" smtClean="0">
-                <a:latin typeface="+mn-lt"/>
-              </a:rPr>
-            </a:br>
+              <a:t>/Relation Elimination/ETL:</a:t>
+            </a:r>
+          </a:p>
+          <a:p>
+            <a:pPr marL="342900" indent="-342900">
+              <a:buFont typeface="Arial"/>
+              <a:buChar char="•"/>
+            </a:pPr>
             <a:r>
               <a:rPr lang="en-US" sz="2400" dirty="0" smtClean="0">
                 <a:latin typeface="+mn-lt"/>
@@ -20820,6 +20933,13 @@
   <p:clrMapOvr>
     <a:masterClrMapping/>
   </p:clrMapOvr>
+  <p:timing>
+    <p:tnLst>
+      <p:par>
+        <p:cTn xmlns:p14="http://schemas.microsoft.com/office/powerpoint/2010/main" id="1" dur="indefinite" restart="never" nodeType="tmRoot"/>
+      </p:par>
+    </p:tnLst>
+  </p:timing>
 </p:sld>
 </file>
 
@@ -22324,6 +22444,13 @@
   <p:clrMapOvr>
     <a:masterClrMapping/>
   </p:clrMapOvr>
+  <p:timing>
+    <p:tnLst>
+      <p:par>
+        <p:cTn xmlns:p14="http://schemas.microsoft.com/office/powerpoint/2010/main" id="1" dur="indefinite" restart="never" nodeType="tmRoot"/>
+      </p:par>
+    </p:tnLst>
+  </p:timing>
 </p:sld>
 </file>
 

--- a/ch6-anomaly.pptx
+++ b/ch6-anomaly.pptx
@@ -331,7 +331,7 @@
               <a:pPr>
                 <a:defRPr/>
               </a:pPr>
-              <a:t>2017-02-05</a:t>
+              <a:t>2017-08-14</a:t>
             </a:fld>
             <a:endParaRPr lang="en-US"/>
           </a:p>
@@ -547,7 +547,7 @@
               <a:pPr>
                 <a:defRPr/>
               </a:pPr>
-              <a:t>2017-02-05</a:t>
+              <a:t>2017-08-14</a:t>
             </a:fld>
             <a:endParaRPr lang="en-US"/>
           </a:p>
@@ -3282,7 +3282,7 @@
               <a:pPr>
                 <a:defRPr/>
               </a:pPr>
-              <a:t>2017-02-05</a:t>
+              <a:t>2017-08-14</a:t>
             </a:fld>
             <a:endParaRPr lang="en-US"/>
           </a:p>
@@ -3491,7 +3491,7 @@
               <a:pPr>
                 <a:defRPr/>
               </a:pPr>
-              <a:t>2017-02-05</a:t>
+              <a:t>2017-08-14</a:t>
             </a:fld>
             <a:endParaRPr lang="en-US"/>
           </a:p>
@@ -3710,7 +3710,7 @@
               <a:pPr>
                 <a:defRPr/>
               </a:pPr>
-              <a:t>2017-02-05</a:t>
+              <a:t>2017-08-14</a:t>
             </a:fld>
             <a:endParaRPr lang="en-US"/>
           </a:p>
@@ -3924,7 +3924,7 @@
               <a:pPr>
                 <a:defRPr/>
               </a:pPr>
-              <a:t>2017-02-05</a:t>
+              <a:t>2017-08-14</a:t>
             </a:fld>
             <a:endParaRPr lang="en-US"/>
           </a:p>
@@ -4451,7 +4451,7 @@
               <a:pPr>
                 <a:defRPr/>
               </a:pPr>
-              <a:t>2017-02-05</a:t>
+              <a:t>2017-08-14</a:t>
             </a:fld>
             <a:endParaRPr lang="en-US"/>
           </a:p>
@@ -4727,7 +4727,7 @@
               <a:pPr>
                 <a:defRPr/>
               </a:pPr>
-              <a:t>2017-02-05</a:t>
+              <a:t>2017-08-14</a:t>
             </a:fld>
             <a:endParaRPr lang="en-US"/>
           </a:p>
@@ -5133,7 +5133,7 @@
               <a:pPr>
                 <a:defRPr/>
               </a:pPr>
-              <a:t>2017-02-05</a:t>
+              <a:t>2017-08-14</a:t>
             </a:fld>
             <a:endParaRPr lang="en-US"/>
           </a:p>
@@ -5290,7 +5290,7 @@
               <a:pPr>
                 <a:defRPr/>
               </a:pPr>
-              <a:t>2017-02-05</a:t>
+              <a:t>2017-08-14</a:t>
             </a:fld>
             <a:endParaRPr lang="en-US"/>
           </a:p>
@@ -5424,7 +5424,7 @@
               <a:pPr>
                 <a:defRPr/>
               </a:pPr>
-              <a:t>2017-02-05</a:t>
+              <a:t>2017-08-14</a:t>
             </a:fld>
             <a:endParaRPr lang="en-US"/>
           </a:p>
@@ -5808,7 +5808,7 @@
               <a:pPr>
                 <a:defRPr/>
               </a:pPr>
-              <a:t>2017-02-05</a:t>
+              <a:t>2017-08-14</a:t>
             </a:fld>
             <a:endParaRPr lang="en-US"/>
           </a:p>
@@ -6239,7 +6239,7 @@
               <a:pPr>
                 <a:defRPr/>
               </a:pPr>
-              <a:t>2017-02-05</a:t>
+              <a:t>2017-08-14</a:t>
             </a:fld>
             <a:endParaRPr lang="en-US"/>
           </a:p>
@@ -6662,7 +6662,7 @@
               <a:pPr>
                 <a:defRPr/>
               </a:pPr>
-              <a:t>2017-02-05</a:t>
+              <a:t>2017-08-14</a:t>
             </a:fld>
             <a:endParaRPr lang="en-US"/>
           </a:p>
@@ -10249,7 +10249,7 @@
           <a:graphicData uri="http://schemas.openxmlformats.org/presentationml/2006/ole">
             <mc:AlternateContent xmlns:mc="http://schemas.openxmlformats.org/markup-compatibility/2006">
               <mc:Choice xmlns:v="urn:schemas-microsoft-com:vml" Requires="v">
-                <p:oleObj spid="_x0000_s2218" name="Equation" r:id="rId4" imgW="2260600" imgH="215900" progId="Equation.3">
+                <p:oleObj spid="_x0000_s2226" name="Equation" r:id="rId4" imgW="2260600" imgH="215900" progId="Equation.3">
                   <p:embed/>
                 </p:oleObj>
               </mc:Choice>
@@ -10311,7 +10311,7 @@
           <a:graphicData uri="http://schemas.openxmlformats.org/presentationml/2006/ole">
             <mc:AlternateContent xmlns:mc="http://schemas.openxmlformats.org/markup-compatibility/2006">
               <mc:Choice xmlns:v="urn:schemas-microsoft-com:vml" Requires="v">
-                <p:oleObj spid="_x0000_s2219" name="Equation" r:id="rId6" imgW="4686300" imgH="698500" progId="Equation.3">
+                <p:oleObj spid="_x0000_s2227" name="Equation" r:id="rId6" imgW="4686300" imgH="698500" progId="Equation.3">
                   <p:embed/>
                 </p:oleObj>
               </mc:Choice>
@@ -11737,7 +11737,7 @@
           <a:graphicData uri="http://schemas.openxmlformats.org/presentationml/2006/ole">
             <mc:AlternateContent xmlns:mc="http://schemas.openxmlformats.org/markup-compatibility/2006">
               <mc:Choice xmlns:v="urn:schemas-microsoft-com:vml" Requires="v">
-                <p:oleObj spid="_x0000_s5215" name="Equation" r:id="rId4" imgW="6184900" imgH="1054100" progId="Equation.3">
+                <p:oleObj spid="_x0000_s5220" name="Equation" r:id="rId4" imgW="6184900" imgH="1054100" progId="Equation.3">
                   <p:embed/>
                 </p:oleObj>
               </mc:Choice>
@@ -12200,7 +12200,7 @@
           <a:graphicData uri="http://schemas.openxmlformats.org/presentationml/2006/ole">
             <mc:AlternateContent xmlns:mc="http://schemas.openxmlformats.org/markup-compatibility/2006">
               <mc:Choice xmlns:v="urn:schemas-microsoft-com:vml" Requires="v">
-                <p:oleObj spid="_x0000_s4193" name="Equation" r:id="rId3" imgW="6184900" imgH="1054100" progId="Equation.3">
+                <p:oleObj spid="_x0000_s4198" name="Equation" r:id="rId3" imgW="6184900" imgH="1054100" progId="Equation.3">
                   <p:embed/>
                 </p:oleObj>
               </mc:Choice>
@@ -15085,7 +15085,7 @@
             <p:ph idx="1"/>
             <p:extLst>
               <p:ext uri="{D42A27DB-BD31-4B8C-83A1-F6EECF244321}">
-                <p14:modId xmlns:p14="http://schemas.microsoft.com/office/powerpoint/2010/main" val="2304851709"/>
+                <p14:modId xmlns:p14="http://schemas.microsoft.com/office/powerpoint/2010/main" val="674755729"/>
               </p:ext>
             </p:extLst>
           </p:nvPr>
@@ -15259,11 +15259,18 @@
                     <a:p>
                       <a:pPr algn="l" fontAlgn="b"/>
                       <a:r>
-                        <a:rPr lang="en-US" sz="1800" b="0" i="0" u="none" strike="noStrike">
+                        <a:rPr lang="en-US" sz="1800" b="0" i="0" u="none" strike="noStrike" dirty="0" smtClean="0">
                           <a:effectLst/>
                           <a:latin typeface="Arial"/>
                         </a:rPr>
-                        <a:t>Object Probability </a:t>
+                        <a:t>Individual </a:t>
+                      </a:r>
+                      <a:r>
+                        <a:rPr lang="en-US" sz="1800" b="0" i="0" u="none" strike="noStrike" dirty="0">
+                          <a:effectLst/>
+                          <a:latin typeface="Arial"/>
+                        </a:rPr>
+                        <a:t>Probability </a:t>
                       </a:r>
                     </a:p>
                   </a:txBody>
@@ -15672,7 +15679,7 @@
             <p:ph idx="1"/>
             <p:extLst>
               <p:ext uri="{D42A27DB-BD31-4B8C-83A1-F6EECF244321}">
-                <p14:modId xmlns:p14="http://schemas.microsoft.com/office/powerpoint/2010/main" val="3816228991"/>
+                <p14:modId xmlns:p14="http://schemas.microsoft.com/office/powerpoint/2010/main" val="1725182969"/>
               </p:ext>
             </p:extLst>
           </p:nvPr>
@@ -15811,12 +15818,30 @@
                     <a:p>
                       <a:pPr algn="l" fontAlgn="b"/>
                       <a:r>
-                        <a:rPr lang="en-US" sz="1800" b="0" i="0" u="none" strike="noStrike">
+                        <a:rPr lang="en-US" sz="1800" b="0" i="0" u="none" strike="noStrike" smtClean="0">
                           <a:effectLst/>
                           <a:latin typeface="Arial"/>
                         </a:rPr>
-                        <a:t>Object Probability </a:t>
-                      </a:r>
+                        <a:t>Individual</a:t>
+                      </a:r>
+                      <a:r>
+                        <a:rPr lang="en-US" sz="1800" b="0" i="0" u="none" strike="noStrike" baseline="0" smtClean="0">
+                          <a:effectLst/>
+                          <a:latin typeface="Arial"/>
+                        </a:rPr>
+                        <a:t> </a:t>
+                      </a:r>
+                      <a:r>
+                        <a:rPr lang="en-US" sz="1800" b="0" i="0" u="none" strike="noStrike" smtClean="0">
+                          <a:effectLst/>
+                          <a:latin typeface="Arial"/>
+                        </a:rPr>
+                        <a:t>Probability </a:t>
+                      </a:r>
+                      <a:endParaRPr lang="en-US" sz="1800" b="0" i="0" u="none" strike="noStrike" dirty="0">
+                        <a:effectLst/>
+                        <a:latin typeface="Arial"/>
+                      </a:endParaRPr>
                     </a:p>
                   </a:txBody>
                   <a:tcPr marL="12700" marR="12700" marT="12700" marB="0" anchor="b"/>
